--- a/Branching.pptx
+++ b/Branching.pptx
@@ -5,29 +5,32 @@
     <p:sldMasterId id="2147483648" r:id="rId1"/>
   </p:sldMasterIdLst>
   <p:notesMasterIdLst>
-    <p:notesMasterId r:id="rId19"/>
+    <p:notesMasterId r:id="rId22"/>
   </p:notesMasterIdLst>
   <p:handoutMasterIdLst>
-    <p:handoutMasterId r:id="rId20"/>
+    <p:handoutMasterId r:id="rId23"/>
   </p:handoutMasterIdLst>
   <p:sldIdLst>
     <p:sldId id="256" r:id="rId2"/>
     <p:sldId id="273" r:id="rId3"/>
     <p:sldId id="275" r:id="rId4"/>
-    <p:sldId id="262" r:id="rId5"/>
-    <p:sldId id="269" r:id="rId6"/>
+    <p:sldId id="289" r:id="rId5"/>
+    <p:sldId id="291" r:id="rId6"/>
     <p:sldId id="277" r:id="rId7"/>
     <p:sldId id="282" r:id="rId8"/>
-    <p:sldId id="278" r:id="rId9"/>
-    <p:sldId id="284" r:id="rId10"/>
-    <p:sldId id="279" r:id="rId11"/>
-    <p:sldId id="285" r:id="rId12"/>
-    <p:sldId id="280" r:id="rId13"/>
-    <p:sldId id="286" r:id="rId14"/>
-    <p:sldId id="281" r:id="rId15"/>
-    <p:sldId id="287" r:id="rId16"/>
-    <p:sldId id="258" r:id="rId17"/>
-    <p:sldId id="257" r:id="rId18"/>
+    <p:sldId id="269" r:id="rId9"/>
+    <p:sldId id="278" r:id="rId10"/>
+    <p:sldId id="290" r:id="rId11"/>
+    <p:sldId id="262" r:id="rId12"/>
+    <p:sldId id="284" r:id="rId13"/>
+    <p:sldId id="279" r:id="rId14"/>
+    <p:sldId id="285" r:id="rId15"/>
+    <p:sldId id="280" r:id="rId16"/>
+    <p:sldId id="286" r:id="rId17"/>
+    <p:sldId id="281" r:id="rId18"/>
+    <p:sldId id="287" r:id="rId19"/>
+    <p:sldId id="258" r:id="rId20"/>
+    <p:sldId id="257" r:id="rId21"/>
   </p:sldIdLst>
   <p:sldSz cx="9144000" cy="6858000" type="screen4x3"/>
   <p:notesSz cx="6858000" cy="9144000"/>
@@ -225,7 +228,7 @@
             </a:lvl1pPr>
           </a:lstStyle>
           <a:p>
-            <a:fld id="{416AD628-448F-4D04-9C6F-41209293C4AE}" type="datetime5">
+            <a:fld id="{F0DA93E1-36F6-4327-8340-F7D94589723B}" type="datetime5">
               <a:rPr lang="en-US" smtClean="0"/>
               <a:t>26-Oct-18</a:t>
             </a:fld>
@@ -395,7 +398,7 @@
             </a:lvl1pPr>
           </a:lstStyle>
           <a:p>
-            <a:fld id="{94D0D666-2E0E-49AD-AF66-2AF375362CC5}" type="datetime5">
+            <a:fld id="{D0C2D5CC-CC13-4E90-B9BB-949E4E010345}" type="datetime5">
               <a:rPr lang="en-US" smtClean="0"/>
               <a:t>26-Oct-18</a:t>
             </a:fld>
@@ -3281,7 +3284,7 @@
             </a:lvl1pPr>
           </a:lstStyle>
           <a:p>
-            <a:fld id="{30ADA1FC-A5AD-4039-B6FA-B444136F7BFC}" type="datetime5">
+            <a:fld id="{69974C1F-5C3C-4827-BC0B-F8CC179C2EAB}" type="datetime5">
               <a:rPr lang="en-US" smtClean="0"/>
               <a:t>26-Oct-18</a:t>
             </a:fld>
@@ -3724,7 +3727,7 @@
           <a:bodyPr/>
           <a:lstStyle/>
           <a:p>
-            <a:fld id="{86F659D6-33C9-45C2-BB93-AEDCD38E8340}" type="datetime5">
+            <a:fld id="{0D961B24-915C-4BC2-AE0F-D942C645D82C}" type="datetime5">
               <a:rPr lang="en-US" smtClean="0"/>
               <a:t>26-Oct-18</a:t>
             </a:fld>
@@ -3809,7 +3812,7 @@
           <a:p>
             <a:r>
               <a:rPr lang="en-US" dirty="0" smtClean="0"/>
-              <a:t>Merging</a:t>
+              <a:t>Feature Branch</a:t>
             </a:r>
             <a:endParaRPr lang="en-US" dirty="0"/>
           </a:p>
@@ -3825,70 +3828,115 @@
             <p:ph idx="1"/>
           </p:nvPr>
         </p:nvSpPr>
-        <p:spPr/>
+        <p:spPr>
+          <a:xfrm>
+            <a:off x="457200" y="1600200"/>
+            <a:ext cx="8229600" cy="5121506"/>
+          </a:xfrm>
+        </p:spPr>
         <p:txBody>
           <a:bodyPr>
-            <a:normAutofit/>
+            <a:normAutofit fontScale="92500" lnSpcReduction="20000"/>
           </a:bodyPr>
           <a:lstStyle/>
           <a:p>
             <a:r>
               <a:rPr lang="en-US" dirty="0" smtClean="0"/>
-              <a:t>Integrate your changes</a:t>
+              <a:t>For </a:t>
+            </a:r>
+            <a:r>
+              <a:rPr lang="en-US" dirty="0"/>
+              <a:t>the upcoming or a distant future release</a:t>
+            </a:r>
+          </a:p>
+          <a:p>
+            <a:r>
+              <a:rPr lang="en-US" dirty="0" smtClean="0"/>
+              <a:t>Branch </a:t>
+            </a:r>
+            <a:r>
+              <a:rPr lang="en-US" dirty="0" smtClean="0"/>
+              <a:t>off </a:t>
+            </a:r>
+            <a:r>
+              <a:rPr lang="en-US" dirty="0"/>
+              <a:t>from </a:t>
+            </a:r>
+            <a:r>
+              <a:rPr lang="en-US" dirty="0" smtClean="0"/>
+              <a:t>the develop branch</a:t>
+            </a:r>
+            <a:endParaRPr lang="en-US" dirty="0" smtClean="0"/>
+          </a:p>
+          <a:p>
+            <a:r>
+              <a:rPr lang="en-US" dirty="0" smtClean="0"/>
+              <a:t>Primary working branches for an individual(s)</a:t>
+            </a:r>
+          </a:p>
+          <a:p>
+            <a:r>
+              <a:rPr lang="en-US" dirty="0" smtClean="0"/>
+              <a:t>When new feature is finished</a:t>
             </a:r>
           </a:p>
           <a:p>
             <a:pPr lvl="1"/>
             <a:r>
               <a:rPr lang="en-US" dirty="0" smtClean="0"/>
-              <a:t>Run your tests, make sure the changes are what you want</a:t>
+              <a:t>Merge into develop</a:t>
             </a:r>
           </a:p>
           <a:p>
             <a:pPr lvl="1"/>
             <a:r>
               <a:rPr lang="en-US" dirty="0" smtClean="0"/>
-              <a:t>Merge your changes into the branch </a:t>
-            </a:r>
-          </a:p>
-          <a:p>
-            <a:pPr lvl="2"/>
+              <a:t>Code reviews</a:t>
+            </a:r>
+          </a:p>
+          <a:p>
+            <a:pPr lvl="1"/>
             <a:r>
               <a:rPr lang="en-US" dirty="0" smtClean="0"/>
-              <a:t>$</a:t>
-            </a:r>
-            <a:r>
-              <a:rPr lang="en-US" dirty="0" err="1" smtClean="0"/>
-              <a:t>git</a:t>
-            </a:r>
+              <a:t>Hope it doesn’t break develop (it might)</a:t>
+            </a:r>
+          </a:p>
+          <a:p>
             <a:r>
               <a:rPr lang="en-US" dirty="0" smtClean="0"/>
-              <a:t> </a:t>
+              <a:t>Temporary </a:t>
+            </a:r>
+            <a:r>
+              <a:rPr lang="en-US" dirty="0" smtClean="0"/>
+              <a:t>branches, they </a:t>
             </a:r>
             <a:r>
               <a:rPr lang="en-US" dirty="0"/>
-              <a:t>checkout </a:t>
-            </a:r>
+              <a:t>will be removed eventually</a:t>
+            </a:r>
+            <a:endParaRPr lang="en-US" dirty="0" smtClean="0"/>
+          </a:p>
+          <a:p>
             <a:r>
               <a:rPr lang="en-US" dirty="0" smtClean="0"/>
-              <a:t>master</a:t>
-            </a:r>
-          </a:p>
-          <a:p>
-            <a:pPr lvl="2"/>
+              <a:t>If </a:t>
+            </a:r>
             <a:r>
               <a:rPr lang="en-US" dirty="0" smtClean="0"/>
-              <a:t>$</a:t>
-            </a:r>
-            <a:r>
-              <a:rPr lang="en-US" dirty="0" err="1" smtClean="0"/>
-              <a:t>git</a:t>
-            </a:r>
+              <a:t>the feature is a failure</a:t>
+            </a:r>
+          </a:p>
+          <a:p>
+            <a:pPr lvl="1"/>
             <a:r>
               <a:rPr lang="en-US" dirty="0" smtClean="0"/>
-              <a:t> merge hotfix</a:t>
-            </a:r>
-            <a:endParaRPr lang="en-US" dirty="0"/>
+              <a:t>In </a:t>
+            </a:r>
+            <a:r>
+              <a:rPr lang="en-US" dirty="0"/>
+              <a:t>case of a disappointing experiment</a:t>
+            </a:r>
+            <a:endParaRPr lang="en-US" dirty="0" smtClean="0"/>
           </a:p>
         </p:txBody>
       </p:sp>
@@ -3930,7 +3978,7 @@
           <a:bodyPr/>
           <a:lstStyle/>
           <a:p>
-            <a:fld id="{9ABDD284-42BB-4721-A0DD-B4D208D840F5}" type="datetime5">
+            <a:fld id="{B1D3BA18-AA7D-42DF-83FB-12A64659F80E}" type="datetime5">
               <a:rPr lang="en-US" smtClean="0"/>
               <a:t>26-Oct-18</a:t>
             </a:fld>
@@ -3964,7 +4012,7 @@
     </p:spTree>
     <p:extLst>
       <p:ext uri="{BB962C8B-B14F-4D97-AF65-F5344CB8AC3E}">
-        <p14:creationId xmlns:p14="http://schemas.microsoft.com/office/powerpoint/2010/main" val="3464525056"/>
+        <p14:creationId xmlns:p14="http://schemas.microsoft.com/office/powerpoint/2010/main" val="1173985121"/>
       </p:ext>
     </p:extLst>
   </p:cSld>
@@ -4000,6 +4048,3773 @@
       </p:grpSpPr>
       <p:sp>
         <p:nvSpPr>
+          <p:cNvPr id="2" name="Title 1"/>
+          <p:cNvSpPr>
+            <a:spLocks noGrp="1"/>
+          </p:cNvSpPr>
+          <p:nvPr>
+            <p:ph type="title"/>
+          </p:nvPr>
+        </p:nvSpPr>
+        <p:spPr/>
+        <p:txBody>
+          <a:bodyPr/>
+          <a:lstStyle/>
+          <a:p>
+            <a:r>
+              <a:rPr lang="en-US" dirty="0" smtClean="0"/>
+              <a:t>Merging</a:t>
+            </a:r>
+            <a:endParaRPr lang="en-US" dirty="0"/>
+          </a:p>
+        </p:txBody>
+      </p:sp>
+      <p:sp>
+        <p:nvSpPr>
+          <p:cNvPr id="3" name="Content Placeholder 2"/>
+          <p:cNvSpPr>
+            <a:spLocks noGrp="1"/>
+          </p:cNvSpPr>
+          <p:nvPr>
+            <p:ph idx="1"/>
+          </p:nvPr>
+        </p:nvSpPr>
+        <p:spPr>
+          <a:xfrm>
+            <a:off x="457200" y="1600200"/>
+            <a:ext cx="8229600" cy="4800814"/>
+          </a:xfrm>
+        </p:spPr>
+        <p:txBody>
+          <a:bodyPr>
+            <a:normAutofit/>
+          </a:bodyPr>
+          <a:lstStyle/>
+          <a:p>
+            <a:r>
+              <a:rPr lang="en-US" dirty="0" smtClean="0"/>
+              <a:t>Once the changes are complete and stable</a:t>
+            </a:r>
+          </a:p>
+          <a:p>
+            <a:pPr lvl="1"/>
+            <a:r>
+              <a:rPr lang="en-US" dirty="0" smtClean="0"/>
+              <a:t>Merge the branch back to the codebase</a:t>
+            </a:r>
+          </a:p>
+          <a:p>
+            <a:r>
+              <a:rPr lang="en-US" dirty="0" smtClean="0"/>
+              <a:t>Typically:</a:t>
+            </a:r>
+          </a:p>
+          <a:p>
+            <a:pPr lvl="1"/>
+            <a:r>
+              <a:rPr lang="en-US" dirty="0" smtClean="0"/>
+              <a:t>Initiate a pull request</a:t>
+            </a:r>
+          </a:p>
+          <a:p>
+            <a:pPr lvl="1"/>
+            <a:r>
+              <a:rPr lang="en-US" dirty="0"/>
+              <a:t>P</a:t>
+            </a:r>
+            <a:r>
+              <a:rPr lang="en-US" dirty="0" smtClean="0"/>
+              <a:t>erforms code reviews</a:t>
+            </a:r>
+          </a:p>
+          <a:p>
+            <a:pPr lvl="1"/>
+            <a:r>
+              <a:rPr lang="en-US" dirty="0"/>
+              <a:t>M</a:t>
+            </a:r>
+            <a:r>
+              <a:rPr lang="en-US" dirty="0" smtClean="0"/>
+              <a:t>erge the code</a:t>
+            </a:r>
+          </a:p>
+          <a:p>
+            <a:r>
+              <a:rPr lang="en-US" dirty="0" smtClean="0"/>
+              <a:t>Conflict resolution can be time consuming</a:t>
+            </a:r>
+          </a:p>
+          <a:p>
+            <a:pPr lvl="1"/>
+            <a:r>
+              <a:rPr lang="en-US" dirty="0" smtClean="0"/>
+              <a:t>Helps to coordinate with your team and limit editing the same files</a:t>
+            </a:r>
+            <a:endParaRPr lang="en-US" dirty="0"/>
+          </a:p>
+        </p:txBody>
+      </p:sp>
+      <p:sp>
+        <p:nvSpPr>
+          <p:cNvPr id="4" name="Footer Placeholder 3"/>
+          <p:cNvSpPr>
+            <a:spLocks noGrp="1"/>
+          </p:cNvSpPr>
+          <p:nvPr>
+            <p:ph type="ftr" sz="quarter" idx="11"/>
+          </p:nvPr>
+        </p:nvSpPr>
+        <p:spPr/>
+        <p:txBody>
+          <a:bodyPr/>
+          <a:lstStyle/>
+          <a:p>
+            <a:r>
+              <a:rPr lang="en-US" smtClean="0"/>
+              <a:t>AXP Internal</a:t>
+            </a:r>
+            <a:endParaRPr lang="en-US"/>
+          </a:p>
+        </p:txBody>
+      </p:sp>
+      <p:sp>
+        <p:nvSpPr>
+          <p:cNvPr id="5" name="Date Placeholder 4"/>
+          <p:cNvSpPr>
+            <a:spLocks noGrp="1"/>
+          </p:cNvSpPr>
+          <p:nvPr>
+            <p:ph type="dt" sz="half" idx="10"/>
+          </p:nvPr>
+        </p:nvSpPr>
+        <p:spPr/>
+        <p:txBody>
+          <a:bodyPr/>
+          <a:lstStyle/>
+          <a:p>
+            <a:fld id="{474D4B91-6402-44CB-B1A7-B1B5B15DDBB7}" type="datetime5">
+              <a:rPr lang="en-US" smtClean="0"/>
+              <a:t>26-Oct-18</a:t>
+            </a:fld>
+            <a:endParaRPr lang="en-US"/>
+          </a:p>
+        </p:txBody>
+      </p:sp>
+      <p:sp>
+        <p:nvSpPr>
+          <p:cNvPr id="6" name="Slide Number Placeholder 5"/>
+          <p:cNvSpPr>
+            <a:spLocks noGrp="1"/>
+          </p:cNvSpPr>
+          <p:nvPr>
+            <p:ph type="sldNum" sz="quarter" idx="12"/>
+          </p:nvPr>
+        </p:nvSpPr>
+        <p:spPr/>
+        <p:txBody>
+          <a:bodyPr/>
+          <a:lstStyle/>
+          <a:p>
+            <a:fld id="{B4829C59-8948-1A4D-840C-AB343535AC28}" type="slidenum">
+              <a:rPr lang="en-US" smtClean="0"/>
+              <a:t>11</a:t>
+            </a:fld>
+            <a:endParaRPr lang="en-US"/>
+          </a:p>
+        </p:txBody>
+      </p:sp>
+    </p:spTree>
+    <p:extLst>
+      <p:ext uri="{BB962C8B-B14F-4D97-AF65-F5344CB8AC3E}">
+        <p14:creationId xmlns:p14="http://schemas.microsoft.com/office/powerpoint/2010/main" val="4124153210"/>
+      </p:ext>
+    </p:extLst>
+  </p:cSld>
+  <p:clrMapOvr>
+    <a:masterClrMapping/>
+  </p:clrMapOvr>
+  <p:timing>
+    <p:tnLst>
+      <p:par>
+        <p:cTn id="1" dur="indefinite" restart="never" nodeType="tmRoot"/>
+      </p:par>
+    </p:tnLst>
+  </p:timing>
+</p:sld>
+</file>
+
+<file path=ppt/slides/slide12.xml><?xml version="1.0" encoding="utf-8"?>
+<p:sld xmlns:a="http://schemas.openxmlformats.org/drawingml/2006/main" xmlns:r="http://schemas.openxmlformats.org/officeDocument/2006/relationships" xmlns:p="http://schemas.openxmlformats.org/presentationml/2006/main">
+  <p:cSld>
+    <p:spTree>
+      <p:nvGrpSpPr>
+        <p:cNvPr id="1" name=""/>
+        <p:cNvGrpSpPr/>
+        <p:nvPr/>
+      </p:nvGrpSpPr>
+      <p:grpSpPr>
+        <a:xfrm>
+          <a:off x="0" y="0"/>
+          <a:ext cx="0" cy="0"/>
+          <a:chOff x="0" y="0"/>
+          <a:chExt cx="0" cy="0"/>
+        </a:xfrm>
+      </p:grpSpPr>
+      <p:sp>
+        <p:nvSpPr>
+          <p:cNvPr id="4" name="Date Placeholder 3"/>
+          <p:cNvSpPr>
+            <a:spLocks noGrp="1"/>
+          </p:cNvSpPr>
+          <p:nvPr>
+            <p:ph type="dt" sz="half" idx="10"/>
+          </p:nvPr>
+        </p:nvSpPr>
+        <p:spPr/>
+        <p:txBody>
+          <a:bodyPr/>
+          <a:lstStyle/>
+          <a:p>
+            <a:fld id="{4F2DA597-3A50-4B06-9BB7-31B39536E68A}" type="datetime5">
+              <a:rPr lang="en-US" smtClean="0"/>
+              <a:t>26-Oct-18</a:t>
+            </a:fld>
+            <a:endParaRPr lang="en-US"/>
+          </a:p>
+        </p:txBody>
+      </p:sp>
+      <p:sp>
+        <p:nvSpPr>
+          <p:cNvPr id="5" name="Footer Placeholder 4"/>
+          <p:cNvSpPr>
+            <a:spLocks noGrp="1"/>
+          </p:cNvSpPr>
+          <p:nvPr>
+            <p:ph type="ftr" sz="quarter" idx="11"/>
+          </p:nvPr>
+        </p:nvSpPr>
+        <p:spPr/>
+        <p:txBody>
+          <a:bodyPr/>
+          <a:lstStyle/>
+          <a:p>
+            <a:r>
+              <a:rPr lang="en-US" smtClean="0"/>
+              <a:t>AXP Internal</a:t>
+            </a:r>
+            <a:endParaRPr lang="en-US"/>
+          </a:p>
+        </p:txBody>
+      </p:sp>
+      <p:sp>
+        <p:nvSpPr>
+          <p:cNvPr id="6" name="Slide Number Placeholder 5"/>
+          <p:cNvSpPr>
+            <a:spLocks noGrp="1"/>
+          </p:cNvSpPr>
+          <p:nvPr>
+            <p:ph type="sldNum" sz="quarter" idx="12"/>
+          </p:nvPr>
+        </p:nvSpPr>
+        <p:spPr/>
+        <p:txBody>
+          <a:bodyPr/>
+          <a:lstStyle/>
+          <a:p>
+            <a:fld id="{B4829C59-8948-1A4D-840C-AB343535AC28}" type="slidenum">
+              <a:rPr lang="en-US" smtClean="0"/>
+              <a:t>12</a:t>
+            </a:fld>
+            <a:endParaRPr lang="en-US"/>
+          </a:p>
+        </p:txBody>
+      </p:sp>
+      <p:sp>
+        <p:nvSpPr>
+          <p:cNvPr id="7" name="Down Arrow 6"/>
+          <p:cNvSpPr/>
+          <p:nvPr/>
+        </p:nvSpPr>
+        <p:spPr>
+          <a:xfrm>
+            <a:off x="798897" y="721894"/>
+            <a:ext cx="404261" cy="5496024"/>
+          </a:xfrm>
+          <a:prstGeom prst="downArrow">
+            <a:avLst/>
+          </a:prstGeom>
+          <a:solidFill>
+            <a:schemeClr val="bg1">
+              <a:lumMod val="95000"/>
+            </a:schemeClr>
+          </a:solidFill>
+        </p:spPr>
+        <p:style>
+          <a:lnRef idx="1">
+            <a:schemeClr val="accent1"/>
+          </a:lnRef>
+          <a:fillRef idx="3">
+            <a:schemeClr val="accent1"/>
+          </a:fillRef>
+          <a:effectRef idx="2">
+            <a:schemeClr val="accent1"/>
+          </a:effectRef>
+          <a:fontRef idx="minor">
+            <a:schemeClr val="lt1"/>
+          </a:fontRef>
+        </p:style>
+        <p:txBody>
+          <a:bodyPr rtlCol="0" anchor="ctr"/>
+          <a:lstStyle/>
+          <a:p>
+            <a:pPr algn="ctr"/>
+            <a:endParaRPr lang="en-US"/>
+          </a:p>
+        </p:txBody>
+      </p:sp>
+      <p:sp>
+        <p:nvSpPr>
+          <p:cNvPr id="11" name="Oval 10"/>
+          <p:cNvSpPr/>
+          <p:nvPr/>
+        </p:nvSpPr>
+        <p:spPr>
+          <a:xfrm>
+            <a:off x="6432494" y="1933072"/>
+            <a:ext cx="457200" cy="457200"/>
+          </a:xfrm>
+          <a:prstGeom prst="ellipse">
+            <a:avLst/>
+          </a:prstGeom>
+          <a:solidFill>
+            <a:srgbClr val="FFC000"/>
+          </a:solidFill>
+        </p:spPr>
+        <p:style>
+          <a:lnRef idx="1">
+            <a:schemeClr val="accent1"/>
+          </a:lnRef>
+          <a:fillRef idx="3">
+            <a:schemeClr val="accent1"/>
+          </a:fillRef>
+          <a:effectRef idx="2">
+            <a:schemeClr val="accent1"/>
+          </a:effectRef>
+          <a:fontRef idx="minor">
+            <a:schemeClr val="lt1"/>
+          </a:fontRef>
+        </p:style>
+        <p:txBody>
+          <a:bodyPr rtlCol="0" anchor="ctr"/>
+          <a:lstStyle/>
+          <a:p>
+            <a:pPr marL="285750" indent="-285750">
+              <a:lnSpc>
+                <a:spcPct val="250000"/>
+              </a:lnSpc>
+              <a:buFont typeface="Arial" panose="020B0604020202020204" pitchFamily="34" charset="0"/>
+              <a:buChar char="•"/>
+            </a:pPr>
+            <a:endParaRPr lang="en-US" dirty="0"/>
+          </a:p>
+        </p:txBody>
+      </p:sp>
+      <p:sp>
+        <p:nvSpPr>
+          <p:cNvPr id="12" name="Oval 11"/>
+          <p:cNvSpPr/>
+          <p:nvPr/>
+        </p:nvSpPr>
+        <p:spPr>
+          <a:xfrm>
+            <a:off x="6432494" y="3037571"/>
+            <a:ext cx="457200" cy="457200"/>
+          </a:xfrm>
+          <a:prstGeom prst="ellipse">
+            <a:avLst/>
+          </a:prstGeom>
+          <a:solidFill>
+            <a:srgbClr val="FFC000"/>
+          </a:solidFill>
+        </p:spPr>
+        <p:style>
+          <a:lnRef idx="1">
+            <a:schemeClr val="accent1"/>
+          </a:lnRef>
+          <a:fillRef idx="3">
+            <a:schemeClr val="accent1"/>
+          </a:fillRef>
+          <a:effectRef idx="2">
+            <a:schemeClr val="accent1"/>
+          </a:effectRef>
+          <a:fontRef idx="minor">
+            <a:schemeClr val="lt1"/>
+          </a:fontRef>
+        </p:style>
+        <p:txBody>
+          <a:bodyPr rtlCol="0" anchor="ctr"/>
+          <a:lstStyle/>
+          <a:p>
+            <a:pPr marL="285750" indent="-285750">
+              <a:lnSpc>
+                <a:spcPct val="250000"/>
+              </a:lnSpc>
+              <a:buFont typeface="Arial" panose="020B0604020202020204" pitchFamily="34" charset="0"/>
+              <a:buChar char="•"/>
+            </a:pPr>
+            <a:endParaRPr lang="en-US"/>
+          </a:p>
+        </p:txBody>
+      </p:sp>
+      <p:sp>
+        <p:nvSpPr>
+          <p:cNvPr id="13" name="Oval 12"/>
+          <p:cNvSpPr/>
+          <p:nvPr/>
+        </p:nvSpPr>
+        <p:spPr>
+          <a:xfrm>
+            <a:off x="6432494" y="5246636"/>
+            <a:ext cx="457200" cy="457200"/>
+          </a:xfrm>
+          <a:prstGeom prst="ellipse">
+            <a:avLst/>
+          </a:prstGeom>
+          <a:solidFill>
+            <a:srgbClr val="FFC000"/>
+          </a:solidFill>
+        </p:spPr>
+        <p:style>
+          <a:lnRef idx="1">
+            <a:schemeClr val="accent1"/>
+          </a:lnRef>
+          <a:fillRef idx="3">
+            <a:schemeClr val="accent1"/>
+          </a:fillRef>
+          <a:effectRef idx="2">
+            <a:schemeClr val="accent1"/>
+          </a:effectRef>
+          <a:fontRef idx="minor">
+            <a:schemeClr val="lt1"/>
+          </a:fontRef>
+        </p:style>
+        <p:txBody>
+          <a:bodyPr rtlCol="0" anchor="ctr"/>
+          <a:lstStyle/>
+          <a:p>
+            <a:pPr marL="285750" indent="-285750">
+              <a:lnSpc>
+                <a:spcPct val="250000"/>
+              </a:lnSpc>
+              <a:buFont typeface="Arial" panose="020B0604020202020204" pitchFamily="34" charset="0"/>
+              <a:buChar char="•"/>
+            </a:pPr>
+            <a:endParaRPr lang="en-US"/>
+          </a:p>
+        </p:txBody>
+      </p:sp>
+      <p:cxnSp>
+        <p:nvCxnSpPr>
+          <p:cNvPr id="14" name="Straight Connector 13"/>
+          <p:cNvCxnSpPr/>
+          <p:nvPr/>
+        </p:nvCxnSpPr>
+        <p:spPr>
+          <a:xfrm>
+            <a:off x="895150" y="606393"/>
+            <a:ext cx="7950467" cy="18013"/>
+          </a:xfrm>
+          <a:prstGeom prst="line">
+            <a:avLst/>
+          </a:prstGeom>
+        </p:spPr>
+        <p:style>
+          <a:lnRef idx="2">
+            <a:schemeClr val="accent1"/>
+          </a:lnRef>
+          <a:fillRef idx="0">
+            <a:schemeClr val="accent1"/>
+          </a:fillRef>
+          <a:effectRef idx="1">
+            <a:schemeClr val="accent1"/>
+          </a:effectRef>
+          <a:fontRef idx="minor">
+            <a:schemeClr val="tx1"/>
+          </a:fontRef>
+        </p:style>
+      </p:cxnSp>
+      <p:sp>
+        <p:nvSpPr>
+          <p:cNvPr id="16" name="TextBox 15"/>
+          <p:cNvSpPr txBox="1"/>
+          <p:nvPr/>
+        </p:nvSpPr>
+        <p:spPr>
+          <a:xfrm>
+            <a:off x="6284505" y="916100"/>
+            <a:ext cx="1828800" cy="369332"/>
+          </a:xfrm>
+          <a:prstGeom prst="rect">
+            <a:avLst/>
+          </a:prstGeom>
+          <a:noFill/>
+        </p:spPr>
+        <p:txBody>
+          <a:bodyPr wrap="square" rtlCol="0">
+            <a:spAutoFit/>
+          </a:bodyPr>
+          <a:lstStyle/>
+          <a:p>
+            <a:r>
+              <a:rPr lang="en-US" dirty="0"/>
+              <a:t>D</a:t>
+            </a:r>
+            <a:r>
+              <a:rPr lang="en-US" dirty="0" smtClean="0"/>
+              <a:t>evelop</a:t>
+            </a:r>
+            <a:endParaRPr lang="en-US" sz="1800" kern="1200" dirty="0">
+              <a:solidFill>
+                <a:schemeClr val="tx1"/>
+              </a:solidFill>
+              <a:latin typeface="+mn-lt"/>
+              <a:ea typeface="+mn-ea"/>
+              <a:cs typeface="+mn-cs"/>
+            </a:endParaRPr>
+          </a:p>
+        </p:txBody>
+      </p:sp>
+      <p:cxnSp>
+        <p:nvCxnSpPr>
+          <p:cNvPr id="19" name="Straight Arrow Connector 18"/>
+          <p:cNvCxnSpPr>
+            <a:stCxn id="11" idx="4"/>
+            <a:endCxn id="12" idx="0"/>
+          </p:cNvCxnSpPr>
+          <p:nvPr/>
+        </p:nvCxnSpPr>
+        <p:spPr>
+          <a:xfrm>
+            <a:off x="6661094" y="2390272"/>
+            <a:ext cx="0" cy="647299"/>
+          </a:xfrm>
+          <a:prstGeom prst="straightConnector1">
+            <a:avLst/>
+          </a:prstGeom>
+          <a:ln>
+            <a:tailEnd type="triangle"/>
+          </a:ln>
+        </p:spPr>
+        <p:style>
+          <a:lnRef idx="2">
+            <a:schemeClr val="accent1"/>
+          </a:lnRef>
+          <a:fillRef idx="0">
+            <a:schemeClr val="accent1"/>
+          </a:fillRef>
+          <a:effectRef idx="1">
+            <a:schemeClr val="accent1"/>
+          </a:effectRef>
+          <a:fontRef idx="minor">
+            <a:schemeClr val="tx1"/>
+          </a:fontRef>
+        </p:style>
+      </p:cxnSp>
+      <p:cxnSp>
+        <p:nvCxnSpPr>
+          <p:cNvPr id="20" name="Straight Arrow Connector 19"/>
+          <p:cNvCxnSpPr>
+            <a:stCxn id="12" idx="4"/>
+            <a:endCxn id="13" idx="0"/>
+          </p:cNvCxnSpPr>
+          <p:nvPr/>
+        </p:nvCxnSpPr>
+        <p:spPr>
+          <a:xfrm>
+            <a:off x="6661094" y="3494771"/>
+            <a:ext cx="0" cy="1751865"/>
+          </a:xfrm>
+          <a:prstGeom prst="straightConnector1">
+            <a:avLst/>
+          </a:prstGeom>
+          <a:ln>
+            <a:tailEnd type="triangle"/>
+          </a:ln>
+        </p:spPr>
+        <p:style>
+          <a:lnRef idx="2">
+            <a:schemeClr val="accent1"/>
+          </a:lnRef>
+          <a:fillRef idx="0">
+            <a:schemeClr val="accent1"/>
+          </a:fillRef>
+          <a:effectRef idx="1">
+            <a:schemeClr val="accent1"/>
+          </a:effectRef>
+          <a:fontRef idx="minor">
+            <a:schemeClr val="tx1"/>
+          </a:fontRef>
+        </p:style>
+      </p:cxnSp>
+      <p:sp>
+        <p:nvSpPr>
+          <p:cNvPr id="22" name="TextBox 21"/>
+          <p:cNvSpPr txBox="1"/>
+          <p:nvPr/>
+        </p:nvSpPr>
+        <p:spPr>
+          <a:xfrm rot="16200000">
+            <a:off x="-84641" y="2014504"/>
+            <a:ext cx="1670386" cy="369332"/>
+          </a:xfrm>
+          <a:prstGeom prst="rect">
+            <a:avLst/>
+          </a:prstGeom>
+          <a:noFill/>
+        </p:spPr>
+        <p:txBody>
+          <a:bodyPr wrap="square" rtlCol="0">
+            <a:spAutoFit/>
+          </a:bodyPr>
+          <a:lstStyle/>
+          <a:p>
+            <a:r>
+              <a:rPr lang="en-US" dirty="0" smtClean="0"/>
+              <a:t>Time</a:t>
+            </a:r>
+            <a:endParaRPr lang="en-US" dirty="0"/>
+          </a:p>
+        </p:txBody>
+      </p:sp>
+      <p:cxnSp>
+        <p:nvCxnSpPr>
+          <p:cNvPr id="23" name="Straight Connector 22"/>
+          <p:cNvCxnSpPr>
+            <a:stCxn id="11" idx="0"/>
+          </p:cNvCxnSpPr>
+          <p:nvPr/>
+        </p:nvCxnSpPr>
+        <p:spPr>
+          <a:xfrm flipV="1">
+            <a:off x="6661094" y="1293507"/>
+            <a:ext cx="0" cy="639565"/>
+          </a:xfrm>
+          <a:prstGeom prst="line">
+            <a:avLst/>
+          </a:prstGeom>
+        </p:spPr>
+        <p:style>
+          <a:lnRef idx="2">
+            <a:schemeClr val="accent1"/>
+          </a:lnRef>
+          <a:fillRef idx="0">
+            <a:schemeClr val="accent1"/>
+          </a:fillRef>
+          <a:effectRef idx="1">
+            <a:schemeClr val="accent1"/>
+          </a:effectRef>
+          <a:fontRef idx="minor">
+            <a:schemeClr val="tx1"/>
+          </a:fontRef>
+        </p:style>
+      </p:cxnSp>
+      <p:sp>
+        <p:nvSpPr>
+          <p:cNvPr id="25" name="Oval 24"/>
+          <p:cNvSpPr/>
+          <p:nvPr/>
+        </p:nvSpPr>
+        <p:spPr>
+          <a:xfrm>
+            <a:off x="4217079" y="2716329"/>
+            <a:ext cx="457200" cy="457200"/>
+          </a:xfrm>
+          <a:prstGeom prst="ellipse">
+            <a:avLst/>
+          </a:prstGeom>
+          <a:solidFill>
+            <a:srgbClr val="7030A0"/>
+          </a:solidFill>
+        </p:spPr>
+        <p:style>
+          <a:lnRef idx="1">
+            <a:schemeClr val="accent1"/>
+          </a:lnRef>
+          <a:fillRef idx="3">
+            <a:schemeClr val="accent1"/>
+          </a:fillRef>
+          <a:effectRef idx="2">
+            <a:schemeClr val="accent1"/>
+          </a:effectRef>
+          <a:fontRef idx="minor">
+            <a:schemeClr val="lt1"/>
+          </a:fontRef>
+        </p:style>
+        <p:txBody>
+          <a:bodyPr rtlCol="0" anchor="ctr"/>
+          <a:lstStyle/>
+          <a:p>
+            <a:pPr marL="285750" indent="-285750">
+              <a:lnSpc>
+                <a:spcPct val="250000"/>
+              </a:lnSpc>
+              <a:buFont typeface="Arial" panose="020B0604020202020204" pitchFamily="34" charset="0"/>
+              <a:buChar char="•"/>
+            </a:pPr>
+            <a:endParaRPr lang="en-US" dirty="0"/>
+          </a:p>
+        </p:txBody>
+      </p:sp>
+      <p:sp>
+        <p:nvSpPr>
+          <p:cNvPr id="26" name="Oval 25"/>
+          <p:cNvSpPr/>
+          <p:nvPr/>
+        </p:nvSpPr>
+        <p:spPr>
+          <a:xfrm>
+            <a:off x="4217079" y="4536340"/>
+            <a:ext cx="457200" cy="457200"/>
+          </a:xfrm>
+          <a:prstGeom prst="ellipse">
+            <a:avLst/>
+          </a:prstGeom>
+          <a:solidFill>
+            <a:srgbClr val="7030A0"/>
+          </a:solidFill>
+        </p:spPr>
+        <p:style>
+          <a:lnRef idx="1">
+            <a:schemeClr val="accent1"/>
+          </a:lnRef>
+          <a:fillRef idx="3">
+            <a:schemeClr val="accent1"/>
+          </a:fillRef>
+          <a:effectRef idx="2">
+            <a:schemeClr val="accent1"/>
+          </a:effectRef>
+          <a:fontRef idx="minor">
+            <a:schemeClr val="lt1"/>
+          </a:fontRef>
+        </p:style>
+        <p:txBody>
+          <a:bodyPr rtlCol="0" anchor="ctr"/>
+          <a:lstStyle/>
+          <a:p>
+            <a:pPr marL="285750" indent="-285750">
+              <a:lnSpc>
+                <a:spcPct val="250000"/>
+              </a:lnSpc>
+              <a:buFont typeface="Arial" panose="020B0604020202020204" pitchFamily="34" charset="0"/>
+              <a:buChar char="•"/>
+            </a:pPr>
+            <a:endParaRPr lang="en-US" dirty="0"/>
+          </a:p>
+        </p:txBody>
+      </p:sp>
+      <p:sp>
+        <p:nvSpPr>
+          <p:cNvPr id="27" name="Oval 26"/>
+          <p:cNvSpPr/>
+          <p:nvPr/>
+        </p:nvSpPr>
+        <p:spPr>
+          <a:xfrm>
+            <a:off x="4217079" y="3825291"/>
+            <a:ext cx="457200" cy="457200"/>
+          </a:xfrm>
+          <a:prstGeom prst="ellipse">
+            <a:avLst/>
+          </a:prstGeom>
+          <a:solidFill>
+            <a:srgbClr val="7030A0"/>
+          </a:solidFill>
+        </p:spPr>
+        <p:style>
+          <a:lnRef idx="1">
+            <a:schemeClr val="accent1"/>
+          </a:lnRef>
+          <a:fillRef idx="3">
+            <a:schemeClr val="accent1"/>
+          </a:fillRef>
+          <a:effectRef idx="2">
+            <a:schemeClr val="accent1"/>
+          </a:effectRef>
+          <a:fontRef idx="minor">
+            <a:schemeClr val="lt1"/>
+          </a:fontRef>
+        </p:style>
+        <p:txBody>
+          <a:bodyPr rtlCol="0" anchor="ctr"/>
+          <a:lstStyle/>
+          <a:p>
+            <a:pPr marL="285750" indent="-285750">
+              <a:lnSpc>
+                <a:spcPct val="250000"/>
+              </a:lnSpc>
+              <a:buFont typeface="Arial" panose="020B0604020202020204" pitchFamily="34" charset="0"/>
+              <a:buChar char="•"/>
+            </a:pPr>
+            <a:endParaRPr lang="en-US" dirty="0"/>
+          </a:p>
+        </p:txBody>
+      </p:sp>
+      <p:cxnSp>
+        <p:nvCxnSpPr>
+          <p:cNvPr id="29" name="Straight Arrow Connector 28"/>
+          <p:cNvCxnSpPr>
+            <a:stCxn id="11" idx="2"/>
+            <a:endCxn id="25" idx="6"/>
+          </p:cNvCxnSpPr>
+          <p:nvPr/>
+        </p:nvCxnSpPr>
+        <p:spPr>
+          <a:xfrm flipH="1">
+            <a:off x="4674279" y="2161672"/>
+            <a:ext cx="1758215" cy="783257"/>
+          </a:xfrm>
+          <a:prstGeom prst="straightConnector1">
+            <a:avLst/>
+          </a:prstGeom>
+          <a:ln>
+            <a:tailEnd type="triangle"/>
+          </a:ln>
+        </p:spPr>
+        <p:style>
+          <a:lnRef idx="2">
+            <a:schemeClr val="accent1"/>
+          </a:lnRef>
+          <a:fillRef idx="0">
+            <a:schemeClr val="accent1"/>
+          </a:fillRef>
+          <a:effectRef idx="1">
+            <a:schemeClr val="accent1"/>
+          </a:effectRef>
+          <a:fontRef idx="minor">
+            <a:schemeClr val="tx1"/>
+          </a:fontRef>
+        </p:style>
+      </p:cxnSp>
+      <p:cxnSp>
+        <p:nvCxnSpPr>
+          <p:cNvPr id="31" name="Straight Arrow Connector 30"/>
+          <p:cNvCxnSpPr>
+            <a:stCxn id="25" idx="4"/>
+            <a:endCxn id="27" idx="0"/>
+          </p:cNvCxnSpPr>
+          <p:nvPr/>
+        </p:nvCxnSpPr>
+        <p:spPr>
+          <a:xfrm>
+            <a:off x="4445679" y="3173529"/>
+            <a:ext cx="0" cy="651762"/>
+          </a:xfrm>
+          <a:prstGeom prst="straightConnector1">
+            <a:avLst/>
+          </a:prstGeom>
+          <a:ln>
+            <a:tailEnd type="triangle"/>
+          </a:ln>
+        </p:spPr>
+        <p:style>
+          <a:lnRef idx="2">
+            <a:schemeClr val="accent1"/>
+          </a:lnRef>
+          <a:fillRef idx="0">
+            <a:schemeClr val="accent1"/>
+          </a:fillRef>
+          <a:effectRef idx="1">
+            <a:schemeClr val="accent1"/>
+          </a:effectRef>
+          <a:fontRef idx="minor">
+            <a:schemeClr val="tx1"/>
+          </a:fontRef>
+        </p:style>
+      </p:cxnSp>
+      <p:cxnSp>
+        <p:nvCxnSpPr>
+          <p:cNvPr id="33" name="Straight Arrow Connector 32"/>
+          <p:cNvCxnSpPr>
+            <a:stCxn id="27" idx="4"/>
+            <a:endCxn id="26" idx="0"/>
+          </p:cNvCxnSpPr>
+          <p:nvPr/>
+        </p:nvCxnSpPr>
+        <p:spPr>
+          <a:xfrm>
+            <a:off x="4445679" y="4282491"/>
+            <a:ext cx="0" cy="253849"/>
+          </a:xfrm>
+          <a:prstGeom prst="straightConnector1">
+            <a:avLst/>
+          </a:prstGeom>
+          <a:ln>
+            <a:tailEnd type="triangle"/>
+          </a:ln>
+        </p:spPr>
+        <p:style>
+          <a:lnRef idx="2">
+            <a:schemeClr val="accent1"/>
+          </a:lnRef>
+          <a:fillRef idx="0">
+            <a:schemeClr val="accent1"/>
+          </a:fillRef>
+          <a:effectRef idx="1">
+            <a:schemeClr val="accent1"/>
+          </a:effectRef>
+          <a:fontRef idx="minor">
+            <a:schemeClr val="tx1"/>
+          </a:fontRef>
+        </p:style>
+      </p:cxnSp>
+      <p:sp>
+        <p:nvSpPr>
+          <p:cNvPr id="34" name="TextBox 33"/>
+          <p:cNvSpPr txBox="1"/>
+          <p:nvPr/>
+        </p:nvSpPr>
+        <p:spPr>
+          <a:xfrm>
+            <a:off x="4099768" y="916100"/>
+            <a:ext cx="1828800" cy="369332"/>
+          </a:xfrm>
+          <a:prstGeom prst="rect">
+            <a:avLst/>
+          </a:prstGeom>
+          <a:noFill/>
+        </p:spPr>
+        <p:txBody>
+          <a:bodyPr wrap="square" rtlCol="0">
+            <a:spAutoFit/>
+          </a:bodyPr>
+          <a:lstStyle/>
+          <a:p>
+            <a:r>
+              <a:rPr lang="en-US" dirty="0" smtClean="0"/>
+              <a:t>Feature </a:t>
+            </a:r>
+          </a:p>
+        </p:txBody>
+      </p:sp>
+      <p:cxnSp>
+        <p:nvCxnSpPr>
+          <p:cNvPr id="36" name="Straight Connector 35"/>
+          <p:cNvCxnSpPr>
+            <a:stCxn id="25" idx="0"/>
+          </p:cNvCxnSpPr>
+          <p:nvPr/>
+        </p:nvCxnSpPr>
+        <p:spPr>
+          <a:xfrm flipV="1">
+            <a:off x="4445679" y="1321291"/>
+            <a:ext cx="0" cy="1395038"/>
+          </a:xfrm>
+          <a:prstGeom prst="line">
+            <a:avLst/>
+          </a:prstGeom>
+        </p:spPr>
+        <p:style>
+          <a:lnRef idx="2">
+            <a:schemeClr val="accent1"/>
+          </a:lnRef>
+          <a:fillRef idx="0">
+            <a:schemeClr val="accent1"/>
+          </a:fillRef>
+          <a:effectRef idx="1">
+            <a:schemeClr val="accent1"/>
+          </a:effectRef>
+          <a:fontRef idx="minor">
+            <a:schemeClr val="tx1"/>
+          </a:fontRef>
+        </p:style>
+      </p:cxnSp>
+      <p:sp>
+        <p:nvSpPr>
+          <p:cNvPr id="38" name="Oval 37"/>
+          <p:cNvSpPr/>
+          <p:nvPr/>
+        </p:nvSpPr>
+        <p:spPr>
+          <a:xfrm>
+            <a:off x="2864086" y="2738392"/>
+            <a:ext cx="457200" cy="457200"/>
+          </a:xfrm>
+          <a:prstGeom prst="ellipse">
+            <a:avLst/>
+          </a:prstGeom>
+          <a:solidFill>
+            <a:srgbClr val="7030A0"/>
+          </a:solidFill>
+        </p:spPr>
+        <p:style>
+          <a:lnRef idx="1">
+            <a:schemeClr val="accent1"/>
+          </a:lnRef>
+          <a:fillRef idx="3">
+            <a:schemeClr val="accent1"/>
+          </a:fillRef>
+          <a:effectRef idx="2">
+            <a:schemeClr val="accent1"/>
+          </a:effectRef>
+          <a:fontRef idx="minor">
+            <a:schemeClr val="lt1"/>
+          </a:fontRef>
+        </p:style>
+        <p:txBody>
+          <a:bodyPr rtlCol="0" anchor="ctr"/>
+          <a:lstStyle/>
+          <a:p>
+            <a:pPr marL="285750" indent="-285750">
+              <a:lnSpc>
+                <a:spcPct val="250000"/>
+              </a:lnSpc>
+              <a:buFont typeface="Arial" panose="020B0604020202020204" pitchFamily="34" charset="0"/>
+              <a:buChar char="•"/>
+            </a:pPr>
+            <a:endParaRPr lang="en-US" dirty="0"/>
+          </a:p>
+        </p:txBody>
+      </p:sp>
+      <p:sp>
+        <p:nvSpPr>
+          <p:cNvPr id="39" name="Oval 38"/>
+          <p:cNvSpPr/>
+          <p:nvPr/>
+        </p:nvSpPr>
+        <p:spPr>
+          <a:xfrm>
+            <a:off x="2864086" y="4462549"/>
+            <a:ext cx="457200" cy="457200"/>
+          </a:xfrm>
+          <a:prstGeom prst="ellipse">
+            <a:avLst/>
+          </a:prstGeom>
+          <a:solidFill>
+            <a:srgbClr val="7030A0"/>
+          </a:solidFill>
+        </p:spPr>
+        <p:style>
+          <a:lnRef idx="1">
+            <a:schemeClr val="accent1"/>
+          </a:lnRef>
+          <a:fillRef idx="3">
+            <a:schemeClr val="accent1"/>
+          </a:fillRef>
+          <a:effectRef idx="2">
+            <a:schemeClr val="accent1"/>
+          </a:effectRef>
+          <a:fontRef idx="minor">
+            <a:schemeClr val="lt1"/>
+          </a:fontRef>
+        </p:style>
+        <p:txBody>
+          <a:bodyPr rtlCol="0" anchor="ctr"/>
+          <a:lstStyle/>
+          <a:p>
+            <a:pPr marL="285750" indent="-285750">
+              <a:lnSpc>
+                <a:spcPct val="250000"/>
+              </a:lnSpc>
+              <a:buFont typeface="Arial" panose="020B0604020202020204" pitchFamily="34" charset="0"/>
+              <a:buChar char="•"/>
+            </a:pPr>
+            <a:endParaRPr lang="en-US" dirty="0"/>
+          </a:p>
+        </p:txBody>
+      </p:sp>
+      <p:cxnSp>
+        <p:nvCxnSpPr>
+          <p:cNvPr id="41" name="Straight Arrow Connector 40"/>
+          <p:cNvCxnSpPr>
+            <a:stCxn id="38" idx="4"/>
+            <a:endCxn id="39" idx="0"/>
+          </p:cNvCxnSpPr>
+          <p:nvPr/>
+        </p:nvCxnSpPr>
+        <p:spPr>
+          <a:xfrm>
+            <a:off x="3092686" y="3195592"/>
+            <a:ext cx="0" cy="1266957"/>
+          </a:xfrm>
+          <a:prstGeom prst="straightConnector1">
+            <a:avLst/>
+          </a:prstGeom>
+          <a:ln>
+            <a:tailEnd type="triangle"/>
+          </a:ln>
+        </p:spPr>
+        <p:style>
+          <a:lnRef idx="2">
+            <a:schemeClr val="accent1"/>
+          </a:lnRef>
+          <a:fillRef idx="0">
+            <a:schemeClr val="accent1"/>
+          </a:fillRef>
+          <a:effectRef idx="1">
+            <a:schemeClr val="accent1"/>
+          </a:effectRef>
+          <a:fontRef idx="minor">
+            <a:schemeClr val="tx1"/>
+          </a:fontRef>
+        </p:style>
+      </p:cxnSp>
+      <p:cxnSp>
+        <p:nvCxnSpPr>
+          <p:cNvPr id="43" name="Straight Connector 42"/>
+          <p:cNvCxnSpPr>
+            <a:stCxn id="38" idx="0"/>
+          </p:cNvCxnSpPr>
+          <p:nvPr/>
+        </p:nvCxnSpPr>
+        <p:spPr>
+          <a:xfrm flipV="1">
+            <a:off x="3092686" y="1363977"/>
+            <a:ext cx="0" cy="1374415"/>
+          </a:xfrm>
+          <a:prstGeom prst="line">
+            <a:avLst/>
+          </a:prstGeom>
+        </p:spPr>
+        <p:style>
+          <a:lnRef idx="2">
+            <a:schemeClr val="accent1"/>
+          </a:lnRef>
+          <a:fillRef idx="0">
+            <a:schemeClr val="accent1"/>
+          </a:fillRef>
+          <a:effectRef idx="1">
+            <a:schemeClr val="accent1"/>
+          </a:effectRef>
+          <a:fontRef idx="minor">
+            <a:schemeClr val="tx1"/>
+          </a:fontRef>
+        </p:style>
+      </p:cxnSp>
+      <p:sp>
+        <p:nvSpPr>
+          <p:cNvPr id="46" name="Oval 45"/>
+          <p:cNvSpPr/>
+          <p:nvPr/>
+        </p:nvSpPr>
+        <p:spPr>
+          <a:xfrm>
+            <a:off x="2864086" y="5190912"/>
+            <a:ext cx="457200" cy="457200"/>
+          </a:xfrm>
+          <a:prstGeom prst="ellipse">
+            <a:avLst/>
+          </a:prstGeom>
+          <a:solidFill>
+            <a:srgbClr val="7030A0"/>
+          </a:solidFill>
+        </p:spPr>
+        <p:style>
+          <a:lnRef idx="1">
+            <a:schemeClr val="accent1"/>
+          </a:lnRef>
+          <a:fillRef idx="3">
+            <a:schemeClr val="accent1"/>
+          </a:fillRef>
+          <a:effectRef idx="2">
+            <a:schemeClr val="accent1"/>
+          </a:effectRef>
+          <a:fontRef idx="minor">
+            <a:schemeClr val="lt1"/>
+          </a:fontRef>
+        </p:style>
+        <p:txBody>
+          <a:bodyPr rtlCol="0" anchor="ctr"/>
+          <a:lstStyle/>
+          <a:p>
+            <a:pPr marL="285750" indent="-285750">
+              <a:lnSpc>
+                <a:spcPct val="250000"/>
+              </a:lnSpc>
+              <a:buFont typeface="Arial" panose="020B0604020202020204" pitchFamily="34" charset="0"/>
+              <a:buChar char="•"/>
+            </a:pPr>
+            <a:endParaRPr lang="en-US" dirty="0"/>
+          </a:p>
+        </p:txBody>
+      </p:sp>
+      <p:cxnSp>
+        <p:nvCxnSpPr>
+          <p:cNvPr id="48" name="Straight Arrow Connector 47"/>
+          <p:cNvCxnSpPr>
+            <a:stCxn id="39" idx="4"/>
+            <a:endCxn id="46" idx="0"/>
+          </p:cNvCxnSpPr>
+          <p:nvPr/>
+        </p:nvCxnSpPr>
+        <p:spPr>
+          <a:xfrm>
+            <a:off x="3092686" y="4919749"/>
+            <a:ext cx="0" cy="271163"/>
+          </a:xfrm>
+          <a:prstGeom prst="straightConnector1">
+            <a:avLst/>
+          </a:prstGeom>
+          <a:ln>
+            <a:tailEnd type="triangle"/>
+          </a:ln>
+        </p:spPr>
+        <p:style>
+          <a:lnRef idx="2">
+            <a:schemeClr val="accent1"/>
+          </a:lnRef>
+          <a:fillRef idx="0">
+            <a:schemeClr val="accent1"/>
+          </a:fillRef>
+          <a:effectRef idx="1">
+            <a:schemeClr val="accent1"/>
+          </a:effectRef>
+          <a:fontRef idx="minor">
+            <a:schemeClr val="tx1"/>
+          </a:fontRef>
+        </p:style>
+      </p:cxnSp>
+      <p:cxnSp>
+        <p:nvCxnSpPr>
+          <p:cNvPr id="50" name="Straight Arrow Connector 49"/>
+          <p:cNvCxnSpPr>
+            <a:stCxn id="11" idx="2"/>
+            <a:endCxn id="38" idx="6"/>
+          </p:cNvCxnSpPr>
+          <p:nvPr/>
+        </p:nvCxnSpPr>
+        <p:spPr>
+          <a:xfrm flipH="1">
+            <a:off x="3321286" y="2161672"/>
+            <a:ext cx="3111208" cy="805320"/>
+          </a:xfrm>
+          <a:prstGeom prst="straightConnector1">
+            <a:avLst/>
+          </a:prstGeom>
+          <a:ln>
+            <a:tailEnd type="triangle"/>
+          </a:ln>
+        </p:spPr>
+        <p:style>
+          <a:lnRef idx="2">
+            <a:schemeClr val="accent1"/>
+          </a:lnRef>
+          <a:fillRef idx="0">
+            <a:schemeClr val="accent1"/>
+          </a:fillRef>
+          <a:effectRef idx="1">
+            <a:schemeClr val="accent1"/>
+          </a:effectRef>
+          <a:fontRef idx="minor">
+            <a:schemeClr val="tx1"/>
+          </a:fontRef>
+        </p:style>
+      </p:cxnSp>
+      <p:sp>
+        <p:nvSpPr>
+          <p:cNvPr id="51" name="TextBox 50"/>
+          <p:cNvSpPr txBox="1"/>
+          <p:nvPr/>
+        </p:nvSpPr>
+        <p:spPr>
+          <a:xfrm>
+            <a:off x="2691078" y="916100"/>
+            <a:ext cx="1052753" cy="369332"/>
+          </a:xfrm>
+          <a:prstGeom prst="rect">
+            <a:avLst/>
+          </a:prstGeom>
+          <a:noFill/>
+        </p:spPr>
+        <p:txBody>
+          <a:bodyPr wrap="square" rtlCol="0">
+            <a:spAutoFit/>
+          </a:bodyPr>
+          <a:lstStyle/>
+          <a:p>
+            <a:r>
+              <a:rPr lang="en-US" dirty="0" smtClean="0"/>
+              <a:t>Feature </a:t>
+            </a:r>
+            <a:endParaRPr lang="en-US" sz="1800" kern="1200" dirty="0">
+              <a:solidFill>
+                <a:schemeClr val="tx1"/>
+              </a:solidFill>
+              <a:latin typeface="+mn-lt"/>
+              <a:ea typeface="+mn-ea"/>
+              <a:cs typeface="+mn-cs"/>
+            </a:endParaRPr>
+          </a:p>
+        </p:txBody>
+      </p:sp>
+      <p:sp>
+        <p:nvSpPr>
+          <p:cNvPr id="2" name="Left Brace 1"/>
+          <p:cNvSpPr/>
+          <p:nvPr/>
+        </p:nvSpPr>
+        <p:spPr>
+          <a:xfrm>
+            <a:off x="2227385" y="2944929"/>
+            <a:ext cx="521677" cy="2474583"/>
+          </a:xfrm>
+          <a:prstGeom prst="leftBrace">
+            <a:avLst/>
+          </a:prstGeom>
+        </p:spPr>
+        <p:style>
+          <a:lnRef idx="2">
+            <a:schemeClr val="accent1"/>
+          </a:lnRef>
+          <a:fillRef idx="0">
+            <a:schemeClr val="accent1"/>
+          </a:fillRef>
+          <a:effectRef idx="1">
+            <a:schemeClr val="accent1"/>
+          </a:effectRef>
+          <a:fontRef idx="minor">
+            <a:schemeClr val="tx1"/>
+          </a:fontRef>
+        </p:style>
+        <p:txBody>
+          <a:bodyPr rtlCol="0" anchor="ctr"/>
+          <a:lstStyle/>
+          <a:p>
+            <a:pPr algn="ctr"/>
+            <a:endParaRPr lang="en-US"/>
+          </a:p>
+        </p:txBody>
+      </p:sp>
+      <p:sp>
+        <p:nvSpPr>
+          <p:cNvPr id="3" name="TextBox 2"/>
+          <p:cNvSpPr txBox="1"/>
+          <p:nvPr/>
+        </p:nvSpPr>
+        <p:spPr>
+          <a:xfrm>
+            <a:off x="1203158" y="3987587"/>
+            <a:ext cx="1107707" cy="369332"/>
+          </a:xfrm>
+          <a:prstGeom prst="rect">
+            <a:avLst/>
+          </a:prstGeom>
+          <a:noFill/>
+        </p:spPr>
+        <p:txBody>
+          <a:bodyPr wrap="square" rtlCol="0">
+            <a:spAutoFit/>
+          </a:bodyPr>
+          <a:lstStyle/>
+          <a:p>
+            <a:r>
+              <a:rPr lang="en-US" dirty="0"/>
+              <a:t>f</a:t>
+            </a:r>
+            <a:r>
+              <a:rPr lang="en-US" dirty="0" smtClean="0"/>
+              <a:t>eature-2</a:t>
+            </a:r>
+            <a:endParaRPr lang="en-US" dirty="0"/>
+          </a:p>
+        </p:txBody>
+      </p:sp>
+      <p:sp>
+        <p:nvSpPr>
+          <p:cNvPr id="8" name="Right Brace 7"/>
+          <p:cNvSpPr/>
+          <p:nvPr/>
+        </p:nvSpPr>
+        <p:spPr>
+          <a:xfrm>
+            <a:off x="4692639" y="3034363"/>
+            <a:ext cx="386862" cy="1797948"/>
+          </a:xfrm>
+          <a:prstGeom prst="rightBrace">
+            <a:avLst/>
+          </a:prstGeom>
+        </p:spPr>
+        <p:style>
+          <a:lnRef idx="2">
+            <a:schemeClr val="accent1"/>
+          </a:lnRef>
+          <a:fillRef idx="0">
+            <a:schemeClr val="accent1"/>
+          </a:fillRef>
+          <a:effectRef idx="1">
+            <a:schemeClr val="accent1"/>
+          </a:effectRef>
+          <a:fontRef idx="minor">
+            <a:schemeClr val="tx1"/>
+          </a:fontRef>
+        </p:style>
+        <p:txBody>
+          <a:bodyPr rtlCol="0" anchor="ctr"/>
+          <a:lstStyle/>
+          <a:p>
+            <a:pPr algn="ctr"/>
+            <a:endParaRPr lang="en-US"/>
+          </a:p>
+        </p:txBody>
+      </p:sp>
+      <p:sp>
+        <p:nvSpPr>
+          <p:cNvPr id="9" name="TextBox 8"/>
+          <p:cNvSpPr txBox="1"/>
+          <p:nvPr/>
+        </p:nvSpPr>
+        <p:spPr>
+          <a:xfrm>
+            <a:off x="5086454" y="3730725"/>
+            <a:ext cx="1169417" cy="369332"/>
+          </a:xfrm>
+          <a:prstGeom prst="rect">
+            <a:avLst/>
+          </a:prstGeom>
+          <a:noFill/>
+        </p:spPr>
+        <p:txBody>
+          <a:bodyPr wrap="square" rtlCol="0">
+            <a:spAutoFit/>
+          </a:bodyPr>
+          <a:lstStyle/>
+          <a:p>
+            <a:r>
+              <a:rPr lang="en-US" dirty="0"/>
+              <a:t>f</a:t>
+            </a:r>
+            <a:r>
+              <a:rPr lang="en-US" dirty="0" smtClean="0"/>
+              <a:t>eature-1</a:t>
+            </a:r>
+            <a:endParaRPr lang="en-US" dirty="0"/>
+          </a:p>
+        </p:txBody>
+      </p:sp>
+      <p:sp>
+        <p:nvSpPr>
+          <p:cNvPr id="10" name="Multiply 9"/>
+          <p:cNvSpPr/>
+          <p:nvPr/>
+        </p:nvSpPr>
+        <p:spPr>
+          <a:xfrm>
+            <a:off x="2304489" y="1892352"/>
+            <a:ext cx="1552279" cy="4559802"/>
+          </a:xfrm>
+          <a:prstGeom prst="mathMultiply">
+            <a:avLst/>
+          </a:prstGeom>
+        </p:spPr>
+        <p:style>
+          <a:lnRef idx="1">
+            <a:schemeClr val="accent1"/>
+          </a:lnRef>
+          <a:fillRef idx="3">
+            <a:schemeClr val="accent1"/>
+          </a:fillRef>
+          <a:effectRef idx="2">
+            <a:schemeClr val="accent1"/>
+          </a:effectRef>
+          <a:fontRef idx="minor">
+            <a:schemeClr val="lt1"/>
+          </a:fontRef>
+        </p:style>
+        <p:txBody>
+          <a:bodyPr rtlCol="0" anchor="ctr"/>
+          <a:lstStyle/>
+          <a:p>
+            <a:pPr algn="ctr"/>
+            <a:endParaRPr lang="en-US"/>
+          </a:p>
+        </p:txBody>
+      </p:sp>
+    </p:spTree>
+    <p:extLst>
+      <p:ext uri="{BB962C8B-B14F-4D97-AF65-F5344CB8AC3E}">
+        <p14:creationId xmlns:p14="http://schemas.microsoft.com/office/powerpoint/2010/main" val="1155272580"/>
+      </p:ext>
+    </p:extLst>
+  </p:cSld>
+  <p:clrMapOvr>
+    <a:masterClrMapping/>
+  </p:clrMapOvr>
+  <p:timing>
+    <p:tnLst>
+      <p:par>
+        <p:cTn id="1" dur="indefinite" restart="never" nodeType="tmRoot">
+          <p:childTnLst>
+            <p:seq concurrent="1" nextAc="seek">
+              <p:cTn id="2" dur="indefinite" nodeType="mainSeq">
+                <p:childTnLst>
+                  <p:par>
+                    <p:cTn id="3" fill="hold">
+                      <p:stCondLst>
+                        <p:cond delay="indefinite"/>
+                      </p:stCondLst>
+                      <p:childTnLst>
+                        <p:par>
+                          <p:cTn id="4" fill="hold">
+                            <p:stCondLst>
+                              <p:cond delay="0"/>
+                            </p:stCondLst>
+                            <p:childTnLst>
+                              <p:par>
+                                <p:cTn id="5" presetID="2" presetClass="entr" presetSubtype="4" fill="hold" grpId="0" nodeType="clickEffect">
+                                  <p:stCondLst>
+                                    <p:cond delay="0"/>
+                                  </p:stCondLst>
+                                  <p:childTnLst>
+                                    <p:set>
+                                      <p:cBhvr>
+                                        <p:cTn id="6" dur="1" fill="hold">
+                                          <p:stCondLst>
+                                            <p:cond delay="0"/>
+                                          </p:stCondLst>
+                                        </p:cTn>
+                                        <p:tgtEl>
+                                          <p:spTgt spid="11"/>
+                                        </p:tgtEl>
+                                        <p:attrNameLst>
+                                          <p:attrName>style.visibility</p:attrName>
+                                        </p:attrNameLst>
+                                      </p:cBhvr>
+                                      <p:to>
+                                        <p:strVal val="visible"/>
+                                      </p:to>
+                                    </p:set>
+                                    <p:anim calcmode="lin" valueType="num">
+                                      <p:cBhvr additive="base">
+                                        <p:cTn id="7" dur="500" fill="hold"/>
+                                        <p:tgtEl>
+                                          <p:spTgt spid="11"/>
+                                        </p:tgtEl>
+                                        <p:attrNameLst>
+                                          <p:attrName>ppt_x</p:attrName>
+                                        </p:attrNameLst>
+                                      </p:cBhvr>
+                                      <p:tavLst>
+                                        <p:tav tm="0">
+                                          <p:val>
+                                            <p:strVal val="#ppt_x"/>
+                                          </p:val>
+                                        </p:tav>
+                                        <p:tav tm="100000">
+                                          <p:val>
+                                            <p:strVal val="#ppt_x"/>
+                                          </p:val>
+                                        </p:tav>
+                                      </p:tavLst>
+                                    </p:anim>
+                                    <p:anim calcmode="lin" valueType="num">
+                                      <p:cBhvr additive="base">
+                                        <p:cTn id="8" dur="500" fill="hold"/>
+                                        <p:tgtEl>
+                                          <p:spTgt spid="11"/>
+                                        </p:tgtEl>
+                                        <p:attrNameLst>
+                                          <p:attrName>ppt_y</p:attrName>
+                                        </p:attrNameLst>
+                                      </p:cBhvr>
+                                      <p:tavLst>
+                                        <p:tav tm="0">
+                                          <p:val>
+                                            <p:strVal val="1+#ppt_h/2"/>
+                                          </p:val>
+                                        </p:tav>
+                                        <p:tav tm="100000">
+                                          <p:val>
+                                            <p:strVal val="#ppt_y"/>
+                                          </p:val>
+                                        </p:tav>
+                                      </p:tavLst>
+                                    </p:anim>
+                                  </p:childTnLst>
+                                </p:cTn>
+                              </p:par>
+                              <p:par>
+                                <p:cTn id="9" presetID="2" presetClass="entr" presetSubtype="4" fill="hold" grpId="0" nodeType="withEffect">
+                                  <p:stCondLst>
+                                    <p:cond delay="0"/>
+                                  </p:stCondLst>
+                                  <p:childTnLst>
+                                    <p:set>
+                                      <p:cBhvr>
+                                        <p:cTn id="10" dur="1" fill="hold">
+                                          <p:stCondLst>
+                                            <p:cond delay="0"/>
+                                          </p:stCondLst>
+                                        </p:cTn>
+                                        <p:tgtEl>
+                                          <p:spTgt spid="12"/>
+                                        </p:tgtEl>
+                                        <p:attrNameLst>
+                                          <p:attrName>style.visibility</p:attrName>
+                                        </p:attrNameLst>
+                                      </p:cBhvr>
+                                      <p:to>
+                                        <p:strVal val="visible"/>
+                                      </p:to>
+                                    </p:set>
+                                    <p:anim calcmode="lin" valueType="num">
+                                      <p:cBhvr additive="base">
+                                        <p:cTn id="11" dur="500" fill="hold"/>
+                                        <p:tgtEl>
+                                          <p:spTgt spid="12"/>
+                                        </p:tgtEl>
+                                        <p:attrNameLst>
+                                          <p:attrName>ppt_x</p:attrName>
+                                        </p:attrNameLst>
+                                      </p:cBhvr>
+                                      <p:tavLst>
+                                        <p:tav tm="0">
+                                          <p:val>
+                                            <p:strVal val="#ppt_x"/>
+                                          </p:val>
+                                        </p:tav>
+                                        <p:tav tm="100000">
+                                          <p:val>
+                                            <p:strVal val="#ppt_x"/>
+                                          </p:val>
+                                        </p:tav>
+                                      </p:tavLst>
+                                    </p:anim>
+                                    <p:anim calcmode="lin" valueType="num">
+                                      <p:cBhvr additive="base">
+                                        <p:cTn id="12" dur="500" fill="hold"/>
+                                        <p:tgtEl>
+                                          <p:spTgt spid="12"/>
+                                        </p:tgtEl>
+                                        <p:attrNameLst>
+                                          <p:attrName>ppt_y</p:attrName>
+                                        </p:attrNameLst>
+                                      </p:cBhvr>
+                                      <p:tavLst>
+                                        <p:tav tm="0">
+                                          <p:val>
+                                            <p:strVal val="1+#ppt_h/2"/>
+                                          </p:val>
+                                        </p:tav>
+                                        <p:tav tm="100000">
+                                          <p:val>
+                                            <p:strVal val="#ppt_y"/>
+                                          </p:val>
+                                        </p:tav>
+                                      </p:tavLst>
+                                    </p:anim>
+                                  </p:childTnLst>
+                                </p:cTn>
+                              </p:par>
+                              <p:par>
+                                <p:cTn id="13" presetID="2" presetClass="entr" presetSubtype="4" fill="hold" grpId="0" nodeType="withEffect">
+                                  <p:stCondLst>
+                                    <p:cond delay="0"/>
+                                  </p:stCondLst>
+                                  <p:childTnLst>
+                                    <p:set>
+                                      <p:cBhvr>
+                                        <p:cTn id="14" dur="1" fill="hold">
+                                          <p:stCondLst>
+                                            <p:cond delay="0"/>
+                                          </p:stCondLst>
+                                        </p:cTn>
+                                        <p:tgtEl>
+                                          <p:spTgt spid="13"/>
+                                        </p:tgtEl>
+                                        <p:attrNameLst>
+                                          <p:attrName>style.visibility</p:attrName>
+                                        </p:attrNameLst>
+                                      </p:cBhvr>
+                                      <p:to>
+                                        <p:strVal val="visible"/>
+                                      </p:to>
+                                    </p:set>
+                                    <p:anim calcmode="lin" valueType="num">
+                                      <p:cBhvr additive="base">
+                                        <p:cTn id="15" dur="500" fill="hold"/>
+                                        <p:tgtEl>
+                                          <p:spTgt spid="13"/>
+                                        </p:tgtEl>
+                                        <p:attrNameLst>
+                                          <p:attrName>ppt_x</p:attrName>
+                                        </p:attrNameLst>
+                                      </p:cBhvr>
+                                      <p:tavLst>
+                                        <p:tav tm="0">
+                                          <p:val>
+                                            <p:strVal val="#ppt_x"/>
+                                          </p:val>
+                                        </p:tav>
+                                        <p:tav tm="100000">
+                                          <p:val>
+                                            <p:strVal val="#ppt_x"/>
+                                          </p:val>
+                                        </p:tav>
+                                      </p:tavLst>
+                                    </p:anim>
+                                    <p:anim calcmode="lin" valueType="num">
+                                      <p:cBhvr additive="base">
+                                        <p:cTn id="16" dur="500" fill="hold"/>
+                                        <p:tgtEl>
+                                          <p:spTgt spid="13"/>
+                                        </p:tgtEl>
+                                        <p:attrNameLst>
+                                          <p:attrName>ppt_y</p:attrName>
+                                        </p:attrNameLst>
+                                      </p:cBhvr>
+                                      <p:tavLst>
+                                        <p:tav tm="0">
+                                          <p:val>
+                                            <p:strVal val="1+#ppt_h/2"/>
+                                          </p:val>
+                                        </p:tav>
+                                        <p:tav tm="100000">
+                                          <p:val>
+                                            <p:strVal val="#ppt_y"/>
+                                          </p:val>
+                                        </p:tav>
+                                      </p:tavLst>
+                                    </p:anim>
+                                  </p:childTnLst>
+                                </p:cTn>
+                              </p:par>
+                              <p:par>
+                                <p:cTn id="17" presetID="2" presetClass="entr" presetSubtype="4" fill="hold" nodeType="withEffect">
+                                  <p:stCondLst>
+                                    <p:cond delay="0"/>
+                                  </p:stCondLst>
+                                  <p:childTnLst>
+                                    <p:set>
+                                      <p:cBhvr>
+                                        <p:cTn id="18" dur="1" fill="hold">
+                                          <p:stCondLst>
+                                            <p:cond delay="0"/>
+                                          </p:stCondLst>
+                                        </p:cTn>
+                                        <p:tgtEl>
+                                          <p:spTgt spid="19"/>
+                                        </p:tgtEl>
+                                        <p:attrNameLst>
+                                          <p:attrName>style.visibility</p:attrName>
+                                        </p:attrNameLst>
+                                      </p:cBhvr>
+                                      <p:to>
+                                        <p:strVal val="visible"/>
+                                      </p:to>
+                                    </p:set>
+                                    <p:anim calcmode="lin" valueType="num">
+                                      <p:cBhvr additive="base">
+                                        <p:cTn id="19" dur="500" fill="hold"/>
+                                        <p:tgtEl>
+                                          <p:spTgt spid="19"/>
+                                        </p:tgtEl>
+                                        <p:attrNameLst>
+                                          <p:attrName>ppt_x</p:attrName>
+                                        </p:attrNameLst>
+                                      </p:cBhvr>
+                                      <p:tavLst>
+                                        <p:tav tm="0">
+                                          <p:val>
+                                            <p:strVal val="#ppt_x"/>
+                                          </p:val>
+                                        </p:tav>
+                                        <p:tav tm="100000">
+                                          <p:val>
+                                            <p:strVal val="#ppt_x"/>
+                                          </p:val>
+                                        </p:tav>
+                                      </p:tavLst>
+                                    </p:anim>
+                                    <p:anim calcmode="lin" valueType="num">
+                                      <p:cBhvr additive="base">
+                                        <p:cTn id="20" dur="500" fill="hold"/>
+                                        <p:tgtEl>
+                                          <p:spTgt spid="19"/>
+                                        </p:tgtEl>
+                                        <p:attrNameLst>
+                                          <p:attrName>ppt_y</p:attrName>
+                                        </p:attrNameLst>
+                                      </p:cBhvr>
+                                      <p:tavLst>
+                                        <p:tav tm="0">
+                                          <p:val>
+                                            <p:strVal val="1+#ppt_h/2"/>
+                                          </p:val>
+                                        </p:tav>
+                                        <p:tav tm="100000">
+                                          <p:val>
+                                            <p:strVal val="#ppt_y"/>
+                                          </p:val>
+                                        </p:tav>
+                                      </p:tavLst>
+                                    </p:anim>
+                                  </p:childTnLst>
+                                </p:cTn>
+                              </p:par>
+                              <p:par>
+                                <p:cTn id="21" presetID="2" presetClass="entr" presetSubtype="4" fill="hold" nodeType="withEffect">
+                                  <p:stCondLst>
+                                    <p:cond delay="0"/>
+                                  </p:stCondLst>
+                                  <p:childTnLst>
+                                    <p:set>
+                                      <p:cBhvr>
+                                        <p:cTn id="22" dur="1" fill="hold">
+                                          <p:stCondLst>
+                                            <p:cond delay="0"/>
+                                          </p:stCondLst>
+                                        </p:cTn>
+                                        <p:tgtEl>
+                                          <p:spTgt spid="20"/>
+                                        </p:tgtEl>
+                                        <p:attrNameLst>
+                                          <p:attrName>style.visibility</p:attrName>
+                                        </p:attrNameLst>
+                                      </p:cBhvr>
+                                      <p:to>
+                                        <p:strVal val="visible"/>
+                                      </p:to>
+                                    </p:set>
+                                    <p:anim calcmode="lin" valueType="num">
+                                      <p:cBhvr additive="base">
+                                        <p:cTn id="23" dur="500" fill="hold"/>
+                                        <p:tgtEl>
+                                          <p:spTgt spid="20"/>
+                                        </p:tgtEl>
+                                        <p:attrNameLst>
+                                          <p:attrName>ppt_x</p:attrName>
+                                        </p:attrNameLst>
+                                      </p:cBhvr>
+                                      <p:tavLst>
+                                        <p:tav tm="0">
+                                          <p:val>
+                                            <p:strVal val="#ppt_x"/>
+                                          </p:val>
+                                        </p:tav>
+                                        <p:tav tm="100000">
+                                          <p:val>
+                                            <p:strVal val="#ppt_x"/>
+                                          </p:val>
+                                        </p:tav>
+                                      </p:tavLst>
+                                    </p:anim>
+                                    <p:anim calcmode="lin" valueType="num">
+                                      <p:cBhvr additive="base">
+                                        <p:cTn id="24" dur="500" fill="hold"/>
+                                        <p:tgtEl>
+                                          <p:spTgt spid="20"/>
+                                        </p:tgtEl>
+                                        <p:attrNameLst>
+                                          <p:attrName>ppt_y</p:attrName>
+                                        </p:attrNameLst>
+                                      </p:cBhvr>
+                                      <p:tavLst>
+                                        <p:tav tm="0">
+                                          <p:val>
+                                            <p:strVal val="1+#ppt_h/2"/>
+                                          </p:val>
+                                        </p:tav>
+                                        <p:tav tm="100000">
+                                          <p:val>
+                                            <p:strVal val="#ppt_y"/>
+                                          </p:val>
+                                        </p:tav>
+                                      </p:tavLst>
+                                    </p:anim>
+                                  </p:childTnLst>
+                                </p:cTn>
+                              </p:par>
+                              <p:par>
+                                <p:cTn id="25" presetID="2" presetClass="entr" presetSubtype="4" fill="hold" nodeType="withEffect">
+                                  <p:stCondLst>
+                                    <p:cond delay="0"/>
+                                  </p:stCondLst>
+                                  <p:childTnLst>
+                                    <p:set>
+                                      <p:cBhvr>
+                                        <p:cTn id="26" dur="1" fill="hold">
+                                          <p:stCondLst>
+                                            <p:cond delay="0"/>
+                                          </p:stCondLst>
+                                        </p:cTn>
+                                        <p:tgtEl>
+                                          <p:spTgt spid="23"/>
+                                        </p:tgtEl>
+                                        <p:attrNameLst>
+                                          <p:attrName>style.visibility</p:attrName>
+                                        </p:attrNameLst>
+                                      </p:cBhvr>
+                                      <p:to>
+                                        <p:strVal val="visible"/>
+                                      </p:to>
+                                    </p:set>
+                                    <p:anim calcmode="lin" valueType="num">
+                                      <p:cBhvr additive="base">
+                                        <p:cTn id="27" dur="500" fill="hold"/>
+                                        <p:tgtEl>
+                                          <p:spTgt spid="23"/>
+                                        </p:tgtEl>
+                                        <p:attrNameLst>
+                                          <p:attrName>ppt_x</p:attrName>
+                                        </p:attrNameLst>
+                                      </p:cBhvr>
+                                      <p:tavLst>
+                                        <p:tav tm="0">
+                                          <p:val>
+                                            <p:strVal val="#ppt_x"/>
+                                          </p:val>
+                                        </p:tav>
+                                        <p:tav tm="100000">
+                                          <p:val>
+                                            <p:strVal val="#ppt_x"/>
+                                          </p:val>
+                                        </p:tav>
+                                      </p:tavLst>
+                                    </p:anim>
+                                    <p:anim calcmode="lin" valueType="num">
+                                      <p:cBhvr additive="base">
+                                        <p:cTn id="28" dur="500" fill="hold"/>
+                                        <p:tgtEl>
+                                          <p:spTgt spid="23"/>
+                                        </p:tgtEl>
+                                        <p:attrNameLst>
+                                          <p:attrName>ppt_y</p:attrName>
+                                        </p:attrNameLst>
+                                      </p:cBhvr>
+                                      <p:tavLst>
+                                        <p:tav tm="0">
+                                          <p:val>
+                                            <p:strVal val="1+#ppt_h/2"/>
+                                          </p:val>
+                                        </p:tav>
+                                        <p:tav tm="100000">
+                                          <p:val>
+                                            <p:strVal val="#ppt_y"/>
+                                          </p:val>
+                                        </p:tav>
+                                      </p:tavLst>
+                                    </p:anim>
+                                  </p:childTnLst>
+                                </p:cTn>
+                              </p:par>
+                              <p:par>
+                                <p:cTn id="29" presetID="2" presetClass="entr" presetSubtype="4" fill="hold" grpId="0" nodeType="withEffect">
+                                  <p:stCondLst>
+                                    <p:cond delay="0"/>
+                                  </p:stCondLst>
+                                  <p:childTnLst>
+                                    <p:set>
+                                      <p:cBhvr>
+                                        <p:cTn id="30" dur="1" fill="hold">
+                                          <p:stCondLst>
+                                            <p:cond delay="0"/>
+                                          </p:stCondLst>
+                                        </p:cTn>
+                                        <p:tgtEl>
+                                          <p:spTgt spid="16"/>
+                                        </p:tgtEl>
+                                        <p:attrNameLst>
+                                          <p:attrName>style.visibility</p:attrName>
+                                        </p:attrNameLst>
+                                      </p:cBhvr>
+                                      <p:to>
+                                        <p:strVal val="visible"/>
+                                      </p:to>
+                                    </p:set>
+                                    <p:anim calcmode="lin" valueType="num">
+                                      <p:cBhvr additive="base">
+                                        <p:cTn id="31" dur="500" fill="hold"/>
+                                        <p:tgtEl>
+                                          <p:spTgt spid="16"/>
+                                        </p:tgtEl>
+                                        <p:attrNameLst>
+                                          <p:attrName>ppt_x</p:attrName>
+                                        </p:attrNameLst>
+                                      </p:cBhvr>
+                                      <p:tavLst>
+                                        <p:tav tm="0">
+                                          <p:val>
+                                            <p:strVal val="#ppt_x"/>
+                                          </p:val>
+                                        </p:tav>
+                                        <p:tav tm="100000">
+                                          <p:val>
+                                            <p:strVal val="#ppt_x"/>
+                                          </p:val>
+                                        </p:tav>
+                                      </p:tavLst>
+                                    </p:anim>
+                                    <p:anim calcmode="lin" valueType="num">
+                                      <p:cBhvr additive="base">
+                                        <p:cTn id="32" dur="500" fill="hold"/>
+                                        <p:tgtEl>
+                                          <p:spTgt spid="16"/>
+                                        </p:tgtEl>
+                                        <p:attrNameLst>
+                                          <p:attrName>ppt_y</p:attrName>
+                                        </p:attrNameLst>
+                                      </p:cBhvr>
+                                      <p:tavLst>
+                                        <p:tav tm="0">
+                                          <p:val>
+                                            <p:strVal val="1+#ppt_h/2"/>
+                                          </p:val>
+                                        </p:tav>
+                                        <p:tav tm="100000">
+                                          <p:val>
+                                            <p:strVal val="#ppt_y"/>
+                                          </p:val>
+                                        </p:tav>
+                                      </p:tavLst>
+                                    </p:anim>
+                                  </p:childTnLst>
+                                </p:cTn>
+                              </p:par>
+                            </p:childTnLst>
+                          </p:cTn>
+                        </p:par>
+                      </p:childTnLst>
+                    </p:cTn>
+                  </p:par>
+                  <p:par>
+                    <p:cTn id="33" fill="hold">
+                      <p:stCondLst>
+                        <p:cond delay="indefinite"/>
+                      </p:stCondLst>
+                      <p:childTnLst>
+                        <p:par>
+                          <p:cTn id="34" fill="hold">
+                            <p:stCondLst>
+                              <p:cond delay="0"/>
+                            </p:stCondLst>
+                            <p:childTnLst>
+                              <p:par>
+                                <p:cTn id="35" presetID="2" presetClass="entr" presetSubtype="4" fill="hold" nodeType="clickEffect">
+                                  <p:stCondLst>
+                                    <p:cond delay="0"/>
+                                  </p:stCondLst>
+                                  <p:childTnLst>
+                                    <p:set>
+                                      <p:cBhvr>
+                                        <p:cTn id="36" dur="1" fill="hold">
+                                          <p:stCondLst>
+                                            <p:cond delay="0"/>
+                                          </p:stCondLst>
+                                        </p:cTn>
+                                        <p:tgtEl>
+                                          <p:spTgt spid="36"/>
+                                        </p:tgtEl>
+                                        <p:attrNameLst>
+                                          <p:attrName>style.visibility</p:attrName>
+                                        </p:attrNameLst>
+                                      </p:cBhvr>
+                                      <p:to>
+                                        <p:strVal val="visible"/>
+                                      </p:to>
+                                    </p:set>
+                                    <p:anim calcmode="lin" valueType="num">
+                                      <p:cBhvr additive="base">
+                                        <p:cTn id="37" dur="500" fill="hold"/>
+                                        <p:tgtEl>
+                                          <p:spTgt spid="36"/>
+                                        </p:tgtEl>
+                                        <p:attrNameLst>
+                                          <p:attrName>ppt_x</p:attrName>
+                                        </p:attrNameLst>
+                                      </p:cBhvr>
+                                      <p:tavLst>
+                                        <p:tav tm="0">
+                                          <p:val>
+                                            <p:strVal val="#ppt_x"/>
+                                          </p:val>
+                                        </p:tav>
+                                        <p:tav tm="100000">
+                                          <p:val>
+                                            <p:strVal val="#ppt_x"/>
+                                          </p:val>
+                                        </p:tav>
+                                      </p:tavLst>
+                                    </p:anim>
+                                    <p:anim calcmode="lin" valueType="num">
+                                      <p:cBhvr additive="base">
+                                        <p:cTn id="38" dur="500" fill="hold"/>
+                                        <p:tgtEl>
+                                          <p:spTgt spid="36"/>
+                                        </p:tgtEl>
+                                        <p:attrNameLst>
+                                          <p:attrName>ppt_y</p:attrName>
+                                        </p:attrNameLst>
+                                      </p:cBhvr>
+                                      <p:tavLst>
+                                        <p:tav tm="0">
+                                          <p:val>
+                                            <p:strVal val="1+#ppt_h/2"/>
+                                          </p:val>
+                                        </p:tav>
+                                        <p:tav tm="100000">
+                                          <p:val>
+                                            <p:strVal val="#ppt_y"/>
+                                          </p:val>
+                                        </p:tav>
+                                      </p:tavLst>
+                                    </p:anim>
+                                  </p:childTnLst>
+                                </p:cTn>
+                              </p:par>
+                              <p:par>
+                                <p:cTn id="39" presetID="2" presetClass="entr" presetSubtype="4" fill="hold" grpId="0" nodeType="withEffect">
+                                  <p:stCondLst>
+                                    <p:cond delay="0"/>
+                                  </p:stCondLst>
+                                  <p:childTnLst>
+                                    <p:set>
+                                      <p:cBhvr>
+                                        <p:cTn id="40" dur="1" fill="hold">
+                                          <p:stCondLst>
+                                            <p:cond delay="0"/>
+                                          </p:stCondLst>
+                                        </p:cTn>
+                                        <p:tgtEl>
+                                          <p:spTgt spid="34"/>
+                                        </p:tgtEl>
+                                        <p:attrNameLst>
+                                          <p:attrName>style.visibility</p:attrName>
+                                        </p:attrNameLst>
+                                      </p:cBhvr>
+                                      <p:to>
+                                        <p:strVal val="visible"/>
+                                      </p:to>
+                                    </p:set>
+                                    <p:anim calcmode="lin" valueType="num">
+                                      <p:cBhvr additive="base">
+                                        <p:cTn id="41" dur="500" fill="hold"/>
+                                        <p:tgtEl>
+                                          <p:spTgt spid="34"/>
+                                        </p:tgtEl>
+                                        <p:attrNameLst>
+                                          <p:attrName>ppt_x</p:attrName>
+                                        </p:attrNameLst>
+                                      </p:cBhvr>
+                                      <p:tavLst>
+                                        <p:tav tm="0">
+                                          <p:val>
+                                            <p:strVal val="#ppt_x"/>
+                                          </p:val>
+                                        </p:tav>
+                                        <p:tav tm="100000">
+                                          <p:val>
+                                            <p:strVal val="#ppt_x"/>
+                                          </p:val>
+                                        </p:tav>
+                                      </p:tavLst>
+                                    </p:anim>
+                                    <p:anim calcmode="lin" valueType="num">
+                                      <p:cBhvr additive="base">
+                                        <p:cTn id="42" dur="500" fill="hold"/>
+                                        <p:tgtEl>
+                                          <p:spTgt spid="34"/>
+                                        </p:tgtEl>
+                                        <p:attrNameLst>
+                                          <p:attrName>ppt_y</p:attrName>
+                                        </p:attrNameLst>
+                                      </p:cBhvr>
+                                      <p:tavLst>
+                                        <p:tav tm="0">
+                                          <p:val>
+                                            <p:strVal val="1+#ppt_h/2"/>
+                                          </p:val>
+                                        </p:tav>
+                                        <p:tav tm="100000">
+                                          <p:val>
+                                            <p:strVal val="#ppt_y"/>
+                                          </p:val>
+                                        </p:tav>
+                                      </p:tavLst>
+                                    </p:anim>
+                                  </p:childTnLst>
+                                </p:cTn>
+                              </p:par>
+                              <p:par>
+                                <p:cTn id="43" presetID="2" presetClass="entr" presetSubtype="4" fill="hold" grpId="0" nodeType="withEffect">
+                                  <p:stCondLst>
+                                    <p:cond delay="0"/>
+                                  </p:stCondLst>
+                                  <p:childTnLst>
+                                    <p:set>
+                                      <p:cBhvr>
+                                        <p:cTn id="44" dur="1" fill="hold">
+                                          <p:stCondLst>
+                                            <p:cond delay="0"/>
+                                          </p:stCondLst>
+                                        </p:cTn>
+                                        <p:tgtEl>
+                                          <p:spTgt spid="25"/>
+                                        </p:tgtEl>
+                                        <p:attrNameLst>
+                                          <p:attrName>style.visibility</p:attrName>
+                                        </p:attrNameLst>
+                                      </p:cBhvr>
+                                      <p:to>
+                                        <p:strVal val="visible"/>
+                                      </p:to>
+                                    </p:set>
+                                    <p:anim calcmode="lin" valueType="num">
+                                      <p:cBhvr additive="base">
+                                        <p:cTn id="45" dur="500" fill="hold"/>
+                                        <p:tgtEl>
+                                          <p:spTgt spid="25"/>
+                                        </p:tgtEl>
+                                        <p:attrNameLst>
+                                          <p:attrName>ppt_x</p:attrName>
+                                        </p:attrNameLst>
+                                      </p:cBhvr>
+                                      <p:tavLst>
+                                        <p:tav tm="0">
+                                          <p:val>
+                                            <p:strVal val="#ppt_x"/>
+                                          </p:val>
+                                        </p:tav>
+                                        <p:tav tm="100000">
+                                          <p:val>
+                                            <p:strVal val="#ppt_x"/>
+                                          </p:val>
+                                        </p:tav>
+                                      </p:tavLst>
+                                    </p:anim>
+                                    <p:anim calcmode="lin" valueType="num">
+                                      <p:cBhvr additive="base">
+                                        <p:cTn id="46" dur="500" fill="hold"/>
+                                        <p:tgtEl>
+                                          <p:spTgt spid="25"/>
+                                        </p:tgtEl>
+                                        <p:attrNameLst>
+                                          <p:attrName>ppt_y</p:attrName>
+                                        </p:attrNameLst>
+                                      </p:cBhvr>
+                                      <p:tavLst>
+                                        <p:tav tm="0">
+                                          <p:val>
+                                            <p:strVal val="1+#ppt_h/2"/>
+                                          </p:val>
+                                        </p:tav>
+                                        <p:tav tm="100000">
+                                          <p:val>
+                                            <p:strVal val="#ppt_y"/>
+                                          </p:val>
+                                        </p:tav>
+                                      </p:tavLst>
+                                    </p:anim>
+                                  </p:childTnLst>
+                                </p:cTn>
+                              </p:par>
+                              <p:par>
+                                <p:cTn id="47" presetID="2" presetClass="entr" presetSubtype="4" fill="hold" nodeType="withEffect">
+                                  <p:stCondLst>
+                                    <p:cond delay="0"/>
+                                  </p:stCondLst>
+                                  <p:childTnLst>
+                                    <p:set>
+                                      <p:cBhvr>
+                                        <p:cTn id="48" dur="1" fill="hold">
+                                          <p:stCondLst>
+                                            <p:cond delay="0"/>
+                                          </p:stCondLst>
+                                        </p:cTn>
+                                        <p:tgtEl>
+                                          <p:spTgt spid="31"/>
+                                        </p:tgtEl>
+                                        <p:attrNameLst>
+                                          <p:attrName>style.visibility</p:attrName>
+                                        </p:attrNameLst>
+                                      </p:cBhvr>
+                                      <p:to>
+                                        <p:strVal val="visible"/>
+                                      </p:to>
+                                    </p:set>
+                                    <p:anim calcmode="lin" valueType="num">
+                                      <p:cBhvr additive="base">
+                                        <p:cTn id="49" dur="500" fill="hold"/>
+                                        <p:tgtEl>
+                                          <p:spTgt spid="31"/>
+                                        </p:tgtEl>
+                                        <p:attrNameLst>
+                                          <p:attrName>ppt_x</p:attrName>
+                                        </p:attrNameLst>
+                                      </p:cBhvr>
+                                      <p:tavLst>
+                                        <p:tav tm="0">
+                                          <p:val>
+                                            <p:strVal val="#ppt_x"/>
+                                          </p:val>
+                                        </p:tav>
+                                        <p:tav tm="100000">
+                                          <p:val>
+                                            <p:strVal val="#ppt_x"/>
+                                          </p:val>
+                                        </p:tav>
+                                      </p:tavLst>
+                                    </p:anim>
+                                    <p:anim calcmode="lin" valueType="num">
+                                      <p:cBhvr additive="base">
+                                        <p:cTn id="50" dur="500" fill="hold"/>
+                                        <p:tgtEl>
+                                          <p:spTgt spid="31"/>
+                                        </p:tgtEl>
+                                        <p:attrNameLst>
+                                          <p:attrName>ppt_y</p:attrName>
+                                        </p:attrNameLst>
+                                      </p:cBhvr>
+                                      <p:tavLst>
+                                        <p:tav tm="0">
+                                          <p:val>
+                                            <p:strVal val="1+#ppt_h/2"/>
+                                          </p:val>
+                                        </p:tav>
+                                        <p:tav tm="100000">
+                                          <p:val>
+                                            <p:strVal val="#ppt_y"/>
+                                          </p:val>
+                                        </p:tav>
+                                      </p:tavLst>
+                                    </p:anim>
+                                  </p:childTnLst>
+                                </p:cTn>
+                              </p:par>
+                              <p:par>
+                                <p:cTn id="51" presetID="2" presetClass="entr" presetSubtype="4" fill="hold" grpId="0" nodeType="withEffect">
+                                  <p:stCondLst>
+                                    <p:cond delay="0"/>
+                                  </p:stCondLst>
+                                  <p:childTnLst>
+                                    <p:set>
+                                      <p:cBhvr>
+                                        <p:cTn id="52" dur="1" fill="hold">
+                                          <p:stCondLst>
+                                            <p:cond delay="0"/>
+                                          </p:stCondLst>
+                                        </p:cTn>
+                                        <p:tgtEl>
+                                          <p:spTgt spid="27"/>
+                                        </p:tgtEl>
+                                        <p:attrNameLst>
+                                          <p:attrName>style.visibility</p:attrName>
+                                        </p:attrNameLst>
+                                      </p:cBhvr>
+                                      <p:to>
+                                        <p:strVal val="visible"/>
+                                      </p:to>
+                                    </p:set>
+                                    <p:anim calcmode="lin" valueType="num">
+                                      <p:cBhvr additive="base">
+                                        <p:cTn id="53" dur="500" fill="hold"/>
+                                        <p:tgtEl>
+                                          <p:spTgt spid="27"/>
+                                        </p:tgtEl>
+                                        <p:attrNameLst>
+                                          <p:attrName>ppt_x</p:attrName>
+                                        </p:attrNameLst>
+                                      </p:cBhvr>
+                                      <p:tavLst>
+                                        <p:tav tm="0">
+                                          <p:val>
+                                            <p:strVal val="#ppt_x"/>
+                                          </p:val>
+                                        </p:tav>
+                                        <p:tav tm="100000">
+                                          <p:val>
+                                            <p:strVal val="#ppt_x"/>
+                                          </p:val>
+                                        </p:tav>
+                                      </p:tavLst>
+                                    </p:anim>
+                                    <p:anim calcmode="lin" valueType="num">
+                                      <p:cBhvr additive="base">
+                                        <p:cTn id="54" dur="500" fill="hold"/>
+                                        <p:tgtEl>
+                                          <p:spTgt spid="27"/>
+                                        </p:tgtEl>
+                                        <p:attrNameLst>
+                                          <p:attrName>ppt_y</p:attrName>
+                                        </p:attrNameLst>
+                                      </p:cBhvr>
+                                      <p:tavLst>
+                                        <p:tav tm="0">
+                                          <p:val>
+                                            <p:strVal val="1+#ppt_h/2"/>
+                                          </p:val>
+                                        </p:tav>
+                                        <p:tav tm="100000">
+                                          <p:val>
+                                            <p:strVal val="#ppt_y"/>
+                                          </p:val>
+                                        </p:tav>
+                                      </p:tavLst>
+                                    </p:anim>
+                                  </p:childTnLst>
+                                </p:cTn>
+                              </p:par>
+                              <p:par>
+                                <p:cTn id="55" presetID="2" presetClass="entr" presetSubtype="4" fill="hold" nodeType="withEffect">
+                                  <p:stCondLst>
+                                    <p:cond delay="0"/>
+                                  </p:stCondLst>
+                                  <p:childTnLst>
+                                    <p:set>
+                                      <p:cBhvr>
+                                        <p:cTn id="56" dur="1" fill="hold">
+                                          <p:stCondLst>
+                                            <p:cond delay="0"/>
+                                          </p:stCondLst>
+                                        </p:cTn>
+                                        <p:tgtEl>
+                                          <p:spTgt spid="33"/>
+                                        </p:tgtEl>
+                                        <p:attrNameLst>
+                                          <p:attrName>style.visibility</p:attrName>
+                                        </p:attrNameLst>
+                                      </p:cBhvr>
+                                      <p:to>
+                                        <p:strVal val="visible"/>
+                                      </p:to>
+                                    </p:set>
+                                    <p:anim calcmode="lin" valueType="num">
+                                      <p:cBhvr additive="base">
+                                        <p:cTn id="57" dur="500" fill="hold"/>
+                                        <p:tgtEl>
+                                          <p:spTgt spid="33"/>
+                                        </p:tgtEl>
+                                        <p:attrNameLst>
+                                          <p:attrName>ppt_x</p:attrName>
+                                        </p:attrNameLst>
+                                      </p:cBhvr>
+                                      <p:tavLst>
+                                        <p:tav tm="0">
+                                          <p:val>
+                                            <p:strVal val="#ppt_x"/>
+                                          </p:val>
+                                        </p:tav>
+                                        <p:tav tm="100000">
+                                          <p:val>
+                                            <p:strVal val="#ppt_x"/>
+                                          </p:val>
+                                        </p:tav>
+                                      </p:tavLst>
+                                    </p:anim>
+                                    <p:anim calcmode="lin" valueType="num">
+                                      <p:cBhvr additive="base">
+                                        <p:cTn id="58" dur="500" fill="hold"/>
+                                        <p:tgtEl>
+                                          <p:spTgt spid="33"/>
+                                        </p:tgtEl>
+                                        <p:attrNameLst>
+                                          <p:attrName>ppt_y</p:attrName>
+                                        </p:attrNameLst>
+                                      </p:cBhvr>
+                                      <p:tavLst>
+                                        <p:tav tm="0">
+                                          <p:val>
+                                            <p:strVal val="1+#ppt_h/2"/>
+                                          </p:val>
+                                        </p:tav>
+                                        <p:tav tm="100000">
+                                          <p:val>
+                                            <p:strVal val="#ppt_y"/>
+                                          </p:val>
+                                        </p:tav>
+                                      </p:tavLst>
+                                    </p:anim>
+                                  </p:childTnLst>
+                                </p:cTn>
+                              </p:par>
+                              <p:par>
+                                <p:cTn id="59" presetID="2" presetClass="entr" presetSubtype="4" fill="hold" grpId="0" nodeType="withEffect">
+                                  <p:stCondLst>
+                                    <p:cond delay="0"/>
+                                  </p:stCondLst>
+                                  <p:childTnLst>
+                                    <p:set>
+                                      <p:cBhvr>
+                                        <p:cTn id="60" dur="1" fill="hold">
+                                          <p:stCondLst>
+                                            <p:cond delay="0"/>
+                                          </p:stCondLst>
+                                        </p:cTn>
+                                        <p:tgtEl>
+                                          <p:spTgt spid="26"/>
+                                        </p:tgtEl>
+                                        <p:attrNameLst>
+                                          <p:attrName>style.visibility</p:attrName>
+                                        </p:attrNameLst>
+                                      </p:cBhvr>
+                                      <p:to>
+                                        <p:strVal val="visible"/>
+                                      </p:to>
+                                    </p:set>
+                                    <p:anim calcmode="lin" valueType="num">
+                                      <p:cBhvr additive="base">
+                                        <p:cTn id="61" dur="500" fill="hold"/>
+                                        <p:tgtEl>
+                                          <p:spTgt spid="26"/>
+                                        </p:tgtEl>
+                                        <p:attrNameLst>
+                                          <p:attrName>ppt_x</p:attrName>
+                                        </p:attrNameLst>
+                                      </p:cBhvr>
+                                      <p:tavLst>
+                                        <p:tav tm="0">
+                                          <p:val>
+                                            <p:strVal val="#ppt_x"/>
+                                          </p:val>
+                                        </p:tav>
+                                        <p:tav tm="100000">
+                                          <p:val>
+                                            <p:strVal val="#ppt_x"/>
+                                          </p:val>
+                                        </p:tav>
+                                      </p:tavLst>
+                                    </p:anim>
+                                    <p:anim calcmode="lin" valueType="num">
+                                      <p:cBhvr additive="base">
+                                        <p:cTn id="62" dur="500" fill="hold"/>
+                                        <p:tgtEl>
+                                          <p:spTgt spid="26"/>
+                                        </p:tgtEl>
+                                        <p:attrNameLst>
+                                          <p:attrName>ppt_y</p:attrName>
+                                        </p:attrNameLst>
+                                      </p:cBhvr>
+                                      <p:tavLst>
+                                        <p:tav tm="0">
+                                          <p:val>
+                                            <p:strVal val="1+#ppt_h/2"/>
+                                          </p:val>
+                                        </p:tav>
+                                        <p:tav tm="100000">
+                                          <p:val>
+                                            <p:strVal val="#ppt_y"/>
+                                          </p:val>
+                                        </p:tav>
+                                      </p:tavLst>
+                                    </p:anim>
+                                  </p:childTnLst>
+                                </p:cTn>
+                              </p:par>
+                              <p:par>
+                                <p:cTn id="63" presetID="2" presetClass="entr" presetSubtype="4" fill="hold" nodeType="withEffect">
+                                  <p:stCondLst>
+                                    <p:cond delay="0"/>
+                                  </p:stCondLst>
+                                  <p:childTnLst>
+                                    <p:set>
+                                      <p:cBhvr>
+                                        <p:cTn id="64" dur="1" fill="hold">
+                                          <p:stCondLst>
+                                            <p:cond delay="0"/>
+                                          </p:stCondLst>
+                                        </p:cTn>
+                                        <p:tgtEl>
+                                          <p:spTgt spid="29"/>
+                                        </p:tgtEl>
+                                        <p:attrNameLst>
+                                          <p:attrName>style.visibility</p:attrName>
+                                        </p:attrNameLst>
+                                      </p:cBhvr>
+                                      <p:to>
+                                        <p:strVal val="visible"/>
+                                      </p:to>
+                                    </p:set>
+                                    <p:anim calcmode="lin" valueType="num">
+                                      <p:cBhvr additive="base">
+                                        <p:cTn id="65" dur="500" fill="hold"/>
+                                        <p:tgtEl>
+                                          <p:spTgt spid="29"/>
+                                        </p:tgtEl>
+                                        <p:attrNameLst>
+                                          <p:attrName>ppt_x</p:attrName>
+                                        </p:attrNameLst>
+                                      </p:cBhvr>
+                                      <p:tavLst>
+                                        <p:tav tm="0">
+                                          <p:val>
+                                            <p:strVal val="#ppt_x"/>
+                                          </p:val>
+                                        </p:tav>
+                                        <p:tav tm="100000">
+                                          <p:val>
+                                            <p:strVal val="#ppt_x"/>
+                                          </p:val>
+                                        </p:tav>
+                                      </p:tavLst>
+                                    </p:anim>
+                                    <p:anim calcmode="lin" valueType="num">
+                                      <p:cBhvr additive="base">
+                                        <p:cTn id="66" dur="500" fill="hold"/>
+                                        <p:tgtEl>
+                                          <p:spTgt spid="29"/>
+                                        </p:tgtEl>
+                                        <p:attrNameLst>
+                                          <p:attrName>ppt_y</p:attrName>
+                                        </p:attrNameLst>
+                                      </p:cBhvr>
+                                      <p:tavLst>
+                                        <p:tav tm="0">
+                                          <p:val>
+                                            <p:strVal val="1+#ppt_h/2"/>
+                                          </p:val>
+                                        </p:tav>
+                                        <p:tav tm="100000">
+                                          <p:val>
+                                            <p:strVal val="#ppt_y"/>
+                                          </p:val>
+                                        </p:tav>
+                                      </p:tavLst>
+                                    </p:anim>
+                                  </p:childTnLst>
+                                </p:cTn>
+                              </p:par>
+                            </p:childTnLst>
+                          </p:cTn>
+                        </p:par>
+                      </p:childTnLst>
+                    </p:cTn>
+                  </p:par>
+                  <p:par>
+                    <p:cTn id="67" fill="hold">
+                      <p:stCondLst>
+                        <p:cond delay="indefinite"/>
+                      </p:stCondLst>
+                      <p:childTnLst>
+                        <p:par>
+                          <p:cTn id="68" fill="hold">
+                            <p:stCondLst>
+                              <p:cond delay="0"/>
+                            </p:stCondLst>
+                            <p:childTnLst>
+                              <p:par>
+                                <p:cTn id="69" presetID="10" presetClass="entr" presetSubtype="0" fill="hold" grpId="0" nodeType="clickEffect">
+                                  <p:stCondLst>
+                                    <p:cond delay="0"/>
+                                  </p:stCondLst>
+                                  <p:childTnLst>
+                                    <p:set>
+                                      <p:cBhvr>
+                                        <p:cTn id="70" dur="1" fill="hold">
+                                          <p:stCondLst>
+                                            <p:cond delay="0"/>
+                                          </p:stCondLst>
+                                        </p:cTn>
+                                        <p:tgtEl>
+                                          <p:spTgt spid="8"/>
+                                        </p:tgtEl>
+                                        <p:attrNameLst>
+                                          <p:attrName>style.visibility</p:attrName>
+                                        </p:attrNameLst>
+                                      </p:cBhvr>
+                                      <p:to>
+                                        <p:strVal val="visible"/>
+                                      </p:to>
+                                    </p:set>
+                                    <p:animEffect transition="in" filter="fade">
+                                      <p:cBhvr>
+                                        <p:cTn id="71" dur="500"/>
+                                        <p:tgtEl>
+                                          <p:spTgt spid="8"/>
+                                        </p:tgtEl>
+                                      </p:cBhvr>
+                                    </p:animEffect>
+                                  </p:childTnLst>
+                                </p:cTn>
+                              </p:par>
+                              <p:par>
+                                <p:cTn id="72" presetID="10" presetClass="entr" presetSubtype="0" fill="hold" grpId="0" nodeType="withEffect">
+                                  <p:stCondLst>
+                                    <p:cond delay="0"/>
+                                  </p:stCondLst>
+                                  <p:childTnLst>
+                                    <p:set>
+                                      <p:cBhvr>
+                                        <p:cTn id="73" dur="1" fill="hold">
+                                          <p:stCondLst>
+                                            <p:cond delay="0"/>
+                                          </p:stCondLst>
+                                        </p:cTn>
+                                        <p:tgtEl>
+                                          <p:spTgt spid="9"/>
+                                        </p:tgtEl>
+                                        <p:attrNameLst>
+                                          <p:attrName>style.visibility</p:attrName>
+                                        </p:attrNameLst>
+                                      </p:cBhvr>
+                                      <p:to>
+                                        <p:strVal val="visible"/>
+                                      </p:to>
+                                    </p:set>
+                                    <p:animEffect transition="in" filter="fade">
+                                      <p:cBhvr>
+                                        <p:cTn id="74" dur="500"/>
+                                        <p:tgtEl>
+                                          <p:spTgt spid="9"/>
+                                        </p:tgtEl>
+                                      </p:cBhvr>
+                                    </p:animEffect>
+                                  </p:childTnLst>
+                                </p:cTn>
+                              </p:par>
+                            </p:childTnLst>
+                          </p:cTn>
+                        </p:par>
+                      </p:childTnLst>
+                    </p:cTn>
+                  </p:par>
+                  <p:par>
+                    <p:cTn id="75" fill="hold">
+                      <p:stCondLst>
+                        <p:cond delay="indefinite"/>
+                      </p:stCondLst>
+                      <p:childTnLst>
+                        <p:par>
+                          <p:cTn id="76" fill="hold">
+                            <p:stCondLst>
+                              <p:cond delay="0"/>
+                            </p:stCondLst>
+                            <p:childTnLst>
+                              <p:par>
+                                <p:cTn id="77" presetID="2" presetClass="entr" presetSubtype="4" fill="hold" nodeType="clickEffect">
+                                  <p:stCondLst>
+                                    <p:cond delay="0"/>
+                                  </p:stCondLst>
+                                  <p:childTnLst>
+                                    <p:set>
+                                      <p:cBhvr>
+                                        <p:cTn id="78" dur="1" fill="hold">
+                                          <p:stCondLst>
+                                            <p:cond delay="0"/>
+                                          </p:stCondLst>
+                                        </p:cTn>
+                                        <p:tgtEl>
+                                          <p:spTgt spid="50"/>
+                                        </p:tgtEl>
+                                        <p:attrNameLst>
+                                          <p:attrName>style.visibility</p:attrName>
+                                        </p:attrNameLst>
+                                      </p:cBhvr>
+                                      <p:to>
+                                        <p:strVal val="visible"/>
+                                      </p:to>
+                                    </p:set>
+                                    <p:anim calcmode="lin" valueType="num">
+                                      <p:cBhvr additive="base">
+                                        <p:cTn id="79" dur="500" fill="hold"/>
+                                        <p:tgtEl>
+                                          <p:spTgt spid="50"/>
+                                        </p:tgtEl>
+                                        <p:attrNameLst>
+                                          <p:attrName>ppt_x</p:attrName>
+                                        </p:attrNameLst>
+                                      </p:cBhvr>
+                                      <p:tavLst>
+                                        <p:tav tm="0">
+                                          <p:val>
+                                            <p:strVal val="#ppt_x"/>
+                                          </p:val>
+                                        </p:tav>
+                                        <p:tav tm="100000">
+                                          <p:val>
+                                            <p:strVal val="#ppt_x"/>
+                                          </p:val>
+                                        </p:tav>
+                                      </p:tavLst>
+                                    </p:anim>
+                                    <p:anim calcmode="lin" valueType="num">
+                                      <p:cBhvr additive="base">
+                                        <p:cTn id="80" dur="500" fill="hold"/>
+                                        <p:tgtEl>
+                                          <p:spTgt spid="50"/>
+                                        </p:tgtEl>
+                                        <p:attrNameLst>
+                                          <p:attrName>ppt_y</p:attrName>
+                                        </p:attrNameLst>
+                                      </p:cBhvr>
+                                      <p:tavLst>
+                                        <p:tav tm="0">
+                                          <p:val>
+                                            <p:strVal val="1+#ppt_h/2"/>
+                                          </p:val>
+                                        </p:tav>
+                                        <p:tav tm="100000">
+                                          <p:val>
+                                            <p:strVal val="#ppt_y"/>
+                                          </p:val>
+                                        </p:tav>
+                                      </p:tavLst>
+                                    </p:anim>
+                                  </p:childTnLst>
+                                </p:cTn>
+                              </p:par>
+                              <p:par>
+                                <p:cTn id="81" presetID="2" presetClass="entr" presetSubtype="4" fill="hold" nodeType="withEffect">
+                                  <p:stCondLst>
+                                    <p:cond delay="0"/>
+                                  </p:stCondLst>
+                                  <p:childTnLst>
+                                    <p:set>
+                                      <p:cBhvr>
+                                        <p:cTn id="82" dur="1" fill="hold">
+                                          <p:stCondLst>
+                                            <p:cond delay="0"/>
+                                          </p:stCondLst>
+                                        </p:cTn>
+                                        <p:tgtEl>
+                                          <p:spTgt spid="43"/>
+                                        </p:tgtEl>
+                                        <p:attrNameLst>
+                                          <p:attrName>style.visibility</p:attrName>
+                                        </p:attrNameLst>
+                                      </p:cBhvr>
+                                      <p:to>
+                                        <p:strVal val="visible"/>
+                                      </p:to>
+                                    </p:set>
+                                    <p:anim calcmode="lin" valueType="num">
+                                      <p:cBhvr additive="base">
+                                        <p:cTn id="83" dur="500" fill="hold"/>
+                                        <p:tgtEl>
+                                          <p:spTgt spid="43"/>
+                                        </p:tgtEl>
+                                        <p:attrNameLst>
+                                          <p:attrName>ppt_x</p:attrName>
+                                        </p:attrNameLst>
+                                      </p:cBhvr>
+                                      <p:tavLst>
+                                        <p:tav tm="0">
+                                          <p:val>
+                                            <p:strVal val="#ppt_x"/>
+                                          </p:val>
+                                        </p:tav>
+                                        <p:tav tm="100000">
+                                          <p:val>
+                                            <p:strVal val="#ppt_x"/>
+                                          </p:val>
+                                        </p:tav>
+                                      </p:tavLst>
+                                    </p:anim>
+                                    <p:anim calcmode="lin" valueType="num">
+                                      <p:cBhvr additive="base">
+                                        <p:cTn id="84" dur="500" fill="hold"/>
+                                        <p:tgtEl>
+                                          <p:spTgt spid="43"/>
+                                        </p:tgtEl>
+                                        <p:attrNameLst>
+                                          <p:attrName>ppt_y</p:attrName>
+                                        </p:attrNameLst>
+                                      </p:cBhvr>
+                                      <p:tavLst>
+                                        <p:tav tm="0">
+                                          <p:val>
+                                            <p:strVal val="1+#ppt_h/2"/>
+                                          </p:val>
+                                        </p:tav>
+                                        <p:tav tm="100000">
+                                          <p:val>
+                                            <p:strVal val="#ppt_y"/>
+                                          </p:val>
+                                        </p:tav>
+                                      </p:tavLst>
+                                    </p:anim>
+                                  </p:childTnLst>
+                                </p:cTn>
+                              </p:par>
+                              <p:par>
+                                <p:cTn id="85" presetID="2" presetClass="entr" presetSubtype="4" fill="hold" grpId="0" nodeType="withEffect">
+                                  <p:stCondLst>
+                                    <p:cond delay="0"/>
+                                  </p:stCondLst>
+                                  <p:childTnLst>
+                                    <p:set>
+                                      <p:cBhvr>
+                                        <p:cTn id="86" dur="1" fill="hold">
+                                          <p:stCondLst>
+                                            <p:cond delay="0"/>
+                                          </p:stCondLst>
+                                        </p:cTn>
+                                        <p:tgtEl>
+                                          <p:spTgt spid="38"/>
+                                        </p:tgtEl>
+                                        <p:attrNameLst>
+                                          <p:attrName>style.visibility</p:attrName>
+                                        </p:attrNameLst>
+                                      </p:cBhvr>
+                                      <p:to>
+                                        <p:strVal val="visible"/>
+                                      </p:to>
+                                    </p:set>
+                                    <p:anim calcmode="lin" valueType="num">
+                                      <p:cBhvr additive="base">
+                                        <p:cTn id="87" dur="500" fill="hold"/>
+                                        <p:tgtEl>
+                                          <p:spTgt spid="38"/>
+                                        </p:tgtEl>
+                                        <p:attrNameLst>
+                                          <p:attrName>ppt_x</p:attrName>
+                                        </p:attrNameLst>
+                                      </p:cBhvr>
+                                      <p:tavLst>
+                                        <p:tav tm="0">
+                                          <p:val>
+                                            <p:strVal val="#ppt_x"/>
+                                          </p:val>
+                                        </p:tav>
+                                        <p:tav tm="100000">
+                                          <p:val>
+                                            <p:strVal val="#ppt_x"/>
+                                          </p:val>
+                                        </p:tav>
+                                      </p:tavLst>
+                                    </p:anim>
+                                    <p:anim calcmode="lin" valueType="num">
+                                      <p:cBhvr additive="base">
+                                        <p:cTn id="88" dur="500" fill="hold"/>
+                                        <p:tgtEl>
+                                          <p:spTgt spid="38"/>
+                                        </p:tgtEl>
+                                        <p:attrNameLst>
+                                          <p:attrName>ppt_y</p:attrName>
+                                        </p:attrNameLst>
+                                      </p:cBhvr>
+                                      <p:tavLst>
+                                        <p:tav tm="0">
+                                          <p:val>
+                                            <p:strVal val="1+#ppt_h/2"/>
+                                          </p:val>
+                                        </p:tav>
+                                        <p:tav tm="100000">
+                                          <p:val>
+                                            <p:strVal val="#ppt_y"/>
+                                          </p:val>
+                                        </p:tav>
+                                      </p:tavLst>
+                                    </p:anim>
+                                  </p:childTnLst>
+                                </p:cTn>
+                              </p:par>
+                              <p:par>
+                                <p:cTn id="89" presetID="2" presetClass="entr" presetSubtype="4" fill="hold" nodeType="withEffect">
+                                  <p:stCondLst>
+                                    <p:cond delay="0"/>
+                                  </p:stCondLst>
+                                  <p:childTnLst>
+                                    <p:set>
+                                      <p:cBhvr>
+                                        <p:cTn id="90" dur="1" fill="hold">
+                                          <p:stCondLst>
+                                            <p:cond delay="0"/>
+                                          </p:stCondLst>
+                                        </p:cTn>
+                                        <p:tgtEl>
+                                          <p:spTgt spid="41"/>
+                                        </p:tgtEl>
+                                        <p:attrNameLst>
+                                          <p:attrName>style.visibility</p:attrName>
+                                        </p:attrNameLst>
+                                      </p:cBhvr>
+                                      <p:to>
+                                        <p:strVal val="visible"/>
+                                      </p:to>
+                                    </p:set>
+                                    <p:anim calcmode="lin" valueType="num">
+                                      <p:cBhvr additive="base">
+                                        <p:cTn id="91" dur="500" fill="hold"/>
+                                        <p:tgtEl>
+                                          <p:spTgt spid="41"/>
+                                        </p:tgtEl>
+                                        <p:attrNameLst>
+                                          <p:attrName>ppt_x</p:attrName>
+                                        </p:attrNameLst>
+                                      </p:cBhvr>
+                                      <p:tavLst>
+                                        <p:tav tm="0">
+                                          <p:val>
+                                            <p:strVal val="#ppt_x"/>
+                                          </p:val>
+                                        </p:tav>
+                                        <p:tav tm="100000">
+                                          <p:val>
+                                            <p:strVal val="#ppt_x"/>
+                                          </p:val>
+                                        </p:tav>
+                                      </p:tavLst>
+                                    </p:anim>
+                                    <p:anim calcmode="lin" valueType="num">
+                                      <p:cBhvr additive="base">
+                                        <p:cTn id="92" dur="500" fill="hold"/>
+                                        <p:tgtEl>
+                                          <p:spTgt spid="41"/>
+                                        </p:tgtEl>
+                                        <p:attrNameLst>
+                                          <p:attrName>ppt_y</p:attrName>
+                                        </p:attrNameLst>
+                                      </p:cBhvr>
+                                      <p:tavLst>
+                                        <p:tav tm="0">
+                                          <p:val>
+                                            <p:strVal val="1+#ppt_h/2"/>
+                                          </p:val>
+                                        </p:tav>
+                                        <p:tav tm="100000">
+                                          <p:val>
+                                            <p:strVal val="#ppt_y"/>
+                                          </p:val>
+                                        </p:tav>
+                                      </p:tavLst>
+                                    </p:anim>
+                                  </p:childTnLst>
+                                </p:cTn>
+                              </p:par>
+                              <p:par>
+                                <p:cTn id="93" presetID="2" presetClass="entr" presetSubtype="4" fill="hold" grpId="0" nodeType="withEffect">
+                                  <p:stCondLst>
+                                    <p:cond delay="0"/>
+                                  </p:stCondLst>
+                                  <p:childTnLst>
+                                    <p:set>
+                                      <p:cBhvr>
+                                        <p:cTn id="94" dur="1" fill="hold">
+                                          <p:stCondLst>
+                                            <p:cond delay="0"/>
+                                          </p:stCondLst>
+                                        </p:cTn>
+                                        <p:tgtEl>
+                                          <p:spTgt spid="39"/>
+                                        </p:tgtEl>
+                                        <p:attrNameLst>
+                                          <p:attrName>style.visibility</p:attrName>
+                                        </p:attrNameLst>
+                                      </p:cBhvr>
+                                      <p:to>
+                                        <p:strVal val="visible"/>
+                                      </p:to>
+                                    </p:set>
+                                    <p:anim calcmode="lin" valueType="num">
+                                      <p:cBhvr additive="base">
+                                        <p:cTn id="95" dur="500" fill="hold"/>
+                                        <p:tgtEl>
+                                          <p:spTgt spid="39"/>
+                                        </p:tgtEl>
+                                        <p:attrNameLst>
+                                          <p:attrName>ppt_x</p:attrName>
+                                        </p:attrNameLst>
+                                      </p:cBhvr>
+                                      <p:tavLst>
+                                        <p:tav tm="0">
+                                          <p:val>
+                                            <p:strVal val="#ppt_x"/>
+                                          </p:val>
+                                        </p:tav>
+                                        <p:tav tm="100000">
+                                          <p:val>
+                                            <p:strVal val="#ppt_x"/>
+                                          </p:val>
+                                        </p:tav>
+                                      </p:tavLst>
+                                    </p:anim>
+                                    <p:anim calcmode="lin" valueType="num">
+                                      <p:cBhvr additive="base">
+                                        <p:cTn id="96" dur="500" fill="hold"/>
+                                        <p:tgtEl>
+                                          <p:spTgt spid="39"/>
+                                        </p:tgtEl>
+                                        <p:attrNameLst>
+                                          <p:attrName>ppt_y</p:attrName>
+                                        </p:attrNameLst>
+                                      </p:cBhvr>
+                                      <p:tavLst>
+                                        <p:tav tm="0">
+                                          <p:val>
+                                            <p:strVal val="1+#ppt_h/2"/>
+                                          </p:val>
+                                        </p:tav>
+                                        <p:tav tm="100000">
+                                          <p:val>
+                                            <p:strVal val="#ppt_y"/>
+                                          </p:val>
+                                        </p:tav>
+                                      </p:tavLst>
+                                    </p:anim>
+                                  </p:childTnLst>
+                                </p:cTn>
+                              </p:par>
+                              <p:par>
+                                <p:cTn id="97" presetID="2" presetClass="entr" presetSubtype="4" fill="hold" nodeType="withEffect">
+                                  <p:stCondLst>
+                                    <p:cond delay="0"/>
+                                  </p:stCondLst>
+                                  <p:childTnLst>
+                                    <p:set>
+                                      <p:cBhvr>
+                                        <p:cTn id="98" dur="1" fill="hold">
+                                          <p:stCondLst>
+                                            <p:cond delay="0"/>
+                                          </p:stCondLst>
+                                        </p:cTn>
+                                        <p:tgtEl>
+                                          <p:spTgt spid="48"/>
+                                        </p:tgtEl>
+                                        <p:attrNameLst>
+                                          <p:attrName>style.visibility</p:attrName>
+                                        </p:attrNameLst>
+                                      </p:cBhvr>
+                                      <p:to>
+                                        <p:strVal val="visible"/>
+                                      </p:to>
+                                    </p:set>
+                                    <p:anim calcmode="lin" valueType="num">
+                                      <p:cBhvr additive="base">
+                                        <p:cTn id="99" dur="500" fill="hold"/>
+                                        <p:tgtEl>
+                                          <p:spTgt spid="48"/>
+                                        </p:tgtEl>
+                                        <p:attrNameLst>
+                                          <p:attrName>ppt_x</p:attrName>
+                                        </p:attrNameLst>
+                                      </p:cBhvr>
+                                      <p:tavLst>
+                                        <p:tav tm="0">
+                                          <p:val>
+                                            <p:strVal val="#ppt_x"/>
+                                          </p:val>
+                                        </p:tav>
+                                        <p:tav tm="100000">
+                                          <p:val>
+                                            <p:strVal val="#ppt_x"/>
+                                          </p:val>
+                                        </p:tav>
+                                      </p:tavLst>
+                                    </p:anim>
+                                    <p:anim calcmode="lin" valueType="num">
+                                      <p:cBhvr additive="base">
+                                        <p:cTn id="100" dur="500" fill="hold"/>
+                                        <p:tgtEl>
+                                          <p:spTgt spid="48"/>
+                                        </p:tgtEl>
+                                        <p:attrNameLst>
+                                          <p:attrName>ppt_y</p:attrName>
+                                        </p:attrNameLst>
+                                      </p:cBhvr>
+                                      <p:tavLst>
+                                        <p:tav tm="0">
+                                          <p:val>
+                                            <p:strVal val="1+#ppt_h/2"/>
+                                          </p:val>
+                                        </p:tav>
+                                        <p:tav tm="100000">
+                                          <p:val>
+                                            <p:strVal val="#ppt_y"/>
+                                          </p:val>
+                                        </p:tav>
+                                      </p:tavLst>
+                                    </p:anim>
+                                  </p:childTnLst>
+                                </p:cTn>
+                              </p:par>
+                              <p:par>
+                                <p:cTn id="101" presetID="2" presetClass="entr" presetSubtype="4" fill="hold" grpId="0" nodeType="withEffect">
+                                  <p:stCondLst>
+                                    <p:cond delay="0"/>
+                                  </p:stCondLst>
+                                  <p:childTnLst>
+                                    <p:set>
+                                      <p:cBhvr>
+                                        <p:cTn id="102" dur="1" fill="hold">
+                                          <p:stCondLst>
+                                            <p:cond delay="0"/>
+                                          </p:stCondLst>
+                                        </p:cTn>
+                                        <p:tgtEl>
+                                          <p:spTgt spid="46"/>
+                                        </p:tgtEl>
+                                        <p:attrNameLst>
+                                          <p:attrName>style.visibility</p:attrName>
+                                        </p:attrNameLst>
+                                      </p:cBhvr>
+                                      <p:to>
+                                        <p:strVal val="visible"/>
+                                      </p:to>
+                                    </p:set>
+                                    <p:anim calcmode="lin" valueType="num">
+                                      <p:cBhvr additive="base">
+                                        <p:cTn id="103" dur="500" fill="hold"/>
+                                        <p:tgtEl>
+                                          <p:spTgt spid="46"/>
+                                        </p:tgtEl>
+                                        <p:attrNameLst>
+                                          <p:attrName>ppt_x</p:attrName>
+                                        </p:attrNameLst>
+                                      </p:cBhvr>
+                                      <p:tavLst>
+                                        <p:tav tm="0">
+                                          <p:val>
+                                            <p:strVal val="#ppt_x"/>
+                                          </p:val>
+                                        </p:tav>
+                                        <p:tav tm="100000">
+                                          <p:val>
+                                            <p:strVal val="#ppt_x"/>
+                                          </p:val>
+                                        </p:tav>
+                                      </p:tavLst>
+                                    </p:anim>
+                                    <p:anim calcmode="lin" valueType="num">
+                                      <p:cBhvr additive="base">
+                                        <p:cTn id="104" dur="500" fill="hold"/>
+                                        <p:tgtEl>
+                                          <p:spTgt spid="46"/>
+                                        </p:tgtEl>
+                                        <p:attrNameLst>
+                                          <p:attrName>ppt_y</p:attrName>
+                                        </p:attrNameLst>
+                                      </p:cBhvr>
+                                      <p:tavLst>
+                                        <p:tav tm="0">
+                                          <p:val>
+                                            <p:strVal val="1+#ppt_h/2"/>
+                                          </p:val>
+                                        </p:tav>
+                                        <p:tav tm="100000">
+                                          <p:val>
+                                            <p:strVal val="#ppt_y"/>
+                                          </p:val>
+                                        </p:tav>
+                                      </p:tavLst>
+                                    </p:anim>
+                                  </p:childTnLst>
+                                </p:cTn>
+                              </p:par>
+                              <p:par>
+                                <p:cTn id="105" presetID="2" presetClass="entr" presetSubtype="4" fill="hold" grpId="0" nodeType="withEffect">
+                                  <p:stCondLst>
+                                    <p:cond delay="0"/>
+                                  </p:stCondLst>
+                                  <p:childTnLst>
+                                    <p:set>
+                                      <p:cBhvr>
+                                        <p:cTn id="106" dur="1" fill="hold">
+                                          <p:stCondLst>
+                                            <p:cond delay="0"/>
+                                          </p:stCondLst>
+                                        </p:cTn>
+                                        <p:tgtEl>
+                                          <p:spTgt spid="51"/>
+                                        </p:tgtEl>
+                                        <p:attrNameLst>
+                                          <p:attrName>style.visibility</p:attrName>
+                                        </p:attrNameLst>
+                                      </p:cBhvr>
+                                      <p:to>
+                                        <p:strVal val="visible"/>
+                                      </p:to>
+                                    </p:set>
+                                    <p:anim calcmode="lin" valueType="num">
+                                      <p:cBhvr additive="base">
+                                        <p:cTn id="107" dur="500" fill="hold"/>
+                                        <p:tgtEl>
+                                          <p:spTgt spid="51"/>
+                                        </p:tgtEl>
+                                        <p:attrNameLst>
+                                          <p:attrName>ppt_x</p:attrName>
+                                        </p:attrNameLst>
+                                      </p:cBhvr>
+                                      <p:tavLst>
+                                        <p:tav tm="0">
+                                          <p:val>
+                                            <p:strVal val="#ppt_x"/>
+                                          </p:val>
+                                        </p:tav>
+                                        <p:tav tm="100000">
+                                          <p:val>
+                                            <p:strVal val="#ppt_x"/>
+                                          </p:val>
+                                        </p:tav>
+                                      </p:tavLst>
+                                    </p:anim>
+                                    <p:anim calcmode="lin" valueType="num">
+                                      <p:cBhvr additive="base">
+                                        <p:cTn id="108" dur="500" fill="hold"/>
+                                        <p:tgtEl>
+                                          <p:spTgt spid="51"/>
+                                        </p:tgtEl>
+                                        <p:attrNameLst>
+                                          <p:attrName>ppt_y</p:attrName>
+                                        </p:attrNameLst>
+                                      </p:cBhvr>
+                                      <p:tavLst>
+                                        <p:tav tm="0">
+                                          <p:val>
+                                            <p:strVal val="1+#ppt_h/2"/>
+                                          </p:val>
+                                        </p:tav>
+                                        <p:tav tm="100000">
+                                          <p:val>
+                                            <p:strVal val="#ppt_y"/>
+                                          </p:val>
+                                        </p:tav>
+                                      </p:tavLst>
+                                    </p:anim>
+                                  </p:childTnLst>
+                                </p:cTn>
+                              </p:par>
+                            </p:childTnLst>
+                          </p:cTn>
+                        </p:par>
+                      </p:childTnLst>
+                    </p:cTn>
+                  </p:par>
+                  <p:par>
+                    <p:cTn id="109" fill="hold">
+                      <p:stCondLst>
+                        <p:cond delay="indefinite"/>
+                      </p:stCondLst>
+                      <p:childTnLst>
+                        <p:par>
+                          <p:cTn id="110" fill="hold">
+                            <p:stCondLst>
+                              <p:cond delay="0"/>
+                            </p:stCondLst>
+                            <p:childTnLst>
+                              <p:par>
+                                <p:cTn id="111" presetID="10" presetClass="entr" presetSubtype="0" fill="hold" grpId="0" nodeType="clickEffect">
+                                  <p:stCondLst>
+                                    <p:cond delay="0"/>
+                                  </p:stCondLst>
+                                  <p:childTnLst>
+                                    <p:set>
+                                      <p:cBhvr>
+                                        <p:cTn id="112" dur="1" fill="hold">
+                                          <p:stCondLst>
+                                            <p:cond delay="0"/>
+                                          </p:stCondLst>
+                                        </p:cTn>
+                                        <p:tgtEl>
+                                          <p:spTgt spid="2"/>
+                                        </p:tgtEl>
+                                        <p:attrNameLst>
+                                          <p:attrName>style.visibility</p:attrName>
+                                        </p:attrNameLst>
+                                      </p:cBhvr>
+                                      <p:to>
+                                        <p:strVal val="visible"/>
+                                      </p:to>
+                                    </p:set>
+                                    <p:animEffect transition="in" filter="fade">
+                                      <p:cBhvr>
+                                        <p:cTn id="113" dur="500"/>
+                                        <p:tgtEl>
+                                          <p:spTgt spid="2"/>
+                                        </p:tgtEl>
+                                      </p:cBhvr>
+                                    </p:animEffect>
+                                  </p:childTnLst>
+                                </p:cTn>
+                              </p:par>
+                              <p:par>
+                                <p:cTn id="114" presetID="10" presetClass="entr" presetSubtype="0" fill="hold" grpId="0" nodeType="withEffect">
+                                  <p:stCondLst>
+                                    <p:cond delay="0"/>
+                                  </p:stCondLst>
+                                  <p:childTnLst>
+                                    <p:set>
+                                      <p:cBhvr>
+                                        <p:cTn id="115" dur="1" fill="hold">
+                                          <p:stCondLst>
+                                            <p:cond delay="0"/>
+                                          </p:stCondLst>
+                                        </p:cTn>
+                                        <p:tgtEl>
+                                          <p:spTgt spid="3"/>
+                                        </p:tgtEl>
+                                        <p:attrNameLst>
+                                          <p:attrName>style.visibility</p:attrName>
+                                        </p:attrNameLst>
+                                      </p:cBhvr>
+                                      <p:to>
+                                        <p:strVal val="visible"/>
+                                      </p:to>
+                                    </p:set>
+                                    <p:animEffect transition="in" filter="fade">
+                                      <p:cBhvr>
+                                        <p:cTn id="116" dur="500"/>
+                                        <p:tgtEl>
+                                          <p:spTgt spid="3"/>
+                                        </p:tgtEl>
+                                      </p:cBhvr>
+                                    </p:animEffect>
+                                  </p:childTnLst>
+                                </p:cTn>
+                              </p:par>
+                            </p:childTnLst>
+                          </p:cTn>
+                        </p:par>
+                      </p:childTnLst>
+                    </p:cTn>
+                  </p:par>
+                  <p:par>
+                    <p:cTn id="117" fill="hold">
+                      <p:stCondLst>
+                        <p:cond delay="indefinite"/>
+                      </p:stCondLst>
+                      <p:childTnLst>
+                        <p:par>
+                          <p:cTn id="118" fill="hold">
+                            <p:stCondLst>
+                              <p:cond delay="0"/>
+                            </p:stCondLst>
+                            <p:childTnLst>
+                              <p:par>
+                                <p:cTn id="119" presetID="2" presetClass="entr" presetSubtype="4" fill="hold" grpId="0" nodeType="clickEffect">
+                                  <p:stCondLst>
+                                    <p:cond delay="0"/>
+                                  </p:stCondLst>
+                                  <p:childTnLst>
+                                    <p:set>
+                                      <p:cBhvr>
+                                        <p:cTn id="120" dur="1" fill="hold">
+                                          <p:stCondLst>
+                                            <p:cond delay="0"/>
+                                          </p:stCondLst>
+                                        </p:cTn>
+                                        <p:tgtEl>
+                                          <p:spTgt spid="10"/>
+                                        </p:tgtEl>
+                                        <p:attrNameLst>
+                                          <p:attrName>style.visibility</p:attrName>
+                                        </p:attrNameLst>
+                                      </p:cBhvr>
+                                      <p:to>
+                                        <p:strVal val="visible"/>
+                                      </p:to>
+                                    </p:set>
+                                    <p:anim calcmode="lin" valueType="num">
+                                      <p:cBhvr additive="base">
+                                        <p:cTn id="121" dur="500" fill="hold"/>
+                                        <p:tgtEl>
+                                          <p:spTgt spid="10"/>
+                                        </p:tgtEl>
+                                        <p:attrNameLst>
+                                          <p:attrName>ppt_x</p:attrName>
+                                        </p:attrNameLst>
+                                      </p:cBhvr>
+                                      <p:tavLst>
+                                        <p:tav tm="0">
+                                          <p:val>
+                                            <p:strVal val="#ppt_x"/>
+                                          </p:val>
+                                        </p:tav>
+                                        <p:tav tm="100000">
+                                          <p:val>
+                                            <p:strVal val="#ppt_x"/>
+                                          </p:val>
+                                        </p:tav>
+                                      </p:tavLst>
+                                    </p:anim>
+                                    <p:anim calcmode="lin" valueType="num">
+                                      <p:cBhvr additive="base">
+                                        <p:cTn id="122" dur="500" fill="hold"/>
+                                        <p:tgtEl>
+                                          <p:spTgt spid="10"/>
+                                        </p:tgtEl>
+                                        <p:attrNameLst>
+                                          <p:attrName>ppt_y</p:attrName>
+                                        </p:attrNameLst>
+                                      </p:cBhvr>
+                                      <p:tavLst>
+                                        <p:tav tm="0">
+                                          <p:val>
+                                            <p:strVal val="1+#ppt_h/2"/>
+                                          </p:val>
+                                        </p:tav>
+                                        <p:tav tm="100000">
+                                          <p:val>
+                                            <p:strVal val="#ppt_y"/>
+                                          </p:val>
+                                        </p:tav>
+                                      </p:tavLst>
+                                    </p:anim>
+                                  </p:childTnLst>
+                                </p:cTn>
+                              </p:par>
+                            </p:childTnLst>
+                          </p:cTn>
+                        </p:par>
+                      </p:childTnLst>
+                    </p:cTn>
+                  </p:par>
+                </p:childTnLst>
+              </p:cTn>
+              <p:prevCondLst>
+                <p:cond evt="onPrev" delay="0">
+                  <p:tgtEl>
+                    <p:sldTgt/>
+                  </p:tgtEl>
+                </p:cond>
+              </p:prevCondLst>
+              <p:nextCondLst>
+                <p:cond evt="onNext" delay="0">
+                  <p:tgtEl>
+                    <p:sldTgt/>
+                  </p:tgtEl>
+                </p:cond>
+              </p:nextCondLst>
+            </p:seq>
+          </p:childTnLst>
+        </p:cTn>
+      </p:par>
+    </p:tnLst>
+    <p:bldLst>
+      <p:bldP spid="11" grpId="0" animBg="1"/>
+      <p:bldP spid="12" grpId="0" animBg="1"/>
+      <p:bldP spid="13" grpId="0" animBg="1"/>
+      <p:bldP spid="16" grpId="0"/>
+      <p:bldP spid="25" grpId="0" animBg="1"/>
+      <p:bldP spid="26" grpId="0" animBg="1"/>
+      <p:bldP spid="27" grpId="0" animBg="1"/>
+      <p:bldP spid="34" grpId="0"/>
+      <p:bldP spid="38" grpId="0" animBg="1"/>
+      <p:bldP spid="39" grpId="0" animBg="1"/>
+      <p:bldP spid="46" grpId="0" animBg="1"/>
+      <p:bldP spid="51" grpId="0"/>
+      <p:bldP spid="2" grpId="0" animBg="1"/>
+      <p:bldP spid="3" grpId="0"/>
+      <p:bldP spid="8" grpId="0" animBg="1"/>
+      <p:bldP spid="9" grpId="0"/>
+      <p:bldP spid="10" grpId="0" animBg="1"/>
+    </p:bldLst>
+  </p:timing>
+</p:sld>
+</file>
+
+<file path=ppt/slides/slide13.xml><?xml version="1.0" encoding="utf-8"?>
+<p:sld xmlns:a="http://schemas.openxmlformats.org/drawingml/2006/main" xmlns:r="http://schemas.openxmlformats.org/officeDocument/2006/relationships" xmlns:p="http://schemas.openxmlformats.org/presentationml/2006/main">
+  <p:cSld>
+    <p:spTree>
+      <p:nvGrpSpPr>
+        <p:cNvPr id="1" name=""/>
+        <p:cNvGrpSpPr/>
+        <p:nvPr/>
+      </p:nvGrpSpPr>
+      <p:grpSpPr>
+        <a:xfrm>
+          <a:off x="0" y="0"/>
+          <a:ext cx="0" cy="0"/>
+          <a:chOff x="0" y="0"/>
+          <a:chExt cx="0" cy="0"/>
+        </a:xfrm>
+      </p:grpSpPr>
+      <p:sp>
+        <p:nvSpPr>
+          <p:cNvPr id="2" name="Title 1"/>
+          <p:cNvSpPr>
+            <a:spLocks noGrp="1"/>
+          </p:cNvSpPr>
+          <p:nvPr>
+            <p:ph type="title"/>
+          </p:nvPr>
+        </p:nvSpPr>
+        <p:spPr/>
+        <p:txBody>
+          <a:bodyPr/>
+          <a:lstStyle/>
+          <a:p>
+            <a:r>
+              <a:rPr lang="en-US" dirty="0" smtClean="0"/>
+              <a:t>Merging</a:t>
+            </a:r>
+            <a:endParaRPr lang="en-US" dirty="0"/>
+          </a:p>
+        </p:txBody>
+      </p:sp>
+      <p:sp>
+        <p:nvSpPr>
+          <p:cNvPr id="3" name="Content Placeholder 2"/>
+          <p:cNvSpPr>
+            <a:spLocks noGrp="1"/>
+          </p:cNvSpPr>
+          <p:nvPr>
+            <p:ph idx="1"/>
+          </p:nvPr>
+        </p:nvSpPr>
+        <p:spPr/>
+        <p:txBody>
+          <a:bodyPr>
+            <a:normAutofit/>
+          </a:bodyPr>
+          <a:lstStyle/>
+          <a:p>
+            <a:r>
+              <a:rPr lang="en-US" dirty="0" smtClean="0"/>
+              <a:t>Integrate your changes</a:t>
+            </a:r>
+          </a:p>
+          <a:p>
+            <a:pPr lvl="1"/>
+            <a:r>
+              <a:rPr lang="en-US" dirty="0" smtClean="0"/>
+              <a:t>Run your tests, make sure the changes are what you want</a:t>
+            </a:r>
+          </a:p>
+          <a:p>
+            <a:pPr lvl="1"/>
+            <a:r>
+              <a:rPr lang="en-US" dirty="0" smtClean="0"/>
+              <a:t>Merge your changes into the branch </a:t>
+            </a:r>
+          </a:p>
+          <a:p>
+            <a:pPr lvl="2"/>
+            <a:r>
+              <a:rPr lang="en-US" dirty="0" smtClean="0"/>
+              <a:t>$</a:t>
+            </a:r>
+            <a:r>
+              <a:rPr lang="en-US" dirty="0" err="1" smtClean="0"/>
+              <a:t>git</a:t>
+            </a:r>
+            <a:r>
+              <a:rPr lang="en-US" dirty="0" smtClean="0"/>
+              <a:t> </a:t>
+            </a:r>
+            <a:r>
+              <a:rPr lang="en-US" dirty="0"/>
+              <a:t>checkout </a:t>
+            </a:r>
+            <a:r>
+              <a:rPr lang="en-US" dirty="0" smtClean="0"/>
+              <a:t>master</a:t>
+            </a:r>
+          </a:p>
+          <a:p>
+            <a:pPr lvl="2"/>
+            <a:r>
+              <a:rPr lang="en-US" dirty="0" smtClean="0"/>
+              <a:t>$</a:t>
+            </a:r>
+            <a:r>
+              <a:rPr lang="en-US" dirty="0" err="1" smtClean="0"/>
+              <a:t>git</a:t>
+            </a:r>
+            <a:r>
+              <a:rPr lang="en-US" dirty="0" smtClean="0"/>
+              <a:t> merge hotfix</a:t>
+            </a:r>
+            <a:endParaRPr lang="en-US" dirty="0"/>
+          </a:p>
+        </p:txBody>
+      </p:sp>
+      <p:sp>
+        <p:nvSpPr>
+          <p:cNvPr id="4" name="Footer Placeholder 3"/>
+          <p:cNvSpPr>
+            <a:spLocks noGrp="1"/>
+          </p:cNvSpPr>
+          <p:nvPr>
+            <p:ph type="ftr" sz="quarter" idx="11"/>
+          </p:nvPr>
+        </p:nvSpPr>
+        <p:spPr/>
+        <p:txBody>
+          <a:bodyPr/>
+          <a:lstStyle/>
+          <a:p>
+            <a:r>
+              <a:rPr lang="en-US" smtClean="0"/>
+              <a:t>AXP Internal</a:t>
+            </a:r>
+            <a:endParaRPr lang="en-US"/>
+          </a:p>
+        </p:txBody>
+      </p:sp>
+      <p:sp>
+        <p:nvSpPr>
+          <p:cNvPr id="5" name="Date Placeholder 4"/>
+          <p:cNvSpPr>
+            <a:spLocks noGrp="1"/>
+          </p:cNvSpPr>
+          <p:nvPr>
+            <p:ph type="dt" sz="half" idx="10"/>
+          </p:nvPr>
+        </p:nvSpPr>
+        <p:spPr/>
+        <p:txBody>
+          <a:bodyPr/>
+          <a:lstStyle/>
+          <a:p>
+            <a:fld id="{2B8BEECD-4B21-462C-9B09-100402A87977}" type="datetime5">
+              <a:rPr lang="en-US" smtClean="0"/>
+              <a:t>26-Oct-18</a:t>
+            </a:fld>
+            <a:endParaRPr lang="en-US"/>
+          </a:p>
+        </p:txBody>
+      </p:sp>
+      <p:sp>
+        <p:nvSpPr>
+          <p:cNvPr id="6" name="Slide Number Placeholder 5"/>
+          <p:cNvSpPr>
+            <a:spLocks noGrp="1"/>
+          </p:cNvSpPr>
+          <p:nvPr>
+            <p:ph type="sldNum" sz="quarter" idx="12"/>
+          </p:nvPr>
+        </p:nvSpPr>
+        <p:spPr/>
+        <p:txBody>
+          <a:bodyPr/>
+          <a:lstStyle/>
+          <a:p>
+            <a:fld id="{B4829C59-8948-1A4D-840C-AB343535AC28}" type="slidenum">
+              <a:rPr lang="en-US" smtClean="0"/>
+              <a:t>13</a:t>
+            </a:fld>
+            <a:endParaRPr lang="en-US"/>
+          </a:p>
+        </p:txBody>
+      </p:sp>
+    </p:spTree>
+    <p:extLst>
+      <p:ext uri="{BB962C8B-B14F-4D97-AF65-F5344CB8AC3E}">
+        <p14:creationId xmlns:p14="http://schemas.microsoft.com/office/powerpoint/2010/main" val="3464525056"/>
+      </p:ext>
+    </p:extLst>
+  </p:cSld>
+  <p:clrMapOvr>
+    <a:masterClrMapping/>
+  </p:clrMapOvr>
+  <p:timing>
+    <p:tnLst>
+      <p:par>
+        <p:cTn id="1" dur="indefinite" restart="never" nodeType="tmRoot"/>
+      </p:par>
+    </p:tnLst>
+  </p:timing>
+</p:sld>
+</file>
+
+<file path=ppt/slides/slide14.xml><?xml version="1.0" encoding="utf-8"?>
+<p:sld xmlns:a="http://schemas.openxmlformats.org/drawingml/2006/main" xmlns:r="http://schemas.openxmlformats.org/officeDocument/2006/relationships" xmlns:p="http://schemas.openxmlformats.org/presentationml/2006/main">
+  <p:cSld>
+    <p:spTree>
+      <p:nvGrpSpPr>
+        <p:cNvPr id="1" name=""/>
+        <p:cNvGrpSpPr/>
+        <p:nvPr/>
+      </p:nvGrpSpPr>
+      <p:grpSpPr>
+        <a:xfrm>
+          <a:off x="0" y="0"/>
+          <a:ext cx="0" cy="0"/>
+          <a:chOff x="0" y="0"/>
+          <a:chExt cx="0" cy="0"/>
+        </a:xfrm>
+      </p:grpSpPr>
+      <p:sp>
+        <p:nvSpPr>
           <p:cNvPr id="2" name="Date Placeholder 1"/>
           <p:cNvSpPr>
             <a:spLocks noGrp="1"/>
@@ -4013,7 +7828,7 @@
           <a:bodyPr/>
           <a:lstStyle/>
           <a:p>
-            <a:fld id="{B9C67563-4340-4012-B62C-7B57DCF1E2AE}" type="datetime5">
+            <a:fld id="{BD6387F4-94C3-46A7-8B1B-9ACC7CA30D7B}" type="datetime5">
               <a:rPr lang="en-US" smtClean="0"/>
               <a:t>26-Oct-18</a:t>
             </a:fld>
@@ -4061,7 +7876,7 @@
           <a:p>
             <a:fld id="{B4829C59-8948-1A4D-840C-AB343535AC28}" type="slidenum">
               <a:rPr lang="en-US" smtClean="0"/>
-              <a:t>11</a:t>
+              <a:t>14</a:t>
             </a:fld>
             <a:endParaRPr lang="en-US"/>
           </a:p>
@@ -4438,7 +8253,7 @@
             <a:fld id="{B4829C59-8948-1A4D-840C-AB343535AC28}" type="slidenum">
               <a:rPr lang="en-US" smtClean="0"/>
               <a:pPr/>
-              <a:t>11</a:t>
+              <a:t>14</a:t>
             </a:fld>
             <a:endParaRPr lang="en-US"/>
           </a:p>
@@ -7442,7 +11257,7 @@
 </p:sld>
 </file>
 
-<file path=ppt/slides/slide12.xml><?xml version="1.0" encoding="utf-8"?>
+<file path=ppt/slides/slide15.xml><?xml version="1.0" encoding="utf-8"?>
 <p:sld xmlns:a="http://schemas.openxmlformats.org/drawingml/2006/main" xmlns:r="http://schemas.openxmlformats.org/officeDocument/2006/relationships" xmlns:p="http://schemas.openxmlformats.org/presentationml/2006/main">
   <p:cSld>
     <p:spTree>
@@ -7578,7 +11393,7 @@
           <a:bodyPr/>
           <a:lstStyle/>
           <a:p>
-            <a:fld id="{15048057-3875-49A7-A918-9CED727A3255}" type="datetime5">
+            <a:fld id="{0C8DE76F-A389-4208-AD2B-328F0B9A8B66}" type="datetime5">
               <a:rPr lang="en-US" smtClean="0"/>
               <a:t>26-Oct-18</a:t>
             </a:fld>
@@ -7603,7 +11418,7 @@
           <a:p>
             <a:fld id="{B4829C59-8948-1A4D-840C-AB343535AC28}" type="slidenum">
               <a:rPr lang="en-US" smtClean="0"/>
-              <a:t>12</a:t>
+              <a:t>15</a:t>
             </a:fld>
             <a:endParaRPr lang="en-US"/>
           </a:p>
@@ -7629,7 +11444,7 @@
 </p:sld>
 </file>
 
-<file path=ppt/slides/slide13.xml><?xml version="1.0" encoding="utf-8"?>
+<file path=ppt/slides/slide16.xml><?xml version="1.0" encoding="utf-8"?>
 <p:sld xmlns:a="http://schemas.openxmlformats.org/drawingml/2006/main" xmlns:r="http://schemas.openxmlformats.org/officeDocument/2006/relationships" xmlns:p="http://schemas.openxmlformats.org/presentationml/2006/main">
   <p:cSld>
     <p:spTree>
@@ -7661,7 +11476,7 @@
           <a:bodyPr/>
           <a:lstStyle/>
           <a:p>
-            <a:fld id="{43D27C17-148F-4B43-9588-04FF7850ED19}" type="datetime5">
+            <a:fld id="{16A570F1-2D26-4FB2-8E43-B22F0B525A94}" type="datetime5">
               <a:rPr lang="en-US" smtClean="0"/>
               <a:t>26-Oct-18</a:t>
             </a:fld>
@@ -7709,7 +11524,7 @@
           <a:p>
             <a:fld id="{B4829C59-8948-1A4D-840C-AB343535AC28}" type="slidenum">
               <a:rPr lang="en-US" smtClean="0"/>
-              <a:t>13</a:t>
+              <a:t>16</a:t>
             </a:fld>
             <a:endParaRPr lang="en-US"/>
           </a:p>
@@ -10888,7 +14703,7 @@
 </p:sld>
 </file>
 
-<file path=ppt/slides/slide14.xml><?xml version="1.0" encoding="utf-8"?>
+<file path=ppt/slides/slide17.xml><?xml version="1.0" encoding="utf-8"?>
 <p:sld xmlns:a="http://schemas.openxmlformats.org/drawingml/2006/main" xmlns:r="http://schemas.openxmlformats.org/officeDocument/2006/relationships" xmlns:p="http://schemas.openxmlformats.org/presentationml/2006/main">
   <p:cSld>
     <p:spTree>
@@ -11021,7 +14836,7 @@
           <a:bodyPr/>
           <a:lstStyle/>
           <a:p>
-            <a:fld id="{8876F32E-B2E1-4D0D-9E46-CFB9858EF290}" type="datetime5">
+            <a:fld id="{8C7DF196-05F7-4921-97C5-D2092BEFEA77}" type="datetime5">
               <a:rPr lang="en-US" smtClean="0"/>
               <a:t>26-Oct-18</a:t>
             </a:fld>
@@ -11046,7 +14861,7 @@
           <a:p>
             <a:fld id="{B4829C59-8948-1A4D-840C-AB343535AC28}" type="slidenum">
               <a:rPr lang="en-US" smtClean="0"/>
-              <a:t>14</a:t>
+              <a:t>17</a:t>
             </a:fld>
             <a:endParaRPr lang="en-US"/>
           </a:p>
@@ -11072,7 +14887,7 @@
 </p:sld>
 </file>
 
-<file path=ppt/slides/slide15.xml><?xml version="1.0" encoding="utf-8"?>
+<file path=ppt/slides/slide18.xml><?xml version="1.0" encoding="utf-8"?>
 <p:sld xmlns:a="http://schemas.openxmlformats.org/drawingml/2006/main" xmlns:r="http://schemas.openxmlformats.org/officeDocument/2006/relationships" xmlns:p="http://schemas.openxmlformats.org/presentationml/2006/main">
   <p:cSld>
     <p:spTree>
@@ -11104,7 +14919,7 @@
           <a:bodyPr/>
           <a:lstStyle/>
           <a:p>
-            <a:fld id="{E9F1EBC8-ED50-495A-B052-8029F36573E9}" type="datetime5">
+            <a:fld id="{DAA9DD8B-8EB1-4B12-8642-974D49435B8E}" type="datetime5">
               <a:rPr lang="en-US" smtClean="0"/>
               <a:t>26-Oct-18</a:t>
             </a:fld>
@@ -11152,7 +14967,7 @@
           <a:p>
             <a:fld id="{B4829C59-8948-1A4D-840C-AB343535AC28}" type="slidenum">
               <a:rPr lang="en-US" smtClean="0"/>
-              <a:t>15</a:t>
+              <a:t>18</a:t>
             </a:fld>
             <a:endParaRPr lang="en-US"/>
           </a:p>
@@ -11822,11 +15637,7 @@
           <a:p>
             <a:r>
               <a:rPr lang="en-US" dirty="0" smtClean="0"/>
-              <a:t>F</a:t>
-            </a:r>
-            <a:r>
-              <a:rPr lang="en-US" dirty="0" smtClean="0"/>
-              <a:t>eature-1</a:t>
+              <a:t>Feature-1</a:t>
             </a:r>
             <a:endParaRPr lang="en-US" dirty="0"/>
           </a:p>
@@ -12488,7 +16299,6 @@
               <a:rPr lang="en-US" dirty="0"/>
               <a:t>Feature</a:t>
             </a:r>
-            <a:endParaRPr lang="en-US" dirty="0"/>
           </a:p>
         </p:txBody>
       </p:sp>
@@ -12656,15 +16466,7 @@
                   <a:schemeClr val="tx1"/>
                 </a:solidFill>
               </a:rPr>
-              <a:t>Tag </a:t>
-            </a:r>
-            <a:r>
-              <a:rPr lang="en-US" sz="1000" dirty="0" smtClean="0">
-                <a:solidFill>
-                  <a:schemeClr val="tx1"/>
-                </a:solidFill>
-              </a:rPr>
-              <a:t>1.3</a:t>
+              <a:t>Tag 1.3</a:t>
             </a:r>
             <a:endParaRPr lang="en-US" sz="1000" dirty="0">
               <a:solidFill>
@@ -15522,7 +19324,7 @@
 </p:sld>
 </file>
 
-<file path=ppt/slides/slide16.xml><?xml version="1.0" encoding="utf-8"?>
+<file path=ppt/slides/slide19.xml><?xml version="1.0" encoding="utf-8"?>
 <p:sld xmlns:a="http://schemas.openxmlformats.org/drawingml/2006/main" xmlns:r="http://schemas.openxmlformats.org/officeDocument/2006/relationships" xmlns:p="http://schemas.openxmlformats.org/presentationml/2006/main">
   <p:cSld>
     <p:spTree>
@@ -15637,7 +19439,7 @@
           <a:bodyPr/>
           <a:lstStyle/>
           <a:p>
-            <a:fld id="{38BF52FC-4E93-447D-8554-BB31689BABDD}" type="datetime5">
+            <a:fld id="{FBE31F9E-853D-4CE7-942D-DE8DD0F8B1C1}" type="datetime5">
               <a:rPr lang="en-US" smtClean="0"/>
               <a:t>26-Oct-18</a:t>
             </a:fld>
@@ -15662,7 +19464,7 @@
           <a:p>
             <a:fld id="{B4829C59-8948-1A4D-840C-AB343535AC28}" type="slidenum">
               <a:rPr lang="en-US" smtClean="0"/>
-              <a:t>16</a:t>
+              <a:t>19</a:t>
             </a:fld>
             <a:endParaRPr lang="en-US"/>
           </a:p>
@@ -15688,7 +19490,238 @@
 </p:sld>
 </file>
 
-<file path=ppt/slides/slide17.xml><?xml version="1.0" encoding="utf-8"?>
+<file path=ppt/slides/slide2.xml><?xml version="1.0" encoding="utf-8"?>
+<p:sld xmlns:a="http://schemas.openxmlformats.org/drawingml/2006/main" xmlns:r="http://schemas.openxmlformats.org/officeDocument/2006/relationships" xmlns:p="http://schemas.openxmlformats.org/presentationml/2006/main">
+  <p:cSld>
+    <p:spTree>
+      <p:nvGrpSpPr>
+        <p:cNvPr id="1" name=""/>
+        <p:cNvGrpSpPr/>
+        <p:nvPr/>
+      </p:nvGrpSpPr>
+      <p:grpSpPr>
+        <a:xfrm>
+          <a:off x="0" y="0"/>
+          <a:ext cx="0" cy="0"/>
+          <a:chOff x="0" y="0"/>
+          <a:chExt cx="0" cy="0"/>
+        </a:xfrm>
+      </p:grpSpPr>
+      <p:sp>
+        <p:nvSpPr>
+          <p:cNvPr id="2" name="Title 1"/>
+          <p:cNvSpPr>
+            <a:spLocks noGrp="1"/>
+          </p:cNvSpPr>
+          <p:nvPr>
+            <p:ph type="title"/>
+          </p:nvPr>
+        </p:nvSpPr>
+        <p:spPr/>
+        <p:txBody>
+          <a:bodyPr/>
+          <a:lstStyle/>
+          <a:p>
+            <a:r>
+              <a:rPr lang="en-US" dirty="0" smtClean="0"/>
+              <a:t>Without Branching</a:t>
+            </a:r>
+            <a:endParaRPr lang="en-US" dirty="0"/>
+          </a:p>
+        </p:txBody>
+      </p:sp>
+      <p:sp>
+        <p:nvSpPr>
+          <p:cNvPr id="3" name="Content Placeholder 2"/>
+          <p:cNvSpPr>
+            <a:spLocks noGrp="1"/>
+          </p:cNvSpPr>
+          <p:nvPr>
+            <p:ph idx="1"/>
+          </p:nvPr>
+        </p:nvSpPr>
+        <p:spPr>
+          <a:xfrm>
+            <a:off x="457200" y="1600201"/>
+            <a:ext cx="8229600" cy="4544260"/>
+          </a:xfrm>
+        </p:spPr>
+        <p:txBody>
+          <a:bodyPr>
+            <a:normAutofit/>
+          </a:bodyPr>
+          <a:lstStyle/>
+          <a:p>
+            <a:r>
+              <a:rPr lang="en-US" dirty="0" smtClean="0"/>
+              <a:t>All team member push to master</a:t>
+            </a:r>
+          </a:p>
+          <a:p>
+            <a:pPr lvl="1"/>
+            <a:r>
+              <a:rPr lang="en-US" dirty="0"/>
+              <a:t>If there are </a:t>
+            </a:r>
+            <a:r>
+              <a:rPr lang="en-US" dirty="0" smtClean="0"/>
+              <a:t>many </a:t>
+            </a:r>
+            <a:r>
+              <a:rPr lang="en-US" dirty="0"/>
+              <a:t>developers with different tasks on the same codebase</a:t>
+            </a:r>
+            <a:r>
+              <a:rPr lang="en-US" dirty="0" smtClean="0"/>
+              <a:t>?</a:t>
+            </a:r>
+          </a:p>
+          <a:p>
+            <a:r>
+              <a:rPr lang="en-US" dirty="0" smtClean="0"/>
+              <a:t>Someone </a:t>
+            </a:r>
+            <a:r>
+              <a:rPr lang="en-US" dirty="0"/>
+              <a:t>pushes code with errors</a:t>
+            </a:r>
+          </a:p>
+          <a:p>
+            <a:pPr lvl="1"/>
+            <a:r>
+              <a:rPr lang="en-US" dirty="0" smtClean="0"/>
+              <a:t>Code breaks, why?- </a:t>
+            </a:r>
+            <a:r>
+              <a:rPr lang="en-US" dirty="0"/>
+              <a:t>can be time </a:t>
+            </a:r>
+            <a:r>
+              <a:rPr lang="en-US" dirty="0" smtClean="0"/>
+              <a:t>consuming</a:t>
+            </a:r>
+          </a:p>
+          <a:p>
+            <a:pPr lvl="1"/>
+            <a:r>
+              <a:rPr lang="en-US" dirty="0" smtClean="0"/>
+              <a:t>Who </a:t>
+            </a:r>
+            <a:r>
+              <a:rPr lang="en-US" dirty="0"/>
+              <a:t>broke it</a:t>
+            </a:r>
+            <a:r>
+              <a:rPr lang="en-US" dirty="0" smtClean="0"/>
+              <a:t>?- </a:t>
+            </a:r>
+            <a:r>
+              <a:rPr lang="en-US" dirty="0"/>
+              <a:t>can be time consuming</a:t>
+            </a:r>
+          </a:p>
+          <a:p>
+            <a:pPr lvl="1"/>
+            <a:r>
+              <a:rPr lang="en-US" dirty="0"/>
+              <a:t>Everyone’s workflow halts and the search begins</a:t>
+            </a:r>
+          </a:p>
+          <a:p>
+            <a:endParaRPr lang="en-US" dirty="0"/>
+          </a:p>
+        </p:txBody>
+      </p:sp>
+      <p:sp>
+        <p:nvSpPr>
+          <p:cNvPr id="5" name="Footer Placeholder 4"/>
+          <p:cNvSpPr>
+            <a:spLocks noGrp="1"/>
+          </p:cNvSpPr>
+          <p:nvPr>
+            <p:ph type="ftr" sz="quarter" idx="11"/>
+          </p:nvPr>
+        </p:nvSpPr>
+        <p:spPr/>
+        <p:txBody>
+          <a:bodyPr/>
+          <a:lstStyle/>
+          <a:p>
+            <a:r>
+              <a:rPr lang="en-US" smtClean="0"/>
+              <a:t>AXP Internal</a:t>
+            </a:r>
+            <a:endParaRPr lang="en-US"/>
+          </a:p>
+        </p:txBody>
+      </p:sp>
+      <p:sp>
+        <p:nvSpPr>
+          <p:cNvPr id="6" name="Date Placeholder 5"/>
+          <p:cNvSpPr>
+            <a:spLocks noGrp="1"/>
+          </p:cNvSpPr>
+          <p:nvPr>
+            <p:ph type="dt" sz="half" idx="10"/>
+          </p:nvPr>
+        </p:nvSpPr>
+        <p:spPr/>
+        <p:txBody>
+          <a:bodyPr/>
+          <a:lstStyle/>
+          <a:p>
+            <a:fld id="{3AB5E24E-394E-49C0-A9F1-50B0578F64EF}" type="datetime5">
+              <a:rPr lang="en-US" smtClean="0"/>
+              <a:t>26-Oct-18</a:t>
+            </a:fld>
+            <a:endParaRPr lang="en-US"/>
+          </a:p>
+        </p:txBody>
+      </p:sp>
+      <p:sp>
+        <p:nvSpPr>
+          <p:cNvPr id="7" name="Slide Number Placeholder 6"/>
+          <p:cNvSpPr>
+            <a:spLocks noGrp="1"/>
+          </p:cNvSpPr>
+          <p:nvPr>
+            <p:ph type="sldNum" sz="quarter" idx="12"/>
+          </p:nvPr>
+        </p:nvSpPr>
+        <p:spPr/>
+        <p:txBody>
+          <a:bodyPr/>
+          <a:lstStyle/>
+          <a:p>
+            <a:fld id="{B4829C59-8948-1A4D-840C-AB343535AC28}" type="slidenum">
+              <a:rPr lang="en-US" smtClean="0"/>
+              <a:t>2</a:t>
+            </a:fld>
+            <a:endParaRPr lang="en-US"/>
+          </a:p>
+        </p:txBody>
+      </p:sp>
+    </p:spTree>
+    <p:extLst>
+      <p:ext uri="{BB962C8B-B14F-4D97-AF65-F5344CB8AC3E}">
+        <p14:creationId xmlns:p14="http://schemas.microsoft.com/office/powerpoint/2010/main" val="1396879765"/>
+      </p:ext>
+    </p:extLst>
+  </p:cSld>
+  <p:clrMapOvr>
+    <a:masterClrMapping/>
+  </p:clrMapOvr>
+  <p:timing>
+    <p:tnLst>
+      <p:par>
+        <p:cTn id="1" dur="indefinite" restart="never" nodeType="tmRoot"/>
+      </p:par>
+    </p:tnLst>
+  </p:timing>
+</p:sld>
+</file>
+
+<file path=ppt/slides/slide20.xml><?xml version="1.0" encoding="utf-8"?>
 <p:sld xmlns:a="http://schemas.openxmlformats.org/drawingml/2006/main" xmlns:r="http://schemas.openxmlformats.org/officeDocument/2006/relationships" xmlns:p="http://schemas.openxmlformats.org/presentationml/2006/main">
   <p:cSld>
     <p:spTree>
@@ -15769,7 +19802,7 @@
           <a:bodyPr/>
           <a:lstStyle/>
           <a:p>
-            <a:fld id="{44EBD3B7-15AA-4169-880C-18AA243D48FF}" type="datetime5">
+            <a:fld id="{CE8C70A1-FB05-4F99-8BD8-04211F9DF84B}" type="datetime5">
               <a:rPr lang="en-US" smtClean="0"/>
               <a:t>26-Oct-18</a:t>
             </a:fld>
@@ -15794,7 +19827,7 @@
           <a:p>
             <a:fld id="{B4829C59-8948-1A4D-840C-AB343535AC28}" type="slidenum">
               <a:rPr lang="en-US" smtClean="0"/>
-              <a:t>17</a:t>
+              <a:t>20</a:t>
             </a:fld>
             <a:endParaRPr lang="en-US"/>
           </a:p>
@@ -15804,237 +19837,6 @@
     <p:extLst>
       <p:ext uri="{BB962C8B-B14F-4D97-AF65-F5344CB8AC3E}">
         <p14:creationId xmlns:p14="http://schemas.microsoft.com/office/powerpoint/2010/main" val="3274473585"/>
-      </p:ext>
-    </p:extLst>
-  </p:cSld>
-  <p:clrMapOvr>
-    <a:masterClrMapping/>
-  </p:clrMapOvr>
-  <p:timing>
-    <p:tnLst>
-      <p:par>
-        <p:cTn id="1" dur="indefinite" restart="never" nodeType="tmRoot"/>
-      </p:par>
-    </p:tnLst>
-  </p:timing>
-</p:sld>
-</file>
-
-<file path=ppt/slides/slide2.xml><?xml version="1.0" encoding="utf-8"?>
-<p:sld xmlns:a="http://schemas.openxmlformats.org/drawingml/2006/main" xmlns:r="http://schemas.openxmlformats.org/officeDocument/2006/relationships" xmlns:p="http://schemas.openxmlformats.org/presentationml/2006/main">
-  <p:cSld>
-    <p:spTree>
-      <p:nvGrpSpPr>
-        <p:cNvPr id="1" name=""/>
-        <p:cNvGrpSpPr/>
-        <p:nvPr/>
-      </p:nvGrpSpPr>
-      <p:grpSpPr>
-        <a:xfrm>
-          <a:off x="0" y="0"/>
-          <a:ext cx="0" cy="0"/>
-          <a:chOff x="0" y="0"/>
-          <a:chExt cx="0" cy="0"/>
-        </a:xfrm>
-      </p:grpSpPr>
-      <p:sp>
-        <p:nvSpPr>
-          <p:cNvPr id="2" name="Title 1"/>
-          <p:cNvSpPr>
-            <a:spLocks noGrp="1"/>
-          </p:cNvSpPr>
-          <p:nvPr>
-            <p:ph type="title"/>
-          </p:nvPr>
-        </p:nvSpPr>
-        <p:spPr/>
-        <p:txBody>
-          <a:bodyPr/>
-          <a:lstStyle/>
-          <a:p>
-            <a:r>
-              <a:rPr lang="en-US" dirty="0" smtClean="0"/>
-              <a:t>Without Branching</a:t>
-            </a:r>
-            <a:endParaRPr lang="en-US" dirty="0"/>
-          </a:p>
-        </p:txBody>
-      </p:sp>
-      <p:sp>
-        <p:nvSpPr>
-          <p:cNvPr id="3" name="Content Placeholder 2"/>
-          <p:cNvSpPr>
-            <a:spLocks noGrp="1"/>
-          </p:cNvSpPr>
-          <p:nvPr>
-            <p:ph idx="1"/>
-          </p:nvPr>
-        </p:nvSpPr>
-        <p:spPr>
-          <a:xfrm>
-            <a:off x="457200" y="1600201"/>
-            <a:ext cx="8229600" cy="4544260"/>
-          </a:xfrm>
-        </p:spPr>
-        <p:txBody>
-          <a:bodyPr>
-            <a:normAutofit/>
-          </a:bodyPr>
-          <a:lstStyle/>
-          <a:p>
-            <a:r>
-              <a:rPr lang="en-US" dirty="0" smtClean="0"/>
-              <a:t>All team member push to master</a:t>
-            </a:r>
-          </a:p>
-          <a:p>
-            <a:pPr lvl="1"/>
-            <a:r>
-              <a:rPr lang="en-US" dirty="0"/>
-              <a:t>If there are </a:t>
-            </a:r>
-            <a:r>
-              <a:rPr lang="en-US" dirty="0" smtClean="0"/>
-              <a:t>many </a:t>
-            </a:r>
-            <a:r>
-              <a:rPr lang="en-US" dirty="0"/>
-              <a:t>developers with different tasks on the same codebase</a:t>
-            </a:r>
-            <a:r>
-              <a:rPr lang="en-US" dirty="0" smtClean="0"/>
-              <a:t>?</a:t>
-            </a:r>
-          </a:p>
-          <a:p>
-            <a:r>
-              <a:rPr lang="en-US" dirty="0" smtClean="0"/>
-              <a:t>Someone </a:t>
-            </a:r>
-            <a:r>
-              <a:rPr lang="en-US" dirty="0"/>
-              <a:t>pushes code with errors</a:t>
-            </a:r>
-          </a:p>
-          <a:p>
-            <a:pPr lvl="1"/>
-            <a:r>
-              <a:rPr lang="en-US" dirty="0" smtClean="0"/>
-              <a:t>Code breaks, why?- </a:t>
-            </a:r>
-            <a:r>
-              <a:rPr lang="en-US" dirty="0"/>
-              <a:t>can be time </a:t>
-            </a:r>
-            <a:r>
-              <a:rPr lang="en-US" dirty="0" smtClean="0"/>
-              <a:t>consuming</a:t>
-            </a:r>
-          </a:p>
-          <a:p>
-            <a:pPr lvl="1"/>
-            <a:r>
-              <a:rPr lang="en-US" dirty="0" smtClean="0"/>
-              <a:t>Who </a:t>
-            </a:r>
-            <a:r>
-              <a:rPr lang="en-US" dirty="0"/>
-              <a:t>broke it</a:t>
-            </a:r>
-            <a:r>
-              <a:rPr lang="en-US" dirty="0" smtClean="0"/>
-              <a:t>?- </a:t>
-            </a:r>
-            <a:r>
-              <a:rPr lang="en-US" dirty="0"/>
-              <a:t>can be time consuming</a:t>
-            </a:r>
-          </a:p>
-          <a:p>
-            <a:pPr lvl="1"/>
-            <a:r>
-              <a:rPr lang="en-US" dirty="0"/>
-              <a:t>Everyone’s workflow halts and the search begins</a:t>
-            </a:r>
-          </a:p>
-          <a:p>
-            <a:endParaRPr lang="en-US" dirty="0"/>
-          </a:p>
-        </p:txBody>
-      </p:sp>
-      <p:sp>
-        <p:nvSpPr>
-          <p:cNvPr id="5" name="Footer Placeholder 4"/>
-          <p:cNvSpPr>
-            <a:spLocks noGrp="1"/>
-          </p:cNvSpPr>
-          <p:nvPr>
-            <p:ph type="ftr" sz="quarter" idx="11"/>
-          </p:nvPr>
-        </p:nvSpPr>
-        <p:spPr/>
-        <p:txBody>
-          <a:bodyPr/>
-          <a:lstStyle/>
-          <a:p>
-            <a:r>
-              <a:rPr lang="en-US" smtClean="0"/>
-              <a:t>AXP Internal</a:t>
-            </a:r>
-            <a:endParaRPr lang="en-US"/>
-          </a:p>
-        </p:txBody>
-      </p:sp>
-      <p:sp>
-        <p:nvSpPr>
-          <p:cNvPr id="6" name="Date Placeholder 5"/>
-          <p:cNvSpPr>
-            <a:spLocks noGrp="1"/>
-          </p:cNvSpPr>
-          <p:nvPr>
-            <p:ph type="dt" sz="half" idx="10"/>
-          </p:nvPr>
-        </p:nvSpPr>
-        <p:spPr/>
-        <p:txBody>
-          <a:bodyPr/>
-          <a:lstStyle/>
-          <a:p>
-            <a:fld id="{732A87AA-52CD-4FA1-81B5-04FA3F91EEC7}" type="datetime5">
-              <a:rPr lang="en-US" smtClean="0"/>
-              <a:t>26-Oct-18</a:t>
-            </a:fld>
-            <a:endParaRPr lang="en-US"/>
-          </a:p>
-        </p:txBody>
-      </p:sp>
-      <p:sp>
-        <p:nvSpPr>
-          <p:cNvPr id="7" name="Slide Number Placeholder 6"/>
-          <p:cNvSpPr>
-            <a:spLocks noGrp="1"/>
-          </p:cNvSpPr>
-          <p:nvPr>
-            <p:ph type="sldNum" sz="quarter" idx="12"/>
-          </p:nvPr>
-        </p:nvSpPr>
-        <p:spPr/>
-        <p:txBody>
-          <a:bodyPr/>
-          <a:lstStyle/>
-          <a:p>
-            <a:fld id="{B4829C59-8948-1A4D-840C-AB343535AC28}" type="slidenum">
-              <a:rPr lang="en-US" smtClean="0"/>
-              <a:t>2</a:t>
-            </a:fld>
-            <a:endParaRPr lang="en-US"/>
-          </a:p>
-        </p:txBody>
-      </p:sp>
-    </p:spTree>
-    <p:extLst>
-      <p:ext uri="{BB962C8B-B14F-4D97-AF65-F5344CB8AC3E}">
-        <p14:creationId xmlns:p14="http://schemas.microsoft.com/office/powerpoint/2010/main" val="1396879765"/>
       </p:ext>
     </p:extLst>
   </p:cSld>
@@ -16114,23 +19916,13 @@
               <a:rPr lang="en-US" dirty="0" smtClean="0"/>
               <a:t>independently</a:t>
             </a:r>
-            <a:endParaRPr lang="en-US" dirty="0" smtClean="0"/>
           </a:p>
           <a:p>
             <a:pPr lvl="1"/>
             <a:r>
               <a:rPr lang="en-US" dirty="0" smtClean="0"/>
-              <a:t>A </a:t>
-            </a:r>
-            <a:r>
-              <a:rPr lang="en-US" dirty="0" smtClean="0"/>
-              <a:t>way to write code without affecting the rest of your </a:t>
-            </a:r>
-            <a:r>
-              <a:rPr lang="en-US" dirty="0" smtClean="0"/>
-              <a:t>team</a:t>
-            </a:r>
-            <a:endParaRPr lang="en-US" dirty="0" smtClean="0"/>
+              <a:t>A way to write code without affecting the rest of your team</a:t>
+            </a:r>
           </a:p>
           <a:p>
             <a:pPr lvl="1"/>
@@ -16210,7 +20002,7 @@
           <a:bodyPr/>
           <a:lstStyle/>
           <a:p>
-            <a:fld id="{52099B40-7B58-4E0D-AC0D-1E527BC454C6}" type="datetime5">
+            <a:fld id="{515F60E8-B689-4E6D-B9D5-AB58C1342052}" type="datetime5">
               <a:rPr lang="en-US" smtClean="0"/>
               <a:t>26-Oct-18</a:t>
             </a:fld>
@@ -16295,7 +20087,15 @@
           <a:p>
             <a:r>
               <a:rPr lang="en-US" dirty="0" smtClean="0"/>
-              <a:t>Merging</a:t>
+              <a:t>The </a:t>
+            </a:r>
+            <a:r>
+              <a:rPr lang="en-US" dirty="0"/>
+              <a:t>different types of </a:t>
+            </a:r>
+            <a:r>
+              <a:rPr lang="en-US" dirty="0" smtClean="0"/>
+              <a:t>branches</a:t>
             </a:r>
             <a:endParaRPr lang="en-US" dirty="0"/>
           </a:p>
@@ -16311,77 +20111,89 @@
             <p:ph idx="1"/>
           </p:nvPr>
         </p:nvSpPr>
-        <p:spPr>
-          <a:xfrm>
-            <a:off x="457200" y="1600200"/>
-            <a:ext cx="8229600" cy="4800814"/>
-          </a:xfrm>
-        </p:spPr>
+        <p:spPr/>
         <p:txBody>
           <a:bodyPr>
-            <a:normAutofit/>
+            <a:normAutofit lnSpcReduction="10000"/>
           </a:bodyPr>
           <a:lstStyle/>
           <a:p>
             <a:r>
               <a:rPr lang="en-US" dirty="0" smtClean="0"/>
-              <a:t>Once the changes are complete and stable</a:t>
+              <a:t>Master</a:t>
             </a:r>
           </a:p>
           <a:p>
             <a:pPr lvl="1"/>
             <a:r>
+              <a:rPr lang="en-US" dirty="0"/>
+              <a:t>production </a:t>
+            </a:r>
+            <a:r>
               <a:rPr lang="en-US" dirty="0" smtClean="0"/>
-              <a:t>Merge the branch back to the codebase</a:t>
+              <a:t>releases</a:t>
             </a:r>
           </a:p>
           <a:p>
             <a:r>
               <a:rPr lang="en-US" dirty="0" smtClean="0"/>
-              <a:t>Typically:</a:t>
+              <a:t>Develop</a:t>
             </a:r>
           </a:p>
           <a:p>
             <a:pPr lvl="1"/>
             <a:r>
+              <a:rPr lang="en-US" dirty="0"/>
+              <a:t>integration </a:t>
+            </a:r>
+            <a:r>
               <a:rPr lang="en-US" dirty="0" smtClean="0"/>
-              <a:t>Initiate a pull request</a:t>
+              <a:t>branch</a:t>
+            </a:r>
+          </a:p>
+          <a:p>
+            <a:r>
+              <a:rPr lang="en-US" dirty="0"/>
+              <a:t>Release branches (release-</a:t>
+            </a:r>
+            <a:r>
+              <a:rPr lang="en-US" dirty="0" smtClean="0"/>
+              <a:t>*)</a:t>
             </a:r>
           </a:p>
           <a:p>
             <a:pPr lvl="1"/>
             <a:r>
               <a:rPr lang="en-US" dirty="0"/>
-              <a:t>P</a:t>
+              <a:t>for finalizing a major/minor release, branched from develop</a:t>
+            </a:r>
+          </a:p>
+          <a:p>
+            <a:pPr marL="228600" indent="-228600"/>
+            <a:r>
+              <a:rPr lang="en-US" dirty="0"/>
+              <a:t>Feature branches (feature-</a:t>
             </a:r>
             <a:r>
               <a:rPr lang="en-US" dirty="0" smtClean="0"/>
-              <a:t>erforms code reviews</a:t>
-            </a:r>
+              <a:t>*)</a:t>
+            </a:r>
+          </a:p>
+          <a:p>
+            <a:pPr marL="800100" lvl="1" indent="-342900"/>
+            <a:r>
+              <a:rPr lang="en-US" dirty="0" smtClean="0"/>
+              <a:t>for developing features, branched from develop</a:t>
+            </a:r>
+          </a:p>
+          <a:p>
+            <a:endParaRPr lang="en-US" dirty="0"/>
           </a:p>
           <a:p>
             <a:pPr lvl="1"/>
-            <a:r>
-              <a:rPr lang="en-US" dirty="0"/>
-              <a:t>M</a:t>
-            </a:r>
-            <a:r>
-              <a:rPr lang="en-US" dirty="0" smtClean="0"/>
-              <a:t>erge the code</a:t>
-            </a:r>
-          </a:p>
-          <a:p>
-            <a:r>
-              <a:rPr lang="en-US" dirty="0" smtClean="0"/>
-              <a:t>Conflict resolution can be time consuming</a:t>
-            </a:r>
-          </a:p>
-          <a:p>
-            <a:pPr lvl="1"/>
-            <a:r>
-              <a:rPr lang="en-US" dirty="0" smtClean="0"/>
-              <a:t>Helps to coordinate with your team and limit editing the same files</a:t>
-            </a:r>
+            <a:endParaRPr lang="en-US" dirty="0" smtClean="0"/>
+          </a:p>
+          <a:p>
             <a:endParaRPr lang="en-US" dirty="0"/>
           </a:p>
         </p:txBody>
@@ -16424,7 +20236,7 @@
           <a:bodyPr/>
           <a:lstStyle/>
           <a:p>
-            <a:fld id="{A7799EEC-F80C-4EEA-8705-21E28249A9DF}" type="datetime5">
+            <a:fld id="{A6C53EF7-4AF0-4030-8059-4B4B3CED1F28}" type="datetime5">
               <a:rPr lang="en-US" smtClean="0"/>
               <a:t>26-Oct-18</a:t>
             </a:fld>
@@ -16458,7 +20270,7 @@
     </p:spTree>
     <p:extLst>
       <p:ext uri="{BB962C8B-B14F-4D97-AF65-F5344CB8AC3E}">
-        <p14:creationId xmlns:p14="http://schemas.microsoft.com/office/powerpoint/2010/main" val="4124153210"/>
+        <p14:creationId xmlns:p14="http://schemas.microsoft.com/office/powerpoint/2010/main" val="4142221804"/>
       </p:ext>
     </p:extLst>
   </p:cSld>
@@ -16494,12 +20306,12 @@
       </p:grpSpPr>
       <p:sp>
         <p:nvSpPr>
-          <p:cNvPr id="2" name="Title 1"/>
+          <p:cNvPr id="2" name="Date Placeholder 1"/>
           <p:cNvSpPr>
             <a:spLocks noGrp="1"/>
           </p:cNvSpPr>
           <p:nvPr>
-            <p:ph type="title"/>
+            <p:ph type="dt" sz="half" idx="10"/>
           </p:nvPr>
         </p:nvSpPr>
         <p:spPr/>
@@ -16507,116 +20319,17 @@
           <a:bodyPr/>
           <a:lstStyle/>
           <a:p>
-            <a:r>
-              <a:rPr lang="en-US" dirty="0" smtClean="0"/>
-              <a:t>Branching in </a:t>
-            </a:r>
-            <a:r>
-              <a:rPr lang="en-US" dirty="0" err="1" smtClean="0"/>
-              <a:t>git</a:t>
-            </a:r>
-            <a:endParaRPr lang="en-US" dirty="0"/>
-          </a:p>
-        </p:txBody>
-      </p:sp>
-      <p:sp>
-        <p:nvSpPr>
-          <p:cNvPr id="3" name="Content Placeholder 2"/>
-          <p:cNvSpPr>
-            <a:spLocks noGrp="1"/>
-          </p:cNvSpPr>
-          <p:nvPr>
-            <p:ph idx="1"/>
-          </p:nvPr>
-        </p:nvSpPr>
-        <p:spPr/>
-        <p:txBody>
-          <a:bodyPr/>
-          <a:lstStyle/>
-          <a:p>
-            <a:r>
-              <a:rPr lang="en-US" dirty="0" smtClean="0"/>
-              <a:t>Creates </a:t>
-            </a:r>
-            <a:r>
-              <a:rPr lang="en-US" dirty="0" smtClean="0"/>
-              <a:t>branch off of current </a:t>
-            </a:r>
-            <a:r>
-              <a:rPr lang="en-US" dirty="0" smtClean="0"/>
-              <a:t>branch</a:t>
-            </a:r>
-          </a:p>
-          <a:p>
-            <a:pPr lvl="1"/>
-            <a:r>
-              <a:rPr lang="en-US" dirty="0" err="1"/>
-              <a:t>git</a:t>
-            </a:r>
-            <a:r>
-              <a:rPr lang="en-US" dirty="0"/>
-              <a:t> checkout –b &lt;</a:t>
-            </a:r>
-            <a:r>
-              <a:rPr lang="en-US" dirty="0" err="1"/>
-              <a:t>newBranchName</a:t>
-            </a:r>
-            <a:r>
-              <a:rPr lang="en-US" dirty="0"/>
-              <a:t>&gt;</a:t>
-            </a:r>
-            <a:endParaRPr lang="en-US" dirty="0" smtClean="0"/>
-          </a:p>
-          <a:p>
-            <a:pPr lvl="1"/>
-            <a:r>
-              <a:rPr lang="en-US" dirty="0" smtClean="0"/>
-              <a:t>Equivalent to:</a:t>
-            </a:r>
-          </a:p>
-          <a:p>
-            <a:pPr lvl="2"/>
-            <a:r>
-              <a:rPr lang="en-US" dirty="0" err="1" smtClean="0"/>
-              <a:t>git</a:t>
-            </a:r>
-            <a:r>
-              <a:rPr lang="en-US" dirty="0" smtClean="0"/>
-              <a:t> branch &lt;</a:t>
-            </a:r>
-            <a:r>
-              <a:rPr lang="en-US" dirty="0" err="1" smtClean="0"/>
-              <a:t>newBranchName</a:t>
-            </a:r>
-            <a:r>
-              <a:rPr lang="en-US" dirty="0" smtClean="0"/>
-              <a:t>&gt;</a:t>
-            </a:r>
-          </a:p>
-          <a:p>
-            <a:pPr lvl="2"/>
-            <a:r>
-              <a:rPr lang="en-US" dirty="0" err="1" smtClean="0"/>
-              <a:t>git</a:t>
-            </a:r>
-            <a:r>
-              <a:rPr lang="en-US" dirty="0" smtClean="0"/>
-              <a:t> checkout &lt;</a:t>
-            </a:r>
-            <a:r>
-              <a:rPr lang="en-US" dirty="0" err="1" smtClean="0"/>
-              <a:t>newBranchName</a:t>
-            </a:r>
-            <a:r>
-              <a:rPr lang="en-US" dirty="0" smtClean="0"/>
-              <a:t>&gt;</a:t>
-            </a:r>
-          </a:p>
-        </p:txBody>
-      </p:sp>
-      <p:sp>
-        <p:nvSpPr>
-          <p:cNvPr id="4" name="Footer Placeholder 3"/>
+            <a:fld id="{D854AF77-387C-422E-B50D-840EC96D59B8}" type="datetime5">
+              <a:rPr lang="en-US" smtClean="0"/>
+              <a:t>26-Oct-18</a:t>
+            </a:fld>
+            <a:endParaRPr lang="en-US"/>
+          </a:p>
+        </p:txBody>
+      </p:sp>
+      <p:sp>
+        <p:nvSpPr>
+          <p:cNvPr id="3" name="Footer Placeholder 2"/>
           <p:cNvSpPr>
             <a:spLocks noGrp="1"/>
           </p:cNvSpPr>
@@ -16639,30 +20352,7 @@
       </p:sp>
       <p:sp>
         <p:nvSpPr>
-          <p:cNvPr id="5" name="Date Placeholder 4"/>
-          <p:cNvSpPr>
-            <a:spLocks noGrp="1"/>
-          </p:cNvSpPr>
-          <p:nvPr>
-            <p:ph type="dt" sz="half" idx="10"/>
-          </p:nvPr>
-        </p:nvSpPr>
-        <p:spPr/>
-        <p:txBody>
-          <a:bodyPr/>
-          <a:lstStyle/>
-          <a:p>
-            <a:fld id="{8A2B6491-E676-48DF-8394-E7B24073791B}" type="datetime5">
-              <a:rPr lang="en-US" smtClean="0"/>
-              <a:t>26-Oct-18</a:t>
-            </a:fld>
-            <a:endParaRPr lang="en-US"/>
-          </a:p>
-        </p:txBody>
-      </p:sp>
-      <p:sp>
-        <p:nvSpPr>
-          <p:cNvPr id="6" name="Slide Number Placeholder 5"/>
+          <p:cNvPr id="4" name="Slide Number Placeholder 3"/>
           <p:cNvSpPr>
             <a:spLocks noGrp="1"/>
           </p:cNvSpPr>
@@ -16683,23 +20373,260 @@
           </a:p>
         </p:txBody>
       </p:sp>
+      <p:sp>
+        <p:nvSpPr>
+          <p:cNvPr id="6" name="Title 1"/>
+          <p:cNvSpPr txBox="1">
+            <a:spLocks/>
+          </p:cNvSpPr>
+          <p:nvPr/>
+        </p:nvSpPr>
+        <p:spPr>
+          <a:xfrm>
+            <a:off x="457200" y="274638"/>
+            <a:ext cx="8229600" cy="1143000"/>
+          </a:xfrm>
+          <a:prstGeom prst="rect">
+            <a:avLst/>
+          </a:prstGeom>
+        </p:spPr>
+        <p:txBody>
+          <a:bodyPr/>
+          <a:lstStyle>
+            <a:lvl1pPr algn="ctr" defTabSz="457200" rtl="0" eaLnBrk="1" latinLnBrk="0" hangingPunct="1">
+              <a:spcBef>
+                <a:spcPct val="0"/>
+              </a:spcBef>
+              <a:buNone/>
+              <a:defRPr sz="4400" kern="1200">
+                <a:solidFill>
+                  <a:schemeClr val="tx1"/>
+                </a:solidFill>
+                <a:latin typeface="+mj-lt"/>
+                <a:ea typeface="+mj-ea"/>
+                <a:cs typeface="+mj-cs"/>
+              </a:defRPr>
+            </a:lvl1pPr>
+          </a:lstStyle>
+          <a:p>
+            <a:r>
+              <a:rPr lang="en-US" dirty="0"/>
+              <a:t>Branch naming convention</a:t>
+            </a:r>
+          </a:p>
+        </p:txBody>
+      </p:sp>
+      <p:sp>
+        <p:nvSpPr>
+          <p:cNvPr id="7" name="Content Placeholder 2"/>
+          <p:cNvSpPr txBox="1">
+            <a:spLocks/>
+          </p:cNvSpPr>
+          <p:nvPr/>
+        </p:nvSpPr>
+        <p:spPr>
+          <a:xfrm>
+            <a:off x="457200" y="1600200"/>
+            <a:ext cx="8229600" cy="4525963"/>
+          </a:xfrm>
+          <a:prstGeom prst="rect">
+            <a:avLst/>
+          </a:prstGeom>
+        </p:spPr>
+        <p:txBody>
+          <a:bodyPr>
+            <a:normAutofit/>
+          </a:bodyPr>
+          <a:lstStyle>
+            <a:lvl1pPr marL="342900" indent="-342900" algn="l" defTabSz="457200" rtl="0" eaLnBrk="1" latinLnBrk="0" hangingPunct="1">
+              <a:spcBef>
+                <a:spcPct val="20000"/>
+              </a:spcBef>
+              <a:buFont typeface="Arial"/>
+              <a:buChar char="•"/>
+              <a:defRPr sz="3200" kern="1200">
+                <a:solidFill>
+                  <a:schemeClr val="tx1"/>
+                </a:solidFill>
+                <a:latin typeface="+mn-lt"/>
+                <a:ea typeface="+mn-ea"/>
+                <a:cs typeface="+mn-cs"/>
+              </a:defRPr>
+            </a:lvl1pPr>
+            <a:lvl2pPr marL="742950" indent="-285750" algn="l" defTabSz="457200" rtl="0" eaLnBrk="1" latinLnBrk="0" hangingPunct="1">
+              <a:spcBef>
+                <a:spcPct val="20000"/>
+              </a:spcBef>
+              <a:buFont typeface="Arial"/>
+              <a:buChar char="–"/>
+              <a:defRPr sz="2800" kern="1200">
+                <a:solidFill>
+                  <a:schemeClr val="tx1"/>
+                </a:solidFill>
+                <a:latin typeface="+mn-lt"/>
+                <a:ea typeface="+mn-ea"/>
+                <a:cs typeface="+mn-cs"/>
+              </a:defRPr>
+            </a:lvl2pPr>
+            <a:lvl3pPr marL="1143000" indent="-228600" algn="l" defTabSz="457200" rtl="0" eaLnBrk="1" latinLnBrk="0" hangingPunct="1">
+              <a:spcBef>
+                <a:spcPct val="20000"/>
+              </a:spcBef>
+              <a:buFont typeface="Arial"/>
+              <a:buChar char="•"/>
+              <a:defRPr sz="2400" kern="1200">
+                <a:solidFill>
+                  <a:schemeClr val="tx1"/>
+                </a:solidFill>
+                <a:latin typeface="+mn-lt"/>
+                <a:ea typeface="+mn-ea"/>
+                <a:cs typeface="+mn-cs"/>
+              </a:defRPr>
+            </a:lvl3pPr>
+            <a:lvl4pPr marL="1600200" indent="-228600" algn="l" defTabSz="457200" rtl="0" eaLnBrk="1" latinLnBrk="0" hangingPunct="1">
+              <a:spcBef>
+                <a:spcPct val="20000"/>
+              </a:spcBef>
+              <a:buFont typeface="Arial"/>
+              <a:buChar char="–"/>
+              <a:defRPr sz="2000" kern="1200">
+                <a:solidFill>
+                  <a:schemeClr val="tx1"/>
+                </a:solidFill>
+                <a:latin typeface="+mn-lt"/>
+                <a:ea typeface="+mn-ea"/>
+                <a:cs typeface="+mn-cs"/>
+              </a:defRPr>
+            </a:lvl4pPr>
+            <a:lvl5pPr marL="2057400" indent="-228600" algn="l" defTabSz="457200" rtl="0" eaLnBrk="1" latinLnBrk="0" hangingPunct="1">
+              <a:spcBef>
+                <a:spcPct val="20000"/>
+              </a:spcBef>
+              <a:buFont typeface="Arial"/>
+              <a:buChar char="»"/>
+              <a:defRPr sz="2000" kern="1200">
+                <a:solidFill>
+                  <a:schemeClr val="tx1"/>
+                </a:solidFill>
+                <a:latin typeface="+mn-lt"/>
+                <a:ea typeface="+mn-ea"/>
+                <a:cs typeface="+mn-cs"/>
+              </a:defRPr>
+            </a:lvl5pPr>
+            <a:lvl6pPr marL="2514600" indent="-228600" algn="l" defTabSz="457200" rtl="0" eaLnBrk="1" latinLnBrk="0" hangingPunct="1">
+              <a:spcBef>
+                <a:spcPct val="20000"/>
+              </a:spcBef>
+              <a:buFont typeface="Arial"/>
+              <a:buChar char="•"/>
+              <a:defRPr sz="2000" kern="1200">
+                <a:solidFill>
+                  <a:schemeClr val="tx1"/>
+                </a:solidFill>
+                <a:latin typeface="+mn-lt"/>
+                <a:ea typeface="+mn-ea"/>
+                <a:cs typeface="+mn-cs"/>
+              </a:defRPr>
+            </a:lvl6pPr>
+            <a:lvl7pPr marL="2971800" indent="-228600" algn="l" defTabSz="457200" rtl="0" eaLnBrk="1" latinLnBrk="0" hangingPunct="1">
+              <a:spcBef>
+                <a:spcPct val="20000"/>
+              </a:spcBef>
+              <a:buFont typeface="Arial"/>
+              <a:buChar char="•"/>
+              <a:defRPr sz="2000" kern="1200">
+                <a:solidFill>
+                  <a:schemeClr val="tx1"/>
+                </a:solidFill>
+                <a:latin typeface="+mn-lt"/>
+                <a:ea typeface="+mn-ea"/>
+                <a:cs typeface="+mn-cs"/>
+              </a:defRPr>
+            </a:lvl7pPr>
+            <a:lvl8pPr marL="3429000" indent="-228600" algn="l" defTabSz="457200" rtl="0" eaLnBrk="1" latinLnBrk="0" hangingPunct="1">
+              <a:spcBef>
+                <a:spcPct val="20000"/>
+              </a:spcBef>
+              <a:buFont typeface="Arial"/>
+              <a:buChar char="•"/>
+              <a:defRPr sz="2000" kern="1200">
+                <a:solidFill>
+                  <a:schemeClr val="tx1"/>
+                </a:solidFill>
+                <a:latin typeface="+mn-lt"/>
+                <a:ea typeface="+mn-ea"/>
+                <a:cs typeface="+mn-cs"/>
+              </a:defRPr>
+            </a:lvl8pPr>
+            <a:lvl9pPr marL="3886200" indent="-228600" algn="l" defTabSz="457200" rtl="0" eaLnBrk="1" latinLnBrk="0" hangingPunct="1">
+              <a:spcBef>
+                <a:spcPct val="20000"/>
+              </a:spcBef>
+              <a:buFont typeface="Arial"/>
+              <a:buChar char="•"/>
+              <a:defRPr sz="2000" kern="1200">
+                <a:solidFill>
+                  <a:schemeClr val="tx1"/>
+                </a:solidFill>
+                <a:latin typeface="+mn-lt"/>
+                <a:ea typeface="+mn-ea"/>
+                <a:cs typeface="+mn-cs"/>
+              </a:defRPr>
+            </a:lvl9pPr>
+          </a:lstStyle>
+          <a:p>
+            <a:r>
+              <a:rPr lang="en-US" dirty="0" smtClean="0"/>
+              <a:t>master</a:t>
+            </a:r>
+          </a:p>
+          <a:p>
+            <a:r>
+              <a:rPr lang="en-US" dirty="0" smtClean="0"/>
+              <a:t>develop </a:t>
+            </a:r>
+          </a:p>
+          <a:p>
+            <a:r>
+              <a:rPr lang="en-US" dirty="0" smtClean="0"/>
+              <a:t>release-*</a:t>
+            </a:r>
+          </a:p>
+          <a:p>
+            <a:r>
+              <a:rPr lang="en-US" dirty="0" smtClean="0"/>
+              <a:t>hotfix-*</a:t>
+            </a:r>
+          </a:p>
+          <a:p>
+            <a:r>
+              <a:rPr lang="en-US" dirty="0"/>
+              <a:t>f</a:t>
+            </a:r>
+            <a:r>
+              <a:rPr lang="en-US" dirty="0" smtClean="0"/>
+              <a:t>eature-*</a:t>
+            </a:r>
+          </a:p>
+          <a:p>
+            <a:pPr lvl="1"/>
+            <a:endParaRPr lang="en-US" dirty="0" smtClean="0"/>
+          </a:p>
+          <a:p>
+            <a:endParaRPr lang="en-US" dirty="0"/>
+          </a:p>
+        </p:txBody>
+      </p:sp>
     </p:spTree>
     <p:extLst>
       <p:ext uri="{BB962C8B-B14F-4D97-AF65-F5344CB8AC3E}">
-        <p14:creationId xmlns:p14="http://schemas.microsoft.com/office/powerpoint/2010/main" val="832328781"/>
+        <p14:creationId xmlns:p14="http://schemas.microsoft.com/office/powerpoint/2010/main" val="989722626"/>
       </p:ext>
     </p:extLst>
   </p:cSld>
   <p:clrMapOvr>
     <a:masterClrMapping/>
   </p:clrMapOvr>
-  <p:timing>
-    <p:tnLst>
-      <p:par>
-        <p:cTn id="1" dur="indefinite" restart="never" nodeType="tmRoot"/>
-      </p:par>
-    </p:tnLst>
-  </p:timing>
 </p:sld>
 </file>
 
@@ -16785,8 +20712,9 @@
             <a:pPr lvl="1"/>
             <a:r>
               <a:rPr lang="en-US" dirty="0" smtClean="0"/>
-              <a:t>Use for stable releases</a:t>
-            </a:r>
+              <a:t>Used for production releases</a:t>
+            </a:r>
+            <a:endParaRPr lang="en-US" dirty="0" smtClean="0"/>
           </a:p>
           <a:p>
             <a:r>
@@ -16798,8 +20726,20 @@
             <a:pPr lvl="1"/>
             <a:r>
               <a:rPr lang="en-US" dirty="0" smtClean="0"/>
-              <a:t>Use for untested code</a:t>
-            </a:r>
+              <a:t>Used for integration</a:t>
+            </a:r>
+          </a:p>
+          <a:p>
+            <a:pPr lvl="1"/>
+            <a:r>
+              <a:rPr lang="en-US" dirty="0"/>
+              <a:t>Used for regression </a:t>
+            </a:r>
+            <a:r>
+              <a:rPr lang="en-US" dirty="0" smtClean="0"/>
+              <a:t>testing</a:t>
+            </a:r>
+            <a:endParaRPr lang="en-US" dirty="0" smtClean="0"/>
           </a:p>
           <a:p>
             <a:pPr lvl="1"/>
@@ -16855,7 +20795,7 @@
           <a:bodyPr/>
           <a:lstStyle/>
           <a:p>
-            <a:fld id="{A08F9A56-9E5B-4367-96D2-4DA1C2842286}" type="datetime5">
+            <a:fld id="{68C825B7-6869-471A-8E5D-FF0E50591F8D}" type="datetime5">
               <a:rPr lang="en-US" smtClean="0"/>
               <a:t>26-Oct-18</a:t>
             </a:fld>
@@ -16938,7 +20878,7 @@
           <a:bodyPr/>
           <a:lstStyle/>
           <a:p>
-            <a:fld id="{9EBCE25E-A31E-4F8C-888E-51DDFAD9989E}" type="datetime5">
+            <a:fld id="{3EA8351E-1F3F-4175-AA60-6C208637EEFF}" type="datetime5">
               <a:rPr lang="en-US" smtClean="0"/>
               <a:t>26-Oct-18</a:t>
             </a:fld>
@@ -17419,71 +21359,6 @@
               <a:latin typeface="+mn-lt"/>
               <a:ea typeface="+mn-ea"/>
               <a:cs typeface="+mn-cs"/>
-            </a:endParaRPr>
-          </a:p>
-        </p:txBody>
-      </p:sp>
-      <p:sp>
-        <p:nvSpPr>
-          <p:cNvPr id="32" name="Rounded Rectangular Callout 31"/>
-          <p:cNvSpPr/>
-          <p:nvPr/>
-        </p:nvSpPr>
-        <p:spPr>
-          <a:xfrm>
-            <a:off x="2079543" y="2903438"/>
-            <a:ext cx="942418" cy="339290"/>
-          </a:xfrm>
-          <a:prstGeom prst="wedgeRoundRectCallout">
-            <a:avLst>
-              <a:gd name="adj1" fmla="val 61103"/>
-              <a:gd name="adj2" fmla="val 115421"/>
-              <a:gd name="adj3" fmla="val 16667"/>
-            </a:avLst>
-          </a:prstGeom>
-          <a:solidFill>
-            <a:schemeClr val="bg2"/>
-          </a:solidFill>
-        </p:spPr>
-        <p:style>
-          <a:lnRef idx="1">
-            <a:schemeClr val="accent1"/>
-          </a:lnRef>
-          <a:fillRef idx="3">
-            <a:schemeClr val="accent1"/>
-          </a:fillRef>
-          <a:effectRef idx="2">
-            <a:schemeClr val="accent1"/>
-          </a:effectRef>
-          <a:fontRef idx="minor">
-            <a:schemeClr val="lt1"/>
-          </a:fontRef>
-        </p:style>
-        <p:txBody>
-          <a:bodyPr rtlCol="0" anchor="ctr"/>
-          <a:lstStyle/>
-          <a:p>
-            <a:pPr algn="ctr"/>
-            <a:r>
-              <a:rPr lang="en-US" sz="1000" dirty="0" smtClean="0">
-                <a:solidFill>
-                  <a:schemeClr val="tx1"/>
-                </a:solidFill>
-              </a:rPr>
-              <a:t>Work </a:t>
-            </a:r>
-            <a:r>
-              <a:rPr lang="en-US" sz="1000" dirty="0" smtClean="0">
-                <a:solidFill>
-                  <a:schemeClr val="tx1"/>
-                </a:solidFill>
-              </a:rPr>
-              <a:t>in progress</a:t>
-            </a:r>
-            <a:endParaRPr lang="en-US" sz="1000" dirty="0">
-              <a:solidFill>
-                <a:schemeClr val="tx1"/>
-              </a:solidFill>
             </a:endParaRPr>
           </a:p>
         </p:txBody>
@@ -17830,15 +21705,7 @@
                   <a:schemeClr val="tx1"/>
                 </a:solidFill>
               </a:rPr>
-              <a:t>Work </a:t>
-            </a:r>
-            <a:r>
-              <a:rPr lang="en-US" sz="1000" dirty="0" smtClean="0">
-                <a:solidFill>
-                  <a:schemeClr val="tx1"/>
-                </a:solidFill>
-              </a:rPr>
-              <a:t>in progress</a:t>
+              <a:t>Work in progress</a:t>
             </a:r>
             <a:endParaRPr lang="en-US" sz="1000" dirty="0">
               <a:solidFill>
@@ -18983,7 +22850,7 @@
                                           </p:stCondLst>
                                         </p:cTn>
                                         <p:tgtEl>
-                                          <p:spTgt spid="32"/>
+                                          <p:spTgt spid="25"/>
                                         </p:tgtEl>
                                         <p:attrNameLst>
                                           <p:attrName>style.visibility</p:attrName>
@@ -18996,59 +22863,6 @@
                                     <p:animEffect transition="in" filter="fade">
                                       <p:cBhvr>
                                         <p:cTn id="73" dur="500"/>
-                                        <p:tgtEl>
-                                          <p:spTgt spid="32"/>
-                                        </p:tgtEl>
-                                      </p:cBhvr>
-                                    </p:animEffect>
-                                  </p:childTnLst>
-                                </p:cTn>
-                              </p:par>
-                            </p:childTnLst>
-                          </p:cTn>
-                        </p:par>
-                      </p:childTnLst>
-                    </p:cTn>
-                  </p:par>
-                  <p:par>
-                    <p:cTn id="74" fill="hold">
-                      <p:stCondLst>
-                        <p:cond delay="indefinite"/>
-                      </p:stCondLst>
-                      <p:childTnLst>
-                        <p:par>
-                          <p:cTn id="75" fill="hold">
-                            <p:stCondLst>
-                              <p:cond delay="0"/>
-                            </p:stCondLst>
-                            <p:childTnLst>
-                              <p:par>
-                                <p:cTn id="76" presetID="10" presetClass="entr" presetSubtype="0" fill="hold" grpId="0" nodeType="clickEffect">
-                                  <p:stCondLst>
-                                    <p:cond delay="0"/>
-                                  </p:stCondLst>
-                                  <p:childTnLst>
-                                    <p:set>
-                                      <p:cBhvr>
-                                        <p:cTn id="77" dur="1" fill="hold">
-                                          <p:stCondLst>
-                                            <p:cond delay="0"/>
-                                          </p:stCondLst>
-                                        </p:cTn>
-                                        <p:tgtEl>
-                                          <p:spTgt spid="25"/>
-                                        </p:tgtEl>
-                                        <p:attrNameLst>
-                                          <p:attrName>style.visibility</p:attrName>
-                                        </p:attrNameLst>
-                                      </p:cBhvr>
-                                      <p:to>
-                                        <p:strVal val="visible"/>
-                                      </p:to>
-                                    </p:set>
-                                    <p:animEffect transition="in" filter="fade">
-                                      <p:cBhvr>
-                                        <p:cTn id="78" dur="500"/>
                                         <p:tgtEl>
                                           <p:spTgt spid="25"/>
                                         </p:tgtEl>
@@ -19093,7 +22907,6 @@
       <p:bldP spid="21" grpId="0" animBg="1"/>
       <p:bldP spid="28" grpId="0"/>
       <p:bldP spid="29" grpId="0"/>
-      <p:bldP spid="32" grpId="0" animBg="1"/>
       <p:bldP spid="24" grpId="0" animBg="1"/>
       <p:bldP spid="25" grpId="0" animBg="1"/>
     </p:bldLst>
@@ -19135,7 +22948,11 @@
           <a:p>
             <a:r>
               <a:rPr lang="en-US" dirty="0" smtClean="0"/>
-              <a:t>Feature Branch</a:t>
+              <a:t>Branching in </a:t>
+            </a:r>
+            <a:r>
+              <a:rPr lang="en-US" dirty="0" err="1" smtClean="0"/>
+              <a:t>git</a:t>
             </a:r>
             <a:endParaRPr lang="en-US" dirty="0"/>
           </a:p>
@@ -19151,79 +22968,79 @@
             <p:ph idx="1"/>
           </p:nvPr>
         </p:nvSpPr>
-        <p:spPr>
-          <a:xfrm>
-            <a:off x="457200" y="1600200"/>
-            <a:ext cx="8229600" cy="5121506"/>
-          </a:xfrm>
-        </p:spPr>
-        <p:txBody>
-          <a:bodyPr>
-            <a:normAutofit fontScale="92500" lnSpcReduction="20000"/>
-          </a:bodyPr>
+        <p:spPr/>
+        <p:txBody>
+          <a:bodyPr/>
           <a:lstStyle/>
           <a:p>
             <a:r>
               <a:rPr lang="en-US" dirty="0" smtClean="0"/>
-              <a:t>Branch off of develop</a:t>
-            </a:r>
-          </a:p>
-          <a:p>
+              <a:t>Creates branch off of current branch</a:t>
+            </a:r>
+          </a:p>
+          <a:p>
+            <a:pPr lvl="1"/>
+            <a:r>
+              <a:rPr lang="en-US" dirty="0" err="1"/>
+              <a:t>git</a:t>
+            </a:r>
+            <a:r>
+              <a:rPr lang="en-US" dirty="0"/>
+              <a:t> checkout –b &lt;</a:t>
+            </a:r>
+            <a:r>
+              <a:rPr lang="en-US" dirty="0" err="1"/>
+              <a:t>newBranchName</a:t>
+            </a:r>
+            <a:r>
+              <a:rPr lang="en-US" dirty="0"/>
+              <a:t>&gt;</a:t>
+            </a:r>
+            <a:endParaRPr lang="en-US" dirty="0" smtClean="0"/>
+          </a:p>
+          <a:p>
+            <a:pPr lvl="1"/>
             <a:r>
               <a:rPr lang="en-US" dirty="0" smtClean="0"/>
-              <a:t>Primary working branches for an individual(s)</a:t>
-            </a:r>
-          </a:p>
-          <a:p>
+              <a:t>Equivalent to:</a:t>
+            </a:r>
+          </a:p>
+          <a:p>
+            <a:pPr lvl="2"/>
+            <a:r>
+              <a:rPr lang="en-US" dirty="0" err="1" smtClean="0"/>
+              <a:t>git</a:t>
+            </a:r>
             <a:r>
               <a:rPr lang="en-US" dirty="0" smtClean="0"/>
-              <a:t>When new feature is finished</a:t>
-            </a:r>
-          </a:p>
-          <a:p>
-            <a:pPr lvl="1"/>
+              <a:t> branch &lt;</a:t>
+            </a:r>
+            <a:r>
+              <a:rPr lang="en-US" dirty="0" err="1" smtClean="0"/>
+              <a:t>newBranchName</a:t>
+            </a:r>
             <a:r>
               <a:rPr lang="en-US" dirty="0" smtClean="0"/>
-              <a:t>Merge into develop</a:t>
-            </a:r>
-          </a:p>
-          <a:p>
-            <a:pPr lvl="1"/>
+              <a:t>&gt;</a:t>
+            </a:r>
+          </a:p>
+          <a:p>
+            <a:pPr lvl="2"/>
+            <a:r>
+              <a:rPr lang="en-US" dirty="0" err="1" smtClean="0"/>
+              <a:t>git</a:t>
+            </a:r>
             <a:r>
               <a:rPr lang="en-US" dirty="0" smtClean="0"/>
-              <a:t>Code reviews</a:t>
-            </a:r>
-          </a:p>
-          <a:p>
-            <a:pPr lvl="1"/>
+              <a:t> checkout &lt;</a:t>
+            </a:r>
+            <a:r>
+              <a:rPr lang="en-US" dirty="0" err="1" smtClean="0"/>
+              <a:t>newBranchName</a:t>
+            </a:r>
             <a:r>
               <a:rPr lang="en-US" dirty="0" smtClean="0"/>
-              <a:t>Hope it doesn’t break develop (it might)</a:t>
-            </a:r>
-          </a:p>
-          <a:p>
-            <a:r>
-              <a:rPr lang="en-US" dirty="0" smtClean="0"/>
-              <a:t>Temporary branches</a:t>
-            </a:r>
-          </a:p>
-          <a:p>
-            <a:r>
-              <a:rPr lang="en-US" dirty="0" smtClean="0"/>
-              <a:t>Can be many feature branches being developed in parallel</a:t>
-            </a:r>
-          </a:p>
-          <a:p>
-            <a:r>
-              <a:rPr lang="en-US" dirty="0" smtClean="0"/>
-              <a:t>If the feature is a failure</a:t>
-            </a:r>
-          </a:p>
-          <a:p>
-            <a:pPr lvl="1"/>
-            <a:r>
-              <a:rPr lang="en-US" dirty="0" smtClean="0"/>
-              <a:t>Delete the branch without merging into develop</a:t>
+              <a:t>&gt;</a:t>
             </a:r>
           </a:p>
         </p:txBody>
@@ -19266,7 +23083,7 @@
           <a:bodyPr/>
           <a:lstStyle/>
           <a:p>
-            <a:fld id="{C9AB2B1C-BEA2-4F48-85D5-7B22151594F1}" type="datetime5">
+            <a:fld id="{BEEAC8E3-EC49-4711-ACB5-7264D7BAC774}" type="datetime5">
               <a:rPr lang="en-US" smtClean="0"/>
               <a:t>26-Oct-18</a:t>
             </a:fld>
@@ -19300,7 +23117,7 @@
     </p:spTree>
     <p:extLst>
       <p:ext uri="{BB962C8B-B14F-4D97-AF65-F5344CB8AC3E}">
-        <p14:creationId xmlns:p14="http://schemas.microsoft.com/office/powerpoint/2010/main" val="2964003212"/>
+        <p14:creationId xmlns:p14="http://schemas.microsoft.com/office/powerpoint/2010/main" val="832328781"/>
       </p:ext>
     </p:extLst>
   </p:cSld>
@@ -19336,7 +23153,168 @@
       </p:grpSpPr>
       <p:sp>
         <p:nvSpPr>
-          <p:cNvPr id="4" name="Date Placeholder 3"/>
+          <p:cNvPr id="2" name="Title 1"/>
+          <p:cNvSpPr>
+            <a:spLocks noGrp="1"/>
+          </p:cNvSpPr>
+          <p:nvPr>
+            <p:ph type="title"/>
+          </p:nvPr>
+        </p:nvSpPr>
+        <p:spPr/>
+        <p:txBody>
+          <a:bodyPr/>
+          <a:lstStyle/>
+          <a:p>
+            <a:r>
+              <a:rPr lang="en-US" dirty="0" smtClean="0"/>
+              <a:t>Supporting Branches</a:t>
+            </a:r>
+            <a:endParaRPr lang="en-US" dirty="0"/>
+          </a:p>
+        </p:txBody>
+      </p:sp>
+      <p:sp>
+        <p:nvSpPr>
+          <p:cNvPr id="3" name="Content Placeholder 2"/>
+          <p:cNvSpPr>
+            <a:spLocks noGrp="1"/>
+          </p:cNvSpPr>
+          <p:nvPr>
+            <p:ph idx="1"/>
+          </p:nvPr>
+        </p:nvSpPr>
+        <p:spPr>
+          <a:xfrm>
+            <a:off x="457200" y="1600200"/>
+            <a:ext cx="8229600" cy="5121506"/>
+          </a:xfrm>
+        </p:spPr>
+        <p:txBody>
+          <a:bodyPr>
+            <a:normAutofit lnSpcReduction="10000"/>
+          </a:bodyPr>
+          <a:lstStyle/>
+          <a:p>
+            <a:r>
+              <a:rPr lang="en-US" dirty="0" smtClean="0"/>
+              <a:t>Aid </a:t>
+            </a:r>
+            <a:r>
+              <a:rPr lang="en-US" dirty="0"/>
+              <a:t>parallel development between team </a:t>
+            </a:r>
+            <a:r>
+              <a:rPr lang="en-US" dirty="0" smtClean="0"/>
+              <a:t>members</a:t>
+            </a:r>
+          </a:p>
+          <a:p>
+            <a:r>
+              <a:rPr lang="en-US" dirty="0" smtClean="0"/>
+              <a:t>Prepare </a:t>
+            </a:r>
+            <a:r>
+              <a:rPr lang="en-US" dirty="0"/>
+              <a:t>for production </a:t>
+            </a:r>
+            <a:r>
+              <a:rPr lang="en-US" dirty="0" smtClean="0"/>
+              <a:t>releases</a:t>
+            </a:r>
+          </a:p>
+          <a:p>
+            <a:r>
+              <a:rPr lang="en-US" dirty="0"/>
+              <a:t>A</a:t>
+            </a:r>
+            <a:r>
+              <a:rPr lang="en-US" dirty="0" smtClean="0"/>
+              <a:t>ssist </a:t>
+            </a:r>
+            <a:r>
+              <a:rPr lang="en-US" dirty="0"/>
+              <a:t>in quickly fixing live production </a:t>
+            </a:r>
+            <a:r>
+              <a:rPr lang="en-US" dirty="0" smtClean="0"/>
+              <a:t>problems</a:t>
+            </a:r>
+          </a:p>
+          <a:p>
+            <a:r>
+              <a:rPr lang="en-US" dirty="0" smtClean="0"/>
+              <a:t>The </a:t>
+            </a:r>
+            <a:r>
+              <a:rPr lang="en-US" dirty="0"/>
+              <a:t>different types of branches we may use are:</a:t>
+            </a:r>
+          </a:p>
+          <a:p>
+            <a:pPr lvl="1">
+              <a:buFont typeface="Arial"/>
+              <a:buChar char="•"/>
+            </a:pPr>
+            <a:r>
+              <a:rPr lang="en-US" dirty="0"/>
+              <a:t>Feature branches</a:t>
+            </a:r>
+          </a:p>
+          <a:p>
+            <a:pPr lvl="1">
+              <a:buFont typeface="Arial"/>
+              <a:buChar char="•"/>
+            </a:pPr>
+            <a:r>
+              <a:rPr lang="en-US" dirty="0"/>
+              <a:t>Release branches</a:t>
+            </a:r>
+          </a:p>
+          <a:p>
+            <a:pPr lvl="1">
+              <a:buFont typeface="Arial"/>
+              <a:buChar char="•"/>
+            </a:pPr>
+            <a:r>
+              <a:rPr lang="en-US" dirty="0"/>
+              <a:t>Hotfix branches</a:t>
+            </a:r>
+          </a:p>
+          <a:p>
+            <a:pPr marL="0" indent="0">
+              <a:buNone/>
+            </a:pPr>
+            <a:endParaRPr lang="en-US" dirty="0" smtClean="0"/>
+          </a:p>
+        </p:txBody>
+      </p:sp>
+      <p:sp>
+        <p:nvSpPr>
+          <p:cNvPr id="4" name="Footer Placeholder 3"/>
+          <p:cNvSpPr>
+            <a:spLocks noGrp="1"/>
+          </p:cNvSpPr>
+          <p:nvPr>
+            <p:ph type="ftr" sz="quarter" idx="11"/>
+          </p:nvPr>
+        </p:nvSpPr>
+        <p:spPr/>
+        <p:txBody>
+          <a:bodyPr/>
+          <a:lstStyle/>
+          <a:p>
+            <a:r>
+              <a:rPr lang="en-US" smtClean="0"/>
+              <a:t>AXP Internal</a:t>
+            </a:r>
+            <a:endParaRPr lang="en-US"/>
+          </a:p>
+        </p:txBody>
+      </p:sp>
+      <p:sp>
+        <p:nvSpPr>
+          <p:cNvPr id="5" name="Date Placeholder 4"/>
           <p:cNvSpPr>
             <a:spLocks noGrp="1"/>
           </p:cNvSpPr>
@@ -19349,33 +23327,10 @@
           <a:bodyPr/>
           <a:lstStyle/>
           <a:p>
-            <a:fld id="{7EBF44BE-39FA-46C1-8E4B-BE59A335556A}" type="datetime5">
+            <a:fld id="{E63D7441-FAA8-460D-AB7D-43BAB73B490C}" type="datetime5">
               <a:rPr lang="en-US" smtClean="0"/>
               <a:t>26-Oct-18</a:t>
             </a:fld>
-            <a:endParaRPr lang="en-US"/>
-          </a:p>
-        </p:txBody>
-      </p:sp>
-      <p:sp>
-        <p:nvSpPr>
-          <p:cNvPr id="5" name="Footer Placeholder 4"/>
-          <p:cNvSpPr>
-            <a:spLocks noGrp="1"/>
-          </p:cNvSpPr>
-          <p:nvPr>
-            <p:ph type="ftr" sz="quarter" idx="11"/>
-          </p:nvPr>
-        </p:nvSpPr>
-        <p:spPr/>
-        <p:txBody>
-          <a:bodyPr/>
-          <a:lstStyle/>
-          <a:p>
-            <a:r>
-              <a:rPr lang="en-US" smtClean="0"/>
-              <a:t>AXP Internal</a:t>
-            </a:r>
             <a:endParaRPr lang="en-US"/>
           </a:p>
         </p:txBody>
@@ -19403,1209 +23358,10 @@
           </a:p>
         </p:txBody>
       </p:sp>
-      <p:sp>
-        <p:nvSpPr>
-          <p:cNvPr id="7" name="Down Arrow 6"/>
-          <p:cNvSpPr/>
-          <p:nvPr/>
-        </p:nvSpPr>
-        <p:spPr>
-          <a:xfrm>
-            <a:off x="798897" y="721894"/>
-            <a:ext cx="404261" cy="5496024"/>
-          </a:xfrm>
-          <a:prstGeom prst="downArrow">
-            <a:avLst/>
-          </a:prstGeom>
-          <a:solidFill>
-            <a:schemeClr val="bg1">
-              <a:lumMod val="95000"/>
-            </a:schemeClr>
-          </a:solidFill>
-        </p:spPr>
-        <p:style>
-          <a:lnRef idx="1">
-            <a:schemeClr val="accent1"/>
-          </a:lnRef>
-          <a:fillRef idx="3">
-            <a:schemeClr val="accent1"/>
-          </a:fillRef>
-          <a:effectRef idx="2">
-            <a:schemeClr val="accent1"/>
-          </a:effectRef>
-          <a:fontRef idx="minor">
-            <a:schemeClr val="lt1"/>
-          </a:fontRef>
-        </p:style>
-        <p:txBody>
-          <a:bodyPr rtlCol="0" anchor="ctr"/>
-          <a:lstStyle/>
-          <a:p>
-            <a:pPr algn="ctr"/>
-            <a:endParaRPr lang="en-US"/>
-          </a:p>
-        </p:txBody>
-      </p:sp>
-      <p:sp>
-        <p:nvSpPr>
-          <p:cNvPr id="11" name="Oval 10"/>
-          <p:cNvSpPr/>
-          <p:nvPr/>
-        </p:nvSpPr>
-        <p:spPr>
-          <a:xfrm>
-            <a:off x="6432494" y="1933072"/>
-            <a:ext cx="457200" cy="457200"/>
-          </a:xfrm>
-          <a:prstGeom prst="ellipse">
-            <a:avLst/>
-          </a:prstGeom>
-          <a:solidFill>
-            <a:srgbClr val="FFC000"/>
-          </a:solidFill>
-        </p:spPr>
-        <p:style>
-          <a:lnRef idx="1">
-            <a:schemeClr val="accent1"/>
-          </a:lnRef>
-          <a:fillRef idx="3">
-            <a:schemeClr val="accent1"/>
-          </a:fillRef>
-          <a:effectRef idx="2">
-            <a:schemeClr val="accent1"/>
-          </a:effectRef>
-          <a:fontRef idx="minor">
-            <a:schemeClr val="lt1"/>
-          </a:fontRef>
-        </p:style>
-        <p:txBody>
-          <a:bodyPr rtlCol="0" anchor="ctr"/>
-          <a:lstStyle/>
-          <a:p>
-            <a:pPr marL="285750" indent="-285750">
-              <a:lnSpc>
-                <a:spcPct val="250000"/>
-              </a:lnSpc>
-              <a:buFont typeface="Arial" panose="020B0604020202020204" pitchFamily="34" charset="0"/>
-              <a:buChar char="•"/>
-            </a:pPr>
-            <a:endParaRPr lang="en-US" dirty="0"/>
-          </a:p>
-        </p:txBody>
-      </p:sp>
-      <p:sp>
-        <p:nvSpPr>
-          <p:cNvPr id="12" name="Oval 11"/>
-          <p:cNvSpPr/>
-          <p:nvPr/>
-        </p:nvSpPr>
-        <p:spPr>
-          <a:xfrm>
-            <a:off x="6432494" y="3037571"/>
-            <a:ext cx="457200" cy="457200"/>
-          </a:xfrm>
-          <a:prstGeom prst="ellipse">
-            <a:avLst/>
-          </a:prstGeom>
-          <a:solidFill>
-            <a:srgbClr val="FFC000"/>
-          </a:solidFill>
-        </p:spPr>
-        <p:style>
-          <a:lnRef idx="1">
-            <a:schemeClr val="accent1"/>
-          </a:lnRef>
-          <a:fillRef idx="3">
-            <a:schemeClr val="accent1"/>
-          </a:fillRef>
-          <a:effectRef idx="2">
-            <a:schemeClr val="accent1"/>
-          </a:effectRef>
-          <a:fontRef idx="minor">
-            <a:schemeClr val="lt1"/>
-          </a:fontRef>
-        </p:style>
-        <p:txBody>
-          <a:bodyPr rtlCol="0" anchor="ctr"/>
-          <a:lstStyle/>
-          <a:p>
-            <a:pPr marL="285750" indent="-285750">
-              <a:lnSpc>
-                <a:spcPct val="250000"/>
-              </a:lnSpc>
-              <a:buFont typeface="Arial" panose="020B0604020202020204" pitchFamily="34" charset="0"/>
-              <a:buChar char="•"/>
-            </a:pPr>
-            <a:endParaRPr lang="en-US"/>
-          </a:p>
-        </p:txBody>
-      </p:sp>
-      <p:sp>
-        <p:nvSpPr>
-          <p:cNvPr id="13" name="Oval 12"/>
-          <p:cNvSpPr/>
-          <p:nvPr/>
-        </p:nvSpPr>
-        <p:spPr>
-          <a:xfrm>
-            <a:off x="6432494" y="5246636"/>
-            <a:ext cx="457200" cy="457200"/>
-          </a:xfrm>
-          <a:prstGeom prst="ellipse">
-            <a:avLst/>
-          </a:prstGeom>
-          <a:solidFill>
-            <a:srgbClr val="FFC000"/>
-          </a:solidFill>
-        </p:spPr>
-        <p:style>
-          <a:lnRef idx="1">
-            <a:schemeClr val="accent1"/>
-          </a:lnRef>
-          <a:fillRef idx="3">
-            <a:schemeClr val="accent1"/>
-          </a:fillRef>
-          <a:effectRef idx="2">
-            <a:schemeClr val="accent1"/>
-          </a:effectRef>
-          <a:fontRef idx="minor">
-            <a:schemeClr val="lt1"/>
-          </a:fontRef>
-        </p:style>
-        <p:txBody>
-          <a:bodyPr rtlCol="0" anchor="ctr"/>
-          <a:lstStyle/>
-          <a:p>
-            <a:pPr marL="285750" indent="-285750">
-              <a:lnSpc>
-                <a:spcPct val="250000"/>
-              </a:lnSpc>
-              <a:buFont typeface="Arial" panose="020B0604020202020204" pitchFamily="34" charset="0"/>
-              <a:buChar char="•"/>
-            </a:pPr>
-            <a:endParaRPr lang="en-US"/>
-          </a:p>
-        </p:txBody>
-      </p:sp>
-      <p:cxnSp>
-        <p:nvCxnSpPr>
-          <p:cNvPr id="14" name="Straight Connector 13"/>
-          <p:cNvCxnSpPr/>
-          <p:nvPr/>
-        </p:nvCxnSpPr>
-        <p:spPr>
-          <a:xfrm>
-            <a:off x="895150" y="606393"/>
-            <a:ext cx="7950467" cy="18013"/>
-          </a:xfrm>
-          <a:prstGeom prst="line">
-            <a:avLst/>
-          </a:prstGeom>
-        </p:spPr>
-        <p:style>
-          <a:lnRef idx="2">
-            <a:schemeClr val="accent1"/>
-          </a:lnRef>
-          <a:fillRef idx="0">
-            <a:schemeClr val="accent1"/>
-          </a:fillRef>
-          <a:effectRef idx="1">
-            <a:schemeClr val="accent1"/>
-          </a:effectRef>
-          <a:fontRef idx="minor">
-            <a:schemeClr val="tx1"/>
-          </a:fontRef>
-        </p:style>
-      </p:cxnSp>
-      <p:sp>
-        <p:nvSpPr>
-          <p:cNvPr id="16" name="TextBox 15"/>
-          <p:cNvSpPr txBox="1"/>
-          <p:nvPr/>
-        </p:nvSpPr>
-        <p:spPr>
-          <a:xfrm>
-            <a:off x="6284505" y="916100"/>
-            <a:ext cx="1828800" cy="369332"/>
-          </a:xfrm>
-          <a:prstGeom prst="rect">
-            <a:avLst/>
-          </a:prstGeom>
-          <a:noFill/>
-        </p:spPr>
-        <p:txBody>
-          <a:bodyPr wrap="square" rtlCol="0">
-            <a:spAutoFit/>
-          </a:bodyPr>
-          <a:lstStyle/>
-          <a:p>
-            <a:r>
-              <a:rPr lang="en-US" dirty="0"/>
-              <a:t>D</a:t>
-            </a:r>
-            <a:r>
-              <a:rPr lang="en-US" dirty="0" smtClean="0"/>
-              <a:t>evelop</a:t>
-            </a:r>
-            <a:endParaRPr lang="en-US" sz="1800" kern="1200" dirty="0">
-              <a:solidFill>
-                <a:schemeClr val="tx1"/>
-              </a:solidFill>
-              <a:latin typeface="+mn-lt"/>
-              <a:ea typeface="+mn-ea"/>
-              <a:cs typeface="+mn-cs"/>
-            </a:endParaRPr>
-          </a:p>
-        </p:txBody>
-      </p:sp>
-      <p:cxnSp>
-        <p:nvCxnSpPr>
-          <p:cNvPr id="19" name="Straight Arrow Connector 18"/>
-          <p:cNvCxnSpPr>
-            <a:stCxn id="11" idx="4"/>
-            <a:endCxn id="12" idx="0"/>
-          </p:cNvCxnSpPr>
-          <p:nvPr/>
-        </p:nvCxnSpPr>
-        <p:spPr>
-          <a:xfrm>
-            <a:off x="6661094" y="2390272"/>
-            <a:ext cx="0" cy="647299"/>
-          </a:xfrm>
-          <a:prstGeom prst="straightConnector1">
-            <a:avLst/>
-          </a:prstGeom>
-          <a:ln>
-            <a:tailEnd type="triangle"/>
-          </a:ln>
-        </p:spPr>
-        <p:style>
-          <a:lnRef idx="2">
-            <a:schemeClr val="accent1"/>
-          </a:lnRef>
-          <a:fillRef idx="0">
-            <a:schemeClr val="accent1"/>
-          </a:fillRef>
-          <a:effectRef idx="1">
-            <a:schemeClr val="accent1"/>
-          </a:effectRef>
-          <a:fontRef idx="minor">
-            <a:schemeClr val="tx1"/>
-          </a:fontRef>
-        </p:style>
-      </p:cxnSp>
-      <p:cxnSp>
-        <p:nvCxnSpPr>
-          <p:cNvPr id="20" name="Straight Arrow Connector 19"/>
-          <p:cNvCxnSpPr>
-            <a:stCxn id="12" idx="4"/>
-            <a:endCxn id="13" idx="0"/>
-          </p:cNvCxnSpPr>
-          <p:nvPr/>
-        </p:nvCxnSpPr>
-        <p:spPr>
-          <a:xfrm>
-            <a:off x="6661094" y="3494771"/>
-            <a:ext cx="0" cy="1751865"/>
-          </a:xfrm>
-          <a:prstGeom prst="straightConnector1">
-            <a:avLst/>
-          </a:prstGeom>
-          <a:ln>
-            <a:tailEnd type="triangle"/>
-          </a:ln>
-        </p:spPr>
-        <p:style>
-          <a:lnRef idx="2">
-            <a:schemeClr val="accent1"/>
-          </a:lnRef>
-          <a:fillRef idx="0">
-            <a:schemeClr val="accent1"/>
-          </a:fillRef>
-          <a:effectRef idx="1">
-            <a:schemeClr val="accent1"/>
-          </a:effectRef>
-          <a:fontRef idx="minor">
-            <a:schemeClr val="tx1"/>
-          </a:fontRef>
-        </p:style>
-      </p:cxnSp>
-      <p:sp>
-        <p:nvSpPr>
-          <p:cNvPr id="22" name="TextBox 21"/>
-          <p:cNvSpPr txBox="1"/>
-          <p:nvPr/>
-        </p:nvSpPr>
-        <p:spPr>
-          <a:xfrm rot="16200000">
-            <a:off x="-84641" y="2014504"/>
-            <a:ext cx="1670386" cy="369332"/>
-          </a:xfrm>
-          <a:prstGeom prst="rect">
-            <a:avLst/>
-          </a:prstGeom>
-          <a:noFill/>
-        </p:spPr>
-        <p:txBody>
-          <a:bodyPr wrap="square" rtlCol="0">
-            <a:spAutoFit/>
-          </a:bodyPr>
-          <a:lstStyle/>
-          <a:p>
-            <a:r>
-              <a:rPr lang="en-US" dirty="0" smtClean="0"/>
-              <a:t>Time</a:t>
-            </a:r>
-            <a:endParaRPr lang="en-US" dirty="0"/>
-          </a:p>
-        </p:txBody>
-      </p:sp>
-      <p:cxnSp>
-        <p:nvCxnSpPr>
-          <p:cNvPr id="23" name="Straight Connector 22"/>
-          <p:cNvCxnSpPr>
-            <a:stCxn id="11" idx="0"/>
-          </p:cNvCxnSpPr>
-          <p:nvPr/>
-        </p:nvCxnSpPr>
-        <p:spPr>
-          <a:xfrm flipV="1">
-            <a:off x="6661094" y="1293507"/>
-            <a:ext cx="0" cy="639565"/>
-          </a:xfrm>
-          <a:prstGeom prst="line">
-            <a:avLst/>
-          </a:prstGeom>
-        </p:spPr>
-        <p:style>
-          <a:lnRef idx="2">
-            <a:schemeClr val="accent1"/>
-          </a:lnRef>
-          <a:fillRef idx="0">
-            <a:schemeClr val="accent1"/>
-          </a:fillRef>
-          <a:effectRef idx="1">
-            <a:schemeClr val="accent1"/>
-          </a:effectRef>
-          <a:fontRef idx="minor">
-            <a:schemeClr val="tx1"/>
-          </a:fontRef>
-        </p:style>
-      </p:cxnSp>
-      <p:sp>
-        <p:nvSpPr>
-          <p:cNvPr id="25" name="Oval 24"/>
-          <p:cNvSpPr/>
-          <p:nvPr/>
-        </p:nvSpPr>
-        <p:spPr>
-          <a:xfrm>
-            <a:off x="4217079" y="2716329"/>
-            <a:ext cx="457200" cy="457200"/>
-          </a:xfrm>
-          <a:prstGeom prst="ellipse">
-            <a:avLst/>
-          </a:prstGeom>
-          <a:solidFill>
-            <a:srgbClr val="7030A0"/>
-          </a:solidFill>
-        </p:spPr>
-        <p:style>
-          <a:lnRef idx="1">
-            <a:schemeClr val="accent1"/>
-          </a:lnRef>
-          <a:fillRef idx="3">
-            <a:schemeClr val="accent1"/>
-          </a:fillRef>
-          <a:effectRef idx="2">
-            <a:schemeClr val="accent1"/>
-          </a:effectRef>
-          <a:fontRef idx="minor">
-            <a:schemeClr val="lt1"/>
-          </a:fontRef>
-        </p:style>
-        <p:txBody>
-          <a:bodyPr rtlCol="0" anchor="ctr"/>
-          <a:lstStyle/>
-          <a:p>
-            <a:pPr marL="285750" indent="-285750">
-              <a:lnSpc>
-                <a:spcPct val="250000"/>
-              </a:lnSpc>
-              <a:buFont typeface="Arial" panose="020B0604020202020204" pitchFamily="34" charset="0"/>
-              <a:buChar char="•"/>
-            </a:pPr>
-            <a:endParaRPr lang="en-US" dirty="0"/>
-          </a:p>
-        </p:txBody>
-      </p:sp>
-      <p:sp>
-        <p:nvSpPr>
-          <p:cNvPr id="26" name="Oval 25"/>
-          <p:cNvSpPr/>
-          <p:nvPr/>
-        </p:nvSpPr>
-        <p:spPr>
-          <a:xfrm>
-            <a:off x="4217079" y="4536340"/>
-            <a:ext cx="457200" cy="457200"/>
-          </a:xfrm>
-          <a:prstGeom prst="ellipse">
-            <a:avLst/>
-          </a:prstGeom>
-          <a:solidFill>
-            <a:srgbClr val="7030A0"/>
-          </a:solidFill>
-        </p:spPr>
-        <p:style>
-          <a:lnRef idx="1">
-            <a:schemeClr val="accent1"/>
-          </a:lnRef>
-          <a:fillRef idx="3">
-            <a:schemeClr val="accent1"/>
-          </a:fillRef>
-          <a:effectRef idx="2">
-            <a:schemeClr val="accent1"/>
-          </a:effectRef>
-          <a:fontRef idx="minor">
-            <a:schemeClr val="lt1"/>
-          </a:fontRef>
-        </p:style>
-        <p:txBody>
-          <a:bodyPr rtlCol="0" anchor="ctr"/>
-          <a:lstStyle/>
-          <a:p>
-            <a:pPr marL="285750" indent="-285750">
-              <a:lnSpc>
-                <a:spcPct val="250000"/>
-              </a:lnSpc>
-              <a:buFont typeface="Arial" panose="020B0604020202020204" pitchFamily="34" charset="0"/>
-              <a:buChar char="•"/>
-            </a:pPr>
-            <a:endParaRPr lang="en-US" dirty="0"/>
-          </a:p>
-        </p:txBody>
-      </p:sp>
-      <p:sp>
-        <p:nvSpPr>
-          <p:cNvPr id="27" name="Oval 26"/>
-          <p:cNvSpPr/>
-          <p:nvPr/>
-        </p:nvSpPr>
-        <p:spPr>
-          <a:xfrm>
-            <a:off x="4217079" y="3825291"/>
-            <a:ext cx="457200" cy="457200"/>
-          </a:xfrm>
-          <a:prstGeom prst="ellipse">
-            <a:avLst/>
-          </a:prstGeom>
-          <a:solidFill>
-            <a:srgbClr val="7030A0"/>
-          </a:solidFill>
-        </p:spPr>
-        <p:style>
-          <a:lnRef idx="1">
-            <a:schemeClr val="accent1"/>
-          </a:lnRef>
-          <a:fillRef idx="3">
-            <a:schemeClr val="accent1"/>
-          </a:fillRef>
-          <a:effectRef idx="2">
-            <a:schemeClr val="accent1"/>
-          </a:effectRef>
-          <a:fontRef idx="minor">
-            <a:schemeClr val="lt1"/>
-          </a:fontRef>
-        </p:style>
-        <p:txBody>
-          <a:bodyPr rtlCol="0" anchor="ctr"/>
-          <a:lstStyle/>
-          <a:p>
-            <a:pPr marL="285750" indent="-285750">
-              <a:lnSpc>
-                <a:spcPct val="250000"/>
-              </a:lnSpc>
-              <a:buFont typeface="Arial" panose="020B0604020202020204" pitchFamily="34" charset="0"/>
-              <a:buChar char="•"/>
-            </a:pPr>
-            <a:endParaRPr lang="en-US" dirty="0"/>
-          </a:p>
-        </p:txBody>
-      </p:sp>
-      <p:cxnSp>
-        <p:nvCxnSpPr>
-          <p:cNvPr id="29" name="Straight Arrow Connector 28"/>
-          <p:cNvCxnSpPr>
-            <a:stCxn id="11" idx="2"/>
-            <a:endCxn id="25" idx="6"/>
-          </p:cNvCxnSpPr>
-          <p:nvPr/>
-        </p:nvCxnSpPr>
-        <p:spPr>
-          <a:xfrm flipH="1">
-            <a:off x="4674279" y="2161672"/>
-            <a:ext cx="1758215" cy="783257"/>
-          </a:xfrm>
-          <a:prstGeom prst="straightConnector1">
-            <a:avLst/>
-          </a:prstGeom>
-          <a:ln>
-            <a:tailEnd type="triangle"/>
-          </a:ln>
-        </p:spPr>
-        <p:style>
-          <a:lnRef idx="2">
-            <a:schemeClr val="accent1"/>
-          </a:lnRef>
-          <a:fillRef idx="0">
-            <a:schemeClr val="accent1"/>
-          </a:fillRef>
-          <a:effectRef idx="1">
-            <a:schemeClr val="accent1"/>
-          </a:effectRef>
-          <a:fontRef idx="minor">
-            <a:schemeClr val="tx1"/>
-          </a:fontRef>
-        </p:style>
-      </p:cxnSp>
-      <p:cxnSp>
-        <p:nvCxnSpPr>
-          <p:cNvPr id="31" name="Straight Arrow Connector 30"/>
-          <p:cNvCxnSpPr>
-            <a:stCxn id="25" idx="4"/>
-            <a:endCxn id="27" idx="0"/>
-          </p:cNvCxnSpPr>
-          <p:nvPr/>
-        </p:nvCxnSpPr>
-        <p:spPr>
-          <a:xfrm>
-            <a:off x="4445679" y="3173529"/>
-            <a:ext cx="0" cy="651762"/>
-          </a:xfrm>
-          <a:prstGeom prst="straightConnector1">
-            <a:avLst/>
-          </a:prstGeom>
-          <a:ln>
-            <a:tailEnd type="triangle"/>
-          </a:ln>
-        </p:spPr>
-        <p:style>
-          <a:lnRef idx="2">
-            <a:schemeClr val="accent1"/>
-          </a:lnRef>
-          <a:fillRef idx="0">
-            <a:schemeClr val="accent1"/>
-          </a:fillRef>
-          <a:effectRef idx="1">
-            <a:schemeClr val="accent1"/>
-          </a:effectRef>
-          <a:fontRef idx="minor">
-            <a:schemeClr val="tx1"/>
-          </a:fontRef>
-        </p:style>
-      </p:cxnSp>
-      <p:cxnSp>
-        <p:nvCxnSpPr>
-          <p:cNvPr id="33" name="Straight Arrow Connector 32"/>
-          <p:cNvCxnSpPr>
-            <a:stCxn id="27" idx="4"/>
-            <a:endCxn id="26" idx="0"/>
-          </p:cNvCxnSpPr>
-          <p:nvPr/>
-        </p:nvCxnSpPr>
-        <p:spPr>
-          <a:xfrm>
-            <a:off x="4445679" y="4282491"/>
-            <a:ext cx="0" cy="253849"/>
-          </a:xfrm>
-          <a:prstGeom prst="straightConnector1">
-            <a:avLst/>
-          </a:prstGeom>
-          <a:ln>
-            <a:tailEnd type="triangle"/>
-          </a:ln>
-        </p:spPr>
-        <p:style>
-          <a:lnRef idx="2">
-            <a:schemeClr val="accent1"/>
-          </a:lnRef>
-          <a:fillRef idx="0">
-            <a:schemeClr val="accent1"/>
-          </a:fillRef>
-          <a:effectRef idx="1">
-            <a:schemeClr val="accent1"/>
-          </a:effectRef>
-          <a:fontRef idx="minor">
-            <a:schemeClr val="tx1"/>
-          </a:fontRef>
-        </p:style>
-      </p:cxnSp>
-      <p:sp>
-        <p:nvSpPr>
-          <p:cNvPr id="34" name="TextBox 33"/>
-          <p:cNvSpPr txBox="1"/>
-          <p:nvPr/>
-        </p:nvSpPr>
-        <p:spPr>
-          <a:xfrm>
-            <a:off x="4099768" y="916100"/>
-            <a:ext cx="1828800" cy="369332"/>
-          </a:xfrm>
-          <a:prstGeom prst="rect">
-            <a:avLst/>
-          </a:prstGeom>
-          <a:noFill/>
-        </p:spPr>
-        <p:txBody>
-          <a:bodyPr wrap="square" rtlCol="0">
-            <a:spAutoFit/>
-          </a:bodyPr>
-          <a:lstStyle/>
-          <a:p>
-            <a:r>
-              <a:rPr lang="en-US" dirty="0" smtClean="0"/>
-              <a:t>Feature </a:t>
-            </a:r>
-          </a:p>
-        </p:txBody>
-      </p:sp>
-      <p:cxnSp>
-        <p:nvCxnSpPr>
-          <p:cNvPr id="36" name="Straight Connector 35"/>
-          <p:cNvCxnSpPr>
-            <a:stCxn id="25" idx="0"/>
-          </p:cNvCxnSpPr>
-          <p:nvPr/>
-        </p:nvCxnSpPr>
-        <p:spPr>
-          <a:xfrm flipV="1">
-            <a:off x="4445679" y="1321291"/>
-            <a:ext cx="0" cy="1395038"/>
-          </a:xfrm>
-          <a:prstGeom prst="line">
-            <a:avLst/>
-          </a:prstGeom>
-        </p:spPr>
-        <p:style>
-          <a:lnRef idx="2">
-            <a:schemeClr val="accent1"/>
-          </a:lnRef>
-          <a:fillRef idx="0">
-            <a:schemeClr val="accent1"/>
-          </a:fillRef>
-          <a:effectRef idx="1">
-            <a:schemeClr val="accent1"/>
-          </a:effectRef>
-          <a:fontRef idx="minor">
-            <a:schemeClr val="tx1"/>
-          </a:fontRef>
-        </p:style>
-      </p:cxnSp>
-      <p:sp>
-        <p:nvSpPr>
-          <p:cNvPr id="38" name="Oval 37"/>
-          <p:cNvSpPr/>
-          <p:nvPr/>
-        </p:nvSpPr>
-        <p:spPr>
-          <a:xfrm>
-            <a:off x="2864086" y="2738392"/>
-            <a:ext cx="457200" cy="457200"/>
-          </a:xfrm>
-          <a:prstGeom prst="ellipse">
-            <a:avLst/>
-          </a:prstGeom>
-          <a:solidFill>
-            <a:srgbClr val="7030A0"/>
-          </a:solidFill>
-        </p:spPr>
-        <p:style>
-          <a:lnRef idx="1">
-            <a:schemeClr val="accent1"/>
-          </a:lnRef>
-          <a:fillRef idx="3">
-            <a:schemeClr val="accent1"/>
-          </a:fillRef>
-          <a:effectRef idx="2">
-            <a:schemeClr val="accent1"/>
-          </a:effectRef>
-          <a:fontRef idx="minor">
-            <a:schemeClr val="lt1"/>
-          </a:fontRef>
-        </p:style>
-        <p:txBody>
-          <a:bodyPr rtlCol="0" anchor="ctr"/>
-          <a:lstStyle/>
-          <a:p>
-            <a:pPr marL="285750" indent="-285750">
-              <a:lnSpc>
-                <a:spcPct val="250000"/>
-              </a:lnSpc>
-              <a:buFont typeface="Arial" panose="020B0604020202020204" pitchFamily="34" charset="0"/>
-              <a:buChar char="•"/>
-            </a:pPr>
-            <a:endParaRPr lang="en-US" dirty="0"/>
-          </a:p>
-        </p:txBody>
-      </p:sp>
-      <p:sp>
-        <p:nvSpPr>
-          <p:cNvPr id="39" name="Oval 38"/>
-          <p:cNvSpPr/>
-          <p:nvPr/>
-        </p:nvSpPr>
-        <p:spPr>
-          <a:xfrm>
-            <a:off x="2864086" y="4462549"/>
-            <a:ext cx="457200" cy="457200"/>
-          </a:xfrm>
-          <a:prstGeom prst="ellipse">
-            <a:avLst/>
-          </a:prstGeom>
-          <a:solidFill>
-            <a:srgbClr val="7030A0"/>
-          </a:solidFill>
-        </p:spPr>
-        <p:style>
-          <a:lnRef idx="1">
-            <a:schemeClr val="accent1"/>
-          </a:lnRef>
-          <a:fillRef idx="3">
-            <a:schemeClr val="accent1"/>
-          </a:fillRef>
-          <a:effectRef idx="2">
-            <a:schemeClr val="accent1"/>
-          </a:effectRef>
-          <a:fontRef idx="minor">
-            <a:schemeClr val="lt1"/>
-          </a:fontRef>
-        </p:style>
-        <p:txBody>
-          <a:bodyPr rtlCol="0" anchor="ctr"/>
-          <a:lstStyle/>
-          <a:p>
-            <a:pPr marL="285750" indent="-285750">
-              <a:lnSpc>
-                <a:spcPct val="250000"/>
-              </a:lnSpc>
-              <a:buFont typeface="Arial" panose="020B0604020202020204" pitchFamily="34" charset="0"/>
-              <a:buChar char="•"/>
-            </a:pPr>
-            <a:endParaRPr lang="en-US" dirty="0"/>
-          </a:p>
-        </p:txBody>
-      </p:sp>
-      <p:cxnSp>
-        <p:nvCxnSpPr>
-          <p:cNvPr id="41" name="Straight Arrow Connector 40"/>
-          <p:cNvCxnSpPr>
-            <a:stCxn id="38" idx="4"/>
-            <a:endCxn id="39" idx="0"/>
-          </p:cNvCxnSpPr>
-          <p:nvPr/>
-        </p:nvCxnSpPr>
-        <p:spPr>
-          <a:xfrm>
-            <a:off x="3092686" y="3195592"/>
-            <a:ext cx="0" cy="1266957"/>
-          </a:xfrm>
-          <a:prstGeom prst="straightConnector1">
-            <a:avLst/>
-          </a:prstGeom>
-          <a:ln>
-            <a:tailEnd type="triangle"/>
-          </a:ln>
-        </p:spPr>
-        <p:style>
-          <a:lnRef idx="2">
-            <a:schemeClr val="accent1"/>
-          </a:lnRef>
-          <a:fillRef idx="0">
-            <a:schemeClr val="accent1"/>
-          </a:fillRef>
-          <a:effectRef idx="1">
-            <a:schemeClr val="accent1"/>
-          </a:effectRef>
-          <a:fontRef idx="minor">
-            <a:schemeClr val="tx1"/>
-          </a:fontRef>
-        </p:style>
-      </p:cxnSp>
-      <p:cxnSp>
-        <p:nvCxnSpPr>
-          <p:cNvPr id="43" name="Straight Connector 42"/>
-          <p:cNvCxnSpPr>
-            <a:stCxn id="38" idx="0"/>
-          </p:cNvCxnSpPr>
-          <p:nvPr/>
-        </p:nvCxnSpPr>
-        <p:spPr>
-          <a:xfrm flipV="1">
-            <a:off x="3092686" y="1363977"/>
-            <a:ext cx="0" cy="1374415"/>
-          </a:xfrm>
-          <a:prstGeom prst="line">
-            <a:avLst/>
-          </a:prstGeom>
-        </p:spPr>
-        <p:style>
-          <a:lnRef idx="2">
-            <a:schemeClr val="accent1"/>
-          </a:lnRef>
-          <a:fillRef idx="0">
-            <a:schemeClr val="accent1"/>
-          </a:fillRef>
-          <a:effectRef idx="1">
-            <a:schemeClr val="accent1"/>
-          </a:effectRef>
-          <a:fontRef idx="minor">
-            <a:schemeClr val="tx1"/>
-          </a:fontRef>
-        </p:style>
-      </p:cxnSp>
-      <p:sp>
-        <p:nvSpPr>
-          <p:cNvPr id="46" name="Oval 45"/>
-          <p:cNvSpPr/>
-          <p:nvPr/>
-        </p:nvSpPr>
-        <p:spPr>
-          <a:xfrm>
-            <a:off x="2864086" y="5190912"/>
-            <a:ext cx="457200" cy="457200"/>
-          </a:xfrm>
-          <a:prstGeom prst="ellipse">
-            <a:avLst/>
-          </a:prstGeom>
-          <a:solidFill>
-            <a:srgbClr val="7030A0"/>
-          </a:solidFill>
-        </p:spPr>
-        <p:style>
-          <a:lnRef idx="1">
-            <a:schemeClr val="accent1"/>
-          </a:lnRef>
-          <a:fillRef idx="3">
-            <a:schemeClr val="accent1"/>
-          </a:fillRef>
-          <a:effectRef idx="2">
-            <a:schemeClr val="accent1"/>
-          </a:effectRef>
-          <a:fontRef idx="minor">
-            <a:schemeClr val="lt1"/>
-          </a:fontRef>
-        </p:style>
-        <p:txBody>
-          <a:bodyPr rtlCol="0" anchor="ctr"/>
-          <a:lstStyle/>
-          <a:p>
-            <a:pPr marL="285750" indent="-285750">
-              <a:lnSpc>
-                <a:spcPct val="250000"/>
-              </a:lnSpc>
-              <a:buFont typeface="Arial" panose="020B0604020202020204" pitchFamily="34" charset="0"/>
-              <a:buChar char="•"/>
-            </a:pPr>
-            <a:endParaRPr lang="en-US" dirty="0"/>
-          </a:p>
-        </p:txBody>
-      </p:sp>
-      <p:cxnSp>
-        <p:nvCxnSpPr>
-          <p:cNvPr id="48" name="Straight Arrow Connector 47"/>
-          <p:cNvCxnSpPr>
-            <a:stCxn id="39" idx="4"/>
-            <a:endCxn id="46" idx="0"/>
-          </p:cNvCxnSpPr>
-          <p:nvPr/>
-        </p:nvCxnSpPr>
-        <p:spPr>
-          <a:xfrm>
-            <a:off x="3092686" y="4919749"/>
-            <a:ext cx="0" cy="271163"/>
-          </a:xfrm>
-          <a:prstGeom prst="straightConnector1">
-            <a:avLst/>
-          </a:prstGeom>
-          <a:ln>
-            <a:tailEnd type="triangle"/>
-          </a:ln>
-        </p:spPr>
-        <p:style>
-          <a:lnRef idx="2">
-            <a:schemeClr val="accent1"/>
-          </a:lnRef>
-          <a:fillRef idx="0">
-            <a:schemeClr val="accent1"/>
-          </a:fillRef>
-          <a:effectRef idx="1">
-            <a:schemeClr val="accent1"/>
-          </a:effectRef>
-          <a:fontRef idx="minor">
-            <a:schemeClr val="tx1"/>
-          </a:fontRef>
-        </p:style>
-      </p:cxnSp>
-      <p:cxnSp>
-        <p:nvCxnSpPr>
-          <p:cNvPr id="50" name="Straight Arrow Connector 49"/>
-          <p:cNvCxnSpPr>
-            <a:stCxn id="11" idx="2"/>
-            <a:endCxn id="38" idx="6"/>
-          </p:cNvCxnSpPr>
-          <p:nvPr/>
-        </p:nvCxnSpPr>
-        <p:spPr>
-          <a:xfrm flipH="1">
-            <a:off x="3321286" y="2161672"/>
-            <a:ext cx="3111208" cy="805320"/>
-          </a:xfrm>
-          <a:prstGeom prst="straightConnector1">
-            <a:avLst/>
-          </a:prstGeom>
-          <a:ln>
-            <a:tailEnd type="triangle"/>
-          </a:ln>
-        </p:spPr>
-        <p:style>
-          <a:lnRef idx="2">
-            <a:schemeClr val="accent1"/>
-          </a:lnRef>
-          <a:fillRef idx="0">
-            <a:schemeClr val="accent1"/>
-          </a:fillRef>
-          <a:effectRef idx="1">
-            <a:schemeClr val="accent1"/>
-          </a:effectRef>
-          <a:fontRef idx="minor">
-            <a:schemeClr val="tx1"/>
-          </a:fontRef>
-        </p:style>
-      </p:cxnSp>
-      <p:sp>
-        <p:nvSpPr>
-          <p:cNvPr id="51" name="TextBox 50"/>
-          <p:cNvSpPr txBox="1"/>
-          <p:nvPr/>
-        </p:nvSpPr>
-        <p:spPr>
-          <a:xfrm>
-            <a:off x="2691078" y="916100"/>
-            <a:ext cx="1052753" cy="369332"/>
-          </a:xfrm>
-          <a:prstGeom prst="rect">
-            <a:avLst/>
-          </a:prstGeom>
-          <a:noFill/>
-        </p:spPr>
-        <p:txBody>
-          <a:bodyPr wrap="square" rtlCol="0">
-            <a:spAutoFit/>
-          </a:bodyPr>
-          <a:lstStyle/>
-          <a:p>
-            <a:r>
-              <a:rPr lang="en-US" dirty="0" smtClean="0"/>
-              <a:t>Feature </a:t>
-            </a:r>
-            <a:endParaRPr lang="en-US" sz="1800" kern="1200" dirty="0">
-              <a:solidFill>
-                <a:schemeClr val="tx1"/>
-              </a:solidFill>
-              <a:latin typeface="+mn-lt"/>
-              <a:ea typeface="+mn-ea"/>
-              <a:cs typeface="+mn-cs"/>
-            </a:endParaRPr>
-          </a:p>
-        </p:txBody>
-      </p:sp>
-      <p:sp>
-        <p:nvSpPr>
-          <p:cNvPr id="2" name="Left Brace 1"/>
-          <p:cNvSpPr/>
-          <p:nvPr/>
-        </p:nvSpPr>
-        <p:spPr>
-          <a:xfrm>
-            <a:off x="2227385" y="2944929"/>
-            <a:ext cx="521677" cy="2474583"/>
-          </a:xfrm>
-          <a:prstGeom prst="leftBrace">
-            <a:avLst/>
-          </a:prstGeom>
-        </p:spPr>
-        <p:style>
-          <a:lnRef idx="2">
-            <a:schemeClr val="accent1"/>
-          </a:lnRef>
-          <a:fillRef idx="0">
-            <a:schemeClr val="accent1"/>
-          </a:fillRef>
-          <a:effectRef idx="1">
-            <a:schemeClr val="accent1"/>
-          </a:effectRef>
-          <a:fontRef idx="minor">
-            <a:schemeClr val="tx1"/>
-          </a:fontRef>
-        </p:style>
-        <p:txBody>
-          <a:bodyPr rtlCol="0" anchor="ctr"/>
-          <a:lstStyle/>
-          <a:p>
-            <a:pPr algn="ctr"/>
-            <a:endParaRPr lang="en-US"/>
-          </a:p>
-        </p:txBody>
-      </p:sp>
-      <p:sp>
-        <p:nvSpPr>
-          <p:cNvPr id="3" name="TextBox 2"/>
-          <p:cNvSpPr txBox="1"/>
-          <p:nvPr/>
-        </p:nvSpPr>
-        <p:spPr>
-          <a:xfrm>
-            <a:off x="1203158" y="3987587"/>
-            <a:ext cx="1107707" cy="369332"/>
-          </a:xfrm>
-          <a:prstGeom prst="rect">
-            <a:avLst/>
-          </a:prstGeom>
-          <a:noFill/>
-        </p:spPr>
-        <p:txBody>
-          <a:bodyPr wrap="square" rtlCol="0">
-            <a:spAutoFit/>
-          </a:bodyPr>
-          <a:lstStyle/>
-          <a:p>
-            <a:r>
-              <a:rPr lang="en-US" dirty="0"/>
-              <a:t>f</a:t>
-            </a:r>
-            <a:r>
-              <a:rPr lang="en-US" dirty="0" smtClean="0"/>
-              <a:t>eature-2</a:t>
-            </a:r>
-            <a:endParaRPr lang="en-US" dirty="0"/>
-          </a:p>
-        </p:txBody>
-      </p:sp>
-      <p:sp>
-        <p:nvSpPr>
-          <p:cNvPr id="8" name="Right Brace 7"/>
-          <p:cNvSpPr/>
-          <p:nvPr/>
-        </p:nvSpPr>
-        <p:spPr>
-          <a:xfrm>
-            <a:off x="4692639" y="3034363"/>
-            <a:ext cx="386862" cy="1797948"/>
-          </a:xfrm>
-          <a:prstGeom prst="rightBrace">
-            <a:avLst/>
-          </a:prstGeom>
-        </p:spPr>
-        <p:style>
-          <a:lnRef idx="2">
-            <a:schemeClr val="accent1"/>
-          </a:lnRef>
-          <a:fillRef idx="0">
-            <a:schemeClr val="accent1"/>
-          </a:fillRef>
-          <a:effectRef idx="1">
-            <a:schemeClr val="accent1"/>
-          </a:effectRef>
-          <a:fontRef idx="minor">
-            <a:schemeClr val="tx1"/>
-          </a:fontRef>
-        </p:style>
-        <p:txBody>
-          <a:bodyPr rtlCol="0" anchor="ctr"/>
-          <a:lstStyle/>
-          <a:p>
-            <a:pPr algn="ctr"/>
-            <a:endParaRPr lang="en-US"/>
-          </a:p>
-        </p:txBody>
-      </p:sp>
-      <p:sp>
-        <p:nvSpPr>
-          <p:cNvPr id="9" name="TextBox 8"/>
-          <p:cNvSpPr txBox="1"/>
-          <p:nvPr/>
-        </p:nvSpPr>
-        <p:spPr>
-          <a:xfrm>
-            <a:off x="5086454" y="3730725"/>
-            <a:ext cx="1169417" cy="369332"/>
-          </a:xfrm>
-          <a:prstGeom prst="rect">
-            <a:avLst/>
-          </a:prstGeom>
-          <a:noFill/>
-        </p:spPr>
-        <p:txBody>
-          <a:bodyPr wrap="square" rtlCol="0">
-            <a:spAutoFit/>
-          </a:bodyPr>
-          <a:lstStyle/>
-          <a:p>
-            <a:r>
-              <a:rPr lang="en-US" dirty="0"/>
-              <a:t>f</a:t>
-            </a:r>
-            <a:r>
-              <a:rPr lang="en-US" dirty="0" smtClean="0"/>
-              <a:t>eature-1</a:t>
-            </a:r>
-            <a:endParaRPr lang="en-US" dirty="0"/>
-          </a:p>
-        </p:txBody>
-      </p:sp>
-      <p:sp>
-        <p:nvSpPr>
-          <p:cNvPr id="10" name="Multiply 9"/>
-          <p:cNvSpPr/>
-          <p:nvPr/>
-        </p:nvSpPr>
-        <p:spPr>
-          <a:xfrm>
-            <a:off x="2304489" y="1892352"/>
-            <a:ext cx="1552279" cy="4559802"/>
-          </a:xfrm>
-          <a:prstGeom prst="mathMultiply">
-            <a:avLst/>
-          </a:prstGeom>
-        </p:spPr>
-        <p:style>
-          <a:lnRef idx="1">
-            <a:schemeClr val="accent1"/>
-          </a:lnRef>
-          <a:fillRef idx="3">
-            <a:schemeClr val="accent1"/>
-          </a:fillRef>
-          <a:effectRef idx="2">
-            <a:schemeClr val="accent1"/>
-          </a:effectRef>
-          <a:fontRef idx="minor">
-            <a:schemeClr val="lt1"/>
-          </a:fontRef>
-        </p:style>
-        <p:txBody>
-          <a:bodyPr rtlCol="0" anchor="ctr"/>
-          <a:lstStyle/>
-          <a:p>
-            <a:pPr algn="ctr"/>
-            <a:endParaRPr lang="en-US"/>
-          </a:p>
-        </p:txBody>
-      </p:sp>
     </p:spTree>
     <p:extLst>
       <p:ext uri="{BB962C8B-B14F-4D97-AF65-F5344CB8AC3E}">
-        <p14:creationId xmlns:p14="http://schemas.microsoft.com/office/powerpoint/2010/main" val="1155272580"/>
+        <p14:creationId xmlns:p14="http://schemas.microsoft.com/office/powerpoint/2010/main" val="2964003212"/>
       </p:ext>
     </p:extLst>
   </p:cSld>
@@ -20615,2051 +23371,9 @@
   <p:timing>
     <p:tnLst>
       <p:par>
-        <p:cTn id="1" dur="indefinite" restart="never" nodeType="tmRoot">
-          <p:childTnLst>
-            <p:seq concurrent="1" nextAc="seek">
-              <p:cTn id="2" dur="indefinite" nodeType="mainSeq">
-                <p:childTnLst>
-                  <p:par>
-                    <p:cTn id="3" fill="hold">
-                      <p:stCondLst>
-                        <p:cond delay="indefinite"/>
-                      </p:stCondLst>
-                      <p:childTnLst>
-                        <p:par>
-                          <p:cTn id="4" fill="hold">
-                            <p:stCondLst>
-                              <p:cond delay="0"/>
-                            </p:stCondLst>
-                            <p:childTnLst>
-                              <p:par>
-                                <p:cTn id="5" presetID="2" presetClass="entr" presetSubtype="4" fill="hold" grpId="0" nodeType="clickEffect">
-                                  <p:stCondLst>
-                                    <p:cond delay="0"/>
-                                  </p:stCondLst>
-                                  <p:childTnLst>
-                                    <p:set>
-                                      <p:cBhvr>
-                                        <p:cTn id="6" dur="1" fill="hold">
-                                          <p:stCondLst>
-                                            <p:cond delay="0"/>
-                                          </p:stCondLst>
-                                        </p:cTn>
-                                        <p:tgtEl>
-                                          <p:spTgt spid="11"/>
-                                        </p:tgtEl>
-                                        <p:attrNameLst>
-                                          <p:attrName>style.visibility</p:attrName>
-                                        </p:attrNameLst>
-                                      </p:cBhvr>
-                                      <p:to>
-                                        <p:strVal val="visible"/>
-                                      </p:to>
-                                    </p:set>
-                                    <p:anim calcmode="lin" valueType="num">
-                                      <p:cBhvr additive="base">
-                                        <p:cTn id="7" dur="500" fill="hold"/>
-                                        <p:tgtEl>
-                                          <p:spTgt spid="11"/>
-                                        </p:tgtEl>
-                                        <p:attrNameLst>
-                                          <p:attrName>ppt_x</p:attrName>
-                                        </p:attrNameLst>
-                                      </p:cBhvr>
-                                      <p:tavLst>
-                                        <p:tav tm="0">
-                                          <p:val>
-                                            <p:strVal val="#ppt_x"/>
-                                          </p:val>
-                                        </p:tav>
-                                        <p:tav tm="100000">
-                                          <p:val>
-                                            <p:strVal val="#ppt_x"/>
-                                          </p:val>
-                                        </p:tav>
-                                      </p:tavLst>
-                                    </p:anim>
-                                    <p:anim calcmode="lin" valueType="num">
-                                      <p:cBhvr additive="base">
-                                        <p:cTn id="8" dur="500" fill="hold"/>
-                                        <p:tgtEl>
-                                          <p:spTgt spid="11"/>
-                                        </p:tgtEl>
-                                        <p:attrNameLst>
-                                          <p:attrName>ppt_y</p:attrName>
-                                        </p:attrNameLst>
-                                      </p:cBhvr>
-                                      <p:tavLst>
-                                        <p:tav tm="0">
-                                          <p:val>
-                                            <p:strVal val="1+#ppt_h/2"/>
-                                          </p:val>
-                                        </p:tav>
-                                        <p:tav tm="100000">
-                                          <p:val>
-                                            <p:strVal val="#ppt_y"/>
-                                          </p:val>
-                                        </p:tav>
-                                      </p:tavLst>
-                                    </p:anim>
-                                  </p:childTnLst>
-                                </p:cTn>
-                              </p:par>
-                              <p:par>
-                                <p:cTn id="9" presetID="2" presetClass="entr" presetSubtype="4" fill="hold" grpId="0" nodeType="withEffect">
-                                  <p:stCondLst>
-                                    <p:cond delay="0"/>
-                                  </p:stCondLst>
-                                  <p:childTnLst>
-                                    <p:set>
-                                      <p:cBhvr>
-                                        <p:cTn id="10" dur="1" fill="hold">
-                                          <p:stCondLst>
-                                            <p:cond delay="0"/>
-                                          </p:stCondLst>
-                                        </p:cTn>
-                                        <p:tgtEl>
-                                          <p:spTgt spid="12"/>
-                                        </p:tgtEl>
-                                        <p:attrNameLst>
-                                          <p:attrName>style.visibility</p:attrName>
-                                        </p:attrNameLst>
-                                      </p:cBhvr>
-                                      <p:to>
-                                        <p:strVal val="visible"/>
-                                      </p:to>
-                                    </p:set>
-                                    <p:anim calcmode="lin" valueType="num">
-                                      <p:cBhvr additive="base">
-                                        <p:cTn id="11" dur="500" fill="hold"/>
-                                        <p:tgtEl>
-                                          <p:spTgt spid="12"/>
-                                        </p:tgtEl>
-                                        <p:attrNameLst>
-                                          <p:attrName>ppt_x</p:attrName>
-                                        </p:attrNameLst>
-                                      </p:cBhvr>
-                                      <p:tavLst>
-                                        <p:tav tm="0">
-                                          <p:val>
-                                            <p:strVal val="#ppt_x"/>
-                                          </p:val>
-                                        </p:tav>
-                                        <p:tav tm="100000">
-                                          <p:val>
-                                            <p:strVal val="#ppt_x"/>
-                                          </p:val>
-                                        </p:tav>
-                                      </p:tavLst>
-                                    </p:anim>
-                                    <p:anim calcmode="lin" valueType="num">
-                                      <p:cBhvr additive="base">
-                                        <p:cTn id="12" dur="500" fill="hold"/>
-                                        <p:tgtEl>
-                                          <p:spTgt spid="12"/>
-                                        </p:tgtEl>
-                                        <p:attrNameLst>
-                                          <p:attrName>ppt_y</p:attrName>
-                                        </p:attrNameLst>
-                                      </p:cBhvr>
-                                      <p:tavLst>
-                                        <p:tav tm="0">
-                                          <p:val>
-                                            <p:strVal val="1+#ppt_h/2"/>
-                                          </p:val>
-                                        </p:tav>
-                                        <p:tav tm="100000">
-                                          <p:val>
-                                            <p:strVal val="#ppt_y"/>
-                                          </p:val>
-                                        </p:tav>
-                                      </p:tavLst>
-                                    </p:anim>
-                                  </p:childTnLst>
-                                </p:cTn>
-                              </p:par>
-                              <p:par>
-                                <p:cTn id="13" presetID="2" presetClass="entr" presetSubtype="4" fill="hold" grpId="0" nodeType="withEffect">
-                                  <p:stCondLst>
-                                    <p:cond delay="0"/>
-                                  </p:stCondLst>
-                                  <p:childTnLst>
-                                    <p:set>
-                                      <p:cBhvr>
-                                        <p:cTn id="14" dur="1" fill="hold">
-                                          <p:stCondLst>
-                                            <p:cond delay="0"/>
-                                          </p:stCondLst>
-                                        </p:cTn>
-                                        <p:tgtEl>
-                                          <p:spTgt spid="13"/>
-                                        </p:tgtEl>
-                                        <p:attrNameLst>
-                                          <p:attrName>style.visibility</p:attrName>
-                                        </p:attrNameLst>
-                                      </p:cBhvr>
-                                      <p:to>
-                                        <p:strVal val="visible"/>
-                                      </p:to>
-                                    </p:set>
-                                    <p:anim calcmode="lin" valueType="num">
-                                      <p:cBhvr additive="base">
-                                        <p:cTn id="15" dur="500" fill="hold"/>
-                                        <p:tgtEl>
-                                          <p:spTgt spid="13"/>
-                                        </p:tgtEl>
-                                        <p:attrNameLst>
-                                          <p:attrName>ppt_x</p:attrName>
-                                        </p:attrNameLst>
-                                      </p:cBhvr>
-                                      <p:tavLst>
-                                        <p:tav tm="0">
-                                          <p:val>
-                                            <p:strVal val="#ppt_x"/>
-                                          </p:val>
-                                        </p:tav>
-                                        <p:tav tm="100000">
-                                          <p:val>
-                                            <p:strVal val="#ppt_x"/>
-                                          </p:val>
-                                        </p:tav>
-                                      </p:tavLst>
-                                    </p:anim>
-                                    <p:anim calcmode="lin" valueType="num">
-                                      <p:cBhvr additive="base">
-                                        <p:cTn id="16" dur="500" fill="hold"/>
-                                        <p:tgtEl>
-                                          <p:spTgt spid="13"/>
-                                        </p:tgtEl>
-                                        <p:attrNameLst>
-                                          <p:attrName>ppt_y</p:attrName>
-                                        </p:attrNameLst>
-                                      </p:cBhvr>
-                                      <p:tavLst>
-                                        <p:tav tm="0">
-                                          <p:val>
-                                            <p:strVal val="1+#ppt_h/2"/>
-                                          </p:val>
-                                        </p:tav>
-                                        <p:tav tm="100000">
-                                          <p:val>
-                                            <p:strVal val="#ppt_y"/>
-                                          </p:val>
-                                        </p:tav>
-                                      </p:tavLst>
-                                    </p:anim>
-                                  </p:childTnLst>
-                                </p:cTn>
-                              </p:par>
-                              <p:par>
-                                <p:cTn id="17" presetID="2" presetClass="entr" presetSubtype="4" fill="hold" nodeType="withEffect">
-                                  <p:stCondLst>
-                                    <p:cond delay="0"/>
-                                  </p:stCondLst>
-                                  <p:childTnLst>
-                                    <p:set>
-                                      <p:cBhvr>
-                                        <p:cTn id="18" dur="1" fill="hold">
-                                          <p:stCondLst>
-                                            <p:cond delay="0"/>
-                                          </p:stCondLst>
-                                        </p:cTn>
-                                        <p:tgtEl>
-                                          <p:spTgt spid="19"/>
-                                        </p:tgtEl>
-                                        <p:attrNameLst>
-                                          <p:attrName>style.visibility</p:attrName>
-                                        </p:attrNameLst>
-                                      </p:cBhvr>
-                                      <p:to>
-                                        <p:strVal val="visible"/>
-                                      </p:to>
-                                    </p:set>
-                                    <p:anim calcmode="lin" valueType="num">
-                                      <p:cBhvr additive="base">
-                                        <p:cTn id="19" dur="500" fill="hold"/>
-                                        <p:tgtEl>
-                                          <p:spTgt spid="19"/>
-                                        </p:tgtEl>
-                                        <p:attrNameLst>
-                                          <p:attrName>ppt_x</p:attrName>
-                                        </p:attrNameLst>
-                                      </p:cBhvr>
-                                      <p:tavLst>
-                                        <p:tav tm="0">
-                                          <p:val>
-                                            <p:strVal val="#ppt_x"/>
-                                          </p:val>
-                                        </p:tav>
-                                        <p:tav tm="100000">
-                                          <p:val>
-                                            <p:strVal val="#ppt_x"/>
-                                          </p:val>
-                                        </p:tav>
-                                      </p:tavLst>
-                                    </p:anim>
-                                    <p:anim calcmode="lin" valueType="num">
-                                      <p:cBhvr additive="base">
-                                        <p:cTn id="20" dur="500" fill="hold"/>
-                                        <p:tgtEl>
-                                          <p:spTgt spid="19"/>
-                                        </p:tgtEl>
-                                        <p:attrNameLst>
-                                          <p:attrName>ppt_y</p:attrName>
-                                        </p:attrNameLst>
-                                      </p:cBhvr>
-                                      <p:tavLst>
-                                        <p:tav tm="0">
-                                          <p:val>
-                                            <p:strVal val="1+#ppt_h/2"/>
-                                          </p:val>
-                                        </p:tav>
-                                        <p:tav tm="100000">
-                                          <p:val>
-                                            <p:strVal val="#ppt_y"/>
-                                          </p:val>
-                                        </p:tav>
-                                      </p:tavLst>
-                                    </p:anim>
-                                  </p:childTnLst>
-                                </p:cTn>
-                              </p:par>
-                              <p:par>
-                                <p:cTn id="21" presetID="2" presetClass="entr" presetSubtype="4" fill="hold" nodeType="withEffect">
-                                  <p:stCondLst>
-                                    <p:cond delay="0"/>
-                                  </p:stCondLst>
-                                  <p:childTnLst>
-                                    <p:set>
-                                      <p:cBhvr>
-                                        <p:cTn id="22" dur="1" fill="hold">
-                                          <p:stCondLst>
-                                            <p:cond delay="0"/>
-                                          </p:stCondLst>
-                                        </p:cTn>
-                                        <p:tgtEl>
-                                          <p:spTgt spid="20"/>
-                                        </p:tgtEl>
-                                        <p:attrNameLst>
-                                          <p:attrName>style.visibility</p:attrName>
-                                        </p:attrNameLst>
-                                      </p:cBhvr>
-                                      <p:to>
-                                        <p:strVal val="visible"/>
-                                      </p:to>
-                                    </p:set>
-                                    <p:anim calcmode="lin" valueType="num">
-                                      <p:cBhvr additive="base">
-                                        <p:cTn id="23" dur="500" fill="hold"/>
-                                        <p:tgtEl>
-                                          <p:spTgt spid="20"/>
-                                        </p:tgtEl>
-                                        <p:attrNameLst>
-                                          <p:attrName>ppt_x</p:attrName>
-                                        </p:attrNameLst>
-                                      </p:cBhvr>
-                                      <p:tavLst>
-                                        <p:tav tm="0">
-                                          <p:val>
-                                            <p:strVal val="#ppt_x"/>
-                                          </p:val>
-                                        </p:tav>
-                                        <p:tav tm="100000">
-                                          <p:val>
-                                            <p:strVal val="#ppt_x"/>
-                                          </p:val>
-                                        </p:tav>
-                                      </p:tavLst>
-                                    </p:anim>
-                                    <p:anim calcmode="lin" valueType="num">
-                                      <p:cBhvr additive="base">
-                                        <p:cTn id="24" dur="500" fill="hold"/>
-                                        <p:tgtEl>
-                                          <p:spTgt spid="20"/>
-                                        </p:tgtEl>
-                                        <p:attrNameLst>
-                                          <p:attrName>ppt_y</p:attrName>
-                                        </p:attrNameLst>
-                                      </p:cBhvr>
-                                      <p:tavLst>
-                                        <p:tav tm="0">
-                                          <p:val>
-                                            <p:strVal val="1+#ppt_h/2"/>
-                                          </p:val>
-                                        </p:tav>
-                                        <p:tav tm="100000">
-                                          <p:val>
-                                            <p:strVal val="#ppt_y"/>
-                                          </p:val>
-                                        </p:tav>
-                                      </p:tavLst>
-                                    </p:anim>
-                                  </p:childTnLst>
-                                </p:cTn>
-                              </p:par>
-                              <p:par>
-                                <p:cTn id="25" presetID="2" presetClass="entr" presetSubtype="4" fill="hold" nodeType="withEffect">
-                                  <p:stCondLst>
-                                    <p:cond delay="0"/>
-                                  </p:stCondLst>
-                                  <p:childTnLst>
-                                    <p:set>
-                                      <p:cBhvr>
-                                        <p:cTn id="26" dur="1" fill="hold">
-                                          <p:stCondLst>
-                                            <p:cond delay="0"/>
-                                          </p:stCondLst>
-                                        </p:cTn>
-                                        <p:tgtEl>
-                                          <p:spTgt spid="23"/>
-                                        </p:tgtEl>
-                                        <p:attrNameLst>
-                                          <p:attrName>style.visibility</p:attrName>
-                                        </p:attrNameLst>
-                                      </p:cBhvr>
-                                      <p:to>
-                                        <p:strVal val="visible"/>
-                                      </p:to>
-                                    </p:set>
-                                    <p:anim calcmode="lin" valueType="num">
-                                      <p:cBhvr additive="base">
-                                        <p:cTn id="27" dur="500" fill="hold"/>
-                                        <p:tgtEl>
-                                          <p:spTgt spid="23"/>
-                                        </p:tgtEl>
-                                        <p:attrNameLst>
-                                          <p:attrName>ppt_x</p:attrName>
-                                        </p:attrNameLst>
-                                      </p:cBhvr>
-                                      <p:tavLst>
-                                        <p:tav tm="0">
-                                          <p:val>
-                                            <p:strVal val="#ppt_x"/>
-                                          </p:val>
-                                        </p:tav>
-                                        <p:tav tm="100000">
-                                          <p:val>
-                                            <p:strVal val="#ppt_x"/>
-                                          </p:val>
-                                        </p:tav>
-                                      </p:tavLst>
-                                    </p:anim>
-                                    <p:anim calcmode="lin" valueType="num">
-                                      <p:cBhvr additive="base">
-                                        <p:cTn id="28" dur="500" fill="hold"/>
-                                        <p:tgtEl>
-                                          <p:spTgt spid="23"/>
-                                        </p:tgtEl>
-                                        <p:attrNameLst>
-                                          <p:attrName>ppt_y</p:attrName>
-                                        </p:attrNameLst>
-                                      </p:cBhvr>
-                                      <p:tavLst>
-                                        <p:tav tm="0">
-                                          <p:val>
-                                            <p:strVal val="1+#ppt_h/2"/>
-                                          </p:val>
-                                        </p:tav>
-                                        <p:tav tm="100000">
-                                          <p:val>
-                                            <p:strVal val="#ppt_y"/>
-                                          </p:val>
-                                        </p:tav>
-                                      </p:tavLst>
-                                    </p:anim>
-                                  </p:childTnLst>
-                                </p:cTn>
-                              </p:par>
-                              <p:par>
-                                <p:cTn id="29" presetID="2" presetClass="entr" presetSubtype="4" fill="hold" grpId="0" nodeType="withEffect">
-                                  <p:stCondLst>
-                                    <p:cond delay="0"/>
-                                  </p:stCondLst>
-                                  <p:childTnLst>
-                                    <p:set>
-                                      <p:cBhvr>
-                                        <p:cTn id="30" dur="1" fill="hold">
-                                          <p:stCondLst>
-                                            <p:cond delay="0"/>
-                                          </p:stCondLst>
-                                        </p:cTn>
-                                        <p:tgtEl>
-                                          <p:spTgt spid="16"/>
-                                        </p:tgtEl>
-                                        <p:attrNameLst>
-                                          <p:attrName>style.visibility</p:attrName>
-                                        </p:attrNameLst>
-                                      </p:cBhvr>
-                                      <p:to>
-                                        <p:strVal val="visible"/>
-                                      </p:to>
-                                    </p:set>
-                                    <p:anim calcmode="lin" valueType="num">
-                                      <p:cBhvr additive="base">
-                                        <p:cTn id="31" dur="500" fill="hold"/>
-                                        <p:tgtEl>
-                                          <p:spTgt spid="16"/>
-                                        </p:tgtEl>
-                                        <p:attrNameLst>
-                                          <p:attrName>ppt_x</p:attrName>
-                                        </p:attrNameLst>
-                                      </p:cBhvr>
-                                      <p:tavLst>
-                                        <p:tav tm="0">
-                                          <p:val>
-                                            <p:strVal val="#ppt_x"/>
-                                          </p:val>
-                                        </p:tav>
-                                        <p:tav tm="100000">
-                                          <p:val>
-                                            <p:strVal val="#ppt_x"/>
-                                          </p:val>
-                                        </p:tav>
-                                      </p:tavLst>
-                                    </p:anim>
-                                    <p:anim calcmode="lin" valueType="num">
-                                      <p:cBhvr additive="base">
-                                        <p:cTn id="32" dur="500" fill="hold"/>
-                                        <p:tgtEl>
-                                          <p:spTgt spid="16"/>
-                                        </p:tgtEl>
-                                        <p:attrNameLst>
-                                          <p:attrName>ppt_y</p:attrName>
-                                        </p:attrNameLst>
-                                      </p:cBhvr>
-                                      <p:tavLst>
-                                        <p:tav tm="0">
-                                          <p:val>
-                                            <p:strVal val="1+#ppt_h/2"/>
-                                          </p:val>
-                                        </p:tav>
-                                        <p:tav tm="100000">
-                                          <p:val>
-                                            <p:strVal val="#ppt_y"/>
-                                          </p:val>
-                                        </p:tav>
-                                      </p:tavLst>
-                                    </p:anim>
-                                  </p:childTnLst>
-                                </p:cTn>
-                              </p:par>
-                            </p:childTnLst>
-                          </p:cTn>
-                        </p:par>
-                      </p:childTnLst>
-                    </p:cTn>
-                  </p:par>
-                  <p:par>
-                    <p:cTn id="33" fill="hold">
-                      <p:stCondLst>
-                        <p:cond delay="indefinite"/>
-                      </p:stCondLst>
-                      <p:childTnLst>
-                        <p:par>
-                          <p:cTn id="34" fill="hold">
-                            <p:stCondLst>
-                              <p:cond delay="0"/>
-                            </p:stCondLst>
-                            <p:childTnLst>
-                              <p:par>
-                                <p:cTn id="35" presetID="2" presetClass="entr" presetSubtype="4" fill="hold" nodeType="clickEffect">
-                                  <p:stCondLst>
-                                    <p:cond delay="0"/>
-                                  </p:stCondLst>
-                                  <p:childTnLst>
-                                    <p:set>
-                                      <p:cBhvr>
-                                        <p:cTn id="36" dur="1" fill="hold">
-                                          <p:stCondLst>
-                                            <p:cond delay="0"/>
-                                          </p:stCondLst>
-                                        </p:cTn>
-                                        <p:tgtEl>
-                                          <p:spTgt spid="36"/>
-                                        </p:tgtEl>
-                                        <p:attrNameLst>
-                                          <p:attrName>style.visibility</p:attrName>
-                                        </p:attrNameLst>
-                                      </p:cBhvr>
-                                      <p:to>
-                                        <p:strVal val="visible"/>
-                                      </p:to>
-                                    </p:set>
-                                    <p:anim calcmode="lin" valueType="num">
-                                      <p:cBhvr additive="base">
-                                        <p:cTn id="37" dur="500" fill="hold"/>
-                                        <p:tgtEl>
-                                          <p:spTgt spid="36"/>
-                                        </p:tgtEl>
-                                        <p:attrNameLst>
-                                          <p:attrName>ppt_x</p:attrName>
-                                        </p:attrNameLst>
-                                      </p:cBhvr>
-                                      <p:tavLst>
-                                        <p:tav tm="0">
-                                          <p:val>
-                                            <p:strVal val="#ppt_x"/>
-                                          </p:val>
-                                        </p:tav>
-                                        <p:tav tm="100000">
-                                          <p:val>
-                                            <p:strVal val="#ppt_x"/>
-                                          </p:val>
-                                        </p:tav>
-                                      </p:tavLst>
-                                    </p:anim>
-                                    <p:anim calcmode="lin" valueType="num">
-                                      <p:cBhvr additive="base">
-                                        <p:cTn id="38" dur="500" fill="hold"/>
-                                        <p:tgtEl>
-                                          <p:spTgt spid="36"/>
-                                        </p:tgtEl>
-                                        <p:attrNameLst>
-                                          <p:attrName>ppt_y</p:attrName>
-                                        </p:attrNameLst>
-                                      </p:cBhvr>
-                                      <p:tavLst>
-                                        <p:tav tm="0">
-                                          <p:val>
-                                            <p:strVal val="1+#ppt_h/2"/>
-                                          </p:val>
-                                        </p:tav>
-                                        <p:tav tm="100000">
-                                          <p:val>
-                                            <p:strVal val="#ppt_y"/>
-                                          </p:val>
-                                        </p:tav>
-                                      </p:tavLst>
-                                    </p:anim>
-                                  </p:childTnLst>
-                                </p:cTn>
-                              </p:par>
-                              <p:par>
-                                <p:cTn id="39" presetID="2" presetClass="entr" presetSubtype="4" fill="hold" grpId="0" nodeType="withEffect">
-                                  <p:stCondLst>
-                                    <p:cond delay="0"/>
-                                  </p:stCondLst>
-                                  <p:childTnLst>
-                                    <p:set>
-                                      <p:cBhvr>
-                                        <p:cTn id="40" dur="1" fill="hold">
-                                          <p:stCondLst>
-                                            <p:cond delay="0"/>
-                                          </p:stCondLst>
-                                        </p:cTn>
-                                        <p:tgtEl>
-                                          <p:spTgt spid="34"/>
-                                        </p:tgtEl>
-                                        <p:attrNameLst>
-                                          <p:attrName>style.visibility</p:attrName>
-                                        </p:attrNameLst>
-                                      </p:cBhvr>
-                                      <p:to>
-                                        <p:strVal val="visible"/>
-                                      </p:to>
-                                    </p:set>
-                                    <p:anim calcmode="lin" valueType="num">
-                                      <p:cBhvr additive="base">
-                                        <p:cTn id="41" dur="500" fill="hold"/>
-                                        <p:tgtEl>
-                                          <p:spTgt spid="34"/>
-                                        </p:tgtEl>
-                                        <p:attrNameLst>
-                                          <p:attrName>ppt_x</p:attrName>
-                                        </p:attrNameLst>
-                                      </p:cBhvr>
-                                      <p:tavLst>
-                                        <p:tav tm="0">
-                                          <p:val>
-                                            <p:strVal val="#ppt_x"/>
-                                          </p:val>
-                                        </p:tav>
-                                        <p:tav tm="100000">
-                                          <p:val>
-                                            <p:strVal val="#ppt_x"/>
-                                          </p:val>
-                                        </p:tav>
-                                      </p:tavLst>
-                                    </p:anim>
-                                    <p:anim calcmode="lin" valueType="num">
-                                      <p:cBhvr additive="base">
-                                        <p:cTn id="42" dur="500" fill="hold"/>
-                                        <p:tgtEl>
-                                          <p:spTgt spid="34"/>
-                                        </p:tgtEl>
-                                        <p:attrNameLst>
-                                          <p:attrName>ppt_y</p:attrName>
-                                        </p:attrNameLst>
-                                      </p:cBhvr>
-                                      <p:tavLst>
-                                        <p:tav tm="0">
-                                          <p:val>
-                                            <p:strVal val="1+#ppt_h/2"/>
-                                          </p:val>
-                                        </p:tav>
-                                        <p:tav tm="100000">
-                                          <p:val>
-                                            <p:strVal val="#ppt_y"/>
-                                          </p:val>
-                                        </p:tav>
-                                      </p:tavLst>
-                                    </p:anim>
-                                  </p:childTnLst>
-                                </p:cTn>
-                              </p:par>
-                              <p:par>
-                                <p:cTn id="43" presetID="2" presetClass="entr" presetSubtype="4" fill="hold" grpId="0" nodeType="withEffect">
-                                  <p:stCondLst>
-                                    <p:cond delay="0"/>
-                                  </p:stCondLst>
-                                  <p:childTnLst>
-                                    <p:set>
-                                      <p:cBhvr>
-                                        <p:cTn id="44" dur="1" fill="hold">
-                                          <p:stCondLst>
-                                            <p:cond delay="0"/>
-                                          </p:stCondLst>
-                                        </p:cTn>
-                                        <p:tgtEl>
-                                          <p:spTgt spid="25"/>
-                                        </p:tgtEl>
-                                        <p:attrNameLst>
-                                          <p:attrName>style.visibility</p:attrName>
-                                        </p:attrNameLst>
-                                      </p:cBhvr>
-                                      <p:to>
-                                        <p:strVal val="visible"/>
-                                      </p:to>
-                                    </p:set>
-                                    <p:anim calcmode="lin" valueType="num">
-                                      <p:cBhvr additive="base">
-                                        <p:cTn id="45" dur="500" fill="hold"/>
-                                        <p:tgtEl>
-                                          <p:spTgt spid="25"/>
-                                        </p:tgtEl>
-                                        <p:attrNameLst>
-                                          <p:attrName>ppt_x</p:attrName>
-                                        </p:attrNameLst>
-                                      </p:cBhvr>
-                                      <p:tavLst>
-                                        <p:tav tm="0">
-                                          <p:val>
-                                            <p:strVal val="#ppt_x"/>
-                                          </p:val>
-                                        </p:tav>
-                                        <p:tav tm="100000">
-                                          <p:val>
-                                            <p:strVal val="#ppt_x"/>
-                                          </p:val>
-                                        </p:tav>
-                                      </p:tavLst>
-                                    </p:anim>
-                                    <p:anim calcmode="lin" valueType="num">
-                                      <p:cBhvr additive="base">
-                                        <p:cTn id="46" dur="500" fill="hold"/>
-                                        <p:tgtEl>
-                                          <p:spTgt spid="25"/>
-                                        </p:tgtEl>
-                                        <p:attrNameLst>
-                                          <p:attrName>ppt_y</p:attrName>
-                                        </p:attrNameLst>
-                                      </p:cBhvr>
-                                      <p:tavLst>
-                                        <p:tav tm="0">
-                                          <p:val>
-                                            <p:strVal val="1+#ppt_h/2"/>
-                                          </p:val>
-                                        </p:tav>
-                                        <p:tav tm="100000">
-                                          <p:val>
-                                            <p:strVal val="#ppt_y"/>
-                                          </p:val>
-                                        </p:tav>
-                                      </p:tavLst>
-                                    </p:anim>
-                                  </p:childTnLst>
-                                </p:cTn>
-                              </p:par>
-                              <p:par>
-                                <p:cTn id="47" presetID="2" presetClass="entr" presetSubtype="4" fill="hold" nodeType="withEffect">
-                                  <p:stCondLst>
-                                    <p:cond delay="0"/>
-                                  </p:stCondLst>
-                                  <p:childTnLst>
-                                    <p:set>
-                                      <p:cBhvr>
-                                        <p:cTn id="48" dur="1" fill="hold">
-                                          <p:stCondLst>
-                                            <p:cond delay="0"/>
-                                          </p:stCondLst>
-                                        </p:cTn>
-                                        <p:tgtEl>
-                                          <p:spTgt spid="31"/>
-                                        </p:tgtEl>
-                                        <p:attrNameLst>
-                                          <p:attrName>style.visibility</p:attrName>
-                                        </p:attrNameLst>
-                                      </p:cBhvr>
-                                      <p:to>
-                                        <p:strVal val="visible"/>
-                                      </p:to>
-                                    </p:set>
-                                    <p:anim calcmode="lin" valueType="num">
-                                      <p:cBhvr additive="base">
-                                        <p:cTn id="49" dur="500" fill="hold"/>
-                                        <p:tgtEl>
-                                          <p:spTgt spid="31"/>
-                                        </p:tgtEl>
-                                        <p:attrNameLst>
-                                          <p:attrName>ppt_x</p:attrName>
-                                        </p:attrNameLst>
-                                      </p:cBhvr>
-                                      <p:tavLst>
-                                        <p:tav tm="0">
-                                          <p:val>
-                                            <p:strVal val="#ppt_x"/>
-                                          </p:val>
-                                        </p:tav>
-                                        <p:tav tm="100000">
-                                          <p:val>
-                                            <p:strVal val="#ppt_x"/>
-                                          </p:val>
-                                        </p:tav>
-                                      </p:tavLst>
-                                    </p:anim>
-                                    <p:anim calcmode="lin" valueType="num">
-                                      <p:cBhvr additive="base">
-                                        <p:cTn id="50" dur="500" fill="hold"/>
-                                        <p:tgtEl>
-                                          <p:spTgt spid="31"/>
-                                        </p:tgtEl>
-                                        <p:attrNameLst>
-                                          <p:attrName>ppt_y</p:attrName>
-                                        </p:attrNameLst>
-                                      </p:cBhvr>
-                                      <p:tavLst>
-                                        <p:tav tm="0">
-                                          <p:val>
-                                            <p:strVal val="1+#ppt_h/2"/>
-                                          </p:val>
-                                        </p:tav>
-                                        <p:tav tm="100000">
-                                          <p:val>
-                                            <p:strVal val="#ppt_y"/>
-                                          </p:val>
-                                        </p:tav>
-                                      </p:tavLst>
-                                    </p:anim>
-                                  </p:childTnLst>
-                                </p:cTn>
-                              </p:par>
-                              <p:par>
-                                <p:cTn id="51" presetID="2" presetClass="entr" presetSubtype="4" fill="hold" grpId="0" nodeType="withEffect">
-                                  <p:stCondLst>
-                                    <p:cond delay="0"/>
-                                  </p:stCondLst>
-                                  <p:childTnLst>
-                                    <p:set>
-                                      <p:cBhvr>
-                                        <p:cTn id="52" dur="1" fill="hold">
-                                          <p:stCondLst>
-                                            <p:cond delay="0"/>
-                                          </p:stCondLst>
-                                        </p:cTn>
-                                        <p:tgtEl>
-                                          <p:spTgt spid="27"/>
-                                        </p:tgtEl>
-                                        <p:attrNameLst>
-                                          <p:attrName>style.visibility</p:attrName>
-                                        </p:attrNameLst>
-                                      </p:cBhvr>
-                                      <p:to>
-                                        <p:strVal val="visible"/>
-                                      </p:to>
-                                    </p:set>
-                                    <p:anim calcmode="lin" valueType="num">
-                                      <p:cBhvr additive="base">
-                                        <p:cTn id="53" dur="500" fill="hold"/>
-                                        <p:tgtEl>
-                                          <p:spTgt spid="27"/>
-                                        </p:tgtEl>
-                                        <p:attrNameLst>
-                                          <p:attrName>ppt_x</p:attrName>
-                                        </p:attrNameLst>
-                                      </p:cBhvr>
-                                      <p:tavLst>
-                                        <p:tav tm="0">
-                                          <p:val>
-                                            <p:strVal val="#ppt_x"/>
-                                          </p:val>
-                                        </p:tav>
-                                        <p:tav tm="100000">
-                                          <p:val>
-                                            <p:strVal val="#ppt_x"/>
-                                          </p:val>
-                                        </p:tav>
-                                      </p:tavLst>
-                                    </p:anim>
-                                    <p:anim calcmode="lin" valueType="num">
-                                      <p:cBhvr additive="base">
-                                        <p:cTn id="54" dur="500" fill="hold"/>
-                                        <p:tgtEl>
-                                          <p:spTgt spid="27"/>
-                                        </p:tgtEl>
-                                        <p:attrNameLst>
-                                          <p:attrName>ppt_y</p:attrName>
-                                        </p:attrNameLst>
-                                      </p:cBhvr>
-                                      <p:tavLst>
-                                        <p:tav tm="0">
-                                          <p:val>
-                                            <p:strVal val="1+#ppt_h/2"/>
-                                          </p:val>
-                                        </p:tav>
-                                        <p:tav tm="100000">
-                                          <p:val>
-                                            <p:strVal val="#ppt_y"/>
-                                          </p:val>
-                                        </p:tav>
-                                      </p:tavLst>
-                                    </p:anim>
-                                  </p:childTnLst>
-                                </p:cTn>
-                              </p:par>
-                              <p:par>
-                                <p:cTn id="55" presetID="2" presetClass="entr" presetSubtype="4" fill="hold" nodeType="withEffect">
-                                  <p:stCondLst>
-                                    <p:cond delay="0"/>
-                                  </p:stCondLst>
-                                  <p:childTnLst>
-                                    <p:set>
-                                      <p:cBhvr>
-                                        <p:cTn id="56" dur="1" fill="hold">
-                                          <p:stCondLst>
-                                            <p:cond delay="0"/>
-                                          </p:stCondLst>
-                                        </p:cTn>
-                                        <p:tgtEl>
-                                          <p:spTgt spid="33"/>
-                                        </p:tgtEl>
-                                        <p:attrNameLst>
-                                          <p:attrName>style.visibility</p:attrName>
-                                        </p:attrNameLst>
-                                      </p:cBhvr>
-                                      <p:to>
-                                        <p:strVal val="visible"/>
-                                      </p:to>
-                                    </p:set>
-                                    <p:anim calcmode="lin" valueType="num">
-                                      <p:cBhvr additive="base">
-                                        <p:cTn id="57" dur="500" fill="hold"/>
-                                        <p:tgtEl>
-                                          <p:spTgt spid="33"/>
-                                        </p:tgtEl>
-                                        <p:attrNameLst>
-                                          <p:attrName>ppt_x</p:attrName>
-                                        </p:attrNameLst>
-                                      </p:cBhvr>
-                                      <p:tavLst>
-                                        <p:tav tm="0">
-                                          <p:val>
-                                            <p:strVal val="#ppt_x"/>
-                                          </p:val>
-                                        </p:tav>
-                                        <p:tav tm="100000">
-                                          <p:val>
-                                            <p:strVal val="#ppt_x"/>
-                                          </p:val>
-                                        </p:tav>
-                                      </p:tavLst>
-                                    </p:anim>
-                                    <p:anim calcmode="lin" valueType="num">
-                                      <p:cBhvr additive="base">
-                                        <p:cTn id="58" dur="500" fill="hold"/>
-                                        <p:tgtEl>
-                                          <p:spTgt spid="33"/>
-                                        </p:tgtEl>
-                                        <p:attrNameLst>
-                                          <p:attrName>ppt_y</p:attrName>
-                                        </p:attrNameLst>
-                                      </p:cBhvr>
-                                      <p:tavLst>
-                                        <p:tav tm="0">
-                                          <p:val>
-                                            <p:strVal val="1+#ppt_h/2"/>
-                                          </p:val>
-                                        </p:tav>
-                                        <p:tav tm="100000">
-                                          <p:val>
-                                            <p:strVal val="#ppt_y"/>
-                                          </p:val>
-                                        </p:tav>
-                                      </p:tavLst>
-                                    </p:anim>
-                                  </p:childTnLst>
-                                </p:cTn>
-                              </p:par>
-                              <p:par>
-                                <p:cTn id="59" presetID="2" presetClass="entr" presetSubtype="4" fill="hold" grpId="0" nodeType="withEffect">
-                                  <p:stCondLst>
-                                    <p:cond delay="0"/>
-                                  </p:stCondLst>
-                                  <p:childTnLst>
-                                    <p:set>
-                                      <p:cBhvr>
-                                        <p:cTn id="60" dur="1" fill="hold">
-                                          <p:stCondLst>
-                                            <p:cond delay="0"/>
-                                          </p:stCondLst>
-                                        </p:cTn>
-                                        <p:tgtEl>
-                                          <p:spTgt spid="26"/>
-                                        </p:tgtEl>
-                                        <p:attrNameLst>
-                                          <p:attrName>style.visibility</p:attrName>
-                                        </p:attrNameLst>
-                                      </p:cBhvr>
-                                      <p:to>
-                                        <p:strVal val="visible"/>
-                                      </p:to>
-                                    </p:set>
-                                    <p:anim calcmode="lin" valueType="num">
-                                      <p:cBhvr additive="base">
-                                        <p:cTn id="61" dur="500" fill="hold"/>
-                                        <p:tgtEl>
-                                          <p:spTgt spid="26"/>
-                                        </p:tgtEl>
-                                        <p:attrNameLst>
-                                          <p:attrName>ppt_x</p:attrName>
-                                        </p:attrNameLst>
-                                      </p:cBhvr>
-                                      <p:tavLst>
-                                        <p:tav tm="0">
-                                          <p:val>
-                                            <p:strVal val="#ppt_x"/>
-                                          </p:val>
-                                        </p:tav>
-                                        <p:tav tm="100000">
-                                          <p:val>
-                                            <p:strVal val="#ppt_x"/>
-                                          </p:val>
-                                        </p:tav>
-                                      </p:tavLst>
-                                    </p:anim>
-                                    <p:anim calcmode="lin" valueType="num">
-                                      <p:cBhvr additive="base">
-                                        <p:cTn id="62" dur="500" fill="hold"/>
-                                        <p:tgtEl>
-                                          <p:spTgt spid="26"/>
-                                        </p:tgtEl>
-                                        <p:attrNameLst>
-                                          <p:attrName>ppt_y</p:attrName>
-                                        </p:attrNameLst>
-                                      </p:cBhvr>
-                                      <p:tavLst>
-                                        <p:tav tm="0">
-                                          <p:val>
-                                            <p:strVal val="1+#ppt_h/2"/>
-                                          </p:val>
-                                        </p:tav>
-                                        <p:tav tm="100000">
-                                          <p:val>
-                                            <p:strVal val="#ppt_y"/>
-                                          </p:val>
-                                        </p:tav>
-                                      </p:tavLst>
-                                    </p:anim>
-                                  </p:childTnLst>
-                                </p:cTn>
-                              </p:par>
-                              <p:par>
-                                <p:cTn id="63" presetID="2" presetClass="entr" presetSubtype="4" fill="hold" nodeType="withEffect">
-                                  <p:stCondLst>
-                                    <p:cond delay="0"/>
-                                  </p:stCondLst>
-                                  <p:childTnLst>
-                                    <p:set>
-                                      <p:cBhvr>
-                                        <p:cTn id="64" dur="1" fill="hold">
-                                          <p:stCondLst>
-                                            <p:cond delay="0"/>
-                                          </p:stCondLst>
-                                        </p:cTn>
-                                        <p:tgtEl>
-                                          <p:spTgt spid="29"/>
-                                        </p:tgtEl>
-                                        <p:attrNameLst>
-                                          <p:attrName>style.visibility</p:attrName>
-                                        </p:attrNameLst>
-                                      </p:cBhvr>
-                                      <p:to>
-                                        <p:strVal val="visible"/>
-                                      </p:to>
-                                    </p:set>
-                                    <p:anim calcmode="lin" valueType="num">
-                                      <p:cBhvr additive="base">
-                                        <p:cTn id="65" dur="500" fill="hold"/>
-                                        <p:tgtEl>
-                                          <p:spTgt spid="29"/>
-                                        </p:tgtEl>
-                                        <p:attrNameLst>
-                                          <p:attrName>ppt_x</p:attrName>
-                                        </p:attrNameLst>
-                                      </p:cBhvr>
-                                      <p:tavLst>
-                                        <p:tav tm="0">
-                                          <p:val>
-                                            <p:strVal val="#ppt_x"/>
-                                          </p:val>
-                                        </p:tav>
-                                        <p:tav tm="100000">
-                                          <p:val>
-                                            <p:strVal val="#ppt_x"/>
-                                          </p:val>
-                                        </p:tav>
-                                      </p:tavLst>
-                                    </p:anim>
-                                    <p:anim calcmode="lin" valueType="num">
-                                      <p:cBhvr additive="base">
-                                        <p:cTn id="66" dur="500" fill="hold"/>
-                                        <p:tgtEl>
-                                          <p:spTgt spid="29"/>
-                                        </p:tgtEl>
-                                        <p:attrNameLst>
-                                          <p:attrName>ppt_y</p:attrName>
-                                        </p:attrNameLst>
-                                      </p:cBhvr>
-                                      <p:tavLst>
-                                        <p:tav tm="0">
-                                          <p:val>
-                                            <p:strVal val="1+#ppt_h/2"/>
-                                          </p:val>
-                                        </p:tav>
-                                        <p:tav tm="100000">
-                                          <p:val>
-                                            <p:strVal val="#ppt_y"/>
-                                          </p:val>
-                                        </p:tav>
-                                      </p:tavLst>
-                                    </p:anim>
-                                  </p:childTnLst>
-                                </p:cTn>
-                              </p:par>
-                            </p:childTnLst>
-                          </p:cTn>
-                        </p:par>
-                      </p:childTnLst>
-                    </p:cTn>
-                  </p:par>
-                  <p:par>
-                    <p:cTn id="67" fill="hold">
-                      <p:stCondLst>
-                        <p:cond delay="indefinite"/>
-                      </p:stCondLst>
-                      <p:childTnLst>
-                        <p:par>
-                          <p:cTn id="68" fill="hold">
-                            <p:stCondLst>
-                              <p:cond delay="0"/>
-                            </p:stCondLst>
-                            <p:childTnLst>
-                              <p:par>
-                                <p:cTn id="69" presetID="10" presetClass="entr" presetSubtype="0" fill="hold" grpId="0" nodeType="clickEffect">
-                                  <p:stCondLst>
-                                    <p:cond delay="0"/>
-                                  </p:stCondLst>
-                                  <p:childTnLst>
-                                    <p:set>
-                                      <p:cBhvr>
-                                        <p:cTn id="70" dur="1" fill="hold">
-                                          <p:stCondLst>
-                                            <p:cond delay="0"/>
-                                          </p:stCondLst>
-                                        </p:cTn>
-                                        <p:tgtEl>
-                                          <p:spTgt spid="8"/>
-                                        </p:tgtEl>
-                                        <p:attrNameLst>
-                                          <p:attrName>style.visibility</p:attrName>
-                                        </p:attrNameLst>
-                                      </p:cBhvr>
-                                      <p:to>
-                                        <p:strVal val="visible"/>
-                                      </p:to>
-                                    </p:set>
-                                    <p:animEffect transition="in" filter="fade">
-                                      <p:cBhvr>
-                                        <p:cTn id="71" dur="500"/>
-                                        <p:tgtEl>
-                                          <p:spTgt spid="8"/>
-                                        </p:tgtEl>
-                                      </p:cBhvr>
-                                    </p:animEffect>
-                                  </p:childTnLst>
-                                </p:cTn>
-                              </p:par>
-                              <p:par>
-                                <p:cTn id="72" presetID="10" presetClass="entr" presetSubtype="0" fill="hold" grpId="0" nodeType="withEffect">
-                                  <p:stCondLst>
-                                    <p:cond delay="0"/>
-                                  </p:stCondLst>
-                                  <p:childTnLst>
-                                    <p:set>
-                                      <p:cBhvr>
-                                        <p:cTn id="73" dur="1" fill="hold">
-                                          <p:stCondLst>
-                                            <p:cond delay="0"/>
-                                          </p:stCondLst>
-                                        </p:cTn>
-                                        <p:tgtEl>
-                                          <p:spTgt spid="9"/>
-                                        </p:tgtEl>
-                                        <p:attrNameLst>
-                                          <p:attrName>style.visibility</p:attrName>
-                                        </p:attrNameLst>
-                                      </p:cBhvr>
-                                      <p:to>
-                                        <p:strVal val="visible"/>
-                                      </p:to>
-                                    </p:set>
-                                    <p:animEffect transition="in" filter="fade">
-                                      <p:cBhvr>
-                                        <p:cTn id="74" dur="500"/>
-                                        <p:tgtEl>
-                                          <p:spTgt spid="9"/>
-                                        </p:tgtEl>
-                                      </p:cBhvr>
-                                    </p:animEffect>
-                                  </p:childTnLst>
-                                </p:cTn>
-                              </p:par>
-                            </p:childTnLst>
-                          </p:cTn>
-                        </p:par>
-                      </p:childTnLst>
-                    </p:cTn>
-                  </p:par>
-                  <p:par>
-                    <p:cTn id="75" fill="hold">
-                      <p:stCondLst>
-                        <p:cond delay="indefinite"/>
-                      </p:stCondLst>
-                      <p:childTnLst>
-                        <p:par>
-                          <p:cTn id="76" fill="hold">
-                            <p:stCondLst>
-                              <p:cond delay="0"/>
-                            </p:stCondLst>
-                            <p:childTnLst>
-                              <p:par>
-                                <p:cTn id="77" presetID="2" presetClass="entr" presetSubtype="4" fill="hold" nodeType="clickEffect">
-                                  <p:stCondLst>
-                                    <p:cond delay="0"/>
-                                  </p:stCondLst>
-                                  <p:childTnLst>
-                                    <p:set>
-                                      <p:cBhvr>
-                                        <p:cTn id="78" dur="1" fill="hold">
-                                          <p:stCondLst>
-                                            <p:cond delay="0"/>
-                                          </p:stCondLst>
-                                        </p:cTn>
-                                        <p:tgtEl>
-                                          <p:spTgt spid="50"/>
-                                        </p:tgtEl>
-                                        <p:attrNameLst>
-                                          <p:attrName>style.visibility</p:attrName>
-                                        </p:attrNameLst>
-                                      </p:cBhvr>
-                                      <p:to>
-                                        <p:strVal val="visible"/>
-                                      </p:to>
-                                    </p:set>
-                                    <p:anim calcmode="lin" valueType="num">
-                                      <p:cBhvr additive="base">
-                                        <p:cTn id="79" dur="500" fill="hold"/>
-                                        <p:tgtEl>
-                                          <p:spTgt spid="50"/>
-                                        </p:tgtEl>
-                                        <p:attrNameLst>
-                                          <p:attrName>ppt_x</p:attrName>
-                                        </p:attrNameLst>
-                                      </p:cBhvr>
-                                      <p:tavLst>
-                                        <p:tav tm="0">
-                                          <p:val>
-                                            <p:strVal val="#ppt_x"/>
-                                          </p:val>
-                                        </p:tav>
-                                        <p:tav tm="100000">
-                                          <p:val>
-                                            <p:strVal val="#ppt_x"/>
-                                          </p:val>
-                                        </p:tav>
-                                      </p:tavLst>
-                                    </p:anim>
-                                    <p:anim calcmode="lin" valueType="num">
-                                      <p:cBhvr additive="base">
-                                        <p:cTn id="80" dur="500" fill="hold"/>
-                                        <p:tgtEl>
-                                          <p:spTgt spid="50"/>
-                                        </p:tgtEl>
-                                        <p:attrNameLst>
-                                          <p:attrName>ppt_y</p:attrName>
-                                        </p:attrNameLst>
-                                      </p:cBhvr>
-                                      <p:tavLst>
-                                        <p:tav tm="0">
-                                          <p:val>
-                                            <p:strVal val="1+#ppt_h/2"/>
-                                          </p:val>
-                                        </p:tav>
-                                        <p:tav tm="100000">
-                                          <p:val>
-                                            <p:strVal val="#ppt_y"/>
-                                          </p:val>
-                                        </p:tav>
-                                      </p:tavLst>
-                                    </p:anim>
-                                  </p:childTnLst>
-                                </p:cTn>
-                              </p:par>
-                              <p:par>
-                                <p:cTn id="81" presetID="2" presetClass="entr" presetSubtype="4" fill="hold" nodeType="withEffect">
-                                  <p:stCondLst>
-                                    <p:cond delay="0"/>
-                                  </p:stCondLst>
-                                  <p:childTnLst>
-                                    <p:set>
-                                      <p:cBhvr>
-                                        <p:cTn id="82" dur="1" fill="hold">
-                                          <p:stCondLst>
-                                            <p:cond delay="0"/>
-                                          </p:stCondLst>
-                                        </p:cTn>
-                                        <p:tgtEl>
-                                          <p:spTgt spid="43"/>
-                                        </p:tgtEl>
-                                        <p:attrNameLst>
-                                          <p:attrName>style.visibility</p:attrName>
-                                        </p:attrNameLst>
-                                      </p:cBhvr>
-                                      <p:to>
-                                        <p:strVal val="visible"/>
-                                      </p:to>
-                                    </p:set>
-                                    <p:anim calcmode="lin" valueType="num">
-                                      <p:cBhvr additive="base">
-                                        <p:cTn id="83" dur="500" fill="hold"/>
-                                        <p:tgtEl>
-                                          <p:spTgt spid="43"/>
-                                        </p:tgtEl>
-                                        <p:attrNameLst>
-                                          <p:attrName>ppt_x</p:attrName>
-                                        </p:attrNameLst>
-                                      </p:cBhvr>
-                                      <p:tavLst>
-                                        <p:tav tm="0">
-                                          <p:val>
-                                            <p:strVal val="#ppt_x"/>
-                                          </p:val>
-                                        </p:tav>
-                                        <p:tav tm="100000">
-                                          <p:val>
-                                            <p:strVal val="#ppt_x"/>
-                                          </p:val>
-                                        </p:tav>
-                                      </p:tavLst>
-                                    </p:anim>
-                                    <p:anim calcmode="lin" valueType="num">
-                                      <p:cBhvr additive="base">
-                                        <p:cTn id="84" dur="500" fill="hold"/>
-                                        <p:tgtEl>
-                                          <p:spTgt spid="43"/>
-                                        </p:tgtEl>
-                                        <p:attrNameLst>
-                                          <p:attrName>ppt_y</p:attrName>
-                                        </p:attrNameLst>
-                                      </p:cBhvr>
-                                      <p:tavLst>
-                                        <p:tav tm="0">
-                                          <p:val>
-                                            <p:strVal val="1+#ppt_h/2"/>
-                                          </p:val>
-                                        </p:tav>
-                                        <p:tav tm="100000">
-                                          <p:val>
-                                            <p:strVal val="#ppt_y"/>
-                                          </p:val>
-                                        </p:tav>
-                                      </p:tavLst>
-                                    </p:anim>
-                                  </p:childTnLst>
-                                </p:cTn>
-                              </p:par>
-                              <p:par>
-                                <p:cTn id="85" presetID="2" presetClass="entr" presetSubtype="4" fill="hold" grpId="0" nodeType="withEffect">
-                                  <p:stCondLst>
-                                    <p:cond delay="0"/>
-                                  </p:stCondLst>
-                                  <p:childTnLst>
-                                    <p:set>
-                                      <p:cBhvr>
-                                        <p:cTn id="86" dur="1" fill="hold">
-                                          <p:stCondLst>
-                                            <p:cond delay="0"/>
-                                          </p:stCondLst>
-                                        </p:cTn>
-                                        <p:tgtEl>
-                                          <p:spTgt spid="38"/>
-                                        </p:tgtEl>
-                                        <p:attrNameLst>
-                                          <p:attrName>style.visibility</p:attrName>
-                                        </p:attrNameLst>
-                                      </p:cBhvr>
-                                      <p:to>
-                                        <p:strVal val="visible"/>
-                                      </p:to>
-                                    </p:set>
-                                    <p:anim calcmode="lin" valueType="num">
-                                      <p:cBhvr additive="base">
-                                        <p:cTn id="87" dur="500" fill="hold"/>
-                                        <p:tgtEl>
-                                          <p:spTgt spid="38"/>
-                                        </p:tgtEl>
-                                        <p:attrNameLst>
-                                          <p:attrName>ppt_x</p:attrName>
-                                        </p:attrNameLst>
-                                      </p:cBhvr>
-                                      <p:tavLst>
-                                        <p:tav tm="0">
-                                          <p:val>
-                                            <p:strVal val="#ppt_x"/>
-                                          </p:val>
-                                        </p:tav>
-                                        <p:tav tm="100000">
-                                          <p:val>
-                                            <p:strVal val="#ppt_x"/>
-                                          </p:val>
-                                        </p:tav>
-                                      </p:tavLst>
-                                    </p:anim>
-                                    <p:anim calcmode="lin" valueType="num">
-                                      <p:cBhvr additive="base">
-                                        <p:cTn id="88" dur="500" fill="hold"/>
-                                        <p:tgtEl>
-                                          <p:spTgt spid="38"/>
-                                        </p:tgtEl>
-                                        <p:attrNameLst>
-                                          <p:attrName>ppt_y</p:attrName>
-                                        </p:attrNameLst>
-                                      </p:cBhvr>
-                                      <p:tavLst>
-                                        <p:tav tm="0">
-                                          <p:val>
-                                            <p:strVal val="1+#ppt_h/2"/>
-                                          </p:val>
-                                        </p:tav>
-                                        <p:tav tm="100000">
-                                          <p:val>
-                                            <p:strVal val="#ppt_y"/>
-                                          </p:val>
-                                        </p:tav>
-                                      </p:tavLst>
-                                    </p:anim>
-                                  </p:childTnLst>
-                                </p:cTn>
-                              </p:par>
-                              <p:par>
-                                <p:cTn id="89" presetID="2" presetClass="entr" presetSubtype="4" fill="hold" nodeType="withEffect">
-                                  <p:stCondLst>
-                                    <p:cond delay="0"/>
-                                  </p:stCondLst>
-                                  <p:childTnLst>
-                                    <p:set>
-                                      <p:cBhvr>
-                                        <p:cTn id="90" dur="1" fill="hold">
-                                          <p:stCondLst>
-                                            <p:cond delay="0"/>
-                                          </p:stCondLst>
-                                        </p:cTn>
-                                        <p:tgtEl>
-                                          <p:spTgt spid="41"/>
-                                        </p:tgtEl>
-                                        <p:attrNameLst>
-                                          <p:attrName>style.visibility</p:attrName>
-                                        </p:attrNameLst>
-                                      </p:cBhvr>
-                                      <p:to>
-                                        <p:strVal val="visible"/>
-                                      </p:to>
-                                    </p:set>
-                                    <p:anim calcmode="lin" valueType="num">
-                                      <p:cBhvr additive="base">
-                                        <p:cTn id="91" dur="500" fill="hold"/>
-                                        <p:tgtEl>
-                                          <p:spTgt spid="41"/>
-                                        </p:tgtEl>
-                                        <p:attrNameLst>
-                                          <p:attrName>ppt_x</p:attrName>
-                                        </p:attrNameLst>
-                                      </p:cBhvr>
-                                      <p:tavLst>
-                                        <p:tav tm="0">
-                                          <p:val>
-                                            <p:strVal val="#ppt_x"/>
-                                          </p:val>
-                                        </p:tav>
-                                        <p:tav tm="100000">
-                                          <p:val>
-                                            <p:strVal val="#ppt_x"/>
-                                          </p:val>
-                                        </p:tav>
-                                      </p:tavLst>
-                                    </p:anim>
-                                    <p:anim calcmode="lin" valueType="num">
-                                      <p:cBhvr additive="base">
-                                        <p:cTn id="92" dur="500" fill="hold"/>
-                                        <p:tgtEl>
-                                          <p:spTgt spid="41"/>
-                                        </p:tgtEl>
-                                        <p:attrNameLst>
-                                          <p:attrName>ppt_y</p:attrName>
-                                        </p:attrNameLst>
-                                      </p:cBhvr>
-                                      <p:tavLst>
-                                        <p:tav tm="0">
-                                          <p:val>
-                                            <p:strVal val="1+#ppt_h/2"/>
-                                          </p:val>
-                                        </p:tav>
-                                        <p:tav tm="100000">
-                                          <p:val>
-                                            <p:strVal val="#ppt_y"/>
-                                          </p:val>
-                                        </p:tav>
-                                      </p:tavLst>
-                                    </p:anim>
-                                  </p:childTnLst>
-                                </p:cTn>
-                              </p:par>
-                              <p:par>
-                                <p:cTn id="93" presetID="2" presetClass="entr" presetSubtype="4" fill="hold" grpId="0" nodeType="withEffect">
-                                  <p:stCondLst>
-                                    <p:cond delay="0"/>
-                                  </p:stCondLst>
-                                  <p:childTnLst>
-                                    <p:set>
-                                      <p:cBhvr>
-                                        <p:cTn id="94" dur="1" fill="hold">
-                                          <p:stCondLst>
-                                            <p:cond delay="0"/>
-                                          </p:stCondLst>
-                                        </p:cTn>
-                                        <p:tgtEl>
-                                          <p:spTgt spid="39"/>
-                                        </p:tgtEl>
-                                        <p:attrNameLst>
-                                          <p:attrName>style.visibility</p:attrName>
-                                        </p:attrNameLst>
-                                      </p:cBhvr>
-                                      <p:to>
-                                        <p:strVal val="visible"/>
-                                      </p:to>
-                                    </p:set>
-                                    <p:anim calcmode="lin" valueType="num">
-                                      <p:cBhvr additive="base">
-                                        <p:cTn id="95" dur="500" fill="hold"/>
-                                        <p:tgtEl>
-                                          <p:spTgt spid="39"/>
-                                        </p:tgtEl>
-                                        <p:attrNameLst>
-                                          <p:attrName>ppt_x</p:attrName>
-                                        </p:attrNameLst>
-                                      </p:cBhvr>
-                                      <p:tavLst>
-                                        <p:tav tm="0">
-                                          <p:val>
-                                            <p:strVal val="#ppt_x"/>
-                                          </p:val>
-                                        </p:tav>
-                                        <p:tav tm="100000">
-                                          <p:val>
-                                            <p:strVal val="#ppt_x"/>
-                                          </p:val>
-                                        </p:tav>
-                                      </p:tavLst>
-                                    </p:anim>
-                                    <p:anim calcmode="lin" valueType="num">
-                                      <p:cBhvr additive="base">
-                                        <p:cTn id="96" dur="500" fill="hold"/>
-                                        <p:tgtEl>
-                                          <p:spTgt spid="39"/>
-                                        </p:tgtEl>
-                                        <p:attrNameLst>
-                                          <p:attrName>ppt_y</p:attrName>
-                                        </p:attrNameLst>
-                                      </p:cBhvr>
-                                      <p:tavLst>
-                                        <p:tav tm="0">
-                                          <p:val>
-                                            <p:strVal val="1+#ppt_h/2"/>
-                                          </p:val>
-                                        </p:tav>
-                                        <p:tav tm="100000">
-                                          <p:val>
-                                            <p:strVal val="#ppt_y"/>
-                                          </p:val>
-                                        </p:tav>
-                                      </p:tavLst>
-                                    </p:anim>
-                                  </p:childTnLst>
-                                </p:cTn>
-                              </p:par>
-                              <p:par>
-                                <p:cTn id="97" presetID="2" presetClass="entr" presetSubtype="4" fill="hold" nodeType="withEffect">
-                                  <p:stCondLst>
-                                    <p:cond delay="0"/>
-                                  </p:stCondLst>
-                                  <p:childTnLst>
-                                    <p:set>
-                                      <p:cBhvr>
-                                        <p:cTn id="98" dur="1" fill="hold">
-                                          <p:stCondLst>
-                                            <p:cond delay="0"/>
-                                          </p:stCondLst>
-                                        </p:cTn>
-                                        <p:tgtEl>
-                                          <p:spTgt spid="48"/>
-                                        </p:tgtEl>
-                                        <p:attrNameLst>
-                                          <p:attrName>style.visibility</p:attrName>
-                                        </p:attrNameLst>
-                                      </p:cBhvr>
-                                      <p:to>
-                                        <p:strVal val="visible"/>
-                                      </p:to>
-                                    </p:set>
-                                    <p:anim calcmode="lin" valueType="num">
-                                      <p:cBhvr additive="base">
-                                        <p:cTn id="99" dur="500" fill="hold"/>
-                                        <p:tgtEl>
-                                          <p:spTgt spid="48"/>
-                                        </p:tgtEl>
-                                        <p:attrNameLst>
-                                          <p:attrName>ppt_x</p:attrName>
-                                        </p:attrNameLst>
-                                      </p:cBhvr>
-                                      <p:tavLst>
-                                        <p:tav tm="0">
-                                          <p:val>
-                                            <p:strVal val="#ppt_x"/>
-                                          </p:val>
-                                        </p:tav>
-                                        <p:tav tm="100000">
-                                          <p:val>
-                                            <p:strVal val="#ppt_x"/>
-                                          </p:val>
-                                        </p:tav>
-                                      </p:tavLst>
-                                    </p:anim>
-                                    <p:anim calcmode="lin" valueType="num">
-                                      <p:cBhvr additive="base">
-                                        <p:cTn id="100" dur="500" fill="hold"/>
-                                        <p:tgtEl>
-                                          <p:spTgt spid="48"/>
-                                        </p:tgtEl>
-                                        <p:attrNameLst>
-                                          <p:attrName>ppt_y</p:attrName>
-                                        </p:attrNameLst>
-                                      </p:cBhvr>
-                                      <p:tavLst>
-                                        <p:tav tm="0">
-                                          <p:val>
-                                            <p:strVal val="1+#ppt_h/2"/>
-                                          </p:val>
-                                        </p:tav>
-                                        <p:tav tm="100000">
-                                          <p:val>
-                                            <p:strVal val="#ppt_y"/>
-                                          </p:val>
-                                        </p:tav>
-                                      </p:tavLst>
-                                    </p:anim>
-                                  </p:childTnLst>
-                                </p:cTn>
-                              </p:par>
-                              <p:par>
-                                <p:cTn id="101" presetID="2" presetClass="entr" presetSubtype="4" fill="hold" grpId="0" nodeType="withEffect">
-                                  <p:stCondLst>
-                                    <p:cond delay="0"/>
-                                  </p:stCondLst>
-                                  <p:childTnLst>
-                                    <p:set>
-                                      <p:cBhvr>
-                                        <p:cTn id="102" dur="1" fill="hold">
-                                          <p:stCondLst>
-                                            <p:cond delay="0"/>
-                                          </p:stCondLst>
-                                        </p:cTn>
-                                        <p:tgtEl>
-                                          <p:spTgt spid="46"/>
-                                        </p:tgtEl>
-                                        <p:attrNameLst>
-                                          <p:attrName>style.visibility</p:attrName>
-                                        </p:attrNameLst>
-                                      </p:cBhvr>
-                                      <p:to>
-                                        <p:strVal val="visible"/>
-                                      </p:to>
-                                    </p:set>
-                                    <p:anim calcmode="lin" valueType="num">
-                                      <p:cBhvr additive="base">
-                                        <p:cTn id="103" dur="500" fill="hold"/>
-                                        <p:tgtEl>
-                                          <p:spTgt spid="46"/>
-                                        </p:tgtEl>
-                                        <p:attrNameLst>
-                                          <p:attrName>ppt_x</p:attrName>
-                                        </p:attrNameLst>
-                                      </p:cBhvr>
-                                      <p:tavLst>
-                                        <p:tav tm="0">
-                                          <p:val>
-                                            <p:strVal val="#ppt_x"/>
-                                          </p:val>
-                                        </p:tav>
-                                        <p:tav tm="100000">
-                                          <p:val>
-                                            <p:strVal val="#ppt_x"/>
-                                          </p:val>
-                                        </p:tav>
-                                      </p:tavLst>
-                                    </p:anim>
-                                    <p:anim calcmode="lin" valueType="num">
-                                      <p:cBhvr additive="base">
-                                        <p:cTn id="104" dur="500" fill="hold"/>
-                                        <p:tgtEl>
-                                          <p:spTgt spid="46"/>
-                                        </p:tgtEl>
-                                        <p:attrNameLst>
-                                          <p:attrName>ppt_y</p:attrName>
-                                        </p:attrNameLst>
-                                      </p:cBhvr>
-                                      <p:tavLst>
-                                        <p:tav tm="0">
-                                          <p:val>
-                                            <p:strVal val="1+#ppt_h/2"/>
-                                          </p:val>
-                                        </p:tav>
-                                        <p:tav tm="100000">
-                                          <p:val>
-                                            <p:strVal val="#ppt_y"/>
-                                          </p:val>
-                                        </p:tav>
-                                      </p:tavLst>
-                                    </p:anim>
-                                  </p:childTnLst>
-                                </p:cTn>
-                              </p:par>
-                              <p:par>
-                                <p:cTn id="105" presetID="2" presetClass="entr" presetSubtype="4" fill="hold" grpId="0" nodeType="withEffect">
-                                  <p:stCondLst>
-                                    <p:cond delay="0"/>
-                                  </p:stCondLst>
-                                  <p:childTnLst>
-                                    <p:set>
-                                      <p:cBhvr>
-                                        <p:cTn id="106" dur="1" fill="hold">
-                                          <p:stCondLst>
-                                            <p:cond delay="0"/>
-                                          </p:stCondLst>
-                                        </p:cTn>
-                                        <p:tgtEl>
-                                          <p:spTgt spid="51"/>
-                                        </p:tgtEl>
-                                        <p:attrNameLst>
-                                          <p:attrName>style.visibility</p:attrName>
-                                        </p:attrNameLst>
-                                      </p:cBhvr>
-                                      <p:to>
-                                        <p:strVal val="visible"/>
-                                      </p:to>
-                                    </p:set>
-                                    <p:anim calcmode="lin" valueType="num">
-                                      <p:cBhvr additive="base">
-                                        <p:cTn id="107" dur="500" fill="hold"/>
-                                        <p:tgtEl>
-                                          <p:spTgt spid="51"/>
-                                        </p:tgtEl>
-                                        <p:attrNameLst>
-                                          <p:attrName>ppt_x</p:attrName>
-                                        </p:attrNameLst>
-                                      </p:cBhvr>
-                                      <p:tavLst>
-                                        <p:tav tm="0">
-                                          <p:val>
-                                            <p:strVal val="#ppt_x"/>
-                                          </p:val>
-                                        </p:tav>
-                                        <p:tav tm="100000">
-                                          <p:val>
-                                            <p:strVal val="#ppt_x"/>
-                                          </p:val>
-                                        </p:tav>
-                                      </p:tavLst>
-                                    </p:anim>
-                                    <p:anim calcmode="lin" valueType="num">
-                                      <p:cBhvr additive="base">
-                                        <p:cTn id="108" dur="500" fill="hold"/>
-                                        <p:tgtEl>
-                                          <p:spTgt spid="51"/>
-                                        </p:tgtEl>
-                                        <p:attrNameLst>
-                                          <p:attrName>ppt_y</p:attrName>
-                                        </p:attrNameLst>
-                                      </p:cBhvr>
-                                      <p:tavLst>
-                                        <p:tav tm="0">
-                                          <p:val>
-                                            <p:strVal val="1+#ppt_h/2"/>
-                                          </p:val>
-                                        </p:tav>
-                                        <p:tav tm="100000">
-                                          <p:val>
-                                            <p:strVal val="#ppt_y"/>
-                                          </p:val>
-                                        </p:tav>
-                                      </p:tavLst>
-                                    </p:anim>
-                                  </p:childTnLst>
-                                </p:cTn>
-                              </p:par>
-                            </p:childTnLst>
-                          </p:cTn>
-                        </p:par>
-                      </p:childTnLst>
-                    </p:cTn>
-                  </p:par>
-                  <p:par>
-                    <p:cTn id="109" fill="hold">
-                      <p:stCondLst>
-                        <p:cond delay="indefinite"/>
-                      </p:stCondLst>
-                      <p:childTnLst>
-                        <p:par>
-                          <p:cTn id="110" fill="hold">
-                            <p:stCondLst>
-                              <p:cond delay="0"/>
-                            </p:stCondLst>
-                            <p:childTnLst>
-                              <p:par>
-                                <p:cTn id="111" presetID="10" presetClass="entr" presetSubtype="0" fill="hold" grpId="0" nodeType="clickEffect">
-                                  <p:stCondLst>
-                                    <p:cond delay="0"/>
-                                  </p:stCondLst>
-                                  <p:childTnLst>
-                                    <p:set>
-                                      <p:cBhvr>
-                                        <p:cTn id="112" dur="1" fill="hold">
-                                          <p:stCondLst>
-                                            <p:cond delay="0"/>
-                                          </p:stCondLst>
-                                        </p:cTn>
-                                        <p:tgtEl>
-                                          <p:spTgt spid="2"/>
-                                        </p:tgtEl>
-                                        <p:attrNameLst>
-                                          <p:attrName>style.visibility</p:attrName>
-                                        </p:attrNameLst>
-                                      </p:cBhvr>
-                                      <p:to>
-                                        <p:strVal val="visible"/>
-                                      </p:to>
-                                    </p:set>
-                                    <p:animEffect transition="in" filter="fade">
-                                      <p:cBhvr>
-                                        <p:cTn id="113" dur="500"/>
-                                        <p:tgtEl>
-                                          <p:spTgt spid="2"/>
-                                        </p:tgtEl>
-                                      </p:cBhvr>
-                                    </p:animEffect>
-                                  </p:childTnLst>
-                                </p:cTn>
-                              </p:par>
-                              <p:par>
-                                <p:cTn id="114" presetID="10" presetClass="entr" presetSubtype="0" fill="hold" grpId="0" nodeType="withEffect">
-                                  <p:stCondLst>
-                                    <p:cond delay="0"/>
-                                  </p:stCondLst>
-                                  <p:childTnLst>
-                                    <p:set>
-                                      <p:cBhvr>
-                                        <p:cTn id="115" dur="1" fill="hold">
-                                          <p:stCondLst>
-                                            <p:cond delay="0"/>
-                                          </p:stCondLst>
-                                        </p:cTn>
-                                        <p:tgtEl>
-                                          <p:spTgt spid="3"/>
-                                        </p:tgtEl>
-                                        <p:attrNameLst>
-                                          <p:attrName>style.visibility</p:attrName>
-                                        </p:attrNameLst>
-                                      </p:cBhvr>
-                                      <p:to>
-                                        <p:strVal val="visible"/>
-                                      </p:to>
-                                    </p:set>
-                                    <p:animEffect transition="in" filter="fade">
-                                      <p:cBhvr>
-                                        <p:cTn id="116" dur="500"/>
-                                        <p:tgtEl>
-                                          <p:spTgt spid="3"/>
-                                        </p:tgtEl>
-                                      </p:cBhvr>
-                                    </p:animEffect>
-                                  </p:childTnLst>
-                                </p:cTn>
-                              </p:par>
-                            </p:childTnLst>
-                          </p:cTn>
-                        </p:par>
-                      </p:childTnLst>
-                    </p:cTn>
-                  </p:par>
-                  <p:par>
-                    <p:cTn id="117" fill="hold">
-                      <p:stCondLst>
-                        <p:cond delay="indefinite"/>
-                      </p:stCondLst>
-                      <p:childTnLst>
-                        <p:par>
-                          <p:cTn id="118" fill="hold">
-                            <p:stCondLst>
-                              <p:cond delay="0"/>
-                            </p:stCondLst>
-                            <p:childTnLst>
-                              <p:par>
-                                <p:cTn id="119" presetID="2" presetClass="entr" presetSubtype="4" fill="hold" grpId="0" nodeType="clickEffect">
-                                  <p:stCondLst>
-                                    <p:cond delay="0"/>
-                                  </p:stCondLst>
-                                  <p:childTnLst>
-                                    <p:set>
-                                      <p:cBhvr>
-                                        <p:cTn id="120" dur="1" fill="hold">
-                                          <p:stCondLst>
-                                            <p:cond delay="0"/>
-                                          </p:stCondLst>
-                                        </p:cTn>
-                                        <p:tgtEl>
-                                          <p:spTgt spid="10"/>
-                                        </p:tgtEl>
-                                        <p:attrNameLst>
-                                          <p:attrName>style.visibility</p:attrName>
-                                        </p:attrNameLst>
-                                      </p:cBhvr>
-                                      <p:to>
-                                        <p:strVal val="visible"/>
-                                      </p:to>
-                                    </p:set>
-                                    <p:anim calcmode="lin" valueType="num">
-                                      <p:cBhvr additive="base">
-                                        <p:cTn id="121" dur="500" fill="hold"/>
-                                        <p:tgtEl>
-                                          <p:spTgt spid="10"/>
-                                        </p:tgtEl>
-                                        <p:attrNameLst>
-                                          <p:attrName>ppt_x</p:attrName>
-                                        </p:attrNameLst>
-                                      </p:cBhvr>
-                                      <p:tavLst>
-                                        <p:tav tm="0">
-                                          <p:val>
-                                            <p:strVal val="#ppt_x"/>
-                                          </p:val>
-                                        </p:tav>
-                                        <p:tav tm="100000">
-                                          <p:val>
-                                            <p:strVal val="#ppt_x"/>
-                                          </p:val>
-                                        </p:tav>
-                                      </p:tavLst>
-                                    </p:anim>
-                                    <p:anim calcmode="lin" valueType="num">
-                                      <p:cBhvr additive="base">
-                                        <p:cTn id="122" dur="500" fill="hold"/>
-                                        <p:tgtEl>
-                                          <p:spTgt spid="10"/>
-                                        </p:tgtEl>
-                                        <p:attrNameLst>
-                                          <p:attrName>ppt_y</p:attrName>
-                                        </p:attrNameLst>
-                                      </p:cBhvr>
-                                      <p:tavLst>
-                                        <p:tav tm="0">
-                                          <p:val>
-                                            <p:strVal val="1+#ppt_h/2"/>
-                                          </p:val>
-                                        </p:tav>
-                                        <p:tav tm="100000">
-                                          <p:val>
-                                            <p:strVal val="#ppt_y"/>
-                                          </p:val>
-                                        </p:tav>
-                                      </p:tavLst>
-                                    </p:anim>
-                                  </p:childTnLst>
-                                </p:cTn>
-                              </p:par>
-                            </p:childTnLst>
-                          </p:cTn>
-                        </p:par>
-                      </p:childTnLst>
-                    </p:cTn>
-                  </p:par>
-                </p:childTnLst>
-              </p:cTn>
-              <p:prevCondLst>
-                <p:cond evt="onPrev" delay="0">
-                  <p:tgtEl>
-                    <p:sldTgt/>
-                  </p:tgtEl>
-                </p:cond>
-              </p:prevCondLst>
-              <p:nextCondLst>
-                <p:cond evt="onNext" delay="0">
-                  <p:tgtEl>
-                    <p:sldTgt/>
-                  </p:tgtEl>
-                </p:cond>
-              </p:nextCondLst>
-            </p:seq>
-          </p:childTnLst>
-        </p:cTn>
+        <p:cTn id="1" dur="indefinite" restart="never" nodeType="tmRoot"/>
       </p:par>
     </p:tnLst>
-    <p:bldLst>
-      <p:bldP spid="11" grpId="0" animBg="1"/>
-      <p:bldP spid="12" grpId="0" animBg="1"/>
-      <p:bldP spid="13" grpId="0" animBg="1"/>
-      <p:bldP spid="16" grpId="0"/>
-      <p:bldP spid="25" grpId="0" animBg="1"/>
-      <p:bldP spid="26" grpId="0" animBg="1"/>
-      <p:bldP spid="27" grpId="0" animBg="1"/>
-      <p:bldP spid="34" grpId="0"/>
-      <p:bldP spid="38" grpId="0" animBg="1"/>
-      <p:bldP spid="39" grpId="0" animBg="1"/>
-      <p:bldP spid="46" grpId="0" animBg="1"/>
-      <p:bldP spid="51" grpId="0"/>
-      <p:bldP spid="2" grpId="0" animBg="1"/>
-      <p:bldP spid="3" grpId="0"/>
-      <p:bldP spid="8" grpId="0" animBg="1"/>
-      <p:bldP spid="9" grpId="0"/>
-      <p:bldP spid="10" grpId="0" animBg="1"/>
-    </p:bldLst>
   </p:timing>
 </p:sld>
 </file>

--- a/Branching.pptx
+++ b/Branching.pptx
@@ -5,10 +5,10 @@
     <p:sldMasterId id="2147483648" r:id="rId1"/>
   </p:sldMasterIdLst>
   <p:notesMasterIdLst>
-    <p:notesMasterId r:id="rId22"/>
+    <p:notesMasterId r:id="rId21"/>
   </p:notesMasterIdLst>
   <p:handoutMasterIdLst>
-    <p:handoutMasterId r:id="rId23"/>
+    <p:handoutMasterId r:id="rId22"/>
   </p:handoutMasterIdLst>
   <p:sldIdLst>
     <p:sldId id="256" r:id="rId2"/>
@@ -16,21 +16,20 @@
     <p:sldId id="275" r:id="rId4"/>
     <p:sldId id="289" r:id="rId5"/>
     <p:sldId id="291" r:id="rId6"/>
-    <p:sldId id="277" r:id="rId7"/>
-    <p:sldId id="282" r:id="rId8"/>
-    <p:sldId id="269" r:id="rId9"/>
-    <p:sldId id="278" r:id="rId10"/>
-    <p:sldId id="290" r:id="rId11"/>
+    <p:sldId id="269" r:id="rId7"/>
+    <p:sldId id="292" r:id="rId8"/>
+    <p:sldId id="282" r:id="rId9"/>
+    <p:sldId id="290" r:id="rId10"/>
+    <p:sldId id="284" r:id="rId11"/>
     <p:sldId id="262" r:id="rId12"/>
-    <p:sldId id="284" r:id="rId13"/>
-    <p:sldId id="279" r:id="rId14"/>
-    <p:sldId id="285" r:id="rId15"/>
-    <p:sldId id="280" r:id="rId16"/>
-    <p:sldId id="286" r:id="rId17"/>
-    <p:sldId id="281" r:id="rId18"/>
-    <p:sldId id="287" r:id="rId19"/>
-    <p:sldId id="258" r:id="rId20"/>
-    <p:sldId id="257" r:id="rId21"/>
+    <p:sldId id="279" r:id="rId13"/>
+    <p:sldId id="285" r:id="rId14"/>
+    <p:sldId id="280" r:id="rId15"/>
+    <p:sldId id="286" r:id="rId16"/>
+    <p:sldId id="281" r:id="rId17"/>
+    <p:sldId id="287" r:id="rId18"/>
+    <p:sldId id="258" r:id="rId19"/>
+    <p:sldId id="257" r:id="rId20"/>
   </p:sldIdLst>
   <p:sldSz cx="9144000" cy="6858000" type="screen4x3"/>
   <p:notesSz cx="6858000" cy="9144000"/>
@@ -228,9 +227,9 @@
             </a:lvl1pPr>
           </a:lstStyle>
           <a:p>
-            <a:fld id="{F0DA93E1-36F6-4327-8340-F7D94589723B}" type="datetime5">
+            <a:fld id="{52EF93D8-3BC8-4AA0-9862-C2ADEA2DDDBD}" type="datetime5">
               <a:rPr lang="en-US" smtClean="0"/>
-              <a:t>26-Oct-18</a:t>
+              <a:t>27-Oct-18</a:t>
             </a:fld>
             <a:endParaRPr lang="en-US"/>
           </a:p>
@@ -398,9 +397,9 @@
             </a:lvl1pPr>
           </a:lstStyle>
           <a:p>
-            <a:fld id="{D0C2D5CC-CC13-4E90-B9BB-949E4E010345}" type="datetime5">
+            <a:fld id="{0074AC56-804C-4852-BEEA-4F6D76810DE9}" type="datetime5">
               <a:rPr lang="en-US" smtClean="0"/>
-              <a:t>26-Oct-18</a:t>
+              <a:t>27-Oct-18</a:t>
             </a:fld>
             <a:endParaRPr lang="en-US"/>
           </a:p>
@@ -673,6 +672,136 @@
 </p:notesMaster>
 </file>
 
+<file path=ppt/notesSlides/notesSlide1.xml><?xml version="1.0" encoding="utf-8"?>
+<p:notes xmlns:a="http://schemas.openxmlformats.org/drawingml/2006/main" xmlns:r="http://schemas.openxmlformats.org/officeDocument/2006/relationships" xmlns:p="http://schemas.openxmlformats.org/presentationml/2006/main">
+  <p:cSld>
+    <p:spTree>
+      <p:nvGrpSpPr>
+        <p:cNvPr id="1" name=""/>
+        <p:cNvGrpSpPr/>
+        <p:nvPr/>
+      </p:nvGrpSpPr>
+      <p:grpSpPr>
+        <a:xfrm>
+          <a:off x="0" y="0"/>
+          <a:ext cx="0" cy="0"/>
+          <a:chOff x="0" y="0"/>
+          <a:chExt cx="0" cy="0"/>
+        </a:xfrm>
+      </p:grpSpPr>
+      <p:sp>
+        <p:nvSpPr>
+          <p:cNvPr id="2" name="Slide Image Placeholder 1"/>
+          <p:cNvSpPr>
+            <a:spLocks noGrp="1" noRot="1" noChangeAspect="1"/>
+          </p:cNvSpPr>
+          <p:nvPr>
+            <p:ph type="sldImg"/>
+          </p:nvPr>
+        </p:nvSpPr>
+        <p:spPr/>
+      </p:sp>
+      <p:sp>
+        <p:nvSpPr>
+          <p:cNvPr id="3" name="Notes Placeholder 2"/>
+          <p:cNvSpPr>
+            <a:spLocks noGrp="1"/>
+          </p:cNvSpPr>
+          <p:nvPr>
+            <p:ph type="body" idx="1"/>
+          </p:nvPr>
+        </p:nvSpPr>
+        <p:spPr/>
+        <p:txBody>
+          <a:bodyPr/>
+          <a:lstStyle/>
+          <a:p>
+            <a:endParaRPr lang="en-US"/>
+          </a:p>
+        </p:txBody>
+      </p:sp>
+      <p:sp>
+        <p:nvSpPr>
+          <p:cNvPr id="4" name="Date Placeholder 3"/>
+          <p:cNvSpPr>
+            <a:spLocks noGrp="1"/>
+          </p:cNvSpPr>
+          <p:nvPr>
+            <p:ph type="dt" idx="10"/>
+          </p:nvPr>
+        </p:nvSpPr>
+        <p:spPr/>
+        <p:txBody>
+          <a:bodyPr/>
+          <a:lstStyle/>
+          <a:p>
+            <a:fld id="{D0C2D5CC-CC13-4E90-B9BB-949E4E010345}" type="datetime5">
+              <a:rPr lang="en-US" smtClean="0"/>
+              <a:t>27-Oct-18</a:t>
+            </a:fld>
+            <a:endParaRPr lang="en-US"/>
+          </a:p>
+        </p:txBody>
+      </p:sp>
+      <p:sp>
+        <p:nvSpPr>
+          <p:cNvPr id="5" name="Footer Placeholder 4"/>
+          <p:cNvSpPr>
+            <a:spLocks noGrp="1"/>
+          </p:cNvSpPr>
+          <p:nvPr>
+            <p:ph type="ftr" sz="quarter" idx="11"/>
+          </p:nvPr>
+        </p:nvSpPr>
+        <p:spPr/>
+        <p:txBody>
+          <a:bodyPr/>
+          <a:lstStyle/>
+          <a:p>
+            <a:r>
+              <a:rPr lang="en-US" smtClean="0"/>
+              <a:t>AXP Internal</a:t>
+            </a:r>
+            <a:endParaRPr lang="en-US"/>
+          </a:p>
+        </p:txBody>
+      </p:sp>
+      <p:sp>
+        <p:nvSpPr>
+          <p:cNvPr id="6" name="Slide Number Placeholder 5"/>
+          <p:cNvSpPr>
+            <a:spLocks noGrp="1"/>
+          </p:cNvSpPr>
+          <p:nvPr>
+            <p:ph type="sldNum" sz="quarter" idx="12"/>
+          </p:nvPr>
+        </p:nvSpPr>
+        <p:spPr/>
+        <p:txBody>
+          <a:bodyPr/>
+          <a:lstStyle/>
+          <a:p>
+            <a:fld id="{BDC5FBE7-89E0-43FB-9F89-F2A2958ED390}" type="slidenum">
+              <a:rPr lang="en-US" smtClean="0"/>
+              <a:t>8</a:t>
+            </a:fld>
+            <a:endParaRPr lang="en-US"/>
+          </a:p>
+        </p:txBody>
+      </p:sp>
+    </p:spTree>
+    <p:extLst>
+      <p:ext uri="{BB962C8B-B14F-4D97-AF65-F5344CB8AC3E}">
+        <p14:creationId xmlns:p14="http://schemas.microsoft.com/office/powerpoint/2010/main" val="2375896619"/>
+      </p:ext>
+    </p:extLst>
+  </p:cSld>
+  <p:clrMapOvr>
+    <a:masterClrMapping/>
+  </p:clrMapOvr>
+</p:notes>
+</file>
+
 <file path=ppt/slideLayouts/slideLayout1.xml><?xml version="1.0" encoding="utf-8"?>
 <p:sldLayout xmlns:a="http://schemas.openxmlformats.org/drawingml/2006/main" xmlns:r="http://schemas.openxmlformats.org/officeDocument/2006/relationships" xmlns:p="http://schemas.openxmlformats.org/presentationml/2006/main" type="title" preserve="1">
   <p:cSld name="Title Slide">
@@ -854,7 +983,7 @@
           <a:p>
             <a:fld id="{7D69ABD8-CC08-634C-8959-69E2F102606D}" type="datetimeFigureOut">
               <a:rPr lang="en-US" smtClean="0"/>
-              <a:t>10/26/2018</a:t>
+              <a:t>10/27/2018</a:t>
             </a:fld>
             <a:endParaRPr lang="en-US"/>
           </a:p>
@@ -1024,7 +1153,7 @@
           <a:p>
             <a:fld id="{7D69ABD8-CC08-634C-8959-69E2F102606D}" type="datetimeFigureOut">
               <a:rPr lang="en-US" smtClean="0"/>
-              <a:t>10/26/2018</a:t>
+              <a:t>10/27/2018</a:t>
             </a:fld>
             <a:endParaRPr lang="en-US"/>
           </a:p>
@@ -1204,7 +1333,7 @@
           <a:p>
             <a:fld id="{7D69ABD8-CC08-634C-8959-69E2F102606D}" type="datetimeFigureOut">
               <a:rPr lang="en-US" smtClean="0"/>
-              <a:t>10/26/2018</a:t>
+              <a:t>10/27/2018</a:t>
             </a:fld>
             <a:endParaRPr lang="en-US"/>
           </a:p>
@@ -1374,7 +1503,7 @@
           <a:p>
             <a:fld id="{7D69ABD8-CC08-634C-8959-69E2F102606D}" type="datetimeFigureOut">
               <a:rPr lang="en-US" smtClean="0"/>
-              <a:t>10/26/2018</a:t>
+              <a:t>10/27/2018</a:t>
             </a:fld>
             <a:endParaRPr lang="en-US"/>
           </a:p>
@@ -1620,7 +1749,7 @@
           <a:p>
             <a:fld id="{7D69ABD8-CC08-634C-8959-69E2F102606D}" type="datetimeFigureOut">
               <a:rPr lang="en-US" smtClean="0"/>
-              <a:t>10/26/2018</a:t>
+              <a:t>10/27/2018</a:t>
             </a:fld>
             <a:endParaRPr lang="en-US"/>
           </a:p>
@@ -1908,7 +2037,7 @@
           <a:p>
             <a:fld id="{7D69ABD8-CC08-634C-8959-69E2F102606D}" type="datetimeFigureOut">
               <a:rPr lang="en-US" smtClean="0"/>
-              <a:t>10/26/2018</a:t>
+              <a:t>10/27/2018</a:t>
             </a:fld>
             <a:endParaRPr lang="en-US"/>
           </a:p>
@@ -2330,7 +2459,7 @@
           <a:p>
             <a:fld id="{7D69ABD8-CC08-634C-8959-69E2F102606D}" type="datetimeFigureOut">
               <a:rPr lang="en-US" smtClean="0"/>
-              <a:t>10/26/2018</a:t>
+              <a:t>10/27/2018</a:t>
             </a:fld>
             <a:endParaRPr lang="en-US"/>
           </a:p>
@@ -2448,7 +2577,7 @@
           <a:p>
             <a:fld id="{7D69ABD8-CC08-634C-8959-69E2F102606D}" type="datetimeFigureOut">
               <a:rPr lang="en-US" smtClean="0"/>
-              <a:t>10/26/2018</a:t>
+              <a:t>10/27/2018</a:t>
             </a:fld>
             <a:endParaRPr lang="en-US"/>
           </a:p>
@@ -2543,7 +2672,7 @@
           <a:p>
             <a:fld id="{7D69ABD8-CC08-634C-8959-69E2F102606D}" type="datetimeFigureOut">
               <a:rPr lang="en-US" smtClean="0"/>
-              <a:t>10/26/2018</a:t>
+              <a:t>10/27/2018</a:t>
             </a:fld>
             <a:endParaRPr lang="en-US"/>
           </a:p>
@@ -2820,7 +2949,7 @@
           <a:p>
             <a:fld id="{7D69ABD8-CC08-634C-8959-69E2F102606D}" type="datetimeFigureOut">
               <a:rPr lang="en-US" smtClean="0"/>
-              <a:t>10/26/2018</a:t>
+              <a:t>10/27/2018</a:t>
             </a:fld>
             <a:endParaRPr lang="en-US"/>
           </a:p>
@@ -3073,7 +3202,7 @@
           <a:p>
             <a:fld id="{7D69ABD8-CC08-634C-8959-69E2F102606D}" type="datetimeFigureOut">
               <a:rPr lang="en-US" smtClean="0"/>
-              <a:t>10/26/2018</a:t>
+              <a:t>10/27/2018</a:t>
             </a:fld>
             <a:endParaRPr lang="en-US"/>
           </a:p>
@@ -3284,9 +3413,9 @@
             </a:lvl1pPr>
           </a:lstStyle>
           <a:p>
-            <a:fld id="{69974C1F-5C3C-4827-BC0B-F8CC179C2EAB}" type="datetime5">
+            <a:fld id="{5C207619-F06F-4FD5-BE29-06CFBC265D4D}" type="datetime5">
               <a:rPr lang="en-US" smtClean="0"/>
-              <a:t>26-Oct-18</a:t>
+              <a:t>27-Oct-18</a:t>
             </a:fld>
             <a:endParaRPr lang="en-US"/>
           </a:p>
@@ -3682,8 +3811,16 @@
           <a:lstStyle/>
           <a:p>
             <a:r>
+              <a:rPr lang="en-US" dirty="0" err="1" smtClean="0"/>
+              <a:t>Git</a:t>
+            </a:r>
+            <a:r>
               <a:rPr lang="en-US" dirty="0" smtClean="0"/>
-              <a:t>Branching Strategies</a:t>
+              <a:t> Branching </a:t>
+            </a:r>
+            <a:r>
+              <a:rPr lang="en-US" dirty="0" smtClean="0"/>
+              <a:t>Strategies</a:t>
             </a:r>
             <a:endParaRPr lang="en-US" dirty="0"/>
           </a:p>
@@ -3727,9 +3864,9 @@
           <a:bodyPr/>
           <a:lstStyle/>
           <a:p>
-            <a:fld id="{0D961B24-915C-4BC2-AE0F-D942C645D82C}" type="datetime5">
+            <a:fld id="{E83BAA77-C138-42BC-BFC8-C75AB66FE1B0}" type="datetime5">
               <a:rPr lang="en-US" smtClean="0"/>
-              <a:t>26-Oct-18</a:t>
+              <a:t>27-Oct-18</a:t>
             </a:fld>
             <a:endParaRPr lang="en-US"/>
           </a:p>
@@ -3797,12 +3934,12 @@
       </p:grpSpPr>
       <p:sp>
         <p:nvSpPr>
-          <p:cNvPr id="2" name="Title 1"/>
+          <p:cNvPr id="4" name="Date Placeholder 3"/>
           <p:cNvSpPr>
             <a:spLocks noGrp="1"/>
           </p:cNvSpPr>
           <p:nvPr>
-            <p:ph type="title"/>
+            <p:ph type="dt" sz="half" idx="10"/>
           </p:nvPr>
         </p:nvSpPr>
         <p:spPr/>
@@ -3810,139 +3947,17 @@
           <a:bodyPr/>
           <a:lstStyle/>
           <a:p>
-            <a:r>
-              <a:rPr lang="en-US" dirty="0" smtClean="0"/>
-              <a:t>Feature Branch</a:t>
-            </a:r>
-            <a:endParaRPr lang="en-US" dirty="0"/>
-          </a:p>
-        </p:txBody>
-      </p:sp>
-      <p:sp>
-        <p:nvSpPr>
-          <p:cNvPr id="3" name="Content Placeholder 2"/>
-          <p:cNvSpPr>
-            <a:spLocks noGrp="1"/>
-          </p:cNvSpPr>
-          <p:nvPr>
-            <p:ph idx="1"/>
-          </p:nvPr>
-        </p:nvSpPr>
-        <p:spPr>
-          <a:xfrm>
-            <a:off x="457200" y="1600200"/>
-            <a:ext cx="8229600" cy="5121506"/>
-          </a:xfrm>
-        </p:spPr>
-        <p:txBody>
-          <a:bodyPr>
-            <a:normAutofit fontScale="92500" lnSpcReduction="20000"/>
-          </a:bodyPr>
-          <a:lstStyle/>
-          <a:p>
-            <a:r>
-              <a:rPr lang="en-US" dirty="0" smtClean="0"/>
-              <a:t>For </a:t>
-            </a:r>
-            <a:r>
-              <a:rPr lang="en-US" dirty="0"/>
-              <a:t>the upcoming or a distant future release</a:t>
-            </a:r>
-          </a:p>
-          <a:p>
-            <a:r>
-              <a:rPr lang="en-US" dirty="0" smtClean="0"/>
-              <a:t>Branch </a:t>
-            </a:r>
-            <a:r>
-              <a:rPr lang="en-US" dirty="0" smtClean="0"/>
-              <a:t>off </a:t>
-            </a:r>
-            <a:r>
-              <a:rPr lang="en-US" dirty="0"/>
-              <a:t>from </a:t>
-            </a:r>
-            <a:r>
-              <a:rPr lang="en-US" dirty="0" smtClean="0"/>
-              <a:t>the develop branch</a:t>
-            </a:r>
-            <a:endParaRPr lang="en-US" dirty="0" smtClean="0"/>
-          </a:p>
-          <a:p>
-            <a:r>
-              <a:rPr lang="en-US" dirty="0" smtClean="0"/>
-              <a:t>Primary working branches for an individual(s)</a:t>
-            </a:r>
-          </a:p>
-          <a:p>
-            <a:r>
-              <a:rPr lang="en-US" dirty="0" smtClean="0"/>
-              <a:t>When new feature is finished</a:t>
-            </a:r>
-          </a:p>
-          <a:p>
-            <a:pPr lvl="1"/>
-            <a:r>
-              <a:rPr lang="en-US" dirty="0" smtClean="0"/>
-              <a:t>Merge into develop</a:t>
-            </a:r>
-          </a:p>
-          <a:p>
-            <a:pPr lvl="1"/>
-            <a:r>
-              <a:rPr lang="en-US" dirty="0" smtClean="0"/>
-              <a:t>Code reviews</a:t>
-            </a:r>
-          </a:p>
-          <a:p>
-            <a:pPr lvl="1"/>
-            <a:r>
-              <a:rPr lang="en-US" dirty="0" smtClean="0"/>
-              <a:t>Hope it doesn’t break develop (it might)</a:t>
-            </a:r>
-          </a:p>
-          <a:p>
-            <a:r>
-              <a:rPr lang="en-US" dirty="0" smtClean="0"/>
-              <a:t>Temporary </a:t>
-            </a:r>
-            <a:r>
-              <a:rPr lang="en-US" dirty="0" smtClean="0"/>
-              <a:t>branches, they </a:t>
-            </a:r>
-            <a:r>
-              <a:rPr lang="en-US" dirty="0"/>
-              <a:t>will be removed eventually</a:t>
-            </a:r>
-            <a:endParaRPr lang="en-US" dirty="0" smtClean="0"/>
-          </a:p>
-          <a:p>
-            <a:r>
-              <a:rPr lang="en-US" dirty="0" smtClean="0"/>
-              <a:t>If </a:t>
-            </a:r>
-            <a:r>
-              <a:rPr lang="en-US" dirty="0" smtClean="0"/>
-              <a:t>the feature is a failure</a:t>
-            </a:r>
-          </a:p>
-          <a:p>
-            <a:pPr lvl="1"/>
-            <a:r>
-              <a:rPr lang="en-US" dirty="0" smtClean="0"/>
-              <a:t>In </a:t>
-            </a:r>
-            <a:r>
-              <a:rPr lang="en-US" dirty="0"/>
-              <a:t>case of a disappointing experiment</a:t>
-            </a:r>
-            <a:endParaRPr lang="en-US" dirty="0" smtClean="0"/>
-          </a:p>
-        </p:txBody>
-      </p:sp>
-      <p:sp>
-        <p:nvSpPr>
-          <p:cNvPr id="4" name="Footer Placeholder 3"/>
+            <a:fld id="{7EB28E47-D31D-4DE5-9720-82431D079D95}" type="datetime5">
+              <a:rPr lang="en-US" smtClean="0"/>
+              <a:t>27-Oct-18</a:t>
+            </a:fld>
+            <a:endParaRPr lang="en-US"/>
+          </a:p>
+        </p:txBody>
+      </p:sp>
+      <p:sp>
+        <p:nvSpPr>
+          <p:cNvPr id="5" name="Footer Placeholder 4"/>
           <p:cNvSpPr>
             <a:spLocks noGrp="1"/>
           </p:cNvSpPr>
@@ -3959,29 +3974,6 @@
               <a:rPr lang="en-US" smtClean="0"/>
               <a:t>AXP Internal</a:t>
             </a:r>
-            <a:endParaRPr lang="en-US"/>
-          </a:p>
-        </p:txBody>
-      </p:sp>
-      <p:sp>
-        <p:nvSpPr>
-          <p:cNvPr id="5" name="Date Placeholder 4"/>
-          <p:cNvSpPr>
-            <a:spLocks noGrp="1"/>
-          </p:cNvSpPr>
-          <p:nvPr>
-            <p:ph type="dt" sz="half" idx="10"/>
-          </p:nvPr>
-        </p:nvSpPr>
-        <p:spPr/>
-        <p:txBody>
-          <a:bodyPr/>
-          <a:lstStyle/>
-          <a:p>
-            <a:fld id="{B1D3BA18-AA7D-42DF-83FB-12A64659F80E}" type="datetime5">
-              <a:rPr lang="en-US" smtClean="0"/>
-              <a:t>26-Oct-18</a:t>
-            </a:fld>
             <a:endParaRPr lang="en-US"/>
           </a:p>
         </p:txBody>
@@ -4004,326 +3996,6 @@
             <a:fld id="{B4829C59-8948-1A4D-840C-AB343535AC28}" type="slidenum">
               <a:rPr lang="en-US" smtClean="0"/>
               <a:t>10</a:t>
-            </a:fld>
-            <a:endParaRPr lang="en-US"/>
-          </a:p>
-        </p:txBody>
-      </p:sp>
-    </p:spTree>
-    <p:extLst>
-      <p:ext uri="{BB962C8B-B14F-4D97-AF65-F5344CB8AC3E}">
-        <p14:creationId xmlns:p14="http://schemas.microsoft.com/office/powerpoint/2010/main" val="1173985121"/>
-      </p:ext>
-    </p:extLst>
-  </p:cSld>
-  <p:clrMapOvr>
-    <a:masterClrMapping/>
-  </p:clrMapOvr>
-  <p:timing>
-    <p:tnLst>
-      <p:par>
-        <p:cTn id="1" dur="indefinite" restart="never" nodeType="tmRoot"/>
-      </p:par>
-    </p:tnLst>
-  </p:timing>
-</p:sld>
-</file>
-
-<file path=ppt/slides/slide11.xml><?xml version="1.0" encoding="utf-8"?>
-<p:sld xmlns:a="http://schemas.openxmlformats.org/drawingml/2006/main" xmlns:r="http://schemas.openxmlformats.org/officeDocument/2006/relationships" xmlns:p="http://schemas.openxmlformats.org/presentationml/2006/main">
-  <p:cSld>
-    <p:spTree>
-      <p:nvGrpSpPr>
-        <p:cNvPr id="1" name=""/>
-        <p:cNvGrpSpPr/>
-        <p:nvPr/>
-      </p:nvGrpSpPr>
-      <p:grpSpPr>
-        <a:xfrm>
-          <a:off x="0" y="0"/>
-          <a:ext cx="0" cy="0"/>
-          <a:chOff x="0" y="0"/>
-          <a:chExt cx="0" cy="0"/>
-        </a:xfrm>
-      </p:grpSpPr>
-      <p:sp>
-        <p:nvSpPr>
-          <p:cNvPr id="2" name="Title 1"/>
-          <p:cNvSpPr>
-            <a:spLocks noGrp="1"/>
-          </p:cNvSpPr>
-          <p:nvPr>
-            <p:ph type="title"/>
-          </p:nvPr>
-        </p:nvSpPr>
-        <p:spPr/>
-        <p:txBody>
-          <a:bodyPr/>
-          <a:lstStyle/>
-          <a:p>
-            <a:r>
-              <a:rPr lang="en-US" dirty="0" smtClean="0"/>
-              <a:t>Merging</a:t>
-            </a:r>
-            <a:endParaRPr lang="en-US" dirty="0"/>
-          </a:p>
-        </p:txBody>
-      </p:sp>
-      <p:sp>
-        <p:nvSpPr>
-          <p:cNvPr id="3" name="Content Placeholder 2"/>
-          <p:cNvSpPr>
-            <a:spLocks noGrp="1"/>
-          </p:cNvSpPr>
-          <p:nvPr>
-            <p:ph idx="1"/>
-          </p:nvPr>
-        </p:nvSpPr>
-        <p:spPr>
-          <a:xfrm>
-            <a:off x="457200" y="1600200"/>
-            <a:ext cx="8229600" cy="4800814"/>
-          </a:xfrm>
-        </p:spPr>
-        <p:txBody>
-          <a:bodyPr>
-            <a:normAutofit/>
-          </a:bodyPr>
-          <a:lstStyle/>
-          <a:p>
-            <a:r>
-              <a:rPr lang="en-US" dirty="0" smtClean="0"/>
-              <a:t>Once the changes are complete and stable</a:t>
-            </a:r>
-          </a:p>
-          <a:p>
-            <a:pPr lvl="1"/>
-            <a:r>
-              <a:rPr lang="en-US" dirty="0" smtClean="0"/>
-              <a:t>Merge the branch back to the codebase</a:t>
-            </a:r>
-          </a:p>
-          <a:p>
-            <a:r>
-              <a:rPr lang="en-US" dirty="0" smtClean="0"/>
-              <a:t>Typically:</a:t>
-            </a:r>
-          </a:p>
-          <a:p>
-            <a:pPr lvl="1"/>
-            <a:r>
-              <a:rPr lang="en-US" dirty="0" smtClean="0"/>
-              <a:t>Initiate a pull request</a:t>
-            </a:r>
-          </a:p>
-          <a:p>
-            <a:pPr lvl="1"/>
-            <a:r>
-              <a:rPr lang="en-US" dirty="0"/>
-              <a:t>P</a:t>
-            </a:r>
-            <a:r>
-              <a:rPr lang="en-US" dirty="0" smtClean="0"/>
-              <a:t>erforms code reviews</a:t>
-            </a:r>
-          </a:p>
-          <a:p>
-            <a:pPr lvl="1"/>
-            <a:r>
-              <a:rPr lang="en-US" dirty="0"/>
-              <a:t>M</a:t>
-            </a:r>
-            <a:r>
-              <a:rPr lang="en-US" dirty="0" smtClean="0"/>
-              <a:t>erge the code</a:t>
-            </a:r>
-          </a:p>
-          <a:p>
-            <a:r>
-              <a:rPr lang="en-US" dirty="0" smtClean="0"/>
-              <a:t>Conflict resolution can be time consuming</a:t>
-            </a:r>
-          </a:p>
-          <a:p>
-            <a:pPr lvl="1"/>
-            <a:r>
-              <a:rPr lang="en-US" dirty="0" smtClean="0"/>
-              <a:t>Helps to coordinate with your team and limit editing the same files</a:t>
-            </a:r>
-            <a:endParaRPr lang="en-US" dirty="0"/>
-          </a:p>
-        </p:txBody>
-      </p:sp>
-      <p:sp>
-        <p:nvSpPr>
-          <p:cNvPr id="4" name="Footer Placeholder 3"/>
-          <p:cNvSpPr>
-            <a:spLocks noGrp="1"/>
-          </p:cNvSpPr>
-          <p:nvPr>
-            <p:ph type="ftr" sz="quarter" idx="11"/>
-          </p:nvPr>
-        </p:nvSpPr>
-        <p:spPr/>
-        <p:txBody>
-          <a:bodyPr/>
-          <a:lstStyle/>
-          <a:p>
-            <a:r>
-              <a:rPr lang="en-US" smtClean="0"/>
-              <a:t>AXP Internal</a:t>
-            </a:r>
-            <a:endParaRPr lang="en-US"/>
-          </a:p>
-        </p:txBody>
-      </p:sp>
-      <p:sp>
-        <p:nvSpPr>
-          <p:cNvPr id="5" name="Date Placeholder 4"/>
-          <p:cNvSpPr>
-            <a:spLocks noGrp="1"/>
-          </p:cNvSpPr>
-          <p:nvPr>
-            <p:ph type="dt" sz="half" idx="10"/>
-          </p:nvPr>
-        </p:nvSpPr>
-        <p:spPr/>
-        <p:txBody>
-          <a:bodyPr/>
-          <a:lstStyle/>
-          <a:p>
-            <a:fld id="{474D4B91-6402-44CB-B1A7-B1B5B15DDBB7}" type="datetime5">
-              <a:rPr lang="en-US" smtClean="0"/>
-              <a:t>26-Oct-18</a:t>
-            </a:fld>
-            <a:endParaRPr lang="en-US"/>
-          </a:p>
-        </p:txBody>
-      </p:sp>
-      <p:sp>
-        <p:nvSpPr>
-          <p:cNvPr id="6" name="Slide Number Placeholder 5"/>
-          <p:cNvSpPr>
-            <a:spLocks noGrp="1"/>
-          </p:cNvSpPr>
-          <p:nvPr>
-            <p:ph type="sldNum" sz="quarter" idx="12"/>
-          </p:nvPr>
-        </p:nvSpPr>
-        <p:spPr/>
-        <p:txBody>
-          <a:bodyPr/>
-          <a:lstStyle/>
-          <a:p>
-            <a:fld id="{B4829C59-8948-1A4D-840C-AB343535AC28}" type="slidenum">
-              <a:rPr lang="en-US" smtClean="0"/>
-              <a:t>11</a:t>
-            </a:fld>
-            <a:endParaRPr lang="en-US"/>
-          </a:p>
-        </p:txBody>
-      </p:sp>
-    </p:spTree>
-    <p:extLst>
-      <p:ext uri="{BB962C8B-B14F-4D97-AF65-F5344CB8AC3E}">
-        <p14:creationId xmlns:p14="http://schemas.microsoft.com/office/powerpoint/2010/main" val="4124153210"/>
-      </p:ext>
-    </p:extLst>
-  </p:cSld>
-  <p:clrMapOvr>
-    <a:masterClrMapping/>
-  </p:clrMapOvr>
-  <p:timing>
-    <p:tnLst>
-      <p:par>
-        <p:cTn id="1" dur="indefinite" restart="never" nodeType="tmRoot"/>
-      </p:par>
-    </p:tnLst>
-  </p:timing>
-</p:sld>
-</file>
-
-<file path=ppt/slides/slide12.xml><?xml version="1.0" encoding="utf-8"?>
-<p:sld xmlns:a="http://schemas.openxmlformats.org/drawingml/2006/main" xmlns:r="http://schemas.openxmlformats.org/officeDocument/2006/relationships" xmlns:p="http://schemas.openxmlformats.org/presentationml/2006/main">
-  <p:cSld>
-    <p:spTree>
-      <p:nvGrpSpPr>
-        <p:cNvPr id="1" name=""/>
-        <p:cNvGrpSpPr/>
-        <p:nvPr/>
-      </p:nvGrpSpPr>
-      <p:grpSpPr>
-        <a:xfrm>
-          <a:off x="0" y="0"/>
-          <a:ext cx="0" cy="0"/>
-          <a:chOff x="0" y="0"/>
-          <a:chExt cx="0" cy="0"/>
-        </a:xfrm>
-      </p:grpSpPr>
-      <p:sp>
-        <p:nvSpPr>
-          <p:cNvPr id="4" name="Date Placeholder 3"/>
-          <p:cNvSpPr>
-            <a:spLocks noGrp="1"/>
-          </p:cNvSpPr>
-          <p:nvPr>
-            <p:ph type="dt" sz="half" idx="10"/>
-          </p:nvPr>
-        </p:nvSpPr>
-        <p:spPr/>
-        <p:txBody>
-          <a:bodyPr/>
-          <a:lstStyle/>
-          <a:p>
-            <a:fld id="{4F2DA597-3A50-4B06-9BB7-31B39536E68A}" type="datetime5">
-              <a:rPr lang="en-US" smtClean="0"/>
-              <a:t>26-Oct-18</a:t>
-            </a:fld>
-            <a:endParaRPr lang="en-US"/>
-          </a:p>
-        </p:txBody>
-      </p:sp>
-      <p:sp>
-        <p:nvSpPr>
-          <p:cNvPr id="5" name="Footer Placeholder 4"/>
-          <p:cNvSpPr>
-            <a:spLocks noGrp="1"/>
-          </p:cNvSpPr>
-          <p:nvPr>
-            <p:ph type="ftr" sz="quarter" idx="11"/>
-          </p:nvPr>
-        </p:nvSpPr>
-        <p:spPr/>
-        <p:txBody>
-          <a:bodyPr/>
-          <a:lstStyle/>
-          <a:p>
-            <a:r>
-              <a:rPr lang="en-US" smtClean="0"/>
-              <a:t>AXP Internal</a:t>
-            </a:r>
-            <a:endParaRPr lang="en-US"/>
-          </a:p>
-        </p:txBody>
-      </p:sp>
-      <p:sp>
-        <p:nvSpPr>
-          <p:cNvPr id="6" name="Slide Number Placeholder 5"/>
-          <p:cNvSpPr>
-            <a:spLocks noGrp="1"/>
-          </p:cNvSpPr>
-          <p:nvPr>
-            <p:ph type="sldNum" sz="quarter" idx="12"/>
-          </p:nvPr>
-        </p:nvSpPr>
-        <p:spPr/>
-        <p:txBody>
-          <a:bodyPr/>
-          <a:lstStyle/>
-          <a:p>
-            <a:fld id="{B4829C59-8948-1A4D-840C-AB343535AC28}" type="slidenum">
-              <a:rPr lang="en-US" smtClean="0"/>
-              <a:t>12</a:t>
             </a:fld>
             <a:endParaRPr lang="en-US"/>
           </a:p>
@@ -7590,7 +7262,7 @@
 </p:sld>
 </file>
 
-<file path=ppt/slides/slide13.xml><?xml version="1.0" encoding="utf-8"?>
+<file path=ppt/slides/slide11.xml><?xml version="1.0" encoding="utf-8"?>
 <p:sld xmlns:a="http://schemas.openxmlformats.org/drawingml/2006/main" xmlns:r="http://schemas.openxmlformats.org/officeDocument/2006/relationships" xmlns:p="http://schemas.openxmlformats.org/presentationml/2006/main">
   <p:cSld>
     <p:spTree>
@@ -7640,68 +7312,96 @@
             <p:ph idx="1"/>
           </p:nvPr>
         </p:nvSpPr>
-        <p:spPr/>
+        <p:spPr>
+          <a:xfrm>
+            <a:off x="457200" y="1600200"/>
+            <a:ext cx="8229600" cy="4800814"/>
+          </a:xfrm>
+        </p:spPr>
         <p:txBody>
           <a:bodyPr>
-            <a:normAutofit/>
+            <a:normAutofit fontScale="92500" lnSpcReduction="20000"/>
           </a:bodyPr>
           <a:lstStyle/>
           <a:p>
             <a:r>
               <a:rPr lang="en-US" dirty="0" smtClean="0"/>
-              <a:t>Integrate your changes</a:t>
+              <a:t>Once the changes are complete and stable</a:t>
             </a:r>
           </a:p>
           <a:p>
             <a:pPr lvl="1"/>
             <a:r>
               <a:rPr lang="en-US" dirty="0" smtClean="0"/>
-              <a:t>Run your tests, make sure the changes are what you want</a:t>
+              <a:t>Run </a:t>
+            </a:r>
+            <a:r>
+              <a:rPr lang="en-US" dirty="0"/>
+              <a:t>your tests, make sure the changes are what you </a:t>
+            </a:r>
+            <a:r>
+              <a:rPr lang="en-US" dirty="0" smtClean="0"/>
+              <a:t>want</a:t>
             </a:r>
           </a:p>
           <a:p>
             <a:pPr lvl="1"/>
             <a:r>
+              <a:rPr lang="en-US" dirty="0"/>
+              <a:t>Merge the branch back to the </a:t>
+            </a:r>
+            <a:r>
               <a:rPr lang="en-US" dirty="0" smtClean="0"/>
-              <a:t>Merge your changes into the branch </a:t>
-            </a:r>
-          </a:p>
-          <a:p>
-            <a:pPr lvl="2"/>
+              <a:t>codebase</a:t>
+            </a:r>
+            <a:endParaRPr lang="en-US" dirty="0" smtClean="0"/>
+          </a:p>
+          <a:p>
             <a:r>
               <a:rPr lang="en-US" dirty="0" smtClean="0"/>
-              <a:t>$</a:t>
-            </a:r>
-            <a:r>
-              <a:rPr lang="en-US" dirty="0" err="1" smtClean="0"/>
-              <a:t>git</a:t>
-            </a:r>
+              <a:t>Typically:</a:t>
+            </a:r>
+          </a:p>
+          <a:p>
+            <a:pPr lvl="1"/>
             <a:r>
               <a:rPr lang="en-US" dirty="0" smtClean="0"/>
-              <a:t> </a:t>
-            </a:r>
+              <a:t>Initiate a pull request</a:t>
+            </a:r>
+          </a:p>
+          <a:p>
+            <a:pPr lvl="1"/>
             <a:r>
               <a:rPr lang="en-US" dirty="0"/>
-              <a:t>checkout </a:t>
+              <a:t>P</a:t>
             </a:r>
             <a:r>
               <a:rPr lang="en-US" dirty="0" smtClean="0"/>
-              <a:t>master</a:t>
-            </a:r>
-          </a:p>
-          <a:p>
-            <a:pPr lvl="2"/>
+              <a:t>erforms code reviews</a:t>
+            </a:r>
+          </a:p>
+          <a:p>
+            <a:pPr lvl="1"/>
+            <a:r>
+              <a:rPr lang="en-US" dirty="0"/>
+              <a:t>M</a:t>
+            </a:r>
             <a:r>
               <a:rPr lang="en-US" dirty="0" smtClean="0"/>
-              <a:t>$</a:t>
-            </a:r>
-            <a:r>
-              <a:rPr lang="en-US" dirty="0" err="1" smtClean="0"/>
-              <a:t>git</a:t>
-            </a:r>
+              <a:t>erge the code</a:t>
+            </a:r>
+          </a:p>
+          <a:p>
             <a:r>
               <a:rPr lang="en-US" dirty="0" smtClean="0"/>
-              <a:t> merge hotfix</a:t>
+              <a:t>Conflict resolution can be time consuming</a:t>
+            </a:r>
+          </a:p>
+          <a:p>
+            <a:pPr lvl="1"/>
+            <a:r>
+              <a:rPr lang="en-US" dirty="0" smtClean="0"/>
+              <a:t>Helps to coordinate with your team and limit editing the same files</a:t>
             </a:r>
             <a:endParaRPr lang="en-US" dirty="0"/>
           </a:p>
@@ -7745,9 +7445,9 @@
           <a:bodyPr/>
           <a:lstStyle/>
           <a:p>
-            <a:fld id="{2B8BEECD-4B21-462C-9B09-100402A87977}" type="datetime5">
+            <a:fld id="{44FD1205-5563-4E64-B9FD-41D1DB713BD3}" type="datetime5">
               <a:rPr lang="en-US" smtClean="0"/>
-              <a:t>26-Oct-18</a:t>
+              <a:t>27-Oct-18</a:t>
             </a:fld>
             <a:endParaRPr lang="en-US"/>
           </a:p>
@@ -7770,7 +7470,224 @@
           <a:p>
             <a:fld id="{B4829C59-8948-1A4D-840C-AB343535AC28}" type="slidenum">
               <a:rPr lang="en-US" smtClean="0"/>
-              <a:t>13</a:t>
+              <a:t>11</a:t>
+            </a:fld>
+            <a:endParaRPr lang="en-US"/>
+          </a:p>
+        </p:txBody>
+      </p:sp>
+    </p:spTree>
+    <p:extLst>
+      <p:ext uri="{BB962C8B-B14F-4D97-AF65-F5344CB8AC3E}">
+        <p14:creationId xmlns:p14="http://schemas.microsoft.com/office/powerpoint/2010/main" val="4124153210"/>
+      </p:ext>
+    </p:extLst>
+  </p:cSld>
+  <p:clrMapOvr>
+    <a:masterClrMapping/>
+  </p:clrMapOvr>
+  <p:timing>
+    <p:tnLst>
+      <p:par>
+        <p:cTn id="1" dur="indefinite" restart="never" nodeType="tmRoot"/>
+      </p:par>
+    </p:tnLst>
+  </p:timing>
+</p:sld>
+</file>
+
+<file path=ppt/slides/slide12.xml><?xml version="1.0" encoding="utf-8"?>
+<p:sld xmlns:a="http://schemas.openxmlformats.org/drawingml/2006/main" xmlns:r="http://schemas.openxmlformats.org/officeDocument/2006/relationships" xmlns:p="http://schemas.openxmlformats.org/presentationml/2006/main">
+  <p:cSld>
+    <p:spTree>
+      <p:nvGrpSpPr>
+        <p:cNvPr id="1" name=""/>
+        <p:cNvGrpSpPr/>
+        <p:nvPr/>
+      </p:nvGrpSpPr>
+      <p:grpSpPr>
+        <a:xfrm>
+          <a:off x="0" y="0"/>
+          <a:ext cx="0" cy="0"/>
+          <a:chOff x="0" y="0"/>
+          <a:chExt cx="0" cy="0"/>
+        </a:xfrm>
+      </p:grpSpPr>
+      <p:sp>
+        <p:nvSpPr>
+          <p:cNvPr id="2" name="Title 1"/>
+          <p:cNvSpPr>
+            <a:spLocks noGrp="1"/>
+          </p:cNvSpPr>
+          <p:nvPr>
+            <p:ph type="title"/>
+          </p:nvPr>
+        </p:nvSpPr>
+        <p:spPr/>
+        <p:txBody>
+          <a:bodyPr/>
+          <a:lstStyle/>
+          <a:p>
+            <a:r>
+              <a:rPr lang="en-US" dirty="0" smtClean="0"/>
+              <a:t>How to Merge</a:t>
+            </a:r>
+            <a:endParaRPr lang="en-US" dirty="0"/>
+          </a:p>
+        </p:txBody>
+      </p:sp>
+      <p:sp>
+        <p:nvSpPr>
+          <p:cNvPr id="3" name="Content Placeholder 2"/>
+          <p:cNvSpPr>
+            <a:spLocks noGrp="1"/>
+          </p:cNvSpPr>
+          <p:nvPr>
+            <p:ph idx="1"/>
+          </p:nvPr>
+        </p:nvSpPr>
+        <p:spPr/>
+        <p:txBody>
+          <a:bodyPr>
+            <a:normAutofit/>
+          </a:bodyPr>
+          <a:lstStyle/>
+          <a:p>
+            <a:r>
+              <a:rPr lang="en-US" dirty="0" smtClean="0"/>
+              <a:t>Integrate your changes</a:t>
+            </a:r>
+          </a:p>
+          <a:p>
+            <a:pPr lvl="1"/>
+            <a:r>
+              <a:rPr lang="en-US" dirty="0" smtClean="0"/>
+              <a:t>Merge </a:t>
+            </a:r>
+            <a:r>
+              <a:rPr lang="en-US" dirty="0" smtClean="0"/>
+              <a:t>your changes into the branch </a:t>
+            </a:r>
+            <a:endParaRPr lang="en-US" dirty="0"/>
+          </a:p>
+          <a:p>
+            <a:pPr lvl="1"/>
+            <a:r>
+              <a:rPr lang="en-US" dirty="0" smtClean="0"/>
+              <a:t>Merge feature-1 into develop </a:t>
+            </a:r>
+            <a:endParaRPr lang="en-US" dirty="0" smtClean="0"/>
+          </a:p>
+          <a:p>
+            <a:pPr lvl="2"/>
+            <a:r>
+              <a:rPr lang="en-US" dirty="0" smtClean="0"/>
+              <a:t>$</a:t>
+            </a:r>
+            <a:r>
+              <a:rPr lang="en-US" dirty="0" err="1" smtClean="0"/>
+              <a:t>git</a:t>
+            </a:r>
+            <a:r>
+              <a:rPr lang="en-US" dirty="0" smtClean="0"/>
+              <a:t> </a:t>
+            </a:r>
+            <a:r>
+              <a:rPr lang="en-US" dirty="0"/>
+              <a:t>checkout </a:t>
+            </a:r>
+            <a:r>
+              <a:rPr lang="en-US" dirty="0" smtClean="0"/>
+              <a:t>&lt;branch name&gt; e.g. develop</a:t>
+            </a:r>
+            <a:endParaRPr lang="en-US" dirty="0" smtClean="0"/>
+          </a:p>
+          <a:p>
+            <a:pPr lvl="2"/>
+            <a:r>
+              <a:rPr lang="en-US" dirty="0" smtClean="0"/>
+              <a:t>$</a:t>
+            </a:r>
+            <a:r>
+              <a:rPr lang="en-US" dirty="0" err="1" smtClean="0"/>
+              <a:t>git</a:t>
+            </a:r>
+            <a:r>
+              <a:rPr lang="en-US" dirty="0" smtClean="0"/>
+              <a:t> merge </a:t>
+            </a:r>
+            <a:r>
+              <a:rPr lang="en-US" dirty="0" smtClean="0"/>
+              <a:t>&lt;branch name&gt; e.g. feature-1</a:t>
+            </a:r>
+            <a:endParaRPr lang="en-US" dirty="0"/>
+          </a:p>
+        </p:txBody>
+      </p:sp>
+      <p:sp>
+        <p:nvSpPr>
+          <p:cNvPr id="4" name="Footer Placeholder 3"/>
+          <p:cNvSpPr>
+            <a:spLocks noGrp="1"/>
+          </p:cNvSpPr>
+          <p:nvPr>
+            <p:ph type="ftr" sz="quarter" idx="11"/>
+          </p:nvPr>
+        </p:nvSpPr>
+        <p:spPr/>
+        <p:txBody>
+          <a:bodyPr/>
+          <a:lstStyle/>
+          <a:p>
+            <a:r>
+              <a:rPr lang="en-US" smtClean="0"/>
+              <a:t>AXP Internal</a:t>
+            </a:r>
+            <a:endParaRPr lang="en-US"/>
+          </a:p>
+        </p:txBody>
+      </p:sp>
+      <p:sp>
+        <p:nvSpPr>
+          <p:cNvPr id="5" name="Date Placeholder 4"/>
+          <p:cNvSpPr>
+            <a:spLocks noGrp="1"/>
+          </p:cNvSpPr>
+          <p:nvPr>
+            <p:ph type="dt" sz="half" idx="10"/>
+          </p:nvPr>
+        </p:nvSpPr>
+        <p:spPr/>
+        <p:txBody>
+          <a:bodyPr/>
+          <a:lstStyle/>
+          <a:p>
+            <a:fld id="{A8D6D650-80BD-4285-8AA7-29DDDE599BE9}" type="datetime5">
+              <a:rPr lang="en-US" smtClean="0"/>
+              <a:t>27-Oct-18</a:t>
+            </a:fld>
+            <a:endParaRPr lang="en-US"/>
+          </a:p>
+        </p:txBody>
+      </p:sp>
+      <p:sp>
+        <p:nvSpPr>
+          <p:cNvPr id="6" name="Slide Number Placeholder 5"/>
+          <p:cNvSpPr>
+            <a:spLocks noGrp="1"/>
+          </p:cNvSpPr>
+          <p:nvPr>
+            <p:ph type="sldNum" sz="quarter" idx="12"/>
+          </p:nvPr>
+        </p:nvSpPr>
+        <p:spPr/>
+        <p:txBody>
+          <a:bodyPr/>
+          <a:lstStyle/>
+          <a:p>
+            <a:fld id="{B4829C59-8948-1A4D-840C-AB343535AC28}" type="slidenum">
+              <a:rPr lang="en-US" smtClean="0"/>
+              <a:t>12</a:t>
             </a:fld>
             <a:endParaRPr lang="en-US"/>
           </a:p>
@@ -7796,7 +7713,7 @@
 </p:sld>
 </file>
 
-<file path=ppt/slides/slide14.xml><?xml version="1.0" encoding="utf-8"?>
+<file path=ppt/slides/slide13.xml><?xml version="1.0" encoding="utf-8"?>
 <p:sld xmlns:a="http://schemas.openxmlformats.org/drawingml/2006/main" xmlns:r="http://schemas.openxmlformats.org/officeDocument/2006/relationships" xmlns:p="http://schemas.openxmlformats.org/presentationml/2006/main">
   <p:cSld>
     <p:spTree>
@@ -7828,9 +7745,9 @@
           <a:bodyPr/>
           <a:lstStyle/>
           <a:p>
-            <a:fld id="{BD6387F4-94C3-46A7-8B1B-9ACC7CA30D7B}" type="datetime5">
+            <a:fld id="{10E0ED97-D72A-4821-9E17-26ABDF368D74}" type="datetime5">
               <a:rPr lang="en-US" smtClean="0"/>
-              <a:t>26-Oct-18</a:t>
+              <a:t>27-Oct-18</a:t>
             </a:fld>
             <a:endParaRPr lang="en-US"/>
           </a:p>
@@ -7876,7 +7793,7 @@
           <a:p>
             <a:fld id="{B4829C59-8948-1A4D-840C-AB343535AC28}" type="slidenum">
               <a:rPr lang="en-US" smtClean="0"/>
-              <a:t>14</a:t>
+              <a:t>13</a:t>
             </a:fld>
             <a:endParaRPr lang="en-US"/>
           </a:p>
@@ -8002,7 +7919,7 @@
             <a:fld id="{D3B0326B-DFAE-4BAD-9FEF-369B535759DB}" type="datetime5">
               <a:rPr lang="en-US" smtClean="0"/>
               <a:pPr/>
-              <a:t>26-Oct-18</a:t>
+              <a:t>27-Oct-18</a:t>
             </a:fld>
             <a:endParaRPr lang="en-US"/>
           </a:p>
@@ -8253,7 +8170,7 @@
             <a:fld id="{B4829C59-8948-1A4D-840C-AB343535AC28}" type="slidenum">
               <a:rPr lang="en-US" smtClean="0"/>
               <a:pPr/>
-              <a:t>14</a:t>
+              <a:t>13</a:t>
             </a:fld>
             <a:endParaRPr lang="en-US"/>
           </a:p>
@@ -11257,7 +11174,7 @@
 </p:sld>
 </file>
 
-<file path=ppt/slides/slide15.xml><?xml version="1.0" encoding="utf-8"?>
+<file path=ppt/slides/slide14.xml><?xml version="1.0" encoding="utf-8"?>
 <p:sld xmlns:a="http://schemas.openxmlformats.org/drawingml/2006/main" xmlns:r="http://schemas.openxmlformats.org/officeDocument/2006/relationships" xmlns:p="http://schemas.openxmlformats.org/presentationml/2006/main">
   <p:cSld>
     <p:spTree>
@@ -11291,7 +11208,7 @@
           <a:p>
             <a:r>
               <a:rPr lang="en-US" dirty="0" smtClean="0"/>
-              <a:t>Hotfixes</a:t>
+              <a:t>Hotfixes Branch </a:t>
             </a:r>
             <a:endParaRPr lang="en-US" dirty="0"/>
           </a:p>
@@ -11393,9 +11310,9 @@
           <a:bodyPr/>
           <a:lstStyle/>
           <a:p>
-            <a:fld id="{0C8DE76F-A389-4208-AD2B-328F0B9A8B66}" type="datetime5">
+            <a:fld id="{506554FD-9EC5-4B42-B409-6583DA352799}" type="datetime5">
               <a:rPr lang="en-US" smtClean="0"/>
-              <a:t>26-Oct-18</a:t>
+              <a:t>27-Oct-18</a:t>
             </a:fld>
             <a:endParaRPr lang="en-US"/>
           </a:p>
@@ -11418,7 +11335,7 @@
           <a:p>
             <a:fld id="{B4829C59-8948-1A4D-840C-AB343535AC28}" type="slidenum">
               <a:rPr lang="en-US" smtClean="0"/>
-              <a:t>15</a:t>
+              <a:t>14</a:t>
             </a:fld>
             <a:endParaRPr lang="en-US"/>
           </a:p>
@@ -11444,7 +11361,7 @@
 </p:sld>
 </file>
 
-<file path=ppt/slides/slide16.xml><?xml version="1.0" encoding="utf-8"?>
+<file path=ppt/slides/slide15.xml><?xml version="1.0" encoding="utf-8"?>
 <p:sld xmlns:a="http://schemas.openxmlformats.org/drawingml/2006/main" xmlns:r="http://schemas.openxmlformats.org/officeDocument/2006/relationships" xmlns:p="http://schemas.openxmlformats.org/presentationml/2006/main">
   <p:cSld>
     <p:spTree>
@@ -11476,9 +11393,9 @@
           <a:bodyPr/>
           <a:lstStyle/>
           <a:p>
-            <a:fld id="{16A570F1-2D26-4FB2-8E43-B22F0B525A94}" type="datetime5">
+            <a:fld id="{BF540D52-5E9B-41E6-AD90-C09010F89C3E}" type="datetime5">
               <a:rPr lang="en-US" smtClean="0"/>
-              <a:t>26-Oct-18</a:t>
+              <a:t>27-Oct-18</a:t>
             </a:fld>
             <a:endParaRPr lang="en-US"/>
           </a:p>
@@ -11524,7 +11441,7 @@
           <a:p>
             <a:fld id="{B4829C59-8948-1A4D-840C-AB343535AC28}" type="slidenum">
               <a:rPr lang="en-US" smtClean="0"/>
-              <a:t>16</a:t>
+              <a:t>15</a:t>
             </a:fld>
             <a:endParaRPr lang="en-US"/>
           </a:p>
@@ -14703,7 +14620,7 @@
 </p:sld>
 </file>
 
-<file path=ppt/slides/slide17.xml><?xml version="1.0" encoding="utf-8"?>
+<file path=ppt/slides/slide16.xml><?xml version="1.0" encoding="utf-8"?>
 <p:sld xmlns:a="http://schemas.openxmlformats.org/drawingml/2006/main" xmlns:r="http://schemas.openxmlformats.org/officeDocument/2006/relationships" xmlns:p="http://schemas.openxmlformats.org/presentationml/2006/main">
   <p:cSld>
     <p:spTree>
@@ -14755,12 +14672,24 @@
         </p:nvSpPr>
         <p:spPr/>
         <p:txBody>
-          <a:bodyPr/>
+          <a:bodyPr>
+            <a:normAutofit lnSpcReduction="10000"/>
+          </a:bodyPr>
           <a:lstStyle/>
           <a:p>
             <a:r>
+              <a:rPr lang="en-US" dirty="0"/>
+              <a:t>Release branches support preparation of a new production release</a:t>
+            </a:r>
+          </a:p>
+          <a:p>
+            <a:r>
               <a:rPr lang="en-US" dirty="0" smtClean="0"/>
-              <a:t>Branch off develop when approaching a release</a:t>
+              <a:t>Branch </a:t>
+            </a:r>
+            <a:r>
+              <a:rPr lang="en-US" dirty="0" smtClean="0"/>
+              <a:t>off develop when approaching a release</a:t>
             </a:r>
           </a:p>
           <a:p>
@@ -14771,16 +14700,38 @@
           </a:p>
           <a:p>
             <a:r>
+              <a:rPr lang="en-US" dirty="0"/>
+              <a:t>T</a:t>
+            </a:r>
+            <a:r>
               <a:rPr lang="en-US" dirty="0" smtClean="0"/>
-              <a:t>Extensive testing and bug fixes</a:t>
-            </a:r>
+              <a:t>esting </a:t>
+            </a:r>
+            <a:r>
+              <a:rPr lang="en-US" dirty="0" smtClean="0"/>
+              <a:t>and </a:t>
+            </a:r>
+            <a:r>
+              <a:rPr lang="en-US" dirty="0"/>
+              <a:t>minor bug fixes </a:t>
+            </a:r>
+            <a:endParaRPr lang="en-US" dirty="0" smtClean="0"/>
           </a:p>
           <a:p>
             <a:pPr lvl="1"/>
             <a:r>
               <a:rPr lang="en-US" dirty="0" smtClean="0"/>
-              <a:t>Merge all changes back to develop</a:t>
-            </a:r>
+              <a:t>Merge </a:t>
+            </a:r>
+            <a:r>
+              <a:rPr lang="en-US" dirty="0" smtClean="0"/>
+              <a:t>all changes back to </a:t>
+            </a:r>
+            <a:r>
+              <a:rPr lang="en-US" dirty="0" smtClean="0"/>
+              <a:t>develop if necessary</a:t>
+            </a:r>
+            <a:endParaRPr lang="en-US" dirty="0" smtClean="0"/>
           </a:p>
           <a:p>
             <a:r>
@@ -14792,7 +14743,11 @@
             <a:pPr lvl="1"/>
             <a:r>
               <a:rPr lang="en-US" dirty="0" smtClean="0"/>
-              <a:t>Merge into master as a release</a:t>
+              <a:t>Merge into master </a:t>
+            </a:r>
+            <a:r>
+              <a:rPr lang="en-US" dirty="0" smtClean="0"/>
+              <a:t>and deleted</a:t>
             </a:r>
             <a:endParaRPr lang="en-US" dirty="0"/>
           </a:p>
@@ -14836,9 +14791,9 @@
           <a:bodyPr/>
           <a:lstStyle/>
           <a:p>
-            <a:fld id="{8C7DF196-05F7-4921-97C5-D2092BEFEA77}" type="datetime5">
+            <a:fld id="{413DA556-03BA-49E8-AFB7-1A5376302A57}" type="datetime5">
               <a:rPr lang="en-US" smtClean="0"/>
-              <a:t>26-Oct-18</a:t>
+              <a:t>27-Oct-18</a:t>
             </a:fld>
             <a:endParaRPr lang="en-US"/>
           </a:p>
@@ -14861,7 +14816,7 @@
           <a:p>
             <a:fld id="{B4829C59-8948-1A4D-840C-AB343535AC28}" type="slidenum">
               <a:rPr lang="en-US" smtClean="0"/>
-              <a:t>17</a:t>
+              <a:t>16</a:t>
             </a:fld>
             <a:endParaRPr lang="en-US"/>
           </a:p>
@@ -14887,7 +14842,7 @@
 </p:sld>
 </file>
 
-<file path=ppt/slides/slide18.xml><?xml version="1.0" encoding="utf-8"?>
+<file path=ppt/slides/slide17.xml><?xml version="1.0" encoding="utf-8"?>
 <p:sld xmlns:a="http://schemas.openxmlformats.org/drawingml/2006/main" xmlns:r="http://schemas.openxmlformats.org/officeDocument/2006/relationships" xmlns:p="http://schemas.openxmlformats.org/presentationml/2006/main">
   <p:cSld>
     <p:spTree>
@@ -14919,9 +14874,9 @@
           <a:bodyPr/>
           <a:lstStyle/>
           <a:p>
-            <a:fld id="{DAA9DD8B-8EB1-4B12-8642-974D49435B8E}" type="datetime5">
+            <a:fld id="{863B5071-9DFB-47AA-8B50-1738ECFA73A1}" type="datetime5">
               <a:rPr lang="en-US" smtClean="0"/>
-              <a:t>26-Oct-18</a:t>
+              <a:t>27-Oct-18</a:t>
             </a:fld>
             <a:endParaRPr lang="en-US"/>
           </a:p>
@@ -14967,7 +14922,7 @@
           <a:p>
             <a:fld id="{B4829C59-8948-1A4D-840C-AB343535AC28}" type="slidenum">
               <a:rPr lang="en-US" smtClean="0"/>
-              <a:t>18</a:t>
+              <a:t>17</a:t>
             </a:fld>
             <a:endParaRPr lang="en-US"/>
           </a:p>
@@ -19324,7 +19279,7 @@
 </p:sld>
 </file>
 
-<file path=ppt/slides/slide19.xml><?xml version="1.0" encoding="utf-8"?>
+<file path=ppt/slides/slide18.xml><?xml version="1.0" encoding="utf-8"?>
 <p:sld xmlns:a="http://schemas.openxmlformats.org/drawingml/2006/main" xmlns:r="http://schemas.openxmlformats.org/officeDocument/2006/relationships" xmlns:p="http://schemas.openxmlformats.org/presentationml/2006/main">
   <p:cSld>
     <p:spTree>
@@ -19358,45 +19313,8 @@
           <a:p>
             <a:r>
               <a:rPr lang="en-US" dirty="0" smtClean="0"/>
-              <a:t>Versioning</a:t>
-            </a:r>
-            <a:endParaRPr lang="en-US" dirty="0"/>
-          </a:p>
-        </p:txBody>
-      </p:sp>
-      <p:sp>
-        <p:nvSpPr>
-          <p:cNvPr id="3" name="Content Placeholder 2"/>
-          <p:cNvSpPr>
-            <a:spLocks noGrp="1"/>
-          </p:cNvSpPr>
-          <p:nvPr>
-            <p:ph idx="1"/>
-          </p:nvPr>
-        </p:nvSpPr>
-        <p:spPr/>
-        <p:txBody>
-          <a:bodyPr/>
-          <a:lstStyle/>
-          <a:p>
-            <a:r>
-              <a:rPr lang="en-US" dirty="0" smtClean="0"/>
-              <a:t>Tag the current state of the code</a:t>
-            </a:r>
-          </a:p>
-          <a:p>
-            <a:r>
-              <a:rPr lang="en-US" dirty="0" smtClean="0"/>
-              <a:t>Can easily work with a previous version if needed</a:t>
-            </a:r>
-          </a:p>
-          <a:p>
-            <a:r>
-              <a:rPr lang="en-US" dirty="0" smtClean="0"/>
-              <a:t>Use versioning on master</a:t>
-            </a:r>
-          </a:p>
-          <a:p>
+              <a:t>Are you ready?</a:t>
+            </a:r>
             <a:endParaRPr lang="en-US" dirty="0"/>
           </a:p>
         </p:txBody>
@@ -19439,9 +19357,9 @@
           <a:bodyPr/>
           <a:lstStyle/>
           <a:p>
-            <a:fld id="{FBE31F9E-853D-4CE7-942D-DE8DD0F8B1C1}" type="datetime5">
+            <a:fld id="{58D7428E-BEBC-4168-A033-B81B5BD2375D}" type="datetime5">
               <a:rPr lang="en-US" smtClean="0"/>
-              <a:t>26-Oct-18</a:t>
+              <a:t>27-Oct-18</a:t>
             </a:fld>
             <a:endParaRPr lang="en-US"/>
           </a:p>
@@ -19464,7 +19382,7 @@
           <a:p>
             <a:fld id="{B4829C59-8948-1A4D-840C-AB343535AC28}" type="slidenum">
               <a:rPr lang="en-US" smtClean="0"/>
-              <a:t>19</a:t>
+              <a:t>18</a:t>
             </a:fld>
             <a:endParaRPr lang="en-US"/>
           </a:p>
@@ -19490,238 +19408,7 @@
 </p:sld>
 </file>
 
-<file path=ppt/slides/slide2.xml><?xml version="1.0" encoding="utf-8"?>
-<p:sld xmlns:a="http://schemas.openxmlformats.org/drawingml/2006/main" xmlns:r="http://schemas.openxmlformats.org/officeDocument/2006/relationships" xmlns:p="http://schemas.openxmlformats.org/presentationml/2006/main">
-  <p:cSld>
-    <p:spTree>
-      <p:nvGrpSpPr>
-        <p:cNvPr id="1" name=""/>
-        <p:cNvGrpSpPr/>
-        <p:nvPr/>
-      </p:nvGrpSpPr>
-      <p:grpSpPr>
-        <a:xfrm>
-          <a:off x="0" y="0"/>
-          <a:ext cx="0" cy="0"/>
-          <a:chOff x="0" y="0"/>
-          <a:chExt cx="0" cy="0"/>
-        </a:xfrm>
-      </p:grpSpPr>
-      <p:sp>
-        <p:nvSpPr>
-          <p:cNvPr id="2" name="Title 1"/>
-          <p:cNvSpPr>
-            <a:spLocks noGrp="1"/>
-          </p:cNvSpPr>
-          <p:nvPr>
-            <p:ph type="title"/>
-          </p:nvPr>
-        </p:nvSpPr>
-        <p:spPr/>
-        <p:txBody>
-          <a:bodyPr/>
-          <a:lstStyle/>
-          <a:p>
-            <a:r>
-              <a:rPr lang="en-US" dirty="0" smtClean="0"/>
-              <a:t>Without Branching</a:t>
-            </a:r>
-            <a:endParaRPr lang="en-US" dirty="0"/>
-          </a:p>
-        </p:txBody>
-      </p:sp>
-      <p:sp>
-        <p:nvSpPr>
-          <p:cNvPr id="3" name="Content Placeholder 2"/>
-          <p:cNvSpPr>
-            <a:spLocks noGrp="1"/>
-          </p:cNvSpPr>
-          <p:nvPr>
-            <p:ph idx="1"/>
-          </p:nvPr>
-        </p:nvSpPr>
-        <p:spPr>
-          <a:xfrm>
-            <a:off x="457200" y="1600201"/>
-            <a:ext cx="8229600" cy="4544260"/>
-          </a:xfrm>
-        </p:spPr>
-        <p:txBody>
-          <a:bodyPr>
-            <a:normAutofit/>
-          </a:bodyPr>
-          <a:lstStyle/>
-          <a:p>
-            <a:r>
-              <a:rPr lang="en-US" dirty="0" smtClean="0"/>
-              <a:t>All team member push to master</a:t>
-            </a:r>
-          </a:p>
-          <a:p>
-            <a:pPr lvl="1"/>
-            <a:r>
-              <a:rPr lang="en-US" dirty="0"/>
-              <a:t>If there are </a:t>
-            </a:r>
-            <a:r>
-              <a:rPr lang="en-US" dirty="0" smtClean="0"/>
-              <a:t>many </a:t>
-            </a:r>
-            <a:r>
-              <a:rPr lang="en-US" dirty="0"/>
-              <a:t>developers with different tasks on the same codebase</a:t>
-            </a:r>
-            <a:r>
-              <a:rPr lang="en-US" dirty="0" smtClean="0"/>
-              <a:t>?</a:t>
-            </a:r>
-          </a:p>
-          <a:p>
-            <a:r>
-              <a:rPr lang="en-US" dirty="0" smtClean="0"/>
-              <a:t>Someone </a:t>
-            </a:r>
-            <a:r>
-              <a:rPr lang="en-US" dirty="0"/>
-              <a:t>pushes code with errors</a:t>
-            </a:r>
-          </a:p>
-          <a:p>
-            <a:pPr lvl="1"/>
-            <a:r>
-              <a:rPr lang="en-US" dirty="0" smtClean="0"/>
-              <a:t>Code breaks, why?- </a:t>
-            </a:r>
-            <a:r>
-              <a:rPr lang="en-US" dirty="0"/>
-              <a:t>can be time </a:t>
-            </a:r>
-            <a:r>
-              <a:rPr lang="en-US" dirty="0" smtClean="0"/>
-              <a:t>consuming</a:t>
-            </a:r>
-          </a:p>
-          <a:p>
-            <a:pPr lvl="1"/>
-            <a:r>
-              <a:rPr lang="en-US" dirty="0" smtClean="0"/>
-              <a:t>Who </a:t>
-            </a:r>
-            <a:r>
-              <a:rPr lang="en-US" dirty="0"/>
-              <a:t>broke it</a:t>
-            </a:r>
-            <a:r>
-              <a:rPr lang="en-US" dirty="0" smtClean="0"/>
-              <a:t>?- </a:t>
-            </a:r>
-            <a:r>
-              <a:rPr lang="en-US" dirty="0"/>
-              <a:t>can be time consuming</a:t>
-            </a:r>
-          </a:p>
-          <a:p>
-            <a:pPr lvl="1"/>
-            <a:r>
-              <a:rPr lang="en-US" dirty="0"/>
-              <a:t>Everyone’s workflow halts and the search begins</a:t>
-            </a:r>
-          </a:p>
-          <a:p>
-            <a:endParaRPr lang="en-US" dirty="0"/>
-          </a:p>
-        </p:txBody>
-      </p:sp>
-      <p:sp>
-        <p:nvSpPr>
-          <p:cNvPr id="5" name="Footer Placeholder 4"/>
-          <p:cNvSpPr>
-            <a:spLocks noGrp="1"/>
-          </p:cNvSpPr>
-          <p:nvPr>
-            <p:ph type="ftr" sz="quarter" idx="11"/>
-          </p:nvPr>
-        </p:nvSpPr>
-        <p:spPr/>
-        <p:txBody>
-          <a:bodyPr/>
-          <a:lstStyle/>
-          <a:p>
-            <a:r>
-              <a:rPr lang="en-US" smtClean="0"/>
-              <a:t>AXP Internal</a:t>
-            </a:r>
-            <a:endParaRPr lang="en-US"/>
-          </a:p>
-        </p:txBody>
-      </p:sp>
-      <p:sp>
-        <p:nvSpPr>
-          <p:cNvPr id="6" name="Date Placeholder 5"/>
-          <p:cNvSpPr>
-            <a:spLocks noGrp="1"/>
-          </p:cNvSpPr>
-          <p:nvPr>
-            <p:ph type="dt" sz="half" idx="10"/>
-          </p:nvPr>
-        </p:nvSpPr>
-        <p:spPr/>
-        <p:txBody>
-          <a:bodyPr/>
-          <a:lstStyle/>
-          <a:p>
-            <a:fld id="{3AB5E24E-394E-49C0-A9F1-50B0578F64EF}" type="datetime5">
-              <a:rPr lang="en-US" smtClean="0"/>
-              <a:t>26-Oct-18</a:t>
-            </a:fld>
-            <a:endParaRPr lang="en-US"/>
-          </a:p>
-        </p:txBody>
-      </p:sp>
-      <p:sp>
-        <p:nvSpPr>
-          <p:cNvPr id="7" name="Slide Number Placeholder 6"/>
-          <p:cNvSpPr>
-            <a:spLocks noGrp="1"/>
-          </p:cNvSpPr>
-          <p:nvPr>
-            <p:ph type="sldNum" sz="quarter" idx="12"/>
-          </p:nvPr>
-        </p:nvSpPr>
-        <p:spPr/>
-        <p:txBody>
-          <a:bodyPr/>
-          <a:lstStyle/>
-          <a:p>
-            <a:fld id="{B4829C59-8948-1A4D-840C-AB343535AC28}" type="slidenum">
-              <a:rPr lang="en-US" smtClean="0"/>
-              <a:t>2</a:t>
-            </a:fld>
-            <a:endParaRPr lang="en-US"/>
-          </a:p>
-        </p:txBody>
-      </p:sp>
-    </p:spTree>
-    <p:extLst>
-      <p:ext uri="{BB962C8B-B14F-4D97-AF65-F5344CB8AC3E}">
-        <p14:creationId xmlns:p14="http://schemas.microsoft.com/office/powerpoint/2010/main" val="1396879765"/>
-      </p:ext>
-    </p:extLst>
-  </p:cSld>
-  <p:clrMapOvr>
-    <a:masterClrMapping/>
-  </p:clrMapOvr>
-  <p:timing>
-    <p:tnLst>
-      <p:par>
-        <p:cTn id="1" dur="indefinite" restart="never" nodeType="tmRoot"/>
-      </p:par>
-    </p:tnLst>
-  </p:timing>
-</p:sld>
-</file>
-
-<file path=ppt/slides/slide20.xml><?xml version="1.0" encoding="utf-8"?>
+<file path=ppt/slides/slide19.xml><?xml version="1.0" encoding="utf-8"?>
 <p:sld xmlns:a="http://schemas.openxmlformats.org/drawingml/2006/main" xmlns:r="http://schemas.openxmlformats.org/officeDocument/2006/relationships" xmlns:p="http://schemas.openxmlformats.org/presentationml/2006/main">
   <p:cSld>
     <p:spTree>
@@ -19802,9 +19489,9 @@
           <a:bodyPr/>
           <a:lstStyle/>
           <a:p>
-            <a:fld id="{CE8C70A1-FB05-4F99-8BD8-04211F9DF84B}" type="datetime5">
+            <a:fld id="{E4BA6B6D-7F77-404C-83F3-6E92307B77FA}" type="datetime5">
               <a:rPr lang="en-US" smtClean="0"/>
-              <a:t>26-Oct-18</a:t>
+              <a:t>27-Oct-18</a:t>
             </a:fld>
             <a:endParaRPr lang="en-US"/>
           </a:p>
@@ -19827,7 +19514,7 @@
           <a:p>
             <a:fld id="{B4829C59-8948-1A4D-840C-AB343535AC28}" type="slidenum">
               <a:rPr lang="en-US" smtClean="0"/>
-              <a:t>20</a:t>
+              <a:t>19</a:t>
             </a:fld>
             <a:endParaRPr lang="en-US"/>
           </a:p>
@@ -19837,6 +19524,237 @@
     <p:extLst>
       <p:ext uri="{BB962C8B-B14F-4D97-AF65-F5344CB8AC3E}">
         <p14:creationId xmlns:p14="http://schemas.microsoft.com/office/powerpoint/2010/main" val="3274473585"/>
+      </p:ext>
+    </p:extLst>
+  </p:cSld>
+  <p:clrMapOvr>
+    <a:masterClrMapping/>
+  </p:clrMapOvr>
+  <p:timing>
+    <p:tnLst>
+      <p:par>
+        <p:cTn id="1" dur="indefinite" restart="never" nodeType="tmRoot"/>
+      </p:par>
+    </p:tnLst>
+  </p:timing>
+</p:sld>
+</file>
+
+<file path=ppt/slides/slide2.xml><?xml version="1.0" encoding="utf-8"?>
+<p:sld xmlns:a="http://schemas.openxmlformats.org/drawingml/2006/main" xmlns:r="http://schemas.openxmlformats.org/officeDocument/2006/relationships" xmlns:p="http://schemas.openxmlformats.org/presentationml/2006/main">
+  <p:cSld>
+    <p:spTree>
+      <p:nvGrpSpPr>
+        <p:cNvPr id="1" name=""/>
+        <p:cNvGrpSpPr/>
+        <p:nvPr/>
+      </p:nvGrpSpPr>
+      <p:grpSpPr>
+        <a:xfrm>
+          <a:off x="0" y="0"/>
+          <a:ext cx="0" cy="0"/>
+          <a:chOff x="0" y="0"/>
+          <a:chExt cx="0" cy="0"/>
+        </a:xfrm>
+      </p:grpSpPr>
+      <p:sp>
+        <p:nvSpPr>
+          <p:cNvPr id="2" name="Title 1"/>
+          <p:cNvSpPr>
+            <a:spLocks noGrp="1"/>
+          </p:cNvSpPr>
+          <p:nvPr>
+            <p:ph type="title"/>
+          </p:nvPr>
+        </p:nvSpPr>
+        <p:spPr/>
+        <p:txBody>
+          <a:bodyPr/>
+          <a:lstStyle/>
+          <a:p>
+            <a:r>
+              <a:rPr lang="en-US" dirty="0" smtClean="0"/>
+              <a:t>Without Branching</a:t>
+            </a:r>
+            <a:endParaRPr lang="en-US" dirty="0"/>
+          </a:p>
+        </p:txBody>
+      </p:sp>
+      <p:sp>
+        <p:nvSpPr>
+          <p:cNvPr id="3" name="Content Placeholder 2"/>
+          <p:cNvSpPr>
+            <a:spLocks noGrp="1"/>
+          </p:cNvSpPr>
+          <p:nvPr>
+            <p:ph idx="1"/>
+          </p:nvPr>
+        </p:nvSpPr>
+        <p:spPr>
+          <a:xfrm>
+            <a:off x="457200" y="1600201"/>
+            <a:ext cx="8229600" cy="4544260"/>
+          </a:xfrm>
+        </p:spPr>
+        <p:txBody>
+          <a:bodyPr>
+            <a:normAutofit/>
+          </a:bodyPr>
+          <a:lstStyle/>
+          <a:p>
+            <a:r>
+              <a:rPr lang="en-US" dirty="0" smtClean="0"/>
+              <a:t>All team member push to master</a:t>
+            </a:r>
+          </a:p>
+          <a:p>
+            <a:pPr lvl="1"/>
+            <a:r>
+              <a:rPr lang="en-US" dirty="0"/>
+              <a:t>If there are </a:t>
+            </a:r>
+            <a:r>
+              <a:rPr lang="en-US" dirty="0" smtClean="0"/>
+              <a:t>many </a:t>
+            </a:r>
+            <a:r>
+              <a:rPr lang="en-US" dirty="0"/>
+              <a:t>developers with different tasks on the same codebase</a:t>
+            </a:r>
+            <a:r>
+              <a:rPr lang="en-US" dirty="0" smtClean="0"/>
+              <a:t>?</a:t>
+            </a:r>
+          </a:p>
+          <a:p>
+            <a:r>
+              <a:rPr lang="en-US" dirty="0" smtClean="0"/>
+              <a:t>Someone </a:t>
+            </a:r>
+            <a:r>
+              <a:rPr lang="en-US" dirty="0"/>
+              <a:t>pushes code with errors</a:t>
+            </a:r>
+          </a:p>
+          <a:p>
+            <a:pPr lvl="1"/>
+            <a:r>
+              <a:rPr lang="en-US" dirty="0" smtClean="0"/>
+              <a:t>Code breaks, why?- </a:t>
+            </a:r>
+            <a:r>
+              <a:rPr lang="en-US" dirty="0"/>
+              <a:t>can be time </a:t>
+            </a:r>
+            <a:r>
+              <a:rPr lang="en-US" dirty="0" smtClean="0"/>
+              <a:t>consuming</a:t>
+            </a:r>
+          </a:p>
+          <a:p>
+            <a:pPr lvl="1"/>
+            <a:r>
+              <a:rPr lang="en-US" dirty="0" smtClean="0"/>
+              <a:t>Who </a:t>
+            </a:r>
+            <a:r>
+              <a:rPr lang="en-US" dirty="0"/>
+              <a:t>broke it</a:t>
+            </a:r>
+            <a:r>
+              <a:rPr lang="en-US" dirty="0" smtClean="0"/>
+              <a:t>?- </a:t>
+            </a:r>
+            <a:r>
+              <a:rPr lang="en-US" dirty="0"/>
+              <a:t>can be time consuming</a:t>
+            </a:r>
+          </a:p>
+          <a:p>
+            <a:pPr lvl="1"/>
+            <a:r>
+              <a:rPr lang="en-US" dirty="0"/>
+              <a:t>Everyone’s workflow halts and the search begins</a:t>
+            </a:r>
+          </a:p>
+          <a:p>
+            <a:endParaRPr lang="en-US" dirty="0"/>
+          </a:p>
+        </p:txBody>
+      </p:sp>
+      <p:sp>
+        <p:nvSpPr>
+          <p:cNvPr id="5" name="Footer Placeholder 4"/>
+          <p:cNvSpPr>
+            <a:spLocks noGrp="1"/>
+          </p:cNvSpPr>
+          <p:nvPr>
+            <p:ph type="ftr" sz="quarter" idx="11"/>
+          </p:nvPr>
+        </p:nvSpPr>
+        <p:spPr/>
+        <p:txBody>
+          <a:bodyPr/>
+          <a:lstStyle/>
+          <a:p>
+            <a:r>
+              <a:rPr lang="en-US" smtClean="0"/>
+              <a:t>AXP Internal</a:t>
+            </a:r>
+            <a:endParaRPr lang="en-US"/>
+          </a:p>
+        </p:txBody>
+      </p:sp>
+      <p:sp>
+        <p:nvSpPr>
+          <p:cNvPr id="6" name="Date Placeholder 5"/>
+          <p:cNvSpPr>
+            <a:spLocks noGrp="1"/>
+          </p:cNvSpPr>
+          <p:nvPr>
+            <p:ph type="dt" sz="half" idx="10"/>
+          </p:nvPr>
+        </p:nvSpPr>
+        <p:spPr/>
+        <p:txBody>
+          <a:bodyPr/>
+          <a:lstStyle/>
+          <a:p>
+            <a:fld id="{2D59AD2A-6DB8-4F0C-8A45-4228BCA456FF}" type="datetime5">
+              <a:rPr lang="en-US" smtClean="0"/>
+              <a:t>27-Oct-18</a:t>
+            </a:fld>
+            <a:endParaRPr lang="en-US"/>
+          </a:p>
+        </p:txBody>
+      </p:sp>
+      <p:sp>
+        <p:nvSpPr>
+          <p:cNvPr id="7" name="Slide Number Placeholder 6"/>
+          <p:cNvSpPr>
+            <a:spLocks noGrp="1"/>
+          </p:cNvSpPr>
+          <p:nvPr>
+            <p:ph type="sldNum" sz="quarter" idx="12"/>
+          </p:nvPr>
+        </p:nvSpPr>
+        <p:spPr/>
+        <p:txBody>
+          <a:bodyPr/>
+          <a:lstStyle/>
+          <a:p>
+            <a:fld id="{B4829C59-8948-1A4D-840C-AB343535AC28}" type="slidenum">
+              <a:rPr lang="en-US" smtClean="0"/>
+              <a:t>2</a:t>
+            </a:fld>
+            <a:endParaRPr lang="en-US"/>
+          </a:p>
+        </p:txBody>
+      </p:sp>
+    </p:spTree>
+    <p:extLst>
+      <p:ext uri="{BB962C8B-B14F-4D97-AF65-F5344CB8AC3E}">
+        <p14:creationId xmlns:p14="http://schemas.microsoft.com/office/powerpoint/2010/main" val="1396879765"/>
       </p:ext>
     </p:extLst>
   </p:cSld>
@@ -19887,7 +19805,7 @@
           <a:p>
             <a:r>
               <a:rPr lang="en-US" dirty="0" smtClean="0"/>
-              <a:t>Branching</a:t>
+              <a:t>With Branching</a:t>
             </a:r>
             <a:endParaRPr lang="en-US" dirty="0"/>
           </a:p>
@@ -20002,9 +19920,9 @@
           <a:bodyPr/>
           <a:lstStyle/>
           <a:p>
-            <a:fld id="{515F60E8-B689-4E6D-B9D5-AB58C1342052}" type="datetime5">
+            <a:fld id="{41E5FF32-3841-4150-AF10-BCBB48D68EDE}" type="datetime5">
               <a:rPr lang="en-US" smtClean="0"/>
-              <a:t>26-Oct-18</a:t>
+              <a:t>27-Oct-18</a:t>
             </a:fld>
             <a:endParaRPr lang="en-US"/>
           </a:p>
@@ -20114,7 +20032,7 @@
         <p:spPr/>
         <p:txBody>
           <a:bodyPr>
-            <a:normAutofit lnSpcReduction="10000"/>
+            <a:normAutofit fontScale="85000" lnSpcReduction="20000"/>
           </a:bodyPr>
           <a:lstStyle/>
           <a:p>
@@ -20152,6 +20070,22 @@
             </a:r>
           </a:p>
           <a:p>
+            <a:pPr lvl="1"/>
+            <a:r>
+              <a:rPr lang="en-US" dirty="0" smtClean="0"/>
+              <a:t>used </a:t>
+            </a:r>
+            <a:r>
+              <a:rPr lang="en-US" dirty="0"/>
+              <a:t>for regression </a:t>
+            </a:r>
+            <a:r>
+              <a:rPr lang="en-US" dirty="0" smtClean="0"/>
+              <a:t>testing</a:t>
+            </a:r>
+            <a:endParaRPr lang="en-US" dirty="0" smtClean="0"/>
+          </a:p>
+          <a:p>
             <a:r>
               <a:rPr lang="en-US" dirty="0"/>
               <a:t>Release branches (release-</a:t>
@@ -20183,8 +20117,20 @@
             <a:pPr marL="800100" lvl="1" indent="-342900"/>
             <a:r>
               <a:rPr lang="en-US" dirty="0" smtClean="0"/>
-              <a:t>for developing features, branched from develop</a:t>
-            </a:r>
+              <a:t>for developing features, branched from </a:t>
+            </a:r>
+            <a:r>
+              <a:rPr lang="en-US" dirty="0" smtClean="0"/>
+              <a:t>develop</a:t>
+            </a:r>
+          </a:p>
+          <a:p>
+            <a:pPr marL="400050"/>
+            <a:r>
+              <a:rPr lang="en-US" dirty="0" smtClean="0"/>
+              <a:t>Hotfix branches</a:t>
+            </a:r>
+            <a:endParaRPr lang="en-US" dirty="0" smtClean="0"/>
           </a:p>
           <a:p>
             <a:endParaRPr lang="en-US" dirty="0"/>
@@ -20236,9 +20182,9 @@
           <a:bodyPr/>
           <a:lstStyle/>
           <a:p>
-            <a:fld id="{A6C53EF7-4AF0-4030-8059-4B4B3CED1F28}" type="datetime5">
+            <a:fld id="{8DDDF889-F9BF-4536-A28E-77639BDA987D}" type="datetime5">
               <a:rPr lang="en-US" smtClean="0"/>
-              <a:t>26-Oct-18</a:t>
+              <a:t>27-Oct-18</a:t>
             </a:fld>
             <a:endParaRPr lang="en-US"/>
           </a:p>
@@ -20319,9 +20265,9 @@
           <a:bodyPr/>
           <a:lstStyle/>
           <a:p>
-            <a:fld id="{D854AF77-387C-422E-B50D-840EC96D59B8}" type="datetime5">
+            <a:fld id="{E44DC8C2-7D0B-46D5-8A45-5D1C881C3508}" type="datetime5">
               <a:rPr lang="en-US" smtClean="0"/>
-              <a:t>26-Oct-18</a:t>
+              <a:t>27-Oct-18</a:t>
             </a:fld>
             <a:endParaRPr lang="en-US"/>
           </a:p>
@@ -20585,6 +20531,18 @@
               <a:rPr lang="en-US" dirty="0" smtClean="0"/>
               <a:t>develop </a:t>
             </a:r>
+            <a:endParaRPr lang="en-US" dirty="0" smtClean="0"/>
+          </a:p>
+          <a:p>
+            <a:r>
+              <a:rPr lang="en-US" dirty="0"/>
+              <a:t>feature-</a:t>
+            </a:r>
+            <a:r>
+              <a:rPr lang="en-US" dirty="0" smtClean="0"/>
+              <a:t>*</a:t>
+            </a:r>
+            <a:endParaRPr lang="en-US" dirty="0" smtClean="0"/>
           </a:p>
           <a:p>
             <a:r>
@@ -20596,16 +20554,6 @@
             <a:r>
               <a:rPr lang="en-US" dirty="0" smtClean="0"/>
               <a:t>hotfix-*</a:t>
-            </a:r>
-          </a:p>
-          <a:p>
-            <a:r>
-              <a:rPr lang="en-US" dirty="0"/>
-              <a:t>f</a:t>
-            </a:r>
-            <a:r>
-              <a:rPr lang="en-US" dirty="0" smtClean="0"/>
-              <a:t>eature-*</a:t>
             </a:r>
           </a:p>
           <a:p>
@@ -20649,7 +20597,7 @@
       </p:grpSpPr>
       <p:sp>
         <p:nvSpPr>
-          <p:cNvPr id="4" name="Title 3"/>
+          <p:cNvPr id="2" name="Title 1"/>
           <p:cNvSpPr>
             <a:spLocks noGrp="1"/>
           </p:cNvSpPr>
@@ -20664,7 +20612,15 @@
           <a:p>
             <a:r>
               <a:rPr lang="en-US" dirty="0" smtClean="0"/>
-              <a:t>Master and Develop</a:t>
+              <a:t>How to </a:t>
+            </a:r>
+            <a:r>
+              <a:rPr lang="en-US" dirty="0" smtClean="0"/>
+              <a:t>create a </a:t>
+            </a:r>
+            <a:r>
+              <a:rPr lang="en-US" dirty="0" smtClean="0"/>
+              <a:t>branch</a:t>
             </a:r>
             <a:endParaRPr lang="en-US" dirty="0"/>
           </a:p>
@@ -20672,7 +20628,7 @@
       </p:sp>
       <p:sp>
         <p:nvSpPr>
-          <p:cNvPr id="5" name="Subtitle 4"/>
+          <p:cNvPr id="3" name="Content Placeholder 2"/>
           <p:cNvSpPr>
             <a:spLocks noGrp="1"/>
           </p:cNvSpPr>
@@ -20680,86 +20636,86 @@
             <p:ph idx="1"/>
           </p:nvPr>
         </p:nvSpPr>
-        <p:spPr>
-          <a:xfrm>
-            <a:off x="457200" y="1600200"/>
-            <a:ext cx="8229600" cy="5044540"/>
-          </a:xfrm>
-        </p:spPr>
-        <p:txBody>
-          <a:bodyPr>
-            <a:normAutofit/>
-          </a:bodyPr>
+        <p:spPr/>
+        <p:txBody>
+          <a:bodyPr/>
           <a:lstStyle/>
           <a:p>
             <a:r>
               <a:rPr lang="en-US" dirty="0" smtClean="0"/>
-              <a:t>The two primary branches</a:t>
-            </a:r>
-          </a:p>
-          <a:p>
+              <a:t>Creates branch off of current branch</a:t>
+            </a:r>
+          </a:p>
+          <a:p>
+            <a:pPr lvl="1"/>
+            <a:r>
+              <a:rPr lang="en-US" dirty="0" err="1"/>
+              <a:t>git</a:t>
+            </a:r>
+            <a:r>
+              <a:rPr lang="en-US" dirty="0"/>
+              <a:t> checkout –b &lt;</a:t>
+            </a:r>
+            <a:r>
+              <a:rPr lang="en-US" dirty="0" err="1"/>
+              <a:t>newBranchName</a:t>
+            </a:r>
+            <a:r>
+              <a:rPr lang="en-US" dirty="0"/>
+              <a:t>&gt;</a:t>
+            </a:r>
+            <a:endParaRPr lang="en-US" dirty="0" smtClean="0"/>
+          </a:p>
+          <a:p>
+            <a:pPr lvl="1"/>
             <a:r>
               <a:rPr lang="en-US" dirty="0" smtClean="0"/>
-              <a:t>Master is the default branch in </a:t>
-            </a:r>
+              <a:t>Equivalent to:</a:t>
+            </a:r>
+          </a:p>
+          <a:p>
+            <a:pPr lvl="2"/>
             <a:r>
               <a:rPr lang="en-US" dirty="0" err="1" smtClean="0"/>
               <a:t>git</a:t>
             </a:r>
-            <a:endParaRPr lang="en-US" dirty="0" smtClean="0"/>
-          </a:p>
-          <a:p>
-            <a:pPr lvl="1"/>
             <a:r>
               <a:rPr lang="en-US" dirty="0" smtClean="0"/>
-              <a:t>Used for production releases</a:t>
-            </a:r>
-            <a:endParaRPr lang="en-US" dirty="0" smtClean="0"/>
-          </a:p>
-          <a:p>
+              <a:t> branch &lt;</a:t>
+            </a:r>
+            <a:r>
+              <a:rPr lang="en-US" dirty="0" err="1" smtClean="0"/>
+              <a:t>newBranchName</a:t>
+            </a:r>
             <a:r>
               <a:rPr lang="en-US" dirty="0" smtClean="0"/>
-              <a:t>Create develop branch</a:t>
-            </a:r>
-          </a:p>
-          <a:p>
-            <a:pPr lvl="1"/>
+              <a:t>&gt;</a:t>
+            </a:r>
+          </a:p>
+          <a:p>
+            <a:pPr lvl="2"/>
+            <a:r>
+              <a:rPr lang="en-US" dirty="0" err="1" smtClean="0"/>
+              <a:t>git</a:t>
+            </a:r>
             <a:r>
               <a:rPr lang="en-US" dirty="0" smtClean="0"/>
-              <a:t>Used for integration</a:t>
-            </a:r>
-          </a:p>
-          <a:p>
-            <a:pPr lvl="1"/>
-            <a:r>
-              <a:rPr lang="en-US" dirty="0"/>
-              <a:t>Used for regression </a:t>
+              <a:t> checkout &lt;</a:t>
+            </a:r>
+            <a:r>
+              <a:rPr lang="en-US" dirty="0" err="1" smtClean="0"/>
+              <a:t>newBranchName</a:t>
             </a:r>
             <a:r>
               <a:rPr lang="en-US" dirty="0" smtClean="0"/>
-              <a:t>testing</a:t>
-            </a:r>
-            <a:endParaRPr lang="en-US" dirty="0" smtClean="0"/>
-          </a:p>
-          <a:p>
-            <a:pPr lvl="1"/>
-            <a:r>
-              <a:rPr lang="en-US" dirty="0" smtClean="0"/>
-              <a:t>Primary working branch for the team</a:t>
-            </a:r>
-          </a:p>
-          <a:p>
-            <a:pPr lvl="1"/>
-            <a:r>
-              <a:rPr lang="en-US" dirty="0" smtClean="0"/>
-              <a:t>Contains the latest features</a:t>
-            </a:r>
-          </a:p>
-        </p:txBody>
-      </p:sp>
-      <p:sp>
-        <p:nvSpPr>
-          <p:cNvPr id="2" name="Footer Placeholder 1"/>
+              <a:t>&gt;</a:t>
+            </a:r>
+          </a:p>
+        </p:txBody>
+      </p:sp>
+      <p:sp>
+        <p:nvSpPr>
+          <p:cNvPr id="4" name="Footer Placeholder 3"/>
           <p:cNvSpPr>
             <a:spLocks noGrp="1"/>
           </p:cNvSpPr>
@@ -20782,7 +20738,7 @@
       </p:sp>
       <p:sp>
         <p:nvSpPr>
-          <p:cNvPr id="3" name="Date Placeholder 2"/>
+          <p:cNvPr id="5" name="Date Placeholder 4"/>
           <p:cNvSpPr>
             <a:spLocks noGrp="1"/>
           </p:cNvSpPr>
@@ -20795,9 +20751,9 @@
           <a:bodyPr/>
           <a:lstStyle/>
           <a:p>
-            <a:fld id="{68C825B7-6869-471A-8E5D-FF0E50591F8D}" type="datetime5">
+            <a:fld id="{07DEB7E2-7FB8-4F00-85E5-A334B2994E1A}" type="datetime5">
               <a:rPr lang="en-US" smtClean="0"/>
-              <a:t>26-Oct-18</a:t>
+              <a:t>27-Oct-18</a:t>
             </a:fld>
             <a:endParaRPr lang="en-US"/>
           </a:p>
@@ -20822,14 +20778,14 @@
               <a:rPr lang="en-US" smtClean="0"/>
               <a:t>6</a:t>
             </a:fld>
-            <a:endParaRPr lang="en-US" dirty="0"/>
+            <a:endParaRPr lang="en-US"/>
           </a:p>
         </p:txBody>
       </p:sp>
     </p:spTree>
     <p:extLst>
       <p:ext uri="{BB962C8B-B14F-4D97-AF65-F5344CB8AC3E}">
-        <p14:creationId xmlns:p14="http://schemas.microsoft.com/office/powerpoint/2010/main" val="2844367989"/>
+        <p14:creationId xmlns:p14="http://schemas.microsoft.com/office/powerpoint/2010/main" val="832328781"/>
       </p:ext>
     </p:extLst>
   </p:cSld>
@@ -20865,6 +20821,386 @@
       </p:grpSpPr>
       <p:sp>
         <p:nvSpPr>
+          <p:cNvPr id="2" name="Date Placeholder 1"/>
+          <p:cNvSpPr>
+            <a:spLocks noGrp="1"/>
+          </p:cNvSpPr>
+          <p:nvPr>
+            <p:ph type="dt" sz="half" idx="10"/>
+          </p:nvPr>
+        </p:nvSpPr>
+        <p:spPr/>
+        <p:txBody>
+          <a:bodyPr/>
+          <a:lstStyle/>
+          <a:p>
+            <a:fld id="{6479468C-0618-4374-A0C3-C2DF6C3C20AF}" type="datetime5">
+              <a:rPr lang="en-US" smtClean="0"/>
+              <a:t>27-Oct-18</a:t>
+            </a:fld>
+            <a:endParaRPr lang="en-US"/>
+          </a:p>
+        </p:txBody>
+      </p:sp>
+      <p:sp>
+        <p:nvSpPr>
+          <p:cNvPr id="3" name="Footer Placeholder 2"/>
+          <p:cNvSpPr>
+            <a:spLocks noGrp="1"/>
+          </p:cNvSpPr>
+          <p:nvPr>
+            <p:ph type="ftr" sz="quarter" idx="11"/>
+          </p:nvPr>
+        </p:nvSpPr>
+        <p:spPr/>
+        <p:txBody>
+          <a:bodyPr/>
+          <a:lstStyle/>
+          <a:p>
+            <a:r>
+              <a:rPr lang="en-US" smtClean="0"/>
+              <a:t>AXP Internal</a:t>
+            </a:r>
+            <a:endParaRPr lang="en-US"/>
+          </a:p>
+        </p:txBody>
+      </p:sp>
+      <p:sp>
+        <p:nvSpPr>
+          <p:cNvPr id="4" name="Slide Number Placeholder 3"/>
+          <p:cNvSpPr>
+            <a:spLocks noGrp="1"/>
+          </p:cNvSpPr>
+          <p:nvPr>
+            <p:ph type="sldNum" sz="quarter" idx="12"/>
+          </p:nvPr>
+        </p:nvSpPr>
+        <p:spPr/>
+        <p:txBody>
+          <a:bodyPr/>
+          <a:lstStyle/>
+          <a:p>
+            <a:fld id="{B4829C59-8948-1A4D-840C-AB343535AC28}" type="slidenum">
+              <a:rPr lang="en-US" smtClean="0"/>
+              <a:t>7</a:t>
+            </a:fld>
+            <a:endParaRPr lang="en-US"/>
+          </a:p>
+        </p:txBody>
+      </p:sp>
+      <p:sp>
+        <p:nvSpPr>
+          <p:cNvPr id="5" name="Title 1"/>
+          <p:cNvSpPr txBox="1">
+            <a:spLocks/>
+          </p:cNvSpPr>
+          <p:nvPr/>
+        </p:nvSpPr>
+        <p:spPr>
+          <a:xfrm>
+            <a:off x="457200" y="274638"/>
+            <a:ext cx="8229600" cy="1143000"/>
+          </a:xfrm>
+          <a:prstGeom prst="rect">
+            <a:avLst/>
+          </a:prstGeom>
+        </p:spPr>
+        <p:txBody>
+          <a:bodyPr/>
+          <a:lstStyle>
+            <a:lvl1pPr algn="ctr" defTabSz="457200" rtl="0" eaLnBrk="1" latinLnBrk="0" hangingPunct="1">
+              <a:spcBef>
+                <a:spcPct val="0"/>
+              </a:spcBef>
+              <a:buNone/>
+              <a:defRPr sz="4400" kern="1200">
+                <a:solidFill>
+                  <a:schemeClr val="tx1"/>
+                </a:solidFill>
+                <a:latin typeface="+mj-lt"/>
+                <a:ea typeface="+mj-ea"/>
+                <a:cs typeface="+mj-cs"/>
+              </a:defRPr>
+            </a:lvl1pPr>
+          </a:lstStyle>
+          <a:p>
+            <a:r>
+              <a:rPr lang="en-US" dirty="0" smtClean="0"/>
+              <a:t>Master and Develop Branches</a:t>
+            </a:r>
+            <a:endParaRPr lang="en-US" dirty="0"/>
+          </a:p>
+        </p:txBody>
+      </p:sp>
+      <p:sp>
+        <p:nvSpPr>
+          <p:cNvPr id="6" name="Content Placeholder 2"/>
+          <p:cNvSpPr txBox="1">
+            <a:spLocks/>
+          </p:cNvSpPr>
+          <p:nvPr/>
+        </p:nvSpPr>
+        <p:spPr>
+          <a:xfrm>
+            <a:off x="457200" y="1600200"/>
+            <a:ext cx="8229600" cy="4525963"/>
+          </a:xfrm>
+          <a:prstGeom prst="rect">
+            <a:avLst/>
+          </a:prstGeom>
+        </p:spPr>
+        <p:txBody>
+          <a:bodyPr>
+            <a:normAutofit lnSpcReduction="10000"/>
+          </a:bodyPr>
+          <a:lstStyle>
+            <a:lvl1pPr marL="342900" indent="-342900" algn="l" defTabSz="457200" rtl="0" eaLnBrk="1" latinLnBrk="0" hangingPunct="1">
+              <a:spcBef>
+                <a:spcPct val="20000"/>
+              </a:spcBef>
+              <a:buFont typeface="Arial"/>
+              <a:buChar char="•"/>
+              <a:defRPr sz="3200" kern="1200">
+                <a:solidFill>
+                  <a:schemeClr val="tx1"/>
+                </a:solidFill>
+                <a:latin typeface="+mn-lt"/>
+                <a:ea typeface="+mn-ea"/>
+                <a:cs typeface="+mn-cs"/>
+              </a:defRPr>
+            </a:lvl1pPr>
+            <a:lvl2pPr marL="742950" indent="-285750" algn="l" defTabSz="457200" rtl="0" eaLnBrk="1" latinLnBrk="0" hangingPunct="1">
+              <a:spcBef>
+                <a:spcPct val="20000"/>
+              </a:spcBef>
+              <a:buFont typeface="Arial"/>
+              <a:buChar char="–"/>
+              <a:defRPr sz="2800" kern="1200">
+                <a:solidFill>
+                  <a:schemeClr val="tx1"/>
+                </a:solidFill>
+                <a:latin typeface="+mn-lt"/>
+                <a:ea typeface="+mn-ea"/>
+                <a:cs typeface="+mn-cs"/>
+              </a:defRPr>
+            </a:lvl2pPr>
+            <a:lvl3pPr marL="1143000" indent="-228600" algn="l" defTabSz="457200" rtl="0" eaLnBrk="1" latinLnBrk="0" hangingPunct="1">
+              <a:spcBef>
+                <a:spcPct val="20000"/>
+              </a:spcBef>
+              <a:buFont typeface="Arial"/>
+              <a:buChar char="•"/>
+              <a:defRPr sz="2400" kern="1200">
+                <a:solidFill>
+                  <a:schemeClr val="tx1"/>
+                </a:solidFill>
+                <a:latin typeface="+mn-lt"/>
+                <a:ea typeface="+mn-ea"/>
+                <a:cs typeface="+mn-cs"/>
+              </a:defRPr>
+            </a:lvl3pPr>
+            <a:lvl4pPr marL="1600200" indent="-228600" algn="l" defTabSz="457200" rtl="0" eaLnBrk="1" latinLnBrk="0" hangingPunct="1">
+              <a:spcBef>
+                <a:spcPct val="20000"/>
+              </a:spcBef>
+              <a:buFont typeface="Arial"/>
+              <a:buChar char="–"/>
+              <a:defRPr sz="2000" kern="1200">
+                <a:solidFill>
+                  <a:schemeClr val="tx1"/>
+                </a:solidFill>
+                <a:latin typeface="+mn-lt"/>
+                <a:ea typeface="+mn-ea"/>
+                <a:cs typeface="+mn-cs"/>
+              </a:defRPr>
+            </a:lvl4pPr>
+            <a:lvl5pPr marL="2057400" indent="-228600" algn="l" defTabSz="457200" rtl="0" eaLnBrk="1" latinLnBrk="0" hangingPunct="1">
+              <a:spcBef>
+                <a:spcPct val="20000"/>
+              </a:spcBef>
+              <a:buFont typeface="Arial"/>
+              <a:buChar char="»"/>
+              <a:defRPr sz="2000" kern="1200">
+                <a:solidFill>
+                  <a:schemeClr val="tx1"/>
+                </a:solidFill>
+                <a:latin typeface="+mn-lt"/>
+                <a:ea typeface="+mn-ea"/>
+                <a:cs typeface="+mn-cs"/>
+              </a:defRPr>
+            </a:lvl5pPr>
+            <a:lvl6pPr marL="2514600" indent="-228600" algn="l" defTabSz="457200" rtl="0" eaLnBrk="1" latinLnBrk="0" hangingPunct="1">
+              <a:spcBef>
+                <a:spcPct val="20000"/>
+              </a:spcBef>
+              <a:buFont typeface="Arial"/>
+              <a:buChar char="•"/>
+              <a:defRPr sz="2000" kern="1200">
+                <a:solidFill>
+                  <a:schemeClr val="tx1"/>
+                </a:solidFill>
+                <a:latin typeface="+mn-lt"/>
+                <a:ea typeface="+mn-ea"/>
+                <a:cs typeface="+mn-cs"/>
+              </a:defRPr>
+            </a:lvl6pPr>
+            <a:lvl7pPr marL="2971800" indent="-228600" algn="l" defTabSz="457200" rtl="0" eaLnBrk="1" latinLnBrk="0" hangingPunct="1">
+              <a:spcBef>
+                <a:spcPct val="20000"/>
+              </a:spcBef>
+              <a:buFont typeface="Arial"/>
+              <a:buChar char="•"/>
+              <a:defRPr sz="2000" kern="1200">
+                <a:solidFill>
+                  <a:schemeClr val="tx1"/>
+                </a:solidFill>
+                <a:latin typeface="+mn-lt"/>
+                <a:ea typeface="+mn-ea"/>
+                <a:cs typeface="+mn-cs"/>
+              </a:defRPr>
+            </a:lvl7pPr>
+            <a:lvl8pPr marL="3429000" indent="-228600" algn="l" defTabSz="457200" rtl="0" eaLnBrk="1" latinLnBrk="0" hangingPunct="1">
+              <a:spcBef>
+                <a:spcPct val="20000"/>
+              </a:spcBef>
+              <a:buFont typeface="Arial"/>
+              <a:buChar char="•"/>
+              <a:defRPr sz="2000" kern="1200">
+                <a:solidFill>
+                  <a:schemeClr val="tx1"/>
+                </a:solidFill>
+                <a:latin typeface="+mn-lt"/>
+                <a:ea typeface="+mn-ea"/>
+                <a:cs typeface="+mn-cs"/>
+              </a:defRPr>
+            </a:lvl8pPr>
+            <a:lvl9pPr marL="3886200" indent="-228600" algn="l" defTabSz="457200" rtl="0" eaLnBrk="1" latinLnBrk="0" hangingPunct="1">
+              <a:spcBef>
+                <a:spcPct val="20000"/>
+              </a:spcBef>
+              <a:buFont typeface="Arial"/>
+              <a:buChar char="•"/>
+              <a:defRPr sz="2000" kern="1200">
+                <a:solidFill>
+                  <a:schemeClr val="tx1"/>
+                </a:solidFill>
+                <a:latin typeface="+mn-lt"/>
+                <a:ea typeface="+mn-ea"/>
+                <a:cs typeface="+mn-cs"/>
+              </a:defRPr>
+            </a:lvl9pPr>
+          </a:lstStyle>
+          <a:p>
+            <a:r>
+              <a:rPr lang="en-US" dirty="0"/>
+              <a:t>We consider </a:t>
+            </a:r>
+            <a:r>
+              <a:rPr lang="en-US" dirty="0" smtClean="0"/>
+              <a:t>master always </a:t>
+            </a:r>
+            <a:r>
+              <a:rPr lang="en-US" dirty="0"/>
+              <a:t>reflects a </a:t>
+            </a:r>
+            <a:r>
+              <a:rPr lang="en-US" i="1" dirty="0"/>
+              <a:t>production-ready</a:t>
+            </a:r>
+            <a:r>
+              <a:rPr lang="en-US" dirty="0"/>
+              <a:t> state</a:t>
+            </a:r>
+            <a:r>
+              <a:rPr lang="en-US" dirty="0" smtClean="0"/>
+              <a:t>.</a:t>
+            </a:r>
+          </a:p>
+          <a:p>
+            <a:r>
+              <a:rPr lang="en-US" dirty="0" smtClean="0"/>
+              <a:t>Each </a:t>
+            </a:r>
+            <a:r>
+              <a:rPr lang="en-US" dirty="0"/>
+              <a:t>time when changes are merged back into master, that is a new production release </a:t>
+            </a:r>
+            <a:r>
+              <a:rPr lang="en-US" i="1" dirty="0"/>
+              <a:t>by definition</a:t>
+            </a:r>
+            <a:r>
+              <a:rPr lang="en-US" dirty="0" smtClean="0"/>
+              <a:t>.</a:t>
+            </a:r>
+            <a:endParaRPr lang="en-US" dirty="0"/>
+          </a:p>
+          <a:p>
+            <a:r>
+              <a:rPr lang="en-US" dirty="0"/>
+              <a:t>We </a:t>
+            </a:r>
+            <a:r>
+              <a:rPr lang="en-US" dirty="0" smtClean="0"/>
+              <a:t>consider develop always </a:t>
+            </a:r>
+            <a:r>
+              <a:rPr lang="en-US" dirty="0"/>
+              <a:t>reflects a state with the latest delivered development changes for the next release</a:t>
+            </a:r>
+            <a:r>
+              <a:rPr lang="en-US" dirty="0" smtClean="0"/>
+              <a:t>.</a:t>
+            </a:r>
+          </a:p>
+          <a:p>
+            <a:r>
+              <a:rPr lang="en-US" dirty="0" smtClean="0"/>
+              <a:t>Develop branch off from master</a:t>
+            </a:r>
+            <a:endParaRPr lang="en-US" dirty="0" smtClean="0"/>
+          </a:p>
+          <a:p>
+            <a:pPr lvl="1"/>
+            <a:endParaRPr lang="en-US" dirty="0" smtClean="0"/>
+          </a:p>
+          <a:p>
+            <a:endParaRPr lang="en-US" dirty="0"/>
+          </a:p>
+        </p:txBody>
+      </p:sp>
+    </p:spTree>
+    <p:extLst>
+      <p:ext uri="{BB962C8B-B14F-4D97-AF65-F5344CB8AC3E}">
+        <p14:creationId xmlns:p14="http://schemas.microsoft.com/office/powerpoint/2010/main" val="1416202427"/>
+      </p:ext>
+    </p:extLst>
+  </p:cSld>
+  <p:clrMapOvr>
+    <a:masterClrMapping/>
+  </p:clrMapOvr>
+</p:sld>
+</file>
+
+<file path=ppt/slides/slide8.xml><?xml version="1.0" encoding="utf-8"?>
+<p:sld xmlns:a="http://schemas.openxmlformats.org/drawingml/2006/main" xmlns:r="http://schemas.openxmlformats.org/officeDocument/2006/relationships" xmlns:p="http://schemas.openxmlformats.org/presentationml/2006/main">
+  <p:cSld>
+    <p:spTree>
+      <p:nvGrpSpPr>
+        <p:cNvPr id="1" name=""/>
+        <p:cNvGrpSpPr/>
+        <p:nvPr/>
+      </p:nvGrpSpPr>
+      <p:grpSpPr>
+        <a:xfrm>
+          <a:off x="0" y="0"/>
+          <a:ext cx="0" cy="0"/>
+          <a:chOff x="0" y="0"/>
+          <a:chExt cx="0" cy="0"/>
+        </a:xfrm>
+      </p:grpSpPr>
+      <p:sp>
+        <p:nvSpPr>
           <p:cNvPr id="4" name="Date Placeholder 3"/>
           <p:cNvSpPr>
             <a:spLocks noGrp="1"/>
@@ -20878,9 +21214,9 @@
           <a:bodyPr/>
           <a:lstStyle/>
           <a:p>
-            <a:fld id="{3EA8351E-1F3F-4175-AA60-6C208637EEFF}" type="datetime5">
+            <a:fld id="{61E84020-03DA-4EF8-8619-59495260C557}" type="datetime5">
               <a:rPr lang="en-US" smtClean="0"/>
-              <a:t>26-Oct-18</a:t>
+              <a:t>27-Oct-18</a:t>
             </a:fld>
             <a:endParaRPr lang="en-US"/>
           </a:p>
@@ -20926,7 +21262,7 @@
           <a:p>
             <a:fld id="{B4829C59-8948-1A4D-840C-AB343535AC28}" type="slidenum">
               <a:rPr lang="en-US" smtClean="0"/>
-              <a:t>7</a:t>
+              <a:t>8</a:t>
             </a:fld>
             <a:endParaRPr lang="en-US"/>
           </a:p>
@@ -22914,226 +23250,6 @@
 </p:sld>
 </file>
 
-<file path=ppt/slides/slide8.xml><?xml version="1.0" encoding="utf-8"?>
-<p:sld xmlns:a="http://schemas.openxmlformats.org/drawingml/2006/main" xmlns:r="http://schemas.openxmlformats.org/officeDocument/2006/relationships" xmlns:p="http://schemas.openxmlformats.org/presentationml/2006/main">
-  <p:cSld>
-    <p:spTree>
-      <p:nvGrpSpPr>
-        <p:cNvPr id="1" name=""/>
-        <p:cNvGrpSpPr/>
-        <p:nvPr/>
-      </p:nvGrpSpPr>
-      <p:grpSpPr>
-        <a:xfrm>
-          <a:off x="0" y="0"/>
-          <a:ext cx="0" cy="0"/>
-          <a:chOff x="0" y="0"/>
-          <a:chExt cx="0" cy="0"/>
-        </a:xfrm>
-      </p:grpSpPr>
-      <p:sp>
-        <p:nvSpPr>
-          <p:cNvPr id="2" name="Title 1"/>
-          <p:cNvSpPr>
-            <a:spLocks noGrp="1"/>
-          </p:cNvSpPr>
-          <p:nvPr>
-            <p:ph type="title"/>
-          </p:nvPr>
-        </p:nvSpPr>
-        <p:spPr/>
-        <p:txBody>
-          <a:bodyPr/>
-          <a:lstStyle/>
-          <a:p>
-            <a:r>
-              <a:rPr lang="en-US" dirty="0" smtClean="0"/>
-              <a:t>Branching in </a:t>
-            </a:r>
-            <a:r>
-              <a:rPr lang="en-US" dirty="0" err="1" smtClean="0"/>
-              <a:t>git</a:t>
-            </a:r>
-            <a:endParaRPr lang="en-US" dirty="0"/>
-          </a:p>
-        </p:txBody>
-      </p:sp>
-      <p:sp>
-        <p:nvSpPr>
-          <p:cNvPr id="3" name="Content Placeholder 2"/>
-          <p:cNvSpPr>
-            <a:spLocks noGrp="1"/>
-          </p:cNvSpPr>
-          <p:nvPr>
-            <p:ph idx="1"/>
-          </p:nvPr>
-        </p:nvSpPr>
-        <p:spPr/>
-        <p:txBody>
-          <a:bodyPr/>
-          <a:lstStyle/>
-          <a:p>
-            <a:r>
-              <a:rPr lang="en-US" dirty="0" smtClean="0"/>
-              <a:t>Creates branch off of current branch</a:t>
-            </a:r>
-          </a:p>
-          <a:p>
-            <a:pPr lvl="1"/>
-            <a:r>
-              <a:rPr lang="en-US" dirty="0" err="1"/>
-              <a:t>git</a:t>
-            </a:r>
-            <a:r>
-              <a:rPr lang="en-US" dirty="0"/>
-              <a:t> checkout –b &lt;</a:t>
-            </a:r>
-            <a:r>
-              <a:rPr lang="en-US" dirty="0" err="1"/>
-              <a:t>newBranchName</a:t>
-            </a:r>
-            <a:r>
-              <a:rPr lang="en-US" dirty="0"/>
-              <a:t>&gt;</a:t>
-            </a:r>
-            <a:endParaRPr lang="en-US" dirty="0" smtClean="0"/>
-          </a:p>
-          <a:p>
-            <a:pPr lvl="1"/>
-            <a:r>
-              <a:rPr lang="en-US" dirty="0" smtClean="0"/>
-              <a:t>Equivalent to:</a:t>
-            </a:r>
-          </a:p>
-          <a:p>
-            <a:pPr lvl="2"/>
-            <a:r>
-              <a:rPr lang="en-US" dirty="0" err="1" smtClean="0"/>
-              <a:t>git</a:t>
-            </a:r>
-            <a:r>
-              <a:rPr lang="en-US" dirty="0" smtClean="0"/>
-              <a:t> branch &lt;</a:t>
-            </a:r>
-            <a:r>
-              <a:rPr lang="en-US" dirty="0" err="1" smtClean="0"/>
-              <a:t>newBranchName</a:t>
-            </a:r>
-            <a:r>
-              <a:rPr lang="en-US" dirty="0" smtClean="0"/>
-              <a:t>&gt;</a:t>
-            </a:r>
-          </a:p>
-          <a:p>
-            <a:pPr lvl="2"/>
-            <a:r>
-              <a:rPr lang="en-US" dirty="0" err="1" smtClean="0"/>
-              <a:t>git</a:t>
-            </a:r>
-            <a:r>
-              <a:rPr lang="en-US" dirty="0" smtClean="0"/>
-              <a:t> checkout &lt;</a:t>
-            </a:r>
-            <a:r>
-              <a:rPr lang="en-US" dirty="0" err="1" smtClean="0"/>
-              <a:t>newBranchName</a:t>
-            </a:r>
-            <a:r>
-              <a:rPr lang="en-US" dirty="0" smtClean="0"/>
-              <a:t>&gt;</a:t>
-            </a:r>
-          </a:p>
-        </p:txBody>
-      </p:sp>
-      <p:sp>
-        <p:nvSpPr>
-          <p:cNvPr id="4" name="Footer Placeholder 3"/>
-          <p:cNvSpPr>
-            <a:spLocks noGrp="1"/>
-          </p:cNvSpPr>
-          <p:nvPr>
-            <p:ph type="ftr" sz="quarter" idx="11"/>
-          </p:nvPr>
-        </p:nvSpPr>
-        <p:spPr/>
-        <p:txBody>
-          <a:bodyPr/>
-          <a:lstStyle/>
-          <a:p>
-            <a:r>
-              <a:rPr lang="en-US" smtClean="0"/>
-              <a:t>AXP Internal</a:t>
-            </a:r>
-            <a:endParaRPr lang="en-US"/>
-          </a:p>
-        </p:txBody>
-      </p:sp>
-      <p:sp>
-        <p:nvSpPr>
-          <p:cNvPr id="5" name="Date Placeholder 4"/>
-          <p:cNvSpPr>
-            <a:spLocks noGrp="1"/>
-          </p:cNvSpPr>
-          <p:nvPr>
-            <p:ph type="dt" sz="half" idx="10"/>
-          </p:nvPr>
-        </p:nvSpPr>
-        <p:spPr/>
-        <p:txBody>
-          <a:bodyPr/>
-          <a:lstStyle/>
-          <a:p>
-            <a:fld id="{BEEAC8E3-EC49-4711-ACB5-7264D7BAC774}" type="datetime5">
-              <a:rPr lang="en-US" smtClean="0"/>
-              <a:t>26-Oct-18</a:t>
-            </a:fld>
-            <a:endParaRPr lang="en-US"/>
-          </a:p>
-        </p:txBody>
-      </p:sp>
-      <p:sp>
-        <p:nvSpPr>
-          <p:cNvPr id="6" name="Slide Number Placeholder 5"/>
-          <p:cNvSpPr>
-            <a:spLocks noGrp="1"/>
-          </p:cNvSpPr>
-          <p:nvPr>
-            <p:ph type="sldNum" sz="quarter" idx="12"/>
-          </p:nvPr>
-        </p:nvSpPr>
-        <p:spPr/>
-        <p:txBody>
-          <a:bodyPr/>
-          <a:lstStyle/>
-          <a:p>
-            <a:fld id="{B4829C59-8948-1A4D-840C-AB343535AC28}" type="slidenum">
-              <a:rPr lang="en-US" smtClean="0"/>
-              <a:t>8</a:t>
-            </a:fld>
-            <a:endParaRPr lang="en-US"/>
-          </a:p>
-        </p:txBody>
-      </p:sp>
-    </p:spTree>
-    <p:extLst>
-      <p:ext uri="{BB962C8B-B14F-4D97-AF65-F5344CB8AC3E}">
-        <p14:creationId xmlns:p14="http://schemas.microsoft.com/office/powerpoint/2010/main" val="832328781"/>
-      </p:ext>
-    </p:extLst>
-  </p:cSld>
-  <p:clrMapOvr>
-    <a:masterClrMapping/>
-  </p:clrMapOvr>
-  <p:timing>
-    <p:tnLst>
-      <p:par>
-        <p:cTn id="1" dur="indefinite" restart="never" nodeType="tmRoot"/>
-      </p:par>
-    </p:tnLst>
-  </p:timing>
-</p:sld>
-</file>
-
 <file path=ppt/slides/slide9.xml><?xml version="1.0" encoding="utf-8"?>
 <p:sld xmlns:a="http://schemas.openxmlformats.org/drawingml/2006/main" xmlns:r="http://schemas.openxmlformats.org/officeDocument/2006/relationships" xmlns:p="http://schemas.openxmlformats.org/presentationml/2006/main">
   <p:cSld>
@@ -23168,7 +23284,7 @@
           <a:p>
             <a:r>
               <a:rPr lang="en-US" dirty="0" smtClean="0"/>
-              <a:t>Supporting Branches</a:t>
+              <a:t>Feature Branch</a:t>
             </a:r>
             <a:endParaRPr lang="en-US" dirty="0"/>
           </a:p>
@@ -23192,99 +23308,93 @@
         </p:spPr>
         <p:txBody>
           <a:bodyPr>
-            <a:normAutofit lnSpcReduction="10000"/>
+            <a:normAutofit fontScale="92500" lnSpcReduction="20000"/>
           </a:bodyPr>
           <a:lstStyle/>
           <a:p>
             <a:r>
               <a:rPr lang="en-US" dirty="0" smtClean="0"/>
-              <a:t>Aid </a:t>
+              <a:t>For </a:t>
             </a:r>
             <a:r>
               <a:rPr lang="en-US" dirty="0"/>
-              <a:t>parallel development between team </a:t>
-            </a:r>
+              <a:t>the upcoming or a distant future release</a:t>
+            </a:r>
+          </a:p>
+          <a:p>
             <a:r>
               <a:rPr lang="en-US" dirty="0" smtClean="0"/>
-              <a:t>members</a:t>
-            </a:r>
-          </a:p>
-          <a:p>
+              <a:t>Branch off </a:t>
+            </a:r>
+            <a:r>
+              <a:rPr lang="en-US" dirty="0"/>
+              <a:t>from </a:t>
+            </a:r>
             <a:r>
               <a:rPr lang="en-US" dirty="0" smtClean="0"/>
-              <a:t>Prepare </a:t>
+              <a:t>the develop branch</a:t>
+            </a:r>
+          </a:p>
+          <a:p>
+            <a:r>
+              <a:rPr lang="en-US" dirty="0" smtClean="0"/>
+              <a:t>Primary working branches for an individual(s)</a:t>
+            </a:r>
+          </a:p>
+          <a:p>
+            <a:r>
+              <a:rPr lang="en-US" dirty="0" smtClean="0"/>
+              <a:t>When new feature is finished</a:t>
+            </a:r>
+          </a:p>
+          <a:p>
+            <a:pPr lvl="1"/>
+            <a:r>
+              <a:rPr lang="en-US" dirty="0" smtClean="0"/>
+              <a:t>Merge into develop</a:t>
+            </a:r>
+          </a:p>
+          <a:p>
+            <a:pPr lvl="1"/>
+            <a:r>
+              <a:rPr lang="en-US" dirty="0" smtClean="0"/>
+              <a:t>Code reviews</a:t>
+            </a:r>
+          </a:p>
+          <a:p>
+            <a:pPr lvl="1"/>
+            <a:r>
+              <a:rPr lang="en-US" dirty="0" smtClean="0"/>
+              <a:t>Hope it doesn’t break develop (it might)</a:t>
+            </a:r>
+          </a:p>
+          <a:p>
+            <a:r>
+              <a:rPr lang="en-US" dirty="0" smtClean="0"/>
+              <a:t>Temporary branches, they </a:t>
             </a:r>
             <a:r>
               <a:rPr lang="en-US" dirty="0"/>
-              <a:t>for production </a:t>
-            </a:r>
+              <a:t>will be removed eventually</a:t>
+            </a:r>
+            <a:endParaRPr lang="en-US" dirty="0" smtClean="0"/>
+          </a:p>
+          <a:p>
             <a:r>
               <a:rPr lang="en-US" dirty="0" smtClean="0"/>
-              <a:t>releases</a:t>
-            </a:r>
-          </a:p>
-          <a:p>
+              <a:t>If the feature is a failure</a:t>
+            </a:r>
+          </a:p>
+          <a:p>
+            <a:pPr lvl="1"/>
+            <a:r>
+              <a:rPr lang="en-US" dirty="0" smtClean="0"/>
+              <a:t>In </a:t>
+            </a:r>
             <a:r>
               <a:rPr lang="en-US" dirty="0"/>
-              <a:t>A</a:t>
-            </a:r>
-            <a:r>
-              <a:rPr lang="en-US" dirty="0" smtClean="0"/>
-              <a:t>ssist </a:t>
-            </a:r>
-            <a:r>
-              <a:rPr lang="en-US" dirty="0"/>
-              <a:t>in quickly fixing live production </a:t>
-            </a:r>
-            <a:r>
-              <a:rPr lang="en-US" dirty="0" smtClean="0"/>
-              <a:t>problems</a:t>
-            </a:r>
-          </a:p>
-          <a:p>
-            <a:r>
-              <a:rPr lang="en-US" dirty="0" smtClean="0"/>
-              <a:t>The </a:t>
-            </a:r>
-            <a:r>
-              <a:rPr lang="en-US" dirty="0"/>
-              <a:t>different types of branches we may use are:</a:t>
-            </a:r>
-          </a:p>
-          <a:p>
-            <a:pPr lvl="1">
-              <a:buFont typeface="Arial"/>
-              <a:buChar char="•"/>
-            </a:pPr>
-            <a:r>
-              <a:rPr lang="en-US" dirty="0"/>
-              <a:t>Feature branches</a:t>
-            </a:r>
-          </a:p>
-          <a:p>
-            <a:pPr lvl="1">
-              <a:buFont typeface="Arial"/>
-              <a:buChar char="•"/>
-            </a:pPr>
-            <a:r>
-              <a:rPr lang="en-US" dirty="0"/>
-              <a:t>Release branches</a:t>
-            </a:r>
-          </a:p>
-          <a:p>
-            <a:pPr lvl="1">
-              <a:buFont typeface="Arial"/>
-              <a:buChar char="•"/>
-            </a:pPr>
-            <a:r>
-              <a:rPr lang="en-US" dirty="0"/>
-              <a:t>Hotfix branches</a:t>
-            </a:r>
-          </a:p>
-          <a:p>
-            <a:pPr marL="0" indent="0">
-              <a:buNone/>
-            </a:pPr>
+              <a:t>case of a disappointing experiment</a:t>
+            </a:r>
             <a:endParaRPr lang="en-US" dirty="0" smtClean="0"/>
           </a:p>
         </p:txBody>
@@ -23327,9 +23437,9 @@
           <a:bodyPr/>
           <a:lstStyle/>
           <a:p>
-            <a:fld id="{E63D7441-FAA8-460D-AB7D-43BAB73B490C}" type="datetime5">
+            <a:fld id="{2801CA0F-071E-4BDB-B0F3-A2BA7010B83B}" type="datetime5">
               <a:rPr lang="en-US" smtClean="0"/>
-              <a:t>26-Oct-18</a:t>
+              <a:t>27-Oct-18</a:t>
             </a:fld>
             <a:endParaRPr lang="en-US"/>
           </a:p>
@@ -23361,7 +23471,7 @@
     </p:spTree>
     <p:extLst>
       <p:ext uri="{BB962C8B-B14F-4D97-AF65-F5344CB8AC3E}">
-        <p14:creationId xmlns:p14="http://schemas.microsoft.com/office/powerpoint/2010/main" val="2964003212"/>
+        <p14:creationId xmlns:p14="http://schemas.microsoft.com/office/powerpoint/2010/main" val="1173985121"/>
       </p:ext>
     </p:extLst>
   </p:cSld>

--- a/Branching.pptx
+++ b/Branching.pptx
@@ -857,7 +857,7 @@
           <a:noFill/>
           <a:extLst>
             <a:ext uri="{909E8E84-426E-40dd-AFC4-6F175D3DCCD1}">
-              <a14:hiddenFill xmlns:a14="http://schemas.microsoft.com/office/drawing/2010/main" xmlns="">
+              <a14:hiddenFill xmlns="" xmlns:a14="http://schemas.microsoft.com/office/drawing/2010/main">
                 <a:solidFill>
                   <a:srgbClr val="FFFFFF"/>
                 </a:solidFill>
@@ -917,7 +917,7 @@
             </a:ln>
             <a:extLst>
               <a:ext uri="{91240B29-F687-4f45-9708-019B960494DF}">
-                <a14:hiddenLine xmlns:a14="http://schemas.microsoft.com/office/drawing/2010/main" xmlns="" w="9525">
+                <a14:hiddenLine xmlns="" xmlns:a14="http://schemas.microsoft.com/office/drawing/2010/main" w="9525">
                   <a:solidFill>
                     <a:srgbClr val="000000"/>
                   </a:solidFill>
@@ -1007,7 +1007,7 @@
             </a:ln>
             <a:extLst>
               <a:ext uri="{91240B29-F687-4f45-9708-019B960494DF}">
-                <a14:hiddenLine xmlns:a14="http://schemas.microsoft.com/office/drawing/2010/main" xmlns="" w="9525">
+                <a14:hiddenLine xmlns="" xmlns:a14="http://schemas.microsoft.com/office/drawing/2010/main" w="9525">
                   <a:solidFill>
                     <a:srgbClr val="000000"/>
                   </a:solidFill>
@@ -1097,7 +1097,7 @@
             </a:ln>
             <a:extLst>
               <a:ext uri="{91240B29-F687-4f45-9708-019B960494DF}">
-                <a14:hiddenLine xmlns:a14="http://schemas.microsoft.com/office/drawing/2010/main" xmlns="" w="9525">
+                <a14:hiddenLine xmlns="" xmlns:a14="http://schemas.microsoft.com/office/drawing/2010/main" w="9525">
                   <a:solidFill>
                     <a:srgbClr val="000000"/>
                   </a:solidFill>
@@ -1131,7 +1131,7 @@
             </a:ln>
             <a:extLst>
               <a:ext uri="{91240B29-F687-4f45-9708-019B960494DF}">
-                <a14:hiddenLine xmlns:a14="http://schemas.microsoft.com/office/drawing/2010/main" xmlns="" w="9525">
+                <a14:hiddenLine xmlns="" xmlns:a14="http://schemas.microsoft.com/office/drawing/2010/main" w="9525">
                   <a:solidFill>
                     <a:srgbClr val="000000"/>
                   </a:solidFill>
@@ -1221,7 +1221,7 @@
             </a:ln>
             <a:extLst>
               <a:ext uri="{91240B29-F687-4f45-9708-019B960494DF}">
-                <a14:hiddenLine xmlns:a14="http://schemas.microsoft.com/office/drawing/2010/main" xmlns="" w="9525">
+                <a14:hiddenLine xmlns="" xmlns:a14="http://schemas.microsoft.com/office/drawing/2010/main" w="9525">
                   <a:solidFill>
                     <a:srgbClr val="000000"/>
                   </a:solidFill>
@@ -1283,7 +1283,7 @@
             </a:ln>
             <a:extLst>
               <a:ext uri="{91240B29-F687-4f45-9708-019B960494DF}">
-                <a14:hiddenLine xmlns:a14="http://schemas.microsoft.com/office/drawing/2010/main" xmlns="" w="9525">
+                <a14:hiddenLine xmlns="" xmlns:a14="http://schemas.microsoft.com/office/drawing/2010/main" w="9525">
                   <a:solidFill>
                     <a:srgbClr val="000000"/>
                   </a:solidFill>
@@ -1345,7 +1345,7 @@
             </a:ln>
             <a:extLst>
               <a:ext uri="{91240B29-F687-4f45-9708-019B960494DF}">
-                <a14:hiddenLine xmlns:a14="http://schemas.microsoft.com/office/drawing/2010/main" xmlns="" w="9525">
+                <a14:hiddenLine xmlns="" xmlns:a14="http://schemas.microsoft.com/office/drawing/2010/main" w="9525">
                   <a:solidFill>
                     <a:srgbClr val="000000"/>
                   </a:solidFill>
@@ -1435,7 +1435,7 @@
             </a:ln>
             <a:extLst>
               <a:ext uri="{91240B29-F687-4f45-9708-019B960494DF}">
-                <a14:hiddenLine xmlns:a14="http://schemas.microsoft.com/office/drawing/2010/main" xmlns="" w="9525">
+                <a14:hiddenLine xmlns="" xmlns:a14="http://schemas.microsoft.com/office/drawing/2010/main" w="9525">
                   <a:solidFill>
                     <a:srgbClr val="000000"/>
                   </a:solidFill>
@@ -1497,7 +1497,7 @@
             </a:ln>
             <a:extLst>
               <a:ext uri="{91240B29-F687-4f45-9708-019B960494DF}">
-                <a14:hiddenLine xmlns:a14="http://schemas.microsoft.com/office/drawing/2010/main" xmlns="" w="9525">
+                <a14:hiddenLine xmlns="" xmlns:a14="http://schemas.microsoft.com/office/drawing/2010/main" w="9525">
                   <a:solidFill>
                     <a:srgbClr val="000000"/>
                   </a:solidFill>
@@ -1559,7 +1559,7 @@
             </a:ln>
             <a:extLst>
               <a:ext uri="{91240B29-F687-4f45-9708-019B960494DF}">
-                <a14:hiddenLine xmlns:a14="http://schemas.microsoft.com/office/drawing/2010/main" xmlns="" w="9525">
+                <a14:hiddenLine xmlns="" xmlns:a14="http://schemas.microsoft.com/office/drawing/2010/main" w="9525">
                   <a:solidFill>
                     <a:srgbClr val="000000"/>
                   </a:solidFill>
@@ -1649,7 +1649,7 @@
             </a:ln>
             <a:extLst>
               <a:ext uri="{91240B29-F687-4f45-9708-019B960494DF}">
-                <a14:hiddenLine xmlns:a14="http://schemas.microsoft.com/office/drawing/2010/main" xmlns="" w="9525">
+                <a14:hiddenLine xmlns="" xmlns:a14="http://schemas.microsoft.com/office/drawing/2010/main" w="9525">
                   <a:solidFill>
                     <a:srgbClr val="000000"/>
                   </a:solidFill>
@@ -1739,7 +1739,7 @@
             </a:ln>
             <a:extLst>
               <a:ext uri="{91240B29-F687-4f45-9708-019B960494DF}">
-                <a14:hiddenLine xmlns:a14="http://schemas.microsoft.com/office/drawing/2010/main" xmlns="" w="9525">
+                <a14:hiddenLine xmlns="" xmlns:a14="http://schemas.microsoft.com/office/drawing/2010/main" w="9525">
                   <a:solidFill>
                     <a:srgbClr val="000000"/>
                   </a:solidFill>
@@ -1801,7 +1801,7 @@
             </a:ln>
             <a:extLst>
               <a:ext uri="{91240B29-F687-4f45-9708-019B960494DF}">
-                <a14:hiddenLine xmlns:a14="http://schemas.microsoft.com/office/drawing/2010/main" xmlns="" w="9525">
+                <a14:hiddenLine xmlns="" xmlns:a14="http://schemas.microsoft.com/office/drawing/2010/main" w="9525">
                   <a:solidFill>
                     <a:srgbClr val="000000"/>
                   </a:solidFill>
@@ -1911,7 +1911,7 @@
             </a:ln>
             <a:extLst>
               <a:ext uri="{91240B29-F687-4f45-9708-019B960494DF}">
-                <a14:hiddenLine xmlns:a14="http://schemas.microsoft.com/office/drawing/2010/main" xmlns="" w="9525">
+                <a14:hiddenLine xmlns="" xmlns:a14="http://schemas.microsoft.com/office/drawing/2010/main" w="9525">
                   <a:solidFill>
                     <a:srgbClr val="000000"/>
                   </a:solidFill>
@@ -1973,7 +1973,7 @@
             </a:ln>
             <a:extLst>
               <a:ext uri="{91240B29-F687-4f45-9708-019B960494DF}">
-                <a14:hiddenLine xmlns:a14="http://schemas.microsoft.com/office/drawing/2010/main" xmlns="" w="9525">
+                <a14:hiddenLine xmlns="" xmlns:a14="http://schemas.microsoft.com/office/drawing/2010/main" w="9525">
                   <a:solidFill>
                     <a:srgbClr val="000000"/>
                   </a:solidFill>
@@ -2063,7 +2063,7 @@
             </a:ln>
             <a:extLst>
               <a:ext uri="{91240B29-F687-4f45-9708-019B960494DF}">
-                <a14:hiddenLine xmlns:a14="http://schemas.microsoft.com/office/drawing/2010/main" xmlns="" w="9525">
+                <a14:hiddenLine xmlns="" xmlns:a14="http://schemas.microsoft.com/office/drawing/2010/main" w="9525">
                   <a:solidFill>
                     <a:srgbClr val="000000"/>
                   </a:solidFill>
@@ -2153,7 +2153,7 @@
             </a:ln>
             <a:extLst>
               <a:ext uri="{91240B29-F687-4f45-9708-019B960494DF}">
-                <a14:hiddenLine xmlns:a14="http://schemas.microsoft.com/office/drawing/2010/main" xmlns="" w="9525">
+                <a14:hiddenLine xmlns="" xmlns:a14="http://schemas.microsoft.com/office/drawing/2010/main" w="9525">
                   <a:solidFill>
                     <a:srgbClr val="000000"/>
                   </a:solidFill>
@@ -2215,7 +2215,7 @@
             </a:ln>
             <a:extLst>
               <a:ext uri="{91240B29-F687-4f45-9708-019B960494DF}">
-                <a14:hiddenLine xmlns:a14="http://schemas.microsoft.com/office/drawing/2010/main" xmlns="" w="9525">
+                <a14:hiddenLine xmlns="" xmlns:a14="http://schemas.microsoft.com/office/drawing/2010/main" w="9525">
                   <a:solidFill>
                     <a:srgbClr val="000000"/>
                   </a:solidFill>
@@ -2305,7 +2305,7 @@
             </a:ln>
             <a:extLst>
               <a:ext uri="{91240B29-F687-4f45-9708-019B960494DF}">
-                <a14:hiddenLine xmlns:a14="http://schemas.microsoft.com/office/drawing/2010/main" xmlns="" w="9525">
+                <a14:hiddenLine xmlns="" xmlns:a14="http://schemas.microsoft.com/office/drawing/2010/main" w="9525">
                   <a:solidFill>
                     <a:srgbClr val="000000"/>
                   </a:solidFill>
@@ -2395,7 +2395,7 @@
             </a:ln>
             <a:extLst>
               <a:ext uri="{91240B29-F687-4f45-9708-019B960494DF}">
-                <a14:hiddenLine xmlns:a14="http://schemas.microsoft.com/office/drawing/2010/main" xmlns="" w="9525">
+                <a14:hiddenLine xmlns="" xmlns:a14="http://schemas.microsoft.com/office/drawing/2010/main" w="9525">
                   <a:solidFill>
                     <a:srgbClr val="000000"/>
                   </a:solidFill>
@@ -2451,7 +2451,7 @@
             </a:ln>
             <a:extLst>
               <a:ext uri="{91240B29-F687-4f45-9708-019B960494DF}">
-                <a14:hiddenLine xmlns:a14="http://schemas.microsoft.com/office/drawing/2010/main" xmlns="" w="9525">
+                <a14:hiddenLine xmlns="" xmlns:a14="http://schemas.microsoft.com/office/drawing/2010/main" w="9525">
                   <a:solidFill>
                     <a:srgbClr val="000000"/>
                   </a:solidFill>
@@ -2541,7 +2541,7 @@
             </a:ln>
             <a:extLst>
               <a:ext uri="{91240B29-F687-4f45-9708-019B960494DF}">
-                <a14:hiddenLine xmlns:a14="http://schemas.microsoft.com/office/drawing/2010/main" xmlns="" w="9525">
+                <a14:hiddenLine xmlns="" xmlns:a14="http://schemas.microsoft.com/office/drawing/2010/main" w="9525">
                   <a:solidFill>
                     <a:srgbClr val="000000"/>
                   </a:solidFill>
@@ -2597,7 +2597,7 @@
             </a:ln>
             <a:extLst>
               <a:ext uri="{91240B29-F687-4f45-9708-019B960494DF}">
-                <a14:hiddenLine xmlns:a14="http://schemas.microsoft.com/office/drawing/2010/main" xmlns="" w="9525">
+                <a14:hiddenLine xmlns="" xmlns:a14="http://schemas.microsoft.com/office/drawing/2010/main" w="9525">
                   <a:solidFill>
                     <a:srgbClr val="000000"/>
                   </a:solidFill>
@@ -2687,7 +2687,7 @@
             </a:ln>
             <a:extLst>
               <a:ext uri="{91240B29-F687-4f45-9708-019B960494DF}">
-                <a14:hiddenLine xmlns:a14="http://schemas.microsoft.com/office/drawing/2010/main" xmlns="" w="9525">
+                <a14:hiddenLine xmlns="" xmlns:a14="http://schemas.microsoft.com/office/drawing/2010/main" w="9525">
                   <a:solidFill>
                     <a:srgbClr val="000000"/>
                   </a:solidFill>
@@ -2755,7 +2755,7 @@
             </a:ln>
             <a:extLst>
               <a:ext uri="{91240B29-F687-4f45-9708-019B960494DF}">
-                <a14:hiddenLine xmlns:a14="http://schemas.microsoft.com/office/drawing/2010/main" xmlns="" w="9525">
+                <a14:hiddenLine xmlns="" xmlns:a14="http://schemas.microsoft.com/office/drawing/2010/main" w="9525">
                   <a:solidFill>
                     <a:srgbClr val="000000"/>
                   </a:solidFill>
@@ -2845,7 +2845,7 @@
             </a:ln>
             <a:extLst>
               <a:ext uri="{91240B29-F687-4f45-9708-019B960494DF}">
-                <a14:hiddenLine xmlns:a14="http://schemas.microsoft.com/office/drawing/2010/main" xmlns="" w="9525">
+                <a14:hiddenLine xmlns="" xmlns:a14="http://schemas.microsoft.com/office/drawing/2010/main" w="9525">
                   <a:solidFill>
                     <a:srgbClr val="000000"/>
                   </a:solidFill>
@@ -2913,7 +2913,7 @@
             </a:ln>
             <a:extLst>
               <a:ext uri="{91240B29-F687-4f45-9708-019B960494DF}">
-                <a14:hiddenLine xmlns:a14="http://schemas.microsoft.com/office/drawing/2010/main" xmlns="" w="9525">
+                <a14:hiddenLine xmlns="" xmlns:a14="http://schemas.microsoft.com/office/drawing/2010/main" w="9525">
                   <a:solidFill>
                     <a:srgbClr val="000000"/>
                   </a:solidFill>
@@ -3003,7 +3003,7 @@
             </a:ln>
             <a:extLst>
               <a:ext uri="{91240B29-F687-4f45-9708-019B960494DF}">
-                <a14:hiddenLine xmlns:a14="http://schemas.microsoft.com/office/drawing/2010/main" xmlns="" w="9525">
+                <a14:hiddenLine xmlns="" xmlns:a14="http://schemas.microsoft.com/office/drawing/2010/main" w="9525">
                   <a:solidFill>
                     <a:srgbClr val="000000"/>
                   </a:solidFill>
@@ -3037,7 +3037,7 @@
             </a:ln>
             <a:extLst>
               <a:ext uri="{91240B29-F687-4f45-9708-019B960494DF}">
-                <a14:hiddenLine xmlns:a14="http://schemas.microsoft.com/office/drawing/2010/main" xmlns="" w="9525">
+                <a14:hiddenLine xmlns="" xmlns:a14="http://schemas.microsoft.com/office/drawing/2010/main" w="9525">
                   <a:solidFill>
                     <a:srgbClr val="000000"/>
                   </a:solidFill>
@@ -3127,7 +3127,7 @@
             </a:ln>
             <a:extLst>
               <a:ext uri="{91240B29-F687-4f45-9708-019B960494DF}">
-                <a14:hiddenLine xmlns:a14="http://schemas.microsoft.com/office/drawing/2010/main" xmlns="" w="9525">
+                <a14:hiddenLine xmlns="" xmlns:a14="http://schemas.microsoft.com/office/drawing/2010/main" w="9525">
                   <a:solidFill>
                     <a:srgbClr val="000000"/>
                   </a:solidFill>
@@ -3189,7 +3189,7 @@
             </a:ln>
             <a:extLst>
               <a:ext uri="{91240B29-F687-4f45-9708-019B960494DF}">
-                <a14:hiddenLine xmlns:a14="http://schemas.microsoft.com/office/drawing/2010/main" xmlns="" w="9525">
+                <a14:hiddenLine xmlns="" xmlns:a14="http://schemas.microsoft.com/office/drawing/2010/main" w="9525">
                   <a:solidFill>
                     <a:srgbClr val="000000"/>
                   </a:solidFill>
@@ -3251,7 +3251,7 @@
             </a:ln>
             <a:extLst>
               <a:ext uri="{91240B29-F687-4f45-9708-019B960494DF}">
-                <a14:hiddenLine xmlns:a14="http://schemas.microsoft.com/office/drawing/2010/main" xmlns="" w="9525">
+                <a14:hiddenLine xmlns="" xmlns:a14="http://schemas.microsoft.com/office/drawing/2010/main" w="9525">
                   <a:solidFill>
                     <a:srgbClr val="000000"/>
                   </a:solidFill>
@@ -3341,7 +3341,7 @@
             </a:ln>
             <a:extLst>
               <a:ext uri="{91240B29-F687-4f45-9708-019B960494DF}">
-                <a14:hiddenLine xmlns:a14="http://schemas.microsoft.com/office/drawing/2010/main" xmlns="" w="9525">
+                <a14:hiddenLine xmlns="" xmlns:a14="http://schemas.microsoft.com/office/drawing/2010/main" w="9525">
                   <a:solidFill>
                     <a:srgbClr val="000000"/>
                   </a:solidFill>
@@ -3409,7 +3409,7 @@
             </a:ln>
             <a:extLst>
               <a:ext uri="{91240B29-F687-4f45-9708-019B960494DF}">
-                <a14:hiddenLine xmlns:a14="http://schemas.microsoft.com/office/drawing/2010/main" xmlns="" w="9525">
+                <a14:hiddenLine xmlns="" xmlns:a14="http://schemas.microsoft.com/office/drawing/2010/main" w="9525">
                   <a:solidFill>
                     <a:srgbClr val="000000"/>
                   </a:solidFill>
@@ -3471,7 +3471,7 @@
             </a:ln>
             <a:extLst>
               <a:ext uri="{91240B29-F687-4f45-9708-019B960494DF}">
-                <a14:hiddenLine xmlns:a14="http://schemas.microsoft.com/office/drawing/2010/main" xmlns="" w="9525">
+                <a14:hiddenLine xmlns="" xmlns:a14="http://schemas.microsoft.com/office/drawing/2010/main" w="9525">
                   <a:solidFill>
                     <a:srgbClr val="000000"/>
                   </a:solidFill>
@@ -3561,7 +3561,7 @@
             </a:ln>
             <a:extLst>
               <a:ext uri="{91240B29-F687-4f45-9708-019B960494DF}">
-                <a14:hiddenLine xmlns:a14="http://schemas.microsoft.com/office/drawing/2010/main" xmlns="" w="9525">
+                <a14:hiddenLine xmlns="" xmlns:a14="http://schemas.microsoft.com/office/drawing/2010/main" w="9525">
                   <a:solidFill>
                     <a:srgbClr val="000000"/>
                   </a:solidFill>
@@ -3623,7 +3623,7 @@
             </a:ln>
             <a:extLst>
               <a:ext uri="{91240B29-F687-4f45-9708-019B960494DF}">
-                <a14:hiddenLine xmlns:a14="http://schemas.microsoft.com/office/drawing/2010/main" xmlns="" w="9525">
+                <a14:hiddenLine xmlns="" xmlns:a14="http://schemas.microsoft.com/office/drawing/2010/main" w="9525">
                   <a:solidFill>
                     <a:srgbClr val="000000"/>
                   </a:solidFill>
@@ -3713,7 +3713,7 @@
             </a:ln>
             <a:extLst>
               <a:ext uri="{91240B29-F687-4f45-9708-019B960494DF}">
-                <a14:hiddenLine xmlns:a14="http://schemas.microsoft.com/office/drawing/2010/main" xmlns="" w="9525">
+                <a14:hiddenLine xmlns="" xmlns:a14="http://schemas.microsoft.com/office/drawing/2010/main" w="9525">
                   <a:solidFill>
                     <a:srgbClr val="000000"/>
                   </a:solidFill>
@@ -3775,7 +3775,7 @@
             </a:ln>
             <a:extLst>
               <a:ext uri="{91240B29-F687-4f45-9708-019B960494DF}">
-                <a14:hiddenLine xmlns:a14="http://schemas.microsoft.com/office/drawing/2010/main" xmlns="" w="9525">
+                <a14:hiddenLine xmlns="" xmlns:a14="http://schemas.microsoft.com/office/drawing/2010/main" w="9525">
                   <a:solidFill>
                     <a:srgbClr val="000000"/>
                   </a:solidFill>
@@ -3865,7 +3865,7 @@
             </a:ln>
             <a:extLst>
               <a:ext uri="{91240B29-F687-4f45-9708-019B960494DF}">
-                <a14:hiddenLine xmlns:a14="http://schemas.microsoft.com/office/drawing/2010/main" xmlns="" w="9525">
+                <a14:hiddenLine xmlns="" xmlns:a14="http://schemas.microsoft.com/office/drawing/2010/main" w="9525">
                   <a:solidFill>
                     <a:srgbClr val="000000"/>
                   </a:solidFill>
@@ -3899,7 +3899,7 @@
             </a:ln>
             <a:extLst>
               <a:ext uri="{91240B29-F687-4f45-9708-019B960494DF}">
-                <a14:hiddenLine xmlns:a14="http://schemas.microsoft.com/office/drawing/2010/main" xmlns="" w="9525">
+                <a14:hiddenLine xmlns="" xmlns:a14="http://schemas.microsoft.com/office/drawing/2010/main" w="9525">
                   <a:solidFill>
                     <a:srgbClr val="000000"/>
                   </a:solidFill>
@@ -3964,7 +3964,7 @@
             </a:ln>
             <a:extLst>
               <a:ext uri="{91240B29-F687-4f45-9708-019B960494DF}">
-                <a14:hiddenLine xmlns:a14="http://schemas.microsoft.com/office/drawing/2010/main" xmlns="" w="9525">
+                <a14:hiddenLine xmlns="" xmlns:a14="http://schemas.microsoft.com/office/drawing/2010/main" w="9525">
                   <a:solidFill>
                     <a:srgbClr val="000000"/>
                   </a:solidFill>
@@ -4054,7 +4054,7 @@
             </a:ln>
             <a:extLst>
               <a:ext uri="{91240B29-F687-4f45-9708-019B960494DF}">
-                <a14:hiddenLine xmlns:a14="http://schemas.microsoft.com/office/drawing/2010/main" xmlns="" w="9525">
+                <a14:hiddenLine xmlns="" xmlns:a14="http://schemas.microsoft.com/office/drawing/2010/main" w="9525">
                   <a:solidFill>
                     <a:srgbClr val="000000"/>
                   </a:solidFill>
@@ -4116,7 +4116,7 @@
             </a:ln>
             <a:extLst>
               <a:ext uri="{91240B29-F687-4f45-9708-019B960494DF}">
-                <a14:hiddenLine xmlns:a14="http://schemas.microsoft.com/office/drawing/2010/main" xmlns="" w="9525">
+                <a14:hiddenLine xmlns="" xmlns:a14="http://schemas.microsoft.com/office/drawing/2010/main" w="9525">
                   <a:solidFill>
                     <a:srgbClr val="000000"/>
                   </a:solidFill>
@@ -4206,7 +4206,7 @@
             </a:ln>
             <a:extLst>
               <a:ext uri="{91240B29-F687-4f45-9708-019B960494DF}">
-                <a14:hiddenLine xmlns:a14="http://schemas.microsoft.com/office/drawing/2010/main" xmlns="" w="9525">
+                <a14:hiddenLine xmlns="" xmlns:a14="http://schemas.microsoft.com/office/drawing/2010/main" w="9525">
                   <a:solidFill>
                     <a:srgbClr val="000000"/>
                   </a:solidFill>
@@ -4296,7 +4296,7 @@
             </a:ln>
             <a:extLst>
               <a:ext uri="{91240B29-F687-4f45-9708-019B960494DF}">
-                <a14:hiddenLine xmlns:a14="http://schemas.microsoft.com/office/drawing/2010/main" xmlns="" w="9525">
+                <a14:hiddenLine xmlns="" xmlns:a14="http://schemas.microsoft.com/office/drawing/2010/main" w="9525">
                   <a:solidFill>
                     <a:srgbClr val="000000"/>
                   </a:solidFill>
@@ -4361,7 +4361,7 @@
             </a:ln>
             <a:extLst>
               <a:ext uri="{91240B29-F687-4f45-9708-019B960494DF}">
-                <a14:hiddenLine xmlns:a14="http://schemas.microsoft.com/office/drawing/2010/main" xmlns="" w="9525">
+                <a14:hiddenLine xmlns="" xmlns:a14="http://schemas.microsoft.com/office/drawing/2010/main" w="9525">
                   <a:solidFill>
                     <a:srgbClr val="000000"/>
                   </a:solidFill>
@@ -4423,7 +4423,7 @@
             </a:ln>
             <a:extLst>
               <a:ext uri="{91240B29-F687-4f45-9708-019B960494DF}">
-                <a14:hiddenLine xmlns:a14="http://schemas.microsoft.com/office/drawing/2010/main" xmlns="" w="9525">
+                <a14:hiddenLine xmlns="" xmlns:a14="http://schemas.microsoft.com/office/drawing/2010/main" w="9525">
                   <a:solidFill>
                     <a:srgbClr val="000000"/>
                   </a:solidFill>
@@ -4513,7 +4513,7 @@
             </a:ln>
             <a:extLst>
               <a:ext uri="{91240B29-F687-4f45-9708-019B960494DF}">
-                <a14:hiddenLine xmlns:a14="http://schemas.microsoft.com/office/drawing/2010/main" xmlns="" w="9525">
+                <a14:hiddenLine xmlns="" xmlns:a14="http://schemas.microsoft.com/office/drawing/2010/main" w="9525">
                   <a:solidFill>
                     <a:srgbClr val="000000"/>
                   </a:solidFill>
@@ -4603,7 +4603,7 @@
             </a:ln>
             <a:extLst>
               <a:ext uri="{91240B29-F687-4f45-9708-019B960494DF}">
-                <a14:hiddenLine xmlns:a14="http://schemas.microsoft.com/office/drawing/2010/main" xmlns="" w="9525">
+                <a14:hiddenLine xmlns="" xmlns:a14="http://schemas.microsoft.com/office/drawing/2010/main" w="9525">
                   <a:solidFill>
                     <a:srgbClr val="000000"/>
                   </a:solidFill>
@@ -4665,7 +4665,7 @@
             </a:ln>
             <a:extLst>
               <a:ext uri="{91240B29-F687-4f45-9708-019B960494DF}">
-                <a14:hiddenLine xmlns:a14="http://schemas.microsoft.com/office/drawing/2010/main" xmlns="" w="9525">
+                <a14:hiddenLine xmlns="" xmlns:a14="http://schemas.microsoft.com/office/drawing/2010/main" w="9525">
                   <a:solidFill>
                     <a:srgbClr val="000000"/>
                   </a:solidFill>
@@ -4785,7 +4785,7 @@
             </a:ln>
             <a:extLst>
               <a:ext uri="{91240B29-F687-4f45-9708-019B960494DF}">
-                <a14:hiddenLine xmlns:a14="http://schemas.microsoft.com/office/drawing/2010/main" xmlns="" w="9525">
+                <a14:hiddenLine xmlns="" xmlns:a14="http://schemas.microsoft.com/office/drawing/2010/main" w="9525">
                   <a:solidFill>
                     <a:srgbClr val="000000"/>
                   </a:solidFill>
@@ -4853,7 +4853,7 @@
             </a:ln>
             <a:extLst>
               <a:ext uri="{91240B29-F687-4f45-9708-019B960494DF}">
-                <a14:hiddenLine xmlns:a14="http://schemas.microsoft.com/office/drawing/2010/main" xmlns="" w="9525">
+                <a14:hiddenLine xmlns="" xmlns:a14="http://schemas.microsoft.com/office/drawing/2010/main" w="9525">
                   <a:solidFill>
                     <a:srgbClr val="000000"/>
                   </a:solidFill>
@@ -4943,7 +4943,7 @@
             </a:ln>
             <a:extLst>
               <a:ext uri="{91240B29-F687-4f45-9708-019B960494DF}">
-                <a14:hiddenLine xmlns:a14="http://schemas.microsoft.com/office/drawing/2010/main" xmlns="" w="9525">
+                <a14:hiddenLine xmlns="" xmlns:a14="http://schemas.microsoft.com/office/drawing/2010/main" w="9525">
                   <a:solidFill>
                     <a:srgbClr val="000000"/>
                   </a:solidFill>
@@ -9788,7 +9788,7 @@
           <a:noFill/>
           <a:extLst>
             <a:ext uri="{909E8E84-426E-40dd-AFC4-6F175D3DCCD1}">
-              <a14:hiddenFill xmlns:a14="http://schemas.microsoft.com/office/drawing/2010/main" xmlns="">
+              <a14:hiddenFill xmlns="" xmlns:a14="http://schemas.microsoft.com/office/drawing/2010/main">
                 <a:solidFill>
                   <a:srgbClr val="FFFFFF"/>
                 </a:solidFill>
@@ -9862,7 +9862,7 @@
               </a:ln>
               <a:extLst>
                 <a:ext uri="{91240B29-F687-4f45-9708-019B960494DF}">
-                  <a14:hiddenLine xmlns:a14="http://schemas.microsoft.com/office/drawing/2010/main" xmlns="" w="9525">
+                  <a14:hiddenLine xmlns="" xmlns:a14="http://schemas.microsoft.com/office/drawing/2010/main" w="9525">
                     <a:solidFill>
                       <a:srgbClr val="000000"/>
                     </a:solidFill>
@@ -9952,7 +9952,7 @@
               </a:ln>
               <a:extLst>
                 <a:ext uri="{91240B29-F687-4f45-9708-019B960494DF}">
-                  <a14:hiddenLine xmlns:a14="http://schemas.microsoft.com/office/drawing/2010/main" xmlns="" w="9525">
+                  <a14:hiddenLine xmlns="" xmlns:a14="http://schemas.microsoft.com/office/drawing/2010/main" w="9525">
                     <a:solidFill>
                       <a:srgbClr val="000000"/>
                     </a:solidFill>
@@ -10042,7 +10042,7 @@
               </a:ln>
               <a:extLst>
                 <a:ext uri="{91240B29-F687-4f45-9708-019B960494DF}">
-                  <a14:hiddenLine xmlns:a14="http://schemas.microsoft.com/office/drawing/2010/main" xmlns="" w="9525">
+                  <a14:hiddenLine xmlns="" xmlns:a14="http://schemas.microsoft.com/office/drawing/2010/main" w="9525">
                     <a:solidFill>
                       <a:srgbClr val="000000"/>
                     </a:solidFill>
@@ -10104,7 +10104,7 @@
               </a:ln>
               <a:extLst>
                 <a:ext uri="{91240B29-F687-4f45-9708-019B960494DF}">
-                  <a14:hiddenLine xmlns:a14="http://schemas.microsoft.com/office/drawing/2010/main" xmlns="" w="9525">
+                  <a14:hiddenLine xmlns="" xmlns:a14="http://schemas.microsoft.com/office/drawing/2010/main" w="9525">
                     <a:solidFill>
                       <a:srgbClr val="000000"/>
                     </a:solidFill>
@@ -10194,7 +10194,7 @@
               </a:ln>
               <a:extLst>
                 <a:ext uri="{91240B29-F687-4f45-9708-019B960494DF}">
-                  <a14:hiddenLine xmlns:a14="http://schemas.microsoft.com/office/drawing/2010/main" xmlns="" w="9525">
+                  <a14:hiddenLine xmlns="" xmlns:a14="http://schemas.microsoft.com/office/drawing/2010/main" w="9525">
                     <a:solidFill>
                       <a:srgbClr val="000000"/>
                     </a:solidFill>
@@ -10256,7 +10256,7 @@
               </a:ln>
               <a:extLst>
                 <a:ext uri="{91240B29-F687-4f45-9708-019B960494DF}">
-                  <a14:hiddenLine xmlns:a14="http://schemas.microsoft.com/office/drawing/2010/main" xmlns="" w="9525">
+                  <a14:hiddenLine xmlns="" xmlns:a14="http://schemas.microsoft.com/office/drawing/2010/main" w="9525">
                     <a:solidFill>
                       <a:srgbClr val="000000"/>
                     </a:solidFill>
@@ -10318,7 +10318,7 @@
               </a:ln>
               <a:extLst>
                 <a:ext uri="{91240B29-F687-4f45-9708-019B960494DF}">
-                  <a14:hiddenLine xmlns:a14="http://schemas.microsoft.com/office/drawing/2010/main" xmlns="" w="9525">
+                  <a14:hiddenLine xmlns="" xmlns:a14="http://schemas.microsoft.com/office/drawing/2010/main" w="9525">
                     <a:solidFill>
                       <a:srgbClr val="000000"/>
                     </a:solidFill>
@@ -10408,7 +10408,7 @@
               </a:ln>
               <a:extLst>
                 <a:ext uri="{91240B29-F687-4f45-9708-019B960494DF}">
-                  <a14:hiddenLine xmlns:a14="http://schemas.microsoft.com/office/drawing/2010/main" xmlns="" w="9525">
+                  <a14:hiddenLine xmlns="" xmlns:a14="http://schemas.microsoft.com/office/drawing/2010/main" w="9525">
                     <a:solidFill>
                       <a:srgbClr val="000000"/>
                     </a:solidFill>
@@ -10498,7 +10498,7 @@
               </a:ln>
               <a:extLst>
                 <a:ext uri="{91240B29-F687-4f45-9708-019B960494DF}">
-                  <a14:hiddenLine xmlns:a14="http://schemas.microsoft.com/office/drawing/2010/main" xmlns="" w="9525">
+                  <a14:hiddenLine xmlns="" xmlns:a14="http://schemas.microsoft.com/office/drawing/2010/main" w="9525">
                     <a:solidFill>
                       <a:srgbClr val="000000"/>
                     </a:solidFill>
@@ -10560,7 +10560,7 @@
               </a:ln>
               <a:extLst>
                 <a:ext uri="{91240B29-F687-4f45-9708-019B960494DF}">
-                  <a14:hiddenLine xmlns:a14="http://schemas.microsoft.com/office/drawing/2010/main" xmlns="" w="9525">
+                  <a14:hiddenLine xmlns="" xmlns:a14="http://schemas.microsoft.com/office/drawing/2010/main" w="9525">
                     <a:solidFill>
                       <a:srgbClr val="000000"/>
                     </a:solidFill>
@@ -10670,7 +10670,7 @@
               </a:ln>
               <a:extLst>
                 <a:ext uri="{91240B29-F687-4f45-9708-019B960494DF}">
-                  <a14:hiddenLine xmlns:a14="http://schemas.microsoft.com/office/drawing/2010/main" xmlns="" w="9525">
+                  <a14:hiddenLine xmlns="" xmlns:a14="http://schemas.microsoft.com/office/drawing/2010/main" w="9525">
                     <a:solidFill>
                       <a:srgbClr val="000000"/>
                     </a:solidFill>
@@ -10754,7 +10754,7 @@
               </a:ln>
               <a:extLst>
                 <a:ext uri="{91240B29-F687-4f45-9708-019B960494DF}">
-                  <a14:hiddenLine xmlns:a14="http://schemas.microsoft.com/office/drawing/2010/main" xmlns="" w="9525">
+                  <a14:hiddenLine xmlns="" xmlns:a14="http://schemas.microsoft.com/office/drawing/2010/main" w="9525">
                     <a:solidFill>
                       <a:srgbClr val="000000"/>
                     </a:solidFill>
@@ -10816,7 +10816,7 @@
               </a:ln>
               <a:extLst>
                 <a:ext uri="{91240B29-F687-4f45-9708-019B960494DF}">
-                  <a14:hiddenLine xmlns:a14="http://schemas.microsoft.com/office/drawing/2010/main" xmlns="" w="9525">
+                  <a14:hiddenLine xmlns="" xmlns:a14="http://schemas.microsoft.com/office/drawing/2010/main" w="9525">
                     <a:solidFill>
                       <a:srgbClr val="000000"/>
                     </a:solidFill>
@@ -10878,7 +10878,7 @@
               </a:ln>
               <a:extLst>
                 <a:ext uri="{91240B29-F687-4f45-9708-019B960494DF}">
-                  <a14:hiddenLine xmlns:a14="http://schemas.microsoft.com/office/drawing/2010/main" xmlns="" w="9525">
+                  <a14:hiddenLine xmlns="" xmlns:a14="http://schemas.microsoft.com/office/drawing/2010/main" w="9525">
                     <a:solidFill>
                       <a:srgbClr val="000000"/>
                     </a:solidFill>
@@ -10968,7 +10968,7 @@
               </a:ln>
               <a:extLst>
                 <a:ext uri="{91240B29-F687-4f45-9708-019B960494DF}">
-                  <a14:hiddenLine xmlns:a14="http://schemas.microsoft.com/office/drawing/2010/main" xmlns="" w="9525">
+                  <a14:hiddenLine xmlns="" xmlns:a14="http://schemas.microsoft.com/office/drawing/2010/main" w="9525">
                     <a:solidFill>
                       <a:srgbClr val="000000"/>
                     </a:solidFill>
@@ -11002,7 +11002,7 @@
               </a:ln>
               <a:extLst>
                 <a:ext uri="{91240B29-F687-4f45-9708-019B960494DF}">
-                  <a14:hiddenLine xmlns:a14="http://schemas.microsoft.com/office/drawing/2010/main" xmlns="" w="9525">
+                  <a14:hiddenLine xmlns="" xmlns:a14="http://schemas.microsoft.com/office/drawing/2010/main" w="9525">
                     <a:solidFill>
                       <a:srgbClr val="000000"/>
                     </a:solidFill>
@@ -11067,7 +11067,7 @@
               </a:ln>
               <a:extLst>
                 <a:ext uri="{91240B29-F687-4f45-9708-019B960494DF}">
-                  <a14:hiddenLine xmlns:a14="http://schemas.microsoft.com/office/drawing/2010/main" xmlns="" w="9525">
+                  <a14:hiddenLine xmlns="" xmlns:a14="http://schemas.microsoft.com/office/drawing/2010/main" w="9525">
                     <a:solidFill>
                       <a:srgbClr val="000000"/>
                     </a:solidFill>
@@ -11157,7 +11157,7 @@
               </a:ln>
               <a:extLst>
                 <a:ext uri="{91240B29-F687-4f45-9708-019B960494DF}">
-                  <a14:hiddenLine xmlns:a14="http://schemas.microsoft.com/office/drawing/2010/main" xmlns="" w="9525">
+                  <a14:hiddenLine xmlns="" xmlns:a14="http://schemas.microsoft.com/office/drawing/2010/main" w="9525">
                     <a:solidFill>
                       <a:srgbClr val="000000"/>
                     </a:solidFill>
@@ -11219,7 +11219,7 @@
               </a:ln>
               <a:extLst>
                 <a:ext uri="{91240B29-F687-4f45-9708-019B960494DF}">
-                  <a14:hiddenLine xmlns:a14="http://schemas.microsoft.com/office/drawing/2010/main" xmlns="" w="9525">
+                  <a14:hiddenLine xmlns="" xmlns:a14="http://schemas.microsoft.com/office/drawing/2010/main" w="9525">
                     <a:solidFill>
                       <a:srgbClr val="000000"/>
                     </a:solidFill>
@@ -11309,7 +11309,7 @@
               </a:ln>
               <a:extLst>
                 <a:ext uri="{91240B29-F687-4f45-9708-019B960494DF}">
-                  <a14:hiddenLine xmlns:a14="http://schemas.microsoft.com/office/drawing/2010/main" xmlns="" w="9525">
+                  <a14:hiddenLine xmlns="" xmlns:a14="http://schemas.microsoft.com/office/drawing/2010/main" w="9525">
                     <a:solidFill>
                       <a:srgbClr val="000000"/>
                     </a:solidFill>
@@ -11374,7 +11374,7 @@
               </a:ln>
               <a:extLst>
                 <a:ext uri="{91240B29-F687-4f45-9708-019B960494DF}">
-                  <a14:hiddenLine xmlns:a14="http://schemas.microsoft.com/office/drawing/2010/main" xmlns="" w="9525">
+                  <a14:hiddenLine xmlns="" xmlns:a14="http://schemas.microsoft.com/office/drawing/2010/main" w="9525">
                     <a:solidFill>
                       <a:srgbClr val="000000"/>
                     </a:solidFill>
@@ -11436,7 +11436,7 @@
               </a:ln>
               <a:extLst>
                 <a:ext uri="{91240B29-F687-4f45-9708-019B960494DF}">
-                  <a14:hiddenLine xmlns:a14="http://schemas.microsoft.com/office/drawing/2010/main" xmlns="" w="9525">
+                  <a14:hiddenLine xmlns="" xmlns:a14="http://schemas.microsoft.com/office/drawing/2010/main" w="9525">
                     <a:solidFill>
                       <a:srgbClr val="000000"/>
                     </a:solidFill>
@@ -11526,7 +11526,7 @@
               </a:ln>
               <a:extLst>
                 <a:ext uri="{91240B29-F687-4f45-9708-019B960494DF}">
-                  <a14:hiddenLine xmlns:a14="http://schemas.microsoft.com/office/drawing/2010/main" xmlns="" w="9525">
+                  <a14:hiddenLine xmlns="" xmlns:a14="http://schemas.microsoft.com/office/drawing/2010/main" w="9525">
                     <a:solidFill>
                       <a:srgbClr val="000000"/>
                     </a:solidFill>
@@ -11616,7 +11616,7 @@
               </a:ln>
               <a:extLst>
                 <a:ext uri="{91240B29-F687-4f45-9708-019B960494DF}">
-                  <a14:hiddenLine xmlns:a14="http://schemas.microsoft.com/office/drawing/2010/main" xmlns="" w="9525">
+                  <a14:hiddenLine xmlns="" xmlns:a14="http://schemas.microsoft.com/office/drawing/2010/main" w="9525">
                     <a:solidFill>
                       <a:srgbClr val="000000"/>
                     </a:solidFill>
@@ -11681,7 +11681,7 @@
               </a:ln>
               <a:extLst>
                 <a:ext uri="{91240B29-F687-4f45-9708-019B960494DF}">
-                  <a14:hiddenLine xmlns:a14="http://schemas.microsoft.com/office/drawing/2010/main" xmlns="" w="9525">
+                  <a14:hiddenLine xmlns="" xmlns:a14="http://schemas.microsoft.com/office/drawing/2010/main" w="9525">
                     <a:solidFill>
                       <a:srgbClr val="000000"/>
                     </a:solidFill>
@@ -11801,7 +11801,7 @@
               </a:ln>
               <a:extLst>
                 <a:ext uri="{91240B29-F687-4f45-9708-019B960494DF}">
-                  <a14:hiddenLine xmlns:a14="http://schemas.microsoft.com/office/drawing/2010/main" xmlns="" w="9525">
+                  <a14:hiddenLine xmlns="" xmlns:a14="http://schemas.microsoft.com/office/drawing/2010/main" w="9525">
                     <a:solidFill>
                       <a:srgbClr val="000000"/>
                     </a:solidFill>
@@ -11899,7 +11899,7 @@
               </a:ln>
               <a:extLst>
                 <a:ext uri="{91240B29-F687-4f45-9708-019B960494DF}">
-                  <a14:hiddenLine xmlns:a14="http://schemas.microsoft.com/office/drawing/2010/main" xmlns="" w="9525">
+                  <a14:hiddenLine xmlns="" xmlns:a14="http://schemas.microsoft.com/office/drawing/2010/main" w="9525">
                     <a:solidFill>
                       <a:srgbClr val="000000"/>
                     </a:solidFill>
@@ -12014,7 +12014,7 @@
               </a:ln>
               <a:extLst>
                 <a:ext uri="{91240B29-F687-4f45-9708-019B960494DF}">
-                  <a14:hiddenLine xmlns:a14="http://schemas.microsoft.com/office/drawing/2010/main" xmlns="" w="9525">
+                  <a14:hiddenLine xmlns="" xmlns:a14="http://schemas.microsoft.com/office/drawing/2010/main" w="9525">
                     <a:solidFill>
                       <a:srgbClr val="000000"/>
                     </a:solidFill>
@@ -12104,7 +12104,7 @@
               </a:ln>
               <a:extLst>
                 <a:ext uri="{91240B29-F687-4f45-9708-019B960494DF}">
-                  <a14:hiddenLine xmlns:a14="http://schemas.microsoft.com/office/drawing/2010/main" xmlns="" w="9525">
+                  <a14:hiddenLine xmlns="" xmlns:a14="http://schemas.microsoft.com/office/drawing/2010/main" w="9525">
                     <a:solidFill>
                       <a:srgbClr val="000000"/>
                     </a:solidFill>
@@ -12169,7 +12169,7 @@
               </a:ln>
               <a:extLst>
                 <a:ext uri="{91240B29-F687-4f45-9708-019B960494DF}">
-                  <a14:hiddenLine xmlns:a14="http://schemas.microsoft.com/office/drawing/2010/main" xmlns="" w="9525">
+                  <a14:hiddenLine xmlns="" xmlns:a14="http://schemas.microsoft.com/office/drawing/2010/main" w="9525">
                     <a:solidFill>
                       <a:srgbClr val="000000"/>
                     </a:solidFill>
@@ -12259,7 +12259,7 @@
               </a:ln>
               <a:extLst>
                 <a:ext uri="{91240B29-F687-4f45-9708-019B960494DF}">
-                  <a14:hiddenLine xmlns:a14="http://schemas.microsoft.com/office/drawing/2010/main" xmlns="" w="9525">
+                  <a14:hiddenLine xmlns="" xmlns:a14="http://schemas.microsoft.com/office/drawing/2010/main" w="9525">
                     <a:solidFill>
                       <a:srgbClr val="000000"/>
                     </a:solidFill>
@@ -12327,7 +12327,7 @@
               </a:ln>
               <a:extLst>
                 <a:ext uri="{91240B29-F687-4f45-9708-019B960494DF}">
-                  <a14:hiddenLine xmlns:a14="http://schemas.microsoft.com/office/drawing/2010/main" xmlns="" w="9525">
+                  <a14:hiddenLine xmlns="" xmlns:a14="http://schemas.microsoft.com/office/drawing/2010/main" w="9525">
                     <a:solidFill>
                       <a:srgbClr val="000000"/>
                     </a:solidFill>
@@ -12417,7 +12417,7 @@
               </a:ln>
               <a:extLst>
                 <a:ext uri="{91240B29-F687-4f45-9708-019B960494DF}">
-                  <a14:hiddenLine xmlns:a14="http://schemas.microsoft.com/office/drawing/2010/main" xmlns="" w="9525">
+                  <a14:hiddenLine xmlns="" xmlns:a14="http://schemas.microsoft.com/office/drawing/2010/main" w="9525">
                     <a:solidFill>
                       <a:srgbClr val="000000"/>
                     </a:solidFill>
@@ -12485,7 +12485,7 @@
               </a:ln>
               <a:extLst>
                 <a:ext uri="{91240B29-F687-4f45-9708-019B960494DF}">
-                  <a14:hiddenLine xmlns:a14="http://schemas.microsoft.com/office/drawing/2010/main" xmlns="" w="9525">
+                  <a14:hiddenLine xmlns="" xmlns:a14="http://schemas.microsoft.com/office/drawing/2010/main" w="9525">
                     <a:solidFill>
                       <a:srgbClr val="000000"/>
                     </a:solidFill>
@@ -12575,7 +12575,7 @@
               </a:ln>
               <a:extLst>
                 <a:ext uri="{91240B29-F687-4f45-9708-019B960494DF}">
-                  <a14:hiddenLine xmlns:a14="http://schemas.microsoft.com/office/drawing/2010/main" xmlns="" w="9525">
+                  <a14:hiddenLine xmlns="" xmlns:a14="http://schemas.microsoft.com/office/drawing/2010/main" w="9525">
                     <a:solidFill>
                       <a:srgbClr val="000000"/>
                     </a:solidFill>
@@ -12609,7 +12609,7 @@
               </a:ln>
               <a:extLst>
                 <a:ext uri="{91240B29-F687-4f45-9708-019B960494DF}">
-                  <a14:hiddenLine xmlns:a14="http://schemas.microsoft.com/office/drawing/2010/main" xmlns="" w="9525">
+                  <a14:hiddenLine xmlns="" xmlns:a14="http://schemas.microsoft.com/office/drawing/2010/main" w="9525">
                     <a:solidFill>
                       <a:srgbClr val="000000"/>
                     </a:solidFill>
@@ -13201,11 +13201,7 @@
           <a:p>
             <a:r>
               <a:rPr lang="en-US" dirty="0" smtClean="0"/>
-              <a:t>GIT </a:t>
-            </a:r>
-            <a:r>
-              <a:rPr lang="en-US" dirty="0" smtClean="0"/>
-              <a:t>Branching Strategies</a:t>
+              <a:t>GIT Branching Strategies</a:t>
             </a:r>
             <a:endParaRPr lang="en-US" dirty="0"/>
           </a:p>
@@ -17147,7 +17143,15 @@
                   <a:srgbClr val="FFFF00"/>
                 </a:solidFill>
               </a:rPr>
-              <a:t>(release-*)</a:t>
+              <a:t>(</a:t>
+            </a:r>
+            <a:r>
+              <a:rPr lang="en-US" sz="2000" dirty="0" smtClean="0">
+                <a:solidFill>
+                  <a:srgbClr val="FFFF00"/>
+                </a:solidFill>
+              </a:rPr>
+              <a:t>release/*)</a:t>
             </a:r>
             <a:endParaRPr lang="en-US" sz="2000" dirty="0">
               <a:solidFill>
@@ -17185,8 +17189,21 @@
                   <a:srgbClr val="FFFF00"/>
                 </a:solidFill>
               </a:rPr>
-              <a:t>(feature-*)</a:t>
+              <a:t>(</a:t>
             </a:r>
+            <a:r>
+              <a:rPr lang="en-US" sz="2000" dirty="0" smtClean="0">
+                <a:solidFill>
+                  <a:srgbClr val="FFFF00"/>
+                </a:solidFill>
+              </a:rPr>
+              <a:t>feature/*)</a:t>
+            </a:r>
+            <a:endParaRPr lang="en-US" sz="2000" dirty="0" smtClean="0">
+              <a:solidFill>
+                <a:srgbClr val="FFFF00"/>
+              </a:solidFill>
+            </a:endParaRPr>
           </a:p>
         </p:txBody>
       </p:sp>
@@ -17213,12 +17230,20 @@
           <a:lstStyle/>
           <a:p>
             <a:r>
-              <a:rPr lang="en-US" sz="2000" dirty="0" smtClean="0">
+              <a:rPr lang="en-US" sz="2000" smtClean="0">
                 <a:solidFill>
                   <a:srgbClr val="FFFF00"/>
                 </a:solidFill>
               </a:rPr>
-              <a:t>(hotfix-*)</a:t>
+              <a:t>(</a:t>
+            </a:r>
+            <a:r>
+              <a:rPr lang="en-US" sz="2000" smtClean="0">
+                <a:solidFill>
+                  <a:srgbClr val="FFFF00"/>
+                </a:solidFill>
+              </a:rPr>
+              <a:t>hotfix/*)</a:t>
             </a:r>
             <a:endParaRPr lang="en-US" sz="2000" dirty="0">
               <a:solidFill>

--- a/Branching.pptx
+++ b/Branching.pptx
@@ -225,7 +225,7 @@
             </a:lvl1pPr>
           </a:lstStyle>
           <a:p>
-            <a:fld id="{873F5338-008D-427F-9D98-34A56CBCE8B8}" type="datetime5">
+            <a:fld id="{F54A45C4-E78B-4F51-8C24-96E010AF1EF6}" type="datetime5">
               <a:rPr lang="en-US" smtClean="0"/>
               <a:t>30-Oct-18</a:t>
             </a:fld>
@@ -395,7 +395,7 @@
             </a:lvl1pPr>
           </a:lstStyle>
           <a:p>
-            <a:fld id="{CEA7893E-C870-4CE8-9716-8F2F0C844DE5}" type="datetime5">
+            <a:fld id="{DCE462EF-63BA-4033-BAAB-21EA0B460D1E}" type="datetime5">
               <a:rPr lang="en-US" smtClean="0"/>
               <a:t>30-Oct-18</a:t>
             </a:fld>
@@ -857,7 +857,7 @@
           <a:noFill/>
           <a:extLst>
             <a:ext uri="{909E8E84-426E-40dd-AFC4-6F175D3DCCD1}">
-              <a14:hiddenFill xmlns="" xmlns:a14="http://schemas.microsoft.com/office/drawing/2010/main">
+              <a14:hiddenFill xmlns:a14="http://schemas.microsoft.com/office/drawing/2010/main" xmlns="">
                 <a:solidFill>
                   <a:srgbClr val="FFFFFF"/>
                 </a:solidFill>
@@ -917,7 +917,7 @@
             </a:ln>
             <a:extLst>
               <a:ext uri="{91240B29-F687-4f45-9708-019B960494DF}">
-                <a14:hiddenLine xmlns="" xmlns:a14="http://schemas.microsoft.com/office/drawing/2010/main" w="9525">
+                <a14:hiddenLine xmlns:a14="http://schemas.microsoft.com/office/drawing/2010/main" xmlns="" w="9525">
                   <a:solidFill>
                     <a:srgbClr val="000000"/>
                   </a:solidFill>
@@ -1007,7 +1007,7 @@
             </a:ln>
             <a:extLst>
               <a:ext uri="{91240B29-F687-4f45-9708-019B960494DF}">
-                <a14:hiddenLine xmlns="" xmlns:a14="http://schemas.microsoft.com/office/drawing/2010/main" w="9525">
+                <a14:hiddenLine xmlns:a14="http://schemas.microsoft.com/office/drawing/2010/main" xmlns="" w="9525">
                   <a:solidFill>
                     <a:srgbClr val="000000"/>
                   </a:solidFill>
@@ -1097,7 +1097,7 @@
             </a:ln>
             <a:extLst>
               <a:ext uri="{91240B29-F687-4f45-9708-019B960494DF}">
-                <a14:hiddenLine xmlns="" xmlns:a14="http://schemas.microsoft.com/office/drawing/2010/main" w="9525">
+                <a14:hiddenLine xmlns:a14="http://schemas.microsoft.com/office/drawing/2010/main" xmlns="" w="9525">
                   <a:solidFill>
                     <a:srgbClr val="000000"/>
                   </a:solidFill>
@@ -1131,7 +1131,7 @@
             </a:ln>
             <a:extLst>
               <a:ext uri="{91240B29-F687-4f45-9708-019B960494DF}">
-                <a14:hiddenLine xmlns="" xmlns:a14="http://schemas.microsoft.com/office/drawing/2010/main" w="9525">
+                <a14:hiddenLine xmlns:a14="http://schemas.microsoft.com/office/drawing/2010/main" xmlns="" w="9525">
                   <a:solidFill>
                     <a:srgbClr val="000000"/>
                   </a:solidFill>
@@ -1221,7 +1221,7 @@
             </a:ln>
             <a:extLst>
               <a:ext uri="{91240B29-F687-4f45-9708-019B960494DF}">
-                <a14:hiddenLine xmlns="" xmlns:a14="http://schemas.microsoft.com/office/drawing/2010/main" w="9525">
+                <a14:hiddenLine xmlns:a14="http://schemas.microsoft.com/office/drawing/2010/main" xmlns="" w="9525">
                   <a:solidFill>
                     <a:srgbClr val="000000"/>
                   </a:solidFill>
@@ -1283,7 +1283,7 @@
             </a:ln>
             <a:extLst>
               <a:ext uri="{91240B29-F687-4f45-9708-019B960494DF}">
-                <a14:hiddenLine xmlns="" xmlns:a14="http://schemas.microsoft.com/office/drawing/2010/main" w="9525">
+                <a14:hiddenLine xmlns:a14="http://schemas.microsoft.com/office/drawing/2010/main" xmlns="" w="9525">
                   <a:solidFill>
                     <a:srgbClr val="000000"/>
                   </a:solidFill>
@@ -1345,7 +1345,7 @@
             </a:ln>
             <a:extLst>
               <a:ext uri="{91240B29-F687-4f45-9708-019B960494DF}">
-                <a14:hiddenLine xmlns="" xmlns:a14="http://schemas.microsoft.com/office/drawing/2010/main" w="9525">
+                <a14:hiddenLine xmlns:a14="http://schemas.microsoft.com/office/drawing/2010/main" xmlns="" w="9525">
                   <a:solidFill>
                     <a:srgbClr val="000000"/>
                   </a:solidFill>
@@ -1435,7 +1435,7 @@
             </a:ln>
             <a:extLst>
               <a:ext uri="{91240B29-F687-4f45-9708-019B960494DF}">
-                <a14:hiddenLine xmlns="" xmlns:a14="http://schemas.microsoft.com/office/drawing/2010/main" w="9525">
+                <a14:hiddenLine xmlns:a14="http://schemas.microsoft.com/office/drawing/2010/main" xmlns="" w="9525">
                   <a:solidFill>
                     <a:srgbClr val="000000"/>
                   </a:solidFill>
@@ -1497,7 +1497,7 @@
             </a:ln>
             <a:extLst>
               <a:ext uri="{91240B29-F687-4f45-9708-019B960494DF}">
-                <a14:hiddenLine xmlns="" xmlns:a14="http://schemas.microsoft.com/office/drawing/2010/main" w="9525">
+                <a14:hiddenLine xmlns:a14="http://schemas.microsoft.com/office/drawing/2010/main" xmlns="" w="9525">
                   <a:solidFill>
                     <a:srgbClr val="000000"/>
                   </a:solidFill>
@@ -1559,7 +1559,7 @@
             </a:ln>
             <a:extLst>
               <a:ext uri="{91240B29-F687-4f45-9708-019B960494DF}">
-                <a14:hiddenLine xmlns="" xmlns:a14="http://schemas.microsoft.com/office/drawing/2010/main" w="9525">
+                <a14:hiddenLine xmlns:a14="http://schemas.microsoft.com/office/drawing/2010/main" xmlns="" w="9525">
                   <a:solidFill>
                     <a:srgbClr val="000000"/>
                   </a:solidFill>
@@ -1649,7 +1649,7 @@
             </a:ln>
             <a:extLst>
               <a:ext uri="{91240B29-F687-4f45-9708-019B960494DF}">
-                <a14:hiddenLine xmlns="" xmlns:a14="http://schemas.microsoft.com/office/drawing/2010/main" w="9525">
+                <a14:hiddenLine xmlns:a14="http://schemas.microsoft.com/office/drawing/2010/main" xmlns="" w="9525">
                   <a:solidFill>
                     <a:srgbClr val="000000"/>
                   </a:solidFill>
@@ -1739,7 +1739,7 @@
             </a:ln>
             <a:extLst>
               <a:ext uri="{91240B29-F687-4f45-9708-019B960494DF}">
-                <a14:hiddenLine xmlns="" xmlns:a14="http://schemas.microsoft.com/office/drawing/2010/main" w="9525">
+                <a14:hiddenLine xmlns:a14="http://schemas.microsoft.com/office/drawing/2010/main" xmlns="" w="9525">
                   <a:solidFill>
                     <a:srgbClr val="000000"/>
                   </a:solidFill>
@@ -1801,7 +1801,7 @@
             </a:ln>
             <a:extLst>
               <a:ext uri="{91240B29-F687-4f45-9708-019B960494DF}">
-                <a14:hiddenLine xmlns="" xmlns:a14="http://schemas.microsoft.com/office/drawing/2010/main" w="9525">
+                <a14:hiddenLine xmlns:a14="http://schemas.microsoft.com/office/drawing/2010/main" xmlns="" w="9525">
                   <a:solidFill>
                     <a:srgbClr val="000000"/>
                   </a:solidFill>
@@ -1911,7 +1911,7 @@
             </a:ln>
             <a:extLst>
               <a:ext uri="{91240B29-F687-4f45-9708-019B960494DF}">
-                <a14:hiddenLine xmlns="" xmlns:a14="http://schemas.microsoft.com/office/drawing/2010/main" w="9525">
+                <a14:hiddenLine xmlns:a14="http://schemas.microsoft.com/office/drawing/2010/main" xmlns="" w="9525">
                   <a:solidFill>
                     <a:srgbClr val="000000"/>
                   </a:solidFill>
@@ -1973,7 +1973,7 @@
             </a:ln>
             <a:extLst>
               <a:ext uri="{91240B29-F687-4f45-9708-019B960494DF}">
-                <a14:hiddenLine xmlns="" xmlns:a14="http://schemas.microsoft.com/office/drawing/2010/main" w="9525">
+                <a14:hiddenLine xmlns:a14="http://schemas.microsoft.com/office/drawing/2010/main" xmlns="" w="9525">
                   <a:solidFill>
                     <a:srgbClr val="000000"/>
                   </a:solidFill>
@@ -2063,7 +2063,7 @@
             </a:ln>
             <a:extLst>
               <a:ext uri="{91240B29-F687-4f45-9708-019B960494DF}">
-                <a14:hiddenLine xmlns="" xmlns:a14="http://schemas.microsoft.com/office/drawing/2010/main" w="9525">
+                <a14:hiddenLine xmlns:a14="http://schemas.microsoft.com/office/drawing/2010/main" xmlns="" w="9525">
                   <a:solidFill>
                     <a:srgbClr val="000000"/>
                   </a:solidFill>
@@ -2153,7 +2153,7 @@
             </a:ln>
             <a:extLst>
               <a:ext uri="{91240B29-F687-4f45-9708-019B960494DF}">
-                <a14:hiddenLine xmlns="" xmlns:a14="http://schemas.microsoft.com/office/drawing/2010/main" w="9525">
+                <a14:hiddenLine xmlns:a14="http://schemas.microsoft.com/office/drawing/2010/main" xmlns="" w="9525">
                   <a:solidFill>
                     <a:srgbClr val="000000"/>
                   </a:solidFill>
@@ -2215,7 +2215,7 @@
             </a:ln>
             <a:extLst>
               <a:ext uri="{91240B29-F687-4f45-9708-019B960494DF}">
-                <a14:hiddenLine xmlns="" xmlns:a14="http://schemas.microsoft.com/office/drawing/2010/main" w="9525">
+                <a14:hiddenLine xmlns:a14="http://schemas.microsoft.com/office/drawing/2010/main" xmlns="" w="9525">
                   <a:solidFill>
                     <a:srgbClr val="000000"/>
                   </a:solidFill>
@@ -2305,7 +2305,7 @@
             </a:ln>
             <a:extLst>
               <a:ext uri="{91240B29-F687-4f45-9708-019B960494DF}">
-                <a14:hiddenLine xmlns="" xmlns:a14="http://schemas.microsoft.com/office/drawing/2010/main" w="9525">
+                <a14:hiddenLine xmlns:a14="http://schemas.microsoft.com/office/drawing/2010/main" xmlns="" w="9525">
                   <a:solidFill>
                     <a:srgbClr val="000000"/>
                   </a:solidFill>
@@ -2395,7 +2395,7 @@
             </a:ln>
             <a:extLst>
               <a:ext uri="{91240B29-F687-4f45-9708-019B960494DF}">
-                <a14:hiddenLine xmlns="" xmlns:a14="http://schemas.microsoft.com/office/drawing/2010/main" w="9525">
+                <a14:hiddenLine xmlns:a14="http://schemas.microsoft.com/office/drawing/2010/main" xmlns="" w="9525">
                   <a:solidFill>
                     <a:srgbClr val="000000"/>
                   </a:solidFill>
@@ -2451,7 +2451,7 @@
             </a:ln>
             <a:extLst>
               <a:ext uri="{91240B29-F687-4f45-9708-019B960494DF}">
-                <a14:hiddenLine xmlns="" xmlns:a14="http://schemas.microsoft.com/office/drawing/2010/main" w="9525">
+                <a14:hiddenLine xmlns:a14="http://schemas.microsoft.com/office/drawing/2010/main" xmlns="" w="9525">
                   <a:solidFill>
                     <a:srgbClr val="000000"/>
                   </a:solidFill>
@@ -2541,7 +2541,7 @@
             </a:ln>
             <a:extLst>
               <a:ext uri="{91240B29-F687-4f45-9708-019B960494DF}">
-                <a14:hiddenLine xmlns="" xmlns:a14="http://schemas.microsoft.com/office/drawing/2010/main" w="9525">
+                <a14:hiddenLine xmlns:a14="http://schemas.microsoft.com/office/drawing/2010/main" xmlns="" w="9525">
                   <a:solidFill>
                     <a:srgbClr val="000000"/>
                   </a:solidFill>
@@ -2597,7 +2597,7 @@
             </a:ln>
             <a:extLst>
               <a:ext uri="{91240B29-F687-4f45-9708-019B960494DF}">
-                <a14:hiddenLine xmlns="" xmlns:a14="http://schemas.microsoft.com/office/drawing/2010/main" w="9525">
+                <a14:hiddenLine xmlns:a14="http://schemas.microsoft.com/office/drawing/2010/main" xmlns="" w="9525">
                   <a:solidFill>
                     <a:srgbClr val="000000"/>
                   </a:solidFill>
@@ -2687,7 +2687,7 @@
             </a:ln>
             <a:extLst>
               <a:ext uri="{91240B29-F687-4f45-9708-019B960494DF}">
-                <a14:hiddenLine xmlns="" xmlns:a14="http://schemas.microsoft.com/office/drawing/2010/main" w="9525">
+                <a14:hiddenLine xmlns:a14="http://schemas.microsoft.com/office/drawing/2010/main" xmlns="" w="9525">
                   <a:solidFill>
                     <a:srgbClr val="000000"/>
                   </a:solidFill>
@@ -2755,7 +2755,7 @@
             </a:ln>
             <a:extLst>
               <a:ext uri="{91240B29-F687-4f45-9708-019B960494DF}">
-                <a14:hiddenLine xmlns="" xmlns:a14="http://schemas.microsoft.com/office/drawing/2010/main" w="9525">
+                <a14:hiddenLine xmlns:a14="http://schemas.microsoft.com/office/drawing/2010/main" xmlns="" w="9525">
                   <a:solidFill>
                     <a:srgbClr val="000000"/>
                   </a:solidFill>
@@ -2845,7 +2845,7 @@
             </a:ln>
             <a:extLst>
               <a:ext uri="{91240B29-F687-4f45-9708-019B960494DF}">
-                <a14:hiddenLine xmlns="" xmlns:a14="http://schemas.microsoft.com/office/drawing/2010/main" w="9525">
+                <a14:hiddenLine xmlns:a14="http://schemas.microsoft.com/office/drawing/2010/main" xmlns="" w="9525">
                   <a:solidFill>
                     <a:srgbClr val="000000"/>
                   </a:solidFill>
@@ -2913,7 +2913,7 @@
             </a:ln>
             <a:extLst>
               <a:ext uri="{91240B29-F687-4f45-9708-019B960494DF}">
-                <a14:hiddenLine xmlns="" xmlns:a14="http://schemas.microsoft.com/office/drawing/2010/main" w="9525">
+                <a14:hiddenLine xmlns:a14="http://schemas.microsoft.com/office/drawing/2010/main" xmlns="" w="9525">
                   <a:solidFill>
                     <a:srgbClr val="000000"/>
                   </a:solidFill>
@@ -3003,7 +3003,7 @@
             </a:ln>
             <a:extLst>
               <a:ext uri="{91240B29-F687-4f45-9708-019B960494DF}">
-                <a14:hiddenLine xmlns="" xmlns:a14="http://schemas.microsoft.com/office/drawing/2010/main" w="9525">
+                <a14:hiddenLine xmlns:a14="http://schemas.microsoft.com/office/drawing/2010/main" xmlns="" w="9525">
                   <a:solidFill>
                     <a:srgbClr val="000000"/>
                   </a:solidFill>
@@ -3037,7 +3037,7 @@
             </a:ln>
             <a:extLst>
               <a:ext uri="{91240B29-F687-4f45-9708-019B960494DF}">
-                <a14:hiddenLine xmlns="" xmlns:a14="http://schemas.microsoft.com/office/drawing/2010/main" w="9525">
+                <a14:hiddenLine xmlns:a14="http://schemas.microsoft.com/office/drawing/2010/main" xmlns="" w="9525">
                   <a:solidFill>
                     <a:srgbClr val="000000"/>
                   </a:solidFill>
@@ -3127,7 +3127,7 @@
             </a:ln>
             <a:extLst>
               <a:ext uri="{91240B29-F687-4f45-9708-019B960494DF}">
-                <a14:hiddenLine xmlns="" xmlns:a14="http://schemas.microsoft.com/office/drawing/2010/main" w="9525">
+                <a14:hiddenLine xmlns:a14="http://schemas.microsoft.com/office/drawing/2010/main" xmlns="" w="9525">
                   <a:solidFill>
                     <a:srgbClr val="000000"/>
                   </a:solidFill>
@@ -3189,7 +3189,7 @@
             </a:ln>
             <a:extLst>
               <a:ext uri="{91240B29-F687-4f45-9708-019B960494DF}">
-                <a14:hiddenLine xmlns="" xmlns:a14="http://schemas.microsoft.com/office/drawing/2010/main" w="9525">
+                <a14:hiddenLine xmlns:a14="http://schemas.microsoft.com/office/drawing/2010/main" xmlns="" w="9525">
                   <a:solidFill>
                     <a:srgbClr val="000000"/>
                   </a:solidFill>
@@ -3251,7 +3251,7 @@
             </a:ln>
             <a:extLst>
               <a:ext uri="{91240B29-F687-4f45-9708-019B960494DF}">
-                <a14:hiddenLine xmlns="" xmlns:a14="http://schemas.microsoft.com/office/drawing/2010/main" w="9525">
+                <a14:hiddenLine xmlns:a14="http://schemas.microsoft.com/office/drawing/2010/main" xmlns="" w="9525">
                   <a:solidFill>
                     <a:srgbClr val="000000"/>
                   </a:solidFill>
@@ -3341,7 +3341,7 @@
             </a:ln>
             <a:extLst>
               <a:ext uri="{91240B29-F687-4f45-9708-019B960494DF}">
-                <a14:hiddenLine xmlns="" xmlns:a14="http://schemas.microsoft.com/office/drawing/2010/main" w="9525">
+                <a14:hiddenLine xmlns:a14="http://schemas.microsoft.com/office/drawing/2010/main" xmlns="" w="9525">
                   <a:solidFill>
                     <a:srgbClr val="000000"/>
                   </a:solidFill>
@@ -3409,7 +3409,7 @@
             </a:ln>
             <a:extLst>
               <a:ext uri="{91240B29-F687-4f45-9708-019B960494DF}">
-                <a14:hiddenLine xmlns="" xmlns:a14="http://schemas.microsoft.com/office/drawing/2010/main" w="9525">
+                <a14:hiddenLine xmlns:a14="http://schemas.microsoft.com/office/drawing/2010/main" xmlns="" w="9525">
                   <a:solidFill>
                     <a:srgbClr val="000000"/>
                   </a:solidFill>
@@ -3471,7 +3471,7 @@
             </a:ln>
             <a:extLst>
               <a:ext uri="{91240B29-F687-4f45-9708-019B960494DF}">
-                <a14:hiddenLine xmlns="" xmlns:a14="http://schemas.microsoft.com/office/drawing/2010/main" w="9525">
+                <a14:hiddenLine xmlns:a14="http://schemas.microsoft.com/office/drawing/2010/main" xmlns="" w="9525">
                   <a:solidFill>
                     <a:srgbClr val="000000"/>
                   </a:solidFill>
@@ -3561,7 +3561,7 @@
             </a:ln>
             <a:extLst>
               <a:ext uri="{91240B29-F687-4f45-9708-019B960494DF}">
-                <a14:hiddenLine xmlns="" xmlns:a14="http://schemas.microsoft.com/office/drawing/2010/main" w="9525">
+                <a14:hiddenLine xmlns:a14="http://schemas.microsoft.com/office/drawing/2010/main" xmlns="" w="9525">
                   <a:solidFill>
                     <a:srgbClr val="000000"/>
                   </a:solidFill>
@@ -3623,7 +3623,7 @@
             </a:ln>
             <a:extLst>
               <a:ext uri="{91240B29-F687-4f45-9708-019B960494DF}">
-                <a14:hiddenLine xmlns="" xmlns:a14="http://schemas.microsoft.com/office/drawing/2010/main" w="9525">
+                <a14:hiddenLine xmlns:a14="http://schemas.microsoft.com/office/drawing/2010/main" xmlns="" w="9525">
                   <a:solidFill>
                     <a:srgbClr val="000000"/>
                   </a:solidFill>
@@ -3713,7 +3713,7 @@
             </a:ln>
             <a:extLst>
               <a:ext uri="{91240B29-F687-4f45-9708-019B960494DF}">
-                <a14:hiddenLine xmlns="" xmlns:a14="http://schemas.microsoft.com/office/drawing/2010/main" w="9525">
+                <a14:hiddenLine xmlns:a14="http://schemas.microsoft.com/office/drawing/2010/main" xmlns="" w="9525">
                   <a:solidFill>
                     <a:srgbClr val="000000"/>
                   </a:solidFill>
@@ -3775,7 +3775,7 @@
             </a:ln>
             <a:extLst>
               <a:ext uri="{91240B29-F687-4f45-9708-019B960494DF}">
-                <a14:hiddenLine xmlns="" xmlns:a14="http://schemas.microsoft.com/office/drawing/2010/main" w="9525">
+                <a14:hiddenLine xmlns:a14="http://schemas.microsoft.com/office/drawing/2010/main" xmlns="" w="9525">
                   <a:solidFill>
                     <a:srgbClr val="000000"/>
                   </a:solidFill>
@@ -3865,7 +3865,7 @@
             </a:ln>
             <a:extLst>
               <a:ext uri="{91240B29-F687-4f45-9708-019B960494DF}">
-                <a14:hiddenLine xmlns="" xmlns:a14="http://schemas.microsoft.com/office/drawing/2010/main" w="9525">
+                <a14:hiddenLine xmlns:a14="http://schemas.microsoft.com/office/drawing/2010/main" xmlns="" w="9525">
                   <a:solidFill>
                     <a:srgbClr val="000000"/>
                   </a:solidFill>
@@ -3899,7 +3899,7 @@
             </a:ln>
             <a:extLst>
               <a:ext uri="{91240B29-F687-4f45-9708-019B960494DF}">
-                <a14:hiddenLine xmlns="" xmlns:a14="http://schemas.microsoft.com/office/drawing/2010/main" w="9525">
+                <a14:hiddenLine xmlns:a14="http://schemas.microsoft.com/office/drawing/2010/main" xmlns="" w="9525">
                   <a:solidFill>
                     <a:srgbClr val="000000"/>
                   </a:solidFill>
@@ -3964,7 +3964,7 @@
             </a:ln>
             <a:extLst>
               <a:ext uri="{91240B29-F687-4f45-9708-019B960494DF}">
-                <a14:hiddenLine xmlns="" xmlns:a14="http://schemas.microsoft.com/office/drawing/2010/main" w="9525">
+                <a14:hiddenLine xmlns:a14="http://schemas.microsoft.com/office/drawing/2010/main" xmlns="" w="9525">
                   <a:solidFill>
                     <a:srgbClr val="000000"/>
                   </a:solidFill>
@@ -4054,7 +4054,7 @@
             </a:ln>
             <a:extLst>
               <a:ext uri="{91240B29-F687-4f45-9708-019B960494DF}">
-                <a14:hiddenLine xmlns="" xmlns:a14="http://schemas.microsoft.com/office/drawing/2010/main" w="9525">
+                <a14:hiddenLine xmlns:a14="http://schemas.microsoft.com/office/drawing/2010/main" xmlns="" w="9525">
                   <a:solidFill>
                     <a:srgbClr val="000000"/>
                   </a:solidFill>
@@ -4116,7 +4116,7 @@
             </a:ln>
             <a:extLst>
               <a:ext uri="{91240B29-F687-4f45-9708-019B960494DF}">
-                <a14:hiddenLine xmlns="" xmlns:a14="http://schemas.microsoft.com/office/drawing/2010/main" w="9525">
+                <a14:hiddenLine xmlns:a14="http://schemas.microsoft.com/office/drawing/2010/main" xmlns="" w="9525">
                   <a:solidFill>
                     <a:srgbClr val="000000"/>
                   </a:solidFill>
@@ -4206,7 +4206,7 @@
             </a:ln>
             <a:extLst>
               <a:ext uri="{91240B29-F687-4f45-9708-019B960494DF}">
-                <a14:hiddenLine xmlns="" xmlns:a14="http://schemas.microsoft.com/office/drawing/2010/main" w="9525">
+                <a14:hiddenLine xmlns:a14="http://schemas.microsoft.com/office/drawing/2010/main" xmlns="" w="9525">
                   <a:solidFill>
                     <a:srgbClr val="000000"/>
                   </a:solidFill>
@@ -4296,7 +4296,7 @@
             </a:ln>
             <a:extLst>
               <a:ext uri="{91240B29-F687-4f45-9708-019B960494DF}">
-                <a14:hiddenLine xmlns="" xmlns:a14="http://schemas.microsoft.com/office/drawing/2010/main" w="9525">
+                <a14:hiddenLine xmlns:a14="http://schemas.microsoft.com/office/drawing/2010/main" xmlns="" w="9525">
                   <a:solidFill>
                     <a:srgbClr val="000000"/>
                   </a:solidFill>
@@ -4361,7 +4361,7 @@
             </a:ln>
             <a:extLst>
               <a:ext uri="{91240B29-F687-4f45-9708-019B960494DF}">
-                <a14:hiddenLine xmlns="" xmlns:a14="http://schemas.microsoft.com/office/drawing/2010/main" w="9525">
+                <a14:hiddenLine xmlns:a14="http://schemas.microsoft.com/office/drawing/2010/main" xmlns="" w="9525">
                   <a:solidFill>
                     <a:srgbClr val="000000"/>
                   </a:solidFill>
@@ -4423,7 +4423,7 @@
             </a:ln>
             <a:extLst>
               <a:ext uri="{91240B29-F687-4f45-9708-019B960494DF}">
-                <a14:hiddenLine xmlns="" xmlns:a14="http://schemas.microsoft.com/office/drawing/2010/main" w="9525">
+                <a14:hiddenLine xmlns:a14="http://schemas.microsoft.com/office/drawing/2010/main" xmlns="" w="9525">
                   <a:solidFill>
                     <a:srgbClr val="000000"/>
                   </a:solidFill>
@@ -4513,7 +4513,7 @@
             </a:ln>
             <a:extLst>
               <a:ext uri="{91240B29-F687-4f45-9708-019B960494DF}">
-                <a14:hiddenLine xmlns="" xmlns:a14="http://schemas.microsoft.com/office/drawing/2010/main" w="9525">
+                <a14:hiddenLine xmlns:a14="http://schemas.microsoft.com/office/drawing/2010/main" xmlns="" w="9525">
                   <a:solidFill>
                     <a:srgbClr val="000000"/>
                   </a:solidFill>
@@ -4603,7 +4603,7 @@
             </a:ln>
             <a:extLst>
               <a:ext uri="{91240B29-F687-4f45-9708-019B960494DF}">
-                <a14:hiddenLine xmlns="" xmlns:a14="http://schemas.microsoft.com/office/drawing/2010/main" w="9525">
+                <a14:hiddenLine xmlns:a14="http://schemas.microsoft.com/office/drawing/2010/main" xmlns="" w="9525">
                   <a:solidFill>
                     <a:srgbClr val="000000"/>
                   </a:solidFill>
@@ -4665,7 +4665,7 @@
             </a:ln>
             <a:extLst>
               <a:ext uri="{91240B29-F687-4f45-9708-019B960494DF}">
-                <a14:hiddenLine xmlns="" xmlns:a14="http://schemas.microsoft.com/office/drawing/2010/main" w="9525">
+                <a14:hiddenLine xmlns:a14="http://schemas.microsoft.com/office/drawing/2010/main" xmlns="" w="9525">
                   <a:solidFill>
                     <a:srgbClr val="000000"/>
                   </a:solidFill>
@@ -4785,7 +4785,7 @@
             </a:ln>
             <a:extLst>
               <a:ext uri="{91240B29-F687-4f45-9708-019B960494DF}">
-                <a14:hiddenLine xmlns="" xmlns:a14="http://schemas.microsoft.com/office/drawing/2010/main" w="9525">
+                <a14:hiddenLine xmlns:a14="http://schemas.microsoft.com/office/drawing/2010/main" xmlns="" w="9525">
                   <a:solidFill>
                     <a:srgbClr val="000000"/>
                   </a:solidFill>
@@ -4853,7 +4853,7 @@
             </a:ln>
             <a:extLst>
               <a:ext uri="{91240B29-F687-4f45-9708-019B960494DF}">
-                <a14:hiddenLine xmlns="" xmlns:a14="http://schemas.microsoft.com/office/drawing/2010/main" w="9525">
+                <a14:hiddenLine xmlns:a14="http://schemas.microsoft.com/office/drawing/2010/main" xmlns="" w="9525">
                   <a:solidFill>
                     <a:srgbClr val="000000"/>
                   </a:solidFill>
@@ -4943,7 +4943,7 @@
             </a:ln>
             <a:extLst>
               <a:ext uri="{91240B29-F687-4f45-9708-019B960494DF}">
-                <a14:hiddenLine xmlns="" xmlns:a14="http://schemas.microsoft.com/office/drawing/2010/main" w="9525">
+                <a14:hiddenLine xmlns:a14="http://schemas.microsoft.com/office/drawing/2010/main" xmlns="" w="9525">
                   <a:solidFill>
                     <a:srgbClr val="000000"/>
                   </a:solidFill>
@@ -9788,7 +9788,7 @@
           <a:noFill/>
           <a:extLst>
             <a:ext uri="{909E8E84-426E-40dd-AFC4-6F175D3DCCD1}">
-              <a14:hiddenFill xmlns="" xmlns:a14="http://schemas.microsoft.com/office/drawing/2010/main">
+              <a14:hiddenFill xmlns:a14="http://schemas.microsoft.com/office/drawing/2010/main" xmlns="">
                 <a:solidFill>
                   <a:srgbClr val="FFFFFF"/>
                 </a:solidFill>
@@ -9862,7 +9862,7 @@
               </a:ln>
               <a:extLst>
                 <a:ext uri="{91240B29-F687-4f45-9708-019B960494DF}">
-                  <a14:hiddenLine xmlns="" xmlns:a14="http://schemas.microsoft.com/office/drawing/2010/main" w="9525">
+                  <a14:hiddenLine xmlns:a14="http://schemas.microsoft.com/office/drawing/2010/main" xmlns="" w="9525">
                     <a:solidFill>
                       <a:srgbClr val="000000"/>
                     </a:solidFill>
@@ -9952,7 +9952,7 @@
               </a:ln>
               <a:extLst>
                 <a:ext uri="{91240B29-F687-4f45-9708-019B960494DF}">
-                  <a14:hiddenLine xmlns="" xmlns:a14="http://schemas.microsoft.com/office/drawing/2010/main" w="9525">
+                  <a14:hiddenLine xmlns:a14="http://schemas.microsoft.com/office/drawing/2010/main" xmlns="" w="9525">
                     <a:solidFill>
                       <a:srgbClr val="000000"/>
                     </a:solidFill>
@@ -10042,7 +10042,7 @@
               </a:ln>
               <a:extLst>
                 <a:ext uri="{91240B29-F687-4f45-9708-019B960494DF}">
-                  <a14:hiddenLine xmlns="" xmlns:a14="http://schemas.microsoft.com/office/drawing/2010/main" w="9525">
+                  <a14:hiddenLine xmlns:a14="http://schemas.microsoft.com/office/drawing/2010/main" xmlns="" w="9525">
                     <a:solidFill>
                       <a:srgbClr val="000000"/>
                     </a:solidFill>
@@ -10104,7 +10104,7 @@
               </a:ln>
               <a:extLst>
                 <a:ext uri="{91240B29-F687-4f45-9708-019B960494DF}">
-                  <a14:hiddenLine xmlns="" xmlns:a14="http://schemas.microsoft.com/office/drawing/2010/main" w="9525">
+                  <a14:hiddenLine xmlns:a14="http://schemas.microsoft.com/office/drawing/2010/main" xmlns="" w="9525">
                     <a:solidFill>
                       <a:srgbClr val="000000"/>
                     </a:solidFill>
@@ -10194,7 +10194,7 @@
               </a:ln>
               <a:extLst>
                 <a:ext uri="{91240B29-F687-4f45-9708-019B960494DF}">
-                  <a14:hiddenLine xmlns="" xmlns:a14="http://schemas.microsoft.com/office/drawing/2010/main" w="9525">
+                  <a14:hiddenLine xmlns:a14="http://schemas.microsoft.com/office/drawing/2010/main" xmlns="" w="9525">
                     <a:solidFill>
                       <a:srgbClr val="000000"/>
                     </a:solidFill>
@@ -10256,7 +10256,7 @@
               </a:ln>
               <a:extLst>
                 <a:ext uri="{91240B29-F687-4f45-9708-019B960494DF}">
-                  <a14:hiddenLine xmlns="" xmlns:a14="http://schemas.microsoft.com/office/drawing/2010/main" w="9525">
+                  <a14:hiddenLine xmlns:a14="http://schemas.microsoft.com/office/drawing/2010/main" xmlns="" w="9525">
                     <a:solidFill>
                       <a:srgbClr val="000000"/>
                     </a:solidFill>
@@ -10318,7 +10318,7 @@
               </a:ln>
               <a:extLst>
                 <a:ext uri="{91240B29-F687-4f45-9708-019B960494DF}">
-                  <a14:hiddenLine xmlns="" xmlns:a14="http://schemas.microsoft.com/office/drawing/2010/main" w="9525">
+                  <a14:hiddenLine xmlns:a14="http://schemas.microsoft.com/office/drawing/2010/main" xmlns="" w="9525">
                     <a:solidFill>
                       <a:srgbClr val="000000"/>
                     </a:solidFill>
@@ -10408,7 +10408,7 @@
               </a:ln>
               <a:extLst>
                 <a:ext uri="{91240B29-F687-4f45-9708-019B960494DF}">
-                  <a14:hiddenLine xmlns="" xmlns:a14="http://schemas.microsoft.com/office/drawing/2010/main" w="9525">
+                  <a14:hiddenLine xmlns:a14="http://schemas.microsoft.com/office/drawing/2010/main" xmlns="" w="9525">
                     <a:solidFill>
                       <a:srgbClr val="000000"/>
                     </a:solidFill>
@@ -10498,7 +10498,7 @@
               </a:ln>
               <a:extLst>
                 <a:ext uri="{91240B29-F687-4f45-9708-019B960494DF}">
-                  <a14:hiddenLine xmlns="" xmlns:a14="http://schemas.microsoft.com/office/drawing/2010/main" w="9525">
+                  <a14:hiddenLine xmlns:a14="http://schemas.microsoft.com/office/drawing/2010/main" xmlns="" w="9525">
                     <a:solidFill>
                       <a:srgbClr val="000000"/>
                     </a:solidFill>
@@ -10560,7 +10560,7 @@
               </a:ln>
               <a:extLst>
                 <a:ext uri="{91240B29-F687-4f45-9708-019B960494DF}">
-                  <a14:hiddenLine xmlns="" xmlns:a14="http://schemas.microsoft.com/office/drawing/2010/main" w="9525">
+                  <a14:hiddenLine xmlns:a14="http://schemas.microsoft.com/office/drawing/2010/main" xmlns="" w="9525">
                     <a:solidFill>
                       <a:srgbClr val="000000"/>
                     </a:solidFill>
@@ -10670,7 +10670,7 @@
               </a:ln>
               <a:extLst>
                 <a:ext uri="{91240B29-F687-4f45-9708-019B960494DF}">
-                  <a14:hiddenLine xmlns="" xmlns:a14="http://schemas.microsoft.com/office/drawing/2010/main" w="9525">
+                  <a14:hiddenLine xmlns:a14="http://schemas.microsoft.com/office/drawing/2010/main" xmlns="" w="9525">
                     <a:solidFill>
                       <a:srgbClr val="000000"/>
                     </a:solidFill>
@@ -10754,7 +10754,7 @@
               </a:ln>
               <a:extLst>
                 <a:ext uri="{91240B29-F687-4f45-9708-019B960494DF}">
-                  <a14:hiddenLine xmlns="" xmlns:a14="http://schemas.microsoft.com/office/drawing/2010/main" w="9525">
+                  <a14:hiddenLine xmlns:a14="http://schemas.microsoft.com/office/drawing/2010/main" xmlns="" w="9525">
                     <a:solidFill>
                       <a:srgbClr val="000000"/>
                     </a:solidFill>
@@ -10816,7 +10816,7 @@
               </a:ln>
               <a:extLst>
                 <a:ext uri="{91240B29-F687-4f45-9708-019B960494DF}">
-                  <a14:hiddenLine xmlns="" xmlns:a14="http://schemas.microsoft.com/office/drawing/2010/main" w="9525">
+                  <a14:hiddenLine xmlns:a14="http://schemas.microsoft.com/office/drawing/2010/main" xmlns="" w="9525">
                     <a:solidFill>
                       <a:srgbClr val="000000"/>
                     </a:solidFill>
@@ -10878,7 +10878,7 @@
               </a:ln>
               <a:extLst>
                 <a:ext uri="{91240B29-F687-4f45-9708-019B960494DF}">
-                  <a14:hiddenLine xmlns="" xmlns:a14="http://schemas.microsoft.com/office/drawing/2010/main" w="9525">
+                  <a14:hiddenLine xmlns:a14="http://schemas.microsoft.com/office/drawing/2010/main" xmlns="" w="9525">
                     <a:solidFill>
                       <a:srgbClr val="000000"/>
                     </a:solidFill>
@@ -10968,7 +10968,7 @@
               </a:ln>
               <a:extLst>
                 <a:ext uri="{91240B29-F687-4f45-9708-019B960494DF}">
-                  <a14:hiddenLine xmlns="" xmlns:a14="http://schemas.microsoft.com/office/drawing/2010/main" w="9525">
+                  <a14:hiddenLine xmlns:a14="http://schemas.microsoft.com/office/drawing/2010/main" xmlns="" w="9525">
                     <a:solidFill>
                       <a:srgbClr val="000000"/>
                     </a:solidFill>
@@ -11002,7 +11002,7 @@
               </a:ln>
               <a:extLst>
                 <a:ext uri="{91240B29-F687-4f45-9708-019B960494DF}">
-                  <a14:hiddenLine xmlns="" xmlns:a14="http://schemas.microsoft.com/office/drawing/2010/main" w="9525">
+                  <a14:hiddenLine xmlns:a14="http://schemas.microsoft.com/office/drawing/2010/main" xmlns="" w="9525">
                     <a:solidFill>
                       <a:srgbClr val="000000"/>
                     </a:solidFill>
@@ -11067,7 +11067,7 @@
               </a:ln>
               <a:extLst>
                 <a:ext uri="{91240B29-F687-4f45-9708-019B960494DF}">
-                  <a14:hiddenLine xmlns="" xmlns:a14="http://schemas.microsoft.com/office/drawing/2010/main" w="9525">
+                  <a14:hiddenLine xmlns:a14="http://schemas.microsoft.com/office/drawing/2010/main" xmlns="" w="9525">
                     <a:solidFill>
                       <a:srgbClr val="000000"/>
                     </a:solidFill>
@@ -11157,7 +11157,7 @@
               </a:ln>
               <a:extLst>
                 <a:ext uri="{91240B29-F687-4f45-9708-019B960494DF}">
-                  <a14:hiddenLine xmlns="" xmlns:a14="http://schemas.microsoft.com/office/drawing/2010/main" w="9525">
+                  <a14:hiddenLine xmlns:a14="http://schemas.microsoft.com/office/drawing/2010/main" xmlns="" w="9525">
                     <a:solidFill>
                       <a:srgbClr val="000000"/>
                     </a:solidFill>
@@ -11219,7 +11219,7 @@
               </a:ln>
               <a:extLst>
                 <a:ext uri="{91240B29-F687-4f45-9708-019B960494DF}">
-                  <a14:hiddenLine xmlns="" xmlns:a14="http://schemas.microsoft.com/office/drawing/2010/main" w="9525">
+                  <a14:hiddenLine xmlns:a14="http://schemas.microsoft.com/office/drawing/2010/main" xmlns="" w="9525">
                     <a:solidFill>
                       <a:srgbClr val="000000"/>
                     </a:solidFill>
@@ -11309,7 +11309,7 @@
               </a:ln>
               <a:extLst>
                 <a:ext uri="{91240B29-F687-4f45-9708-019B960494DF}">
-                  <a14:hiddenLine xmlns="" xmlns:a14="http://schemas.microsoft.com/office/drawing/2010/main" w="9525">
+                  <a14:hiddenLine xmlns:a14="http://schemas.microsoft.com/office/drawing/2010/main" xmlns="" w="9525">
                     <a:solidFill>
                       <a:srgbClr val="000000"/>
                     </a:solidFill>
@@ -11374,7 +11374,7 @@
               </a:ln>
               <a:extLst>
                 <a:ext uri="{91240B29-F687-4f45-9708-019B960494DF}">
-                  <a14:hiddenLine xmlns="" xmlns:a14="http://schemas.microsoft.com/office/drawing/2010/main" w="9525">
+                  <a14:hiddenLine xmlns:a14="http://schemas.microsoft.com/office/drawing/2010/main" xmlns="" w="9525">
                     <a:solidFill>
                       <a:srgbClr val="000000"/>
                     </a:solidFill>
@@ -11436,7 +11436,7 @@
               </a:ln>
               <a:extLst>
                 <a:ext uri="{91240B29-F687-4f45-9708-019B960494DF}">
-                  <a14:hiddenLine xmlns="" xmlns:a14="http://schemas.microsoft.com/office/drawing/2010/main" w="9525">
+                  <a14:hiddenLine xmlns:a14="http://schemas.microsoft.com/office/drawing/2010/main" xmlns="" w="9525">
                     <a:solidFill>
                       <a:srgbClr val="000000"/>
                     </a:solidFill>
@@ -11526,7 +11526,7 @@
               </a:ln>
               <a:extLst>
                 <a:ext uri="{91240B29-F687-4f45-9708-019B960494DF}">
-                  <a14:hiddenLine xmlns="" xmlns:a14="http://schemas.microsoft.com/office/drawing/2010/main" w="9525">
+                  <a14:hiddenLine xmlns:a14="http://schemas.microsoft.com/office/drawing/2010/main" xmlns="" w="9525">
                     <a:solidFill>
                       <a:srgbClr val="000000"/>
                     </a:solidFill>
@@ -11616,7 +11616,7 @@
               </a:ln>
               <a:extLst>
                 <a:ext uri="{91240B29-F687-4f45-9708-019B960494DF}">
-                  <a14:hiddenLine xmlns="" xmlns:a14="http://schemas.microsoft.com/office/drawing/2010/main" w="9525">
+                  <a14:hiddenLine xmlns:a14="http://schemas.microsoft.com/office/drawing/2010/main" xmlns="" w="9525">
                     <a:solidFill>
                       <a:srgbClr val="000000"/>
                     </a:solidFill>
@@ -11681,7 +11681,7 @@
               </a:ln>
               <a:extLst>
                 <a:ext uri="{91240B29-F687-4f45-9708-019B960494DF}">
-                  <a14:hiddenLine xmlns="" xmlns:a14="http://schemas.microsoft.com/office/drawing/2010/main" w="9525">
+                  <a14:hiddenLine xmlns:a14="http://schemas.microsoft.com/office/drawing/2010/main" xmlns="" w="9525">
                     <a:solidFill>
                       <a:srgbClr val="000000"/>
                     </a:solidFill>
@@ -11801,7 +11801,7 @@
               </a:ln>
               <a:extLst>
                 <a:ext uri="{91240B29-F687-4f45-9708-019B960494DF}">
-                  <a14:hiddenLine xmlns="" xmlns:a14="http://schemas.microsoft.com/office/drawing/2010/main" w="9525">
+                  <a14:hiddenLine xmlns:a14="http://schemas.microsoft.com/office/drawing/2010/main" xmlns="" w="9525">
                     <a:solidFill>
                       <a:srgbClr val="000000"/>
                     </a:solidFill>
@@ -11899,7 +11899,7 @@
               </a:ln>
               <a:extLst>
                 <a:ext uri="{91240B29-F687-4f45-9708-019B960494DF}">
-                  <a14:hiddenLine xmlns="" xmlns:a14="http://schemas.microsoft.com/office/drawing/2010/main" w="9525">
+                  <a14:hiddenLine xmlns:a14="http://schemas.microsoft.com/office/drawing/2010/main" xmlns="" w="9525">
                     <a:solidFill>
                       <a:srgbClr val="000000"/>
                     </a:solidFill>
@@ -12014,7 +12014,7 @@
               </a:ln>
               <a:extLst>
                 <a:ext uri="{91240B29-F687-4f45-9708-019B960494DF}">
-                  <a14:hiddenLine xmlns="" xmlns:a14="http://schemas.microsoft.com/office/drawing/2010/main" w="9525">
+                  <a14:hiddenLine xmlns:a14="http://schemas.microsoft.com/office/drawing/2010/main" xmlns="" w="9525">
                     <a:solidFill>
                       <a:srgbClr val="000000"/>
                     </a:solidFill>
@@ -12104,7 +12104,7 @@
               </a:ln>
               <a:extLst>
                 <a:ext uri="{91240B29-F687-4f45-9708-019B960494DF}">
-                  <a14:hiddenLine xmlns="" xmlns:a14="http://schemas.microsoft.com/office/drawing/2010/main" w="9525">
+                  <a14:hiddenLine xmlns:a14="http://schemas.microsoft.com/office/drawing/2010/main" xmlns="" w="9525">
                     <a:solidFill>
                       <a:srgbClr val="000000"/>
                     </a:solidFill>
@@ -12169,7 +12169,7 @@
               </a:ln>
               <a:extLst>
                 <a:ext uri="{91240B29-F687-4f45-9708-019B960494DF}">
-                  <a14:hiddenLine xmlns="" xmlns:a14="http://schemas.microsoft.com/office/drawing/2010/main" w="9525">
+                  <a14:hiddenLine xmlns:a14="http://schemas.microsoft.com/office/drawing/2010/main" xmlns="" w="9525">
                     <a:solidFill>
                       <a:srgbClr val="000000"/>
                     </a:solidFill>
@@ -12259,7 +12259,7 @@
               </a:ln>
               <a:extLst>
                 <a:ext uri="{91240B29-F687-4f45-9708-019B960494DF}">
-                  <a14:hiddenLine xmlns="" xmlns:a14="http://schemas.microsoft.com/office/drawing/2010/main" w="9525">
+                  <a14:hiddenLine xmlns:a14="http://schemas.microsoft.com/office/drawing/2010/main" xmlns="" w="9525">
                     <a:solidFill>
                       <a:srgbClr val="000000"/>
                     </a:solidFill>
@@ -12327,7 +12327,7 @@
               </a:ln>
               <a:extLst>
                 <a:ext uri="{91240B29-F687-4f45-9708-019B960494DF}">
-                  <a14:hiddenLine xmlns="" xmlns:a14="http://schemas.microsoft.com/office/drawing/2010/main" w="9525">
+                  <a14:hiddenLine xmlns:a14="http://schemas.microsoft.com/office/drawing/2010/main" xmlns="" w="9525">
                     <a:solidFill>
                       <a:srgbClr val="000000"/>
                     </a:solidFill>
@@ -12417,7 +12417,7 @@
               </a:ln>
               <a:extLst>
                 <a:ext uri="{91240B29-F687-4f45-9708-019B960494DF}">
-                  <a14:hiddenLine xmlns="" xmlns:a14="http://schemas.microsoft.com/office/drawing/2010/main" w="9525">
+                  <a14:hiddenLine xmlns:a14="http://schemas.microsoft.com/office/drawing/2010/main" xmlns="" w="9525">
                     <a:solidFill>
                       <a:srgbClr val="000000"/>
                     </a:solidFill>
@@ -12485,7 +12485,7 @@
               </a:ln>
               <a:extLst>
                 <a:ext uri="{91240B29-F687-4f45-9708-019B960494DF}">
-                  <a14:hiddenLine xmlns="" xmlns:a14="http://schemas.microsoft.com/office/drawing/2010/main" w="9525">
+                  <a14:hiddenLine xmlns:a14="http://schemas.microsoft.com/office/drawing/2010/main" xmlns="" w="9525">
                     <a:solidFill>
                       <a:srgbClr val="000000"/>
                     </a:solidFill>
@@ -12575,7 +12575,7 @@
               </a:ln>
               <a:extLst>
                 <a:ext uri="{91240B29-F687-4f45-9708-019B960494DF}">
-                  <a14:hiddenLine xmlns="" xmlns:a14="http://schemas.microsoft.com/office/drawing/2010/main" w="9525">
+                  <a14:hiddenLine xmlns:a14="http://schemas.microsoft.com/office/drawing/2010/main" xmlns="" w="9525">
                     <a:solidFill>
                       <a:srgbClr val="000000"/>
                     </a:solidFill>
@@ -12609,7 +12609,7 @@
               </a:ln>
               <a:extLst>
                 <a:ext uri="{91240B29-F687-4f45-9708-019B960494DF}">
-                  <a14:hiddenLine xmlns="" xmlns:a14="http://schemas.microsoft.com/office/drawing/2010/main" w="9525">
+                  <a14:hiddenLine xmlns:a14="http://schemas.microsoft.com/office/drawing/2010/main" xmlns="" w="9525">
                     <a:solidFill>
                       <a:srgbClr val="000000"/>
                     </a:solidFill>
@@ -12747,7 +12747,7 @@
             </a:lvl1pPr>
           </a:lstStyle>
           <a:p>
-            <a:fld id="{F152F613-0DEB-41F7-B52D-A6B7ECB99264}" type="datetime5">
+            <a:fld id="{51BF6E87-7C35-4215-B52B-448961059FA3}" type="datetime5">
               <a:rPr lang="en-US" smtClean="0"/>
               <a:t>30-Oct-18</a:t>
             </a:fld>
@@ -13154,7 +13154,7 @@
       </a:lvl9pPr>
     </p:otherStyle>
   </p:txStyles>
-  <p:extLst>
+  <p:extLst mod="1">
     <p:ext uri="{27BBF7A9-308A-43DC-89C8-2F10F3537804}">
       <p15:sldGuideLst xmlns:p15="http://schemas.microsoft.com/office/powerpoint/2012/main"/>
     </p:ext>
@@ -13222,7 +13222,7 @@
           <a:bodyPr/>
           <a:lstStyle/>
           <a:p>
-            <a:fld id="{8EF9BCB1-1005-48AF-8AB9-E441C7A3FECD}" type="datetime5">
+            <a:fld id="{FD314D29-D5F5-4344-BC62-08C5FBB88B3A}" type="datetime5">
               <a:rPr lang="en-US" smtClean="0"/>
               <a:t>30-Oct-18</a:t>
             </a:fld>
@@ -13389,8 +13389,12 @@
           <a:p>
             <a:pPr marL="800100" lvl="1" indent="-342900"/>
             <a:r>
+              <a:rPr lang="en-US" dirty="0"/>
+              <a:t>F</a:t>
+            </a:r>
+            <a:r>
               <a:rPr lang="en-US" dirty="0" smtClean="0"/>
-              <a:t>for </a:t>
+              <a:t>or </a:t>
             </a:r>
             <a:r>
               <a:rPr lang="en-US" dirty="0"/>
@@ -13404,8 +13408,12 @@
           <a:p>
             <a:pPr marL="800100" lvl="1" indent="-342900"/>
             <a:r>
+              <a:rPr lang="en-US" dirty="0"/>
+              <a:t>M</a:t>
+            </a:r>
+            <a:r>
               <a:rPr lang="en-US" dirty="0" smtClean="0"/>
-              <a:t>merge </a:t>
+              <a:t>erge </a:t>
             </a:r>
             <a:r>
               <a:rPr lang="en-US" dirty="0"/>
@@ -13454,7 +13462,7 @@
           <a:bodyPr/>
           <a:lstStyle/>
           <a:p>
-            <a:fld id="{F5D16C71-0B77-4984-8F5F-8B37C068E9D8}" type="datetime5">
+            <a:fld id="{6D178B70-030A-4925-9179-9FA0E5FC3FCC}" type="datetime5">
               <a:rPr lang="en-US" smtClean="0"/>
               <a:t>30-Oct-18</a:t>
             </a:fld>
@@ -13483,7 +13491,7 @@
           <a:lstStyle/>
           <a:p>
             <a:r>
-              <a:rPr lang="en-US" dirty="0" smtClean="0"/>
+              <a:rPr lang="en-US" smtClean="0"/>
               <a:t>AXP Internal</a:t>
             </a:r>
             <a:endParaRPr lang="en-US" dirty="0"/>
@@ -13735,7 +13743,7 @@
           <a:bodyPr/>
           <a:lstStyle/>
           <a:p>
-            <a:fld id="{6060838B-3CC3-46BE-9D9B-280D66B91A46}" type="datetime5">
+            <a:fld id="{904760EF-F758-480C-A1D9-F70291F89D1B}" type="datetime5">
               <a:rPr lang="en-US" smtClean="0"/>
               <a:t>30-Oct-18</a:t>
             </a:fld>
@@ -16937,9 +16945,9 @@
               <a:rPr lang="en-US" sz="2800" dirty="0" smtClean="0"/>
               <a:t>Release  </a:t>
             </a:r>
-          </a:p>
-          <a:p>
-            <a:pPr marL="342900" indent="-342900"/>
+            <a:endParaRPr lang="en-US" sz="2800" dirty="0" smtClean="0"/>
+          </a:p>
+          <a:p>
             <a:r>
               <a:rPr lang="en-US" sz="2800" dirty="0" smtClean="0"/>
               <a:t>Hotfix  </a:t>
@@ -16975,7 +16983,7 @@
           <a:bodyPr/>
           <a:lstStyle/>
           <a:p>
-            <a:fld id="{7E402BD3-EC5C-43D5-AB91-CC49B5B890E8}" type="datetime5">
+            <a:fld id="{0DA16F22-FB41-4656-8E81-F53642183D03}" type="datetime5">
               <a:rPr lang="en-US" smtClean="0"/>
               <a:t>30-Oct-18</a:t>
             </a:fld>
@@ -17004,7 +17012,7 @@
           <a:lstStyle/>
           <a:p>
             <a:r>
-              <a:rPr lang="en-US" dirty="0" smtClean="0"/>
+              <a:rPr lang="en-US" smtClean="0"/>
               <a:t>AXP Internal</a:t>
             </a:r>
             <a:endParaRPr lang="en-US" dirty="0"/>
@@ -17143,15 +17151,7 @@
                   <a:srgbClr val="FFFF00"/>
                 </a:solidFill>
               </a:rPr>
-              <a:t>(</a:t>
-            </a:r>
-            <a:r>
-              <a:rPr lang="en-US" sz="2000" dirty="0" smtClean="0">
-                <a:solidFill>
-                  <a:srgbClr val="FFFF00"/>
-                </a:solidFill>
-              </a:rPr>
-              <a:t>release/*)</a:t>
+              <a:t>(release/*)</a:t>
             </a:r>
             <a:endParaRPr lang="en-US" sz="2000" dirty="0">
               <a:solidFill>
@@ -17189,21 +17189,8 @@
                   <a:srgbClr val="FFFF00"/>
                 </a:solidFill>
               </a:rPr>
-              <a:t>(</a:t>
+              <a:t>(feature/*)</a:t>
             </a:r>
-            <a:r>
-              <a:rPr lang="en-US" sz="2000" dirty="0" smtClean="0">
-                <a:solidFill>
-                  <a:srgbClr val="FFFF00"/>
-                </a:solidFill>
-              </a:rPr>
-              <a:t>feature/*)</a:t>
-            </a:r>
-            <a:endParaRPr lang="en-US" sz="2000" dirty="0" smtClean="0">
-              <a:solidFill>
-                <a:srgbClr val="FFFF00"/>
-              </a:solidFill>
-            </a:endParaRPr>
           </a:p>
         </p:txBody>
       </p:sp>
@@ -17235,15 +17222,7 @@
                   <a:srgbClr val="FFFF00"/>
                 </a:solidFill>
               </a:rPr>
-              <a:t>(</a:t>
-            </a:r>
-            <a:r>
-              <a:rPr lang="en-US" sz="2000" smtClean="0">
-                <a:solidFill>
-                  <a:srgbClr val="FFFF00"/>
-                </a:solidFill>
-              </a:rPr>
-              <a:t>hotfix/*)</a:t>
+              <a:t>(hotfix/*)</a:t>
             </a:r>
             <a:endParaRPr lang="en-US" sz="2000" dirty="0">
               <a:solidFill>
@@ -18022,7 +18001,7 @@
           <a:bodyPr/>
           <a:lstStyle/>
           <a:p>
-            <a:fld id="{AFF162BE-2432-46E9-A7B5-ED1F3B2664CA}" type="datetime5">
+            <a:fld id="{5881F389-AB8B-4DD6-A95A-F3A973D9F483}" type="datetime5">
               <a:rPr lang="en-US" smtClean="0"/>
               <a:t>30-Oct-18</a:t>
             </a:fld>
@@ -18172,56 +18151,66 @@
             <a:pPr lvl="1"/>
             <a:r>
               <a:rPr lang="en-US" dirty="0" smtClean="0"/>
-              <a:t>Run </a:t>
+              <a:t>$</a:t>
+            </a:r>
+            <a:r>
+              <a:rPr lang="en-US" dirty="0" err="1" smtClean="0"/>
+              <a:t>git</a:t>
+            </a:r>
+            <a:r>
+              <a:rPr lang="en-US" dirty="0" smtClean="0"/>
+              <a:t> </a:t>
             </a:r>
             <a:r>
               <a:rPr lang="en-US" dirty="0"/>
-              <a:t>your tests, make sure the changes are what you </a:t>
+              <a:t>checkout </a:t>
             </a:r>
             <a:r>
               <a:rPr lang="en-US" dirty="0" smtClean="0"/>
-              <a:t>want</a:t>
+              <a:t>&lt;</a:t>
             </a:r>
-          </a:p>
-          <a:p>
-            <a:pPr lvl="1"/>
+            <a:r>
+              <a:rPr lang="en-US" dirty="0" err="1" smtClean="0"/>
+              <a:t>BranchName</a:t>
+            </a:r>
             <a:r>
               <a:rPr lang="en-US" dirty="0"/>
-              <a:t>Merge the branch back to the </a:t>
+              <a:t>&gt; e.g. </a:t>
             </a:r>
             <a:r>
               <a:rPr lang="en-US" dirty="0" smtClean="0"/>
-              <a:t>codebase</a:t>
+              <a:t>develop</a:t>
             </a:r>
           </a:p>
           <a:p>
-            <a:pPr lvl="2"/>
+            <a:pPr lvl="1"/>
             <a:r>
-              <a:rPr lang="en-US" dirty="0"/>
+              <a:rPr lang="en-US" dirty="0" smtClean="0"/>
               <a:t>$</a:t>
             </a:r>
             <a:r>
-              <a:rPr lang="en-US" dirty="0" err="1"/>
+              <a:rPr lang="en-US" dirty="0" err="1" smtClean="0"/>
               <a:t>git</a:t>
             </a:r>
             <a:r>
-              <a:rPr lang="en-US" dirty="0"/>
-              <a:t> checkout &lt;branch name&gt; e.g. develop</a:t>
-            </a:r>
-          </a:p>
-          <a:p>
-            <a:pPr lvl="2"/>
-            <a:r>
-              <a:rPr lang="en-US" dirty="0"/>
-              <a:t>$</a:t>
-            </a:r>
-            <a:r>
-              <a:rPr lang="en-US" dirty="0" err="1"/>
-              <a:t>git</a:t>
+              <a:rPr lang="en-US" dirty="0" smtClean="0"/>
+              <a:t> </a:t>
             </a:r>
             <a:r>
               <a:rPr lang="en-US" dirty="0"/>
-              <a:t> merge &lt;branch name&gt; e.g. </a:t>
+              <a:t>merge </a:t>
+            </a:r>
+            <a:r>
+              <a:rPr lang="en-US" dirty="0" smtClean="0"/>
+              <a:t>&lt;</a:t>
+            </a:r>
+            <a:r>
+              <a:rPr lang="en-US" dirty="0" err="1" smtClean="0"/>
+              <a:t>BranchName</a:t>
+            </a:r>
+            <a:r>
+              <a:rPr lang="en-US" dirty="0"/>
+              <a:t>&gt; e.g. </a:t>
             </a:r>
             <a:r>
               <a:rPr lang="en-US" dirty="0" smtClean="0"/>
@@ -18280,7 +18269,7 @@
           <a:bodyPr/>
           <a:lstStyle/>
           <a:p>
-            <a:fld id="{B419DFC4-EF8B-4A0A-8D27-213A727403F7}" type="datetime5">
+            <a:fld id="{086267A3-4B63-4080-893D-AB1989816E6A}" type="datetime5">
               <a:rPr lang="en-US" smtClean="0"/>
               <a:t>30-Oct-18</a:t>
             </a:fld>
@@ -18386,7 +18375,7 @@
           <a:bodyPr/>
           <a:lstStyle/>
           <a:p>
-            <a:fld id="{01F663C3-B7A2-440C-A958-83A32319F230}" type="datetime5">
+            <a:fld id="{A7CB52F8-929A-477B-AA29-8978ABF03B00}" type="datetime5">
               <a:rPr lang="en-US" smtClean="0"/>
               <a:t>30-Oct-18</a:t>
             </a:fld>
@@ -18529,8 +18518,8 @@
         </p:blipFill>
         <p:spPr>
           <a:xfrm>
-            <a:off x="2008909" y="36720"/>
-            <a:ext cx="5147291" cy="5846555"/>
+            <a:off x="1931907" y="972151"/>
+            <a:ext cx="5147291" cy="4718618"/>
           </a:xfrm>
           <a:prstGeom prst="rect">
             <a:avLst/>
@@ -18552,7 +18541,7 @@
           <a:bodyPr/>
           <a:lstStyle/>
           <a:p>
-            <a:fld id="{95F41711-3DD8-4CEE-AA59-C9DAEACD0E85}" type="datetime5">
+            <a:fld id="{E9BBFA9E-BC38-46F4-B8C7-298D80D494F9}" type="datetime5">
               <a:rPr lang="en-US" smtClean="0"/>
               <a:t>30-Oct-18</a:t>
             </a:fld>
@@ -18658,7 +18647,7 @@
           <a:bodyPr/>
           <a:lstStyle/>
           <a:p>
-            <a:fld id="{1D61FDDE-7909-4850-98DB-16F1F711BCF7}" type="datetime5">
+            <a:fld id="{9069892B-FEFC-4F3D-AAB7-150792B871DF}" type="datetime5">
               <a:rPr lang="en-US" smtClean="0"/>
               <a:t>30-Oct-18</a:t>
             </a:fld>
@@ -18940,7 +18929,7 @@
           <a:bodyPr/>
           <a:lstStyle/>
           <a:p>
-            <a:fld id="{FCE539C4-FA81-4D2A-B71C-A5DE9420EB07}" type="datetime5">
+            <a:fld id="{6A28382B-ABF9-4E39-A384-A0C28B7772ED}" type="datetime5">
               <a:rPr lang="en-US" smtClean="0"/>
               <a:t>30-Oct-18</a:t>
             </a:fld>
@@ -19417,7 +19406,7 @@
           <a:bodyPr/>
           <a:lstStyle/>
           <a:p>
-            <a:fld id="{E3B41911-0541-4495-9678-306C11D8FD9F}" type="datetime5">
+            <a:fld id="{AD92E727-FD61-4BDA-9422-3FC25BDBF840}" type="datetime5">
               <a:rPr lang="en-US" smtClean="0"/>
               <a:t>30-Oct-18</a:t>
             </a:fld>
@@ -19867,23 +19856,6 @@
               <a:rPr lang="en-US" dirty="0" smtClean="0"/>
               <a:t>master</a:t>
             </a:r>
-          </a:p>
-          <a:p>
-            <a:pPr lvl="1"/>
-            <a:r>
-              <a:rPr lang="en-US" dirty="0" smtClean="0"/>
-              <a:t>Primary </a:t>
-            </a:r>
-            <a:r>
-              <a:rPr lang="en-US" dirty="0"/>
-              <a:t>working branch for the </a:t>
-            </a:r>
-            <a:r>
-              <a:rPr lang="en-US" dirty="0" smtClean="0"/>
-              <a:t>team</a:t>
-            </a:r>
-          </a:p>
-          <a:p>
             <a:endParaRPr lang="en-US" dirty="0"/>
           </a:p>
           <a:p>
@@ -19915,7 +19887,7 @@
           <a:bodyPr/>
           <a:lstStyle/>
           <a:p>
-            <a:fld id="{DA4441A7-B720-47A6-A4EC-F91AA552B9F6}" type="datetime5">
+            <a:fld id="{EEC10A36-203F-4DE8-AABC-430E018C995F}" type="datetime5">
               <a:rPr lang="en-US" smtClean="0"/>
               <a:t>30-Oct-18</a:t>
             </a:fld>
@@ -20230,37 +20202,6 @@
                                           <p:spTgt spid="3">
                                             <p:txEl>
                                               <p:pRg st="6" end="6"/>
-                                            </p:txEl>
-                                          </p:spTgt>
-                                        </p:tgtEl>
-                                        <p:attrNameLst>
-                                          <p:attrName>style.visibility</p:attrName>
-                                        </p:attrNameLst>
-                                      </p:cBhvr>
-                                      <p:to>
-                                        <p:strVal val="visible"/>
-                                      </p:to>
-                                    </p:set>
-                                  </p:childTnLst>
-                                </p:cTn>
-                              </p:par>
-                              <p:par>
-                                <p:cTn id="21" presetID="1" presetClass="entr" presetSubtype="0" fill="hold" nodeType="withEffect">
-                                  <p:stCondLst>
-                                    <p:cond delay="0"/>
-                                  </p:stCondLst>
-                                  <p:childTnLst>
-                                    <p:set>
-                                      <p:cBhvr>
-                                        <p:cTn id="22" dur="1" fill="hold">
-                                          <p:stCondLst>
-                                            <p:cond delay="0"/>
-                                          </p:stCondLst>
-                                        </p:cTn>
-                                        <p:tgtEl>
-                                          <p:spTgt spid="3">
-                                            <p:txEl>
-                                              <p:pRg st="7" end="7"/>
                                             </p:txEl>
                                           </p:spTgt>
                                         </p:tgtEl>
@@ -20338,7 +20279,7 @@
           <a:bodyPr/>
           <a:lstStyle/>
           <a:p>
-            <a:fld id="{29144DFC-0AAD-4832-8A42-6865DDF6A1BB}" type="datetime5">
+            <a:fld id="{D0B69C70-D161-4F99-86D6-A57A49FAB2F2}" type="datetime5">
               <a:rPr lang="en-US" smtClean="0"/>
               <a:t>30-Oct-18</a:t>
             </a:fld>
@@ -22144,25 +22085,30 @@
             </a:r>
             <a:r>
               <a:rPr lang="en-US" dirty="0" smtClean="0"/>
-              <a:t>release, branched from develop</a:t>
+              <a:t>release, branched from </a:t>
             </a:r>
+            <a:r>
+              <a:rPr lang="en-US" dirty="0" smtClean="0"/>
+              <a:t>develop</a:t>
+            </a:r>
+          </a:p>
+          <a:p>
+            <a:pPr marL="800100" lvl="1" indent="-342900"/>
+            <a:r>
+              <a:rPr lang="en-US" dirty="0"/>
+              <a:t>Merge back into </a:t>
+            </a:r>
+            <a:r>
+              <a:rPr lang="en-US" dirty="0" smtClean="0"/>
+              <a:t>develop</a:t>
+            </a:r>
+            <a:endParaRPr lang="en-US" dirty="0" smtClean="0"/>
           </a:p>
           <a:p>
             <a:pPr lvl="1"/>
             <a:r>
               <a:rPr lang="en-US" dirty="0"/>
               <a:t>  Primary working branches for an individual(s)</a:t>
-            </a:r>
-          </a:p>
-          <a:p>
-            <a:pPr lvl="1"/>
-            <a:r>
-              <a:rPr lang="en-US" dirty="0" smtClean="0"/>
-              <a:t>  Merge </a:t>
-            </a:r>
-            <a:r>
-              <a:rPr lang="en-US" dirty="0"/>
-              <a:t>back into develop</a:t>
             </a:r>
           </a:p>
           <a:p>
@@ -22219,7 +22165,7 @@
           <a:bodyPr/>
           <a:lstStyle/>
           <a:p>
-            <a:fld id="{19DBFDF4-ACC0-4652-911D-4A0A8D1B29E3}" type="datetime5">
+            <a:fld id="{108B1F66-8AAE-4530-BF81-6A766AC95C79}" type="datetime5">
               <a:rPr lang="en-US" smtClean="0"/>
               <a:t>30-Oct-18</a:t>
             </a:fld>
@@ -22593,7 +22539,7 @@
           <a:bodyPr/>
           <a:lstStyle/>
           <a:p>
-            <a:fld id="{C2F4BDBC-509E-4D8A-A3E9-E40852C4E63C}" type="datetime5">
+            <a:fld id="{EC619349-ECA5-4A76-A2C2-A0479D105BC6}" type="datetime5">
               <a:rPr lang="en-US" smtClean="0"/>
               <a:t>30-Oct-18</a:t>
             </a:fld>
@@ -23884,44 +23830,6 @@
       </p:cxnSp>
       <p:sp>
         <p:nvSpPr>
-          <p:cNvPr id="42" name="Multiply 41"/>
-          <p:cNvSpPr/>
-          <p:nvPr/>
-        </p:nvSpPr>
-        <p:spPr>
-          <a:xfrm>
-            <a:off x="3772508" y="1527227"/>
-            <a:ext cx="1552279" cy="4559802"/>
-          </a:xfrm>
-          <a:prstGeom prst="mathMultiply">
-            <a:avLst/>
-          </a:prstGeom>
-        </p:spPr>
-        <p:style>
-          <a:lnRef idx="1">
-            <a:schemeClr val="accent1"/>
-          </a:lnRef>
-          <a:fillRef idx="3">
-            <a:schemeClr val="accent1"/>
-          </a:fillRef>
-          <a:effectRef idx="2">
-            <a:schemeClr val="accent1"/>
-          </a:effectRef>
-          <a:fontRef idx="minor">
-            <a:schemeClr val="lt1"/>
-          </a:fontRef>
-        </p:style>
-        <p:txBody>
-          <a:bodyPr rtlCol="0" anchor="ctr"/>
-          <a:lstStyle/>
-          <a:p>
-            <a:pPr algn="ctr"/>
-            <a:endParaRPr lang="en-US"/>
-          </a:p>
-        </p:txBody>
-      </p:sp>
-      <p:sp>
-        <p:nvSpPr>
           <p:cNvPr id="44" name="Rounded Rectangular Callout 43"/>
           <p:cNvSpPr/>
           <p:nvPr/>
@@ -26250,59 +26158,6 @@
                                         </p:tav>
                                       </p:tavLst>
                                     </p:anim>
-                                  </p:childTnLst>
-                                </p:cTn>
-                              </p:par>
-                            </p:childTnLst>
-                          </p:cTn>
-                        </p:par>
-                      </p:childTnLst>
-                    </p:cTn>
-                  </p:par>
-                  <p:par>
-                    <p:cTn id="136" fill="hold">
-                      <p:stCondLst>
-                        <p:cond delay="indefinite"/>
-                      </p:stCondLst>
-                      <p:childTnLst>
-                        <p:par>
-                          <p:cTn id="137" fill="hold">
-                            <p:stCondLst>
-                              <p:cond delay="0"/>
-                            </p:stCondLst>
-                            <p:childTnLst>
-                              <p:par>
-                                <p:cTn id="138" presetID="10" presetClass="entr" presetSubtype="0" fill="hold" grpId="0" nodeType="clickEffect">
-                                  <p:stCondLst>
-                                    <p:cond delay="0"/>
-                                  </p:stCondLst>
-                                  <p:childTnLst>
-                                    <p:set>
-                                      <p:cBhvr>
-                                        <p:cTn id="139" dur="1" fill="hold">
-                                          <p:stCondLst>
-                                            <p:cond delay="0"/>
-                                          </p:stCondLst>
-                                        </p:cTn>
-                                        <p:tgtEl>
-                                          <p:spTgt spid="42"/>
-                                        </p:tgtEl>
-                                        <p:attrNameLst>
-                                          <p:attrName>style.visibility</p:attrName>
-                                        </p:attrNameLst>
-                                      </p:cBhvr>
-                                      <p:to>
-                                        <p:strVal val="visible"/>
-                                      </p:to>
-                                    </p:set>
-                                    <p:animEffect transition="in" filter="fade">
-                                      <p:cBhvr>
-                                        <p:cTn id="140" dur="500"/>
-                                        <p:tgtEl>
-                                          <p:spTgt spid="42"/>
-                                        </p:tgtEl>
-                                      </p:cBhvr>
-                                    </p:animEffect>
                                   </p:childTnLst>
                                 </p:cTn>
                               </p:par>
@@ -26351,7 +26206,6 @@
       <p:bldP spid="8" grpId="0" animBg="1"/>
       <p:bldP spid="9" grpId="0"/>
       <p:bldP spid="10" grpId="0" animBg="1"/>
-      <p:bldP spid="42" grpId="0" animBg="1"/>
       <p:bldP spid="44" grpId="0" animBg="1"/>
       <p:bldP spid="45" grpId="0" animBg="1"/>
     </p:bldLst>
@@ -26552,7 +26406,7 @@
           <a:bodyPr/>
           <a:lstStyle/>
           <a:p>
-            <a:fld id="{7972DEB3-2850-4D55-916B-527BD0167595}" type="datetime5">
+            <a:fld id="{BC4AEE0F-E520-4C2B-A7E7-ED08D9180E3E}" type="datetime5">
               <a:rPr lang="en-US" smtClean="0"/>
               <a:t>30-Oct-18</a:t>
             </a:fld>
@@ -26581,7 +26435,7 @@
           <a:lstStyle/>
           <a:p>
             <a:r>
-              <a:rPr lang="en-US" dirty="0" smtClean="0"/>
+              <a:rPr lang="en-US" smtClean="0"/>
               <a:t>AXP Internal</a:t>
             </a:r>
             <a:endParaRPr lang="en-US" dirty="0"/>
@@ -26926,7 +26780,7 @@
           <a:bodyPr/>
           <a:lstStyle/>
           <a:p>
-            <a:fld id="{254F32D9-EDA3-4A3C-9591-3F6A92B31F45}" type="datetime5">
+            <a:fld id="{14D23E15-423C-4B27-9A8D-DEC587CB47E4}" type="datetime5">
               <a:rPr lang="en-US" smtClean="0"/>
               <a:t>30-Oct-18</a:t>
             </a:fld>

--- a/Branching.pptx
+++ b/Branching.pptx
@@ -5,10 +5,10 @@
     <p:sldMasterId id="2147483831" r:id="rId1"/>
   </p:sldMasterIdLst>
   <p:notesMasterIdLst>
-    <p:notesMasterId r:id="rId19"/>
+    <p:notesMasterId r:id="rId17"/>
   </p:notesMasterIdLst>
   <p:handoutMasterIdLst>
-    <p:handoutMasterId r:id="rId20"/>
+    <p:handoutMasterId r:id="rId18"/>
   </p:handoutMasterIdLst>
   <p:sldIdLst>
     <p:sldId id="256" r:id="rId2"/>
@@ -25,9 +25,7 @@
     <p:sldId id="295" r:id="rId13"/>
     <p:sldId id="269" r:id="rId14"/>
     <p:sldId id="262" r:id="rId15"/>
-    <p:sldId id="299" r:id="rId16"/>
-    <p:sldId id="257" r:id="rId17"/>
-    <p:sldId id="298" r:id="rId18"/>
+    <p:sldId id="298" r:id="rId16"/>
   </p:sldIdLst>
   <p:sldSz cx="9144000" cy="6858000" type="screen4x3"/>
   <p:notesSz cx="7010400" cy="9296400"/>
@@ -714,6 +712,600 @@
           <a:bodyPr/>
           <a:lstStyle/>
           <a:p>
+            <a:pPr marL="228600" indent="-228600">
+              <a:buFont typeface="+mj-lt"/>
+              <a:buAutoNum type="arabicPeriod"/>
+            </a:pPr>
+            <a:r>
+              <a:rPr lang="en-US" sz="800" dirty="0" smtClean="0"/>
+              <a:t>It’s so</a:t>
+            </a:r>
+            <a:r>
+              <a:rPr lang="en-US" sz="800" baseline="0" dirty="0" smtClean="0"/>
+              <a:t> easy to do</a:t>
+            </a:r>
+            <a:endParaRPr lang="en-US" sz="800" dirty="0" smtClean="0"/>
+          </a:p>
+          <a:p>
+            <a:pPr marL="228600" indent="-228600">
+              <a:buFont typeface="+mj-lt"/>
+              <a:buAutoNum type="arabicPeriod"/>
+            </a:pPr>
+            <a:r>
+              <a:rPr lang="en-US" sz="800" dirty="0" smtClean="0"/>
+              <a:t>Help us dealing</a:t>
+            </a:r>
+            <a:r>
+              <a:rPr lang="en-US" sz="800" baseline="0" dirty="0" smtClean="0"/>
+              <a:t> with production release, hotfixes, feature fix</a:t>
+            </a:r>
+            <a:endParaRPr lang="en-US" sz="800" dirty="0" smtClean="0"/>
+          </a:p>
+          <a:p>
+            <a:pPr marL="228600" indent="-228600">
+              <a:buFont typeface="+mj-lt"/>
+              <a:buAutoNum type="arabicPeriod"/>
+            </a:pPr>
+            <a:r>
+              <a:rPr lang="en-US" sz="800" dirty="0" smtClean="0"/>
+              <a:t>Everyone is on the same</a:t>
+            </a:r>
+            <a:r>
+              <a:rPr lang="en-US" sz="800" baseline="0" dirty="0" smtClean="0"/>
+              <a:t> page</a:t>
+            </a:r>
+          </a:p>
+          <a:p>
+            <a:pPr marL="228600" indent="-228600">
+              <a:buFont typeface="+mj-lt"/>
+              <a:buAutoNum type="arabicPeriod"/>
+            </a:pPr>
+            <a:r>
+              <a:rPr lang="en-US" sz="800" baseline="0" dirty="0" smtClean="0"/>
+              <a:t>Find best solution fit our team</a:t>
+            </a:r>
+          </a:p>
+          <a:p>
+            <a:pPr marL="228600" indent="-228600">
+              <a:buFont typeface="+mj-lt"/>
+              <a:buAutoNum type="arabicPeriod"/>
+            </a:pPr>
+            <a:r>
+              <a:rPr lang="en-US" sz="800" baseline="0" dirty="0" smtClean="0"/>
+              <a:t>Has everyone had experience before</a:t>
+            </a:r>
+            <a:endParaRPr lang="en-US" sz="800" dirty="0"/>
+          </a:p>
+        </p:txBody>
+      </p:sp>
+      <p:sp>
+        <p:nvSpPr>
+          <p:cNvPr id="4" name="Date Placeholder 3"/>
+          <p:cNvSpPr>
+            <a:spLocks noGrp="1"/>
+          </p:cNvSpPr>
+          <p:nvPr>
+            <p:ph type="dt" idx="10"/>
+          </p:nvPr>
+        </p:nvSpPr>
+        <p:spPr/>
+        <p:txBody>
+          <a:bodyPr/>
+          <a:lstStyle/>
+          <a:p>
+            <a:fld id="{DCE462EF-63BA-4033-BAAB-21EA0B460D1E}" type="datetime5">
+              <a:rPr lang="en-US" smtClean="0"/>
+              <a:t>30-Oct-18</a:t>
+            </a:fld>
+            <a:endParaRPr lang="en-US"/>
+          </a:p>
+        </p:txBody>
+      </p:sp>
+      <p:sp>
+        <p:nvSpPr>
+          <p:cNvPr id="5" name="Footer Placeholder 4"/>
+          <p:cNvSpPr>
+            <a:spLocks noGrp="1"/>
+          </p:cNvSpPr>
+          <p:nvPr>
+            <p:ph type="ftr" sz="quarter" idx="11"/>
+          </p:nvPr>
+        </p:nvSpPr>
+        <p:spPr/>
+        <p:txBody>
+          <a:bodyPr/>
+          <a:lstStyle/>
+          <a:p>
+            <a:r>
+              <a:rPr lang="en-US" smtClean="0"/>
+              <a:t>AXP Internal</a:t>
+            </a:r>
+            <a:endParaRPr lang="en-US"/>
+          </a:p>
+        </p:txBody>
+      </p:sp>
+      <p:sp>
+        <p:nvSpPr>
+          <p:cNvPr id="6" name="Slide Number Placeholder 5"/>
+          <p:cNvSpPr>
+            <a:spLocks noGrp="1"/>
+          </p:cNvSpPr>
+          <p:nvPr>
+            <p:ph type="sldNum" sz="quarter" idx="12"/>
+          </p:nvPr>
+        </p:nvSpPr>
+        <p:spPr/>
+        <p:txBody>
+          <a:bodyPr/>
+          <a:lstStyle/>
+          <a:p>
+            <a:fld id="{BDC5FBE7-89E0-43FB-9F89-F2A2958ED390}" type="slidenum">
+              <a:rPr lang="en-US" smtClean="0"/>
+              <a:t>1</a:t>
+            </a:fld>
+            <a:endParaRPr lang="en-US"/>
+          </a:p>
+        </p:txBody>
+      </p:sp>
+    </p:spTree>
+    <p:extLst>
+      <p:ext uri="{BB962C8B-B14F-4D97-AF65-F5344CB8AC3E}">
+        <p14:creationId xmlns:p14="http://schemas.microsoft.com/office/powerpoint/2010/main" val="1631815708"/>
+      </p:ext>
+    </p:extLst>
+  </p:cSld>
+  <p:clrMapOvr>
+    <a:masterClrMapping/>
+  </p:clrMapOvr>
+</p:notes>
+</file>
+
+<file path=ppt/notesSlides/notesSlide2.xml><?xml version="1.0" encoding="utf-8"?>
+<p:notes xmlns:a="http://schemas.openxmlformats.org/drawingml/2006/main" xmlns:r="http://schemas.openxmlformats.org/officeDocument/2006/relationships" xmlns:p="http://schemas.openxmlformats.org/presentationml/2006/main">
+  <p:cSld>
+    <p:spTree>
+      <p:nvGrpSpPr>
+        <p:cNvPr id="1" name=""/>
+        <p:cNvGrpSpPr/>
+        <p:nvPr/>
+      </p:nvGrpSpPr>
+      <p:grpSpPr>
+        <a:xfrm>
+          <a:off x="0" y="0"/>
+          <a:ext cx="0" cy="0"/>
+          <a:chOff x="0" y="0"/>
+          <a:chExt cx="0" cy="0"/>
+        </a:xfrm>
+      </p:grpSpPr>
+      <p:sp>
+        <p:nvSpPr>
+          <p:cNvPr id="2" name="Slide Image Placeholder 1"/>
+          <p:cNvSpPr>
+            <a:spLocks noGrp="1" noRot="1" noChangeAspect="1"/>
+          </p:cNvSpPr>
+          <p:nvPr>
+            <p:ph type="sldImg"/>
+          </p:nvPr>
+        </p:nvSpPr>
+        <p:spPr/>
+      </p:sp>
+      <p:sp>
+        <p:nvSpPr>
+          <p:cNvPr id="3" name="Notes Placeholder 2"/>
+          <p:cNvSpPr>
+            <a:spLocks noGrp="1"/>
+          </p:cNvSpPr>
+          <p:nvPr>
+            <p:ph type="body" idx="1"/>
+          </p:nvPr>
+        </p:nvSpPr>
+        <p:spPr/>
+        <p:txBody>
+          <a:bodyPr/>
+          <a:lstStyle/>
+          <a:p>
+            <a:endParaRPr lang="en-US" dirty="0"/>
+          </a:p>
+        </p:txBody>
+      </p:sp>
+      <p:sp>
+        <p:nvSpPr>
+          <p:cNvPr id="4" name="Date Placeholder 3"/>
+          <p:cNvSpPr>
+            <a:spLocks noGrp="1"/>
+          </p:cNvSpPr>
+          <p:nvPr>
+            <p:ph type="dt" idx="10"/>
+          </p:nvPr>
+        </p:nvSpPr>
+        <p:spPr/>
+        <p:txBody>
+          <a:bodyPr/>
+          <a:lstStyle/>
+          <a:p>
+            <a:fld id="{DCE462EF-63BA-4033-BAAB-21EA0B460D1E}" type="datetime5">
+              <a:rPr lang="en-US" smtClean="0"/>
+              <a:t>30-Oct-18</a:t>
+            </a:fld>
+            <a:endParaRPr lang="en-US"/>
+          </a:p>
+        </p:txBody>
+      </p:sp>
+      <p:sp>
+        <p:nvSpPr>
+          <p:cNvPr id="5" name="Footer Placeholder 4"/>
+          <p:cNvSpPr>
+            <a:spLocks noGrp="1"/>
+          </p:cNvSpPr>
+          <p:nvPr>
+            <p:ph type="ftr" sz="quarter" idx="11"/>
+          </p:nvPr>
+        </p:nvSpPr>
+        <p:spPr/>
+        <p:txBody>
+          <a:bodyPr/>
+          <a:lstStyle/>
+          <a:p>
+            <a:r>
+              <a:rPr lang="en-US" smtClean="0"/>
+              <a:t>AXP Internal</a:t>
+            </a:r>
+            <a:endParaRPr lang="en-US"/>
+          </a:p>
+        </p:txBody>
+      </p:sp>
+      <p:sp>
+        <p:nvSpPr>
+          <p:cNvPr id="6" name="Slide Number Placeholder 5"/>
+          <p:cNvSpPr>
+            <a:spLocks noGrp="1"/>
+          </p:cNvSpPr>
+          <p:nvPr>
+            <p:ph type="sldNum" sz="quarter" idx="12"/>
+          </p:nvPr>
+        </p:nvSpPr>
+        <p:spPr/>
+        <p:txBody>
+          <a:bodyPr/>
+          <a:lstStyle/>
+          <a:p>
+            <a:fld id="{BDC5FBE7-89E0-43FB-9F89-F2A2958ED390}" type="slidenum">
+              <a:rPr lang="en-US" smtClean="0"/>
+              <a:t>2</a:t>
+            </a:fld>
+            <a:endParaRPr lang="en-US"/>
+          </a:p>
+        </p:txBody>
+      </p:sp>
+    </p:spTree>
+    <p:extLst>
+      <p:ext uri="{BB962C8B-B14F-4D97-AF65-F5344CB8AC3E}">
+        <p14:creationId xmlns:p14="http://schemas.microsoft.com/office/powerpoint/2010/main" val="3785337858"/>
+      </p:ext>
+    </p:extLst>
+  </p:cSld>
+  <p:clrMapOvr>
+    <a:masterClrMapping/>
+  </p:clrMapOvr>
+</p:notes>
+</file>
+
+<file path=ppt/notesSlides/notesSlide3.xml><?xml version="1.0" encoding="utf-8"?>
+<p:notes xmlns:a="http://schemas.openxmlformats.org/drawingml/2006/main" xmlns:r="http://schemas.openxmlformats.org/officeDocument/2006/relationships" xmlns:p="http://schemas.openxmlformats.org/presentationml/2006/main">
+  <p:cSld>
+    <p:spTree>
+      <p:nvGrpSpPr>
+        <p:cNvPr id="1" name=""/>
+        <p:cNvGrpSpPr/>
+        <p:nvPr/>
+      </p:nvGrpSpPr>
+      <p:grpSpPr>
+        <a:xfrm>
+          <a:off x="0" y="0"/>
+          <a:ext cx="0" cy="0"/>
+          <a:chOff x="0" y="0"/>
+          <a:chExt cx="0" cy="0"/>
+        </a:xfrm>
+      </p:grpSpPr>
+      <p:sp>
+        <p:nvSpPr>
+          <p:cNvPr id="2" name="Slide Image Placeholder 1"/>
+          <p:cNvSpPr>
+            <a:spLocks noGrp="1" noRot="1" noChangeAspect="1"/>
+          </p:cNvSpPr>
+          <p:nvPr>
+            <p:ph type="sldImg"/>
+          </p:nvPr>
+        </p:nvSpPr>
+        <p:spPr/>
+      </p:sp>
+      <p:sp>
+        <p:nvSpPr>
+          <p:cNvPr id="3" name="Notes Placeholder 2"/>
+          <p:cNvSpPr>
+            <a:spLocks noGrp="1"/>
+          </p:cNvSpPr>
+          <p:nvPr>
+            <p:ph type="body" idx="1"/>
+          </p:nvPr>
+        </p:nvSpPr>
+        <p:spPr/>
+        <p:txBody>
+          <a:bodyPr/>
+          <a:lstStyle/>
+          <a:p>
+            <a:r>
+              <a:rPr lang="en-US" dirty="0" smtClean="0"/>
+              <a:t>All the problems can be solved</a:t>
+            </a:r>
+            <a:endParaRPr lang="en-US" dirty="0"/>
+          </a:p>
+        </p:txBody>
+      </p:sp>
+      <p:sp>
+        <p:nvSpPr>
+          <p:cNvPr id="4" name="Date Placeholder 3"/>
+          <p:cNvSpPr>
+            <a:spLocks noGrp="1"/>
+          </p:cNvSpPr>
+          <p:nvPr>
+            <p:ph type="dt" idx="10"/>
+          </p:nvPr>
+        </p:nvSpPr>
+        <p:spPr/>
+        <p:txBody>
+          <a:bodyPr/>
+          <a:lstStyle/>
+          <a:p>
+            <a:fld id="{DCE462EF-63BA-4033-BAAB-21EA0B460D1E}" type="datetime5">
+              <a:rPr lang="en-US" smtClean="0"/>
+              <a:t>30-Oct-18</a:t>
+            </a:fld>
+            <a:endParaRPr lang="en-US"/>
+          </a:p>
+        </p:txBody>
+      </p:sp>
+      <p:sp>
+        <p:nvSpPr>
+          <p:cNvPr id="5" name="Footer Placeholder 4"/>
+          <p:cNvSpPr>
+            <a:spLocks noGrp="1"/>
+          </p:cNvSpPr>
+          <p:nvPr>
+            <p:ph type="ftr" sz="quarter" idx="11"/>
+          </p:nvPr>
+        </p:nvSpPr>
+        <p:spPr/>
+        <p:txBody>
+          <a:bodyPr/>
+          <a:lstStyle/>
+          <a:p>
+            <a:r>
+              <a:rPr lang="en-US" smtClean="0"/>
+              <a:t>AXP Internal</a:t>
+            </a:r>
+            <a:endParaRPr lang="en-US"/>
+          </a:p>
+        </p:txBody>
+      </p:sp>
+      <p:sp>
+        <p:nvSpPr>
+          <p:cNvPr id="6" name="Slide Number Placeholder 5"/>
+          <p:cNvSpPr>
+            <a:spLocks noGrp="1"/>
+          </p:cNvSpPr>
+          <p:nvPr>
+            <p:ph type="sldNum" sz="quarter" idx="12"/>
+          </p:nvPr>
+        </p:nvSpPr>
+        <p:spPr/>
+        <p:txBody>
+          <a:bodyPr/>
+          <a:lstStyle/>
+          <a:p>
+            <a:fld id="{BDC5FBE7-89E0-43FB-9F89-F2A2958ED390}" type="slidenum">
+              <a:rPr lang="en-US" smtClean="0"/>
+              <a:t>3</a:t>
+            </a:fld>
+            <a:endParaRPr lang="en-US"/>
+          </a:p>
+        </p:txBody>
+      </p:sp>
+    </p:spTree>
+    <p:extLst>
+      <p:ext uri="{BB962C8B-B14F-4D97-AF65-F5344CB8AC3E}">
+        <p14:creationId xmlns:p14="http://schemas.microsoft.com/office/powerpoint/2010/main" val="1792303213"/>
+      </p:ext>
+    </p:extLst>
+  </p:cSld>
+  <p:clrMapOvr>
+    <a:masterClrMapping/>
+  </p:clrMapOvr>
+</p:notes>
+</file>
+
+<file path=ppt/notesSlides/notesSlide4.xml><?xml version="1.0" encoding="utf-8"?>
+<p:notes xmlns:a="http://schemas.openxmlformats.org/drawingml/2006/main" xmlns:r="http://schemas.openxmlformats.org/officeDocument/2006/relationships" xmlns:p="http://schemas.openxmlformats.org/presentationml/2006/main">
+  <p:cSld>
+    <p:spTree>
+      <p:nvGrpSpPr>
+        <p:cNvPr id="1" name=""/>
+        <p:cNvGrpSpPr/>
+        <p:nvPr/>
+      </p:nvGrpSpPr>
+      <p:grpSpPr>
+        <a:xfrm>
+          <a:off x="0" y="0"/>
+          <a:ext cx="0" cy="0"/>
+          <a:chOff x="0" y="0"/>
+          <a:chExt cx="0" cy="0"/>
+        </a:xfrm>
+      </p:grpSpPr>
+      <p:sp>
+        <p:nvSpPr>
+          <p:cNvPr id="2" name="Slide Image Placeholder 1"/>
+          <p:cNvSpPr>
+            <a:spLocks noGrp="1" noRot="1" noChangeAspect="1"/>
+          </p:cNvSpPr>
+          <p:nvPr>
+            <p:ph type="sldImg"/>
+          </p:nvPr>
+        </p:nvSpPr>
+        <p:spPr/>
+      </p:sp>
+      <p:sp>
+        <p:nvSpPr>
+          <p:cNvPr id="3" name="Notes Placeholder 2"/>
+          <p:cNvSpPr>
+            <a:spLocks noGrp="1"/>
+          </p:cNvSpPr>
+          <p:nvPr>
+            <p:ph type="body" idx="1"/>
+          </p:nvPr>
+        </p:nvSpPr>
+        <p:spPr/>
+        <p:txBody>
+          <a:bodyPr/>
+          <a:lstStyle/>
+          <a:p>
+            <a:r>
+              <a:rPr lang="en-US" dirty="0" smtClean="0"/>
+              <a:t>Different</a:t>
+            </a:r>
+            <a:r>
+              <a:rPr lang="en-US" baseline="0" dirty="0" smtClean="0"/>
+              <a:t> branch will have different responsibility</a:t>
+            </a:r>
+            <a:endParaRPr lang="en-US" dirty="0"/>
+          </a:p>
+        </p:txBody>
+      </p:sp>
+      <p:sp>
+        <p:nvSpPr>
+          <p:cNvPr id="4" name="Date Placeholder 3"/>
+          <p:cNvSpPr>
+            <a:spLocks noGrp="1"/>
+          </p:cNvSpPr>
+          <p:nvPr>
+            <p:ph type="dt" idx="10"/>
+          </p:nvPr>
+        </p:nvSpPr>
+        <p:spPr/>
+        <p:txBody>
+          <a:bodyPr/>
+          <a:lstStyle/>
+          <a:p>
+            <a:fld id="{DCE462EF-63BA-4033-BAAB-21EA0B460D1E}" type="datetime5">
+              <a:rPr lang="en-US" smtClean="0"/>
+              <a:t>30-Oct-18</a:t>
+            </a:fld>
+            <a:endParaRPr lang="en-US"/>
+          </a:p>
+        </p:txBody>
+      </p:sp>
+      <p:sp>
+        <p:nvSpPr>
+          <p:cNvPr id="5" name="Footer Placeholder 4"/>
+          <p:cNvSpPr>
+            <a:spLocks noGrp="1"/>
+          </p:cNvSpPr>
+          <p:nvPr>
+            <p:ph type="ftr" sz="quarter" idx="11"/>
+          </p:nvPr>
+        </p:nvSpPr>
+        <p:spPr/>
+        <p:txBody>
+          <a:bodyPr/>
+          <a:lstStyle/>
+          <a:p>
+            <a:r>
+              <a:rPr lang="en-US" smtClean="0"/>
+              <a:t>AXP Internal</a:t>
+            </a:r>
+            <a:endParaRPr lang="en-US"/>
+          </a:p>
+        </p:txBody>
+      </p:sp>
+      <p:sp>
+        <p:nvSpPr>
+          <p:cNvPr id="6" name="Slide Number Placeholder 5"/>
+          <p:cNvSpPr>
+            <a:spLocks noGrp="1"/>
+          </p:cNvSpPr>
+          <p:nvPr>
+            <p:ph type="sldNum" sz="quarter" idx="12"/>
+          </p:nvPr>
+        </p:nvSpPr>
+        <p:spPr/>
+        <p:txBody>
+          <a:bodyPr/>
+          <a:lstStyle/>
+          <a:p>
+            <a:fld id="{BDC5FBE7-89E0-43FB-9F89-F2A2958ED390}" type="slidenum">
+              <a:rPr lang="en-US" smtClean="0"/>
+              <a:t>4</a:t>
+            </a:fld>
+            <a:endParaRPr lang="en-US"/>
+          </a:p>
+        </p:txBody>
+      </p:sp>
+    </p:spTree>
+    <p:extLst>
+      <p:ext uri="{BB962C8B-B14F-4D97-AF65-F5344CB8AC3E}">
+        <p14:creationId xmlns:p14="http://schemas.microsoft.com/office/powerpoint/2010/main" val="141603171"/>
+      </p:ext>
+    </p:extLst>
+  </p:cSld>
+  <p:clrMapOvr>
+    <a:masterClrMapping/>
+  </p:clrMapOvr>
+</p:notes>
+</file>
+
+<file path=ppt/notesSlides/notesSlide5.xml><?xml version="1.0" encoding="utf-8"?>
+<p:notes xmlns:a="http://schemas.openxmlformats.org/drawingml/2006/main" xmlns:r="http://schemas.openxmlformats.org/officeDocument/2006/relationships" xmlns:p="http://schemas.openxmlformats.org/presentationml/2006/main">
+  <p:cSld>
+    <p:spTree>
+      <p:nvGrpSpPr>
+        <p:cNvPr id="1" name=""/>
+        <p:cNvGrpSpPr/>
+        <p:nvPr/>
+      </p:nvGrpSpPr>
+      <p:grpSpPr>
+        <a:xfrm>
+          <a:off x="0" y="0"/>
+          <a:ext cx="0" cy="0"/>
+          <a:chOff x="0" y="0"/>
+          <a:chExt cx="0" cy="0"/>
+        </a:xfrm>
+      </p:grpSpPr>
+      <p:sp>
+        <p:nvSpPr>
+          <p:cNvPr id="2" name="Slide Image Placeholder 1"/>
+          <p:cNvSpPr>
+            <a:spLocks noGrp="1" noRot="1" noChangeAspect="1"/>
+          </p:cNvSpPr>
+          <p:nvPr>
+            <p:ph type="sldImg"/>
+          </p:nvPr>
+        </p:nvSpPr>
+        <p:spPr/>
+      </p:sp>
+      <p:sp>
+        <p:nvSpPr>
+          <p:cNvPr id="3" name="Notes Placeholder 2"/>
+          <p:cNvSpPr>
+            <a:spLocks noGrp="1"/>
+          </p:cNvSpPr>
+          <p:nvPr>
+            <p:ph type="body" idx="1"/>
+          </p:nvPr>
+        </p:nvSpPr>
+        <p:spPr/>
+        <p:txBody>
+          <a:bodyPr/>
+          <a:lstStyle/>
+          <a:p>
             <a:endParaRPr lang="en-US"/>
           </a:p>
         </p:txBody>
@@ -857,7 +1449,7 @@
           <a:noFill/>
           <a:extLst>
             <a:ext uri="{909E8E84-426E-40dd-AFC4-6F175D3DCCD1}">
-              <a14:hiddenFill xmlns:a14="http://schemas.microsoft.com/office/drawing/2010/main" xmlns="">
+              <a14:hiddenFill xmlns="" xmlns:a14="http://schemas.microsoft.com/office/drawing/2010/main">
                 <a:solidFill>
                   <a:srgbClr val="FFFFFF"/>
                 </a:solidFill>
@@ -917,7 +1509,7 @@
             </a:ln>
             <a:extLst>
               <a:ext uri="{91240B29-F687-4f45-9708-019B960494DF}">
-                <a14:hiddenLine xmlns:a14="http://schemas.microsoft.com/office/drawing/2010/main" xmlns="" w="9525">
+                <a14:hiddenLine xmlns="" xmlns:a14="http://schemas.microsoft.com/office/drawing/2010/main" w="9525">
                   <a:solidFill>
                     <a:srgbClr val="000000"/>
                   </a:solidFill>
@@ -1007,7 +1599,7 @@
             </a:ln>
             <a:extLst>
               <a:ext uri="{91240B29-F687-4f45-9708-019B960494DF}">
-                <a14:hiddenLine xmlns:a14="http://schemas.microsoft.com/office/drawing/2010/main" xmlns="" w="9525">
+                <a14:hiddenLine xmlns="" xmlns:a14="http://schemas.microsoft.com/office/drawing/2010/main" w="9525">
                   <a:solidFill>
                     <a:srgbClr val="000000"/>
                   </a:solidFill>
@@ -1097,7 +1689,7 @@
             </a:ln>
             <a:extLst>
               <a:ext uri="{91240B29-F687-4f45-9708-019B960494DF}">
-                <a14:hiddenLine xmlns:a14="http://schemas.microsoft.com/office/drawing/2010/main" xmlns="" w="9525">
+                <a14:hiddenLine xmlns="" xmlns:a14="http://schemas.microsoft.com/office/drawing/2010/main" w="9525">
                   <a:solidFill>
                     <a:srgbClr val="000000"/>
                   </a:solidFill>
@@ -1131,7 +1723,7 @@
             </a:ln>
             <a:extLst>
               <a:ext uri="{91240B29-F687-4f45-9708-019B960494DF}">
-                <a14:hiddenLine xmlns:a14="http://schemas.microsoft.com/office/drawing/2010/main" xmlns="" w="9525">
+                <a14:hiddenLine xmlns="" xmlns:a14="http://schemas.microsoft.com/office/drawing/2010/main" w="9525">
                   <a:solidFill>
                     <a:srgbClr val="000000"/>
                   </a:solidFill>
@@ -1221,7 +1813,7 @@
             </a:ln>
             <a:extLst>
               <a:ext uri="{91240B29-F687-4f45-9708-019B960494DF}">
-                <a14:hiddenLine xmlns:a14="http://schemas.microsoft.com/office/drawing/2010/main" xmlns="" w="9525">
+                <a14:hiddenLine xmlns="" xmlns:a14="http://schemas.microsoft.com/office/drawing/2010/main" w="9525">
                   <a:solidFill>
                     <a:srgbClr val="000000"/>
                   </a:solidFill>
@@ -1283,7 +1875,7 @@
             </a:ln>
             <a:extLst>
               <a:ext uri="{91240B29-F687-4f45-9708-019B960494DF}">
-                <a14:hiddenLine xmlns:a14="http://schemas.microsoft.com/office/drawing/2010/main" xmlns="" w="9525">
+                <a14:hiddenLine xmlns="" xmlns:a14="http://schemas.microsoft.com/office/drawing/2010/main" w="9525">
                   <a:solidFill>
                     <a:srgbClr val="000000"/>
                   </a:solidFill>
@@ -1345,7 +1937,7 @@
             </a:ln>
             <a:extLst>
               <a:ext uri="{91240B29-F687-4f45-9708-019B960494DF}">
-                <a14:hiddenLine xmlns:a14="http://schemas.microsoft.com/office/drawing/2010/main" xmlns="" w="9525">
+                <a14:hiddenLine xmlns="" xmlns:a14="http://schemas.microsoft.com/office/drawing/2010/main" w="9525">
                   <a:solidFill>
                     <a:srgbClr val="000000"/>
                   </a:solidFill>
@@ -1435,7 +2027,7 @@
             </a:ln>
             <a:extLst>
               <a:ext uri="{91240B29-F687-4f45-9708-019B960494DF}">
-                <a14:hiddenLine xmlns:a14="http://schemas.microsoft.com/office/drawing/2010/main" xmlns="" w="9525">
+                <a14:hiddenLine xmlns="" xmlns:a14="http://schemas.microsoft.com/office/drawing/2010/main" w="9525">
                   <a:solidFill>
                     <a:srgbClr val="000000"/>
                   </a:solidFill>
@@ -1497,7 +2089,7 @@
             </a:ln>
             <a:extLst>
               <a:ext uri="{91240B29-F687-4f45-9708-019B960494DF}">
-                <a14:hiddenLine xmlns:a14="http://schemas.microsoft.com/office/drawing/2010/main" xmlns="" w="9525">
+                <a14:hiddenLine xmlns="" xmlns:a14="http://schemas.microsoft.com/office/drawing/2010/main" w="9525">
                   <a:solidFill>
                     <a:srgbClr val="000000"/>
                   </a:solidFill>
@@ -1559,7 +2151,7 @@
             </a:ln>
             <a:extLst>
               <a:ext uri="{91240B29-F687-4f45-9708-019B960494DF}">
-                <a14:hiddenLine xmlns:a14="http://schemas.microsoft.com/office/drawing/2010/main" xmlns="" w="9525">
+                <a14:hiddenLine xmlns="" xmlns:a14="http://schemas.microsoft.com/office/drawing/2010/main" w="9525">
                   <a:solidFill>
                     <a:srgbClr val="000000"/>
                   </a:solidFill>
@@ -1649,7 +2241,7 @@
             </a:ln>
             <a:extLst>
               <a:ext uri="{91240B29-F687-4f45-9708-019B960494DF}">
-                <a14:hiddenLine xmlns:a14="http://schemas.microsoft.com/office/drawing/2010/main" xmlns="" w="9525">
+                <a14:hiddenLine xmlns="" xmlns:a14="http://schemas.microsoft.com/office/drawing/2010/main" w="9525">
                   <a:solidFill>
                     <a:srgbClr val="000000"/>
                   </a:solidFill>
@@ -1739,7 +2331,7 @@
             </a:ln>
             <a:extLst>
               <a:ext uri="{91240B29-F687-4f45-9708-019B960494DF}">
-                <a14:hiddenLine xmlns:a14="http://schemas.microsoft.com/office/drawing/2010/main" xmlns="" w="9525">
+                <a14:hiddenLine xmlns="" xmlns:a14="http://schemas.microsoft.com/office/drawing/2010/main" w="9525">
                   <a:solidFill>
                     <a:srgbClr val="000000"/>
                   </a:solidFill>
@@ -1801,7 +2393,7 @@
             </a:ln>
             <a:extLst>
               <a:ext uri="{91240B29-F687-4f45-9708-019B960494DF}">
-                <a14:hiddenLine xmlns:a14="http://schemas.microsoft.com/office/drawing/2010/main" xmlns="" w="9525">
+                <a14:hiddenLine xmlns="" xmlns:a14="http://schemas.microsoft.com/office/drawing/2010/main" w="9525">
                   <a:solidFill>
                     <a:srgbClr val="000000"/>
                   </a:solidFill>
@@ -1911,7 +2503,7 @@
             </a:ln>
             <a:extLst>
               <a:ext uri="{91240B29-F687-4f45-9708-019B960494DF}">
-                <a14:hiddenLine xmlns:a14="http://schemas.microsoft.com/office/drawing/2010/main" xmlns="" w="9525">
+                <a14:hiddenLine xmlns="" xmlns:a14="http://schemas.microsoft.com/office/drawing/2010/main" w="9525">
                   <a:solidFill>
                     <a:srgbClr val="000000"/>
                   </a:solidFill>
@@ -1973,7 +2565,7 @@
             </a:ln>
             <a:extLst>
               <a:ext uri="{91240B29-F687-4f45-9708-019B960494DF}">
-                <a14:hiddenLine xmlns:a14="http://schemas.microsoft.com/office/drawing/2010/main" xmlns="" w="9525">
+                <a14:hiddenLine xmlns="" xmlns:a14="http://schemas.microsoft.com/office/drawing/2010/main" w="9525">
                   <a:solidFill>
                     <a:srgbClr val="000000"/>
                   </a:solidFill>
@@ -2063,7 +2655,7 @@
             </a:ln>
             <a:extLst>
               <a:ext uri="{91240B29-F687-4f45-9708-019B960494DF}">
-                <a14:hiddenLine xmlns:a14="http://schemas.microsoft.com/office/drawing/2010/main" xmlns="" w="9525">
+                <a14:hiddenLine xmlns="" xmlns:a14="http://schemas.microsoft.com/office/drawing/2010/main" w="9525">
                   <a:solidFill>
                     <a:srgbClr val="000000"/>
                   </a:solidFill>
@@ -2153,7 +2745,7 @@
             </a:ln>
             <a:extLst>
               <a:ext uri="{91240B29-F687-4f45-9708-019B960494DF}">
-                <a14:hiddenLine xmlns:a14="http://schemas.microsoft.com/office/drawing/2010/main" xmlns="" w="9525">
+                <a14:hiddenLine xmlns="" xmlns:a14="http://schemas.microsoft.com/office/drawing/2010/main" w="9525">
                   <a:solidFill>
                     <a:srgbClr val="000000"/>
                   </a:solidFill>
@@ -2215,7 +2807,7 @@
             </a:ln>
             <a:extLst>
               <a:ext uri="{91240B29-F687-4f45-9708-019B960494DF}">
-                <a14:hiddenLine xmlns:a14="http://schemas.microsoft.com/office/drawing/2010/main" xmlns="" w="9525">
+                <a14:hiddenLine xmlns="" xmlns:a14="http://schemas.microsoft.com/office/drawing/2010/main" w="9525">
                   <a:solidFill>
                     <a:srgbClr val="000000"/>
                   </a:solidFill>
@@ -2305,7 +2897,7 @@
             </a:ln>
             <a:extLst>
               <a:ext uri="{91240B29-F687-4f45-9708-019B960494DF}">
-                <a14:hiddenLine xmlns:a14="http://schemas.microsoft.com/office/drawing/2010/main" xmlns="" w="9525">
+                <a14:hiddenLine xmlns="" xmlns:a14="http://schemas.microsoft.com/office/drawing/2010/main" w="9525">
                   <a:solidFill>
                     <a:srgbClr val="000000"/>
                   </a:solidFill>
@@ -2395,7 +2987,7 @@
             </a:ln>
             <a:extLst>
               <a:ext uri="{91240B29-F687-4f45-9708-019B960494DF}">
-                <a14:hiddenLine xmlns:a14="http://schemas.microsoft.com/office/drawing/2010/main" xmlns="" w="9525">
+                <a14:hiddenLine xmlns="" xmlns:a14="http://schemas.microsoft.com/office/drawing/2010/main" w="9525">
                   <a:solidFill>
                     <a:srgbClr val="000000"/>
                   </a:solidFill>
@@ -2451,7 +3043,7 @@
             </a:ln>
             <a:extLst>
               <a:ext uri="{91240B29-F687-4f45-9708-019B960494DF}">
-                <a14:hiddenLine xmlns:a14="http://schemas.microsoft.com/office/drawing/2010/main" xmlns="" w="9525">
+                <a14:hiddenLine xmlns="" xmlns:a14="http://schemas.microsoft.com/office/drawing/2010/main" w="9525">
                   <a:solidFill>
                     <a:srgbClr val="000000"/>
                   </a:solidFill>
@@ -2541,7 +3133,7 @@
             </a:ln>
             <a:extLst>
               <a:ext uri="{91240B29-F687-4f45-9708-019B960494DF}">
-                <a14:hiddenLine xmlns:a14="http://schemas.microsoft.com/office/drawing/2010/main" xmlns="" w="9525">
+                <a14:hiddenLine xmlns="" xmlns:a14="http://schemas.microsoft.com/office/drawing/2010/main" w="9525">
                   <a:solidFill>
                     <a:srgbClr val="000000"/>
                   </a:solidFill>
@@ -2597,7 +3189,7 @@
             </a:ln>
             <a:extLst>
               <a:ext uri="{91240B29-F687-4f45-9708-019B960494DF}">
-                <a14:hiddenLine xmlns:a14="http://schemas.microsoft.com/office/drawing/2010/main" xmlns="" w="9525">
+                <a14:hiddenLine xmlns="" xmlns:a14="http://schemas.microsoft.com/office/drawing/2010/main" w="9525">
                   <a:solidFill>
                     <a:srgbClr val="000000"/>
                   </a:solidFill>
@@ -2687,7 +3279,7 @@
             </a:ln>
             <a:extLst>
               <a:ext uri="{91240B29-F687-4f45-9708-019B960494DF}">
-                <a14:hiddenLine xmlns:a14="http://schemas.microsoft.com/office/drawing/2010/main" xmlns="" w="9525">
+                <a14:hiddenLine xmlns="" xmlns:a14="http://schemas.microsoft.com/office/drawing/2010/main" w="9525">
                   <a:solidFill>
                     <a:srgbClr val="000000"/>
                   </a:solidFill>
@@ -2755,7 +3347,7 @@
             </a:ln>
             <a:extLst>
               <a:ext uri="{91240B29-F687-4f45-9708-019B960494DF}">
-                <a14:hiddenLine xmlns:a14="http://schemas.microsoft.com/office/drawing/2010/main" xmlns="" w="9525">
+                <a14:hiddenLine xmlns="" xmlns:a14="http://schemas.microsoft.com/office/drawing/2010/main" w="9525">
                   <a:solidFill>
                     <a:srgbClr val="000000"/>
                   </a:solidFill>
@@ -2845,7 +3437,7 @@
             </a:ln>
             <a:extLst>
               <a:ext uri="{91240B29-F687-4f45-9708-019B960494DF}">
-                <a14:hiddenLine xmlns:a14="http://schemas.microsoft.com/office/drawing/2010/main" xmlns="" w="9525">
+                <a14:hiddenLine xmlns="" xmlns:a14="http://schemas.microsoft.com/office/drawing/2010/main" w="9525">
                   <a:solidFill>
                     <a:srgbClr val="000000"/>
                   </a:solidFill>
@@ -2913,7 +3505,7 @@
             </a:ln>
             <a:extLst>
               <a:ext uri="{91240B29-F687-4f45-9708-019B960494DF}">
-                <a14:hiddenLine xmlns:a14="http://schemas.microsoft.com/office/drawing/2010/main" xmlns="" w="9525">
+                <a14:hiddenLine xmlns="" xmlns:a14="http://schemas.microsoft.com/office/drawing/2010/main" w="9525">
                   <a:solidFill>
                     <a:srgbClr val="000000"/>
                   </a:solidFill>
@@ -3003,7 +3595,7 @@
             </a:ln>
             <a:extLst>
               <a:ext uri="{91240B29-F687-4f45-9708-019B960494DF}">
-                <a14:hiddenLine xmlns:a14="http://schemas.microsoft.com/office/drawing/2010/main" xmlns="" w="9525">
+                <a14:hiddenLine xmlns="" xmlns:a14="http://schemas.microsoft.com/office/drawing/2010/main" w="9525">
                   <a:solidFill>
                     <a:srgbClr val="000000"/>
                   </a:solidFill>
@@ -3037,7 +3629,7 @@
             </a:ln>
             <a:extLst>
               <a:ext uri="{91240B29-F687-4f45-9708-019B960494DF}">
-                <a14:hiddenLine xmlns:a14="http://schemas.microsoft.com/office/drawing/2010/main" xmlns="" w="9525">
+                <a14:hiddenLine xmlns="" xmlns:a14="http://schemas.microsoft.com/office/drawing/2010/main" w="9525">
                   <a:solidFill>
                     <a:srgbClr val="000000"/>
                   </a:solidFill>
@@ -3127,7 +3719,7 @@
             </a:ln>
             <a:extLst>
               <a:ext uri="{91240B29-F687-4f45-9708-019B960494DF}">
-                <a14:hiddenLine xmlns:a14="http://schemas.microsoft.com/office/drawing/2010/main" xmlns="" w="9525">
+                <a14:hiddenLine xmlns="" xmlns:a14="http://schemas.microsoft.com/office/drawing/2010/main" w="9525">
                   <a:solidFill>
                     <a:srgbClr val="000000"/>
                   </a:solidFill>
@@ -3189,7 +3781,7 @@
             </a:ln>
             <a:extLst>
               <a:ext uri="{91240B29-F687-4f45-9708-019B960494DF}">
-                <a14:hiddenLine xmlns:a14="http://schemas.microsoft.com/office/drawing/2010/main" xmlns="" w="9525">
+                <a14:hiddenLine xmlns="" xmlns:a14="http://schemas.microsoft.com/office/drawing/2010/main" w="9525">
                   <a:solidFill>
                     <a:srgbClr val="000000"/>
                   </a:solidFill>
@@ -3251,7 +3843,7 @@
             </a:ln>
             <a:extLst>
               <a:ext uri="{91240B29-F687-4f45-9708-019B960494DF}">
-                <a14:hiddenLine xmlns:a14="http://schemas.microsoft.com/office/drawing/2010/main" xmlns="" w="9525">
+                <a14:hiddenLine xmlns="" xmlns:a14="http://schemas.microsoft.com/office/drawing/2010/main" w="9525">
                   <a:solidFill>
                     <a:srgbClr val="000000"/>
                   </a:solidFill>
@@ -3341,7 +3933,7 @@
             </a:ln>
             <a:extLst>
               <a:ext uri="{91240B29-F687-4f45-9708-019B960494DF}">
-                <a14:hiddenLine xmlns:a14="http://schemas.microsoft.com/office/drawing/2010/main" xmlns="" w="9525">
+                <a14:hiddenLine xmlns="" xmlns:a14="http://schemas.microsoft.com/office/drawing/2010/main" w="9525">
                   <a:solidFill>
                     <a:srgbClr val="000000"/>
                   </a:solidFill>
@@ -3409,7 +4001,7 @@
             </a:ln>
             <a:extLst>
               <a:ext uri="{91240B29-F687-4f45-9708-019B960494DF}">
-                <a14:hiddenLine xmlns:a14="http://schemas.microsoft.com/office/drawing/2010/main" xmlns="" w="9525">
+                <a14:hiddenLine xmlns="" xmlns:a14="http://schemas.microsoft.com/office/drawing/2010/main" w="9525">
                   <a:solidFill>
                     <a:srgbClr val="000000"/>
                   </a:solidFill>
@@ -3471,7 +4063,7 @@
             </a:ln>
             <a:extLst>
               <a:ext uri="{91240B29-F687-4f45-9708-019B960494DF}">
-                <a14:hiddenLine xmlns:a14="http://schemas.microsoft.com/office/drawing/2010/main" xmlns="" w="9525">
+                <a14:hiddenLine xmlns="" xmlns:a14="http://schemas.microsoft.com/office/drawing/2010/main" w="9525">
                   <a:solidFill>
                     <a:srgbClr val="000000"/>
                   </a:solidFill>
@@ -3561,7 +4153,7 @@
             </a:ln>
             <a:extLst>
               <a:ext uri="{91240B29-F687-4f45-9708-019B960494DF}">
-                <a14:hiddenLine xmlns:a14="http://schemas.microsoft.com/office/drawing/2010/main" xmlns="" w="9525">
+                <a14:hiddenLine xmlns="" xmlns:a14="http://schemas.microsoft.com/office/drawing/2010/main" w="9525">
                   <a:solidFill>
                     <a:srgbClr val="000000"/>
                   </a:solidFill>
@@ -3623,7 +4215,7 @@
             </a:ln>
             <a:extLst>
               <a:ext uri="{91240B29-F687-4f45-9708-019B960494DF}">
-                <a14:hiddenLine xmlns:a14="http://schemas.microsoft.com/office/drawing/2010/main" xmlns="" w="9525">
+                <a14:hiddenLine xmlns="" xmlns:a14="http://schemas.microsoft.com/office/drawing/2010/main" w="9525">
                   <a:solidFill>
                     <a:srgbClr val="000000"/>
                   </a:solidFill>
@@ -3713,7 +4305,7 @@
             </a:ln>
             <a:extLst>
               <a:ext uri="{91240B29-F687-4f45-9708-019B960494DF}">
-                <a14:hiddenLine xmlns:a14="http://schemas.microsoft.com/office/drawing/2010/main" xmlns="" w="9525">
+                <a14:hiddenLine xmlns="" xmlns:a14="http://schemas.microsoft.com/office/drawing/2010/main" w="9525">
                   <a:solidFill>
                     <a:srgbClr val="000000"/>
                   </a:solidFill>
@@ -3775,7 +4367,7 @@
             </a:ln>
             <a:extLst>
               <a:ext uri="{91240B29-F687-4f45-9708-019B960494DF}">
-                <a14:hiddenLine xmlns:a14="http://schemas.microsoft.com/office/drawing/2010/main" xmlns="" w="9525">
+                <a14:hiddenLine xmlns="" xmlns:a14="http://schemas.microsoft.com/office/drawing/2010/main" w="9525">
                   <a:solidFill>
                     <a:srgbClr val="000000"/>
                   </a:solidFill>
@@ -3865,7 +4457,7 @@
             </a:ln>
             <a:extLst>
               <a:ext uri="{91240B29-F687-4f45-9708-019B960494DF}">
-                <a14:hiddenLine xmlns:a14="http://schemas.microsoft.com/office/drawing/2010/main" xmlns="" w="9525">
+                <a14:hiddenLine xmlns="" xmlns:a14="http://schemas.microsoft.com/office/drawing/2010/main" w="9525">
                   <a:solidFill>
                     <a:srgbClr val="000000"/>
                   </a:solidFill>
@@ -3899,7 +4491,7 @@
             </a:ln>
             <a:extLst>
               <a:ext uri="{91240B29-F687-4f45-9708-019B960494DF}">
-                <a14:hiddenLine xmlns:a14="http://schemas.microsoft.com/office/drawing/2010/main" xmlns="" w="9525">
+                <a14:hiddenLine xmlns="" xmlns:a14="http://schemas.microsoft.com/office/drawing/2010/main" w="9525">
                   <a:solidFill>
                     <a:srgbClr val="000000"/>
                   </a:solidFill>
@@ -3964,7 +4556,7 @@
             </a:ln>
             <a:extLst>
               <a:ext uri="{91240B29-F687-4f45-9708-019B960494DF}">
-                <a14:hiddenLine xmlns:a14="http://schemas.microsoft.com/office/drawing/2010/main" xmlns="" w="9525">
+                <a14:hiddenLine xmlns="" xmlns:a14="http://schemas.microsoft.com/office/drawing/2010/main" w="9525">
                   <a:solidFill>
                     <a:srgbClr val="000000"/>
                   </a:solidFill>
@@ -4054,7 +4646,7 @@
             </a:ln>
             <a:extLst>
               <a:ext uri="{91240B29-F687-4f45-9708-019B960494DF}">
-                <a14:hiddenLine xmlns:a14="http://schemas.microsoft.com/office/drawing/2010/main" xmlns="" w="9525">
+                <a14:hiddenLine xmlns="" xmlns:a14="http://schemas.microsoft.com/office/drawing/2010/main" w="9525">
                   <a:solidFill>
                     <a:srgbClr val="000000"/>
                   </a:solidFill>
@@ -4116,7 +4708,7 @@
             </a:ln>
             <a:extLst>
               <a:ext uri="{91240B29-F687-4f45-9708-019B960494DF}">
-                <a14:hiddenLine xmlns:a14="http://schemas.microsoft.com/office/drawing/2010/main" xmlns="" w="9525">
+                <a14:hiddenLine xmlns="" xmlns:a14="http://schemas.microsoft.com/office/drawing/2010/main" w="9525">
                   <a:solidFill>
                     <a:srgbClr val="000000"/>
                   </a:solidFill>
@@ -4206,7 +4798,7 @@
             </a:ln>
             <a:extLst>
               <a:ext uri="{91240B29-F687-4f45-9708-019B960494DF}">
-                <a14:hiddenLine xmlns:a14="http://schemas.microsoft.com/office/drawing/2010/main" xmlns="" w="9525">
+                <a14:hiddenLine xmlns="" xmlns:a14="http://schemas.microsoft.com/office/drawing/2010/main" w="9525">
                   <a:solidFill>
                     <a:srgbClr val="000000"/>
                   </a:solidFill>
@@ -4296,7 +4888,7 @@
             </a:ln>
             <a:extLst>
               <a:ext uri="{91240B29-F687-4f45-9708-019B960494DF}">
-                <a14:hiddenLine xmlns:a14="http://schemas.microsoft.com/office/drawing/2010/main" xmlns="" w="9525">
+                <a14:hiddenLine xmlns="" xmlns:a14="http://schemas.microsoft.com/office/drawing/2010/main" w="9525">
                   <a:solidFill>
                     <a:srgbClr val="000000"/>
                   </a:solidFill>
@@ -4361,7 +4953,7 @@
             </a:ln>
             <a:extLst>
               <a:ext uri="{91240B29-F687-4f45-9708-019B960494DF}">
-                <a14:hiddenLine xmlns:a14="http://schemas.microsoft.com/office/drawing/2010/main" xmlns="" w="9525">
+                <a14:hiddenLine xmlns="" xmlns:a14="http://schemas.microsoft.com/office/drawing/2010/main" w="9525">
                   <a:solidFill>
                     <a:srgbClr val="000000"/>
                   </a:solidFill>
@@ -4423,7 +5015,7 @@
             </a:ln>
             <a:extLst>
               <a:ext uri="{91240B29-F687-4f45-9708-019B960494DF}">
-                <a14:hiddenLine xmlns:a14="http://schemas.microsoft.com/office/drawing/2010/main" xmlns="" w="9525">
+                <a14:hiddenLine xmlns="" xmlns:a14="http://schemas.microsoft.com/office/drawing/2010/main" w="9525">
                   <a:solidFill>
                     <a:srgbClr val="000000"/>
                   </a:solidFill>
@@ -4513,7 +5105,7 @@
             </a:ln>
             <a:extLst>
               <a:ext uri="{91240B29-F687-4f45-9708-019B960494DF}">
-                <a14:hiddenLine xmlns:a14="http://schemas.microsoft.com/office/drawing/2010/main" xmlns="" w="9525">
+                <a14:hiddenLine xmlns="" xmlns:a14="http://schemas.microsoft.com/office/drawing/2010/main" w="9525">
                   <a:solidFill>
                     <a:srgbClr val="000000"/>
                   </a:solidFill>
@@ -4603,7 +5195,7 @@
             </a:ln>
             <a:extLst>
               <a:ext uri="{91240B29-F687-4f45-9708-019B960494DF}">
-                <a14:hiddenLine xmlns:a14="http://schemas.microsoft.com/office/drawing/2010/main" xmlns="" w="9525">
+                <a14:hiddenLine xmlns="" xmlns:a14="http://schemas.microsoft.com/office/drawing/2010/main" w="9525">
                   <a:solidFill>
                     <a:srgbClr val="000000"/>
                   </a:solidFill>
@@ -4665,7 +5257,7 @@
             </a:ln>
             <a:extLst>
               <a:ext uri="{91240B29-F687-4f45-9708-019B960494DF}">
-                <a14:hiddenLine xmlns:a14="http://schemas.microsoft.com/office/drawing/2010/main" xmlns="" w="9525">
+                <a14:hiddenLine xmlns="" xmlns:a14="http://schemas.microsoft.com/office/drawing/2010/main" w="9525">
                   <a:solidFill>
                     <a:srgbClr val="000000"/>
                   </a:solidFill>
@@ -4785,7 +5377,7 @@
             </a:ln>
             <a:extLst>
               <a:ext uri="{91240B29-F687-4f45-9708-019B960494DF}">
-                <a14:hiddenLine xmlns:a14="http://schemas.microsoft.com/office/drawing/2010/main" xmlns="" w="9525">
+                <a14:hiddenLine xmlns="" xmlns:a14="http://schemas.microsoft.com/office/drawing/2010/main" w="9525">
                   <a:solidFill>
                     <a:srgbClr val="000000"/>
                   </a:solidFill>
@@ -4853,7 +5445,7 @@
             </a:ln>
             <a:extLst>
               <a:ext uri="{91240B29-F687-4f45-9708-019B960494DF}">
-                <a14:hiddenLine xmlns:a14="http://schemas.microsoft.com/office/drawing/2010/main" xmlns="" w="9525">
+                <a14:hiddenLine xmlns="" xmlns:a14="http://schemas.microsoft.com/office/drawing/2010/main" w="9525">
                   <a:solidFill>
                     <a:srgbClr val="000000"/>
                   </a:solidFill>
@@ -4943,7 +5535,7 @@
             </a:ln>
             <a:extLst>
               <a:ext uri="{91240B29-F687-4f45-9708-019B960494DF}">
-                <a14:hiddenLine xmlns:a14="http://schemas.microsoft.com/office/drawing/2010/main" xmlns="" w="9525">
+                <a14:hiddenLine xmlns="" xmlns:a14="http://schemas.microsoft.com/office/drawing/2010/main" w="9525">
                   <a:solidFill>
                     <a:srgbClr val="000000"/>
                   </a:solidFill>
@@ -9788,7 +10380,7 @@
           <a:noFill/>
           <a:extLst>
             <a:ext uri="{909E8E84-426E-40dd-AFC4-6F175D3DCCD1}">
-              <a14:hiddenFill xmlns:a14="http://schemas.microsoft.com/office/drawing/2010/main" xmlns="">
+              <a14:hiddenFill xmlns="" xmlns:a14="http://schemas.microsoft.com/office/drawing/2010/main">
                 <a:solidFill>
                   <a:srgbClr val="FFFFFF"/>
                 </a:solidFill>
@@ -9862,7 +10454,7 @@
               </a:ln>
               <a:extLst>
                 <a:ext uri="{91240B29-F687-4f45-9708-019B960494DF}">
-                  <a14:hiddenLine xmlns:a14="http://schemas.microsoft.com/office/drawing/2010/main" xmlns="" w="9525">
+                  <a14:hiddenLine xmlns="" xmlns:a14="http://schemas.microsoft.com/office/drawing/2010/main" w="9525">
                     <a:solidFill>
                       <a:srgbClr val="000000"/>
                     </a:solidFill>
@@ -9952,7 +10544,7 @@
               </a:ln>
               <a:extLst>
                 <a:ext uri="{91240B29-F687-4f45-9708-019B960494DF}">
-                  <a14:hiddenLine xmlns:a14="http://schemas.microsoft.com/office/drawing/2010/main" xmlns="" w="9525">
+                  <a14:hiddenLine xmlns="" xmlns:a14="http://schemas.microsoft.com/office/drawing/2010/main" w="9525">
                     <a:solidFill>
                       <a:srgbClr val="000000"/>
                     </a:solidFill>
@@ -10042,7 +10634,7 @@
               </a:ln>
               <a:extLst>
                 <a:ext uri="{91240B29-F687-4f45-9708-019B960494DF}">
-                  <a14:hiddenLine xmlns:a14="http://schemas.microsoft.com/office/drawing/2010/main" xmlns="" w="9525">
+                  <a14:hiddenLine xmlns="" xmlns:a14="http://schemas.microsoft.com/office/drawing/2010/main" w="9525">
                     <a:solidFill>
                       <a:srgbClr val="000000"/>
                     </a:solidFill>
@@ -10104,7 +10696,7 @@
               </a:ln>
               <a:extLst>
                 <a:ext uri="{91240B29-F687-4f45-9708-019B960494DF}">
-                  <a14:hiddenLine xmlns:a14="http://schemas.microsoft.com/office/drawing/2010/main" xmlns="" w="9525">
+                  <a14:hiddenLine xmlns="" xmlns:a14="http://schemas.microsoft.com/office/drawing/2010/main" w="9525">
                     <a:solidFill>
                       <a:srgbClr val="000000"/>
                     </a:solidFill>
@@ -10194,7 +10786,7 @@
               </a:ln>
               <a:extLst>
                 <a:ext uri="{91240B29-F687-4f45-9708-019B960494DF}">
-                  <a14:hiddenLine xmlns:a14="http://schemas.microsoft.com/office/drawing/2010/main" xmlns="" w="9525">
+                  <a14:hiddenLine xmlns="" xmlns:a14="http://schemas.microsoft.com/office/drawing/2010/main" w="9525">
                     <a:solidFill>
                       <a:srgbClr val="000000"/>
                     </a:solidFill>
@@ -10256,7 +10848,7 @@
               </a:ln>
               <a:extLst>
                 <a:ext uri="{91240B29-F687-4f45-9708-019B960494DF}">
-                  <a14:hiddenLine xmlns:a14="http://schemas.microsoft.com/office/drawing/2010/main" xmlns="" w="9525">
+                  <a14:hiddenLine xmlns="" xmlns:a14="http://schemas.microsoft.com/office/drawing/2010/main" w="9525">
                     <a:solidFill>
                       <a:srgbClr val="000000"/>
                     </a:solidFill>
@@ -10318,7 +10910,7 @@
               </a:ln>
               <a:extLst>
                 <a:ext uri="{91240B29-F687-4f45-9708-019B960494DF}">
-                  <a14:hiddenLine xmlns:a14="http://schemas.microsoft.com/office/drawing/2010/main" xmlns="" w="9525">
+                  <a14:hiddenLine xmlns="" xmlns:a14="http://schemas.microsoft.com/office/drawing/2010/main" w="9525">
                     <a:solidFill>
                       <a:srgbClr val="000000"/>
                     </a:solidFill>
@@ -10408,7 +11000,7 @@
               </a:ln>
               <a:extLst>
                 <a:ext uri="{91240B29-F687-4f45-9708-019B960494DF}">
-                  <a14:hiddenLine xmlns:a14="http://schemas.microsoft.com/office/drawing/2010/main" xmlns="" w="9525">
+                  <a14:hiddenLine xmlns="" xmlns:a14="http://schemas.microsoft.com/office/drawing/2010/main" w="9525">
                     <a:solidFill>
                       <a:srgbClr val="000000"/>
                     </a:solidFill>
@@ -10498,7 +11090,7 @@
               </a:ln>
               <a:extLst>
                 <a:ext uri="{91240B29-F687-4f45-9708-019B960494DF}">
-                  <a14:hiddenLine xmlns:a14="http://schemas.microsoft.com/office/drawing/2010/main" xmlns="" w="9525">
+                  <a14:hiddenLine xmlns="" xmlns:a14="http://schemas.microsoft.com/office/drawing/2010/main" w="9525">
                     <a:solidFill>
                       <a:srgbClr val="000000"/>
                     </a:solidFill>
@@ -10560,7 +11152,7 @@
               </a:ln>
               <a:extLst>
                 <a:ext uri="{91240B29-F687-4f45-9708-019B960494DF}">
-                  <a14:hiddenLine xmlns:a14="http://schemas.microsoft.com/office/drawing/2010/main" xmlns="" w="9525">
+                  <a14:hiddenLine xmlns="" xmlns:a14="http://schemas.microsoft.com/office/drawing/2010/main" w="9525">
                     <a:solidFill>
                       <a:srgbClr val="000000"/>
                     </a:solidFill>
@@ -10670,7 +11262,7 @@
               </a:ln>
               <a:extLst>
                 <a:ext uri="{91240B29-F687-4f45-9708-019B960494DF}">
-                  <a14:hiddenLine xmlns:a14="http://schemas.microsoft.com/office/drawing/2010/main" xmlns="" w="9525">
+                  <a14:hiddenLine xmlns="" xmlns:a14="http://schemas.microsoft.com/office/drawing/2010/main" w="9525">
                     <a:solidFill>
                       <a:srgbClr val="000000"/>
                     </a:solidFill>
@@ -10754,7 +11346,7 @@
               </a:ln>
               <a:extLst>
                 <a:ext uri="{91240B29-F687-4f45-9708-019B960494DF}">
-                  <a14:hiddenLine xmlns:a14="http://schemas.microsoft.com/office/drawing/2010/main" xmlns="" w="9525">
+                  <a14:hiddenLine xmlns="" xmlns:a14="http://schemas.microsoft.com/office/drawing/2010/main" w="9525">
                     <a:solidFill>
                       <a:srgbClr val="000000"/>
                     </a:solidFill>
@@ -10816,7 +11408,7 @@
               </a:ln>
               <a:extLst>
                 <a:ext uri="{91240B29-F687-4f45-9708-019B960494DF}">
-                  <a14:hiddenLine xmlns:a14="http://schemas.microsoft.com/office/drawing/2010/main" xmlns="" w="9525">
+                  <a14:hiddenLine xmlns="" xmlns:a14="http://schemas.microsoft.com/office/drawing/2010/main" w="9525">
                     <a:solidFill>
                       <a:srgbClr val="000000"/>
                     </a:solidFill>
@@ -10878,7 +11470,7 @@
               </a:ln>
               <a:extLst>
                 <a:ext uri="{91240B29-F687-4f45-9708-019B960494DF}">
-                  <a14:hiddenLine xmlns:a14="http://schemas.microsoft.com/office/drawing/2010/main" xmlns="" w="9525">
+                  <a14:hiddenLine xmlns="" xmlns:a14="http://schemas.microsoft.com/office/drawing/2010/main" w="9525">
                     <a:solidFill>
                       <a:srgbClr val="000000"/>
                     </a:solidFill>
@@ -10968,7 +11560,7 @@
               </a:ln>
               <a:extLst>
                 <a:ext uri="{91240B29-F687-4f45-9708-019B960494DF}">
-                  <a14:hiddenLine xmlns:a14="http://schemas.microsoft.com/office/drawing/2010/main" xmlns="" w="9525">
+                  <a14:hiddenLine xmlns="" xmlns:a14="http://schemas.microsoft.com/office/drawing/2010/main" w="9525">
                     <a:solidFill>
                       <a:srgbClr val="000000"/>
                     </a:solidFill>
@@ -11002,7 +11594,7 @@
               </a:ln>
               <a:extLst>
                 <a:ext uri="{91240B29-F687-4f45-9708-019B960494DF}">
-                  <a14:hiddenLine xmlns:a14="http://schemas.microsoft.com/office/drawing/2010/main" xmlns="" w="9525">
+                  <a14:hiddenLine xmlns="" xmlns:a14="http://schemas.microsoft.com/office/drawing/2010/main" w="9525">
                     <a:solidFill>
                       <a:srgbClr val="000000"/>
                     </a:solidFill>
@@ -11067,7 +11659,7 @@
               </a:ln>
               <a:extLst>
                 <a:ext uri="{91240B29-F687-4f45-9708-019B960494DF}">
-                  <a14:hiddenLine xmlns:a14="http://schemas.microsoft.com/office/drawing/2010/main" xmlns="" w="9525">
+                  <a14:hiddenLine xmlns="" xmlns:a14="http://schemas.microsoft.com/office/drawing/2010/main" w="9525">
                     <a:solidFill>
                       <a:srgbClr val="000000"/>
                     </a:solidFill>
@@ -11157,7 +11749,7 @@
               </a:ln>
               <a:extLst>
                 <a:ext uri="{91240B29-F687-4f45-9708-019B960494DF}">
-                  <a14:hiddenLine xmlns:a14="http://schemas.microsoft.com/office/drawing/2010/main" xmlns="" w="9525">
+                  <a14:hiddenLine xmlns="" xmlns:a14="http://schemas.microsoft.com/office/drawing/2010/main" w="9525">
                     <a:solidFill>
                       <a:srgbClr val="000000"/>
                     </a:solidFill>
@@ -11219,7 +11811,7 @@
               </a:ln>
               <a:extLst>
                 <a:ext uri="{91240B29-F687-4f45-9708-019B960494DF}">
-                  <a14:hiddenLine xmlns:a14="http://schemas.microsoft.com/office/drawing/2010/main" xmlns="" w="9525">
+                  <a14:hiddenLine xmlns="" xmlns:a14="http://schemas.microsoft.com/office/drawing/2010/main" w="9525">
                     <a:solidFill>
                       <a:srgbClr val="000000"/>
                     </a:solidFill>
@@ -11309,7 +11901,7 @@
               </a:ln>
               <a:extLst>
                 <a:ext uri="{91240B29-F687-4f45-9708-019B960494DF}">
-                  <a14:hiddenLine xmlns:a14="http://schemas.microsoft.com/office/drawing/2010/main" xmlns="" w="9525">
+                  <a14:hiddenLine xmlns="" xmlns:a14="http://schemas.microsoft.com/office/drawing/2010/main" w="9525">
                     <a:solidFill>
                       <a:srgbClr val="000000"/>
                     </a:solidFill>
@@ -11374,7 +11966,7 @@
               </a:ln>
               <a:extLst>
                 <a:ext uri="{91240B29-F687-4f45-9708-019B960494DF}">
-                  <a14:hiddenLine xmlns:a14="http://schemas.microsoft.com/office/drawing/2010/main" xmlns="" w="9525">
+                  <a14:hiddenLine xmlns="" xmlns:a14="http://schemas.microsoft.com/office/drawing/2010/main" w="9525">
                     <a:solidFill>
                       <a:srgbClr val="000000"/>
                     </a:solidFill>
@@ -11436,7 +12028,7 @@
               </a:ln>
               <a:extLst>
                 <a:ext uri="{91240B29-F687-4f45-9708-019B960494DF}">
-                  <a14:hiddenLine xmlns:a14="http://schemas.microsoft.com/office/drawing/2010/main" xmlns="" w="9525">
+                  <a14:hiddenLine xmlns="" xmlns:a14="http://schemas.microsoft.com/office/drawing/2010/main" w="9525">
                     <a:solidFill>
                       <a:srgbClr val="000000"/>
                     </a:solidFill>
@@ -11526,7 +12118,7 @@
               </a:ln>
               <a:extLst>
                 <a:ext uri="{91240B29-F687-4f45-9708-019B960494DF}">
-                  <a14:hiddenLine xmlns:a14="http://schemas.microsoft.com/office/drawing/2010/main" xmlns="" w="9525">
+                  <a14:hiddenLine xmlns="" xmlns:a14="http://schemas.microsoft.com/office/drawing/2010/main" w="9525">
                     <a:solidFill>
                       <a:srgbClr val="000000"/>
                     </a:solidFill>
@@ -11616,7 +12208,7 @@
               </a:ln>
               <a:extLst>
                 <a:ext uri="{91240B29-F687-4f45-9708-019B960494DF}">
-                  <a14:hiddenLine xmlns:a14="http://schemas.microsoft.com/office/drawing/2010/main" xmlns="" w="9525">
+                  <a14:hiddenLine xmlns="" xmlns:a14="http://schemas.microsoft.com/office/drawing/2010/main" w="9525">
                     <a:solidFill>
                       <a:srgbClr val="000000"/>
                     </a:solidFill>
@@ -11681,7 +12273,7 @@
               </a:ln>
               <a:extLst>
                 <a:ext uri="{91240B29-F687-4f45-9708-019B960494DF}">
-                  <a14:hiddenLine xmlns:a14="http://schemas.microsoft.com/office/drawing/2010/main" xmlns="" w="9525">
+                  <a14:hiddenLine xmlns="" xmlns:a14="http://schemas.microsoft.com/office/drawing/2010/main" w="9525">
                     <a:solidFill>
                       <a:srgbClr val="000000"/>
                     </a:solidFill>
@@ -11801,7 +12393,7 @@
               </a:ln>
               <a:extLst>
                 <a:ext uri="{91240B29-F687-4f45-9708-019B960494DF}">
-                  <a14:hiddenLine xmlns:a14="http://schemas.microsoft.com/office/drawing/2010/main" xmlns="" w="9525">
+                  <a14:hiddenLine xmlns="" xmlns:a14="http://schemas.microsoft.com/office/drawing/2010/main" w="9525">
                     <a:solidFill>
                       <a:srgbClr val="000000"/>
                     </a:solidFill>
@@ -11899,7 +12491,7 @@
               </a:ln>
               <a:extLst>
                 <a:ext uri="{91240B29-F687-4f45-9708-019B960494DF}">
-                  <a14:hiddenLine xmlns:a14="http://schemas.microsoft.com/office/drawing/2010/main" xmlns="" w="9525">
+                  <a14:hiddenLine xmlns="" xmlns:a14="http://schemas.microsoft.com/office/drawing/2010/main" w="9525">
                     <a:solidFill>
                       <a:srgbClr val="000000"/>
                     </a:solidFill>
@@ -12014,7 +12606,7 @@
               </a:ln>
               <a:extLst>
                 <a:ext uri="{91240B29-F687-4f45-9708-019B960494DF}">
-                  <a14:hiddenLine xmlns:a14="http://schemas.microsoft.com/office/drawing/2010/main" xmlns="" w="9525">
+                  <a14:hiddenLine xmlns="" xmlns:a14="http://schemas.microsoft.com/office/drawing/2010/main" w="9525">
                     <a:solidFill>
                       <a:srgbClr val="000000"/>
                     </a:solidFill>
@@ -12104,7 +12696,7 @@
               </a:ln>
               <a:extLst>
                 <a:ext uri="{91240B29-F687-4f45-9708-019B960494DF}">
-                  <a14:hiddenLine xmlns:a14="http://schemas.microsoft.com/office/drawing/2010/main" xmlns="" w="9525">
+                  <a14:hiddenLine xmlns="" xmlns:a14="http://schemas.microsoft.com/office/drawing/2010/main" w="9525">
                     <a:solidFill>
                       <a:srgbClr val="000000"/>
                     </a:solidFill>
@@ -12169,7 +12761,7 @@
               </a:ln>
               <a:extLst>
                 <a:ext uri="{91240B29-F687-4f45-9708-019B960494DF}">
-                  <a14:hiddenLine xmlns:a14="http://schemas.microsoft.com/office/drawing/2010/main" xmlns="" w="9525">
+                  <a14:hiddenLine xmlns="" xmlns:a14="http://schemas.microsoft.com/office/drawing/2010/main" w="9525">
                     <a:solidFill>
                       <a:srgbClr val="000000"/>
                     </a:solidFill>
@@ -12259,7 +12851,7 @@
               </a:ln>
               <a:extLst>
                 <a:ext uri="{91240B29-F687-4f45-9708-019B960494DF}">
-                  <a14:hiddenLine xmlns:a14="http://schemas.microsoft.com/office/drawing/2010/main" xmlns="" w="9525">
+                  <a14:hiddenLine xmlns="" xmlns:a14="http://schemas.microsoft.com/office/drawing/2010/main" w="9525">
                     <a:solidFill>
                       <a:srgbClr val="000000"/>
                     </a:solidFill>
@@ -12327,7 +12919,7 @@
               </a:ln>
               <a:extLst>
                 <a:ext uri="{91240B29-F687-4f45-9708-019B960494DF}">
-                  <a14:hiddenLine xmlns:a14="http://schemas.microsoft.com/office/drawing/2010/main" xmlns="" w="9525">
+                  <a14:hiddenLine xmlns="" xmlns:a14="http://schemas.microsoft.com/office/drawing/2010/main" w="9525">
                     <a:solidFill>
                       <a:srgbClr val="000000"/>
                     </a:solidFill>
@@ -12417,7 +13009,7 @@
               </a:ln>
               <a:extLst>
                 <a:ext uri="{91240B29-F687-4f45-9708-019B960494DF}">
-                  <a14:hiddenLine xmlns:a14="http://schemas.microsoft.com/office/drawing/2010/main" xmlns="" w="9525">
+                  <a14:hiddenLine xmlns="" xmlns:a14="http://schemas.microsoft.com/office/drawing/2010/main" w="9525">
                     <a:solidFill>
                       <a:srgbClr val="000000"/>
                     </a:solidFill>
@@ -12485,7 +13077,7 @@
               </a:ln>
               <a:extLst>
                 <a:ext uri="{91240B29-F687-4f45-9708-019B960494DF}">
-                  <a14:hiddenLine xmlns:a14="http://schemas.microsoft.com/office/drawing/2010/main" xmlns="" w="9525">
+                  <a14:hiddenLine xmlns="" xmlns:a14="http://schemas.microsoft.com/office/drawing/2010/main" w="9525">
                     <a:solidFill>
                       <a:srgbClr val="000000"/>
                     </a:solidFill>
@@ -12575,7 +13167,7 @@
               </a:ln>
               <a:extLst>
                 <a:ext uri="{91240B29-F687-4f45-9708-019B960494DF}">
-                  <a14:hiddenLine xmlns:a14="http://schemas.microsoft.com/office/drawing/2010/main" xmlns="" w="9525">
+                  <a14:hiddenLine xmlns="" xmlns:a14="http://schemas.microsoft.com/office/drawing/2010/main" w="9525">
                     <a:solidFill>
                       <a:srgbClr val="000000"/>
                     </a:solidFill>
@@ -12609,7 +13201,7 @@
               </a:ln>
               <a:extLst>
                 <a:ext uri="{91240B29-F687-4f45-9708-019B960494DF}">
-                  <a14:hiddenLine xmlns:a14="http://schemas.microsoft.com/office/drawing/2010/main" xmlns="" w="9525">
+                  <a14:hiddenLine xmlns="" xmlns:a14="http://schemas.microsoft.com/office/drawing/2010/main" w="9525">
                     <a:solidFill>
                       <a:srgbClr val="000000"/>
                     </a:solidFill>
@@ -16945,7 +17537,6 @@
               <a:rPr lang="en-US" sz="2800" dirty="0" smtClean="0"/>
               <a:t>Release  </a:t>
             </a:r>
-            <a:endParaRPr lang="en-US" sz="2800" dirty="0" smtClean="0"/>
           </a:p>
           <a:p>
             <a:r>
@@ -18375,7 +18966,7 @@
           <a:bodyPr/>
           <a:lstStyle/>
           <a:p>
-            <a:fld id="{A7CB52F8-929A-477B-AA29-8978ABF03B00}" type="datetime5">
+            <a:fld id="{9069892B-FEFC-4F3D-AAB7-150792B871DF}" type="datetime5">
               <a:rPr lang="en-US" smtClean="0"/>
               <a:t>30-Oct-18</a:t>
             </a:fld>
@@ -18424,278 +19015,6 @@
             <a:fld id="{B4829C59-8948-1A4D-840C-AB343535AC28}" type="slidenum">
               <a:rPr lang="en-US" smtClean="0"/>
               <a:t>15</a:t>
-            </a:fld>
-            <a:endParaRPr lang="en-US"/>
-          </a:p>
-        </p:txBody>
-      </p:sp>
-      <p:sp>
-        <p:nvSpPr>
-          <p:cNvPr id="5" name="TextBox 4"/>
-          <p:cNvSpPr txBox="1"/>
-          <p:nvPr/>
-        </p:nvSpPr>
-        <p:spPr>
-          <a:xfrm>
-            <a:off x="2060219" y="2136808"/>
-            <a:ext cx="4677878" cy="1754326"/>
-          </a:xfrm>
-          <a:prstGeom prst="rect">
-            <a:avLst/>
-          </a:prstGeom>
-          <a:noFill/>
-        </p:spPr>
-        <p:txBody>
-          <a:bodyPr wrap="square" rtlCol="0">
-            <a:spAutoFit/>
-          </a:bodyPr>
-          <a:lstStyle/>
-          <a:p>
-            <a:pPr algn="ctr"/>
-            <a:r>
-              <a:rPr lang="en-US" sz="5400" dirty="0" smtClean="0"/>
-              <a:t>Are you ready?</a:t>
-            </a:r>
-          </a:p>
-          <a:p>
-            <a:pPr algn="ctr"/>
-            <a:endParaRPr lang="en-US" sz="5400" dirty="0"/>
-          </a:p>
-        </p:txBody>
-      </p:sp>
-    </p:spTree>
-    <p:extLst>
-      <p:ext uri="{BB962C8B-B14F-4D97-AF65-F5344CB8AC3E}">
-        <p14:creationId xmlns:p14="http://schemas.microsoft.com/office/powerpoint/2010/main" val="947117188"/>
-      </p:ext>
-    </p:extLst>
-  </p:cSld>
-  <p:clrMapOvr>
-    <a:masterClrMapping/>
-  </p:clrMapOvr>
-  <p:timing>
-    <p:tnLst>
-      <p:par>
-        <p:cTn id="1" dur="indefinite" restart="never" nodeType="tmRoot"/>
-      </p:par>
-    </p:tnLst>
-  </p:timing>
-</p:sld>
-</file>
-
-<file path=ppt/slides/slide16.xml><?xml version="1.0" encoding="utf-8"?>
-<p:sld xmlns:a="http://schemas.openxmlformats.org/drawingml/2006/main" xmlns:r="http://schemas.openxmlformats.org/officeDocument/2006/relationships" xmlns:p="http://schemas.openxmlformats.org/presentationml/2006/main">
-  <p:cSld>
-    <p:spTree>
-      <p:nvGrpSpPr>
-        <p:cNvPr id="1" name=""/>
-        <p:cNvGrpSpPr/>
-        <p:nvPr/>
-      </p:nvGrpSpPr>
-      <p:grpSpPr>
-        <a:xfrm>
-          <a:off x="0" y="0"/>
-          <a:ext cx="0" cy="0"/>
-          <a:chOff x="0" y="0"/>
-          <a:chExt cx="0" cy="0"/>
-        </a:xfrm>
-      </p:grpSpPr>
-      <p:pic>
-        <p:nvPicPr>
-          <p:cNvPr id="4" name="Picture 3">
-            <a:hlinkClick r:id="rId2"/>
-          </p:cNvPr>
-          <p:cNvPicPr>
-            <a:picLocks noChangeAspect="1"/>
-          </p:cNvPicPr>
-          <p:nvPr/>
-        </p:nvPicPr>
-        <p:blipFill>
-          <a:blip r:embed="rId3"/>
-          <a:stretch>
-            <a:fillRect/>
-          </a:stretch>
-        </p:blipFill>
-        <p:spPr>
-          <a:xfrm>
-            <a:off x="1931907" y="972151"/>
-            <a:ext cx="5147291" cy="4718618"/>
-          </a:xfrm>
-          <a:prstGeom prst="rect">
-            <a:avLst/>
-          </a:prstGeom>
-        </p:spPr>
-      </p:pic>
-      <p:sp>
-        <p:nvSpPr>
-          <p:cNvPr id="3" name="Date Placeholder 2"/>
-          <p:cNvSpPr>
-            <a:spLocks noGrp="1"/>
-          </p:cNvSpPr>
-          <p:nvPr>
-            <p:ph type="dt" sz="half" idx="10"/>
-          </p:nvPr>
-        </p:nvSpPr>
-        <p:spPr/>
-        <p:txBody>
-          <a:bodyPr/>
-          <a:lstStyle/>
-          <a:p>
-            <a:fld id="{E9BBFA9E-BC38-46F4-B8C7-298D80D494F9}" type="datetime5">
-              <a:rPr lang="en-US" smtClean="0"/>
-              <a:t>30-Oct-18</a:t>
-            </a:fld>
-            <a:endParaRPr lang="en-US"/>
-          </a:p>
-        </p:txBody>
-      </p:sp>
-      <p:sp>
-        <p:nvSpPr>
-          <p:cNvPr id="2" name="Footer Placeholder 1"/>
-          <p:cNvSpPr>
-            <a:spLocks noGrp="1"/>
-          </p:cNvSpPr>
-          <p:nvPr>
-            <p:ph type="ftr" sz="quarter" idx="11"/>
-          </p:nvPr>
-        </p:nvSpPr>
-        <p:spPr/>
-        <p:txBody>
-          <a:bodyPr/>
-          <a:lstStyle/>
-          <a:p>
-            <a:r>
-              <a:rPr lang="en-US" smtClean="0"/>
-              <a:t>AXP Internal</a:t>
-            </a:r>
-            <a:endParaRPr lang="en-US"/>
-          </a:p>
-        </p:txBody>
-      </p:sp>
-      <p:sp>
-        <p:nvSpPr>
-          <p:cNvPr id="5" name="Slide Number Placeholder 4"/>
-          <p:cNvSpPr>
-            <a:spLocks noGrp="1"/>
-          </p:cNvSpPr>
-          <p:nvPr>
-            <p:ph type="sldNum" sz="quarter" idx="12"/>
-          </p:nvPr>
-        </p:nvSpPr>
-        <p:spPr/>
-        <p:txBody>
-          <a:bodyPr/>
-          <a:lstStyle/>
-          <a:p>
-            <a:fld id="{B4829C59-8948-1A4D-840C-AB343535AC28}" type="slidenum">
-              <a:rPr lang="en-US" smtClean="0"/>
-              <a:t>16</a:t>
-            </a:fld>
-            <a:endParaRPr lang="en-US"/>
-          </a:p>
-        </p:txBody>
-      </p:sp>
-    </p:spTree>
-    <p:extLst>
-      <p:ext uri="{BB962C8B-B14F-4D97-AF65-F5344CB8AC3E}">
-        <p14:creationId xmlns:p14="http://schemas.microsoft.com/office/powerpoint/2010/main" val="3274473585"/>
-      </p:ext>
-    </p:extLst>
-  </p:cSld>
-  <p:clrMapOvr>
-    <a:masterClrMapping/>
-  </p:clrMapOvr>
-  <p:timing>
-    <p:tnLst>
-      <p:par>
-        <p:cTn id="1" dur="indefinite" restart="never" nodeType="tmRoot"/>
-      </p:par>
-    </p:tnLst>
-  </p:timing>
-</p:sld>
-</file>
-
-<file path=ppt/slides/slide17.xml><?xml version="1.0" encoding="utf-8"?>
-<p:sld xmlns:a="http://schemas.openxmlformats.org/drawingml/2006/main" xmlns:r="http://schemas.openxmlformats.org/officeDocument/2006/relationships" xmlns:p="http://schemas.openxmlformats.org/presentationml/2006/main">
-  <p:cSld>
-    <p:spTree>
-      <p:nvGrpSpPr>
-        <p:cNvPr id="1" name=""/>
-        <p:cNvGrpSpPr/>
-        <p:nvPr/>
-      </p:nvGrpSpPr>
-      <p:grpSpPr>
-        <a:xfrm>
-          <a:off x="0" y="0"/>
-          <a:ext cx="0" cy="0"/>
-          <a:chOff x="0" y="0"/>
-          <a:chExt cx="0" cy="0"/>
-        </a:xfrm>
-      </p:grpSpPr>
-      <p:sp>
-        <p:nvSpPr>
-          <p:cNvPr id="2" name="Date Placeholder 1"/>
-          <p:cNvSpPr>
-            <a:spLocks noGrp="1"/>
-          </p:cNvSpPr>
-          <p:nvPr>
-            <p:ph type="dt" sz="half" idx="10"/>
-          </p:nvPr>
-        </p:nvSpPr>
-        <p:spPr/>
-        <p:txBody>
-          <a:bodyPr/>
-          <a:lstStyle/>
-          <a:p>
-            <a:fld id="{9069892B-FEFC-4F3D-AAB7-150792B871DF}" type="datetime5">
-              <a:rPr lang="en-US" smtClean="0"/>
-              <a:t>30-Oct-18</a:t>
-            </a:fld>
-            <a:endParaRPr lang="en-US"/>
-          </a:p>
-        </p:txBody>
-      </p:sp>
-      <p:sp>
-        <p:nvSpPr>
-          <p:cNvPr id="3" name="Footer Placeholder 2"/>
-          <p:cNvSpPr>
-            <a:spLocks noGrp="1"/>
-          </p:cNvSpPr>
-          <p:nvPr>
-            <p:ph type="ftr" sz="quarter" idx="11"/>
-          </p:nvPr>
-        </p:nvSpPr>
-        <p:spPr/>
-        <p:txBody>
-          <a:bodyPr/>
-          <a:lstStyle/>
-          <a:p>
-            <a:r>
-              <a:rPr lang="en-US" smtClean="0"/>
-              <a:t>AXP Internal</a:t>
-            </a:r>
-            <a:endParaRPr lang="en-US"/>
-          </a:p>
-        </p:txBody>
-      </p:sp>
-      <p:sp>
-        <p:nvSpPr>
-          <p:cNvPr id="4" name="Slide Number Placeholder 3"/>
-          <p:cNvSpPr>
-            <a:spLocks noGrp="1"/>
-          </p:cNvSpPr>
-          <p:nvPr>
-            <p:ph type="sldNum" sz="quarter" idx="12"/>
-          </p:nvPr>
-        </p:nvSpPr>
-        <p:spPr/>
-        <p:txBody>
-          <a:bodyPr/>
-          <a:lstStyle/>
-          <a:p>
-            <a:fld id="{B4829C59-8948-1A4D-840C-AB343535AC28}" type="slidenum">
-              <a:rPr lang="en-US" smtClean="0"/>
-              <a:t>17</a:t>
             </a:fld>
             <a:endParaRPr lang="en-US"/>
           </a:p>
@@ -18838,21 +19157,14 @@
           <a:p>
             <a:pPr lvl="1"/>
             <a:r>
-              <a:rPr lang="en-US" dirty="0"/>
-              <a:t>If there are </a:t>
-            </a:r>
-            <a:r>
               <a:rPr lang="en-US" dirty="0" smtClean="0"/>
-              <a:t>many </a:t>
-            </a:r>
-            <a:r>
-              <a:rPr lang="en-US" dirty="0"/>
-              <a:t>developers with different tasks on the same codebase</a:t>
+              <a:t>Pull other people work before you push yours</a:t>
             </a:r>
             <a:r>
               <a:rPr lang="en-US" dirty="0" smtClean="0"/>
               <a:t>?</a:t>
             </a:r>
+            <a:endParaRPr lang="en-US" dirty="0" smtClean="0"/>
           </a:p>
           <a:p>
             <a:r>
@@ -19829,8 +20141,20 @@
             <a:pPr lvl="1"/>
             <a:r>
               <a:rPr lang="en-US" dirty="0" smtClean="0"/>
-              <a:t>Tag it</a:t>
+              <a:t>Tag </a:t>
             </a:r>
+            <a:r>
+              <a:rPr lang="en-US" dirty="0" smtClean="0"/>
+              <a:t>it</a:t>
+            </a:r>
+          </a:p>
+          <a:p>
+            <a:pPr lvl="1"/>
+            <a:r>
+              <a:rPr lang="en-US" dirty="0" smtClean="0"/>
+              <a:t>Infinite life time</a:t>
+            </a:r>
+            <a:endParaRPr lang="en-US" dirty="0" smtClean="0"/>
           </a:p>
           <a:p>
             <a:r>
@@ -19856,6 +20180,18 @@
               <a:rPr lang="en-US" dirty="0" smtClean="0"/>
               <a:t>master</a:t>
             </a:r>
+          </a:p>
+          <a:p>
+            <a:pPr lvl="1"/>
+            <a:r>
+              <a:rPr lang="en-US" dirty="0"/>
+              <a:t>Infinite life time</a:t>
+            </a:r>
+          </a:p>
+          <a:p>
+            <a:pPr marL="457200" lvl="1" indent="0">
+              <a:buNone/>
+            </a:pPr>
             <a:endParaRPr lang="en-US" dirty="0"/>
           </a:p>
           <a:p>
@@ -20136,6 +20472,37 @@
                                   </p:childTnLst>
                                 </p:cTn>
                               </p:par>
+                              <p:par>
+                                <p:cTn id="15" presetID="1" presetClass="entr" presetSubtype="0" fill="hold" nodeType="withEffect">
+                                  <p:stCondLst>
+                                    <p:cond delay="0"/>
+                                  </p:stCondLst>
+                                  <p:childTnLst>
+                                    <p:set>
+                                      <p:cBhvr>
+                                        <p:cTn id="16" dur="1" fill="hold">
+                                          <p:stCondLst>
+                                            <p:cond delay="0"/>
+                                          </p:stCondLst>
+                                        </p:cTn>
+                                        <p:tgtEl>
+                                          <p:spTgt spid="3">
+                                            <p:txEl>
+                                              <p:pRg st="5" end="5"/>
+                                            </p:txEl>
+                                          </p:spTgt>
+                                        </p:tgtEl>
+                                        <p:attrNameLst>
+                                          <p:attrName>style.visibility</p:attrName>
+                                        </p:attrNameLst>
+                                      </p:cBhvr>
+                                      <p:to>
+                                        <p:strVal val="visible"/>
+                                      </p:to>
+                                    </p:set>
+                                  </p:childTnLst>
+                                </p:cTn>
+                              </p:par>
                             </p:childTnLst>
                           </p:cTn>
                         </p:par>
@@ -20143,50 +20510,19 @@
                     </p:cTn>
                   </p:par>
                   <p:par>
-                    <p:cTn id="15" fill="hold">
+                    <p:cTn id="17" fill="hold">
                       <p:stCondLst>
                         <p:cond delay="indefinite"/>
                       </p:stCondLst>
                       <p:childTnLst>
                         <p:par>
-                          <p:cTn id="16" fill="hold">
+                          <p:cTn id="18" fill="hold">
                             <p:stCondLst>
                               <p:cond delay="0"/>
                             </p:stCondLst>
                             <p:childTnLst>
                               <p:par>
-                                <p:cTn id="17" presetID="1" presetClass="entr" presetSubtype="0" fill="hold" nodeType="clickEffect">
-                                  <p:stCondLst>
-                                    <p:cond delay="0"/>
-                                  </p:stCondLst>
-                                  <p:childTnLst>
-                                    <p:set>
-                                      <p:cBhvr>
-                                        <p:cTn id="18" dur="1" fill="hold">
-                                          <p:stCondLst>
-                                            <p:cond delay="0"/>
-                                          </p:stCondLst>
-                                        </p:cTn>
-                                        <p:tgtEl>
-                                          <p:spTgt spid="3">
-                                            <p:txEl>
-                                              <p:pRg st="5" end="5"/>
-                                            </p:txEl>
-                                          </p:spTgt>
-                                        </p:tgtEl>
-                                        <p:attrNameLst>
-                                          <p:attrName>style.visibility</p:attrName>
-                                        </p:attrNameLst>
-                                      </p:cBhvr>
-                                      <p:to>
-                                        <p:strVal val="visible"/>
-                                      </p:to>
-                                    </p:set>
-                                  </p:childTnLst>
-                                </p:cTn>
-                              </p:par>
-                              <p:par>
-                                <p:cTn id="19" presetID="1" presetClass="entr" presetSubtype="0" fill="hold" nodeType="withEffect">
+                                <p:cTn id="19" presetID="1" presetClass="entr" presetSubtype="0" fill="hold" nodeType="clickEffect">
                                   <p:stCondLst>
                                     <p:cond delay="0"/>
                                   </p:stCondLst>
@@ -20202,6 +20538,68 @@
                                           <p:spTgt spid="3">
                                             <p:txEl>
                                               <p:pRg st="6" end="6"/>
+                                            </p:txEl>
+                                          </p:spTgt>
+                                        </p:tgtEl>
+                                        <p:attrNameLst>
+                                          <p:attrName>style.visibility</p:attrName>
+                                        </p:attrNameLst>
+                                      </p:cBhvr>
+                                      <p:to>
+                                        <p:strVal val="visible"/>
+                                      </p:to>
+                                    </p:set>
+                                  </p:childTnLst>
+                                </p:cTn>
+                              </p:par>
+                              <p:par>
+                                <p:cTn id="21" presetID="1" presetClass="entr" presetSubtype="0" fill="hold" nodeType="withEffect">
+                                  <p:stCondLst>
+                                    <p:cond delay="0"/>
+                                  </p:stCondLst>
+                                  <p:childTnLst>
+                                    <p:set>
+                                      <p:cBhvr>
+                                        <p:cTn id="22" dur="1" fill="hold">
+                                          <p:stCondLst>
+                                            <p:cond delay="0"/>
+                                          </p:stCondLst>
+                                        </p:cTn>
+                                        <p:tgtEl>
+                                          <p:spTgt spid="3">
+                                            <p:txEl>
+                                              <p:pRg st="7" end="7"/>
+                                            </p:txEl>
+                                          </p:spTgt>
+                                        </p:tgtEl>
+                                        <p:attrNameLst>
+                                          <p:attrName>style.visibility</p:attrName>
+                                        </p:attrNameLst>
+                                      </p:cBhvr>
+                                      <p:to>
+                                        <p:strVal val="visible"/>
+                                      </p:to>
+                                    </p:set>
+                                  </p:childTnLst>
+                                </p:cTn>
+                              </p:par>
+                              <p:par>
+                                <p:cTn id="23" presetID="1" presetClass="entr" presetSubtype="0" fill="hold" nodeType="withEffect">
+                                  <p:stCondLst>
+                                    <p:cond delay="0"/>
+                                  </p:stCondLst>
+                                  <p:childTnLst>
+                                    <p:set>
+                                      <p:cBhvr>
+                                        <p:cTn id="24" dur="1" fill="hold">
+                                          <p:stCondLst>
+                                            <p:cond delay="0"/>
+                                          </p:stCondLst>
+                                        </p:cTn>
+                                        <p:tgtEl>
+                                          <p:spTgt spid="3">
+                                            <p:txEl>
+                                              <p:pRg st="8" end="8"/>
                                             </p:txEl>
                                           </p:spTgt>
                                         </p:tgtEl>
@@ -22085,11 +22483,7 @@
             </a:r>
             <a:r>
               <a:rPr lang="en-US" dirty="0" smtClean="0"/>
-              <a:t>release, branched from </a:t>
-            </a:r>
-            <a:r>
-              <a:rPr lang="en-US" dirty="0" smtClean="0"/>
-              <a:t>develop</a:t>
+              <a:t>release, branched from develop</a:t>
             </a:r>
           </a:p>
           <a:p>
@@ -22102,20 +22496,12 @@
               <a:rPr lang="en-US" dirty="0" smtClean="0"/>
               <a:t>develop</a:t>
             </a:r>
-            <a:endParaRPr lang="en-US" dirty="0" smtClean="0"/>
-          </a:p>
-          <a:p>
-            <a:pPr lvl="1"/>
-            <a:r>
-              <a:rPr lang="en-US" dirty="0"/>
-              <a:t>  Primary working branches for an individual(s)</a:t>
-            </a:r>
           </a:p>
           <a:p>
             <a:pPr lvl="1"/>
             <a:r>
               <a:rPr lang="en-US" dirty="0" smtClean="0"/>
-              <a:t>  Temporary </a:t>
+              <a:t> Temporary </a:t>
             </a:r>
             <a:r>
               <a:rPr lang="en-US" dirty="0"/>
@@ -22130,8 +22516,13 @@
             </a:r>
             <a:r>
               <a:rPr lang="en-US" dirty="0"/>
-              <a:t>the feature is a failure you can remove it</a:t>
+              <a:t>the feature is a failure you can </a:t>
             </a:r>
+            <a:r>
+              <a:rPr lang="en-US" dirty="0" smtClean="0"/>
+              <a:t>discard it</a:t>
+            </a:r>
+            <a:endParaRPr lang="en-US" dirty="0"/>
           </a:p>
           <a:p>
             <a:endParaRPr lang="en-US" dirty="0"/>
@@ -22431,37 +22822,6 @@
                                           <p:spTgt spid="3">
                                             <p:txEl>
                                               <p:pRg st="5" end="5"/>
-                                            </p:txEl>
-                                          </p:spTgt>
-                                        </p:tgtEl>
-                                        <p:attrNameLst>
-                                          <p:attrName>style.visibility</p:attrName>
-                                        </p:attrNameLst>
-                                      </p:cBhvr>
-                                      <p:to>
-                                        <p:strVal val="visible"/>
-                                      </p:to>
-                                    </p:set>
-                                  </p:childTnLst>
-                                </p:cTn>
-                              </p:par>
-                              <p:par>
-                                <p:cTn id="17" presetID="1" presetClass="entr" presetSubtype="0" fill="hold" nodeType="withEffect">
-                                  <p:stCondLst>
-                                    <p:cond delay="0"/>
-                                  </p:stCondLst>
-                                  <p:childTnLst>
-                                    <p:set>
-                                      <p:cBhvr>
-                                        <p:cTn id="18" dur="1" fill="hold">
-                                          <p:stCondLst>
-                                            <p:cond delay="0"/>
-                                          </p:stCondLst>
-                                        </p:cTn>
-                                        <p:tgtEl>
-                                          <p:spTgt spid="3">
-                                            <p:txEl>
-                                              <p:pRg st="6" end="6"/>
                                             </p:txEl>
                                           </p:spTgt>
                                         </p:tgtEl>
@@ -26310,31 +26670,24 @@
             </a:r>
             <a:r>
               <a:rPr lang="en-US" dirty="0" smtClean="0"/>
-              <a:t>or finalizing a major/minor release, branched from develop</a:t>
-            </a:r>
-          </a:p>
-          <a:p>
-            <a:pPr lvl="1"/>
-            <a:r>
-              <a:rPr lang="en-US" dirty="0" smtClean="0"/>
-              <a:t>No </a:t>
-            </a:r>
-            <a:r>
-              <a:rPr lang="en-US" dirty="0"/>
-              <a:t>features </a:t>
+              <a:t>or finalizing a major/minor release, branched from </a:t>
             </a:r>
             <a:r>
               <a:rPr lang="en-US" dirty="0" smtClean="0"/>
-              <a:t>added only minor </a:t>
+              <a:t>develop</a:t>
             </a:r>
+          </a:p>
+          <a:p>
+            <a:pPr lvl="1"/>
             <a:r>
               <a:rPr lang="en-US" dirty="0"/>
-              <a:t>bug fixes </a:t>
+              <a:t>No features added only minor bug fixes </a:t>
             </a:r>
             <a:r>
               <a:rPr lang="en-US" dirty="0" smtClean="0"/>
               <a:t>allowed</a:t>
             </a:r>
+            <a:endParaRPr lang="en-US" dirty="0" smtClean="0"/>
           </a:p>
           <a:p>
             <a:pPr lvl="1"/>
@@ -26346,32 +26699,22 @@
               <a:rPr lang="en-US" dirty="0" smtClean="0"/>
               <a:t>master</a:t>
             </a:r>
-            <a:endParaRPr lang="en-US" dirty="0"/>
+            <a:endParaRPr lang="en-US" dirty="0" smtClean="0"/>
           </a:p>
           <a:p>
             <a:pPr lvl="1"/>
             <a:r>
+              <a:rPr lang="en-US" dirty="0" smtClean="0"/>
+              <a:t>Merge </a:t>
+            </a:r>
+            <a:r>
               <a:rPr lang="en-US" dirty="0"/>
-              <a:t>Merge all changes back to develop if </a:t>
+              <a:t>all changes back to </a:t>
             </a:r>
             <a:r>
               <a:rPr lang="en-US" dirty="0" smtClean="0"/>
-              <a:t>necessary</a:t>
+              <a:t>develop</a:t>
             </a:r>
-          </a:p>
-          <a:p>
-            <a:pPr lvl="1"/>
-            <a:r>
-              <a:rPr lang="en-US" dirty="0" smtClean="0"/>
-              <a:t>Delete it</a:t>
-            </a:r>
-          </a:p>
-          <a:p>
-            <a:pPr lvl="1"/>
-            <a:endParaRPr lang="en-US" dirty="0" smtClean="0"/>
-          </a:p>
-          <a:p>
-            <a:pPr marL="857250" lvl="1"/>
             <a:endParaRPr lang="en-US" dirty="0" smtClean="0"/>
           </a:p>
           <a:p>
@@ -26672,37 +27015,6 @@
                                           <p:spTgt spid="3">
                                             <p:txEl>
                                               <p:pRg st="5" end="5"/>
-                                            </p:txEl>
-                                          </p:spTgt>
-                                        </p:tgtEl>
-                                        <p:attrNameLst>
-                                          <p:attrName>style.visibility</p:attrName>
-                                        </p:attrNameLst>
-                                      </p:cBhvr>
-                                      <p:to>
-                                        <p:strVal val="visible"/>
-                                      </p:to>
-                                    </p:set>
-                                  </p:childTnLst>
-                                </p:cTn>
-                              </p:par>
-                              <p:par>
-                                <p:cTn id="17" presetID="1" presetClass="entr" presetSubtype="0" fill="hold" nodeType="withEffect">
-                                  <p:stCondLst>
-                                    <p:cond delay="0"/>
-                                  </p:stCondLst>
-                                  <p:childTnLst>
-                                    <p:set>
-                                      <p:cBhvr>
-                                        <p:cTn id="18" dur="1" fill="hold">
-                                          <p:stCondLst>
-                                            <p:cond delay="0"/>
-                                          </p:stCondLst>
-                                        </p:cTn>
-                                        <p:tgtEl>
-                                          <p:spTgt spid="3">
-                                            <p:txEl>
-                                              <p:pRg st="6" end="6"/>
                                             </p:txEl>
                                           </p:spTgt>
                                         </p:tgtEl>

--- a/Branching.pptx
+++ b/Branching.pptx
@@ -5,10 +5,10 @@
     <p:sldMasterId id="2147483831" r:id="rId1"/>
   </p:sldMasterIdLst>
   <p:notesMasterIdLst>
-    <p:notesMasterId r:id="rId19"/>
+    <p:notesMasterId r:id="rId17"/>
   </p:notesMasterIdLst>
   <p:handoutMasterIdLst>
-    <p:handoutMasterId r:id="rId20"/>
+    <p:handoutMasterId r:id="rId18"/>
   </p:handoutMasterIdLst>
   <p:sldIdLst>
     <p:sldId id="256" r:id="rId2"/>
@@ -25,9 +25,7 @@
     <p:sldId id="295" r:id="rId13"/>
     <p:sldId id="269" r:id="rId14"/>
     <p:sldId id="262" r:id="rId15"/>
-    <p:sldId id="299" r:id="rId16"/>
-    <p:sldId id="257" r:id="rId17"/>
-    <p:sldId id="298" r:id="rId18"/>
+    <p:sldId id="298" r:id="rId16"/>
   </p:sldIdLst>
   <p:sldSz cx="9144000" cy="6858000" type="screen4x3"/>
   <p:notesSz cx="7010400" cy="9296400"/>
@@ -227,7 +225,7 @@
           <a:p>
             <a:fld id="{F54A45C4-E78B-4F51-8C24-96E010AF1EF6}" type="datetime5">
               <a:rPr lang="en-US" smtClean="0"/>
-              <a:t>30-Oct-18</a:t>
+              <a:t>31-Oct-18</a:t>
             </a:fld>
             <a:endParaRPr lang="en-US"/>
           </a:p>
@@ -397,7 +395,7 @@
           <a:p>
             <a:fld id="{DCE462EF-63BA-4033-BAAB-21EA0B460D1E}" type="datetime5">
               <a:rPr lang="en-US" smtClean="0"/>
-              <a:t>30-Oct-18</a:t>
+              <a:t>31-Oct-18</a:t>
             </a:fld>
             <a:endParaRPr lang="en-US"/>
           </a:p>
@@ -714,7 +712,7 @@
           <a:bodyPr/>
           <a:lstStyle/>
           <a:p>
-            <a:endParaRPr lang="en-US"/>
+            <a:endParaRPr lang="en-US" baseline="0" dirty="0" smtClean="0"/>
           </a:p>
         </p:txBody>
       </p:sp>
@@ -733,9 +731,399 @@
           <a:bodyPr/>
           <a:lstStyle/>
           <a:p>
+            <a:fld id="{DCE462EF-63BA-4033-BAAB-21EA0B460D1E}" type="datetime5">
+              <a:rPr lang="en-US" smtClean="0"/>
+              <a:t>31-Oct-18</a:t>
+            </a:fld>
+            <a:endParaRPr lang="en-US"/>
+          </a:p>
+        </p:txBody>
+      </p:sp>
+      <p:sp>
+        <p:nvSpPr>
+          <p:cNvPr id="5" name="Footer Placeholder 4"/>
+          <p:cNvSpPr>
+            <a:spLocks noGrp="1"/>
+          </p:cNvSpPr>
+          <p:nvPr>
+            <p:ph type="ftr" sz="quarter" idx="11"/>
+          </p:nvPr>
+        </p:nvSpPr>
+        <p:spPr/>
+        <p:txBody>
+          <a:bodyPr/>
+          <a:lstStyle/>
+          <a:p>
+            <a:r>
+              <a:rPr lang="en-US" smtClean="0"/>
+              <a:t>AXP Internal</a:t>
+            </a:r>
+            <a:endParaRPr lang="en-US"/>
+          </a:p>
+        </p:txBody>
+      </p:sp>
+      <p:sp>
+        <p:nvSpPr>
+          <p:cNvPr id="6" name="Slide Number Placeholder 5"/>
+          <p:cNvSpPr>
+            <a:spLocks noGrp="1"/>
+          </p:cNvSpPr>
+          <p:nvPr>
+            <p:ph type="sldNum" sz="quarter" idx="12"/>
+          </p:nvPr>
+        </p:nvSpPr>
+        <p:spPr/>
+        <p:txBody>
+          <a:bodyPr/>
+          <a:lstStyle/>
+          <a:p>
+            <a:fld id="{BDC5FBE7-89E0-43FB-9F89-F2A2958ED390}" type="slidenum">
+              <a:rPr lang="en-US" smtClean="0"/>
+              <a:t>1</a:t>
+            </a:fld>
+            <a:endParaRPr lang="en-US"/>
+          </a:p>
+        </p:txBody>
+      </p:sp>
+    </p:spTree>
+    <p:extLst>
+      <p:ext uri="{BB962C8B-B14F-4D97-AF65-F5344CB8AC3E}">
+        <p14:creationId xmlns:p14="http://schemas.microsoft.com/office/powerpoint/2010/main" val="989731252"/>
+      </p:ext>
+    </p:extLst>
+  </p:cSld>
+  <p:clrMapOvr>
+    <a:masterClrMapping/>
+  </p:clrMapOvr>
+</p:notes>
+</file>
+
+<file path=ppt/notesSlides/notesSlide2.xml><?xml version="1.0" encoding="utf-8"?>
+<p:notes xmlns:a="http://schemas.openxmlformats.org/drawingml/2006/main" xmlns:r="http://schemas.openxmlformats.org/officeDocument/2006/relationships" xmlns:p="http://schemas.openxmlformats.org/presentationml/2006/main">
+  <p:cSld>
+    <p:spTree>
+      <p:nvGrpSpPr>
+        <p:cNvPr id="1" name=""/>
+        <p:cNvGrpSpPr/>
+        <p:nvPr/>
+      </p:nvGrpSpPr>
+      <p:grpSpPr>
+        <a:xfrm>
+          <a:off x="0" y="0"/>
+          <a:ext cx="0" cy="0"/>
+          <a:chOff x="0" y="0"/>
+          <a:chExt cx="0" cy="0"/>
+        </a:xfrm>
+      </p:grpSpPr>
+      <p:sp>
+        <p:nvSpPr>
+          <p:cNvPr id="2" name="Slide Image Placeholder 1"/>
+          <p:cNvSpPr>
+            <a:spLocks noGrp="1" noRot="1" noChangeAspect="1"/>
+          </p:cNvSpPr>
+          <p:nvPr>
+            <p:ph type="sldImg"/>
+          </p:nvPr>
+        </p:nvSpPr>
+        <p:spPr/>
+      </p:sp>
+      <p:sp>
+        <p:nvSpPr>
+          <p:cNvPr id="3" name="Notes Placeholder 2"/>
+          <p:cNvSpPr>
+            <a:spLocks noGrp="1"/>
+          </p:cNvSpPr>
+          <p:nvPr>
+            <p:ph type="body" idx="1"/>
+          </p:nvPr>
+        </p:nvSpPr>
+        <p:spPr/>
+        <p:txBody>
+          <a:bodyPr/>
+          <a:lstStyle/>
+          <a:p>
+            <a:endParaRPr lang="en-US" dirty="0"/>
+          </a:p>
+        </p:txBody>
+      </p:sp>
+      <p:sp>
+        <p:nvSpPr>
+          <p:cNvPr id="4" name="Date Placeholder 3"/>
+          <p:cNvSpPr>
+            <a:spLocks noGrp="1"/>
+          </p:cNvSpPr>
+          <p:nvPr>
+            <p:ph type="dt" idx="10"/>
+          </p:nvPr>
+        </p:nvSpPr>
+        <p:spPr/>
+        <p:txBody>
+          <a:bodyPr/>
+          <a:lstStyle/>
+          <a:p>
+            <a:fld id="{DCE462EF-63BA-4033-BAAB-21EA0B460D1E}" type="datetime5">
+              <a:rPr lang="en-US" smtClean="0"/>
+              <a:t>31-Oct-18</a:t>
+            </a:fld>
+            <a:endParaRPr lang="en-US"/>
+          </a:p>
+        </p:txBody>
+      </p:sp>
+      <p:sp>
+        <p:nvSpPr>
+          <p:cNvPr id="5" name="Footer Placeholder 4"/>
+          <p:cNvSpPr>
+            <a:spLocks noGrp="1"/>
+          </p:cNvSpPr>
+          <p:nvPr>
+            <p:ph type="ftr" sz="quarter" idx="11"/>
+          </p:nvPr>
+        </p:nvSpPr>
+        <p:spPr/>
+        <p:txBody>
+          <a:bodyPr/>
+          <a:lstStyle/>
+          <a:p>
+            <a:r>
+              <a:rPr lang="en-US" smtClean="0"/>
+              <a:t>AXP Internal</a:t>
+            </a:r>
+            <a:endParaRPr lang="en-US"/>
+          </a:p>
+        </p:txBody>
+      </p:sp>
+      <p:sp>
+        <p:nvSpPr>
+          <p:cNvPr id="6" name="Slide Number Placeholder 5"/>
+          <p:cNvSpPr>
+            <a:spLocks noGrp="1"/>
+          </p:cNvSpPr>
+          <p:nvPr>
+            <p:ph type="sldNum" sz="quarter" idx="12"/>
+          </p:nvPr>
+        </p:nvSpPr>
+        <p:spPr/>
+        <p:txBody>
+          <a:bodyPr/>
+          <a:lstStyle/>
+          <a:p>
+            <a:fld id="{BDC5FBE7-89E0-43FB-9F89-F2A2958ED390}" type="slidenum">
+              <a:rPr lang="en-US" smtClean="0"/>
+              <a:t>2</a:t>
+            </a:fld>
+            <a:endParaRPr lang="en-US"/>
+          </a:p>
+        </p:txBody>
+      </p:sp>
+    </p:spTree>
+    <p:extLst>
+      <p:ext uri="{BB962C8B-B14F-4D97-AF65-F5344CB8AC3E}">
+        <p14:creationId xmlns:p14="http://schemas.microsoft.com/office/powerpoint/2010/main" val="4110581089"/>
+      </p:ext>
+    </p:extLst>
+  </p:cSld>
+  <p:clrMapOvr>
+    <a:masterClrMapping/>
+  </p:clrMapOvr>
+</p:notes>
+</file>
+
+<file path=ppt/notesSlides/notesSlide3.xml><?xml version="1.0" encoding="utf-8"?>
+<p:notes xmlns:a="http://schemas.openxmlformats.org/drawingml/2006/main" xmlns:r="http://schemas.openxmlformats.org/officeDocument/2006/relationships" xmlns:p="http://schemas.openxmlformats.org/presentationml/2006/main">
+  <p:cSld>
+    <p:spTree>
+      <p:nvGrpSpPr>
+        <p:cNvPr id="1" name=""/>
+        <p:cNvGrpSpPr/>
+        <p:nvPr/>
+      </p:nvGrpSpPr>
+      <p:grpSpPr>
+        <a:xfrm>
+          <a:off x="0" y="0"/>
+          <a:ext cx="0" cy="0"/>
+          <a:chOff x="0" y="0"/>
+          <a:chExt cx="0" cy="0"/>
+        </a:xfrm>
+      </p:grpSpPr>
+      <p:sp>
+        <p:nvSpPr>
+          <p:cNvPr id="2" name="Slide Image Placeholder 1"/>
+          <p:cNvSpPr>
+            <a:spLocks noGrp="1" noRot="1" noChangeAspect="1"/>
+          </p:cNvSpPr>
+          <p:nvPr>
+            <p:ph type="sldImg"/>
+          </p:nvPr>
+        </p:nvSpPr>
+        <p:spPr/>
+      </p:sp>
+      <p:sp>
+        <p:nvSpPr>
+          <p:cNvPr id="3" name="Notes Placeholder 2"/>
+          <p:cNvSpPr>
+            <a:spLocks noGrp="1"/>
+          </p:cNvSpPr>
+          <p:nvPr>
+            <p:ph type="body" idx="1"/>
+          </p:nvPr>
+        </p:nvSpPr>
+        <p:spPr/>
+        <p:txBody>
+          <a:bodyPr/>
+          <a:lstStyle/>
+          <a:p>
+            <a:endParaRPr lang="en-US" dirty="0"/>
+          </a:p>
+        </p:txBody>
+      </p:sp>
+      <p:sp>
+        <p:nvSpPr>
+          <p:cNvPr id="4" name="Date Placeholder 3"/>
+          <p:cNvSpPr>
+            <a:spLocks noGrp="1"/>
+          </p:cNvSpPr>
+          <p:nvPr>
+            <p:ph type="dt" idx="10"/>
+          </p:nvPr>
+        </p:nvSpPr>
+        <p:spPr/>
+        <p:txBody>
+          <a:bodyPr/>
+          <a:lstStyle/>
+          <a:p>
+            <a:fld id="{DCE462EF-63BA-4033-BAAB-21EA0B460D1E}" type="datetime5">
+              <a:rPr lang="en-US" smtClean="0"/>
+              <a:t>31-Oct-18</a:t>
+            </a:fld>
+            <a:endParaRPr lang="en-US"/>
+          </a:p>
+        </p:txBody>
+      </p:sp>
+      <p:sp>
+        <p:nvSpPr>
+          <p:cNvPr id="5" name="Footer Placeholder 4"/>
+          <p:cNvSpPr>
+            <a:spLocks noGrp="1"/>
+          </p:cNvSpPr>
+          <p:nvPr>
+            <p:ph type="ftr" sz="quarter" idx="11"/>
+          </p:nvPr>
+        </p:nvSpPr>
+        <p:spPr/>
+        <p:txBody>
+          <a:bodyPr/>
+          <a:lstStyle/>
+          <a:p>
+            <a:r>
+              <a:rPr lang="en-US" smtClean="0"/>
+              <a:t>AXP Internal</a:t>
+            </a:r>
+            <a:endParaRPr lang="en-US"/>
+          </a:p>
+        </p:txBody>
+      </p:sp>
+      <p:sp>
+        <p:nvSpPr>
+          <p:cNvPr id="6" name="Slide Number Placeholder 5"/>
+          <p:cNvSpPr>
+            <a:spLocks noGrp="1"/>
+          </p:cNvSpPr>
+          <p:nvPr>
+            <p:ph type="sldNum" sz="quarter" idx="12"/>
+          </p:nvPr>
+        </p:nvSpPr>
+        <p:spPr/>
+        <p:txBody>
+          <a:bodyPr/>
+          <a:lstStyle/>
+          <a:p>
+            <a:fld id="{BDC5FBE7-89E0-43FB-9F89-F2A2958ED390}" type="slidenum">
+              <a:rPr lang="en-US" smtClean="0"/>
+              <a:t>3</a:t>
+            </a:fld>
+            <a:endParaRPr lang="en-US"/>
+          </a:p>
+        </p:txBody>
+      </p:sp>
+    </p:spTree>
+    <p:extLst>
+      <p:ext uri="{BB962C8B-B14F-4D97-AF65-F5344CB8AC3E}">
+        <p14:creationId xmlns:p14="http://schemas.microsoft.com/office/powerpoint/2010/main" val="1750948649"/>
+      </p:ext>
+    </p:extLst>
+  </p:cSld>
+  <p:clrMapOvr>
+    <a:masterClrMapping/>
+  </p:clrMapOvr>
+</p:notes>
+</file>
+
+<file path=ppt/notesSlides/notesSlide4.xml><?xml version="1.0" encoding="utf-8"?>
+<p:notes xmlns:a="http://schemas.openxmlformats.org/drawingml/2006/main" xmlns:r="http://schemas.openxmlformats.org/officeDocument/2006/relationships" xmlns:p="http://schemas.openxmlformats.org/presentationml/2006/main">
+  <p:cSld>
+    <p:spTree>
+      <p:nvGrpSpPr>
+        <p:cNvPr id="1" name=""/>
+        <p:cNvGrpSpPr/>
+        <p:nvPr/>
+      </p:nvGrpSpPr>
+      <p:grpSpPr>
+        <a:xfrm>
+          <a:off x="0" y="0"/>
+          <a:ext cx="0" cy="0"/>
+          <a:chOff x="0" y="0"/>
+          <a:chExt cx="0" cy="0"/>
+        </a:xfrm>
+      </p:grpSpPr>
+      <p:sp>
+        <p:nvSpPr>
+          <p:cNvPr id="2" name="Slide Image Placeholder 1"/>
+          <p:cNvSpPr>
+            <a:spLocks noGrp="1" noRot="1" noChangeAspect="1"/>
+          </p:cNvSpPr>
+          <p:nvPr>
+            <p:ph type="sldImg"/>
+          </p:nvPr>
+        </p:nvSpPr>
+        <p:spPr/>
+      </p:sp>
+      <p:sp>
+        <p:nvSpPr>
+          <p:cNvPr id="3" name="Notes Placeholder 2"/>
+          <p:cNvSpPr>
+            <a:spLocks noGrp="1"/>
+          </p:cNvSpPr>
+          <p:nvPr>
+            <p:ph type="body" idx="1"/>
+          </p:nvPr>
+        </p:nvSpPr>
+        <p:spPr/>
+        <p:txBody>
+          <a:bodyPr/>
+          <a:lstStyle/>
+          <a:p>
+            <a:endParaRPr lang="en-US"/>
+          </a:p>
+        </p:txBody>
+      </p:sp>
+      <p:sp>
+        <p:nvSpPr>
+          <p:cNvPr id="4" name="Date Placeholder 3"/>
+          <p:cNvSpPr>
+            <a:spLocks noGrp="1"/>
+          </p:cNvSpPr>
+          <p:nvPr>
+            <p:ph type="dt" idx="10"/>
+          </p:nvPr>
+        </p:nvSpPr>
+        <p:spPr/>
+        <p:txBody>
+          <a:bodyPr/>
+          <a:lstStyle/>
+          <a:p>
             <a:fld id="{D0C2D5CC-CC13-4E90-B9BB-949E4E010345}" type="datetime5">
               <a:rPr lang="en-US" smtClean="0"/>
-              <a:t>30-Oct-18</a:t>
+              <a:t>31-Oct-18</a:t>
             </a:fld>
             <a:endParaRPr lang="en-US"/>
           </a:p>
@@ -5083,7 +5471,7 @@
           <a:p>
             <a:fld id="{7D69ABD8-CC08-634C-8959-69E2F102606D}" type="datetimeFigureOut">
               <a:rPr lang="en-US" smtClean="0"/>
-              <a:t>10/30/2018</a:t>
+              <a:t>10/31/2018</a:t>
             </a:fld>
             <a:endParaRPr lang="en-US"/>
           </a:p>
@@ -5350,7 +5738,7 @@
           <a:p>
             <a:fld id="{5C207619-F06F-4FD5-BE29-06CFBC265D4D}" type="datetime5">
               <a:rPr lang="en-US" smtClean="0"/>
-              <a:t>30-Oct-18</a:t>
+              <a:t>31-Oct-18</a:t>
             </a:fld>
             <a:endParaRPr lang="en-US"/>
           </a:p>
@@ -5551,7 +5939,7 @@
           <a:p>
             <a:fld id="{5C207619-F06F-4FD5-BE29-06CFBC265D4D}" type="datetime5">
               <a:rPr lang="en-US" smtClean="0"/>
-              <a:t>30-Oct-18</a:t>
+              <a:t>31-Oct-18</a:t>
             </a:fld>
             <a:endParaRPr lang="en-US"/>
           </a:p>
@@ -5819,7 +6207,7 @@
           <a:p>
             <a:fld id="{5C207619-F06F-4FD5-BE29-06CFBC265D4D}" type="datetime5">
               <a:rPr lang="en-US" smtClean="0"/>
-              <a:t>30-Oct-18</a:t>
+              <a:t>31-Oct-18</a:t>
             </a:fld>
             <a:endParaRPr lang="en-US"/>
           </a:p>
@@ -6258,7 +6646,7 @@
           <a:p>
             <a:fld id="{5C207619-F06F-4FD5-BE29-06CFBC265D4D}" type="datetime5">
               <a:rPr lang="en-US" smtClean="0"/>
-              <a:t>30-Oct-18</a:t>
+              <a:t>31-Oct-18</a:t>
             </a:fld>
             <a:endParaRPr lang="en-US"/>
           </a:p>
@@ -6809,7 +7197,7 @@
           <a:p>
             <a:fld id="{5C207619-F06F-4FD5-BE29-06CFBC265D4D}" type="datetime5">
               <a:rPr lang="en-US" smtClean="0"/>
-              <a:t>30-Oct-18</a:t>
+              <a:t>31-Oct-18</a:t>
             </a:fld>
             <a:endParaRPr lang="en-US"/>
           </a:p>
@@ -7534,7 +7922,7 @@
           <a:p>
             <a:fld id="{5C207619-F06F-4FD5-BE29-06CFBC265D4D}" type="datetime5">
               <a:rPr lang="en-US" smtClean="0"/>
-              <a:t>30-Oct-18</a:t>
+              <a:t>31-Oct-18</a:t>
             </a:fld>
             <a:endParaRPr lang="en-US"/>
           </a:p>
@@ -7713,7 +8101,7 @@
           <a:p>
             <a:fld id="{7D69ABD8-CC08-634C-8959-69E2F102606D}" type="datetimeFigureOut">
               <a:rPr lang="en-US" smtClean="0"/>
-              <a:t>10/30/2018</a:t>
+              <a:t>10/31/2018</a:t>
             </a:fld>
             <a:endParaRPr lang="en-US"/>
           </a:p>
@@ -7893,7 +8281,7 @@
           <a:p>
             <a:fld id="{7D69ABD8-CC08-634C-8959-69E2F102606D}" type="datetimeFigureOut">
               <a:rPr lang="en-US" smtClean="0"/>
-              <a:t>10/30/2018</a:t>
+              <a:t>10/31/2018</a:t>
             </a:fld>
             <a:endParaRPr lang="en-US"/>
           </a:p>
@@ -8078,7 +8466,7 @@
           <a:p>
             <a:fld id="{7D69ABD8-CC08-634C-8959-69E2F102606D}" type="datetimeFigureOut">
               <a:rPr lang="en-US" smtClean="0"/>
-              <a:t>10/30/2018</a:t>
+              <a:t>10/31/2018</a:t>
             </a:fld>
             <a:endParaRPr lang="en-US"/>
           </a:p>
@@ -8338,7 +8726,7 @@
           <a:p>
             <a:fld id="{7D69ABD8-CC08-634C-8959-69E2F102606D}" type="datetimeFigureOut">
               <a:rPr lang="en-US" smtClean="0"/>
-              <a:t>10/30/2018</a:t>
+              <a:t>10/31/2018</a:t>
             </a:fld>
             <a:endParaRPr lang="en-US"/>
           </a:p>
@@ -8570,7 +8958,7 @@
           <a:p>
             <a:fld id="{7D69ABD8-CC08-634C-8959-69E2F102606D}" type="datetimeFigureOut">
               <a:rPr lang="en-US" smtClean="0"/>
-              <a:t>10/30/2018</a:t>
+              <a:t>10/31/2018</a:t>
             </a:fld>
             <a:endParaRPr lang="en-US"/>
           </a:p>
@@ -8951,7 +9339,7 @@
           <a:p>
             <a:fld id="{7D69ABD8-CC08-634C-8959-69E2F102606D}" type="datetimeFigureOut">
               <a:rPr lang="en-US" smtClean="0"/>
-              <a:t>10/30/2018</a:t>
+              <a:t>10/31/2018</a:t>
             </a:fld>
             <a:endParaRPr lang="en-US"/>
           </a:p>
@@ -9069,7 +9457,7 @@
           <a:p>
             <a:fld id="{7D69ABD8-CC08-634C-8959-69E2F102606D}" type="datetimeFigureOut">
               <a:rPr lang="en-US" smtClean="0"/>
-              <a:t>10/30/2018</a:t>
+              <a:t>10/31/2018</a:t>
             </a:fld>
             <a:endParaRPr lang="en-US"/>
           </a:p>
@@ -9164,7 +9552,7 @@
           <a:p>
             <a:fld id="{7D69ABD8-CC08-634C-8959-69E2F102606D}" type="datetimeFigureOut">
               <a:rPr lang="en-US" smtClean="0"/>
-              <a:t>10/30/2018</a:t>
+              <a:t>10/31/2018</a:t>
             </a:fld>
             <a:endParaRPr lang="en-US"/>
           </a:p>
@@ -9413,7 +9801,7 @@
           <a:p>
             <a:fld id="{7D69ABD8-CC08-634C-8959-69E2F102606D}" type="datetimeFigureOut">
               <a:rPr lang="en-US" smtClean="0"/>
-              <a:t>10/30/2018</a:t>
+              <a:t>10/31/2018</a:t>
             </a:fld>
             <a:endParaRPr lang="en-US"/>
           </a:p>
@@ -9665,7 +10053,7 @@
           <a:p>
             <a:fld id="{7D69ABD8-CC08-634C-8959-69E2F102606D}" type="datetimeFigureOut">
               <a:rPr lang="en-US" smtClean="0"/>
-              <a:t>10/30/2018</a:t>
+              <a:t>10/31/2018</a:t>
             </a:fld>
             <a:endParaRPr lang="en-US"/>
           </a:p>
@@ -12749,7 +13137,7 @@
           <a:p>
             <a:fld id="{51BF6E87-7C35-4215-B52B-448961059FA3}" type="datetime5">
               <a:rPr lang="en-US" smtClean="0"/>
-              <a:t>30-Oct-18</a:t>
+              <a:t>31-Oct-18</a:t>
             </a:fld>
             <a:endParaRPr lang="en-US"/>
           </a:p>
@@ -13224,7 +13612,7 @@
           <a:p>
             <a:fld id="{FD314D29-D5F5-4344-BC62-08C5FBB88B3A}" type="datetime5">
               <a:rPr lang="en-US" smtClean="0"/>
-              <a:t>30-Oct-18</a:t>
+              <a:t>31-Oct-18</a:t>
             </a:fld>
             <a:endParaRPr lang="en-US"/>
           </a:p>
@@ -13464,7 +13852,7 @@
           <a:p>
             <a:fld id="{6D178B70-030A-4925-9179-9FA0E5FC3FCC}" type="datetime5">
               <a:rPr lang="en-US" smtClean="0"/>
-              <a:t>30-Oct-18</a:t>
+              <a:t>31-Oct-18</a:t>
             </a:fld>
             <a:endParaRPr lang="en-US" dirty="0"/>
           </a:p>
@@ -13745,7 +14133,7 @@
           <a:p>
             <a:fld id="{904760EF-F758-480C-A1D9-F70291F89D1B}" type="datetime5">
               <a:rPr lang="en-US" smtClean="0"/>
-              <a:t>30-Oct-18</a:t>
+              <a:t>31-Oct-18</a:t>
             </a:fld>
             <a:endParaRPr lang="en-US"/>
           </a:p>
@@ -16945,7 +17333,6 @@
               <a:rPr lang="en-US" sz="2800" dirty="0" smtClean="0"/>
               <a:t>Release  </a:t>
             </a:r>
-            <a:endParaRPr lang="en-US" sz="2800" dirty="0" smtClean="0"/>
           </a:p>
           <a:p>
             <a:r>
@@ -16985,7 +17372,7 @@
           <a:p>
             <a:fld id="{0DA16F22-FB41-4656-8E81-F53642183D03}" type="datetime5">
               <a:rPr lang="en-US" smtClean="0"/>
-              <a:t>30-Oct-18</a:t>
+              <a:t>31-Oct-18</a:t>
             </a:fld>
             <a:endParaRPr lang="en-US" dirty="0"/>
           </a:p>
@@ -18003,7 +18390,7 @@
           <a:p>
             <a:fld id="{5881F389-AB8B-4DD6-A95A-F3A973D9F483}" type="datetime5">
               <a:rPr lang="en-US" smtClean="0"/>
-              <a:t>30-Oct-18</a:t>
+              <a:t>31-Oct-18</a:t>
             </a:fld>
             <a:endParaRPr lang="en-US"/>
           </a:p>
@@ -18271,7 +18658,7 @@
           <a:p>
             <a:fld id="{086267A3-4B63-4080-893D-AB1989816E6A}" type="datetime5">
               <a:rPr lang="en-US" smtClean="0"/>
-              <a:t>30-Oct-18</a:t>
+              <a:t>31-Oct-18</a:t>
             </a:fld>
             <a:endParaRPr lang="en-US"/>
           </a:p>
@@ -18375,9 +18762,9 @@
           <a:bodyPr/>
           <a:lstStyle/>
           <a:p>
-            <a:fld id="{A7CB52F8-929A-477B-AA29-8978ABF03B00}" type="datetime5">
+            <a:fld id="{9069892B-FEFC-4F3D-AAB7-150792B871DF}" type="datetime5">
               <a:rPr lang="en-US" smtClean="0"/>
-              <a:t>30-Oct-18</a:t>
+              <a:t>31-Oct-18</a:t>
             </a:fld>
             <a:endParaRPr lang="en-US"/>
           </a:p>
@@ -18424,278 +18811,6 @@
             <a:fld id="{B4829C59-8948-1A4D-840C-AB343535AC28}" type="slidenum">
               <a:rPr lang="en-US" smtClean="0"/>
               <a:t>15</a:t>
-            </a:fld>
-            <a:endParaRPr lang="en-US"/>
-          </a:p>
-        </p:txBody>
-      </p:sp>
-      <p:sp>
-        <p:nvSpPr>
-          <p:cNvPr id="5" name="TextBox 4"/>
-          <p:cNvSpPr txBox="1"/>
-          <p:nvPr/>
-        </p:nvSpPr>
-        <p:spPr>
-          <a:xfrm>
-            <a:off x="2060219" y="2136808"/>
-            <a:ext cx="4677878" cy="1754326"/>
-          </a:xfrm>
-          <a:prstGeom prst="rect">
-            <a:avLst/>
-          </a:prstGeom>
-          <a:noFill/>
-        </p:spPr>
-        <p:txBody>
-          <a:bodyPr wrap="square" rtlCol="0">
-            <a:spAutoFit/>
-          </a:bodyPr>
-          <a:lstStyle/>
-          <a:p>
-            <a:pPr algn="ctr"/>
-            <a:r>
-              <a:rPr lang="en-US" sz="5400" dirty="0" smtClean="0"/>
-              <a:t>Are you ready?</a:t>
-            </a:r>
-          </a:p>
-          <a:p>
-            <a:pPr algn="ctr"/>
-            <a:endParaRPr lang="en-US" sz="5400" dirty="0"/>
-          </a:p>
-        </p:txBody>
-      </p:sp>
-    </p:spTree>
-    <p:extLst>
-      <p:ext uri="{BB962C8B-B14F-4D97-AF65-F5344CB8AC3E}">
-        <p14:creationId xmlns:p14="http://schemas.microsoft.com/office/powerpoint/2010/main" val="947117188"/>
-      </p:ext>
-    </p:extLst>
-  </p:cSld>
-  <p:clrMapOvr>
-    <a:masterClrMapping/>
-  </p:clrMapOvr>
-  <p:timing>
-    <p:tnLst>
-      <p:par>
-        <p:cTn id="1" dur="indefinite" restart="never" nodeType="tmRoot"/>
-      </p:par>
-    </p:tnLst>
-  </p:timing>
-</p:sld>
-</file>
-
-<file path=ppt/slides/slide16.xml><?xml version="1.0" encoding="utf-8"?>
-<p:sld xmlns:a="http://schemas.openxmlformats.org/drawingml/2006/main" xmlns:r="http://schemas.openxmlformats.org/officeDocument/2006/relationships" xmlns:p="http://schemas.openxmlformats.org/presentationml/2006/main">
-  <p:cSld>
-    <p:spTree>
-      <p:nvGrpSpPr>
-        <p:cNvPr id="1" name=""/>
-        <p:cNvGrpSpPr/>
-        <p:nvPr/>
-      </p:nvGrpSpPr>
-      <p:grpSpPr>
-        <a:xfrm>
-          <a:off x="0" y="0"/>
-          <a:ext cx="0" cy="0"/>
-          <a:chOff x="0" y="0"/>
-          <a:chExt cx="0" cy="0"/>
-        </a:xfrm>
-      </p:grpSpPr>
-      <p:pic>
-        <p:nvPicPr>
-          <p:cNvPr id="4" name="Picture 3">
-            <a:hlinkClick r:id="rId2"/>
-          </p:cNvPr>
-          <p:cNvPicPr>
-            <a:picLocks noChangeAspect="1"/>
-          </p:cNvPicPr>
-          <p:nvPr/>
-        </p:nvPicPr>
-        <p:blipFill>
-          <a:blip r:embed="rId3"/>
-          <a:stretch>
-            <a:fillRect/>
-          </a:stretch>
-        </p:blipFill>
-        <p:spPr>
-          <a:xfrm>
-            <a:off x="1931907" y="972151"/>
-            <a:ext cx="5147291" cy="4718618"/>
-          </a:xfrm>
-          <a:prstGeom prst="rect">
-            <a:avLst/>
-          </a:prstGeom>
-        </p:spPr>
-      </p:pic>
-      <p:sp>
-        <p:nvSpPr>
-          <p:cNvPr id="3" name="Date Placeholder 2"/>
-          <p:cNvSpPr>
-            <a:spLocks noGrp="1"/>
-          </p:cNvSpPr>
-          <p:nvPr>
-            <p:ph type="dt" sz="half" idx="10"/>
-          </p:nvPr>
-        </p:nvSpPr>
-        <p:spPr/>
-        <p:txBody>
-          <a:bodyPr/>
-          <a:lstStyle/>
-          <a:p>
-            <a:fld id="{E9BBFA9E-BC38-46F4-B8C7-298D80D494F9}" type="datetime5">
-              <a:rPr lang="en-US" smtClean="0"/>
-              <a:t>30-Oct-18</a:t>
-            </a:fld>
-            <a:endParaRPr lang="en-US"/>
-          </a:p>
-        </p:txBody>
-      </p:sp>
-      <p:sp>
-        <p:nvSpPr>
-          <p:cNvPr id="2" name="Footer Placeholder 1"/>
-          <p:cNvSpPr>
-            <a:spLocks noGrp="1"/>
-          </p:cNvSpPr>
-          <p:nvPr>
-            <p:ph type="ftr" sz="quarter" idx="11"/>
-          </p:nvPr>
-        </p:nvSpPr>
-        <p:spPr/>
-        <p:txBody>
-          <a:bodyPr/>
-          <a:lstStyle/>
-          <a:p>
-            <a:r>
-              <a:rPr lang="en-US" smtClean="0"/>
-              <a:t>AXP Internal</a:t>
-            </a:r>
-            <a:endParaRPr lang="en-US"/>
-          </a:p>
-        </p:txBody>
-      </p:sp>
-      <p:sp>
-        <p:nvSpPr>
-          <p:cNvPr id="5" name="Slide Number Placeholder 4"/>
-          <p:cNvSpPr>
-            <a:spLocks noGrp="1"/>
-          </p:cNvSpPr>
-          <p:nvPr>
-            <p:ph type="sldNum" sz="quarter" idx="12"/>
-          </p:nvPr>
-        </p:nvSpPr>
-        <p:spPr/>
-        <p:txBody>
-          <a:bodyPr/>
-          <a:lstStyle/>
-          <a:p>
-            <a:fld id="{B4829C59-8948-1A4D-840C-AB343535AC28}" type="slidenum">
-              <a:rPr lang="en-US" smtClean="0"/>
-              <a:t>16</a:t>
-            </a:fld>
-            <a:endParaRPr lang="en-US"/>
-          </a:p>
-        </p:txBody>
-      </p:sp>
-    </p:spTree>
-    <p:extLst>
-      <p:ext uri="{BB962C8B-B14F-4D97-AF65-F5344CB8AC3E}">
-        <p14:creationId xmlns:p14="http://schemas.microsoft.com/office/powerpoint/2010/main" val="3274473585"/>
-      </p:ext>
-    </p:extLst>
-  </p:cSld>
-  <p:clrMapOvr>
-    <a:masterClrMapping/>
-  </p:clrMapOvr>
-  <p:timing>
-    <p:tnLst>
-      <p:par>
-        <p:cTn id="1" dur="indefinite" restart="never" nodeType="tmRoot"/>
-      </p:par>
-    </p:tnLst>
-  </p:timing>
-</p:sld>
-</file>
-
-<file path=ppt/slides/slide17.xml><?xml version="1.0" encoding="utf-8"?>
-<p:sld xmlns:a="http://schemas.openxmlformats.org/drawingml/2006/main" xmlns:r="http://schemas.openxmlformats.org/officeDocument/2006/relationships" xmlns:p="http://schemas.openxmlformats.org/presentationml/2006/main">
-  <p:cSld>
-    <p:spTree>
-      <p:nvGrpSpPr>
-        <p:cNvPr id="1" name=""/>
-        <p:cNvGrpSpPr/>
-        <p:nvPr/>
-      </p:nvGrpSpPr>
-      <p:grpSpPr>
-        <a:xfrm>
-          <a:off x="0" y="0"/>
-          <a:ext cx="0" cy="0"/>
-          <a:chOff x="0" y="0"/>
-          <a:chExt cx="0" cy="0"/>
-        </a:xfrm>
-      </p:grpSpPr>
-      <p:sp>
-        <p:nvSpPr>
-          <p:cNvPr id="2" name="Date Placeholder 1"/>
-          <p:cNvSpPr>
-            <a:spLocks noGrp="1"/>
-          </p:cNvSpPr>
-          <p:nvPr>
-            <p:ph type="dt" sz="half" idx="10"/>
-          </p:nvPr>
-        </p:nvSpPr>
-        <p:spPr/>
-        <p:txBody>
-          <a:bodyPr/>
-          <a:lstStyle/>
-          <a:p>
-            <a:fld id="{9069892B-FEFC-4F3D-AAB7-150792B871DF}" type="datetime5">
-              <a:rPr lang="en-US" smtClean="0"/>
-              <a:t>30-Oct-18</a:t>
-            </a:fld>
-            <a:endParaRPr lang="en-US"/>
-          </a:p>
-        </p:txBody>
-      </p:sp>
-      <p:sp>
-        <p:nvSpPr>
-          <p:cNvPr id="3" name="Footer Placeholder 2"/>
-          <p:cNvSpPr>
-            <a:spLocks noGrp="1"/>
-          </p:cNvSpPr>
-          <p:nvPr>
-            <p:ph type="ftr" sz="quarter" idx="11"/>
-          </p:nvPr>
-        </p:nvSpPr>
-        <p:spPr/>
-        <p:txBody>
-          <a:bodyPr/>
-          <a:lstStyle/>
-          <a:p>
-            <a:r>
-              <a:rPr lang="en-US" smtClean="0"/>
-              <a:t>AXP Internal</a:t>
-            </a:r>
-            <a:endParaRPr lang="en-US"/>
-          </a:p>
-        </p:txBody>
-      </p:sp>
-      <p:sp>
-        <p:nvSpPr>
-          <p:cNvPr id="4" name="Slide Number Placeholder 3"/>
-          <p:cNvSpPr>
-            <a:spLocks noGrp="1"/>
-          </p:cNvSpPr>
-          <p:nvPr>
-            <p:ph type="sldNum" sz="quarter" idx="12"/>
-          </p:nvPr>
-        </p:nvSpPr>
-        <p:spPr/>
-        <p:txBody>
-          <a:bodyPr/>
-          <a:lstStyle/>
-          <a:p>
-            <a:fld id="{B4829C59-8948-1A4D-840C-AB343535AC28}" type="slidenum">
-              <a:rPr lang="en-US" smtClean="0"/>
-              <a:t>17</a:t>
             </a:fld>
             <a:endParaRPr lang="en-US"/>
           </a:p>
@@ -18838,20 +18953,8 @@
           <a:p>
             <a:pPr lvl="1"/>
             <a:r>
-              <a:rPr lang="en-US" dirty="0"/>
-              <a:t>If there are </a:t>
-            </a:r>
-            <a:r>
               <a:rPr lang="en-US" dirty="0" smtClean="0"/>
-              <a:t>many </a:t>
-            </a:r>
-            <a:r>
-              <a:rPr lang="en-US" dirty="0"/>
-              <a:t>developers with different tasks on the same codebase</a:t>
-            </a:r>
-            <a:r>
-              <a:rPr lang="en-US" dirty="0" smtClean="0"/>
-              <a:t>?</a:t>
+              <a:t>Pull other people’s work before you push yours</a:t>
             </a:r>
           </a:p>
           <a:p>
@@ -18931,7 +19034,7 @@
           <a:p>
             <a:fld id="{6A28382B-ABF9-4E39-A384-A0C28B7772ED}" type="datetime5">
               <a:rPr lang="en-US" smtClean="0"/>
-              <a:t>30-Oct-18</a:t>
+              <a:t>31-Oct-18</a:t>
             </a:fld>
             <a:endParaRPr lang="en-US"/>
           </a:p>
@@ -19044,15 +19147,33 @@
                                   </p:childTnLst>
                                 </p:cTn>
                               </p:par>
+                            </p:childTnLst>
+                          </p:cTn>
+                        </p:par>
+                      </p:childTnLst>
+                    </p:cTn>
+                  </p:par>
+                  <p:par>
+                    <p:cTn id="7" fill="hold">
+                      <p:stCondLst>
+                        <p:cond delay="indefinite"/>
+                      </p:stCondLst>
+                      <p:childTnLst>
+                        <p:par>
+                          <p:cTn id="8" fill="hold">
+                            <p:stCondLst>
+                              <p:cond delay="0"/>
+                            </p:stCondLst>
+                            <p:childTnLst>
                               <p:par>
-                                <p:cTn id="7" presetID="1" presetClass="entr" presetSubtype="0" fill="hold" nodeType="withEffect">
+                                <p:cTn id="9" presetID="1" presetClass="entr" presetSubtype="0" fill="hold" nodeType="clickEffect">
                                   <p:stCondLst>
                                     <p:cond delay="0"/>
                                   </p:stCondLst>
                                   <p:childTnLst>
                                     <p:set>
                                       <p:cBhvr>
-                                        <p:cTn id="8" dur="1" fill="hold">
+                                        <p:cTn id="10" dur="1" fill="hold">
                                           <p:stCondLst>
                                             <p:cond delay="0"/>
                                           </p:stCondLst>
@@ -19082,50 +19203,19 @@
                     </p:cTn>
                   </p:par>
                   <p:par>
-                    <p:cTn id="9" fill="hold">
+                    <p:cTn id="11" fill="hold">
                       <p:stCondLst>
                         <p:cond delay="indefinite"/>
                       </p:stCondLst>
                       <p:childTnLst>
                         <p:par>
-                          <p:cTn id="10" fill="hold">
+                          <p:cTn id="12" fill="hold">
                             <p:stCondLst>
                               <p:cond delay="0"/>
                             </p:stCondLst>
                             <p:childTnLst>
                               <p:par>
-                                <p:cTn id="11" presetID="1" presetClass="entr" presetSubtype="0" fill="hold" nodeType="clickEffect">
-                                  <p:stCondLst>
-                                    <p:cond delay="0"/>
-                                  </p:stCondLst>
-                                  <p:childTnLst>
-                                    <p:set>
-                                      <p:cBhvr>
-                                        <p:cTn id="12" dur="1" fill="hold">
-                                          <p:stCondLst>
-                                            <p:cond delay="0"/>
-                                          </p:stCondLst>
-                                        </p:cTn>
-                                        <p:tgtEl>
-                                          <p:spTgt spid="3">
-                                            <p:txEl>
-                                              <p:pRg st="2" end="2"/>
-                                            </p:txEl>
-                                          </p:spTgt>
-                                        </p:tgtEl>
-                                        <p:attrNameLst>
-                                          <p:attrName>style.visibility</p:attrName>
-                                        </p:attrNameLst>
-                                      </p:cBhvr>
-                                      <p:to>
-                                        <p:strVal val="visible"/>
-                                      </p:to>
-                                    </p:set>
-                                  </p:childTnLst>
-                                </p:cTn>
-                              </p:par>
-                              <p:par>
-                                <p:cTn id="13" presetID="1" presetClass="entr" presetSubtype="0" fill="hold" nodeType="withEffect">
+                                <p:cTn id="13" presetID="1" presetClass="entr" presetSubtype="0" fill="hold" nodeType="clickEffect">
                                   <p:stCondLst>
                                     <p:cond delay="0"/>
                                   </p:stCondLst>
@@ -19140,7 +19230,7 @@
                                         <p:tgtEl>
                                           <p:spTgt spid="3">
                                             <p:txEl>
-                                              <p:pRg st="3" end="3"/>
+                                              <p:pRg st="2" end="2"/>
                                             </p:txEl>
                                           </p:spTgt>
                                         </p:tgtEl>
@@ -19171,6 +19261,37 @@
                                         <p:tgtEl>
                                           <p:spTgt spid="3">
                                             <p:txEl>
+                                              <p:pRg st="3" end="3"/>
+                                            </p:txEl>
+                                          </p:spTgt>
+                                        </p:tgtEl>
+                                        <p:attrNameLst>
+                                          <p:attrName>style.visibility</p:attrName>
+                                        </p:attrNameLst>
+                                      </p:cBhvr>
+                                      <p:to>
+                                        <p:strVal val="visible"/>
+                                      </p:to>
+                                    </p:set>
+                                  </p:childTnLst>
+                                </p:cTn>
+                              </p:par>
+                              <p:par>
+                                <p:cTn id="17" presetID="1" presetClass="entr" presetSubtype="0" fill="hold" nodeType="withEffect">
+                                  <p:stCondLst>
+                                    <p:cond delay="0"/>
+                                  </p:stCondLst>
+                                  <p:childTnLst>
+                                    <p:set>
+                                      <p:cBhvr>
+                                        <p:cTn id="18" dur="1" fill="hold">
+                                          <p:stCondLst>
+                                            <p:cond delay="0"/>
+                                          </p:stCondLst>
+                                        </p:cTn>
+                                        <p:tgtEl>
+                                          <p:spTgt spid="3">
+                                            <p:txEl>
                                               <p:pRg st="4" end="4"/>
                                             </p:txEl>
                                           </p:spTgt>
@@ -19193,26 +19314,26 @@
                     </p:cTn>
                   </p:par>
                   <p:par>
-                    <p:cTn id="17" fill="hold">
+                    <p:cTn id="19" fill="hold">
                       <p:stCondLst>
                         <p:cond delay="indefinite"/>
                       </p:stCondLst>
                       <p:childTnLst>
                         <p:par>
-                          <p:cTn id="18" fill="hold">
+                          <p:cTn id="20" fill="hold">
                             <p:stCondLst>
                               <p:cond delay="0"/>
                             </p:stCondLst>
                             <p:childTnLst>
                               <p:par>
-                                <p:cTn id="19" presetID="1" presetClass="entr" presetSubtype="0" fill="hold" nodeType="clickEffect">
+                                <p:cTn id="21" presetID="1" presetClass="entr" presetSubtype="0" fill="hold" nodeType="clickEffect">
                                   <p:stCondLst>
                                     <p:cond delay="0"/>
                                   </p:stCondLst>
                                   <p:childTnLst>
                                     <p:set>
                                       <p:cBhvr>
-                                        <p:cTn id="20" dur="1" fill="hold">
+                                        <p:cTn id="22" dur="1" fill="hold">
                                           <p:stCondLst>
                                             <p:cond delay="0"/>
                                           </p:stCondLst>
@@ -19408,7 +19529,7 @@
           <a:p>
             <a:fld id="{AD92E727-FD61-4BDA-9422-3FC25BDBF840}" type="datetime5">
               <a:rPr lang="en-US" smtClean="0"/>
-              <a:t>30-Oct-18</a:t>
+              <a:t>31-Oct-18</a:t>
             </a:fld>
             <a:endParaRPr lang="en-US"/>
           </a:p>
@@ -19889,7 +20010,7 @@
           <a:p>
             <a:fld id="{EEC10A36-203F-4DE8-AABC-430E018C995F}" type="datetime5">
               <a:rPr lang="en-US" smtClean="0"/>
-              <a:t>30-Oct-18</a:t>
+              <a:t>31-Oct-18</a:t>
             </a:fld>
             <a:endParaRPr lang="en-US" dirty="0"/>
           </a:p>
@@ -20281,7 +20402,7 @@
           <a:p>
             <a:fld id="{D0B69C70-D161-4F99-86D6-A57A49FAB2F2}" type="datetime5">
               <a:rPr lang="en-US" smtClean="0"/>
-              <a:t>30-Oct-18</a:t>
+              <a:t>31-Oct-18</a:t>
             </a:fld>
             <a:endParaRPr lang="en-US"/>
           </a:p>
@@ -22085,11 +22206,7 @@
             </a:r>
             <a:r>
               <a:rPr lang="en-US" dirty="0" smtClean="0"/>
-              <a:t>release, branched from </a:t>
-            </a:r>
-            <a:r>
-              <a:rPr lang="en-US" dirty="0" smtClean="0"/>
-              <a:t>develop</a:t>
+              <a:t>release, branched from develop</a:t>
             </a:r>
           </a:p>
           <a:p>
@@ -22102,7 +22219,6 @@
               <a:rPr lang="en-US" dirty="0" smtClean="0"/>
               <a:t>develop</a:t>
             </a:r>
-            <a:endParaRPr lang="en-US" dirty="0" smtClean="0"/>
           </a:p>
           <a:p>
             <a:pPr lvl="1"/>
@@ -22167,7 +22283,7 @@
           <a:p>
             <a:fld id="{108B1F66-8AAE-4530-BF81-6A766AC95C79}" type="datetime5">
               <a:rPr lang="en-US" smtClean="0"/>
-              <a:t>30-Oct-18</a:t>
+              <a:t>31-Oct-18</a:t>
             </a:fld>
             <a:endParaRPr lang="en-US" dirty="0"/>
           </a:p>
@@ -22541,7 +22657,7 @@
           <a:p>
             <a:fld id="{EC619349-ECA5-4A76-A2C2-A0479D105BC6}" type="datetime5">
               <a:rPr lang="en-US" smtClean="0"/>
-              <a:t>30-Oct-18</a:t>
+              <a:t>31-Oct-18</a:t>
             </a:fld>
             <a:endParaRPr lang="en-US"/>
           </a:p>
@@ -26408,7 +26524,7 @@
           <a:p>
             <a:fld id="{BC4AEE0F-E520-4C2B-A7E7-ED08D9180E3E}" type="datetime5">
               <a:rPr lang="en-US" smtClean="0"/>
-              <a:t>30-Oct-18</a:t>
+              <a:t>31-Oct-18</a:t>
             </a:fld>
             <a:endParaRPr lang="en-US" dirty="0"/>
           </a:p>
@@ -26782,7 +26898,7 @@
           <a:p>
             <a:fld id="{14D23E15-423C-4B27-9A8D-DEC587CB47E4}" type="datetime5">
               <a:rPr lang="en-US" smtClean="0"/>
-              <a:t>30-Oct-18</a:t>
+              <a:t>31-Oct-18</a:t>
             </a:fld>
             <a:endParaRPr lang="en-US"/>
           </a:p>

--- a/Branching.pptx
+++ b/Branching.pptx
@@ -5,10 +5,10 @@
     <p:sldMasterId id="2147483831" r:id="rId1"/>
   </p:sldMasterIdLst>
   <p:notesMasterIdLst>
-    <p:notesMasterId r:id="rId17"/>
+    <p:notesMasterId r:id="rId21"/>
   </p:notesMasterIdLst>
   <p:handoutMasterIdLst>
-    <p:handoutMasterId r:id="rId18"/>
+    <p:handoutMasterId r:id="rId22"/>
   </p:handoutMasterIdLst>
   <p:sldIdLst>
     <p:sldId id="256" r:id="rId2"/>
@@ -25,7 +25,11 @@
     <p:sldId id="295" r:id="rId13"/>
     <p:sldId id="269" r:id="rId14"/>
     <p:sldId id="262" r:id="rId15"/>
-    <p:sldId id="298" r:id="rId16"/>
+    <p:sldId id="303" r:id="rId16"/>
+    <p:sldId id="300" r:id="rId17"/>
+    <p:sldId id="302" r:id="rId18"/>
+    <p:sldId id="301" r:id="rId19"/>
+    <p:sldId id="298" r:id="rId20"/>
   </p:sldIdLst>
   <p:sldSz cx="9144000" cy="6858000" type="screen4x3"/>
   <p:notesSz cx="7010400" cy="9296400"/>
@@ -223,9 +227,9 @@
             </a:lvl1pPr>
           </a:lstStyle>
           <a:p>
-            <a:fld id="{F54A45C4-E78B-4F51-8C24-96E010AF1EF6}" type="datetime5">
+            <a:fld id="{233B5DED-D2F4-4F9E-9265-24D826393EE1}" type="datetime5">
               <a:rPr lang="en-US" smtClean="0"/>
-              <a:t>30-Oct-18</a:t>
+              <a:t>7-Nov-18</a:t>
             </a:fld>
             <a:endParaRPr lang="en-US"/>
           </a:p>
@@ -393,9 +397,9 @@
             </a:lvl1pPr>
           </a:lstStyle>
           <a:p>
-            <a:fld id="{DCE462EF-63BA-4033-BAAB-21EA0B460D1E}" type="datetime5">
+            <a:fld id="{88066AAB-0D75-4782-8925-A3828C9C8B86}" type="datetime5">
               <a:rPr lang="en-US" smtClean="0"/>
-              <a:t>30-Oct-18</a:t>
+              <a:t>7-Nov-18</a:t>
             </a:fld>
             <a:endParaRPr lang="en-US"/>
           </a:p>
@@ -795,7 +799,7 @@
           <a:p>
             <a:fld id="{DCE462EF-63BA-4033-BAAB-21EA0B460D1E}" type="datetime5">
               <a:rPr lang="en-US" smtClean="0"/>
-              <a:t>30-Oct-18</a:t>
+              <a:t>7-Nov-18</a:t>
             </a:fld>
             <a:endParaRPr lang="en-US"/>
           </a:p>
@@ -925,7 +929,7 @@
           <a:p>
             <a:fld id="{DCE462EF-63BA-4033-BAAB-21EA0B460D1E}" type="datetime5">
               <a:rPr lang="en-US" smtClean="0"/>
-              <a:t>30-Oct-18</a:t>
+              <a:t>7-Nov-18</a:t>
             </a:fld>
             <a:endParaRPr lang="en-US"/>
           </a:p>
@@ -1059,7 +1063,7 @@
           <a:p>
             <a:fld id="{DCE462EF-63BA-4033-BAAB-21EA0B460D1E}" type="datetime5">
               <a:rPr lang="en-US" smtClean="0"/>
-              <a:t>30-Oct-18</a:t>
+              <a:t>7-Nov-18</a:t>
             </a:fld>
             <a:endParaRPr lang="en-US"/>
           </a:p>
@@ -1197,7 +1201,7 @@
           <a:p>
             <a:fld id="{DCE462EF-63BA-4033-BAAB-21EA0B460D1E}" type="datetime5">
               <a:rPr lang="en-US" smtClean="0"/>
-              <a:t>30-Oct-18</a:t>
+              <a:t>7-Nov-18</a:t>
             </a:fld>
             <a:endParaRPr lang="en-US"/>
           </a:p>
@@ -1327,7 +1331,7 @@
           <a:p>
             <a:fld id="{D0C2D5CC-CC13-4E90-B9BB-949E4E010345}" type="datetime5">
               <a:rPr lang="en-US" smtClean="0"/>
-              <a:t>30-Oct-18</a:t>
+              <a:t>7-Nov-18</a:t>
             </a:fld>
             <a:endParaRPr lang="en-US"/>
           </a:p>
@@ -1449,7 +1453,7 @@
           <a:noFill/>
           <a:extLst>
             <a:ext uri="{909E8E84-426E-40dd-AFC4-6F175D3DCCD1}">
-              <a14:hiddenFill xmlns="" xmlns:a14="http://schemas.microsoft.com/office/drawing/2010/main">
+              <a14:hiddenFill xmlns:a14="http://schemas.microsoft.com/office/drawing/2010/main" xmlns="">
                 <a:solidFill>
                   <a:srgbClr val="FFFFFF"/>
                 </a:solidFill>
@@ -1509,7 +1513,7 @@
             </a:ln>
             <a:extLst>
               <a:ext uri="{91240B29-F687-4f45-9708-019B960494DF}">
-                <a14:hiddenLine xmlns="" xmlns:a14="http://schemas.microsoft.com/office/drawing/2010/main" w="9525">
+                <a14:hiddenLine xmlns:a14="http://schemas.microsoft.com/office/drawing/2010/main" xmlns="" w="9525">
                   <a:solidFill>
                     <a:srgbClr val="000000"/>
                   </a:solidFill>
@@ -1599,7 +1603,7 @@
             </a:ln>
             <a:extLst>
               <a:ext uri="{91240B29-F687-4f45-9708-019B960494DF}">
-                <a14:hiddenLine xmlns="" xmlns:a14="http://schemas.microsoft.com/office/drawing/2010/main" w="9525">
+                <a14:hiddenLine xmlns:a14="http://schemas.microsoft.com/office/drawing/2010/main" xmlns="" w="9525">
                   <a:solidFill>
                     <a:srgbClr val="000000"/>
                   </a:solidFill>
@@ -1689,7 +1693,7 @@
             </a:ln>
             <a:extLst>
               <a:ext uri="{91240B29-F687-4f45-9708-019B960494DF}">
-                <a14:hiddenLine xmlns="" xmlns:a14="http://schemas.microsoft.com/office/drawing/2010/main" w="9525">
+                <a14:hiddenLine xmlns:a14="http://schemas.microsoft.com/office/drawing/2010/main" xmlns="" w="9525">
                   <a:solidFill>
                     <a:srgbClr val="000000"/>
                   </a:solidFill>
@@ -1723,7 +1727,7 @@
             </a:ln>
             <a:extLst>
               <a:ext uri="{91240B29-F687-4f45-9708-019B960494DF}">
-                <a14:hiddenLine xmlns="" xmlns:a14="http://schemas.microsoft.com/office/drawing/2010/main" w="9525">
+                <a14:hiddenLine xmlns:a14="http://schemas.microsoft.com/office/drawing/2010/main" xmlns="" w="9525">
                   <a:solidFill>
                     <a:srgbClr val="000000"/>
                   </a:solidFill>
@@ -1813,7 +1817,7 @@
             </a:ln>
             <a:extLst>
               <a:ext uri="{91240B29-F687-4f45-9708-019B960494DF}">
-                <a14:hiddenLine xmlns="" xmlns:a14="http://schemas.microsoft.com/office/drawing/2010/main" w="9525">
+                <a14:hiddenLine xmlns:a14="http://schemas.microsoft.com/office/drawing/2010/main" xmlns="" w="9525">
                   <a:solidFill>
                     <a:srgbClr val="000000"/>
                   </a:solidFill>
@@ -1875,7 +1879,7 @@
             </a:ln>
             <a:extLst>
               <a:ext uri="{91240B29-F687-4f45-9708-019B960494DF}">
-                <a14:hiddenLine xmlns="" xmlns:a14="http://schemas.microsoft.com/office/drawing/2010/main" w="9525">
+                <a14:hiddenLine xmlns:a14="http://schemas.microsoft.com/office/drawing/2010/main" xmlns="" w="9525">
                   <a:solidFill>
                     <a:srgbClr val="000000"/>
                   </a:solidFill>
@@ -1937,7 +1941,7 @@
             </a:ln>
             <a:extLst>
               <a:ext uri="{91240B29-F687-4f45-9708-019B960494DF}">
-                <a14:hiddenLine xmlns="" xmlns:a14="http://schemas.microsoft.com/office/drawing/2010/main" w="9525">
+                <a14:hiddenLine xmlns:a14="http://schemas.microsoft.com/office/drawing/2010/main" xmlns="" w="9525">
                   <a:solidFill>
                     <a:srgbClr val="000000"/>
                   </a:solidFill>
@@ -2027,7 +2031,7 @@
             </a:ln>
             <a:extLst>
               <a:ext uri="{91240B29-F687-4f45-9708-019B960494DF}">
-                <a14:hiddenLine xmlns="" xmlns:a14="http://schemas.microsoft.com/office/drawing/2010/main" w="9525">
+                <a14:hiddenLine xmlns:a14="http://schemas.microsoft.com/office/drawing/2010/main" xmlns="" w="9525">
                   <a:solidFill>
                     <a:srgbClr val="000000"/>
                   </a:solidFill>
@@ -2089,7 +2093,7 @@
             </a:ln>
             <a:extLst>
               <a:ext uri="{91240B29-F687-4f45-9708-019B960494DF}">
-                <a14:hiddenLine xmlns="" xmlns:a14="http://schemas.microsoft.com/office/drawing/2010/main" w="9525">
+                <a14:hiddenLine xmlns:a14="http://schemas.microsoft.com/office/drawing/2010/main" xmlns="" w="9525">
                   <a:solidFill>
                     <a:srgbClr val="000000"/>
                   </a:solidFill>
@@ -2151,7 +2155,7 @@
             </a:ln>
             <a:extLst>
               <a:ext uri="{91240B29-F687-4f45-9708-019B960494DF}">
-                <a14:hiddenLine xmlns="" xmlns:a14="http://schemas.microsoft.com/office/drawing/2010/main" w="9525">
+                <a14:hiddenLine xmlns:a14="http://schemas.microsoft.com/office/drawing/2010/main" xmlns="" w="9525">
                   <a:solidFill>
                     <a:srgbClr val="000000"/>
                   </a:solidFill>
@@ -2241,7 +2245,7 @@
             </a:ln>
             <a:extLst>
               <a:ext uri="{91240B29-F687-4f45-9708-019B960494DF}">
-                <a14:hiddenLine xmlns="" xmlns:a14="http://schemas.microsoft.com/office/drawing/2010/main" w="9525">
+                <a14:hiddenLine xmlns:a14="http://schemas.microsoft.com/office/drawing/2010/main" xmlns="" w="9525">
                   <a:solidFill>
                     <a:srgbClr val="000000"/>
                   </a:solidFill>
@@ -2331,7 +2335,7 @@
             </a:ln>
             <a:extLst>
               <a:ext uri="{91240B29-F687-4f45-9708-019B960494DF}">
-                <a14:hiddenLine xmlns="" xmlns:a14="http://schemas.microsoft.com/office/drawing/2010/main" w="9525">
+                <a14:hiddenLine xmlns:a14="http://schemas.microsoft.com/office/drawing/2010/main" xmlns="" w="9525">
                   <a:solidFill>
                     <a:srgbClr val="000000"/>
                   </a:solidFill>
@@ -2393,7 +2397,7 @@
             </a:ln>
             <a:extLst>
               <a:ext uri="{91240B29-F687-4f45-9708-019B960494DF}">
-                <a14:hiddenLine xmlns="" xmlns:a14="http://schemas.microsoft.com/office/drawing/2010/main" w="9525">
+                <a14:hiddenLine xmlns:a14="http://schemas.microsoft.com/office/drawing/2010/main" xmlns="" w="9525">
                   <a:solidFill>
                     <a:srgbClr val="000000"/>
                   </a:solidFill>
@@ -2503,7 +2507,7 @@
             </a:ln>
             <a:extLst>
               <a:ext uri="{91240B29-F687-4f45-9708-019B960494DF}">
-                <a14:hiddenLine xmlns="" xmlns:a14="http://schemas.microsoft.com/office/drawing/2010/main" w="9525">
+                <a14:hiddenLine xmlns:a14="http://schemas.microsoft.com/office/drawing/2010/main" xmlns="" w="9525">
                   <a:solidFill>
                     <a:srgbClr val="000000"/>
                   </a:solidFill>
@@ -2565,7 +2569,7 @@
             </a:ln>
             <a:extLst>
               <a:ext uri="{91240B29-F687-4f45-9708-019B960494DF}">
-                <a14:hiddenLine xmlns="" xmlns:a14="http://schemas.microsoft.com/office/drawing/2010/main" w="9525">
+                <a14:hiddenLine xmlns:a14="http://schemas.microsoft.com/office/drawing/2010/main" xmlns="" w="9525">
                   <a:solidFill>
                     <a:srgbClr val="000000"/>
                   </a:solidFill>
@@ -2655,7 +2659,7 @@
             </a:ln>
             <a:extLst>
               <a:ext uri="{91240B29-F687-4f45-9708-019B960494DF}">
-                <a14:hiddenLine xmlns="" xmlns:a14="http://schemas.microsoft.com/office/drawing/2010/main" w="9525">
+                <a14:hiddenLine xmlns:a14="http://schemas.microsoft.com/office/drawing/2010/main" xmlns="" w="9525">
                   <a:solidFill>
                     <a:srgbClr val="000000"/>
                   </a:solidFill>
@@ -2745,7 +2749,7 @@
             </a:ln>
             <a:extLst>
               <a:ext uri="{91240B29-F687-4f45-9708-019B960494DF}">
-                <a14:hiddenLine xmlns="" xmlns:a14="http://schemas.microsoft.com/office/drawing/2010/main" w="9525">
+                <a14:hiddenLine xmlns:a14="http://schemas.microsoft.com/office/drawing/2010/main" xmlns="" w="9525">
                   <a:solidFill>
                     <a:srgbClr val="000000"/>
                   </a:solidFill>
@@ -2807,7 +2811,7 @@
             </a:ln>
             <a:extLst>
               <a:ext uri="{91240B29-F687-4f45-9708-019B960494DF}">
-                <a14:hiddenLine xmlns="" xmlns:a14="http://schemas.microsoft.com/office/drawing/2010/main" w="9525">
+                <a14:hiddenLine xmlns:a14="http://schemas.microsoft.com/office/drawing/2010/main" xmlns="" w="9525">
                   <a:solidFill>
                     <a:srgbClr val="000000"/>
                   </a:solidFill>
@@ -2897,7 +2901,7 @@
             </a:ln>
             <a:extLst>
               <a:ext uri="{91240B29-F687-4f45-9708-019B960494DF}">
-                <a14:hiddenLine xmlns="" xmlns:a14="http://schemas.microsoft.com/office/drawing/2010/main" w="9525">
+                <a14:hiddenLine xmlns:a14="http://schemas.microsoft.com/office/drawing/2010/main" xmlns="" w="9525">
                   <a:solidFill>
                     <a:srgbClr val="000000"/>
                   </a:solidFill>
@@ -2987,7 +2991,7 @@
             </a:ln>
             <a:extLst>
               <a:ext uri="{91240B29-F687-4f45-9708-019B960494DF}">
-                <a14:hiddenLine xmlns="" xmlns:a14="http://schemas.microsoft.com/office/drawing/2010/main" w="9525">
+                <a14:hiddenLine xmlns:a14="http://schemas.microsoft.com/office/drawing/2010/main" xmlns="" w="9525">
                   <a:solidFill>
                     <a:srgbClr val="000000"/>
                   </a:solidFill>
@@ -3043,7 +3047,7 @@
             </a:ln>
             <a:extLst>
               <a:ext uri="{91240B29-F687-4f45-9708-019B960494DF}">
-                <a14:hiddenLine xmlns="" xmlns:a14="http://schemas.microsoft.com/office/drawing/2010/main" w="9525">
+                <a14:hiddenLine xmlns:a14="http://schemas.microsoft.com/office/drawing/2010/main" xmlns="" w="9525">
                   <a:solidFill>
                     <a:srgbClr val="000000"/>
                   </a:solidFill>
@@ -3133,7 +3137,7 @@
             </a:ln>
             <a:extLst>
               <a:ext uri="{91240B29-F687-4f45-9708-019B960494DF}">
-                <a14:hiddenLine xmlns="" xmlns:a14="http://schemas.microsoft.com/office/drawing/2010/main" w="9525">
+                <a14:hiddenLine xmlns:a14="http://schemas.microsoft.com/office/drawing/2010/main" xmlns="" w="9525">
                   <a:solidFill>
                     <a:srgbClr val="000000"/>
                   </a:solidFill>
@@ -3189,7 +3193,7 @@
             </a:ln>
             <a:extLst>
               <a:ext uri="{91240B29-F687-4f45-9708-019B960494DF}">
-                <a14:hiddenLine xmlns="" xmlns:a14="http://schemas.microsoft.com/office/drawing/2010/main" w="9525">
+                <a14:hiddenLine xmlns:a14="http://schemas.microsoft.com/office/drawing/2010/main" xmlns="" w="9525">
                   <a:solidFill>
                     <a:srgbClr val="000000"/>
                   </a:solidFill>
@@ -3279,7 +3283,7 @@
             </a:ln>
             <a:extLst>
               <a:ext uri="{91240B29-F687-4f45-9708-019B960494DF}">
-                <a14:hiddenLine xmlns="" xmlns:a14="http://schemas.microsoft.com/office/drawing/2010/main" w="9525">
+                <a14:hiddenLine xmlns:a14="http://schemas.microsoft.com/office/drawing/2010/main" xmlns="" w="9525">
                   <a:solidFill>
                     <a:srgbClr val="000000"/>
                   </a:solidFill>
@@ -3347,7 +3351,7 @@
             </a:ln>
             <a:extLst>
               <a:ext uri="{91240B29-F687-4f45-9708-019B960494DF}">
-                <a14:hiddenLine xmlns="" xmlns:a14="http://schemas.microsoft.com/office/drawing/2010/main" w="9525">
+                <a14:hiddenLine xmlns:a14="http://schemas.microsoft.com/office/drawing/2010/main" xmlns="" w="9525">
                   <a:solidFill>
                     <a:srgbClr val="000000"/>
                   </a:solidFill>
@@ -3437,7 +3441,7 @@
             </a:ln>
             <a:extLst>
               <a:ext uri="{91240B29-F687-4f45-9708-019B960494DF}">
-                <a14:hiddenLine xmlns="" xmlns:a14="http://schemas.microsoft.com/office/drawing/2010/main" w="9525">
+                <a14:hiddenLine xmlns:a14="http://schemas.microsoft.com/office/drawing/2010/main" xmlns="" w="9525">
                   <a:solidFill>
                     <a:srgbClr val="000000"/>
                   </a:solidFill>
@@ -3505,7 +3509,7 @@
             </a:ln>
             <a:extLst>
               <a:ext uri="{91240B29-F687-4f45-9708-019B960494DF}">
-                <a14:hiddenLine xmlns="" xmlns:a14="http://schemas.microsoft.com/office/drawing/2010/main" w="9525">
+                <a14:hiddenLine xmlns:a14="http://schemas.microsoft.com/office/drawing/2010/main" xmlns="" w="9525">
                   <a:solidFill>
                     <a:srgbClr val="000000"/>
                   </a:solidFill>
@@ -3595,7 +3599,7 @@
             </a:ln>
             <a:extLst>
               <a:ext uri="{91240B29-F687-4f45-9708-019B960494DF}">
-                <a14:hiddenLine xmlns="" xmlns:a14="http://schemas.microsoft.com/office/drawing/2010/main" w="9525">
+                <a14:hiddenLine xmlns:a14="http://schemas.microsoft.com/office/drawing/2010/main" xmlns="" w="9525">
                   <a:solidFill>
                     <a:srgbClr val="000000"/>
                   </a:solidFill>
@@ -3629,7 +3633,7 @@
             </a:ln>
             <a:extLst>
               <a:ext uri="{91240B29-F687-4f45-9708-019B960494DF}">
-                <a14:hiddenLine xmlns="" xmlns:a14="http://schemas.microsoft.com/office/drawing/2010/main" w="9525">
+                <a14:hiddenLine xmlns:a14="http://schemas.microsoft.com/office/drawing/2010/main" xmlns="" w="9525">
                   <a:solidFill>
                     <a:srgbClr val="000000"/>
                   </a:solidFill>
@@ -3719,7 +3723,7 @@
             </a:ln>
             <a:extLst>
               <a:ext uri="{91240B29-F687-4f45-9708-019B960494DF}">
-                <a14:hiddenLine xmlns="" xmlns:a14="http://schemas.microsoft.com/office/drawing/2010/main" w="9525">
+                <a14:hiddenLine xmlns:a14="http://schemas.microsoft.com/office/drawing/2010/main" xmlns="" w="9525">
                   <a:solidFill>
                     <a:srgbClr val="000000"/>
                   </a:solidFill>
@@ -3781,7 +3785,7 @@
             </a:ln>
             <a:extLst>
               <a:ext uri="{91240B29-F687-4f45-9708-019B960494DF}">
-                <a14:hiddenLine xmlns="" xmlns:a14="http://schemas.microsoft.com/office/drawing/2010/main" w="9525">
+                <a14:hiddenLine xmlns:a14="http://schemas.microsoft.com/office/drawing/2010/main" xmlns="" w="9525">
                   <a:solidFill>
                     <a:srgbClr val="000000"/>
                   </a:solidFill>
@@ -3843,7 +3847,7 @@
             </a:ln>
             <a:extLst>
               <a:ext uri="{91240B29-F687-4f45-9708-019B960494DF}">
-                <a14:hiddenLine xmlns="" xmlns:a14="http://schemas.microsoft.com/office/drawing/2010/main" w="9525">
+                <a14:hiddenLine xmlns:a14="http://schemas.microsoft.com/office/drawing/2010/main" xmlns="" w="9525">
                   <a:solidFill>
                     <a:srgbClr val="000000"/>
                   </a:solidFill>
@@ -3933,7 +3937,7 @@
             </a:ln>
             <a:extLst>
               <a:ext uri="{91240B29-F687-4f45-9708-019B960494DF}">
-                <a14:hiddenLine xmlns="" xmlns:a14="http://schemas.microsoft.com/office/drawing/2010/main" w="9525">
+                <a14:hiddenLine xmlns:a14="http://schemas.microsoft.com/office/drawing/2010/main" xmlns="" w="9525">
                   <a:solidFill>
                     <a:srgbClr val="000000"/>
                   </a:solidFill>
@@ -4001,7 +4005,7 @@
             </a:ln>
             <a:extLst>
               <a:ext uri="{91240B29-F687-4f45-9708-019B960494DF}">
-                <a14:hiddenLine xmlns="" xmlns:a14="http://schemas.microsoft.com/office/drawing/2010/main" w="9525">
+                <a14:hiddenLine xmlns:a14="http://schemas.microsoft.com/office/drawing/2010/main" xmlns="" w="9525">
                   <a:solidFill>
                     <a:srgbClr val="000000"/>
                   </a:solidFill>
@@ -4063,7 +4067,7 @@
             </a:ln>
             <a:extLst>
               <a:ext uri="{91240B29-F687-4f45-9708-019B960494DF}">
-                <a14:hiddenLine xmlns="" xmlns:a14="http://schemas.microsoft.com/office/drawing/2010/main" w="9525">
+                <a14:hiddenLine xmlns:a14="http://schemas.microsoft.com/office/drawing/2010/main" xmlns="" w="9525">
                   <a:solidFill>
                     <a:srgbClr val="000000"/>
                   </a:solidFill>
@@ -4153,7 +4157,7 @@
             </a:ln>
             <a:extLst>
               <a:ext uri="{91240B29-F687-4f45-9708-019B960494DF}">
-                <a14:hiddenLine xmlns="" xmlns:a14="http://schemas.microsoft.com/office/drawing/2010/main" w="9525">
+                <a14:hiddenLine xmlns:a14="http://schemas.microsoft.com/office/drawing/2010/main" xmlns="" w="9525">
                   <a:solidFill>
                     <a:srgbClr val="000000"/>
                   </a:solidFill>
@@ -4215,7 +4219,7 @@
             </a:ln>
             <a:extLst>
               <a:ext uri="{91240B29-F687-4f45-9708-019B960494DF}">
-                <a14:hiddenLine xmlns="" xmlns:a14="http://schemas.microsoft.com/office/drawing/2010/main" w="9525">
+                <a14:hiddenLine xmlns:a14="http://schemas.microsoft.com/office/drawing/2010/main" xmlns="" w="9525">
                   <a:solidFill>
                     <a:srgbClr val="000000"/>
                   </a:solidFill>
@@ -4305,7 +4309,7 @@
             </a:ln>
             <a:extLst>
               <a:ext uri="{91240B29-F687-4f45-9708-019B960494DF}">
-                <a14:hiddenLine xmlns="" xmlns:a14="http://schemas.microsoft.com/office/drawing/2010/main" w="9525">
+                <a14:hiddenLine xmlns:a14="http://schemas.microsoft.com/office/drawing/2010/main" xmlns="" w="9525">
                   <a:solidFill>
                     <a:srgbClr val="000000"/>
                   </a:solidFill>
@@ -4367,7 +4371,7 @@
             </a:ln>
             <a:extLst>
               <a:ext uri="{91240B29-F687-4f45-9708-019B960494DF}">
-                <a14:hiddenLine xmlns="" xmlns:a14="http://schemas.microsoft.com/office/drawing/2010/main" w="9525">
+                <a14:hiddenLine xmlns:a14="http://schemas.microsoft.com/office/drawing/2010/main" xmlns="" w="9525">
                   <a:solidFill>
                     <a:srgbClr val="000000"/>
                   </a:solidFill>
@@ -4457,7 +4461,7 @@
             </a:ln>
             <a:extLst>
               <a:ext uri="{91240B29-F687-4f45-9708-019B960494DF}">
-                <a14:hiddenLine xmlns="" xmlns:a14="http://schemas.microsoft.com/office/drawing/2010/main" w="9525">
+                <a14:hiddenLine xmlns:a14="http://schemas.microsoft.com/office/drawing/2010/main" xmlns="" w="9525">
                   <a:solidFill>
                     <a:srgbClr val="000000"/>
                   </a:solidFill>
@@ -4491,7 +4495,7 @@
             </a:ln>
             <a:extLst>
               <a:ext uri="{91240B29-F687-4f45-9708-019B960494DF}">
-                <a14:hiddenLine xmlns="" xmlns:a14="http://schemas.microsoft.com/office/drawing/2010/main" w="9525">
+                <a14:hiddenLine xmlns:a14="http://schemas.microsoft.com/office/drawing/2010/main" xmlns="" w="9525">
                   <a:solidFill>
                     <a:srgbClr val="000000"/>
                   </a:solidFill>
@@ -4556,7 +4560,7 @@
             </a:ln>
             <a:extLst>
               <a:ext uri="{91240B29-F687-4f45-9708-019B960494DF}">
-                <a14:hiddenLine xmlns="" xmlns:a14="http://schemas.microsoft.com/office/drawing/2010/main" w="9525">
+                <a14:hiddenLine xmlns:a14="http://schemas.microsoft.com/office/drawing/2010/main" xmlns="" w="9525">
                   <a:solidFill>
                     <a:srgbClr val="000000"/>
                   </a:solidFill>
@@ -4646,7 +4650,7 @@
             </a:ln>
             <a:extLst>
               <a:ext uri="{91240B29-F687-4f45-9708-019B960494DF}">
-                <a14:hiddenLine xmlns="" xmlns:a14="http://schemas.microsoft.com/office/drawing/2010/main" w="9525">
+                <a14:hiddenLine xmlns:a14="http://schemas.microsoft.com/office/drawing/2010/main" xmlns="" w="9525">
                   <a:solidFill>
                     <a:srgbClr val="000000"/>
                   </a:solidFill>
@@ -4708,7 +4712,7 @@
             </a:ln>
             <a:extLst>
               <a:ext uri="{91240B29-F687-4f45-9708-019B960494DF}">
-                <a14:hiddenLine xmlns="" xmlns:a14="http://schemas.microsoft.com/office/drawing/2010/main" w="9525">
+                <a14:hiddenLine xmlns:a14="http://schemas.microsoft.com/office/drawing/2010/main" xmlns="" w="9525">
                   <a:solidFill>
                     <a:srgbClr val="000000"/>
                   </a:solidFill>
@@ -4798,7 +4802,7 @@
             </a:ln>
             <a:extLst>
               <a:ext uri="{91240B29-F687-4f45-9708-019B960494DF}">
-                <a14:hiddenLine xmlns="" xmlns:a14="http://schemas.microsoft.com/office/drawing/2010/main" w="9525">
+                <a14:hiddenLine xmlns:a14="http://schemas.microsoft.com/office/drawing/2010/main" xmlns="" w="9525">
                   <a:solidFill>
                     <a:srgbClr val="000000"/>
                   </a:solidFill>
@@ -4888,7 +4892,7 @@
             </a:ln>
             <a:extLst>
               <a:ext uri="{91240B29-F687-4f45-9708-019B960494DF}">
-                <a14:hiddenLine xmlns="" xmlns:a14="http://schemas.microsoft.com/office/drawing/2010/main" w="9525">
+                <a14:hiddenLine xmlns:a14="http://schemas.microsoft.com/office/drawing/2010/main" xmlns="" w="9525">
                   <a:solidFill>
                     <a:srgbClr val="000000"/>
                   </a:solidFill>
@@ -4953,7 +4957,7 @@
             </a:ln>
             <a:extLst>
               <a:ext uri="{91240B29-F687-4f45-9708-019B960494DF}">
-                <a14:hiddenLine xmlns="" xmlns:a14="http://schemas.microsoft.com/office/drawing/2010/main" w="9525">
+                <a14:hiddenLine xmlns:a14="http://schemas.microsoft.com/office/drawing/2010/main" xmlns="" w="9525">
                   <a:solidFill>
                     <a:srgbClr val="000000"/>
                   </a:solidFill>
@@ -5015,7 +5019,7 @@
             </a:ln>
             <a:extLst>
               <a:ext uri="{91240B29-F687-4f45-9708-019B960494DF}">
-                <a14:hiddenLine xmlns="" xmlns:a14="http://schemas.microsoft.com/office/drawing/2010/main" w="9525">
+                <a14:hiddenLine xmlns:a14="http://schemas.microsoft.com/office/drawing/2010/main" xmlns="" w="9525">
                   <a:solidFill>
                     <a:srgbClr val="000000"/>
                   </a:solidFill>
@@ -5105,7 +5109,7 @@
             </a:ln>
             <a:extLst>
               <a:ext uri="{91240B29-F687-4f45-9708-019B960494DF}">
-                <a14:hiddenLine xmlns="" xmlns:a14="http://schemas.microsoft.com/office/drawing/2010/main" w="9525">
+                <a14:hiddenLine xmlns:a14="http://schemas.microsoft.com/office/drawing/2010/main" xmlns="" w="9525">
                   <a:solidFill>
                     <a:srgbClr val="000000"/>
                   </a:solidFill>
@@ -5195,7 +5199,7 @@
             </a:ln>
             <a:extLst>
               <a:ext uri="{91240B29-F687-4f45-9708-019B960494DF}">
-                <a14:hiddenLine xmlns="" xmlns:a14="http://schemas.microsoft.com/office/drawing/2010/main" w="9525">
+                <a14:hiddenLine xmlns:a14="http://schemas.microsoft.com/office/drawing/2010/main" xmlns="" w="9525">
                   <a:solidFill>
                     <a:srgbClr val="000000"/>
                   </a:solidFill>
@@ -5257,7 +5261,7 @@
             </a:ln>
             <a:extLst>
               <a:ext uri="{91240B29-F687-4f45-9708-019B960494DF}">
-                <a14:hiddenLine xmlns="" xmlns:a14="http://schemas.microsoft.com/office/drawing/2010/main" w="9525">
+                <a14:hiddenLine xmlns:a14="http://schemas.microsoft.com/office/drawing/2010/main" xmlns="" w="9525">
                   <a:solidFill>
                     <a:srgbClr val="000000"/>
                   </a:solidFill>
@@ -5377,7 +5381,7 @@
             </a:ln>
             <a:extLst>
               <a:ext uri="{91240B29-F687-4f45-9708-019B960494DF}">
-                <a14:hiddenLine xmlns="" xmlns:a14="http://schemas.microsoft.com/office/drawing/2010/main" w="9525">
+                <a14:hiddenLine xmlns:a14="http://schemas.microsoft.com/office/drawing/2010/main" xmlns="" w="9525">
                   <a:solidFill>
                     <a:srgbClr val="000000"/>
                   </a:solidFill>
@@ -5445,7 +5449,7 @@
             </a:ln>
             <a:extLst>
               <a:ext uri="{91240B29-F687-4f45-9708-019B960494DF}">
-                <a14:hiddenLine xmlns="" xmlns:a14="http://schemas.microsoft.com/office/drawing/2010/main" w="9525">
+                <a14:hiddenLine xmlns:a14="http://schemas.microsoft.com/office/drawing/2010/main" xmlns="" w="9525">
                   <a:solidFill>
                     <a:srgbClr val="000000"/>
                   </a:solidFill>
@@ -5535,7 +5539,7 @@
             </a:ln>
             <a:extLst>
               <a:ext uri="{91240B29-F687-4f45-9708-019B960494DF}">
-                <a14:hiddenLine xmlns="" xmlns:a14="http://schemas.microsoft.com/office/drawing/2010/main" w="9525">
+                <a14:hiddenLine xmlns:a14="http://schemas.microsoft.com/office/drawing/2010/main" xmlns="" w="9525">
                   <a:solidFill>
                     <a:srgbClr val="000000"/>
                   </a:solidFill>
@@ -5675,7 +5679,7 @@
           <a:p>
             <a:fld id="{7D69ABD8-CC08-634C-8959-69E2F102606D}" type="datetimeFigureOut">
               <a:rPr lang="en-US" smtClean="0"/>
-              <a:t>10/30/2018</a:t>
+              <a:t>11/7/2018</a:t>
             </a:fld>
             <a:endParaRPr lang="en-US"/>
           </a:p>
@@ -5942,7 +5946,7 @@
           <a:p>
             <a:fld id="{5C207619-F06F-4FD5-BE29-06CFBC265D4D}" type="datetime5">
               <a:rPr lang="en-US" smtClean="0"/>
-              <a:t>30-Oct-18</a:t>
+              <a:t>7-Nov-18</a:t>
             </a:fld>
             <a:endParaRPr lang="en-US"/>
           </a:p>
@@ -6143,7 +6147,7 @@
           <a:p>
             <a:fld id="{5C207619-F06F-4FD5-BE29-06CFBC265D4D}" type="datetime5">
               <a:rPr lang="en-US" smtClean="0"/>
-              <a:t>30-Oct-18</a:t>
+              <a:t>7-Nov-18</a:t>
             </a:fld>
             <a:endParaRPr lang="en-US"/>
           </a:p>
@@ -6411,7 +6415,7 @@
           <a:p>
             <a:fld id="{5C207619-F06F-4FD5-BE29-06CFBC265D4D}" type="datetime5">
               <a:rPr lang="en-US" smtClean="0"/>
-              <a:t>30-Oct-18</a:t>
+              <a:t>7-Nov-18</a:t>
             </a:fld>
             <a:endParaRPr lang="en-US"/>
           </a:p>
@@ -6850,7 +6854,7 @@
           <a:p>
             <a:fld id="{5C207619-F06F-4FD5-BE29-06CFBC265D4D}" type="datetime5">
               <a:rPr lang="en-US" smtClean="0"/>
-              <a:t>30-Oct-18</a:t>
+              <a:t>7-Nov-18</a:t>
             </a:fld>
             <a:endParaRPr lang="en-US"/>
           </a:p>
@@ -7401,7 +7405,7 @@
           <a:p>
             <a:fld id="{5C207619-F06F-4FD5-BE29-06CFBC265D4D}" type="datetime5">
               <a:rPr lang="en-US" smtClean="0"/>
-              <a:t>30-Oct-18</a:t>
+              <a:t>7-Nov-18</a:t>
             </a:fld>
             <a:endParaRPr lang="en-US"/>
           </a:p>
@@ -8126,7 +8130,7 @@
           <a:p>
             <a:fld id="{5C207619-F06F-4FD5-BE29-06CFBC265D4D}" type="datetime5">
               <a:rPr lang="en-US" smtClean="0"/>
-              <a:t>30-Oct-18</a:t>
+              <a:t>7-Nov-18</a:t>
             </a:fld>
             <a:endParaRPr lang="en-US"/>
           </a:p>
@@ -8305,7 +8309,7 @@
           <a:p>
             <a:fld id="{7D69ABD8-CC08-634C-8959-69E2F102606D}" type="datetimeFigureOut">
               <a:rPr lang="en-US" smtClean="0"/>
-              <a:t>10/30/2018</a:t>
+              <a:t>11/7/2018</a:t>
             </a:fld>
             <a:endParaRPr lang="en-US"/>
           </a:p>
@@ -8485,7 +8489,7 @@
           <a:p>
             <a:fld id="{7D69ABD8-CC08-634C-8959-69E2F102606D}" type="datetimeFigureOut">
               <a:rPr lang="en-US" smtClean="0"/>
-              <a:t>10/30/2018</a:t>
+              <a:t>11/7/2018</a:t>
             </a:fld>
             <a:endParaRPr lang="en-US"/>
           </a:p>
@@ -8670,7 +8674,7 @@
           <a:p>
             <a:fld id="{7D69ABD8-CC08-634C-8959-69E2F102606D}" type="datetimeFigureOut">
               <a:rPr lang="en-US" smtClean="0"/>
-              <a:t>10/30/2018</a:t>
+              <a:t>11/7/2018</a:t>
             </a:fld>
             <a:endParaRPr lang="en-US"/>
           </a:p>
@@ -8930,7 +8934,7 @@
           <a:p>
             <a:fld id="{7D69ABD8-CC08-634C-8959-69E2F102606D}" type="datetimeFigureOut">
               <a:rPr lang="en-US" smtClean="0"/>
-              <a:t>10/30/2018</a:t>
+              <a:t>11/7/2018</a:t>
             </a:fld>
             <a:endParaRPr lang="en-US"/>
           </a:p>
@@ -9162,7 +9166,7 @@
           <a:p>
             <a:fld id="{7D69ABD8-CC08-634C-8959-69E2F102606D}" type="datetimeFigureOut">
               <a:rPr lang="en-US" smtClean="0"/>
-              <a:t>10/30/2018</a:t>
+              <a:t>11/7/2018</a:t>
             </a:fld>
             <a:endParaRPr lang="en-US"/>
           </a:p>
@@ -9543,7 +9547,7 @@
           <a:p>
             <a:fld id="{7D69ABD8-CC08-634C-8959-69E2F102606D}" type="datetimeFigureOut">
               <a:rPr lang="en-US" smtClean="0"/>
-              <a:t>10/30/2018</a:t>
+              <a:t>11/7/2018</a:t>
             </a:fld>
             <a:endParaRPr lang="en-US"/>
           </a:p>
@@ -9661,7 +9665,7 @@
           <a:p>
             <a:fld id="{7D69ABD8-CC08-634C-8959-69E2F102606D}" type="datetimeFigureOut">
               <a:rPr lang="en-US" smtClean="0"/>
-              <a:t>10/30/2018</a:t>
+              <a:t>11/7/2018</a:t>
             </a:fld>
             <a:endParaRPr lang="en-US"/>
           </a:p>
@@ -9756,7 +9760,7 @@
           <a:p>
             <a:fld id="{7D69ABD8-CC08-634C-8959-69E2F102606D}" type="datetimeFigureOut">
               <a:rPr lang="en-US" smtClean="0"/>
-              <a:t>10/30/2018</a:t>
+              <a:t>11/7/2018</a:t>
             </a:fld>
             <a:endParaRPr lang="en-US"/>
           </a:p>
@@ -10005,7 +10009,7 @@
           <a:p>
             <a:fld id="{7D69ABD8-CC08-634C-8959-69E2F102606D}" type="datetimeFigureOut">
               <a:rPr lang="en-US" smtClean="0"/>
-              <a:t>10/30/2018</a:t>
+              <a:t>11/7/2018</a:t>
             </a:fld>
             <a:endParaRPr lang="en-US"/>
           </a:p>
@@ -10257,7 +10261,7 @@
           <a:p>
             <a:fld id="{7D69ABD8-CC08-634C-8959-69E2F102606D}" type="datetimeFigureOut">
               <a:rPr lang="en-US" smtClean="0"/>
-              <a:t>10/30/2018</a:t>
+              <a:t>11/7/2018</a:t>
             </a:fld>
             <a:endParaRPr lang="en-US"/>
           </a:p>
@@ -10380,7 +10384,7 @@
           <a:noFill/>
           <a:extLst>
             <a:ext uri="{909E8E84-426E-40dd-AFC4-6F175D3DCCD1}">
-              <a14:hiddenFill xmlns="" xmlns:a14="http://schemas.microsoft.com/office/drawing/2010/main">
+              <a14:hiddenFill xmlns:a14="http://schemas.microsoft.com/office/drawing/2010/main" xmlns="">
                 <a:solidFill>
                   <a:srgbClr val="FFFFFF"/>
                 </a:solidFill>
@@ -10454,7 +10458,7 @@
               </a:ln>
               <a:extLst>
                 <a:ext uri="{91240B29-F687-4f45-9708-019B960494DF}">
-                  <a14:hiddenLine xmlns="" xmlns:a14="http://schemas.microsoft.com/office/drawing/2010/main" w="9525">
+                  <a14:hiddenLine xmlns:a14="http://schemas.microsoft.com/office/drawing/2010/main" xmlns="" w="9525">
                     <a:solidFill>
                       <a:srgbClr val="000000"/>
                     </a:solidFill>
@@ -10544,7 +10548,7 @@
               </a:ln>
               <a:extLst>
                 <a:ext uri="{91240B29-F687-4f45-9708-019B960494DF}">
-                  <a14:hiddenLine xmlns="" xmlns:a14="http://schemas.microsoft.com/office/drawing/2010/main" w="9525">
+                  <a14:hiddenLine xmlns:a14="http://schemas.microsoft.com/office/drawing/2010/main" xmlns="" w="9525">
                     <a:solidFill>
                       <a:srgbClr val="000000"/>
                     </a:solidFill>
@@ -10634,7 +10638,7 @@
               </a:ln>
               <a:extLst>
                 <a:ext uri="{91240B29-F687-4f45-9708-019B960494DF}">
-                  <a14:hiddenLine xmlns="" xmlns:a14="http://schemas.microsoft.com/office/drawing/2010/main" w="9525">
+                  <a14:hiddenLine xmlns:a14="http://schemas.microsoft.com/office/drawing/2010/main" xmlns="" w="9525">
                     <a:solidFill>
                       <a:srgbClr val="000000"/>
                     </a:solidFill>
@@ -10696,7 +10700,7 @@
               </a:ln>
               <a:extLst>
                 <a:ext uri="{91240B29-F687-4f45-9708-019B960494DF}">
-                  <a14:hiddenLine xmlns="" xmlns:a14="http://schemas.microsoft.com/office/drawing/2010/main" w="9525">
+                  <a14:hiddenLine xmlns:a14="http://schemas.microsoft.com/office/drawing/2010/main" xmlns="" w="9525">
                     <a:solidFill>
                       <a:srgbClr val="000000"/>
                     </a:solidFill>
@@ -10786,7 +10790,7 @@
               </a:ln>
               <a:extLst>
                 <a:ext uri="{91240B29-F687-4f45-9708-019B960494DF}">
-                  <a14:hiddenLine xmlns="" xmlns:a14="http://schemas.microsoft.com/office/drawing/2010/main" w="9525">
+                  <a14:hiddenLine xmlns:a14="http://schemas.microsoft.com/office/drawing/2010/main" xmlns="" w="9525">
                     <a:solidFill>
                       <a:srgbClr val="000000"/>
                     </a:solidFill>
@@ -10848,7 +10852,7 @@
               </a:ln>
               <a:extLst>
                 <a:ext uri="{91240B29-F687-4f45-9708-019B960494DF}">
-                  <a14:hiddenLine xmlns="" xmlns:a14="http://schemas.microsoft.com/office/drawing/2010/main" w="9525">
+                  <a14:hiddenLine xmlns:a14="http://schemas.microsoft.com/office/drawing/2010/main" xmlns="" w="9525">
                     <a:solidFill>
                       <a:srgbClr val="000000"/>
                     </a:solidFill>
@@ -10910,7 +10914,7 @@
               </a:ln>
               <a:extLst>
                 <a:ext uri="{91240B29-F687-4f45-9708-019B960494DF}">
-                  <a14:hiddenLine xmlns="" xmlns:a14="http://schemas.microsoft.com/office/drawing/2010/main" w="9525">
+                  <a14:hiddenLine xmlns:a14="http://schemas.microsoft.com/office/drawing/2010/main" xmlns="" w="9525">
                     <a:solidFill>
                       <a:srgbClr val="000000"/>
                     </a:solidFill>
@@ -11000,7 +11004,7 @@
               </a:ln>
               <a:extLst>
                 <a:ext uri="{91240B29-F687-4f45-9708-019B960494DF}">
-                  <a14:hiddenLine xmlns="" xmlns:a14="http://schemas.microsoft.com/office/drawing/2010/main" w="9525">
+                  <a14:hiddenLine xmlns:a14="http://schemas.microsoft.com/office/drawing/2010/main" xmlns="" w="9525">
                     <a:solidFill>
                       <a:srgbClr val="000000"/>
                     </a:solidFill>
@@ -11090,7 +11094,7 @@
               </a:ln>
               <a:extLst>
                 <a:ext uri="{91240B29-F687-4f45-9708-019B960494DF}">
-                  <a14:hiddenLine xmlns="" xmlns:a14="http://schemas.microsoft.com/office/drawing/2010/main" w="9525">
+                  <a14:hiddenLine xmlns:a14="http://schemas.microsoft.com/office/drawing/2010/main" xmlns="" w="9525">
                     <a:solidFill>
                       <a:srgbClr val="000000"/>
                     </a:solidFill>
@@ -11152,7 +11156,7 @@
               </a:ln>
               <a:extLst>
                 <a:ext uri="{91240B29-F687-4f45-9708-019B960494DF}">
-                  <a14:hiddenLine xmlns="" xmlns:a14="http://schemas.microsoft.com/office/drawing/2010/main" w="9525">
+                  <a14:hiddenLine xmlns:a14="http://schemas.microsoft.com/office/drawing/2010/main" xmlns="" w="9525">
                     <a:solidFill>
                       <a:srgbClr val="000000"/>
                     </a:solidFill>
@@ -11262,7 +11266,7 @@
               </a:ln>
               <a:extLst>
                 <a:ext uri="{91240B29-F687-4f45-9708-019B960494DF}">
-                  <a14:hiddenLine xmlns="" xmlns:a14="http://schemas.microsoft.com/office/drawing/2010/main" w="9525">
+                  <a14:hiddenLine xmlns:a14="http://schemas.microsoft.com/office/drawing/2010/main" xmlns="" w="9525">
                     <a:solidFill>
                       <a:srgbClr val="000000"/>
                     </a:solidFill>
@@ -11346,7 +11350,7 @@
               </a:ln>
               <a:extLst>
                 <a:ext uri="{91240B29-F687-4f45-9708-019B960494DF}">
-                  <a14:hiddenLine xmlns="" xmlns:a14="http://schemas.microsoft.com/office/drawing/2010/main" w="9525">
+                  <a14:hiddenLine xmlns:a14="http://schemas.microsoft.com/office/drawing/2010/main" xmlns="" w="9525">
                     <a:solidFill>
                       <a:srgbClr val="000000"/>
                     </a:solidFill>
@@ -11408,7 +11412,7 @@
               </a:ln>
               <a:extLst>
                 <a:ext uri="{91240B29-F687-4f45-9708-019B960494DF}">
-                  <a14:hiddenLine xmlns="" xmlns:a14="http://schemas.microsoft.com/office/drawing/2010/main" w="9525">
+                  <a14:hiddenLine xmlns:a14="http://schemas.microsoft.com/office/drawing/2010/main" xmlns="" w="9525">
                     <a:solidFill>
                       <a:srgbClr val="000000"/>
                     </a:solidFill>
@@ -11470,7 +11474,7 @@
               </a:ln>
               <a:extLst>
                 <a:ext uri="{91240B29-F687-4f45-9708-019B960494DF}">
-                  <a14:hiddenLine xmlns="" xmlns:a14="http://schemas.microsoft.com/office/drawing/2010/main" w="9525">
+                  <a14:hiddenLine xmlns:a14="http://schemas.microsoft.com/office/drawing/2010/main" xmlns="" w="9525">
                     <a:solidFill>
                       <a:srgbClr val="000000"/>
                     </a:solidFill>
@@ -11560,7 +11564,7 @@
               </a:ln>
               <a:extLst>
                 <a:ext uri="{91240B29-F687-4f45-9708-019B960494DF}">
-                  <a14:hiddenLine xmlns="" xmlns:a14="http://schemas.microsoft.com/office/drawing/2010/main" w="9525">
+                  <a14:hiddenLine xmlns:a14="http://schemas.microsoft.com/office/drawing/2010/main" xmlns="" w="9525">
                     <a:solidFill>
                       <a:srgbClr val="000000"/>
                     </a:solidFill>
@@ -11594,7 +11598,7 @@
               </a:ln>
               <a:extLst>
                 <a:ext uri="{91240B29-F687-4f45-9708-019B960494DF}">
-                  <a14:hiddenLine xmlns="" xmlns:a14="http://schemas.microsoft.com/office/drawing/2010/main" w="9525">
+                  <a14:hiddenLine xmlns:a14="http://schemas.microsoft.com/office/drawing/2010/main" xmlns="" w="9525">
                     <a:solidFill>
                       <a:srgbClr val="000000"/>
                     </a:solidFill>
@@ -11659,7 +11663,7 @@
               </a:ln>
               <a:extLst>
                 <a:ext uri="{91240B29-F687-4f45-9708-019B960494DF}">
-                  <a14:hiddenLine xmlns="" xmlns:a14="http://schemas.microsoft.com/office/drawing/2010/main" w="9525">
+                  <a14:hiddenLine xmlns:a14="http://schemas.microsoft.com/office/drawing/2010/main" xmlns="" w="9525">
                     <a:solidFill>
                       <a:srgbClr val="000000"/>
                     </a:solidFill>
@@ -11749,7 +11753,7 @@
               </a:ln>
               <a:extLst>
                 <a:ext uri="{91240B29-F687-4f45-9708-019B960494DF}">
-                  <a14:hiddenLine xmlns="" xmlns:a14="http://schemas.microsoft.com/office/drawing/2010/main" w="9525">
+                  <a14:hiddenLine xmlns:a14="http://schemas.microsoft.com/office/drawing/2010/main" xmlns="" w="9525">
                     <a:solidFill>
                       <a:srgbClr val="000000"/>
                     </a:solidFill>
@@ -11811,7 +11815,7 @@
               </a:ln>
               <a:extLst>
                 <a:ext uri="{91240B29-F687-4f45-9708-019B960494DF}">
-                  <a14:hiddenLine xmlns="" xmlns:a14="http://schemas.microsoft.com/office/drawing/2010/main" w="9525">
+                  <a14:hiddenLine xmlns:a14="http://schemas.microsoft.com/office/drawing/2010/main" xmlns="" w="9525">
                     <a:solidFill>
                       <a:srgbClr val="000000"/>
                     </a:solidFill>
@@ -11901,7 +11905,7 @@
               </a:ln>
               <a:extLst>
                 <a:ext uri="{91240B29-F687-4f45-9708-019B960494DF}">
-                  <a14:hiddenLine xmlns="" xmlns:a14="http://schemas.microsoft.com/office/drawing/2010/main" w="9525">
+                  <a14:hiddenLine xmlns:a14="http://schemas.microsoft.com/office/drawing/2010/main" xmlns="" w="9525">
                     <a:solidFill>
                       <a:srgbClr val="000000"/>
                     </a:solidFill>
@@ -11966,7 +11970,7 @@
               </a:ln>
               <a:extLst>
                 <a:ext uri="{91240B29-F687-4f45-9708-019B960494DF}">
-                  <a14:hiddenLine xmlns="" xmlns:a14="http://schemas.microsoft.com/office/drawing/2010/main" w="9525">
+                  <a14:hiddenLine xmlns:a14="http://schemas.microsoft.com/office/drawing/2010/main" xmlns="" w="9525">
                     <a:solidFill>
                       <a:srgbClr val="000000"/>
                     </a:solidFill>
@@ -12028,7 +12032,7 @@
               </a:ln>
               <a:extLst>
                 <a:ext uri="{91240B29-F687-4f45-9708-019B960494DF}">
-                  <a14:hiddenLine xmlns="" xmlns:a14="http://schemas.microsoft.com/office/drawing/2010/main" w="9525">
+                  <a14:hiddenLine xmlns:a14="http://schemas.microsoft.com/office/drawing/2010/main" xmlns="" w="9525">
                     <a:solidFill>
                       <a:srgbClr val="000000"/>
                     </a:solidFill>
@@ -12118,7 +12122,7 @@
               </a:ln>
               <a:extLst>
                 <a:ext uri="{91240B29-F687-4f45-9708-019B960494DF}">
-                  <a14:hiddenLine xmlns="" xmlns:a14="http://schemas.microsoft.com/office/drawing/2010/main" w="9525">
+                  <a14:hiddenLine xmlns:a14="http://schemas.microsoft.com/office/drawing/2010/main" xmlns="" w="9525">
                     <a:solidFill>
                       <a:srgbClr val="000000"/>
                     </a:solidFill>
@@ -12208,7 +12212,7 @@
               </a:ln>
               <a:extLst>
                 <a:ext uri="{91240B29-F687-4f45-9708-019B960494DF}">
-                  <a14:hiddenLine xmlns="" xmlns:a14="http://schemas.microsoft.com/office/drawing/2010/main" w="9525">
+                  <a14:hiddenLine xmlns:a14="http://schemas.microsoft.com/office/drawing/2010/main" xmlns="" w="9525">
                     <a:solidFill>
                       <a:srgbClr val="000000"/>
                     </a:solidFill>
@@ -12273,7 +12277,7 @@
               </a:ln>
               <a:extLst>
                 <a:ext uri="{91240B29-F687-4f45-9708-019B960494DF}">
-                  <a14:hiddenLine xmlns="" xmlns:a14="http://schemas.microsoft.com/office/drawing/2010/main" w="9525">
+                  <a14:hiddenLine xmlns:a14="http://schemas.microsoft.com/office/drawing/2010/main" xmlns="" w="9525">
                     <a:solidFill>
                       <a:srgbClr val="000000"/>
                     </a:solidFill>
@@ -12393,7 +12397,7 @@
               </a:ln>
               <a:extLst>
                 <a:ext uri="{91240B29-F687-4f45-9708-019B960494DF}">
-                  <a14:hiddenLine xmlns="" xmlns:a14="http://schemas.microsoft.com/office/drawing/2010/main" w="9525">
+                  <a14:hiddenLine xmlns:a14="http://schemas.microsoft.com/office/drawing/2010/main" xmlns="" w="9525">
                     <a:solidFill>
                       <a:srgbClr val="000000"/>
                     </a:solidFill>
@@ -12491,7 +12495,7 @@
               </a:ln>
               <a:extLst>
                 <a:ext uri="{91240B29-F687-4f45-9708-019B960494DF}">
-                  <a14:hiddenLine xmlns="" xmlns:a14="http://schemas.microsoft.com/office/drawing/2010/main" w="9525">
+                  <a14:hiddenLine xmlns:a14="http://schemas.microsoft.com/office/drawing/2010/main" xmlns="" w="9525">
                     <a:solidFill>
                       <a:srgbClr val="000000"/>
                     </a:solidFill>
@@ -12606,7 +12610,7 @@
               </a:ln>
               <a:extLst>
                 <a:ext uri="{91240B29-F687-4f45-9708-019B960494DF}">
-                  <a14:hiddenLine xmlns="" xmlns:a14="http://schemas.microsoft.com/office/drawing/2010/main" w="9525">
+                  <a14:hiddenLine xmlns:a14="http://schemas.microsoft.com/office/drawing/2010/main" xmlns="" w="9525">
                     <a:solidFill>
                       <a:srgbClr val="000000"/>
                     </a:solidFill>
@@ -12696,7 +12700,7 @@
               </a:ln>
               <a:extLst>
                 <a:ext uri="{91240B29-F687-4f45-9708-019B960494DF}">
-                  <a14:hiddenLine xmlns="" xmlns:a14="http://schemas.microsoft.com/office/drawing/2010/main" w="9525">
+                  <a14:hiddenLine xmlns:a14="http://schemas.microsoft.com/office/drawing/2010/main" xmlns="" w="9525">
                     <a:solidFill>
                       <a:srgbClr val="000000"/>
                     </a:solidFill>
@@ -12761,7 +12765,7 @@
               </a:ln>
               <a:extLst>
                 <a:ext uri="{91240B29-F687-4f45-9708-019B960494DF}">
-                  <a14:hiddenLine xmlns="" xmlns:a14="http://schemas.microsoft.com/office/drawing/2010/main" w="9525">
+                  <a14:hiddenLine xmlns:a14="http://schemas.microsoft.com/office/drawing/2010/main" xmlns="" w="9525">
                     <a:solidFill>
                       <a:srgbClr val="000000"/>
                     </a:solidFill>
@@ -12851,7 +12855,7 @@
               </a:ln>
               <a:extLst>
                 <a:ext uri="{91240B29-F687-4f45-9708-019B960494DF}">
-                  <a14:hiddenLine xmlns="" xmlns:a14="http://schemas.microsoft.com/office/drawing/2010/main" w="9525">
+                  <a14:hiddenLine xmlns:a14="http://schemas.microsoft.com/office/drawing/2010/main" xmlns="" w="9525">
                     <a:solidFill>
                       <a:srgbClr val="000000"/>
                     </a:solidFill>
@@ -12919,7 +12923,7 @@
               </a:ln>
               <a:extLst>
                 <a:ext uri="{91240B29-F687-4f45-9708-019B960494DF}">
-                  <a14:hiddenLine xmlns="" xmlns:a14="http://schemas.microsoft.com/office/drawing/2010/main" w="9525">
+                  <a14:hiddenLine xmlns:a14="http://schemas.microsoft.com/office/drawing/2010/main" xmlns="" w="9525">
                     <a:solidFill>
                       <a:srgbClr val="000000"/>
                     </a:solidFill>
@@ -13009,7 +13013,7 @@
               </a:ln>
               <a:extLst>
                 <a:ext uri="{91240B29-F687-4f45-9708-019B960494DF}">
-                  <a14:hiddenLine xmlns="" xmlns:a14="http://schemas.microsoft.com/office/drawing/2010/main" w="9525">
+                  <a14:hiddenLine xmlns:a14="http://schemas.microsoft.com/office/drawing/2010/main" xmlns="" w="9525">
                     <a:solidFill>
                       <a:srgbClr val="000000"/>
                     </a:solidFill>
@@ -13077,7 +13081,7 @@
               </a:ln>
               <a:extLst>
                 <a:ext uri="{91240B29-F687-4f45-9708-019B960494DF}">
-                  <a14:hiddenLine xmlns="" xmlns:a14="http://schemas.microsoft.com/office/drawing/2010/main" w="9525">
+                  <a14:hiddenLine xmlns:a14="http://schemas.microsoft.com/office/drawing/2010/main" xmlns="" w="9525">
                     <a:solidFill>
                       <a:srgbClr val="000000"/>
                     </a:solidFill>
@@ -13167,7 +13171,7 @@
               </a:ln>
               <a:extLst>
                 <a:ext uri="{91240B29-F687-4f45-9708-019B960494DF}">
-                  <a14:hiddenLine xmlns="" xmlns:a14="http://schemas.microsoft.com/office/drawing/2010/main" w="9525">
+                  <a14:hiddenLine xmlns:a14="http://schemas.microsoft.com/office/drawing/2010/main" xmlns="" w="9525">
                     <a:solidFill>
                       <a:srgbClr val="000000"/>
                     </a:solidFill>
@@ -13201,7 +13205,7 @@
               </a:ln>
               <a:extLst>
                 <a:ext uri="{91240B29-F687-4f45-9708-019B960494DF}">
-                  <a14:hiddenLine xmlns="" xmlns:a14="http://schemas.microsoft.com/office/drawing/2010/main" w="9525">
+                  <a14:hiddenLine xmlns:a14="http://schemas.microsoft.com/office/drawing/2010/main" xmlns="" w="9525">
                     <a:solidFill>
                       <a:srgbClr val="000000"/>
                     </a:solidFill>
@@ -13339,9 +13343,9 @@
             </a:lvl1pPr>
           </a:lstStyle>
           <a:p>
-            <a:fld id="{51BF6E87-7C35-4215-B52B-448961059FA3}" type="datetime5">
+            <a:fld id="{759E3EA9-D358-4112-B8E7-63B42F353CFE}" type="datetime5">
               <a:rPr lang="en-US" smtClean="0"/>
-              <a:t>30-Oct-18</a:t>
+              <a:t>7-Nov-18</a:t>
             </a:fld>
             <a:endParaRPr lang="en-US"/>
           </a:p>
@@ -13814,9 +13818,9 @@
           <a:bodyPr/>
           <a:lstStyle/>
           <a:p>
-            <a:fld id="{FD314D29-D5F5-4344-BC62-08C5FBB88B3A}" type="datetime5">
+            <a:fld id="{4717528F-6DAE-4A75-BE8A-E6D39363AD92}" type="datetime5">
               <a:rPr lang="en-US" smtClean="0"/>
-              <a:t>30-Oct-18</a:t>
+              <a:t>7-Nov-18</a:t>
             </a:fld>
             <a:endParaRPr lang="en-US"/>
           </a:p>
@@ -14054,9 +14058,9 @@
           <a:bodyPr/>
           <a:lstStyle/>
           <a:p>
-            <a:fld id="{6D178B70-030A-4925-9179-9FA0E5FC3FCC}" type="datetime5">
+            <a:fld id="{F102B7C7-E991-489D-8AAB-14246F3A3716}" type="datetime5">
               <a:rPr lang="en-US" smtClean="0"/>
-              <a:t>30-Oct-18</a:t>
+              <a:t>7-Nov-18</a:t>
             </a:fld>
             <a:endParaRPr lang="en-US" dirty="0"/>
           </a:p>
@@ -14335,9 +14339,9 @@
           <a:bodyPr/>
           <a:lstStyle/>
           <a:p>
-            <a:fld id="{904760EF-F758-480C-A1D9-F70291F89D1B}" type="datetime5">
+            <a:fld id="{FBD8D206-8473-4C41-8668-9C5DF4EF3BBB}" type="datetime5">
               <a:rPr lang="en-US" smtClean="0"/>
-              <a:t>30-Oct-18</a:t>
+              <a:t>7-Nov-18</a:t>
             </a:fld>
             <a:endParaRPr lang="en-US"/>
           </a:p>
@@ -17574,9 +17578,9 @@
           <a:bodyPr/>
           <a:lstStyle/>
           <a:p>
-            <a:fld id="{0DA16F22-FB41-4656-8E81-F53642183D03}" type="datetime5">
+            <a:fld id="{D30499D4-B75E-41EA-BB76-545D8BF901C5}" type="datetime5">
               <a:rPr lang="en-US" smtClean="0"/>
-              <a:t>30-Oct-18</a:t>
+              <a:t>7-Nov-18</a:t>
             </a:fld>
             <a:endParaRPr lang="en-US" dirty="0"/>
           </a:p>
@@ -18592,9 +18596,9 @@
           <a:bodyPr/>
           <a:lstStyle/>
           <a:p>
-            <a:fld id="{5881F389-AB8B-4DD6-A95A-F3A973D9F483}" type="datetime5">
+            <a:fld id="{B767D537-FACE-402A-9BCF-ACDC87064C01}" type="datetime5">
               <a:rPr lang="en-US" smtClean="0"/>
-              <a:t>30-Oct-18</a:t>
+              <a:t>7-Nov-18</a:t>
             </a:fld>
             <a:endParaRPr lang="en-US"/>
           </a:p>
@@ -18860,9 +18864,9 @@
           <a:bodyPr/>
           <a:lstStyle/>
           <a:p>
-            <a:fld id="{086267A3-4B63-4080-893D-AB1989816E6A}" type="datetime5">
+            <a:fld id="{294F4130-3D34-4287-A26E-9E4D2810256B}" type="datetime5">
               <a:rPr lang="en-US" smtClean="0"/>
-              <a:t>30-Oct-18</a:t>
+              <a:t>7-Nov-18</a:t>
             </a:fld>
             <a:endParaRPr lang="en-US"/>
           </a:p>
@@ -18953,6 +18957,1588 @@
       </p:grpSpPr>
       <p:sp>
         <p:nvSpPr>
+          <p:cNvPr id="2" name="Title 1"/>
+          <p:cNvSpPr>
+            <a:spLocks noGrp="1"/>
+          </p:cNvSpPr>
+          <p:nvPr>
+            <p:ph type="title"/>
+          </p:nvPr>
+        </p:nvSpPr>
+        <p:spPr>
+          <a:xfrm>
+            <a:off x="1202570" y="445263"/>
+            <a:ext cx="4805038" cy="690518"/>
+          </a:xfrm>
+        </p:spPr>
+        <p:txBody>
+          <a:bodyPr>
+            <a:normAutofit/>
+          </a:bodyPr>
+          <a:lstStyle/>
+          <a:p>
+            <a:r>
+              <a:rPr lang="en-US" dirty="0" smtClean="0"/>
+              <a:t>Follow the </a:t>
+            </a:r>
+            <a:r>
+              <a:rPr lang="en-US" dirty="0" smtClean="0"/>
+              <a:t>steps</a:t>
+            </a:r>
+            <a:endParaRPr lang="en-US" dirty="0"/>
+          </a:p>
+        </p:txBody>
+      </p:sp>
+      <p:sp>
+        <p:nvSpPr>
+          <p:cNvPr id="3" name="Content Placeholder 2"/>
+          <p:cNvSpPr>
+            <a:spLocks noGrp="1"/>
+          </p:cNvSpPr>
+          <p:nvPr>
+            <p:ph idx="1"/>
+          </p:nvPr>
+        </p:nvSpPr>
+        <p:spPr>
+          <a:xfrm>
+            <a:off x="856059" y="1296305"/>
+            <a:ext cx="8229600" cy="4800814"/>
+          </a:xfrm>
+        </p:spPr>
+        <p:txBody>
+          <a:bodyPr>
+            <a:normAutofit/>
+          </a:bodyPr>
+          <a:lstStyle/>
+          <a:p>
+            <a:r>
+              <a:rPr lang="en-US" dirty="0" smtClean="0"/>
+              <a:t>All the standard </a:t>
+            </a:r>
+            <a:r>
+              <a:rPr lang="en-US" dirty="0" err="1" smtClean="0"/>
+              <a:t>git</a:t>
+            </a:r>
+            <a:r>
+              <a:rPr lang="en-US" dirty="0" smtClean="0"/>
+              <a:t> steps is provided in following slides</a:t>
+            </a:r>
+          </a:p>
+          <a:p>
+            <a:r>
+              <a:rPr lang="en-US" dirty="0" smtClean="0"/>
+              <a:t>You can follow the steps in either </a:t>
+            </a:r>
+            <a:r>
+              <a:rPr lang="en-US" dirty="0" err="1" smtClean="0"/>
+              <a:t>SourceTree</a:t>
+            </a:r>
+            <a:r>
+              <a:rPr lang="en-US" dirty="0" smtClean="0"/>
+              <a:t> UI or command line</a:t>
+            </a:r>
+            <a:endParaRPr lang="en-US" dirty="0" smtClean="0"/>
+          </a:p>
+        </p:txBody>
+      </p:sp>
+      <p:sp>
+        <p:nvSpPr>
+          <p:cNvPr id="5" name="Date Placeholder 4"/>
+          <p:cNvSpPr>
+            <a:spLocks noGrp="1"/>
+          </p:cNvSpPr>
+          <p:nvPr>
+            <p:ph type="dt" sz="half" idx="10"/>
+          </p:nvPr>
+        </p:nvSpPr>
+        <p:spPr/>
+        <p:txBody>
+          <a:bodyPr/>
+          <a:lstStyle/>
+          <a:p>
+            <a:fld id="{95DD0BFC-F9F0-4175-9EC1-28352E5604EA}" type="datetime5">
+              <a:rPr lang="en-US" smtClean="0"/>
+              <a:t>7-Nov-18</a:t>
+            </a:fld>
+            <a:endParaRPr lang="en-US"/>
+          </a:p>
+        </p:txBody>
+      </p:sp>
+      <p:sp>
+        <p:nvSpPr>
+          <p:cNvPr id="4" name="Footer Placeholder 3"/>
+          <p:cNvSpPr>
+            <a:spLocks noGrp="1"/>
+          </p:cNvSpPr>
+          <p:nvPr>
+            <p:ph type="ftr" sz="quarter" idx="11"/>
+          </p:nvPr>
+        </p:nvSpPr>
+        <p:spPr/>
+        <p:txBody>
+          <a:bodyPr/>
+          <a:lstStyle/>
+          <a:p>
+            <a:r>
+              <a:rPr lang="en-US" smtClean="0"/>
+              <a:t>AXP Internal</a:t>
+            </a:r>
+            <a:endParaRPr lang="en-US"/>
+          </a:p>
+        </p:txBody>
+      </p:sp>
+      <p:sp>
+        <p:nvSpPr>
+          <p:cNvPr id="6" name="Slide Number Placeholder 5"/>
+          <p:cNvSpPr>
+            <a:spLocks noGrp="1"/>
+          </p:cNvSpPr>
+          <p:nvPr>
+            <p:ph type="sldNum" sz="quarter" idx="12"/>
+          </p:nvPr>
+        </p:nvSpPr>
+        <p:spPr/>
+        <p:txBody>
+          <a:bodyPr/>
+          <a:lstStyle/>
+          <a:p>
+            <a:fld id="{B4829C59-8948-1A4D-840C-AB343535AC28}" type="slidenum">
+              <a:rPr lang="en-US" smtClean="0"/>
+              <a:t>15</a:t>
+            </a:fld>
+            <a:endParaRPr lang="en-US"/>
+          </a:p>
+        </p:txBody>
+      </p:sp>
+    </p:spTree>
+    <p:extLst>
+      <p:ext uri="{BB962C8B-B14F-4D97-AF65-F5344CB8AC3E}">
+        <p14:creationId xmlns:p14="http://schemas.microsoft.com/office/powerpoint/2010/main" val="3680997898"/>
+      </p:ext>
+    </p:extLst>
+  </p:cSld>
+  <p:clrMapOvr>
+    <a:masterClrMapping/>
+  </p:clrMapOvr>
+  <p:timing>
+    <p:tnLst>
+      <p:par>
+        <p:cTn id="1" dur="indefinite" restart="never" nodeType="tmRoot"/>
+      </p:par>
+    </p:tnLst>
+  </p:timing>
+</p:sld>
+</file>
+
+<file path=ppt/slides/slide16.xml><?xml version="1.0" encoding="utf-8"?>
+<p:sld xmlns:a="http://schemas.openxmlformats.org/drawingml/2006/main" xmlns:r="http://schemas.openxmlformats.org/officeDocument/2006/relationships" xmlns:p="http://schemas.openxmlformats.org/presentationml/2006/main">
+  <p:cSld>
+    <p:spTree>
+      <p:nvGrpSpPr>
+        <p:cNvPr id="1" name=""/>
+        <p:cNvGrpSpPr/>
+        <p:nvPr/>
+      </p:nvGrpSpPr>
+      <p:grpSpPr>
+        <a:xfrm>
+          <a:off x="0" y="0"/>
+          <a:ext cx="0" cy="0"/>
+          <a:chOff x="0" y="0"/>
+          <a:chExt cx="0" cy="0"/>
+        </a:xfrm>
+      </p:grpSpPr>
+      <p:sp>
+        <p:nvSpPr>
+          <p:cNvPr id="2" name="Title 1"/>
+          <p:cNvSpPr>
+            <a:spLocks noGrp="1"/>
+          </p:cNvSpPr>
+          <p:nvPr>
+            <p:ph type="title"/>
+          </p:nvPr>
+        </p:nvSpPr>
+        <p:spPr>
+          <a:xfrm>
+            <a:off x="1202570" y="445263"/>
+            <a:ext cx="5344534" cy="690518"/>
+          </a:xfrm>
+        </p:spPr>
+        <p:txBody>
+          <a:bodyPr>
+            <a:normAutofit fontScale="90000"/>
+          </a:bodyPr>
+          <a:lstStyle/>
+          <a:p>
+            <a:r>
+              <a:rPr lang="en-US" dirty="0" smtClean="0"/>
+              <a:t>Work on features steps</a:t>
+            </a:r>
+            <a:endParaRPr lang="en-US" dirty="0"/>
+          </a:p>
+        </p:txBody>
+      </p:sp>
+      <p:sp>
+        <p:nvSpPr>
+          <p:cNvPr id="3" name="Content Placeholder 2"/>
+          <p:cNvSpPr>
+            <a:spLocks noGrp="1"/>
+          </p:cNvSpPr>
+          <p:nvPr>
+            <p:ph idx="1"/>
+          </p:nvPr>
+        </p:nvSpPr>
+        <p:spPr>
+          <a:xfrm>
+            <a:off x="856059" y="1296305"/>
+            <a:ext cx="8229600" cy="4800814"/>
+          </a:xfrm>
+        </p:spPr>
+        <p:txBody>
+          <a:bodyPr>
+            <a:normAutofit fontScale="77500" lnSpcReduction="20000"/>
+          </a:bodyPr>
+          <a:lstStyle/>
+          <a:p>
+            <a:pPr marL="457200" indent="-457200">
+              <a:buFont typeface="+mj-lt"/>
+              <a:buAutoNum type="arabicPeriod"/>
+            </a:pPr>
+            <a:r>
+              <a:rPr lang="en-US" dirty="0" smtClean="0"/>
+              <a:t> Check out develop branch</a:t>
+            </a:r>
+          </a:p>
+          <a:p>
+            <a:pPr lvl="1"/>
+            <a:r>
+              <a:rPr lang="en-US" dirty="0" smtClean="0"/>
+              <a:t>$ </a:t>
+            </a:r>
+            <a:r>
+              <a:rPr lang="en-US" dirty="0" err="1" smtClean="0"/>
+              <a:t>git</a:t>
+            </a:r>
+            <a:r>
+              <a:rPr lang="en-US" dirty="0" smtClean="0"/>
+              <a:t> checkout develop</a:t>
+            </a:r>
+          </a:p>
+          <a:p>
+            <a:pPr marL="457200" indent="-457200">
+              <a:buFont typeface="+mj-lt"/>
+              <a:buAutoNum type="arabicPeriod"/>
+            </a:pPr>
+            <a:r>
+              <a:rPr lang="en-US" dirty="0" smtClean="0"/>
+              <a:t>Create feature branch from develop</a:t>
+            </a:r>
+          </a:p>
+          <a:p>
+            <a:pPr lvl="1"/>
+            <a:r>
+              <a:rPr lang="en-US" dirty="0"/>
+              <a:t>$ </a:t>
+            </a:r>
+            <a:r>
+              <a:rPr lang="en-US" dirty="0" err="1"/>
+              <a:t>git</a:t>
+            </a:r>
+            <a:r>
+              <a:rPr lang="en-US" dirty="0"/>
+              <a:t> checkout -b </a:t>
+            </a:r>
+            <a:r>
+              <a:rPr lang="en-US" dirty="0" smtClean="0"/>
+              <a:t>&lt;feature/outlook&gt;</a:t>
+            </a:r>
+          </a:p>
+          <a:p>
+            <a:pPr marL="457200" indent="-457200">
+              <a:buFont typeface="+mj-lt"/>
+              <a:buAutoNum type="arabicPeriod"/>
+            </a:pPr>
+            <a:r>
+              <a:rPr lang="en-US" dirty="0"/>
+              <a:t>S</a:t>
+            </a:r>
+            <a:r>
+              <a:rPr lang="en-US" dirty="0" smtClean="0"/>
+              <a:t>et up </a:t>
+            </a:r>
+            <a:r>
+              <a:rPr lang="en-US" dirty="0"/>
+              <a:t>&lt;</a:t>
+            </a:r>
+            <a:r>
+              <a:rPr lang="en-US" dirty="0" smtClean="0"/>
+              <a:t>feature/outlook&gt; to track </a:t>
+            </a:r>
+            <a:r>
+              <a:rPr lang="en-US" dirty="0"/>
+              <a:t>remote branch </a:t>
+            </a:r>
+            <a:r>
+              <a:rPr lang="en-US" dirty="0" smtClean="0"/>
+              <a:t>'feature/outlook‘ from 'origin'.</a:t>
+            </a:r>
+          </a:p>
+          <a:p>
+            <a:pPr lvl="1"/>
+            <a:r>
+              <a:rPr lang="en-US" dirty="0" smtClean="0"/>
+              <a:t>$ </a:t>
+            </a:r>
+            <a:r>
+              <a:rPr lang="en-US" dirty="0" err="1"/>
+              <a:t>git</a:t>
+            </a:r>
+            <a:r>
+              <a:rPr lang="en-US" dirty="0"/>
+              <a:t> push -u origin </a:t>
+            </a:r>
+            <a:r>
+              <a:rPr lang="en-US" dirty="0" smtClean="0"/>
+              <a:t>&lt;feature/outlook&gt;</a:t>
+            </a:r>
+            <a:endParaRPr lang="en-US" dirty="0" smtClean="0"/>
+          </a:p>
+          <a:p>
+            <a:pPr marL="457200" indent="-457200">
+              <a:buFont typeface="+mj-lt"/>
+              <a:buAutoNum type="arabicPeriod"/>
+            </a:pPr>
+            <a:r>
+              <a:rPr lang="en-US" dirty="0" smtClean="0"/>
+              <a:t>Continue working on </a:t>
+            </a:r>
+            <a:r>
+              <a:rPr lang="en-US" dirty="0"/>
+              <a:t>your &lt;feature/outlook&gt; </a:t>
+            </a:r>
+            <a:endParaRPr lang="en-US" dirty="0" smtClean="0"/>
+          </a:p>
+          <a:p>
+            <a:pPr lvl="1"/>
+            <a:r>
+              <a:rPr lang="en-US" dirty="0" smtClean="0"/>
+              <a:t>$</a:t>
+            </a:r>
+            <a:r>
+              <a:rPr lang="en-US" dirty="0" err="1" smtClean="0"/>
+              <a:t>git</a:t>
+            </a:r>
+            <a:r>
+              <a:rPr lang="en-US" dirty="0" smtClean="0"/>
+              <a:t> commit –m “update something”</a:t>
+            </a:r>
+          </a:p>
+          <a:p>
+            <a:pPr lvl="1"/>
+            <a:r>
+              <a:rPr lang="en-US" dirty="0" smtClean="0"/>
+              <a:t>$</a:t>
+            </a:r>
+            <a:r>
+              <a:rPr lang="en-US" dirty="0" err="1" smtClean="0"/>
+              <a:t>git</a:t>
+            </a:r>
+            <a:r>
+              <a:rPr lang="en-US" dirty="0" smtClean="0"/>
+              <a:t> push</a:t>
+            </a:r>
+          </a:p>
+          <a:p>
+            <a:pPr marL="457200" indent="-457200">
+              <a:buFont typeface="+mj-lt"/>
+              <a:buAutoNum type="arabicPeriod"/>
+            </a:pPr>
+            <a:r>
+              <a:rPr lang="en-US" dirty="0" smtClean="0"/>
+              <a:t>Merge </a:t>
+            </a:r>
+            <a:r>
+              <a:rPr lang="en-US" dirty="0"/>
+              <a:t>your &lt;feature/outlook&gt; into </a:t>
+            </a:r>
+            <a:r>
+              <a:rPr lang="en-US" dirty="0" smtClean="0"/>
+              <a:t>develop branch</a:t>
+            </a:r>
+          </a:p>
+          <a:p>
+            <a:pPr lvl="1"/>
+            <a:r>
+              <a:rPr lang="en-US" dirty="0"/>
+              <a:t>$ </a:t>
+            </a:r>
+            <a:r>
+              <a:rPr lang="en-US" dirty="0" err="1"/>
+              <a:t>git</a:t>
+            </a:r>
+            <a:r>
+              <a:rPr lang="en-US" dirty="0"/>
+              <a:t> checkout </a:t>
+            </a:r>
+            <a:r>
+              <a:rPr lang="en-US" dirty="0" smtClean="0"/>
+              <a:t>develop</a:t>
+            </a:r>
+          </a:p>
+          <a:p>
+            <a:pPr lvl="1"/>
+            <a:r>
+              <a:rPr lang="en-US" dirty="0"/>
+              <a:t>$ </a:t>
+            </a:r>
+            <a:r>
+              <a:rPr lang="en-US" dirty="0" err="1"/>
+              <a:t>git</a:t>
+            </a:r>
+            <a:r>
+              <a:rPr lang="en-US" dirty="0"/>
+              <a:t> merge </a:t>
+            </a:r>
+            <a:r>
+              <a:rPr lang="en-US" dirty="0" smtClean="0"/>
+              <a:t>&lt;feature/outlook&gt;</a:t>
+            </a:r>
+          </a:p>
+          <a:p>
+            <a:pPr lvl="1"/>
+            <a:r>
+              <a:rPr lang="en-US" dirty="0" smtClean="0"/>
+              <a:t>$ </a:t>
+            </a:r>
+            <a:r>
+              <a:rPr lang="en-US" dirty="0" err="1" smtClean="0"/>
+              <a:t>git</a:t>
+            </a:r>
+            <a:r>
+              <a:rPr lang="en-US" dirty="0" smtClean="0"/>
+              <a:t> push</a:t>
+            </a:r>
+          </a:p>
+          <a:p>
+            <a:pPr lvl="1"/>
+            <a:endParaRPr lang="en-US" dirty="0" smtClean="0"/>
+          </a:p>
+        </p:txBody>
+      </p:sp>
+      <p:sp>
+        <p:nvSpPr>
+          <p:cNvPr id="5" name="Date Placeholder 4"/>
+          <p:cNvSpPr>
+            <a:spLocks noGrp="1"/>
+          </p:cNvSpPr>
+          <p:nvPr>
+            <p:ph type="dt" sz="half" idx="10"/>
+          </p:nvPr>
+        </p:nvSpPr>
+        <p:spPr/>
+        <p:txBody>
+          <a:bodyPr/>
+          <a:lstStyle/>
+          <a:p>
+            <a:fld id="{5C048A47-A0BC-4B67-B6A7-02CFEDC947E0}" type="datetime5">
+              <a:rPr lang="en-US" smtClean="0"/>
+              <a:t>7-Nov-18</a:t>
+            </a:fld>
+            <a:endParaRPr lang="en-US"/>
+          </a:p>
+        </p:txBody>
+      </p:sp>
+      <p:sp>
+        <p:nvSpPr>
+          <p:cNvPr id="4" name="Footer Placeholder 3"/>
+          <p:cNvSpPr>
+            <a:spLocks noGrp="1"/>
+          </p:cNvSpPr>
+          <p:nvPr>
+            <p:ph type="ftr" sz="quarter" idx="11"/>
+          </p:nvPr>
+        </p:nvSpPr>
+        <p:spPr/>
+        <p:txBody>
+          <a:bodyPr/>
+          <a:lstStyle/>
+          <a:p>
+            <a:r>
+              <a:rPr lang="en-US" smtClean="0"/>
+              <a:t>AXP Internal</a:t>
+            </a:r>
+            <a:endParaRPr lang="en-US"/>
+          </a:p>
+        </p:txBody>
+      </p:sp>
+      <p:sp>
+        <p:nvSpPr>
+          <p:cNvPr id="6" name="Slide Number Placeholder 5"/>
+          <p:cNvSpPr>
+            <a:spLocks noGrp="1"/>
+          </p:cNvSpPr>
+          <p:nvPr>
+            <p:ph type="sldNum" sz="quarter" idx="12"/>
+          </p:nvPr>
+        </p:nvSpPr>
+        <p:spPr/>
+        <p:txBody>
+          <a:bodyPr/>
+          <a:lstStyle/>
+          <a:p>
+            <a:fld id="{B4829C59-8948-1A4D-840C-AB343535AC28}" type="slidenum">
+              <a:rPr lang="en-US" smtClean="0"/>
+              <a:t>16</a:t>
+            </a:fld>
+            <a:endParaRPr lang="en-US"/>
+          </a:p>
+        </p:txBody>
+      </p:sp>
+    </p:spTree>
+    <p:extLst>
+      <p:ext uri="{BB962C8B-B14F-4D97-AF65-F5344CB8AC3E}">
+        <p14:creationId xmlns:p14="http://schemas.microsoft.com/office/powerpoint/2010/main" val="1027676257"/>
+      </p:ext>
+    </p:extLst>
+  </p:cSld>
+  <p:clrMapOvr>
+    <a:masterClrMapping/>
+  </p:clrMapOvr>
+  <p:timing>
+    <p:tnLst>
+      <p:par>
+        <p:cTn id="1" dur="indefinite" restart="never" nodeType="tmRoot"/>
+      </p:par>
+    </p:tnLst>
+  </p:timing>
+</p:sld>
+</file>
+
+<file path=ppt/slides/slide17.xml><?xml version="1.0" encoding="utf-8"?>
+<p:sld xmlns:a="http://schemas.openxmlformats.org/drawingml/2006/main" xmlns:r="http://schemas.openxmlformats.org/officeDocument/2006/relationships" xmlns:p="http://schemas.openxmlformats.org/presentationml/2006/main">
+  <p:cSld>
+    <p:spTree>
+      <p:nvGrpSpPr>
+        <p:cNvPr id="1" name=""/>
+        <p:cNvGrpSpPr/>
+        <p:nvPr/>
+      </p:nvGrpSpPr>
+      <p:grpSpPr>
+        <a:xfrm>
+          <a:off x="0" y="0"/>
+          <a:ext cx="0" cy="0"/>
+          <a:chOff x="0" y="0"/>
+          <a:chExt cx="0" cy="0"/>
+        </a:xfrm>
+      </p:grpSpPr>
+      <p:sp>
+        <p:nvSpPr>
+          <p:cNvPr id="2" name="Title 1"/>
+          <p:cNvSpPr>
+            <a:spLocks noGrp="1"/>
+          </p:cNvSpPr>
+          <p:nvPr>
+            <p:ph type="title"/>
+          </p:nvPr>
+        </p:nvSpPr>
+        <p:spPr>
+          <a:xfrm>
+            <a:off x="1202570" y="445263"/>
+            <a:ext cx="5344534" cy="690518"/>
+          </a:xfrm>
+        </p:spPr>
+        <p:txBody>
+          <a:bodyPr>
+            <a:normAutofit/>
+          </a:bodyPr>
+          <a:lstStyle/>
+          <a:p>
+            <a:r>
+              <a:rPr lang="en-US" dirty="0" smtClean="0"/>
+              <a:t>Work on RELEASE steps</a:t>
+            </a:r>
+            <a:endParaRPr lang="en-US" dirty="0"/>
+          </a:p>
+        </p:txBody>
+      </p:sp>
+      <p:sp>
+        <p:nvSpPr>
+          <p:cNvPr id="3" name="Content Placeholder 2"/>
+          <p:cNvSpPr>
+            <a:spLocks noGrp="1"/>
+          </p:cNvSpPr>
+          <p:nvPr>
+            <p:ph idx="1"/>
+          </p:nvPr>
+        </p:nvSpPr>
+        <p:spPr>
+          <a:xfrm>
+            <a:off x="856059" y="1296305"/>
+            <a:ext cx="8229600" cy="4800814"/>
+          </a:xfrm>
+        </p:spPr>
+        <p:txBody>
+          <a:bodyPr>
+            <a:normAutofit fontScale="55000" lnSpcReduction="20000"/>
+          </a:bodyPr>
+          <a:lstStyle/>
+          <a:p>
+            <a:pPr marL="457200" indent="-457200">
+              <a:buFont typeface="+mj-lt"/>
+              <a:buAutoNum type="arabicPeriod"/>
+            </a:pPr>
+            <a:r>
+              <a:rPr lang="en-US" dirty="0"/>
+              <a:t> </a:t>
+            </a:r>
+            <a:r>
+              <a:rPr lang="en-US" dirty="0" smtClean="0"/>
+              <a:t>Check </a:t>
+            </a:r>
+            <a:r>
+              <a:rPr lang="en-US" dirty="0"/>
+              <a:t>out </a:t>
+            </a:r>
+            <a:r>
+              <a:rPr lang="en-US" dirty="0" smtClean="0"/>
+              <a:t>develop branch</a:t>
+            </a:r>
+            <a:endParaRPr lang="en-US" dirty="0"/>
+          </a:p>
+          <a:p>
+            <a:pPr lvl="1"/>
+            <a:r>
+              <a:rPr lang="en-US" dirty="0"/>
+              <a:t>$ </a:t>
+            </a:r>
+            <a:r>
+              <a:rPr lang="en-US" dirty="0" err="1"/>
+              <a:t>git</a:t>
+            </a:r>
+            <a:r>
+              <a:rPr lang="en-US" dirty="0"/>
+              <a:t> checkout </a:t>
+            </a:r>
+            <a:r>
+              <a:rPr lang="en-US" dirty="0" smtClean="0"/>
+              <a:t>develop</a:t>
+            </a:r>
+            <a:endParaRPr lang="en-US" dirty="0" smtClean="0"/>
+          </a:p>
+          <a:p>
+            <a:pPr marL="457200" indent="-457200">
+              <a:buFont typeface="+mj-lt"/>
+              <a:buAutoNum type="arabicPeriod"/>
+            </a:pPr>
+            <a:r>
+              <a:rPr lang="en-US" dirty="0" smtClean="0"/>
+              <a:t>Create feature branch from develop</a:t>
+            </a:r>
+          </a:p>
+          <a:p>
+            <a:pPr lvl="1"/>
+            <a:r>
+              <a:rPr lang="en-US" dirty="0" smtClean="0"/>
+              <a:t>$ </a:t>
+            </a:r>
+            <a:r>
+              <a:rPr lang="en-US" dirty="0" err="1" smtClean="0"/>
+              <a:t>git</a:t>
+            </a:r>
+            <a:r>
+              <a:rPr lang="en-US" dirty="0" smtClean="0"/>
+              <a:t> checkout -</a:t>
+            </a:r>
+            <a:r>
+              <a:rPr lang="en-US" dirty="0"/>
+              <a:t>b </a:t>
+            </a:r>
+            <a:r>
+              <a:rPr lang="en-US" dirty="0" smtClean="0"/>
+              <a:t>&lt;release/v1.0&gt;</a:t>
+            </a:r>
+          </a:p>
+          <a:p>
+            <a:pPr marL="457200" indent="-457200">
+              <a:buFont typeface="+mj-lt"/>
+              <a:buAutoNum type="arabicPeriod"/>
+            </a:pPr>
+            <a:r>
+              <a:rPr lang="en-US" dirty="0" smtClean="0"/>
+              <a:t>Set </a:t>
+            </a:r>
+            <a:r>
+              <a:rPr lang="en-US" dirty="0"/>
+              <a:t>up </a:t>
+            </a:r>
+            <a:r>
+              <a:rPr lang="en-US" dirty="0" smtClean="0"/>
+              <a:t>&lt;release/v1.0 &gt; to track remote branch '</a:t>
+            </a:r>
+            <a:r>
+              <a:rPr lang="en-US" dirty="0"/>
+              <a:t> release/v1.0</a:t>
+            </a:r>
+            <a:r>
+              <a:rPr lang="en-US" dirty="0" smtClean="0"/>
+              <a:t>‘ from 'origin'.</a:t>
+            </a:r>
+          </a:p>
+          <a:p>
+            <a:pPr lvl="1"/>
+            <a:r>
+              <a:rPr lang="en-US" dirty="0" smtClean="0"/>
+              <a:t>$ </a:t>
+            </a:r>
+            <a:r>
+              <a:rPr lang="en-US" dirty="0" err="1"/>
+              <a:t>git</a:t>
+            </a:r>
+            <a:r>
+              <a:rPr lang="en-US" dirty="0"/>
+              <a:t> push -u origin </a:t>
+            </a:r>
+            <a:r>
+              <a:rPr lang="en-US" dirty="0" smtClean="0"/>
+              <a:t>&lt;</a:t>
+            </a:r>
+            <a:r>
+              <a:rPr lang="en-US" dirty="0"/>
+              <a:t> </a:t>
+            </a:r>
+            <a:r>
+              <a:rPr lang="en-US" dirty="0" smtClean="0"/>
+              <a:t>hotfix/outlookdefect1&gt;</a:t>
+            </a:r>
+            <a:endParaRPr lang="en-US" dirty="0" smtClean="0"/>
+          </a:p>
+          <a:p>
+            <a:pPr marL="457200" indent="-457200">
+              <a:buFont typeface="+mj-lt"/>
+              <a:buAutoNum type="arabicPeriod"/>
+            </a:pPr>
+            <a:r>
+              <a:rPr lang="en-US" dirty="0" smtClean="0"/>
+              <a:t>Continue working on </a:t>
+            </a:r>
+            <a:r>
+              <a:rPr lang="en-US" dirty="0"/>
+              <a:t>your </a:t>
+            </a:r>
+            <a:r>
+              <a:rPr lang="en-US" dirty="0" smtClean="0"/>
+              <a:t>&lt;release/v1.0 &gt; </a:t>
+            </a:r>
+          </a:p>
+          <a:p>
+            <a:pPr lvl="1"/>
+            <a:r>
+              <a:rPr lang="en-US" dirty="0" smtClean="0"/>
+              <a:t>$</a:t>
+            </a:r>
+            <a:r>
+              <a:rPr lang="en-US" dirty="0" err="1" smtClean="0"/>
+              <a:t>git</a:t>
+            </a:r>
+            <a:r>
+              <a:rPr lang="en-US" dirty="0" smtClean="0"/>
+              <a:t> commit –m “update something”</a:t>
+            </a:r>
+          </a:p>
+          <a:p>
+            <a:pPr lvl="1"/>
+            <a:r>
+              <a:rPr lang="en-US" dirty="0" smtClean="0"/>
+              <a:t>$</a:t>
+            </a:r>
+            <a:r>
+              <a:rPr lang="en-US" dirty="0" err="1" smtClean="0"/>
+              <a:t>git</a:t>
+            </a:r>
+            <a:r>
+              <a:rPr lang="en-US" dirty="0" smtClean="0"/>
+              <a:t> push</a:t>
+            </a:r>
+          </a:p>
+          <a:p>
+            <a:pPr marL="457200" indent="-457200">
+              <a:buFont typeface="+mj-lt"/>
+              <a:buAutoNum type="arabicPeriod"/>
+            </a:pPr>
+            <a:r>
+              <a:rPr lang="en-US" dirty="0" smtClean="0"/>
+              <a:t>Merge </a:t>
+            </a:r>
+            <a:r>
+              <a:rPr lang="en-US" dirty="0"/>
+              <a:t>your </a:t>
+            </a:r>
+            <a:r>
+              <a:rPr lang="en-US" dirty="0" smtClean="0"/>
+              <a:t>&lt;</a:t>
+            </a:r>
+            <a:r>
+              <a:rPr lang="en-US" dirty="0"/>
+              <a:t> release/v1.0 </a:t>
+            </a:r>
+            <a:r>
+              <a:rPr lang="en-US" dirty="0" smtClean="0"/>
+              <a:t>&gt; </a:t>
+            </a:r>
+            <a:r>
+              <a:rPr lang="en-US" dirty="0"/>
+              <a:t>into </a:t>
+            </a:r>
+            <a:r>
+              <a:rPr lang="en-US" dirty="0" smtClean="0"/>
+              <a:t>master branch</a:t>
+            </a:r>
+          </a:p>
+          <a:p>
+            <a:pPr lvl="1"/>
+            <a:r>
+              <a:rPr lang="en-US" dirty="0"/>
+              <a:t>$ </a:t>
+            </a:r>
+            <a:r>
+              <a:rPr lang="en-US" dirty="0" err="1"/>
+              <a:t>git</a:t>
+            </a:r>
+            <a:r>
+              <a:rPr lang="en-US" dirty="0"/>
+              <a:t> checkout </a:t>
+            </a:r>
+            <a:r>
+              <a:rPr lang="en-US" dirty="0" smtClean="0"/>
+              <a:t>master</a:t>
+            </a:r>
+          </a:p>
+          <a:p>
+            <a:pPr lvl="1"/>
+            <a:r>
+              <a:rPr lang="en-US" dirty="0"/>
+              <a:t>$ </a:t>
+            </a:r>
+            <a:r>
+              <a:rPr lang="en-US" dirty="0" err="1"/>
+              <a:t>git</a:t>
+            </a:r>
+            <a:r>
+              <a:rPr lang="en-US" dirty="0"/>
+              <a:t> merge </a:t>
+            </a:r>
+            <a:r>
+              <a:rPr lang="en-US" dirty="0" smtClean="0"/>
+              <a:t>&lt;</a:t>
+            </a:r>
+            <a:r>
+              <a:rPr lang="en-US" dirty="0"/>
+              <a:t> release/v1.0 </a:t>
+            </a:r>
+            <a:r>
+              <a:rPr lang="en-US" dirty="0" smtClean="0"/>
+              <a:t>&gt;</a:t>
+            </a:r>
+          </a:p>
+          <a:p>
+            <a:pPr lvl="1"/>
+            <a:r>
+              <a:rPr lang="en-US" dirty="0" smtClean="0"/>
+              <a:t>$ </a:t>
+            </a:r>
+            <a:r>
+              <a:rPr lang="en-US" dirty="0" err="1" smtClean="0"/>
+              <a:t>git</a:t>
+            </a:r>
+            <a:r>
+              <a:rPr lang="en-US" dirty="0" smtClean="0"/>
+              <a:t> push</a:t>
+            </a:r>
+          </a:p>
+          <a:p>
+            <a:pPr marL="457200" indent="-457200">
+              <a:buFont typeface="+mj-lt"/>
+              <a:buAutoNum type="arabicPeriod"/>
+            </a:pPr>
+            <a:r>
+              <a:rPr lang="en-US" dirty="0"/>
+              <a:t>Merge your </a:t>
+            </a:r>
+            <a:r>
+              <a:rPr lang="en-US" dirty="0" smtClean="0"/>
+              <a:t>&lt;</a:t>
+            </a:r>
+            <a:r>
+              <a:rPr lang="en-US" dirty="0"/>
+              <a:t> </a:t>
+            </a:r>
+            <a:r>
+              <a:rPr lang="en-US" dirty="0" smtClean="0"/>
+              <a:t>hotfix/outlookdefect1&gt; </a:t>
+            </a:r>
+            <a:r>
+              <a:rPr lang="en-US" dirty="0"/>
+              <a:t>into develop branch</a:t>
+            </a:r>
+          </a:p>
+          <a:p>
+            <a:pPr lvl="1"/>
+            <a:r>
+              <a:rPr lang="en-US" dirty="0"/>
+              <a:t>$ </a:t>
+            </a:r>
+            <a:r>
+              <a:rPr lang="en-US" dirty="0" err="1"/>
+              <a:t>git</a:t>
+            </a:r>
+            <a:r>
+              <a:rPr lang="en-US" dirty="0"/>
+              <a:t> checkout develop</a:t>
+            </a:r>
+          </a:p>
+          <a:p>
+            <a:pPr lvl="1"/>
+            <a:r>
+              <a:rPr lang="en-US" dirty="0"/>
+              <a:t>$ </a:t>
+            </a:r>
+            <a:r>
+              <a:rPr lang="en-US" dirty="0" err="1"/>
+              <a:t>git</a:t>
+            </a:r>
+            <a:r>
+              <a:rPr lang="en-US" dirty="0"/>
+              <a:t> merge </a:t>
+            </a:r>
+            <a:r>
+              <a:rPr lang="en-US" dirty="0" smtClean="0"/>
+              <a:t>&lt;hotfix/outlookdefect1&gt;</a:t>
+            </a:r>
+            <a:endParaRPr lang="en-US" dirty="0"/>
+          </a:p>
+          <a:p>
+            <a:pPr lvl="1"/>
+            <a:r>
+              <a:rPr lang="en-US" dirty="0"/>
+              <a:t>$ </a:t>
+            </a:r>
+            <a:r>
+              <a:rPr lang="en-US" dirty="0" err="1"/>
+              <a:t>git</a:t>
+            </a:r>
+            <a:r>
+              <a:rPr lang="en-US" dirty="0"/>
+              <a:t> </a:t>
+            </a:r>
+            <a:r>
+              <a:rPr lang="en-US" dirty="0" smtClean="0"/>
+              <a:t>push</a:t>
+            </a:r>
+          </a:p>
+          <a:p>
+            <a:pPr marL="457200" indent="-457200">
+              <a:buFont typeface="+mj-lt"/>
+              <a:buAutoNum type="arabicPeriod"/>
+            </a:pPr>
+            <a:endParaRPr lang="en-US" dirty="0" smtClean="0"/>
+          </a:p>
+          <a:p>
+            <a:pPr lvl="1"/>
+            <a:endParaRPr lang="en-US" dirty="0" smtClean="0"/>
+          </a:p>
+        </p:txBody>
+      </p:sp>
+      <p:sp>
+        <p:nvSpPr>
+          <p:cNvPr id="5" name="Date Placeholder 4"/>
+          <p:cNvSpPr>
+            <a:spLocks noGrp="1"/>
+          </p:cNvSpPr>
+          <p:nvPr>
+            <p:ph type="dt" sz="half" idx="10"/>
+          </p:nvPr>
+        </p:nvSpPr>
+        <p:spPr/>
+        <p:txBody>
+          <a:bodyPr/>
+          <a:lstStyle/>
+          <a:p>
+            <a:fld id="{17397139-5CB7-4BF3-B4A9-113618B7BD90}" type="datetime5">
+              <a:rPr lang="en-US" smtClean="0"/>
+              <a:t>7-Nov-18</a:t>
+            </a:fld>
+            <a:endParaRPr lang="en-US"/>
+          </a:p>
+        </p:txBody>
+      </p:sp>
+      <p:sp>
+        <p:nvSpPr>
+          <p:cNvPr id="4" name="Footer Placeholder 3"/>
+          <p:cNvSpPr>
+            <a:spLocks noGrp="1"/>
+          </p:cNvSpPr>
+          <p:nvPr>
+            <p:ph type="ftr" sz="quarter" idx="11"/>
+          </p:nvPr>
+        </p:nvSpPr>
+        <p:spPr/>
+        <p:txBody>
+          <a:bodyPr/>
+          <a:lstStyle/>
+          <a:p>
+            <a:r>
+              <a:rPr lang="en-US" smtClean="0"/>
+              <a:t>AXP Internal</a:t>
+            </a:r>
+            <a:endParaRPr lang="en-US" dirty="0"/>
+          </a:p>
+        </p:txBody>
+      </p:sp>
+      <p:sp>
+        <p:nvSpPr>
+          <p:cNvPr id="6" name="Slide Number Placeholder 5"/>
+          <p:cNvSpPr>
+            <a:spLocks noGrp="1"/>
+          </p:cNvSpPr>
+          <p:nvPr>
+            <p:ph type="sldNum" sz="quarter" idx="12"/>
+          </p:nvPr>
+        </p:nvSpPr>
+        <p:spPr/>
+        <p:txBody>
+          <a:bodyPr/>
+          <a:lstStyle/>
+          <a:p>
+            <a:fld id="{B4829C59-8948-1A4D-840C-AB343535AC28}" type="slidenum">
+              <a:rPr lang="en-US" smtClean="0"/>
+              <a:t>17</a:t>
+            </a:fld>
+            <a:endParaRPr lang="en-US"/>
+          </a:p>
+        </p:txBody>
+      </p:sp>
+    </p:spTree>
+    <p:extLst>
+      <p:ext uri="{BB962C8B-B14F-4D97-AF65-F5344CB8AC3E}">
+        <p14:creationId xmlns:p14="http://schemas.microsoft.com/office/powerpoint/2010/main" val="3526222794"/>
+      </p:ext>
+    </p:extLst>
+  </p:cSld>
+  <p:clrMapOvr>
+    <a:masterClrMapping/>
+  </p:clrMapOvr>
+  <p:timing>
+    <p:tnLst>
+      <p:par>
+        <p:cTn id="1" dur="indefinite" restart="never" nodeType="tmRoot"/>
+      </p:par>
+    </p:tnLst>
+  </p:timing>
+</p:sld>
+</file>
+
+<file path=ppt/slides/slide18.xml><?xml version="1.0" encoding="utf-8"?>
+<p:sld xmlns:a="http://schemas.openxmlformats.org/drawingml/2006/main" xmlns:r="http://schemas.openxmlformats.org/officeDocument/2006/relationships" xmlns:p="http://schemas.openxmlformats.org/presentationml/2006/main">
+  <p:cSld>
+    <p:spTree>
+      <p:nvGrpSpPr>
+        <p:cNvPr id="1" name=""/>
+        <p:cNvGrpSpPr/>
+        <p:nvPr/>
+      </p:nvGrpSpPr>
+      <p:grpSpPr>
+        <a:xfrm>
+          <a:off x="0" y="0"/>
+          <a:ext cx="0" cy="0"/>
+          <a:chOff x="0" y="0"/>
+          <a:chExt cx="0" cy="0"/>
+        </a:xfrm>
+      </p:grpSpPr>
+      <p:sp>
+        <p:nvSpPr>
+          <p:cNvPr id="2" name="Title 1"/>
+          <p:cNvSpPr>
+            <a:spLocks noGrp="1"/>
+          </p:cNvSpPr>
+          <p:nvPr>
+            <p:ph type="title"/>
+          </p:nvPr>
+        </p:nvSpPr>
+        <p:spPr>
+          <a:xfrm>
+            <a:off x="1202570" y="445263"/>
+            <a:ext cx="5344534" cy="690518"/>
+          </a:xfrm>
+        </p:spPr>
+        <p:txBody>
+          <a:bodyPr>
+            <a:normAutofit/>
+          </a:bodyPr>
+          <a:lstStyle/>
+          <a:p>
+            <a:r>
+              <a:rPr lang="en-US" dirty="0" smtClean="0"/>
+              <a:t>Work on hotfix steps</a:t>
+            </a:r>
+            <a:endParaRPr lang="en-US" dirty="0"/>
+          </a:p>
+        </p:txBody>
+      </p:sp>
+      <p:sp>
+        <p:nvSpPr>
+          <p:cNvPr id="3" name="Content Placeholder 2"/>
+          <p:cNvSpPr>
+            <a:spLocks noGrp="1"/>
+          </p:cNvSpPr>
+          <p:nvPr>
+            <p:ph idx="1"/>
+          </p:nvPr>
+        </p:nvSpPr>
+        <p:spPr>
+          <a:xfrm>
+            <a:off x="856059" y="1296305"/>
+            <a:ext cx="8229600" cy="4800814"/>
+          </a:xfrm>
+        </p:spPr>
+        <p:txBody>
+          <a:bodyPr>
+            <a:normAutofit fontScale="55000" lnSpcReduction="20000"/>
+          </a:bodyPr>
+          <a:lstStyle/>
+          <a:p>
+            <a:pPr marL="457200" indent="-457200">
+              <a:buFont typeface="+mj-lt"/>
+              <a:buAutoNum type="arabicPeriod"/>
+            </a:pPr>
+            <a:r>
+              <a:rPr lang="en-US" dirty="0"/>
+              <a:t> </a:t>
+            </a:r>
+            <a:r>
+              <a:rPr lang="en-US" dirty="0" smtClean="0"/>
+              <a:t>Check </a:t>
+            </a:r>
+            <a:r>
+              <a:rPr lang="en-US" dirty="0"/>
+              <a:t>out </a:t>
+            </a:r>
+            <a:r>
+              <a:rPr lang="en-US" dirty="0" smtClean="0"/>
+              <a:t>master branch</a:t>
+            </a:r>
+            <a:endParaRPr lang="en-US" dirty="0"/>
+          </a:p>
+          <a:p>
+            <a:pPr lvl="1"/>
+            <a:r>
+              <a:rPr lang="en-US" dirty="0"/>
+              <a:t>$ </a:t>
+            </a:r>
+            <a:r>
+              <a:rPr lang="en-US" dirty="0" err="1"/>
+              <a:t>git</a:t>
+            </a:r>
+            <a:r>
+              <a:rPr lang="en-US" dirty="0"/>
+              <a:t> checkout </a:t>
+            </a:r>
+            <a:r>
+              <a:rPr lang="en-US" dirty="0" smtClean="0"/>
+              <a:t>master</a:t>
+            </a:r>
+            <a:r>
+              <a:rPr lang="en-US" dirty="0" smtClean="0"/>
+              <a:t> </a:t>
+            </a:r>
+          </a:p>
+          <a:p>
+            <a:pPr marL="457200" indent="-457200">
+              <a:buFont typeface="+mj-lt"/>
+              <a:buAutoNum type="arabicPeriod"/>
+            </a:pPr>
+            <a:r>
+              <a:rPr lang="en-US" dirty="0" smtClean="0"/>
+              <a:t>Create feature branch from master</a:t>
+            </a:r>
+          </a:p>
+          <a:p>
+            <a:pPr lvl="1"/>
+            <a:r>
+              <a:rPr lang="en-US" dirty="0" smtClean="0"/>
+              <a:t>$ </a:t>
+            </a:r>
+            <a:r>
+              <a:rPr lang="en-US" dirty="0" err="1" smtClean="0"/>
+              <a:t>git</a:t>
+            </a:r>
+            <a:r>
+              <a:rPr lang="en-US" dirty="0" smtClean="0"/>
+              <a:t> checkout -</a:t>
+            </a:r>
+            <a:r>
+              <a:rPr lang="en-US" dirty="0"/>
+              <a:t>b </a:t>
+            </a:r>
+            <a:r>
+              <a:rPr lang="en-US" dirty="0" smtClean="0"/>
+              <a:t>&lt;hotfix/outlookdefect1</a:t>
+            </a:r>
+            <a:r>
+              <a:rPr lang="en-US" dirty="0"/>
+              <a:t>&gt;</a:t>
+            </a:r>
+            <a:endParaRPr lang="en-US" dirty="0" smtClean="0"/>
+          </a:p>
+          <a:p>
+            <a:pPr marL="457200" indent="-457200">
+              <a:buFont typeface="+mj-lt"/>
+              <a:buAutoNum type="arabicPeriod"/>
+            </a:pPr>
+            <a:r>
+              <a:rPr lang="en-US" dirty="0" smtClean="0"/>
+              <a:t>Set </a:t>
+            </a:r>
+            <a:r>
+              <a:rPr lang="en-US" dirty="0"/>
+              <a:t>up </a:t>
+            </a:r>
+            <a:r>
+              <a:rPr lang="en-US" dirty="0" smtClean="0"/>
+              <a:t>&lt;hotfix/outlookdefect1</a:t>
+            </a:r>
+            <a:r>
+              <a:rPr lang="en-US" dirty="0"/>
+              <a:t>&gt; </a:t>
+            </a:r>
+            <a:r>
+              <a:rPr lang="en-US" dirty="0" smtClean="0"/>
+              <a:t>to track remote branch '</a:t>
+            </a:r>
+            <a:r>
+              <a:rPr lang="en-US" dirty="0"/>
+              <a:t> hotfix/outlookdefect1</a:t>
+            </a:r>
+            <a:r>
+              <a:rPr lang="en-US" dirty="0" smtClean="0"/>
+              <a:t>‘ from 'origin'.</a:t>
+            </a:r>
+          </a:p>
+          <a:p>
+            <a:pPr lvl="1"/>
+            <a:r>
+              <a:rPr lang="en-US" dirty="0" smtClean="0"/>
+              <a:t>$ </a:t>
+            </a:r>
+            <a:r>
+              <a:rPr lang="en-US" dirty="0" err="1"/>
+              <a:t>git</a:t>
+            </a:r>
+            <a:r>
+              <a:rPr lang="en-US" dirty="0"/>
+              <a:t> push -u origin &lt;</a:t>
+            </a:r>
+            <a:r>
+              <a:rPr lang="en-US" dirty="0" err="1"/>
+              <a:t>fhotfix</a:t>
+            </a:r>
+            <a:r>
+              <a:rPr lang="en-US" dirty="0"/>
+              <a:t>/outlookdefect1&gt;</a:t>
+            </a:r>
+            <a:endParaRPr lang="en-US" dirty="0" smtClean="0"/>
+          </a:p>
+          <a:p>
+            <a:pPr marL="457200" indent="-457200">
+              <a:buFont typeface="+mj-lt"/>
+              <a:buAutoNum type="arabicPeriod"/>
+            </a:pPr>
+            <a:r>
+              <a:rPr lang="en-US" dirty="0" smtClean="0"/>
+              <a:t>Continue working on </a:t>
+            </a:r>
+            <a:r>
+              <a:rPr lang="en-US" dirty="0"/>
+              <a:t>your &lt;hotfix/outlookdefect1&gt; </a:t>
+            </a:r>
+            <a:endParaRPr lang="en-US" dirty="0" smtClean="0"/>
+          </a:p>
+          <a:p>
+            <a:pPr lvl="1"/>
+            <a:r>
+              <a:rPr lang="en-US" dirty="0" smtClean="0"/>
+              <a:t>$</a:t>
+            </a:r>
+            <a:r>
+              <a:rPr lang="en-US" dirty="0" err="1" smtClean="0"/>
+              <a:t>git</a:t>
+            </a:r>
+            <a:r>
+              <a:rPr lang="en-US" dirty="0" smtClean="0"/>
+              <a:t> commit –m “update something”</a:t>
+            </a:r>
+          </a:p>
+          <a:p>
+            <a:pPr lvl="1"/>
+            <a:r>
+              <a:rPr lang="en-US" dirty="0" smtClean="0"/>
+              <a:t>$</a:t>
+            </a:r>
+            <a:r>
+              <a:rPr lang="en-US" dirty="0" err="1" smtClean="0"/>
+              <a:t>git</a:t>
+            </a:r>
+            <a:r>
+              <a:rPr lang="en-US" dirty="0" smtClean="0"/>
+              <a:t> push</a:t>
+            </a:r>
+          </a:p>
+          <a:p>
+            <a:pPr marL="457200" indent="-457200">
+              <a:buFont typeface="+mj-lt"/>
+              <a:buAutoNum type="arabicPeriod"/>
+            </a:pPr>
+            <a:r>
+              <a:rPr lang="en-US" dirty="0" smtClean="0"/>
+              <a:t>Merge </a:t>
+            </a:r>
+            <a:r>
+              <a:rPr lang="en-US" dirty="0"/>
+              <a:t>your &lt;hotfix/outlookdefect1&gt; into </a:t>
+            </a:r>
+            <a:r>
+              <a:rPr lang="en-US" dirty="0" smtClean="0"/>
+              <a:t>master branch</a:t>
+            </a:r>
+          </a:p>
+          <a:p>
+            <a:pPr lvl="1"/>
+            <a:r>
+              <a:rPr lang="en-US" dirty="0"/>
+              <a:t>$ </a:t>
+            </a:r>
+            <a:r>
+              <a:rPr lang="en-US" dirty="0" err="1"/>
+              <a:t>git</a:t>
+            </a:r>
+            <a:r>
+              <a:rPr lang="en-US" dirty="0"/>
+              <a:t> checkout </a:t>
+            </a:r>
+            <a:r>
+              <a:rPr lang="en-US" dirty="0" smtClean="0"/>
+              <a:t>master</a:t>
+            </a:r>
+          </a:p>
+          <a:p>
+            <a:pPr lvl="1"/>
+            <a:r>
+              <a:rPr lang="en-US" dirty="0"/>
+              <a:t>$ </a:t>
+            </a:r>
+            <a:r>
+              <a:rPr lang="en-US" dirty="0" err="1"/>
+              <a:t>git</a:t>
+            </a:r>
+            <a:r>
+              <a:rPr lang="en-US" dirty="0"/>
+              <a:t> merge &lt;hotfix/outlookdefect1&gt;</a:t>
+            </a:r>
+            <a:endParaRPr lang="en-US" dirty="0" smtClean="0"/>
+          </a:p>
+          <a:p>
+            <a:pPr lvl="1"/>
+            <a:r>
+              <a:rPr lang="en-US" dirty="0" smtClean="0"/>
+              <a:t>$ </a:t>
+            </a:r>
+            <a:r>
+              <a:rPr lang="en-US" dirty="0" err="1" smtClean="0"/>
+              <a:t>git</a:t>
+            </a:r>
+            <a:r>
+              <a:rPr lang="en-US" dirty="0" smtClean="0"/>
+              <a:t> push</a:t>
+            </a:r>
+          </a:p>
+          <a:p>
+            <a:pPr marL="457200" indent="-457200">
+              <a:buFont typeface="+mj-lt"/>
+              <a:buAutoNum type="arabicPeriod"/>
+            </a:pPr>
+            <a:r>
+              <a:rPr lang="en-US" dirty="0"/>
+              <a:t>Merge your &lt;hotfix/outlookdefect1&gt; into develop branch</a:t>
+            </a:r>
+          </a:p>
+          <a:p>
+            <a:pPr lvl="1"/>
+            <a:r>
+              <a:rPr lang="en-US" dirty="0"/>
+              <a:t>$ </a:t>
+            </a:r>
+            <a:r>
+              <a:rPr lang="en-US" dirty="0" err="1"/>
+              <a:t>git</a:t>
+            </a:r>
+            <a:r>
+              <a:rPr lang="en-US" dirty="0"/>
+              <a:t> checkout develop</a:t>
+            </a:r>
+          </a:p>
+          <a:p>
+            <a:pPr lvl="1"/>
+            <a:r>
+              <a:rPr lang="en-US" dirty="0"/>
+              <a:t>$ </a:t>
+            </a:r>
+            <a:r>
+              <a:rPr lang="en-US" dirty="0" err="1"/>
+              <a:t>git</a:t>
+            </a:r>
+            <a:r>
+              <a:rPr lang="en-US" dirty="0"/>
+              <a:t> merge &lt;hotfix/outlookdefect1&gt;</a:t>
+            </a:r>
+          </a:p>
+          <a:p>
+            <a:pPr lvl="1"/>
+            <a:r>
+              <a:rPr lang="en-US" dirty="0"/>
+              <a:t>$ </a:t>
+            </a:r>
+            <a:r>
+              <a:rPr lang="en-US" dirty="0" err="1"/>
+              <a:t>git</a:t>
+            </a:r>
+            <a:r>
+              <a:rPr lang="en-US" dirty="0"/>
+              <a:t> </a:t>
+            </a:r>
+            <a:r>
+              <a:rPr lang="en-US" dirty="0" smtClean="0"/>
+              <a:t>push</a:t>
+            </a:r>
+          </a:p>
+          <a:p>
+            <a:pPr marL="457200" indent="-457200">
+              <a:buFont typeface="+mj-lt"/>
+              <a:buAutoNum type="arabicPeriod"/>
+            </a:pPr>
+            <a:endParaRPr lang="en-US" dirty="0" smtClean="0"/>
+          </a:p>
+          <a:p>
+            <a:pPr lvl="1"/>
+            <a:endParaRPr lang="en-US" dirty="0" smtClean="0"/>
+          </a:p>
+        </p:txBody>
+      </p:sp>
+      <p:sp>
+        <p:nvSpPr>
+          <p:cNvPr id="5" name="Date Placeholder 4"/>
+          <p:cNvSpPr>
+            <a:spLocks noGrp="1"/>
+          </p:cNvSpPr>
+          <p:nvPr>
+            <p:ph type="dt" sz="half" idx="10"/>
+          </p:nvPr>
+        </p:nvSpPr>
+        <p:spPr/>
+        <p:txBody>
+          <a:bodyPr/>
+          <a:lstStyle/>
+          <a:p>
+            <a:fld id="{DFA79D2E-ABDB-44B7-9D70-1B4DE39D13F7}" type="datetime5">
+              <a:rPr lang="en-US" smtClean="0"/>
+              <a:t>7-Nov-18</a:t>
+            </a:fld>
+            <a:endParaRPr lang="en-US"/>
+          </a:p>
+        </p:txBody>
+      </p:sp>
+      <p:sp>
+        <p:nvSpPr>
+          <p:cNvPr id="4" name="Footer Placeholder 3"/>
+          <p:cNvSpPr>
+            <a:spLocks noGrp="1"/>
+          </p:cNvSpPr>
+          <p:nvPr>
+            <p:ph type="ftr" sz="quarter" idx="11"/>
+          </p:nvPr>
+        </p:nvSpPr>
+        <p:spPr/>
+        <p:txBody>
+          <a:bodyPr/>
+          <a:lstStyle/>
+          <a:p>
+            <a:r>
+              <a:rPr lang="en-US" smtClean="0"/>
+              <a:t>AXP Internal</a:t>
+            </a:r>
+            <a:endParaRPr lang="en-US" dirty="0"/>
+          </a:p>
+        </p:txBody>
+      </p:sp>
+      <p:sp>
+        <p:nvSpPr>
+          <p:cNvPr id="6" name="Slide Number Placeholder 5"/>
+          <p:cNvSpPr>
+            <a:spLocks noGrp="1"/>
+          </p:cNvSpPr>
+          <p:nvPr>
+            <p:ph type="sldNum" sz="quarter" idx="12"/>
+          </p:nvPr>
+        </p:nvSpPr>
+        <p:spPr/>
+        <p:txBody>
+          <a:bodyPr/>
+          <a:lstStyle/>
+          <a:p>
+            <a:fld id="{B4829C59-8948-1A4D-840C-AB343535AC28}" type="slidenum">
+              <a:rPr lang="en-US" smtClean="0"/>
+              <a:t>18</a:t>
+            </a:fld>
+            <a:endParaRPr lang="en-US"/>
+          </a:p>
+        </p:txBody>
+      </p:sp>
+    </p:spTree>
+    <p:extLst>
+      <p:ext uri="{BB962C8B-B14F-4D97-AF65-F5344CB8AC3E}">
+        <p14:creationId xmlns:p14="http://schemas.microsoft.com/office/powerpoint/2010/main" val="2827723089"/>
+      </p:ext>
+    </p:extLst>
+  </p:cSld>
+  <p:clrMapOvr>
+    <a:masterClrMapping/>
+  </p:clrMapOvr>
+  <p:timing>
+    <p:tnLst>
+      <p:par>
+        <p:cTn id="1" dur="indefinite" restart="never" nodeType="tmRoot"/>
+      </p:par>
+    </p:tnLst>
+  </p:timing>
+</p:sld>
+</file>
+
+<file path=ppt/slides/slide19.xml><?xml version="1.0" encoding="utf-8"?>
+<p:sld xmlns:a="http://schemas.openxmlformats.org/drawingml/2006/main" xmlns:r="http://schemas.openxmlformats.org/officeDocument/2006/relationships" xmlns:p="http://schemas.openxmlformats.org/presentationml/2006/main">
+  <p:cSld>
+    <p:spTree>
+      <p:nvGrpSpPr>
+        <p:cNvPr id="1" name=""/>
+        <p:cNvGrpSpPr/>
+        <p:nvPr/>
+      </p:nvGrpSpPr>
+      <p:grpSpPr>
+        <a:xfrm>
+          <a:off x="0" y="0"/>
+          <a:ext cx="0" cy="0"/>
+          <a:chOff x="0" y="0"/>
+          <a:chExt cx="0" cy="0"/>
+        </a:xfrm>
+      </p:grpSpPr>
+      <p:sp>
+        <p:nvSpPr>
           <p:cNvPr id="2" name="Date Placeholder 1"/>
           <p:cNvSpPr>
             <a:spLocks noGrp="1"/>
@@ -18966,9 +20552,9 @@
           <a:bodyPr/>
           <a:lstStyle/>
           <a:p>
-            <a:fld id="{9069892B-FEFC-4F3D-AAB7-150792B871DF}" type="datetime5">
+            <a:fld id="{93283E91-9DDD-43FC-AD0D-1E6D474259BD}" type="datetime5">
               <a:rPr lang="en-US" smtClean="0"/>
-              <a:t>30-Oct-18</a:t>
+              <a:t>7-Nov-18</a:t>
             </a:fld>
             <a:endParaRPr lang="en-US"/>
           </a:p>
@@ -19014,7 +20600,7 @@
           <a:p>
             <a:fld id="{B4829C59-8948-1A4D-840C-AB343535AC28}" type="slidenum">
               <a:rPr lang="en-US" smtClean="0"/>
-              <a:t>15</a:t>
+              <a:t>19</a:t>
             </a:fld>
             <a:endParaRPr lang="en-US"/>
           </a:p>
@@ -19158,13 +20744,8 @@
             <a:pPr lvl="1"/>
             <a:r>
               <a:rPr lang="en-US" dirty="0" smtClean="0"/>
-              <a:t>Pull other people work before you push yours</a:t>
-            </a:r>
-            <a:r>
-              <a:rPr lang="en-US" dirty="0" smtClean="0"/>
-              <a:t>?</a:t>
-            </a:r>
-            <a:endParaRPr lang="en-US" dirty="0" smtClean="0"/>
+              <a:t>Pull other people work before you push yours?</a:t>
+            </a:r>
           </a:p>
           <a:p>
             <a:r>
@@ -19241,9 +20822,9 @@
           <a:bodyPr/>
           <a:lstStyle/>
           <a:p>
-            <a:fld id="{6A28382B-ABF9-4E39-A384-A0C28B7772ED}" type="datetime5">
+            <a:fld id="{1206DBAE-42E8-4F86-8A4C-B9F33579430C}" type="datetime5">
               <a:rPr lang="en-US" smtClean="0"/>
-              <a:t>30-Oct-18</a:t>
+              <a:t>7-Nov-18</a:t>
             </a:fld>
             <a:endParaRPr lang="en-US"/>
           </a:p>
@@ -19718,9 +21299,9 @@
           <a:bodyPr/>
           <a:lstStyle/>
           <a:p>
-            <a:fld id="{AD92E727-FD61-4BDA-9422-3FC25BDBF840}" type="datetime5">
+            <a:fld id="{2FCB6251-B54A-478A-9A30-0B0E07CFBA1F}" type="datetime5">
               <a:rPr lang="en-US" smtClean="0"/>
-              <a:t>30-Oct-18</a:t>
+              <a:t>7-Nov-18</a:t>
             </a:fld>
             <a:endParaRPr lang="en-US"/>
           </a:p>
@@ -20141,11 +21722,7 @@
             <a:pPr lvl="1"/>
             <a:r>
               <a:rPr lang="en-US" dirty="0" smtClean="0"/>
-              <a:t>Tag </a:t>
-            </a:r>
-            <a:r>
-              <a:rPr lang="en-US" dirty="0" smtClean="0"/>
-              <a:t>it</a:t>
+              <a:t>Tag it</a:t>
             </a:r>
           </a:p>
           <a:p>
@@ -20154,7 +21731,6 @@
               <a:rPr lang="en-US" dirty="0" smtClean="0"/>
               <a:t>Infinite life time</a:t>
             </a:r>
-            <a:endParaRPr lang="en-US" dirty="0" smtClean="0"/>
           </a:p>
           <a:p>
             <a:r>
@@ -20223,9 +21799,9 @@
           <a:bodyPr/>
           <a:lstStyle/>
           <a:p>
-            <a:fld id="{EEC10A36-203F-4DE8-AABC-430E018C995F}" type="datetime5">
+            <a:fld id="{F81B1CD4-89CC-4981-8FB8-8732883E56EF}" type="datetime5">
               <a:rPr lang="en-US" smtClean="0"/>
-              <a:t>30-Oct-18</a:t>
+              <a:t>7-Nov-18</a:t>
             </a:fld>
             <a:endParaRPr lang="en-US" dirty="0"/>
           </a:p>
@@ -20677,9 +22253,9 @@
           <a:bodyPr/>
           <a:lstStyle/>
           <a:p>
-            <a:fld id="{D0B69C70-D161-4F99-86D6-A57A49FAB2F2}" type="datetime5">
+            <a:fld id="{28FEC103-BFC6-4CCA-9496-33CD2DB436CE}" type="datetime5">
               <a:rPr lang="en-US" smtClean="0"/>
-              <a:t>30-Oct-18</a:t>
+              <a:t>7-Nov-18</a:t>
             </a:fld>
             <a:endParaRPr lang="en-US"/>
           </a:p>
@@ -22556,9 +24132,9 @@
           <a:bodyPr/>
           <a:lstStyle/>
           <a:p>
-            <a:fld id="{108B1F66-8AAE-4530-BF81-6A766AC95C79}" type="datetime5">
+            <a:fld id="{45D9655A-8E8D-441E-B03D-AFDBE2D077CD}" type="datetime5">
               <a:rPr lang="en-US" smtClean="0"/>
-              <a:t>30-Oct-18</a:t>
+              <a:t>7-Nov-18</a:t>
             </a:fld>
             <a:endParaRPr lang="en-US" dirty="0"/>
           </a:p>
@@ -22899,9 +24475,9 @@
           <a:bodyPr/>
           <a:lstStyle/>
           <a:p>
-            <a:fld id="{EC619349-ECA5-4A76-A2C2-A0479D105BC6}" type="datetime5">
+            <a:fld id="{A799B89C-4425-4E30-802E-AF6BB3857E5E}" type="datetime5">
               <a:rPr lang="en-US" smtClean="0"/>
-              <a:t>30-Oct-18</a:t>
+              <a:t>7-Nov-18</a:t>
             </a:fld>
             <a:endParaRPr lang="en-US"/>
           </a:p>
@@ -26670,52 +28246,45 @@
             </a:r>
             <a:r>
               <a:rPr lang="en-US" dirty="0" smtClean="0"/>
-              <a:t>or finalizing a major/minor release, branched from </a:t>
+              <a:t>or finalizing a major/minor release, branched from develop</a:t>
+            </a:r>
+          </a:p>
+          <a:p>
+            <a:pPr lvl="1"/>
+            <a:r>
+              <a:rPr lang="en-US" dirty="0"/>
+              <a:t>No features added only minor bug fixes </a:t>
+            </a:r>
+            <a:r>
+              <a:rPr lang="en-US" dirty="0" smtClean="0"/>
+              <a:t>allowed</a:t>
+            </a:r>
+          </a:p>
+          <a:p>
+            <a:pPr lvl="1"/>
+            <a:r>
+              <a:rPr lang="en-US" dirty="0"/>
+              <a:t>Merge into </a:t>
+            </a:r>
+            <a:r>
+              <a:rPr lang="en-US" dirty="0" smtClean="0"/>
+              <a:t>master</a:t>
+            </a:r>
+          </a:p>
+          <a:p>
+            <a:pPr lvl="1"/>
+            <a:r>
+              <a:rPr lang="en-US" dirty="0" smtClean="0"/>
+              <a:t>Merge </a:t>
+            </a:r>
+            <a:r>
+              <a:rPr lang="en-US" dirty="0"/>
+              <a:t>all changes back to </a:t>
             </a:r>
             <a:r>
               <a:rPr lang="en-US" dirty="0" smtClean="0"/>
               <a:t>develop</a:t>
             </a:r>
-          </a:p>
-          <a:p>
-            <a:pPr lvl="1"/>
-            <a:r>
-              <a:rPr lang="en-US" dirty="0"/>
-              <a:t>No features added only minor bug fixes </a:t>
-            </a:r>
-            <a:r>
-              <a:rPr lang="en-US" dirty="0" smtClean="0"/>
-              <a:t>allowed</a:t>
-            </a:r>
-            <a:endParaRPr lang="en-US" dirty="0" smtClean="0"/>
-          </a:p>
-          <a:p>
-            <a:pPr lvl="1"/>
-            <a:r>
-              <a:rPr lang="en-US" dirty="0"/>
-              <a:t>Merge into </a:t>
-            </a:r>
-            <a:r>
-              <a:rPr lang="en-US" dirty="0" smtClean="0"/>
-              <a:t>master</a:t>
-            </a:r>
-            <a:endParaRPr lang="en-US" dirty="0" smtClean="0"/>
-          </a:p>
-          <a:p>
-            <a:pPr lvl="1"/>
-            <a:r>
-              <a:rPr lang="en-US" dirty="0" smtClean="0"/>
-              <a:t>Merge </a:t>
-            </a:r>
-            <a:r>
-              <a:rPr lang="en-US" dirty="0"/>
-              <a:t>all changes back to </a:t>
-            </a:r>
-            <a:r>
-              <a:rPr lang="en-US" dirty="0" smtClean="0"/>
-              <a:t>develop</a:t>
-            </a:r>
-            <a:endParaRPr lang="en-US" dirty="0" smtClean="0"/>
           </a:p>
           <a:p>
             <a:endParaRPr lang="en-US" dirty="0"/>
@@ -26749,9 +28318,9 @@
           <a:bodyPr/>
           <a:lstStyle/>
           <a:p>
-            <a:fld id="{BC4AEE0F-E520-4C2B-A7E7-ED08D9180E3E}" type="datetime5">
+            <a:fld id="{FA38361B-7C46-4E49-BD57-A01747919810}" type="datetime5">
               <a:rPr lang="en-US" smtClean="0"/>
-              <a:t>30-Oct-18</a:t>
+              <a:t>7-Nov-18</a:t>
             </a:fld>
             <a:endParaRPr lang="en-US" dirty="0"/>
           </a:p>
@@ -27092,9 +28661,9 @@
           <a:bodyPr/>
           <a:lstStyle/>
           <a:p>
-            <a:fld id="{14D23E15-423C-4B27-9A8D-DEC587CB47E4}" type="datetime5">
+            <a:fld id="{F4793CB2-C989-4AED-B13D-820296CEB7CE}" type="datetime5">
               <a:rPr lang="en-US" smtClean="0"/>
-              <a:t>30-Oct-18</a:t>
+              <a:t>7-Nov-18</a:t>
             </a:fld>
             <a:endParaRPr lang="en-US"/>
           </a:p>
